--- a/08_iterators/08_iterators.pptx
+++ b/08_iterators/08_iterators.pptx
@@ -764,141 +764,6 @@
           <a:bodyPr/>
           <a:lstStyle/>
           <a:p>
-            <a:r>
-              <a:rPr lang="ru-RU" dirty="0"/>
-              <a:t>Нет слайда</a:t>
-            </a:r>
-            <a:r>
-              <a:rPr lang="ru-RU" baseline="0" dirty="0"/>
-              <a:t> с рекурсивной декомпозицией</a:t>
-            </a:r>
-            <a:r>
-              <a:rPr lang="en-US" baseline="0" dirty="0"/>
-              <a:t>.</a:t>
-            </a:r>
-          </a:p>
-          <a:p>
-            <a:pPr marL="228600" indent="-228600">
-              <a:buFont typeface="+mj-lt"/>
-              <a:buAutoNum type="arabicPeriod"/>
-            </a:pPr>
-            <a:r>
-              <a:rPr lang="en-US" baseline="0" dirty="0"/>
-              <a:t>Loop parallelization:</a:t>
-            </a:r>
-          </a:p>
-          <a:p>
-            <a:pPr marL="685800" lvl="1" indent="-228600">
-              <a:buFont typeface="+mj-lt"/>
-              <a:buAutoNum type="arabicPeriod"/>
-            </a:pPr>
-            <a:r>
-              <a:rPr lang="en-US" baseline="0" dirty="0"/>
-              <a:t>Parallel for</a:t>
-            </a:r>
-          </a:p>
-          <a:p>
-            <a:pPr marL="1143000" lvl="2" indent="-228600">
-              <a:buFont typeface="+mj-lt"/>
-              <a:buAutoNum type="arabicPeriod"/>
-            </a:pPr>
-            <a:r>
-              <a:rPr lang="ru-RU" baseline="0" dirty="0"/>
-              <a:t>Обход по итерационному пространству, заданному пользователем. Вплоть до </a:t>
-            </a:r>
-            <a:r>
-              <a:rPr lang="en-US" baseline="0" dirty="0"/>
-              <a:t>N-</a:t>
-            </a:r>
-            <a:r>
-              <a:rPr lang="ru-RU" baseline="0" dirty="0"/>
-              <a:t>мерного пространства. Присутствуют возможности, позволяющие описать это н-мерное пространство и задать глубину его делимости для большего контроля над описываемыми задачами. </a:t>
-            </a:r>
-            <a:r>
-              <a:rPr lang="en-US" baseline="0" dirty="0"/>
-              <a:t>O(P * log(N)) – </a:t>
-            </a:r>
-            <a:r>
-              <a:rPr lang="ru-RU" baseline="0" dirty="0"/>
-              <a:t>по памяти</a:t>
-            </a:r>
-            <a:endParaRPr lang="en-US" baseline="0" dirty="0"/>
-          </a:p>
-          <a:p>
-            <a:pPr marL="685800" lvl="1" indent="-228600">
-              <a:buFont typeface="+mj-lt"/>
-              <a:buAutoNum type="arabicPeriod"/>
-            </a:pPr>
-            <a:r>
-              <a:rPr lang="en-US" baseline="0" dirty="0"/>
-              <a:t>Parallel reduce</a:t>
-            </a:r>
-            <a:endParaRPr lang="ru-RU" baseline="0" dirty="0"/>
-          </a:p>
-          <a:p>
-            <a:pPr marL="1143000" lvl="2" indent="-228600">
-              <a:buFont typeface="+mj-lt"/>
-              <a:buAutoNum type="arabicPeriod"/>
-            </a:pPr>
-            <a:r>
-              <a:rPr lang="ru-RU" baseline="0" dirty="0"/>
-              <a:t>Дополнительное редуцирование при обходе по итерационному пространству.</a:t>
-            </a:r>
-            <a:endParaRPr lang="en-US" baseline="0" dirty="0"/>
-          </a:p>
-          <a:p>
-            <a:pPr marL="685800" lvl="1" indent="-228600">
-              <a:buFont typeface="+mj-lt"/>
-              <a:buAutoNum type="arabicPeriod"/>
-            </a:pPr>
-            <a:r>
-              <a:rPr lang="en-US" baseline="0" dirty="0"/>
-              <a:t>Parallel scan</a:t>
-            </a:r>
-            <a:endParaRPr lang="ru-RU" baseline="0" dirty="0"/>
-          </a:p>
-          <a:p>
-            <a:pPr marL="1143000" lvl="2" indent="-228600">
-              <a:buFont typeface="+mj-lt"/>
-              <a:buAutoNum type="arabicPeriod"/>
-            </a:pPr>
-            <a:r>
-              <a:rPr lang="ru-RU" baseline="0" dirty="0"/>
-              <a:t>Подсчет частичных сумм при обходе итерационного пространства</a:t>
-            </a:r>
-            <a:endParaRPr lang="en-US" baseline="0" dirty="0"/>
-          </a:p>
-          <a:p>
-            <a:pPr marL="228600" indent="-228600">
-              <a:buFont typeface="+mj-lt"/>
-              <a:buAutoNum type="arabicPeriod"/>
-            </a:pPr>
-            <a:r>
-              <a:rPr lang="en-US" baseline="0" dirty="0"/>
-              <a:t>Parallel sorting</a:t>
-            </a:r>
-          </a:p>
-          <a:p>
-            <a:pPr marL="228600" indent="-228600">
-              <a:buFont typeface="+mj-lt"/>
-              <a:buAutoNum type="arabicPeriod"/>
-            </a:pPr>
-            <a:r>
-              <a:rPr lang="en-US" baseline="0" dirty="0"/>
-              <a:t>Parallel function invocation</a:t>
-            </a:r>
-          </a:p>
-          <a:p>
-            <a:pPr marL="228600" indent="-228600">
-              <a:buFont typeface="+mj-lt"/>
-              <a:buAutoNum type="arabicPeriod"/>
-            </a:pPr>
-            <a:r>
-              <a:rPr lang="en-US" baseline="0" dirty="0"/>
-              <a:t>Streaming</a:t>
-            </a:r>
-          </a:p>
-          <a:p>
             <a:endParaRPr lang="en-US" dirty="0"/>
           </a:p>
         </p:txBody>
@@ -984,141 +849,6 @@
           <a:bodyPr/>
           <a:lstStyle/>
           <a:p>
-            <a:r>
-              <a:rPr lang="ru-RU" dirty="0"/>
-              <a:t>Нет слайда</a:t>
-            </a:r>
-            <a:r>
-              <a:rPr lang="ru-RU" baseline="0" dirty="0"/>
-              <a:t> с рекурсивной декомпозицией</a:t>
-            </a:r>
-            <a:r>
-              <a:rPr lang="en-US" baseline="0" dirty="0"/>
-              <a:t>.</a:t>
-            </a:r>
-          </a:p>
-          <a:p>
-            <a:pPr marL="228600" indent="-228600">
-              <a:buFont typeface="+mj-lt"/>
-              <a:buAutoNum type="arabicPeriod"/>
-            </a:pPr>
-            <a:r>
-              <a:rPr lang="en-US" baseline="0" dirty="0"/>
-              <a:t>Loop parallelization:</a:t>
-            </a:r>
-          </a:p>
-          <a:p>
-            <a:pPr marL="685800" lvl="1" indent="-228600">
-              <a:buFont typeface="+mj-lt"/>
-              <a:buAutoNum type="arabicPeriod"/>
-            </a:pPr>
-            <a:r>
-              <a:rPr lang="en-US" baseline="0" dirty="0"/>
-              <a:t>Parallel for</a:t>
-            </a:r>
-          </a:p>
-          <a:p>
-            <a:pPr marL="1143000" lvl="2" indent="-228600">
-              <a:buFont typeface="+mj-lt"/>
-              <a:buAutoNum type="arabicPeriod"/>
-            </a:pPr>
-            <a:r>
-              <a:rPr lang="ru-RU" baseline="0" dirty="0"/>
-              <a:t>Обход по итерационному пространству, заданному пользователем. Вплоть до </a:t>
-            </a:r>
-            <a:r>
-              <a:rPr lang="en-US" baseline="0" dirty="0"/>
-              <a:t>N-</a:t>
-            </a:r>
-            <a:r>
-              <a:rPr lang="ru-RU" baseline="0" dirty="0"/>
-              <a:t>мерного пространства. Присутствуют возможности, позволяющие описать это н-мерное пространство и задать глубину его делимости для большего контроля над описываемыми задачами. </a:t>
-            </a:r>
-            <a:r>
-              <a:rPr lang="en-US" baseline="0" dirty="0"/>
-              <a:t>O(P * log(N)) – </a:t>
-            </a:r>
-            <a:r>
-              <a:rPr lang="ru-RU" baseline="0" dirty="0"/>
-              <a:t>по памяти</a:t>
-            </a:r>
-            <a:endParaRPr lang="en-US" baseline="0" dirty="0"/>
-          </a:p>
-          <a:p>
-            <a:pPr marL="685800" lvl="1" indent="-228600">
-              <a:buFont typeface="+mj-lt"/>
-              <a:buAutoNum type="arabicPeriod"/>
-            </a:pPr>
-            <a:r>
-              <a:rPr lang="en-US" baseline="0" dirty="0"/>
-              <a:t>Parallel reduce</a:t>
-            </a:r>
-            <a:endParaRPr lang="ru-RU" baseline="0" dirty="0"/>
-          </a:p>
-          <a:p>
-            <a:pPr marL="1143000" lvl="2" indent="-228600">
-              <a:buFont typeface="+mj-lt"/>
-              <a:buAutoNum type="arabicPeriod"/>
-            </a:pPr>
-            <a:r>
-              <a:rPr lang="ru-RU" baseline="0" dirty="0"/>
-              <a:t>Дополнительное редуцирование при обходе по итерационному пространству.</a:t>
-            </a:r>
-            <a:endParaRPr lang="en-US" baseline="0" dirty="0"/>
-          </a:p>
-          <a:p>
-            <a:pPr marL="685800" lvl="1" indent="-228600">
-              <a:buFont typeface="+mj-lt"/>
-              <a:buAutoNum type="arabicPeriod"/>
-            </a:pPr>
-            <a:r>
-              <a:rPr lang="en-US" baseline="0" dirty="0"/>
-              <a:t>Parallel scan</a:t>
-            </a:r>
-            <a:endParaRPr lang="ru-RU" baseline="0" dirty="0"/>
-          </a:p>
-          <a:p>
-            <a:pPr marL="1143000" lvl="2" indent="-228600">
-              <a:buFont typeface="+mj-lt"/>
-              <a:buAutoNum type="arabicPeriod"/>
-            </a:pPr>
-            <a:r>
-              <a:rPr lang="ru-RU" baseline="0" dirty="0"/>
-              <a:t>Подсчет частичных сумм при обходе итерационного пространства</a:t>
-            </a:r>
-            <a:endParaRPr lang="en-US" baseline="0" dirty="0"/>
-          </a:p>
-          <a:p>
-            <a:pPr marL="228600" indent="-228600">
-              <a:buFont typeface="+mj-lt"/>
-              <a:buAutoNum type="arabicPeriod"/>
-            </a:pPr>
-            <a:r>
-              <a:rPr lang="en-US" baseline="0" dirty="0"/>
-              <a:t>Parallel sorting</a:t>
-            </a:r>
-          </a:p>
-          <a:p>
-            <a:pPr marL="228600" indent="-228600">
-              <a:buFont typeface="+mj-lt"/>
-              <a:buAutoNum type="arabicPeriod"/>
-            </a:pPr>
-            <a:r>
-              <a:rPr lang="en-US" baseline="0" dirty="0"/>
-              <a:t>Parallel function invocation</a:t>
-            </a:r>
-          </a:p>
-          <a:p>
-            <a:pPr marL="228600" indent="-228600">
-              <a:buFont typeface="+mj-lt"/>
-              <a:buAutoNum type="arabicPeriod"/>
-            </a:pPr>
-            <a:r>
-              <a:rPr lang="en-US" baseline="0" dirty="0"/>
-              <a:t>Streaming</a:t>
-            </a:r>
-          </a:p>
-          <a:p>
             <a:endParaRPr lang="en-US" dirty="0"/>
           </a:p>
         </p:txBody>
@@ -1204,141 +934,6 @@
           <a:bodyPr/>
           <a:lstStyle/>
           <a:p>
-            <a:r>
-              <a:rPr lang="ru-RU" dirty="0"/>
-              <a:t>Нет слайда</a:t>
-            </a:r>
-            <a:r>
-              <a:rPr lang="ru-RU" baseline="0" dirty="0"/>
-              <a:t> с рекурсивной декомпозицией</a:t>
-            </a:r>
-            <a:r>
-              <a:rPr lang="en-US" baseline="0" dirty="0"/>
-              <a:t>.</a:t>
-            </a:r>
-          </a:p>
-          <a:p>
-            <a:pPr marL="228600" indent="-228600">
-              <a:buFont typeface="+mj-lt"/>
-              <a:buAutoNum type="arabicPeriod"/>
-            </a:pPr>
-            <a:r>
-              <a:rPr lang="en-US" baseline="0" dirty="0"/>
-              <a:t>Loop parallelization:</a:t>
-            </a:r>
-          </a:p>
-          <a:p>
-            <a:pPr marL="685800" lvl="1" indent="-228600">
-              <a:buFont typeface="+mj-lt"/>
-              <a:buAutoNum type="arabicPeriod"/>
-            </a:pPr>
-            <a:r>
-              <a:rPr lang="en-US" baseline="0" dirty="0"/>
-              <a:t>Parallel for</a:t>
-            </a:r>
-          </a:p>
-          <a:p>
-            <a:pPr marL="1143000" lvl="2" indent="-228600">
-              <a:buFont typeface="+mj-lt"/>
-              <a:buAutoNum type="arabicPeriod"/>
-            </a:pPr>
-            <a:r>
-              <a:rPr lang="ru-RU" baseline="0" dirty="0"/>
-              <a:t>Обход по итерационному пространству, заданному пользователем. Вплоть до </a:t>
-            </a:r>
-            <a:r>
-              <a:rPr lang="en-US" baseline="0" dirty="0"/>
-              <a:t>N-</a:t>
-            </a:r>
-            <a:r>
-              <a:rPr lang="ru-RU" baseline="0" dirty="0"/>
-              <a:t>мерного пространства. Присутствуют возможности, позволяющие описать это н-мерное пространство и задать глубину его делимости для большего контроля над описываемыми задачами. </a:t>
-            </a:r>
-            <a:r>
-              <a:rPr lang="en-US" baseline="0" dirty="0"/>
-              <a:t>O(P * log(N)) – </a:t>
-            </a:r>
-            <a:r>
-              <a:rPr lang="ru-RU" baseline="0" dirty="0"/>
-              <a:t>по памяти</a:t>
-            </a:r>
-            <a:endParaRPr lang="en-US" baseline="0" dirty="0"/>
-          </a:p>
-          <a:p>
-            <a:pPr marL="685800" lvl="1" indent="-228600">
-              <a:buFont typeface="+mj-lt"/>
-              <a:buAutoNum type="arabicPeriod"/>
-            </a:pPr>
-            <a:r>
-              <a:rPr lang="en-US" baseline="0" dirty="0"/>
-              <a:t>Parallel reduce</a:t>
-            </a:r>
-            <a:endParaRPr lang="ru-RU" baseline="0" dirty="0"/>
-          </a:p>
-          <a:p>
-            <a:pPr marL="1143000" lvl="2" indent="-228600">
-              <a:buFont typeface="+mj-lt"/>
-              <a:buAutoNum type="arabicPeriod"/>
-            </a:pPr>
-            <a:r>
-              <a:rPr lang="ru-RU" baseline="0" dirty="0"/>
-              <a:t>Дополнительное редуцирование при обходе по итерационному пространству.</a:t>
-            </a:r>
-            <a:endParaRPr lang="en-US" baseline="0" dirty="0"/>
-          </a:p>
-          <a:p>
-            <a:pPr marL="685800" lvl="1" indent="-228600">
-              <a:buFont typeface="+mj-lt"/>
-              <a:buAutoNum type="arabicPeriod"/>
-            </a:pPr>
-            <a:r>
-              <a:rPr lang="en-US" baseline="0" dirty="0"/>
-              <a:t>Parallel scan</a:t>
-            </a:r>
-            <a:endParaRPr lang="ru-RU" baseline="0" dirty="0"/>
-          </a:p>
-          <a:p>
-            <a:pPr marL="1143000" lvl="2" indent="-228600">
-              <a:buFont typeface="+mj-lt"/>
-              <a:buAutoNum type="arabicPeriod"/>
-            </a:pPr>
-            <a:r>
-              <a:rPr lang="ru-RU" baseline="0" dirty="0"/>
-              <a:t>Подсчет частичных сумм при обходе итерационного пространства</a:t>
-            </a:r>
-            <a:endParaRPr lang="en-US" baseline="0" dirty="0"/>
-          </a:p>
-          <a:p>
-            <a:pPr marL="228600" indent="-228600">
-              <a:buFont typeface="+mj-lt"/>
-              <a:buAutoNum type="arabicPeriod"/>
-            </a:pPr>
-            <a:r>
-              <a:rPr lang="en-US" baseline="0" dirty="0"/>
-              <a:t>Parallel sorting</a:t>
-            </a:r>
-          </a:p>
-          <a:p>
-            <a:pPr marL="228600" indent="-228600">
-              <a:buFont typeface="+mj-lt"/>
-              <a:buAutoNum type="arabicPeriod"/>
-            </a:pPr>
-            <a:r>
-              <a:rPr lang="en-US" baseline="0" dirty="0"/>
-              <a:t>Parallel function invocation</a:t>
-            </a:r>
-          </a:p>
-          <a:p>
-            <a:pPr marL="228600" indent="-228600">
-              <a:buFont typeface="+mj-lt"/>
-              <a:buAutoNum type="arabicPeriod"/>
-            </a:pPr>
-            <a:r>
-              <a:rPr lang="en-US" baseline="0" dirty="0"/>
-              <a:t>Streaming</a:t>
-            </a:r>
-          </a:p>
-          <a:p>
             <a:endParaRPr lang="en-US" dirty="0"/>
           </a:p>
         </p:txBody>
@@ -1424,141 +1019,6 @@
           <a:bodyPr/>
           <a:lstStyle/>
           <a:p>
-            <a:r>
-              <a:rPr lang="ru-RU" dirty="0"/>
-              <a:t>Нет слайда</a:t>
-            </a:r>
-            <a:r>
-              <a:rPr lang="ru-RU" baseline="0" dirty="0"/>
-              <a:t> с рекурсивной декомпозицией</a:t>
-            </a:r>
-            <a:r>
-              <a:rPr lang="en-US" baseline="0" dirty="0"/>
-              <a:t>.</a:t>
-            </a:r>
-          </a:p>
-          <a:p>
-            <a:pPr marL="228600" indent="-228600">
-              <a:buFont typeface="+mj-lt"/>
-              <a:buAutoNum type="arabicPeriod"/>
-            </a:pPr>
-            <a:r>
-              <a:rPr lang="en-US" baseline="0" dirty="0"/>
-              <a:t>Loop parallelization:</a:t>
-            </a:r>
-          </a:p>
-          <a:p>
-            <a:pPr marL="685800" lvl="1" indent="-228600">
-              <a:buFont typeface="+mj-lt"/>
-              <a:buAutoNum type="arabicPeriod"/>
-            </a:pPr>
-            <a:r>
-              <a:rPr lang="en-US" baseline="0" dirty="0"/>
-              <a:t>Parallel for</a:t>
-            </a:r>
-          </a:p>
-          <a:p>
-            <a:pPr marL="1143000" lvl="2" indent="-228600">
-              <a:buFont typeface="+mj-lt"/>
-              <a:buAutoNum type="arabicPeriod"/>
-            </a:pPr>
-            <a:r>
-              <a:rPr lang="ru-RU" baseline="0" dirty="0"/>
-              <a:t>Обход по итерационному пространству, заданному пользователем. Вплоть до </a:t>
-            </a:r>
-            <a:r>
-              <a:rPr lang="en-US" baseline="0" dirty="0"/>
-              <a:t>N-</a:t>
-            </a:r>
-            <a:r>
-              <a:rPr lang="ru-RU" baseline="0" dirty="0"/>
-              <a:t>мерного пространства. Присутствуют возможности, позволяющие описать это н-мерное пространство и задать глубину его делимости для большего контроля над описываемыми задачами. </a:t>
-            </a:r>
-            <a:r>
-              <a:rPr lang="en-US" baseline="0" dirty="0"/>
-              <a:t>O(P * log(N)) – </a:t>
-            </a:r>
-            <a:r>
-              <a:rPr lang="ru-RU" baseline="0" dirty="0"/>
-              <a:t>по памяти</a:t>
-            </a:r>
-            <a:endParaRPr lang="en-US" baseline="0" dirty="0"/>
-          </a:p>
-          <a:p>
-            <a:pPr marL="685800" lvl="1" indent="-228600">
-              <a:buFont typeface="+mj-lt"/>
-              <a:buAutoNum type="arabicPeriod"/>
-            </a:pPr>
-            <a:r>
-              <a:rPr lang="en-US" baseline="0" dirty="0"/>
-              <a:t>Parallel reduce</a:t>
-            </a:r>
-            <a:endParaRPr lang="ru-RU" baseline="0" dirty="0"/>
-          </a:p>
-          <a:p>
-            <a:pPr marL="1143000" lvl="2" indent="-228600">
-              <a:buFont typeface="+mj-lt"/>
-              <a:buAutoNum type="arabicPeriod"/>
-            </a:pPr>
-            <a:r>
-              <a:rPr lang="ru-RU" baseline="0" dirty="0"/>
-              <a:t>Дополнительное редуцирование при обходе по итерационному пространству.</a:t>
-            </a:r>
-            <a:endParaRPr lang="en-US" baseline="0" dirty="0"/>
-          </a:p>
-          <a:p>
-            <a:pPr marL="685800" lvl="1" indent="-228600">
-              <a:buFont typeface="+mj-lt"/>
-              <a:buAutoNum type="arabicPeriod"/>
-            </a:pPr>
-            <a:r>
-              <a:rPr lang="en-US" baseline="0" dirty="0"/>
-              <a:t>Parallel scan</a:t>
-            </a:r>
-            <a:endParaRPr lang="ru-RU" baseline="0" dirty="0"/>
-          </a:p>
-          <a:p>
-            <a:pPr marL="1143000" lvl="2" indent="-228600">
-              <a:buFont typeface="+mj-lt"/>
-              <a:buAutoNum type="arabicPeriod"/>
-            </a:pPr>
-            <a:r>
-              <a:rPr lang="ru-RU" baseline="0" dirty="0"/>
-              <a:t>Подсчет частичных сумм при обходе итерационного пространства</a:t>
-            </a:r>
-            <a:endParaRPr lang="en-US" baseline="0" dirty="0"/>
-          </a:p>
-          <a:p>
-            <a:pPr marL="228600" indent="-228600">
-              <a:buFont typeface="+mj-lt"/>
-              <a:buAutoNum type="arabicPeriod"/>
-            </a:pPr>
-            <a:r>
-              <a:rPr lang="en-US" baseline="0" dirty="0"/>
-              <a:t>Parallel sorting</a:t>
-            </a:r>
-          </a:p>
-          <a:p>
-            <a:pPr marL="228600" indent="-228600">
-              <a:buFont typeface="+mj-lt"/>
-              <a:buAutoNum type="arabicPeriod"/>
-            </a:pPr>
-            <a:r>
-              <a:rPr lang="en-US" baseline="0" dirty="0"/>
-              <a:t>Parallel function invocation</a:t>
-            </a:r>
-          </a:p>
-          <a:p>
-            <a:pPr marL="228600" indent="-228600">
-              <a:buFont typeface="+mj-lt"/>
-              <a:buAutoNum type="arabicPeriod"/>
-            </a:pPr>
-            <a:r>
-              <a:rPr lang="en-US" baseline="0" dirty="0"/>
-              <a:t>Streaming</a:t>
-            </a:r>
-          </a:p>
-          <a:p>
             <a:endParaRPr lang="en-US" dirty="0"/>
           </a:p>
         </p:txBody>
@@ -1644,141 +1104,6 @@
           <a:bodyPr/>
           <a:lstStyle/>
           <a:p>
-            <a:r>
-              <a:rPr lang="ru-RU" dirty="0"/>
-              <a:t>Нет слайда</a:t>
-            </a:r>
-            <a:r>
-              <a:rPr lang="ru-RU" baseline="0" dirty="0"/>
-              <a:t> с рекурсивной декомпозицией</a:t>
-            </a:r>
-            <a:r>
-              <a:rPr lang="en-US" baseline="0" dirty="0"/>
-              <a:t>.</a:t>
-            </a:r>
-          </a:p>
-          <a:p>
-            <a:pPr marL="228600" indent="-228600">
-              <a:buFont typeface="+mj-lt"/>
-              <a:buAutoNum type="arabicPeriod"/>
-            </a:pPr>
-            <a:r>
-              <a:rPr lang="en-US" baseline="0" dirty="0"/>
-              <a:t>Loop parallelization:</a:t>
-            </a:r>
-          </a:p>
-          <a:p>
-            <a:pPr marL="685800" lvl="1" indent="-228600">
-              <a:buFont typeface="+mj-lt"/>
-              <a:buAutoNum type="arabicPeriod"/>
-            </a:pPr>
-            <a:r>
-              <a:rPr lang="en-US" baseline="0" dirty="0"/>
-              <a:t>Parallel for</a:t>
-            </a:r>
-          </a:p>
-          <a:p>
-            <a:pPr marL="1143000" lvl="2" indent="-228600">
-              <a:buFont typeface="+mj-lt"/>
-              <a:buAutoNum type="arabicPeriod"/>
-            </a:pPr>
-            <a:r>
-              <a:rPr lang="ru-RU" baseline="0" dirty="0"/>
-              <a:t>Обход по итерационному пространству, заданному пользователем. Вплоть до </a:t>
-            </a:r>
-            <a:r>
-              <a:rPr lang="en-US" baseline="0" dirty="0"/>
-              <a:t>N-</a:t>
-            </a:r>
-            <a:r>
-              <a:rPr lang="ru-RU" baseline="0" dirty="0"/>
-              <a:t>мерного пространства. Присутствуют возможности, позволяющие описать это н-мерное пространство и задать глубину его делимости для большего контроля над описываемыми задачами. </a:t>
-            </a:r>
-            <a:r>
-              <a:rPr lang="en-US" baseline="0" dirty="0"/>
-              <a:t>O(P * log(N)) – </a:t>
-            </a:r>
-            <a:r>
-              <a:rPr lang="ru-RU" baseline="0" dirty="0"/>
-              <a:t>по памяти</a:t>
-            </a:r>
-            <a:endParaRPr lang="en-US" baseline="0" dirty="0"/>
-          </a:p>
-          <a:p>
-            <a:pPr marL="685800" lvl="1" indent="-228600">
-              <a:buFont typeface="+mj-lt"/>
-              <a:buAutoNum type="arabicPeriod"/>
-            </a:pPr>
-            <a:r>
-              <a:rPr lang="en-US" baseline="0" dirty="0"/>
-              <a:t>Parallel reduce</a:t>
-            </a:r>
-            <a:endParaRPr lang="ru-RU" baseline="0" dirty="0"/>
-          </a:p>
-          <a:p>
-            <a:pPr marL="1143000" lvl="2" indent="-228600">
-              <a:buFont typeface="+mj-lt"/>
-              <a:buAutoNum type="arabicPeriod"/>
-            </a:pPr>
-            <a:r>
-              <a:rPr lang="ru-RU" baseline="0" dirty="0"/>
-              <a:t>Дополнительное редуцирование при обходе по итерационному пространству.</a:t>
-            </a:r>
-            <a:endParaRPr lang="en-US" baseline="0" dirty="0"/>
-          </a:p>
-          <a:p>
-            <a:pPr marL="685800" lvl="1" indent="-228600">
-              <a:buFont typeface="+mj-lt"/>
-              <a:buAutoNum type="arabicPeriod"/>
-            </a:pPr>
-            <a:r>
-              <a:rPr lang="en-US" baseline="0" dirty="0"/>
-              <a:t>Parallel scan</a:t>
-            </a:r>
-            <a:endParaRPr lang="ru-RU" baseline="0" dirty="0"/>
-          </a:p>
-          <a:p>
-            <a:pPr marL="1143000" lvl="2" indent="-228600">
-              <a:buFont typeface="+mj-lt"/>
-              <a:buAutoNum type="arabicPeriod"/>
-            </a:pPr>
-            <a:r>
-              <a:rPr lang="ru-RU" baseline="0" dirty="0"/>
-              <a:t>Подсчет частичных сумм при обходе итерационного пространства</a:t>
-            </a:r>
-            <a:endParaRPr lang="en-US" baseline="0" dirty="0"/>
-          </a:p>
-          <a:p>
-            <a:pPr marL="228600" indent="-228600">
-              <a:buFont typeface="+mj-lt"/>
-              <a:buAutoNum type="arabicPeriod"/>
-            </a:pPr>
-            <a:r>
-              <a:rPr lang="en-US" baseline="0" dirty="0"/>
-              <a:t>Parallel sorting</a:t>
-            </a:r>
-          </a:p>
-          <a:p>
-            <a:pPr marL="228600" indent="-228600">
-              <a:buFont typeface="+mj-lt"/>
-              <a:buAutoNum type="arabicPeriod"/>
-            </a:pPr>
-            <a:r>
-              <a:rPr lang="en-US" baseline="0" dirty="0"/>
-              <a:t>Parallel function invocation</a:t>
-            </a:r>
-          </a:p>
-          <a:p>
-            <a:pPr marL="228600" indent="-228600">
-              <a:buFont typeface="+mj-lt"/>
-              <a:buAutoNum type="arabicPeriod"/>
-            </a:pPr>
-            <a:r>
-              <a:rPr lang="en-US" baseline="0" dirty="0"/>
-              <a:t>Streaming</a:t>
-            </a:r>
-          </a:p>
-          <a:p>
             <a:endParaRPr lang="en-US" dirty="0"/>
           </a:p>
         </p:txBody>
@@ -1864,141 +1189,6 @@
           <a:bodyPr/>
           <a:lstStyle/>
           <a:p>
-            <a:r>
-              <a:rPr lang="ru-RU" dirty="0"/>
-              <a:t>Нет слайда</a:t>
-            </a:r>
-            <a:r>
-              <a:rPr lang="ru-RU" baseline="0" dirty="0"/>
-              <a:t> с рекурсивной декомпозицией</a:t>
-            </a:r>
-            <a:r>
-              <a:rPr lang="en-US" baseline="0" dirty="0"/>
-              <a:t>.</a:t>
-            </a:r>
-          </a:p>
-          <a:p>
-            <a:pPr marL="228600" indent="-228600">
-              <a:buFont typeface="+mj-lt"/>
-              <a:buAutoNum type="arabicPeriod"/>
-            </a:pPr>
-            <a:r>
-              <a:rPr lang="en-US" baseline="0" dirty="0"/>
-              <a:t>Loop parallelization:</a:t>
-            </a:r>
-          </a:p>
-          <a:p>
-            <a:pPr marL="685800" lvl="1" indent="-228600">
-              <a:buFont typeface="+mj-lt"/>
-              <a:buAutoNum type="arabicPeriod"/>
-            </a:pPr>
-            <a:r>
-              <a:rPr lang="en-US" baseline="0" dirty="0"/>
-              <a:t>Parallel for</a:t>
-            </a:r>
-          </a:p>
-          <a:p>
-            <a:pPr marL="1143000" lvl="2" indent="-228600">
-              <a:buFont typeface="+mj-lt"/>
-              <a:buAutoNum type="arabicPeriod"/>
-            </a:pPr>
-            <a:r>
-              <a:rPr lang="ru-RU" baseline="0" dirty="0"/>
-              <a:t>Обход по итерационному пространству, заданному пользователем. Вплоть до </a:t>
-            </a:r>
-            <a:r>
-              <a:rPr lang="en-US" baseline="0" dirty="0"/>
-              <a:t>N-</a:t>
-            </a:r>
-            <a:r>
-              <a:rPr lang="ru-RU" baseline="0" dirty="0"/>
-              <a:t>мерного пространства. Присутствуют возможности, позволяющие описать это н-мерное пространство и задать глубину его делимости для большего контроля над описываемыми задачами. </a:t>
-            </a:r>
-            <a:r>
-              <a:rPr lang="en-US" baseline="0" dirty="0"/>
-              <a:t>O(P * log(N)) – </a:t>
-            </a:r>
-            <a:r>
-              <a:rPr lang="ru-RU" baseline="0" dirty="0"/>
-              <a:t>по памяти</a:t>
-            </a:r>
-            <a:endParaRPr lang="en-US" baseline="0" dirty="0"/>
-          </a:p>
-          <a:p>
-            <a:pPr marL="685800" lvl="1" indent="-228600">
-              <a:buFont typeface="+mj-lt"/>
-              <a:buAutoNum type="arabicPeriod"/>
-            </a:pPr>
-            <a:r>
-              <a:rPr lang="en-US" baseline="0" dirty="0"/>
-              <a:t>Parallel reduce</a:t>
-            </a:r>
-            <a:endParaRPr lang="ru-RU" baseline="0" dirty="0"/>
-          </a:p>
-          <a:p>
-            <a:pPr marL="1143000" lvl="2" indent="-228600">
-              <a:buFont typeface="+mj-lt"/>
-              <a:buAutoNum type="arabicPeriod"/>
-            </a:pPr>
-            <a:r>
-              <a:rPr lang="ru-RU" baseline="0" dirty="0"/>
-              <a:t>Дополнительное редуцирование при обходе по итерационному пространству.</a:t>
-            </a:r>
-            <a:endParaRPr lang="en-US" baseline="0" dirty="0"/>
-          </a:p>
-          <a:p>
-            <a:pPr marL="685800" lvl="1" indent="-228600">
-              <a:buFont typeface="+mj-lt"/>
-              <a:buAutoNum type="arabicPeriod"/>
-            </a:pPr>
-            <a:r>
-              <a:rPr lang="en-US" baseline="0" dirty="0"/>
-              <a:t>Parallel scan</a:t>
-            </a:r>
-            <a:endParaRPr lang="ru-RU" baseline="0" dirty="0"/>
-          </a:p>
-          <a:p>
-            <a:pPr marL="1143000" lvl="2" indent="-228600">
-              <a:buFont typeface="+mj-lt"/>
-              <a:buAutoNum type="arabicPeriod"/>
-            </a:pPr>
-            <a:r>
-              <a:rPr lang="ru-RU" baseline="0" dirty="0"/>
-              <a:t>Подсчет частичных сумм при обходе итерационного пространства</a:t>
-            </a:r>
-            <a:endParaRPr lang="en-US" baseline="0" dirty="0"/>
-          </a:p>
-          <a:p>
-            <a:pPr marL="228600" indent="-228600">
-              <a:buFont typeface="+mj-lt"/>
-              <a:buAutoNum type="arabicPeriod"/>
-            </a:pPr>
-            <a:r>
-              <a:rPr lang="en-US" baseline="0" dirty="0"/>
-              <a:t>Parallel sorting</a:t>
-            </a:r>
-          </a:p>
-          <a:p>
-            <a:pPr marL="228600" indent="-228600">
-              <a:buFont typeface="+mj-lt"/>
-              <a:buAutoNum type="arabicPeriod"/>
-            </a:pPr>
-            <a:r>
-              <a:rPr lang="en-US" baseline="0" dirty="0"/>
-              <a:t>Parallel function invocation</a:t>
-            </a:r>
-          </a:p>
-          <a:p>
-            <a:pPr marL="228600" indent="-228600">
-              <a:buFont typeface="+mj-lt"/>
-              <a:buAutoNum type="arabicPeriod"/>
-            </a:pPr>
-            <a:r>
-              <a:rPr lang="en-US" baseline="0" dirty="0"/>
-              <a:t>Streaming</a:t>
-            </a:r>
-          </a:p>
-          <a:p>
             <a:endParaRPr lang="en-US" dirty="0"/>
           </a:p>
         </p:txBody>
@@ -2084,141 +1274,6 @@
           <a:bodyPr/>
           <a:lstStyle/>
           <a:p>
-            <a:r>
-              <a:rPr lang="ru-RU" dirty="0"/>
-              <a:t>Нет слайда</a:t>
-            </a:r>
-            <a:r>
-              <a:rPr lang="ru-RU" baseline="0" dirty="0"/>
-              <a:t> с рекурсивной декомпозицией</a:t>
-            </a:r>
-            <a:r>
-              <a:rPr lang="en-US" baseline="0" dirty="0"/>
-              <a:t>.</a:t>
-            </a:r>
-          </a:p>
-          <a:p>
-            <a:pPr marL="228600" indent="-228600">
-              <a:buFont typeface="+mj-lt"/>
-              <a:buAutoNum type="arabicPeriod"/>
-            </a:pPr>
-            <a:r>
-              <a:rPr lang="en-US" baseline="0" dirty="0"/>
-              <a:t>Loop parallelization:</a:t>
-            </a:r>
-          </a:p>
-          <a:p>
-            <a:pPr marL="685800" lvl="1" indent="-228600">
-              <a:buFont typeface="+mj-lt"/>
-              <a:buAutoNum type="arabicPeriod"/>
-            </a:pPr>
-            <a:r>
-              <a:rPr lang="en-US" baseline="0" dirty="0"/>
-              <a:t>Parallel for</a:t>
-            </a:r>
-          </a:p>
-          <a:p>
-            <a:pPr marL="1143000" lvl="2" indent="-228600">
-              <a:buFont typeface="+mj-lt"/>
-              <a:buAutoNum type="arabicPeriod"/>
-            </a:pPr>
-            <a:r>
-              <a:rPr lang="ru-RU" baseline="0" dirty="0"/>
-              <a:t>Обход по итерационному пространству, заданному пользователем. Вплоть до </a:t>
-            </a:r>
-            <a:r>
-              <a:rPr lang="en-US" baseline="0" dirty="0"/>
-              <a:t>N-</a:t>
-            </a:r>
-            <a:r>
-              <a:rPr lang="ru-RU" baseline="0" dirty="0"/>
-              <a:t>мерного пространства. Присутствуют возможности, позволяющие описать это н-мерное пространство и задать глубину его делимости для большего контроля над описываемыми задачами. </a:t>
-            </a:r>
-            <a:r>
-              <a:rPr lang="en-US" baseline="0" dirty="0"/>
-              <a:t>O(P * log(N)) – </a:t>
-            </a:r>
-            <a:r>
-              <a:rPr lang="ru-RU" baseline="0" dirty="0"/>
-              <a:t>по памяти</a:t>
-            </a:r>
-            <a:endParaRPr lang="en-US" baseline="0" dirty="0"/>
-          </a:p>
-          <a:p>
-            <a:pPr marL="685800" lvl="1" indent="-228600">
-              <a:buFont typeface="+mj-lt"/>
-              <a:buAutoNum type="arabicPeriod"/>
-            </a:pPr>
-            <a:r>
-              <a:rPr lang="en-US" baseline="0" dirty="0"/>
-              <a:t>Parallel reduce</a:t>
-            </a:r>
-            <a:endParaRPr lang="ru-RU" baseline="0" dirty="0"/>
-          </a:p>
-          <a:p>
-            <a:pPr marL="1143000" lvl="2" indent="-228600">
-              <a:buFont typeface="+mj-lt"/>
-              <a:buAutoNum type="arabicPeriod"/>
-            </a:pPr>
-            <a:r>
-              <a:rPr lang="ru-RU" baseline="0" dirty="0"/>
-              <a:t>Дополнительное редуцирование при обходе по итерационному пространству.</a:t>
-            </a:r>
-            <a:endParaRPr lang="en-US" baseline="0" dirty="0"/>
-          </a:p>
-          <a:p>
-            <a:pPr marL="685800" lvl="1" indent="-228600">
-              <a:buFont typeface="+mj-lt"/>
-              <a:buAutoNum type="arabicPeriod"/>
-            </a:pPr>
-            <a:r>
-              <a:rPr lang="en-US" baseline="0" dirty="0"/>
-              <a:t>Parallel scan</a:t>
-            </a:r>
-            <a:endParaRPr lang="ru-RU" baseline="0" dirty="0"/>
-          </a:p>
-          <a:p>
-            <a:pPr marL="1143000" lvl="2" indent="-228600">
-              <a:buFont typeface="+mj-lt"/>
-              <a:buAutoNum type="arabicPeriod"/>
-            </a:pPr>
-            <a:r>
-              <a:rPr lang="ru-RU" baseline="0" dirty="0"/>
-              <a:t>Подсчет частичных сумм при обходе итерационного пространства</a:t>
-            </a:r>
-            <a:endParaRPr lang="en-US" baseline="0" dirty="0"/>
-          </a:p>
-          <a:p>
-            <a:pPr marL="228600" indent="-228600">
-              <a:buFont typeface="+mj-lt"/>
-              <a:buAutoNum type="arabicPeriod"/>
-            </a:pPr>
-            <a:r>
-              <a:rPr lang="en-US" baseline="0" dirty="0"/>
-              <a:t>Parallel sorting</a:t>
-            </a:r>
-          </a:p>
-          <a:p>
-            <a:pPr marL="228600" indent="-228600">
-              <a:buFont typeface="+mj-lt"/>
-              <a:buAutoNum type="arabicPeriod"/>
-            </a:pPr>
-            <a:r>
-              <a:rPr lang="en-US" baseline="0" dirty="0"/>
-              <a:t>Parallel function invocation</a:t>
-            </a:r>
-          </a:p>
-          <a:p>
-            <a:pPr marL="228600" indent="-228600">
-              <a:buFont typeface="+mj-lt"/>
-              <a:buAutoNum type="arabicPeriod"/>
-            </a:pPr>
-            <a:r>
-              <a:rPr lang="en-US" baseline="0" dirty="0"/>
-              <a:t>Streaming</a:t>
-            </a:r>
-          </a:p>
-          <a:p>
             <a:endParaRPr lang="en-US" dirty="0"/>
           </a:p>
         </p:txBody>
@@ -2304,141 +1359,6 @@
           <a:bodyPr/>
           <a:lstStyle/>
           <a:p>
-            <a:r>
-              <a:rPr lang="ru-RU" dirty="0"/>
-              <a:t>Нет слайда</a:t>
-            </a:r>
-            <a:r>
-              <a:rPr lang="ru-RU" baseline="0" dirty="0"/>
-              <a:t> с рекурсивной декомпозицией</a:t>
-            </a:r>
-            <a:r>
-              <a:rPr lang="en-US" baseline="0" dirty="0"/>
-              <a:t>.</a:t>
-            </a:r>
-          </a:p>
-          <a:p>
-            <a:pPr marL="228600" indent="-228600">
-              <a:buFont typeface="+mj-lt"/>
-              <a:buAutoNum type="arabicPeriod"/>
-            </a:pPr>
-            <a:r>
-              <a:rPr lang="en-US" baseline="0" dirty="0"/>
-              <a:t>Loop parallelization:</a:t>
-            </a:r>
-          </a:p>
-          <a:p>
-            <a:pPr marL="685800" lvl="1" indent="-228600">
-              <a:buFont typeface="+mj-lt"/>
-              <a:buAutoNum type="arabicPeriod"/>
-            </a:pPr>
-            <a:r>
-              <a:rPr lang="en-US" baseline="0" dirty="0"/>
-              <a:t>Parallel for</a:t>
-            </a:r>
-          </a:p>
-          <a:p>
-            <a:pPr marL="1143000" lvl="2" indent="-228600">
-              <a:buFont typeface="+mj-lt"/>
-              <a:buAutoNum type="arabicPeriod"/>
-            </a:pPr>
-            <a:r>
-              <a:rPr lang="ru-RU" baseline="0" dirty="0"/>
-              <a:t>Обход по итерационному пространству, заданному пользователем. Вплоть до </a:t>
-            </a:r>
-            <a:r>
-              <a:rPr lang="en-US" baseline="0" dirty="0"/>
-              <a:t>N-</a:t>
-            </a:r>
-            <a:r>
-              <a:rPr lang="ru-RU" baseline="0" dirty="0"/>
-              <a:t>мерного пространства. Присутствуют возможности, позволяющие описать это н-мерное пространство и задать глубину его делимости для большего контроля над описываемыми задачами. </a:t>
-            </a:r>
-            <a:r>
-              <a:rPr lang="en-US" baseline="0" dirty="0"/>
-              <a:t>O(P * log(N)) – </a:t>
-            </a:r>
-            <a:r>
-              <a:rPr lang="ru-RU" baseline="0" dirty="0"/>
-              <a:t>по памяти</a:t>
-            </a:r>
-            <a:endParaRPr lang="en-US" baseline="0" dirty="0"/>
-          </a:p>
-          <a:p>
-            <a:pPr marL="685800" lvl="1" indent="-228600">
-              <a:buFont typeface="+mj-lt"/>
-              <a:buAutoNum type="arabicPeriod"/>
-            </a:pPr>
-            <a:r>
-              <a:rPr lang="en-US" baseline="0" dirty="0"/>
-              <a:t>Parallel reduce</a:t>
-            </a:r>
-            <a:endParaRPr lang="ru-RU" baseline="0" dirty="0"/>
-          </a:p>
-          <a:p>
-            <a:pPr marL="1143000" lvl="2" indent="-228600">
-              <a:buFont typeface="+mj-lt"/>
-              <a:buAutoNum type="arabicPeriod"/>
-            </a:pPr>
-            <a:r>
-              <a:rPr lang="ru-RU" baseline="0" dirty="0"/>
-              <a:t>Дополнительное редуцирование при обходе по итерационному пространству.</a:t>
-            </a:r>
-            <a:endParaRPr lang="en-US" baseline="0" dirty="0"/>
-          </a:p>
-          <a:p>
-            <a:pPr marL="685800" lvl="1" indent="-228600">
-              <a:buFont typeface="+mj-lt"/>
-              <a:buAutoNum type="arabicPeriod"/>
-            </a:pPr>
-            <a:r>
-              <a:rPr lang="en-US" baseline="0" dirty="0"/>
-              <a:t>Parallel scan</a:t>
-            </a:r>
-            <a:endParaRPr lang="ru-RU" baseline="0" dirty="0"/>
-          </a:p>
-          <a:p>
-            <a:pPr marL="1143000" lvl="2" indent="-228600">
-              <a:buFont typeface="+mj-lt"/>
-              <a:buAutoNum type="arabicPeriod"/>
-            </a:pPr>
-            <a:r>
-              <a:rPr lang="ru-RU" baseline="0" dirty="0"/>
-              <a:t>Подсчет частичных сумм при обходе итерационного пространства</a:t>
-            </a:r>
-            <a:endParaRPr lang="en-US" baseline="0" dirty="0"/>
-          </a:p>
-          <a:p>
-            <a:pPr marL="228600" indent="-228600">
-              <a:buFont typeface="+mj-lt"/>
-              <a:buAutoNum type="arabicPeriod"/>
-            </a:pPr>
-            <a:r>
-              <a:rPr lang="en-US" baseline="0" dirty="0"/>
-              <a:t>Parallel sorting</a:t>
-            </a:r>
-          </a:p>
-          <a:p>
-            <a:pPr marL="228600" indent="-228600">
-              <a:buFont typeface="+mj-lt"/>
-              <a:buAutoNum type="arabicPeriod"/>
-            </a:pPr>
-            <a:r>
-              <a:rPr lang="en-US" baseline="0" dirty="0"/>
-              <a:t>Parallel function invocation</a:t>
-            </a:r>
-          </a:p>
-          <a:p>
-            <a:pPr marL="228600" indent="-228600">
-              <a:buFont typeface="+mj-lt"/>
-              <a:buAutoNum type="arabicPeriod"/>
-            </a:pPr>
-            <a:r>
-              <a:rPr lang="en-US" baseline="0" dirty="0"/>
-              <a:t>Streaming</a:t>
-            </a:r>
-          </a:p>
-          <a:p>
             <a:endParaRPr lang="en-US" dirty="0"/>
           </a:p>
         </p:txBody>
@@ -2524,141 +1444,6 @@
           <a:bodyPr/>
           <a:lstStyle/>
           <a:p>
-            <a:r>
-              <a:rPr lang="ru-RU" dirty="0"/>
-              <a:t>Нет слайда</a:t>
-            </a:r>
-            <a:r>
-              <a:rPr lang="ru-RU" baseline="0" dirty="0"/>
-              <a:t> с рекурсивной декомпозицией</a:t>
-            </a:r>
-            <a:r>
-              <a:rPr lang="en-US" baseline="0" dirty="0"/>
-              <a:t>.</a:t>
-            </a:r>
-          </a:p>
-          <a:p>
-            <a:pPr marL="228600" indent="-228600">
-              <a:buFont typeface="+mj-lt"/>
-              <a:buAutoNum type="arabicPeriod"/>
-            </a:pPr>
-            <a:r>
-              <a:rPr lang="en-US" baseline="0" dirty="0"/>
-              <a:t>Loop parallelization:</a:t>
-            </a:r>
-          </a:p>
-          <a:p>
-            <a:pPr marL="685800" lvl="1" indent="-228600">
-              <a:buFont typeface="+mj-lt"/>
-              <a:buAutoNum type="arabicPeriod"/>
-            </a:pPr>
-            <a:r>
-              <a:rPr lang="en-US" baseline="0" dirty="0"/>
-              <a:t>Parallel for</a:t>
-            </a:r>
-          </a:p>
-          <a:p>
-            <a:pPr marL="1143000" lvl="2" indent="-228600">
-              <a:buFont typeface="+mj-lt"/>
-              <a:buAutoNum type="arabicPeriod"/>
-            </a:pPr>
-            <a:r>
-              <a:rPr lang="ru-RU" baseline="0" dirty="0"/>
-              <a:t>Обход по итерационному пространству, заданному пользователем. Вплоть до </a:t>
-            </a:r>
-            <a:r>
-              <a:rPr lang="en-US" baseline="0" dirty="0"/>
-              <a:t>N-</a:t>
-            </a:r>
-            <a:r>
-              <a:rPr lang="ru-RU" baseline="0" dirty="0"/>
-              <a:t>мерного пространства. Присутствуют возможности, позволяющие описать это н-мерное пространство и задать глубину его делимости для большего контроля над описываемыми задачами. </a:t>
-            </a:r>
-            <a:r>
-              <a:rPr lang="en-US" baseline="0" dirty="0"/>
-              <a:t>O(P * log(N)) – </a:t>
-            </a:r>
-            <a:r>
-              <a:rPr lang="ru-RU" baseline="0" dirty="0"/>
-              <a:t>по памяти</a:t>
-            </a:r>
-            <a:endParaRPr lang="en-US" baseline="0" dirty="0"/>
-          </a:p>
-          <a:p>
-            <a:pPr marL="685800" lvl="1" indent="-228600">
-              <a:buFont typeface="+mj-lt"/>
-              <a:buAutoNum type="arabicPeriod"/>
-            </a:pPr>
-            <a:r>
-              <a:rPr lang="en-US" baseline="0" dirty="0"/>
-              <a:t>Parallel reduce</a:t>
-            </a:r>
-            <a:endParaRPr lang="ru-RU" baseline="0" dirty="0"/>
-          </a:p>
-          <a:p>
-            <a:pPr marL="1143000" lvl="2" indent="-228600">
-              <a:buFont typeface="+mj-lt"/>
-              <a:buAutoNum type="arabicPeriod"/>
-            </a:pPr>
-            <a:r>
-              <a:rPr lang="ru-RU" baseline="0" dirty="0"/>
-              <a:t>Дополнительное редуцирование при обходе по итерационному пространству.</a:t>
-            </a:r>
-            <a:endParaRPr lang="en-US" baseline="0" dirty="0"/>
-          </a:p>
-          <a:p>
-            <a:pPr marL="685800" lvl="1" indent="-228600">
-              <a:buFont typeface="+mj-lt"/>
-              <a:buAutoNum type="arabicPeriod"/>
-            </a:pPr>
-            <a:r>
-              <a:rPr lang="en-US" baseline="0" dirty="0"/>
-              <a:t>Parallel scan</a:t>
-            </a:r>
-            <a:endParaRPr lang="ru-RU" baseline="0" dirty="0"/>
-          </a:p>
-          <a:p>
-            <a:pPr marL="1143000" lvl="2" indent="-228600">
-              <a:buFont typeface="+mj-lt"/>
-              <a:buAutoNum type="arabicPeriod"/>
-            </a:pPr>
-            <a:r>
-              <a:rPr lang="ru-RU" baseline="0" dirty="0"/>
-              <a:t>Подсчет частичных сумм при обходе итерационного пространства</a:t>
-            </a:r>
-            <a:endParaRPr lang="en-US" baseline="0" dirty="0"/>
-          </a:p>
-          <a:p>
-            <a:pPr marL="228600" indent="-228600">
-              <a:buFont typeface="+mj-lt"/>
-              <a:buAutoNum type="arabicPeriod"/>
-            </a:pPr>
-            <a:r>
-              <a:rPr lang="en-US" baseline="0" dirty="0"/>
-              <a:t>Parallel sorting</a:t>
-            </a:r>
-          </a:p>
-          <a:p>
-            <a:pPr marL="228600" indent="-228600">
-              <a:buFont typeface="+mj-lt"/>
-              <a:buAutoNum type="arabicPeriod"/>
-            </a:pPr>
-            <a:r>
-              <a:rPr lang="en-US" baseline="0" dirty="0"/>
-              <a:t>Parallel function invocation</a:t>
-            </a:r>
-          </a:p>
-          <a:p>
-            <a:pPr marL="228600" indent="-228600">
-              <a:buFont typeface="+mj-lt"/>
-              <a:buAutoNum type="arabicPeriod"/>
-            </a:pPr>
-            <a:r>
-              <a:rPr lang="en-US" baseline="0" dirty="0"/>
-              <a:t>Streaming</a:t>
-            </a:r>
-          </a:p>
-          <a:p>
             <a:endParaRPr lang="en-US" dirty="0"/>
           </a:p>
         </p:txBody>
@@ -2744,141 +1529,6 @@
           <a:bodyPr/>
           <a:lstStyle/>
           <a:p>
-            <a:r>
-              <a:rPr lang="ru-RU" dirty="0"/>
-              <a:t>Нет слайда</a:t>
-            </a:r>
-            <a:r>
-              <a:rPr lang="ru-RU" baseline="0" dirty="0"/>
-              <a:t> с рекурсивной декомпозицией</a:t>
-            </a:r>
-            <a:r>
-              <a:rPr lang="en-US" baseline="0" dirty="0"/>
-              <a:t>.</a:t>
-            </a:r>
-          </a:p>
-          <a:p>
-            <a:pPr marL="228600" indent="-228600">
-              <a:buFont typeface="+mj-lt"/>
-              <a:buAutoNum type="arabicPeriod"/>
-            </a:pPr>
-            <a:r>
-              <a:rPr lang="en-US" baseline="0" dirty="0"/>
-              <a:t>Loop parallelization:</a:t>
-            </a:r>
-          </a:p>
-          <a:p>
-            <a:pPr marL="685800" lvl="1" indent="-228600">
-              <a:buFont typeface="+mj-lt"/>
-              <a:buAutoNum type="arabicPeriod"/>
-            </a:pPr>
-            <a:r>
-              <a:rPr lang="en-US" baseline="0" dirty="0"/>
-              <a:t>Parallel for</a:t>
-            </a:r>
-          </a:p>
-          <a:p>
-            <a:pPr marL="1143000" lvl="2" indent="-228600">
-              <a:buFont typeface="+mj-lt"/>
-              <a:buAutoNum type="arabicPeriod"/>
-            </a:pPr>
-            <a:r>
-              <a:rPr lang="ru-RU" baseline="0" dirty="0"/>
-              <a:t>Обход по итерационному пространству, заданному пользователем. Вплоть до </a:t>
-            </a:r>
-            <a:r>
-              <a:rPr lang="en-US" baseline="0" dirty="0"/>
-              <a:t>N-</a:t>
-            </a:r>
-            <a:r>
-              <a:rPr lang="ru-RU" baseline="0" dirty="0"/>
-              <a:t>мерного пространства. Присутствуют возможности, позволяющие описать это н-мерное пространство и задать глубину его делимости для большего контроля над описываемыми задачами. </a:t>
-            </a:r>
-            <a:r>
-              <a:rPr lang="en-US" baseline="0" dirty="0"/>
-              <a:t>O(P * log(N)) – </a:t>
-            </a:r>
-            <a:r>
-              <a:rPr lang="ru-RU" baseline="0" dirty="0"/>
-              <a:t>по памяти</a:t>
-            </a:r>
-            <a:endParaRPr lang="en-US" baseline="0" dirty="0"/>
-          </a:p>
-          <a:p>
-            <a:pPr marL="685800" lvl="1" indent="-228600">
-              <a:buFont typeface="+mj-lt"/>
-              <a:buAutoNum type="arabicPeriod"/>
-            </a:pPr>
-            <a:r>
-              <a:rPr lang="en-US" baseline="0" dirty="0"/>
-              <a:t>Parallel reduce</a:t>
-            </a:r>
-            <a:endParaRPr lang="ru-RU" baseline="0" dirty="0"/>
-          </a:p>
-          <a:p>
-            <a:pPr marL="1143000" lvl="2" indent="-228600">
-              <a:buFont typeface="+mj-lt"/>
-              <a:buAutoNum type="arabicPeriod"/>
-            </a:pPr>
-            <a:r>
-              <a:rPr lang="ru-RU" baseline="0" dirty="0"/>
-              <a:t>Дополнительное редуцирование при обходе по итерационному пространству.</a:t>
-            </a:r>
-            <a:endParaRPr lang="en-US" baseline="0" dirty="0"/>
-          </a:p>
-          <a:p>
-            <a:pPr marL="685800" lvl="1" indent="-228600">
-              <a:buFont typeface="+mj-lt"/>
-              <a:buAutoNum type="arabicPeriod"/>
-            </a:pPr>
-            <a:r>
-              <a:rPr lang="en-US" baseline="0" dirty="0"/>
-              <a:t>Parallel scan</a:t>
-            </a:r>
-            <a:endParaRPr lang="ru-RU" baseline="0" dirty="0"/>
-          </a:p>
-          <a:p>
-            <a:pPr marL="1143000" lvl="2" indent="-228600">
-              <a:buFont typeface="+mj-lt"/>
-              <a:buAutoNum type="arabicPeriod"/>
-            </a:pPr>
-            <a:r>
-              <a:rPr lang="ru-RU" baseline="0" dirty="0"/>
-              <a:t>Подсчет частичных сумм при обходе итерационного пространства</a:t>
-            </a:r>
-            <a:endParaRPr lang="en-US" baseline="0" dirty="0"/>
-          </a:p>
-          <a:p>
-            <a:pPr marL="228600" indent="-228600">
-              <a:buFont typeface="+mj-lt"/>
-              <a:buAutoNum type="arabicPeriod"/>
-            </a:pPr>
-            <a:r>
-              <a:rPr lang="en-US" baseline="0" dirty="0"/>
-              <a:t>Parallel sorting</a:t>
-            </a:r>
-          </a:p>
-          <a:p>
-            <a:pPr marL="228600" indent="-228600">
-              <a:buFont typeface="+mj-lt"/>
-              <a:buAutoNum type="arabicPeriod"/>
-            </a:pPr>
-            <a:r>
-              <a:rPr lang="en-US" baseline="0" dirty="0"/>
-              <a:t>Parallel function invocation</a:t>
-            </a:r>
-          </a:p>
-          <a:p>
-            <a:pPr marL="228600" indent="-228600">
-              <a:buFont typeface="+mj-lt"/>
-              <a:buAutoNum type="arabicPeriod"/>
-            </a:pPr>
-            <a:r>
-              <a:rPr lang="en-US" baseline="0" dirty="0"/>
-              <a:t>Streaming</a:t>
-            </a:r>
-          </a:p>
-          <a:p>
             <a:endParaRPr lang="en-US" dirty="0"/>
           </a:p>
         </p:txBody>
@@ -2964,141 +1614,6 @@
           <a:bodyPr/>
           <a:lstStyle/>
           <a:p>
-            <a:r>
-              <a:rPr lang="ru-RU" dirty="0"/>
-              <a:t>Нет слайда</a:t>
-            </a:r>
-            <a:r>
-              <a:rPr lang="ru-RU" baseline="0" dirty="0"/>
-              <a:t> с рекурсивной декомпозицией</a:t>
-            </a:r>
-            <a:r>
-              <a:rPr lang="en-US" baseline="0" dirty="0"/>
-              <a:t>.</a:t>
-            </a:r>
-          </a:p>
-          <a:p>
-            <a:pPr marL="228600" indent="-228600">
-              <a:buFont typeface="+mj-lt"/>
-              <a:buAutoNum type="arabicPeriod"/>
-            </a:pPr>
-            <a:r>
-              <a:rPr lang="en-US" baseline="0" dirty="0"/>
-              <a:t>Loop parallelization:</a:t>
-            </a:r>
-          </a:p>
-          <a:p>
-            <a:pPr marL="685800" lvl="1" indent="-228600">
-              <a:buFont typeface="+mj-lt"/>
-              <a:buAutoNum type="arabicPeriod"/>
-            </a:pPr>
-            <a:r>
-              <a:rPr lang="en-US" baseline="0" dirty="0"/>
-              <a:t>Parallel for</a:t>
-            </a:r>
-          </a:p>
-          <a:p>
-            <a:pPr marL="1143000" lvl="2" indent="-228600">
-              <a:buFont typeface="+mj-lt"/>
-              <a:buAutoNum type="arabicPeriod"/>
-            </a:pPr>
-            <a:r>
-              <a:rPr lang="ru-RU" baseline="0" dirty="0"/>
-              <a:t>Обход по итерационному пространству, заданному пользователем. Вплоть до </a:t>
-            </a:r>
-            <a:r>
-              <a:rPr lang="en-US" baseline="0" dirty="0"/>
-              <a:t>N-</a:t>
-            </a:r>
-            <a:r>
-              <a:rPr lang="ru-RU" baseline="0" dirty="0"/>
-              <a:t>мерного пространства. Присутствуют возможности, позволяющие описать это н-мерное пространство и задать глубину его делимости для большего контроля над описываемыми задачами. </a:t>
-            </a:r>
-            <a:r>
-              <a:rPr lang="en-US" baseline="0" dirty="0"/>
-              <a:t>O(P * log(N)) – </a:t>
-            </a:r>
-            <a:r>
-              <a:rPr lang="ru-RU" baseline="0" dirty="0"/>
-              <a:t>по памяти</a:t>
-            </a:r>
-            <a:endParaRPr lang="en-US" baseline="0" dirty="0"/>
-          </a:p>
-          <a:p>
-            <a:pPr marL="685800" lvl="1" indent="-228600">
-              <a:buFont typeface="+mj-lt"/>
-              <a:buAutoNum type="arabicPeriod"/>
-            </a:pPr>
-            <a:r>
-              <a:rPr lang="en-US" baseline="0" dirty="0"/>
-              <a:t>Parallel reduce</a:t>
-            </a:r>
-            <a:endParaRPr lang="ru-RU" baseline="0" dirty="0"/>
-          </a:p>
-          <a:p>
-            <a:pPr marL="1143000" lvl="2" indent="-228600">
-              <a:buFont typeface="+mj-lt"/>
-              <a:buAutoNum type="arabicPeriod"/>
-            </a:pPr>
-            <a:r>
-              <a:rPr lang="ru-RU" baseline="0" dirty="0"/>
-              <a:t>Дополнительное редуцирование при обходе по итерационному пространству.</a:t>
-            </a:r>
-            <a:endParaRPr lang="en-US" baseline="0" dirty="0"/>
-          </a:p>
-          <a:p>
-            <a:pPr marL="685800" lvl="1" indent="-228600">
-              <a:buFont typeface="+mj-lt"/>
-              <a:buAutoNum type="arabicPeriod"/>
-            </a:pPr>
-            <a:r>
-              <a:rPr lang="en-US" baseline="0" dirty="0"/>
-              <a:t>Parallel scan</a:t>
-            </a:r>
-            <a:endParaRPr lang="ru-RU" baseline="0" dirty="0"/>
-          </a:p>
-          <a:p>
-            <a:pPr marL="1143000" lvl="2" indent="-228600">
-              <a:buFont typeface="+mj-lt"/>
-              <a:buAutoNum type="arabicPeriod"/>
-            </a:pPr>
-            <a:r>
-              <a:rPr lang="ru-RU" baseline="0" dirty="0"/>
-              <a:t>Подсчет частичных сумм при обходе итерационного пространства</a:t>
-            </a:r>
-            <a:endParaRPr lang="en-US" baseline="0" dirty="0"/>
-          </a:p>
-          <a:p>
-            <a:pPr marL="228600" indent="-228600">
-              <a:buFont typeface="+mj-lt"/>
-              <a:buAutoNum type="arabicPeriod"/>
-            </a:pPr>
-            <a:r>
-              <a:rPr lang="en-US" baseline="0" dirty="0"/>
-              <a:t>Parallel sorting</a:t>
-            </a:r>
-          </a:p>
-          <a:p>
-            <a:pPr marL="228600" indent="-228600">
-              <a:buFont typeface="+mj-lt"/>
-              <a:buAutoNum type="arabicPeriod"/>
-            </a:pPr>
-            <a:r>
-              <a:rPr lang="en-US" baseline="0" dirty="0"/>
-              <a:t>Parallel function invocation</a:t>
-            </a:r>
-          </a:p>
-          <a:p>
-            <a:pPr marL="228600" indent="-228600">
-              <a:buFont typeface="+mj-lt"/>
-              <a:buAutoNum type="arabicPeriod"/>
-            </a:pPr>
-            <a:r>
-              <a:rPr lang="en-US" baseline="0" dirty="0"/>
-              <a:t>Streaming</a:t>
-            </a:r>
-          </a:p>
-          <a:p>
             <a:endParaRPr lang="en-US" dirty="0"/>
           </a:p>
         </p:txBody>
@@ -3184,141 +1699,6 @@
           <a:bodyPr/>
           <a:lstStyle/>
           <a:p>
-            <a:r>
-              <a:rPr lang="ru-RU" dirty="0"/>
-              <a:t>Нет слайда</a:t>
-            </a:r>
-            <a:r>
-              <a:rPr lang="ru-RU" baseline="0" dirty="0"/>
-              <a:t> с рекурсивной декомпозицией</a:t>
-            </a:r>
-            <a:r>
-              <a:rPr lang="en-US" baseline="0" dirty="0"/>
-              <a:t>.</a:t>
-            </a:r>
-          </a:p>
-          <a:p>
-            <a:pPr marL="228600" indent="-228600">
-              <a:buFont typeface="+mj-lt"/>
-              <a:buAutoNum type="arabicPeriod"/>
-            </a:pPr>
-            <a:r>
-              <a:rPr lang="en-US" baseline="0" dirty="0"/>
-              <a:t>Loop parallelization:</a:t>
-            </a:r>
-          </a:p>
-          <a:p>
-            <a:pPr marL="685800" lvl="1" indent="-228600">
-              <a:buFont typeface="+mj-lt"/>
-              <a:buAutoNum type="arabicPeriod"/>
-            </a:pPr>
-            <a:r>
-              <a:rPr lang="en-US" baseline="0" dirty="0"/>
-              <a:t>Parallel for</a:t>
-            </a:r>
-          </a:p>
-          <a:p>
-            <a:pPr marL="1143000" lvl="2" indent="-228600">
-              <a:buFont typeface="+mj-lt"/>
-              <a:buAutoNum type="arabicPeriod"/>
-            </a:pPr>
-            <a:r>
-              <a:rPr lang="ru-RU" baseline="0" dirty="0"/>
-              <a:t>Обход по итерационному пространству, заданному пользователем. Вплоть до </a:t>
-            </a:r>
-            <a:r>
-              <a:rPr lang="en-US" baseline="0" dirty="0"/>
-              <a:t>N-</a:t>
-            </a:r>
-            <a:r>
-              <a:rPr lang="ru-RU" baseline="0" dirty="0"/>
-              <a:t>мерного пространства. Присутствуют возможности, позволяющие описать это н-мерное пространство и задать глубину его делимости для большего контроля над описываемыми задачами. </a:t>
-            </a:r>
-            <a:r>
-              <a:rPr lang="en-US" baseline="0" dirty="0"/>
-              <a:t>O(P * log(N)) – </a:t>
-            </a:r>
-            <a:r>
-              <a:rPr lang="ru-RU" baseline="0" dirty="0"/>
-              <a:t>по памяти</a:t>
-            </a:r>
-            <a:endParaRPr lang="en-US" baseline="0" dirty="0"/>
-          </a:p>
-          <a:p>
-            <a:pPr marL="685800" lvl="1" indent="-228600">
-              <a:buFont typeface="+mj-lt"/>
-              <a:buAutoNum type="arabicPeriod"/>
-            </a:pPr>
-            <a:r>
-              <a:rPr lang="en-US" baseline="0" dirty="0"/>
-              <a:t>Parallel reduce</a:t>
-            </a:r>
-            <a:endParaRPr lang="ru-RU" baseline="0" dirty="0"/>
-          </a:p>
-          <a:p>
-            <a:pPr marL="1143000" lvl="2" indent="-228600">
-              <a:buFont typeface="+mj-lt"/>
-              <a:buAutoNum type="arabicPeriod"/>
-            </a:pPr>
-            <a:r>
-              <a:rPr lang="ru-RU" baseline="0" dirty="0"/>
-              <a:t>Дополнительное редуцирование при обходе по итерационному пространству.</a:t>
-            </a:r>
-            <a:endParaRPr lang="en-US" baseline="0" dirty="0"/>
-          </a:p>
-          <a:p>
-            <a:pPr marL="685800" lvl="1" indent="-228600">
-              <a:buFont typeface="+mj-lt"/>
-              <a:buAutoNum type="arabicPeriod"/>
-            </a:pPr>
-            <a:r>
-              <a:rPr lang="en-US" baseline="0" dirty="0"/>
-              <a:t>Parallel scan</a:t>
-            </a:r>
-            <a:endParaRPr lang="ru-RU" baseline="0" dirty="0"/>
-          </a:p>
-          <a:p>
-            <a:pPr marL="1143000" lvl="2" indent="-228600">
-              <a:buFont typeface="+mj-lt"/>
-              <a:buAutoNum type="arabicPeriod"/>
-            </a:pPr>
-            <a:r>
-              <a:rPr lang="ru-RU" baseline="0" dirty="0"/>
-              <a:t>Подсчет частичных сумм при обходе итерационного пространства</a:t>
-            </a:r>
-            <a:endParaRPr lang="en-US" baseline="0" dirty="0"/>
-          </a:p>
-          <a:p>
-            <a:pPr marL="228600" indent="-228600">
-              <a:buFont typeface="+mj-lt"/>
-              <a:buAutoNum type="arabicPeriod"/>
-            </a:pPr>
-            <a:r>
-              <a:rPr lang="en-US" baseline="0" dirty="0"/>
-              <a:t>Parallel sorting</a:t>
-            </a:r>
-          </a:p>
-          <a:p>
-            <a:pPr marL="228600" indent="-228600">
-              <a:buFont typeface="+mj-lt"/>
-              <a:buAutoNum type="arabicPeriod"/>
-            </a:pPr>
-            <a:r>
-              <a:rPr lang="en-US" baseline="0" dirty="0"/>
-              <a:t>Parallel function invocation</a:t>
-            </a:r>
-          </a:p>
-          <a:p>
-            <a:pPr marL="228600" indent="-228600">
-              <a:buFont typeface="+mj-lt"/>
-              <a:buAutoNum type="arabicPeriod"/>
-            </a:pPr>
-            <a:r>
-              <a:rPr lang="en-US" baseline="0" dirty="0"/>
-              <a:t>Streaming</a:t>
-            </a:r>
-          </a:p>
-          <a:p>
             <a:endParaRPr lang="en-US" dirty="0"/>
           </a:p>
         </p:txBody>
@@ -3404,141 +1784,6 @@
           <a:bodyPr/>
           <a:lstStyle/>
           <a:p>
-            <a:r>
-              <a:rPr lang="ru-RU" dirty="0"/>
-              <a:t>Нет слайда</a:t>
-            </a:r>
-            <a:r>
-              <a:rPr lang="ru-RU" baseline="0" dirty="0"/>
-              <a:t> с рекурсивной декомпозицией</a:t>
-            </a:r>
-            <a:r>
-              <a:rPr lang="en-US" baseline="0" dirty="0"/>
-              <a:t>.</a:t>
-            </a:r>
-          </a:p>
-          <a:p>
-            <a:pPr marL="228600" indent="-228600">
-              <a:buFont typeface="+mj-lt"/>
-              <a:buAutoNum type="arabicPeriod"/>
-            </a:pPr>
-            <a:r>
-              <a:rPr lang="en-US" baseline="0" dirty="0"/>
-              <a:t>Loop parallelization:</a:t>
-            </a:r>
-          </a:p>
-          <a:p>
-            <a:pPr marL="685800" lvl="1" indent="-228600">
-              <a:buFont typeface="+mj-lt"/>
-              <a:buAutoNum type="arabicPeriod"/>
-            </a:pPr>
-            <a:r>
-              <a:rPr lang="en-US" baseline="0" dirty="0"/>
-              <a:t>Parallel for</a:t>
-            </a:r>
-          </a:p>
-          <a:p>
-            <a:pPr marL="1143000" lvl="2" indent="-228600">
-              <a:buFont typeface="+mj-lt"/>
-              <a:buAutoNum type="arabicPeriod"/>
-            </a:pPr>
-            <a:r>
-              <a:rPr lang="ru-RU" baseline="0" dirty="0"/>
-              <a:t>Обход по итерационному пространству, заданному пользователем. Вплоть до </a:t>
-            </a:r>
-            <a:r>
-              <a:rPr lang="en-US" baseline="0" dirty="0"/>
-              <a:t>N-</a:t>
-            </a:r>
-            <a:r>
-              <a:rPr lang="ru-RU" baseline="0" dirty="0"/>
-              <a:t>мерного пространства. Присутствуют возможности, позволяющие описать это н-мерное пространство и задать глубину его делимости для большего контроля над описываемыми задачами. </a:t>
-            </a:r>
-            <a:r>
-              <a:rPr lang="en-US" baseline="0" dirty="0"/>
-              <a:t>O(P * log(N)) – </a:t>
-            </a:r>
-            <a:r>
-              <a:rPr lang="ru-RU" baseline="0" dirty="0"/>
-              <a:t>по памяти</a:t>
-            </a:r>
-            <a:endParaRPr lang="en-US" baseline="0" dirty="0"/>
-          </a:p>
-          <a:p>
-            <a:pPr marL="685800" lvl="1" indent="-228600">
-              <a:buFont typeface="+mj-lt"/>
-              <a:buAutoNum type="arabicPeriod"/>
-            </a:pPr>
-            <a:r>
-              <a:rPr lang="en-US" baseline="0" dirty="0"/>
-              <a:t>Parallel reduce</a:t>
-            </a:r>
-            <a:endParaRPr lang="ru-RU" baseline="0" dirty="0"/>
-          </a:p>
-          <a:p>
-            <a:pPr marL="1143000" lvl="2" indent="-228600">
-              <a:buFont typeface="+mj-lt"/>
-              <a:buAutoNum type="arabicPeriod"/>
-            </a:pPr>
-            <a:r>
-              <a:rPr lang="ru-RU" baseline="0" dirty="0"/>
-              <a:t>Дополнительное редуцирование при обходе по итерационному пространству.</a:t>
-            </a:r>
-            <a:endParaRPr lang="en-US" baseline="0" dirty="0"/>
-          </a:p>
-          <a:p>
-            <a:pPr marL="685800" lvl="1" indent="-228600">
-              <a:buFont typeface="+mj-lt"/>
-              <a:buAutoNum type="arabicPeriod"/>
-            </a:pPr>
-            <a:r>
-              <a:rPr lang="en-US" baseline="0" dirty="0"/>
-              <a:t>Parallel scan</a:t>
-            </a:r>
-            <a:endParaRPr lang="ru-RU" baseline="0" dirty="0"/>
-          </a:p>
-          <a:p>
-            <a:pPr marL="1143000" lvl="2" indent="-228600">
-              <a:buFont typeface="+mj-lt"/>
-              <a:buAutoNum type="arabicPeriod"/>
-            </a:pPr>
-            <a:r>
-              <a:rPr lang="ru-RU" baseline="0" dirty="0"/>
-              <a:t>Подсчет частичных сумм при обходе итерационного пространства</a:t>
-            </a:r>
-            <a:endParaRPr lang="en-US" baseline="0" dirty="0"/>
-          </a:p>
-          <a:p>
-            <a:pPr marL="228600" indent="-228600">
-              <a:buFont typeface="+mj-lt"/>
-              <a:buAutoNum type="arabicPeriod"/>
-            </a:pPr>
-            <a:r>
-              <a:rPr lang="en-US" baseline="0" dirty="0"/>
-              <a:t>Parallel sorting</a:t>
-            </a:r>
-          </a:p>
-          <a:p>
-            <a:pPr marL="228600" indent="-228600">
-              <a:buFont typeface="+mj-lt"/>
-              <a:buAutoNum type="arabicPeriod"/>
-            </a:pPr>
-            <a:r>
-              <a:rPr lang="en-US" baseline="0" dirty="0"/>
-              <a:t>Parallel function invocation</a:t>
-            </a:r>
-          </a:p>
-          <a:p>
-            <a:pPr marL="228600" indent="-228600">
-              <a:buFont typeface="+mj-lt"/>
-              <a:buAutoNum type="arabicPeriod"/>
-            </a:pPr>
-            <a:r>
-              <a:rPr lang="en-US" baseline="0" dirty="0"/>
-              <a:t>Streaming</a:t>
-            </a:r>
-          </a:p>
-          <a:p>
             <a:endParaRPr lang="en-US" dirty="0"/>
           </a:p>
         </p:txBody>
@@ -3624,141 +1869,6 @@
           <a:bodyPr/>
           <a:lstStyle/>
           <a:p>
-            <a:r>
-              <a:rPr lang="ru-RU" dirty="0"/>
-              <a:t>Нет слайда</a:t>
-            </a:r>
-            <a:r>
-              <a:rPr lang="ru-RU" baseline="0" dirty="0"/>
-              <a:t> с рекурсивной декомпозицией</a:t>
-            </a:r>
-            <a:r>
-              <a:rPr lang="en-US" baseline="0" dirty="0"/>
-              <a:t>.</a:t>
-            </a:r>
-          </a:p>
-          <a:p>
-            <a:pPr marL="228600" indent="-228600">
-              <a:buFont typeface="+mj-lt"/>
-              <a:buAutoNum type="arabicPeriod"/>
-            </a:pPr>
-            <a:r>
-              <a:rPr lang="en-US" baseline="0" dirty="0"/>
-              <a:t>Loop parallelization:</a:t>
-            </a:r>
-          </a:p>
-          <a:p>
-            <a:pPr marL="685800" lvl="1" indent="-228600">
-              <a:buFont typeface="+mj-lt"/>
-              <a:buAutoNum type="arabicPeriod"/>
-            </a:pPr>
-            <a:r>
-              <a:rPr lang="en-US" baseline="0" dirty="0"/>
-              <a:t>Parallel for</a:t>
-            </a:r>
-          </a:p>
-          <a:p>
-            <a:pPr marL="1143000" lvl="2" indent="-228600">
-              <a:buFont typeface="+mj-lt"/>
-              <a:buAutoNum type="arabicPeriod"/>
-            </a:pPr>
-            <a:r>
-              <a:rPr lang="ru-RU" baseline="0" dirty="0"/>
-              <a:t>Обход по итерационному пространству, заданному пользователем. Вплоть до </a:t>
-            </a:r>
-            <a:r>
-              <a:rPr lang="en-US" baseline="0" dirty="0"/>
-              <a:t>N-</a:t>
-            </a:r>
-            <a:r>
-              <a:rPr lang="ru-RU" baseline="0" dirty="0"/>
-              <a:t>мерного пространства. Присутствуют возможности, позволяющие описать это н-мерное пространство и задать глубину его делимости для большего контроля над описываемыми задачами. </a:t>
-            </a:r>
-            <a:r>
-              <a:rPr lang="en-US" baseline="0" dirty="0"/>
-              <a:t>O(P * log(N)) – </a:t>
-            </a:r>
-            <a:r>
-              <a:rPr lang="ru-RU" baseline="0" dirty="0"/>
-              <a:t>по памяти</a:t>
-            </a:r>
-            <a:endParaRPr lang="en-US" baseline="0" dirty="0"/>
-          </a:p>
-          <a:p>
-            <a:pPr marL="685800" lvl="1" indent="-228600">
-              <a:buFont typeface="+mj-lt"/>
-              <a:buAutoNum type="arabicPeriod"/>
-            </a:pPr>
-            <a:r>
-              <a:rPr lang="en-US" baseline="0" dirty="0"/>
-              <a:t>Parallel reduce</a:t>
-            </a:r>
-            <a:endParaRPr lang="ru-RU" baseline="0" dirty="0"/>
-          </a:p>
-          <a:p>
-            <a:pPr marL="1143000" lvl="2" indent="-228600">
-              <a:buFont typeface="+mj-lt"/>
-              <a:buAutoNum type="arabicPeriod"/>
-            </a:pPr>
-            <a:r>
-              <a:rPr lang="ru-RU" baseline="0" dirty="0"/>
-              <a:t>Дополнительное редуцирование при обходе по итерационному пространству.</a:t>
-            </a:r>
-            <a:endParaRPr lang="en-US" baseline="0" dirty="0"/>
-          </a:p>
-          <a:p>
-            <a:pPr marL="685800" lvl="1" indent="-228600">
-              <a:buFont typeface="+mj-lt"/>
-              <a:buAutoNum type="arabicPeriod"/>
-            </a:pPr>
-            <a:r>
-              <a:rPr lang="en-US" baseline="0" dirty="0"/>
-              <a:t>Parallel scan</a:t>
-            </a:r>
-            <a:endParaRPr lang="ru-RU" baseline="0" dirty="0"/>
-          </a:p>
-          <a:p>
-            <a:pPr marL="1143000" lvl="2" indent="-228600">
-              <a:buFont typeface="+mj-lt"/>
-              <a:buAutoNum type="arabicPeriod"/>
-            </a:pPr>
-            <a:r>
-              <a:rPr lang="ru-RU" baseline="0" dirty="0"/>
-              <a:t>Подсчет частичных сумм при обходе итерационного пространства</a:t>
-            </a:r>
-            <a:endParaRPr lang="en-US" baseline="0" dirty="0"/>
-          </a:p>
-          <a:p>
-            <a:pPr marL="228600" indent="-228600">
-              <a:buFont typeface="+mj-lt"/>
-              <a:buAutoNum type="arabicPeriod"/>
-            </a:pPr>
-            <a:r>
-              <a:rPr lang="en-US" baseline="0" dirty="0"/>
-              <a:t>Parallel sorting</a:t>
-            </a:r>
-          </a:p>
-          <a:p>
-            <a:pPr marL="228600" indent="-228600">
-              <a:buFont typeface="+mj-lt"/>
-              <a:buAutoNum type="arabicPeriod"/>
-            </a:pPr>
-            <a:r>
-              <a:rPr lang="en-US" baseline="0" dirty="0"/>
-              <a:t>Parallel function invocation</a:t>
-            </a:r>
-          </a:p>
-          <a:p>
-            <a:pPr marL="228600" indent="-228600">
-              <a:buFont typeface="+mj-lt"/>
-              <a:buAutoNum type="arabicPeriod"/>
-            </a:pPr>
-            <a:r>
-              <a:rPr lang="en-US" baseline="0" dirty="0"/>
-              <a:t>Streaming</a:t>
-            </a:r>
-          </a:p>
-          <a:p>
             <a:endParaRPr lang="en-US" dirty="0"/>
           </a:p>
         </p:txBody>
@@ -3844,141 +1954,6 @@
           <a:bodyPr/>
           <a:lstStyle/>
           <a:p>
-            <a:r>
-              <a:rPr lang="ru-RU" dirty="0"/>
-              <a:t>Нет слайда</a:t>
-            </a:r>
-            <a:r>
-              <a:rPr lang="ru-RU" baseline="0" dirty="0"/>
-              <a:t> с рекурсивной декомпозицией</a:t>
-            </a:r>
-            <a:r>
-              <a:rPr lang="en-US" baseline="0" dirty="0"/>
-              <a:t>.</a:t>
-            </a:r>
-          </a:p>
-          <a:p>
-            <a:pPr marL="228600" indent="-228600">
-              <a:buFont typeface="+mj-lt"/>
-              <a:buAutoNum type="arabicPeriod"/>
-            </a:pPr>
-            <a:r>
-              <a:rPr lang="en-US" baseline="0" dirty="0"/>
-              <a:t>Loop parallelization:</a:t>
-            </a:r>
-          </a:p>
-          <a:p>
-            <a:pPr marL="685800" lvl="1" indent="-228600">
-              <a:buFont typeface="+mj-lt"/>
-              <a:buAutoNum type="arabicPeriod"/>
-            </a:pPr>
-            <a:r>
-              <a:rPr lang="en-US" baseline="0" dirty="0"/>
-              <a:t>Parallel for</a:t>
-            </a:r>
-          </a:p>
-          <a:p>
-            <a:pPr marL="1143000" lvl="2" indent="-228600">
-              <a:buFont typeface="+mj-lt"/>
-              <a:buAutoNum type="arabicPeriod"/>
-            </a:pPr>
-            <a:r>
-              <a:rPr lang="ru-RU" baseline="0" dirty="0"/>
-              <a:t>Обход по итерационному пространству, заданному пользователем. Вплоть до </a:t>
-            </a:r>
-            <a:r>
-              <a:rPr lang="en-US" baseline="0" dirty="0"/>
-              <a:t>N-</a:t>
-            </a:r>
-            <a:r>
-              <a:rPr lang="ru-RU" baseline="0" dirty="0"/>
-              <a:t>мерного пространства. Присутствуют возможности, позволяющие описать это н-мерное пространство и задать глубину его делимости для большего контроля над описываемыми задачами. </a:t>
-            </a:r>
-            <a:r>
-              <a:rPr lang="en-US" baseline="0" dirty="0"/>
-              <a:t>O(P * log(N)) – </a:t>
-            </a:r>
-            <a:r>
-              <a:rPr lang="ru-RU" baseline="0" dirty="0"/>
-              <a:t>по памяти</a:t>
-            </a:r>
-            <a:endParaRPr lang="en-US" baseline="0" dirty="0"/>
-          </a:p>
-          <a:p>
-            <a:pPr marL="685800" lvl="1" indent="-228600">
-              <a:buFont typeface="+mj-lt"/>
-              <a:buAutoNum type="arabicPeriod"/>
-            </a:pPr>
-            <a:r>
-              <a:rPr lang="en-US" baseline="0" dirty="0"/>
-              <a:t>Parallel reduce</a:t>
-            </a:r>
-            <a:endParaRPr lang="ru-RU" baseline="0" dirty="0"/>
-          </a:p>
-          <a:p>
-            <a:pPr marL="1143000" lvl="2" indent="-228600">
-              <a:buFont typeface="+mj-lt"/>
-              <a:buAutoNum type="arabicPeriod"/>
-            </a:pPr>
-            <a:r>
-              <a:rPr lang="ru-RU" baseline="0" dirty="0"/>
-              <a:t>Дополнительное редуцирование при обходе по итерационному пространству.</a:t>
-            </a:r>
-            <a:endParaRPr lang="en-US" baseline="0" dirty="0"/>
-          </a:p>
-          <a:p>
-            <a:pPr marL="685800" lvl="1" indent="-228600">
-              <a:buFont typeface="+mj-lt"/>
-              <a:buAutoNum type="arabicPeriod"/>
-            </a:pPr>
-            <a:r>
-              <a:rPr lang="en-US" baseline="0" dirty="0"/>
-              <a:t>Parallel scan</a:t>
-            </a:r>
-            <a:endParaRPr lang="ru-RU" baseline="0" dirty="0"/>
-          </a:p>
-          <a:p>
-            <a:pPr marL="1143000" lvl="2" indent="-228600">
-              <a:buFont typeface="+mj-lt"/>
-              <a:buAutoNum type="arabicPeriod"/>
-            </a:pPr>
-            <a:r>
-              <a:rPr lang="ru-RU" baseline="0" dirty="0"/>
-              <a:t>Подсчет частичных сумм при обходе итерационного пространства</a:t>
-            </a:r>
-            <a:endParaRPr lang="en-US" baseline="0" dirty="0"/>
-          </a:p>
-          <a:p>
-            <a:pPr marL="228600" indent="-228600">
-              <a:buFont typeface="+mj-lt"/>
-              <a:buAutoNum type="arabicPeriod"/>
-            </a:pPr>
-            <a:r>
-              <a:rPr lang="en-US" baseline="0" dirty="0"/>
-              <a:t>Parallel sorting</a:t>
-            </a:r>
-          </a:p>
-          <a:p>
-            <a:pPr marL="228600" indent="-228600">
-              <a:buFont typeface="+mj-lt"/>
-              <a:buAutoNum type="arabicPeriod"/>
-            </a:pPr>
-            <a:r>
-              <a:rPr lang="en-US" baseline="0" dirty="0"/>
-              <a:t>Parallel function invocation</a:t>
-            </a:r>
-          </a:p>
-          <a:p>
-            <a:pPr marL="228600" indent="-228600">
-              <a:buFont typeface="+mj-lt"/>
-              <a:buAutoNum type="arabicPeriod"/>
-            </a:pPr>
-            <a:r>
-              <a:rPr lang="en-US" baseline="0" dirty="0"/>
-              <a:t>Streaming</a:t>
-            </a:r>
-          </a:p>
-          <a:p>
             <a:endParaRPr lang="en-US" dirty="0"/>
           </a:p>
         </p:txBody>
@@ -4064,141 +2039,6 @@
           <a:bodyPr/>
           <a:lstStyle/>
           <a:p>
-            <a:r>
-              <a:rPr lang="ru-RU" dirty="0"/>
-              <a:t>Нет слайда</a:t>
-            </a:r>
-            <a:r>
-              <a:rPr lang="ru-RU" baseline="0" dirty="0"/>
-              <a:t> с рекурсивной декомпозицией</a:t>
-            </a:r>
-            <a:r>
-              <a:rPr lang="en-US" baseline="0" dirty="0"/>
-              <a:t>.</a:t>
-            </a:r>
-          </a:p>
-          <a:p>
-            <a:pPr marL="228600" indent="-228600">
-              <a:buFont typeface="+mj-lt"/>
-              <a:buAutoNum type="arabicPeriod"/>
-            </a:pPr>
-            <a:r>
-              <a:rPr lang="en-US" baseline="0" dirty="0"/>
-              <a:t>Loop parallelization:</a:t>
-            </a:r>
-          </a:p>
-          <a:p>
-            <a:pPr marL="685800" lvl="1" indent="-228600">
-              <a:buFont typeface="+mj-lt"/>
-              <a:buAutoNum type="arabicPeriod"/>
-            </a:pPr>
-            <a:r>
-              <a:rPr lang="en-US" baseline="0" dirty="0"/>
-              <a:t>Parallel for</a:t>
-            </a:r>
-          </a:p>
-          <a:p>
-            <a:pPr marL="1143000" lvl="2" indent="-228600">
-              <a:buFont typeface="+mj-lt"/>
-              <a:buAutoNum type="arabicPeriod"/>
-            </a:pPr>
-            <a:r>
-              <a:rPr lang="ru-RU" baseline="0" dirty="0"/>
-              <a:t>Обход по итерационному пространству, заданному пользователем. Вплоть до </a:t>
-            </a:r>
-            <a:r>
-              <a:rPr lang="en-US" baseline="0" dirty="0"/>
-              <a:t>N-</a:t>
-            </a:r>
-            <a:r>
-              <a:rPr lang="ru-RU" baseline="0" dirty="0"/>
-              <a:t>мерного пространства. Присутствуют возможности, позволяющие описать это н-мерное пространство и задать глубину его делимости для большего контроля над описываемыми задачами. </a:t>
-            </a:r>
-            <a:r>
-              <a:rPr lang="en-US" baseline="0" dirty="0"/>
-              <a:t>O(P * log(N)) – </a:t>
-            </a:r>
-            <a:r>
-              <a:rPr lang="ru-RU" baseline="0" dirty="0"/>
-              <a:t>по памяти</a:t>
-            </a:r>
-            <a:endParaRPr lang="en-US" baseline="0" dirty="0"/>
-          </a:p>
-          <a:p>
-            <a:pPr marL="685800" lvl="1" indent="-228600">
-              <a:buFont typeface="+mj-lt"/>
-              <a:buAutoNum type="arabicPeriod"/>
-            </a:pPr>
-            <a:r>
-              <a:rPr lang="en-US" baseline="0" dirty="0"/>
-              <a:t>Parallel reduce</a:t>
-            </a:r>
-            <a:endParaRPr lang="ru-RU" baseline="0" dirty="0"/>
-          </a:p>
-          <a:p>
-            <a:pPr marL="1143000" lvl="2" indent="-228600">
-              <a:buFont typeface="+mj-lt"/>
-              <a:buAutoNum type="arabicPeriod"/>
-            </a:pPr>
-            <a:r>
-              <a:rPr lang="ru-RU" baseline="0" dirty="0"/>
-              <a:t>Дополнительное редуцирование при обходе по итерационному пространству.</a:t>
-            </a:r>
-            <a:endParaRPr lang="en-US" baseline="0" dirty="0"/>
-          </a:p>
-          <a:p>
-            <a:pPr marL="685800" lvl="1" indent="-228600">
-              <a:buFont typeface="+mj-lt"/>
-              <a:buAutoNum type="arabicPeriod"/>
-            </a:pPr>
-            <a:r>
-              <a:rPr lang="en-US" baseline="0" dirty="0"/>
-              <a:t>Parallel scan</a:t>
-            </a:r>
-            <a:endParaRPr lang="ru-RU" baseline="0" dirty="0"/>
-          </a:p>
-          <a:p>
-            <a:pPr marL="1143000" lvl="2" indent="-228600">
-              <a:buFont typeface="+mj-lt"/>
-              <a:buAutoNum type="arabicPeriod"/>
-            </a:pPr>
-            <a:r>
-              <a:rPr lang="ru-RU" baseline="0" dirty="0"/>
-              <a:t>Подсчет частичных сумм при обходе итерационного пространства</a:t>
-            </a:r>
-            <a:endParaRPr lang="en-US" baseline="0" dirty="0"/>
-          </a:p>
-          <a:p>
-            <a:pPr marL="228600" indent="-228600">
-              <a:buFont typeface="+mj-lt"/>
-              <a:buAutoNum type="arabicPeriod"/>
-            </a:pPr>
-            <a:r>
-              <a:rPr lang="en-US" baseline="0" dirty="0"/>
-              <a:t>Parallel sorting</a:t>
-            </a:r>
-          </a:p>
-          <a:p>
-            <a:pPr marL="228600" indent="-228600">
-              <a:buFont typeface="+mj-lt"/>
-              <a:buAutoNum type="arabicPeriod"/>
-            </a:pPr>
-            <a:r>
-              <a:rPr lang="en-US" baseline="0" dirty="0"/>
-              <a:t>Parallel function invocation</a:t>
-            </a:r>
-          </a:p>
-          <a:p>
-            <a:pPr marL="228600" indent="-228600">
-              <a:buFont typeface="+mj-lt"/>
-              <a:buAutoNum type="arabicPeriod"/>
-            </a:pPr>
-            <a:r>
-              <a:rPr lang="en-US" baseline="0" dirty="0"/>
-              <a:t>Streaming</a:t>
-            </a:r>
-          </a:p>
-          <a:p>
             <a:endParaRPr lang="en-US" dirty="0"/>
           </a:p>
         </p:txBody>
@@ -4284,141 +2124,6 @@
           <a:bodyPr/>
           <a:lstStyle/>
           <a:p>
-            <a:r>
-              <a:rPr lang="ru-RU" dirty="0"/>
-              <a:t>Нет слайда</a:t>
-            </a:r>
-            <a:r>
-              <a:rPr lang="ru-RU" baseline="0" dirty="0"/>
-              <a:t> с рекурсивной декомпозицией</a:t>
-            </a:r>
-            <a:r>
-              <a:rPr lang="en-US" baseline="0" dirty="0"/>
-              <a:t>.</a:t>
-            </a:r>
-          </a:p>
-          <a:p>
-            <a:pPr marL="228600" indent="-228600">
-              <a:buFont typeface="+mj-lt"/>
-              <a:buAutoNum type="arabicPeriod"/>
-            </a:pPr>
-            <a:r>
-              <a:rPr lang="en-US" baseline="0" dirty="0"/>
-              <a:t>Loop parallelization:</a:t>
-            </a:r>
-          </a:p>
-          <a:p>
-            <a:pPr marL="685800" lvl="1" indent="-228600">
-              <a:buFont typeface="+mj-lt"/>
-              <a:buAutoNum type="arabicPeriod"/>
-            </a:pPr>
-            <a:r>
-              <a:rPr lang="en-US" baseline="0" dirty="0"/>
-              <a:t>Parallel for</a:t>
-            </a:r>
-          </a:p>
-          <a:p>
-            <a:pPr marL="1143000" lvl="2" indent="-228600">
-              <a:buFont typeface="+mj-lt"/>
-              <a:buAutoNum type="arabicPeriod"/>
-            </a:pPr>
-            <a:r>
-              <a:rPr lang="ru-RU" baseline="0" dirty="0"/>
-              <a:t>Обход по итерационному пространству, заданному пользователем. Вплоть до </a:t>
-            </a:r>
-            <a:r>
-              <a:rPr lang="en-US" baseline="0" dirty="0"/>
-              <a:t>N-</a:t>
-            </a:r>
-            <a:r>
-              <a:rPr lang="ru-RU" baseline="0" dirty="0"/>
-              <a:t>мерного пространства. Присутствуют возможности, позволяющие описать это н-мерное пространство и задать глубину его делимости для большего контроля над описываемыми задачами. </a:t>
-            </a:r>
-            <a:r>
-              <a:rPr lang="en-US" baseline="0" dirty="0"/>
-              <a:t>O(P * log(N)) – </a:t>
-            </a:r>
-            <a:r>
-              <a:rPr lang="ru-RU" baseline="0" dirty="0"/>
-              <a:t>по памяти</a:t>
-            </a:r>
-            <a:endParaRPr lang="en-US" baseline="0" dirty="0"/>
-          </a:p>
-          <a:p>
-            <a:pPr marL="685800" lvl="1" indent="-228600">
-              <a:buFont typeface="+mj-lt"/>
-              <a:buAutoNum type="arabicPeriod"/>
-            </a:pPr>
-            <a:r>
-              <a:rPr lang="en-US" baseline="0" dirty="0"/>
-              <a:t>Parallel reduce</a:t>
-            </a:r>
-            <a:endParaRPr lang="ru-RU" baseline="0" dirty="0"/>
-          </a:p>
-          <a:p>
-            <a:pPr marL="1143000" lvl="2" indent="-228600">
-              <a:buFont typeface="+mj-lt"/>
-              <a:buAutoNum type="arabicPeriod"/>
-            </a:pPr>
-            <a:r>
-              <a:rPr lang="ru-RU" baseline="0" dirty="0"/>
-              <a:t>Дополнительное редуцирование при обходе по итерационному пространству.</a:t>
-            </a:r>
-            <a:endParaRPr lang="en-US" baseline="0" dirty="0"/>
-          </a:p>
-          <a:p>
-            <a:pPr marL="685800" lvl="1" indent="-228600">
-              <a:buFont typeface="+mj-lt"/>
-              <a:buAutoNum type="arabicPeriod"/>
-            </a:pPr>
-            <a:r>
-              <a:rPr lang="en-US" baseline="0" dirty="0"/>
-              <a:t>Parallel scan</a:t>
-            </a:r>
-            <a:endParaRPr lang="ru-RU" baseline="0" dirty="0"/>
-          </a:p>
-          <a:p>
-            <a:pPr marL="1143000" lvl="2" indent="-228600">
-              <a:buFont typeface="+mj-lt"/>
-              <a:buAutoNum type="arabicPeriod"/>
-            </a:pPr>
-            <a:r>
-              <a:rPr lang="ru-RU" baseline="0" dirty="0"/>
-              <a:t>Подсчет частичных сумм при обходе итерационного пространства</a:t>
-            </a:r>
-            <a:endParaRPr lang="en-US" baseline="0" dirty="0"/>
-          </a:p>
-          <a:p>
-            <a:pPr marL="228600" indent="-228600">
-              <a:buFont typeface="+mj-lt"/>
-              <a:buAutoNum type="arabicPeriod"/>
-            </a:pPr>
-            <a:r>
-              <a:rPr lang="en-US" baseline="0" dirty="0"/>
-              <a:t>Parallel sorting</a:t>
-            </a:r>
-          </a:p>
-          <a:p>
-            <a:pPr marL="228600" indent="-228600">
-              <a:buFont typeface="+mj-lt"/>
-              <a:buAutoNum type="arabicPeriod"/>
-            </a:pPr>
-            <a:r>
-              <a:rPr lang="en-US" baseline="0" dirty="0"/>
-              <a:t>Parallel function invocation</a:t>
-            </a:r>
-          </a:p>
-          <a:p>
-            <a:pPr marL="228600" indent="-228600">
-              <a:buFont typeface="+mj-lt"/>
-              <a:buAutoNum type="arabicPeriod"/>
-            </a:pPr>
-            <a:r>
-              <a:rPr lang="en-US" baseline="0" dirty="0"/>
-              <a:t>Streaming</a:t>
-            </a:r>
-          </a:p>
-          <a:p>
             <a:endParaRPr lang="en-US" dirty="0"/>
           </a:p>
         </p:txBody>
@@ -4504,141 +2209,6 @@
           <a:bodyPr/>
           <a:lstStyle/>
           <a:p>
-            <a:r>
-              <a:rPr lang="ru-RU" dirty="0"/>
-              <a:t>Нет слайда</a:t>
-            </a:r>
-            <a:r>
-              <a:rPr lang="ru-RU" baseline="0" dirty="0"/>
-              <a:t> с рекурсивной декомпозицией</a:t>
-            </a:r>
-            <a:r>
-              <a:rPr lang="en-US" baseline="0" dirty="0"/>
-              <a:t>.</a:t>
-            </a:r>
-          </a:p>
-          <a:p>
-            <a:pPr marL="228600" indent="-228600">
-              <a:buFont typeface="+mj-lt"/>
-              <a:buAutoNum type="arabicPeriod"/>
-            </a:pPr>
-            <a:r>
-              <a:rPr lang="en-US" baseline="0" dirty="0"/>
-              <a:t>Loop parallelization:</a:t>
-            </a:r>
-          </a:p>
-          <a:p>
-            <a:pPr marL="685800" lvl="1" indent="-228600">
-              <a:buFont typeface="+mj-lt"/>
-              <a:buAutoNum type="arabicPeriod"/>
-            </a:pPr>
-            <a:r>
-              <a:rPr lang="en-US" baseline="0" dirty="0"/>
-              <a:t>Parallel for</a:t>
-            </a:r>
-          </a:p>
-          <a:p>
-            <a:pPr marL="1143000" lvl="2" indent="-228600">
-              <a:buFont typeface="+mj-lt"/>
-              <a:buAutoNum type="arabicPeriod"/>
-            </a:pPr>
-            <a:r>
-              <a:rPr lang="ru-RU" baseline="0" dirty="0"/>
-              <a:t>Обход по итерационному пространству, заданному пользователем. Вплоть до </a:t>
-            </a:r>
-            <a:r>
-              <a:rPr lang="en-US" baseline="0" dirty="0"/>
-              <a:t>N-</a:t>
-            </a:r>
-            <a:r>
-              <a:rPr lang="ru-RU" baseline="0" dirty="0"/>
-              <a:t>мерного пространства. Присутствуют возможности, позволяющие описать это н-мерное пространство и задать глубину его делимости для большего контроля над описываемыми задачами. </a:t>
-            </a:r>
-            <a:r>
-              <a:rPr lang="en-US" baseline="0" dirty="0"/>
-              <a:t>O(P * log(N)) – </a:t>
-            </a:r>
-            <a:r>
-              <a:rPr lang="ru-RU" baseline="0" dirty="0"/>
-              <a:t>по памяти</a:t>
-            </a:r>
-            <a:endParaRPr lang="en-US" baseline="0" dirty="0"/>
-          </a:p>
-          <a:p>
-            <a:pPr marL="685800" lvl="1" indent="-228600">
-              <a:buFont typeface="+mj-lt"/>
-              <a:buAutoNum type="arabicPeriod"/>
-            </a:pPr>
-            <a:r>
-              <a:rPr lang="en-US" baseline="0" dirty="0"/>
-              <a:t>Parallel reduce</a:t>
-            </a:r>
-            <a:endParaRPr lang="ru-RU" baseline="0" dirty="0"/>
-          </a:p>
-          <a:p>
-            <a:pPr marL="1143000" lvl="2" indent="-228600">
-              <a:buFont typeface="+mj-lt"/>
-              <a:buAutoNum type="arabicPeriod"/>
-            </a:pPr>
-            <a:r>
-              <a:rPr lang="ru-RU" baseline="0" dirty="0"/>
-              <a:t>Дополнительное редуцирование при обходе по итерационному пространству.</a:t>
-            </a:r>
-            <a:endParaRPr lang="en-US" baseline="0" dirty="0"/>
-          </a:p>
-          <a:p>
-            <a:pPr marL="685800" lvl="1" indent="-228600">
-              <a:buFont typeface="+mj-lt"/>
-              <a:buAutoNum type="arabicPeriod"/>
-            </a:pPr>
-            <a:r>
-              <a:rPr lang="en-US" baseline="0" dirty="0"/>
-              <a:t>Parallel scan</a:t>
-            </a:r>
-            <a:endParaRPr lang="ru-RU" baseline="0" dirty="0"/>
-          </a:p>
-          <a:p>
-            <a:pPr marL="1143000" lvl="2" indent="-228600">
-              <a:buFont typeface="+mj-lt"/>
-              <a:buAutoNum type="arabicPeriod"/>
-            </a:pPr>
-            <a:r>
-              <a:rPr lang="ru-RU" baseline="0" dirty="0"/>
-              <a:t>Подсчет частичных сумм при обходе итерационного пространства</a:t>
-            </a:r>
-            <a:endParaRPr lang="en-US" baseline="0" dirty="0"/>
-          </a:p>
-          <a:p>
-            <a:pPr marL="228600" indent="-228600">
-              <a:buFont typeface="+mj-lt"/>
-              <a:buAutoNum type="arabicPeriod"/>
-            </a:pPr>
-            <a:r>
-              <a:rPr lang="en-US" baseline="0" dirty="0"/>
-              <a:t>Parallel sorting</a:t>
-            </a:r>
-          </a:p>
-          <a:p>
-            <a:pPr marL="228600" indent="-228600">
-              <a:buFont typeface="+mj-lt"/>
-              <a:buAutoNum type="arabicPeriod"/>
-            </a:pPr>
-            <a:r>
-              <a:rPr lang="en-US" baseline="0" dirty="0"/>
-              <a:t>Parallel function invocation</a:t>
-            </a:r>
-          </a:p>
-          <a:p>
-            <a:pPr marL="228600" indent="-228600">
-              <a:buFont typeface="+mj-lt"/>
-              <a:buAutoNum type="arabicPeriod"/>
-            </a:pPr>
-            <a:r>
-              <a:rPr lang="en-US" baseline="0" dirty="0"/>
-              <a:t>Streaming</a:t>
-            </a:r>
-          </a:p>
-          <a:p>
             <a:endParaRPr lang="en-US" dirty="0"/>
           </a:p>
         </p:txBody>
@@ -4724,141 +2294,6 @@
           <a:bodyPr/>
           <a:lstStyle/>
           <a:p>
-            <a:r>
-              <a:rPr lang="ru-RU" dirty="0"/>
-              <a:t>Нет слайда</a:t>
-            </a:r>
-            <a:r>
-              <a:rPr lang="ru-RU" baseline="0" dirty="0"/>
-              <a:t> с рекурсивной декомпозицией</a:t>
-            </a:r>
-            <a:r>
-              <a:rPr lang="en-US" baseline="0" dirty="0"/>
-              <a:t>.</a:t>
-            </a:r>
-          </a:p>
-          <a:p>
-            <a:pPr marL="228600" indent="-228600">
-              <a:buFont typeface="+mj-lt"/>
-              <a:buAutoNum type="arabicPeriod"/>
-            </a:pPr>
-            <a:r>
-              <a:rPr lang="en-US" baseline="0" dirty="0"/>
-              <a:t>Loop parallelization:</a:t>
-            </a:r>
-          </a:p>
-          <a:p>
-            <a:pPr marL="685800" lvl="1" indent="-228600">
-              <a:buFont typeface="+mj-lt"/>
-              <a:buAutoNum type="arabicPeriod"/>
-            </a:pPr>
-            <a:r>
-              <a:rPr lang="en-US" baseline="0" dirty="0"/>
-              <a:t>Parallel for</a:t>
-            </a:r>
-          </a:p>
-          <a:p>
-            <a:pPr marL="1143000" lvl="2" indent="-228600">
-              <a:buFont typeface="+mj-lt"/>
-              <a:buAutoNum type="arabicPeriod"/>
-            </a:pPr>
-            <a:r>
-              <a:rPr lang="ru-RU" baseline="0" dirty="0"/>
-              <a:t>Обход по итерационному пространству, заданному пользователем. Вплоть до </a:t>
-            </a:r>
-            <a:r>
-              <a:rPr lang="en-US" baseline="0" dirty="0"/>
-              <a:t>N-</a:t>
-            </a:r>
-            <a:r>
-              <a:rPr lang="ru-RU" baseline="0" dirty="0"/>
-              <a:t>мерного пространства. Присутствуют возможности, позволяющие описать это н-мерное пространство и задать глубину его делимости для большего контроля над описываемыми задачами. </a:t>
-            </a:r>
-            <a:r>
-              <a:rPr lang="en-US" baseline="0" dirty="0"/>
-              <a:t>O(P * log(N)) – </a:t>
-            </a:r>
-            <a:r>
-              <a:rPr lang="ru-RU" baseline="0" dirty="0"/>
-              <a:t>по памяти</a:t>
-            </a:r>
-            <a:endParaRPr lang="en-US" baseline="0" dirty="0"/>
-          </a:p>
-          <a:p>
-            <a:pPr marL="685800" lvl="1" indent="-228600">
-              <a:buFont typeface="+mj-lt"/>
-              <a:buAutoNum type="arabicPeriod"/>
-            </a:pPr>
-            <a:r>
-              <a:rPr lang="en-US" baseline="0" dirty="0"/>
-              <a:t>Parallel reduce</a:t>
-            </a:r>
-            <a:endParaRPr lang="ru-RU" baseline="0" dirty="0"/>
-          </a:p>
-          <a:p>
-            <a:pPr marL="1143000" lvl="2" indent="-228600">
-              <a:buFont typeface="+mj-lt"/>
-              <a:buAutoNum type="arabicPeriod"/>
-            </a:pPr>
-            <a:r>
-              <a:rPr lang="ru-RU" baseline="0" dirty="0"/>
-              <a:t>Дополнительное редуцирование при обходе по итерационному пространству.</a:t>
-            </a:r>
-            <a:endParaRPr lang="en-US" baseline="0" dirty="0"/>
-          </a:p>
-          <a:p>
-            <a:pPr marL="685800" lvl="1" indent="-228600">
-              <a:buFont typeface="+mj-lt"/>
-              <a:buAutoNum type="arabicPeriod"/>
-            </a:pPr>
-            <a:r>
-              <a:rPr lang="en-US" baseline="0" dirty="0"/>
-              <a:t>Parallel scan</a:t>
-            </a:r>
-            <a:endParaRPr lang="ru-RU" baseline="0" dirty="0"/>
-          </a:p>
-          <a:p>
-            <a:pPr marL="1143000" lvl="2" indent="-228600">
-              <a:buFont typeface="+mj-lt"/>
-              <a:buAutoNum type="arabicPeriod"/>
-            </a:pPr>
-            <a:r>
-              <a:rPr lang="ru-RU" baseline="0" dirty="0"/>
-              <a:t>Подсчет частичных сумм при обходе итерационного пространства</a:t>
-            </a:r>
-            <a:endParaRPr lang="en-US" baseline="0" dirty="0"/>
-          </a:p>
-          <a:p>
-            <a:pPr marL="228600" indent="-228600">
-              <a:buFont typeface="+mj-lt"/>
-              <a:buAutoNum type="arabicPeriod"/>
-            </a:pPr>
-            <a:r>
-              <a:rPr lang="en-US" baseline="0" dirty="0"/>
-              <a:t>Parallel sorting</a:t>
-            </a:r>
-          </a:p>
-          <a:p>
-            <a:pPr marL="228600" indent="-228600">
-              <a:buFont typeface="+mj-lt"/>
-              <a:buAutoNum type="arabicPeriod"/>
-            </a:pPr>
-            <a:r>
-              <a:rPr lang="en-US" baseline="0" dirty="0"/>
-              <a:t>Parallel function invocation</a:t>
-            </a:r>
-          </a:p>
-          <a:p>
-            <a:pPr marL="228600" indent="-228600">
-              <a:buFont typeface="+mj-lt"/>
-              <a:buAutoNum type="arabicPeriod"/>
-            </a:pPr>
-            <a:r>
-              <a:rPr lang="en-US" baseline="0" dirty="0"/>
-              <a:t>Streaming</a:t>
-            </a:r>
-          </a:p>
-          <a:p>
             <a:endParaRPr lang="en-US" dirty="0"/>
           </a:p>
         </p:txBody>
@@ -4944,141 +2379,6 @@
           <a:bodyPr/>
           <a:lstStyle/>
           <a:p>
-            <a:r>
-              <a:rPr lang="ru-RU" dirty="0"/>
-              <a:t>Нет слайда</a:t>
-            </a:r>
-            <a:r>
-              <a:rPr lang="ru-RU" baseline="0" dirty="0"/>
-              <a:t> с рекурсивной декомпозицией</a:t>
-            </a:r>
-            <a:r>
-              <a:rPr lang="en-US" baseline="0" dirty="0"/>
-              <a:t>.</a:t>
-            </a:r>
-          </a:p>
-          <a:p>
-            <a:pPr marL="228600" indent="-228600">
-              <a:buFont typeface="+mj-lt"/>
-              <a:buAutoNum type="arabicPeriod"/>
-            </a:pPr>
-            <a:r>
-              <a:rPr lang="en-US" baseline="0" dirty="0"/>
-              <a:t>Loop parallelization:</a:t>
-            </a:r>
-          </a:p>
-          <a:p>
-            <a:pPr marL="685800" lvl="1" indent="-228600">
-              <a:buFont typeface="+mj-lt"/>
-              <a:buAutoNum type="arabicPeriod"/>
-            </a:pPr>
-            <a:r>
-              <a:rPr lang="en-US" baseline="0" dirty="0"/>
-              <a:t>Parallel for</a:t>
-            </a:r>
-          </a:p>
-          <a:p>
-            <a:pPr marL="1143000" lvl="2" indent="-228600">
-              <a:buFont typeface="+mj-lt"/>
-              <a:buAutoNum type="arabicPeriod"/>
-            </a:pPr>
-            <a:r>
-              <a:rPr lang="ru-RU" baseline="0" dirty="0"/>
-              <a:t>Обход по итерационному пространству, заданному пользователем. Вплоть до </a:t>
-            </a:r>
-            <a:r>
-              <a:rPr lang="en-US" baseline="0" dirty="0"/>
-              <a:t>N-</a:t>
-            </a:r>
-            <a:r>
-              <a:rPr lang="ru-RU" baseline="0" dirty="0"/>
-              <a:t>мерного пространства. Присутствуют возможности, позволяющие описать это н-мерное пространство и задать глубину его делимости для большего контроля над описываемыми задачами. </a:t>
-            </a:r>
-            <a:r>
-              <a:rPr lang="en-US" baseline="0" dirty="0"/>
-              <a:t>O(P * log(N)) – </a:t>
-            </a:r>
-            <a:r>
-              <a:rPr lang="ru-RU" baseline="0" dirty="0"/>
-              <a:t>по памяти</a:t>
-            </a:r>
-            <a:endParaRPr lang="en-US" baseline="0" dirty="0"/>
-          </a:p>
-          <a:p>
-            <a:pPr marL="685800" lvl="1" indent="-228600">
-              <a:buFont typeface="+mj-lt"/>
-              <a:buAutoNum type="arabicPeriod"/>
-            </a:pPr>
-            <a:r>
-              <a:rPr lang="en-US" baseline="0" dirty="0"/>
-              <a:t>Parallel reduce</a:t>
-            </a:r>
-            <a:endParaRPr lang="ru-RU" baseline="0" dirty="0"/>
-          </a:p>
-          <a:p>
-            <a:pPr marL="1143000" lvl="2" indent="-228600">
-              <a:buFont typeface="+mj-lt"/>
-              <a:buAutoNum type="arabicPeriod"/>
-            </a:pPr>
-            <a:r>
-              <a:rPr lang="ru-RU" baseline="0" dirty="0"/>
-              <a:t>Дополнительное редуцирование при обходе по итерационному пространству.</a:t>
-            </a:r>
-            <a:endParaRPr lang="en-US" baseline="0" dirty="0"/>
-          </a:p>
-          <a:p>
-            <a:pPr marL="685800" lvl="1" indent="-228600">
-              <a:buFont typeface="+mj-lt"/>
-              <a:buAutoNum type="arabicPeriod"/>
-            </a:pPr>
-            <a:r>
-              <a:rPr lang="en-US" baseline="0" dirty="0"/>
-              <a:t>Parallel scan</a:t>
-            </a:r>
-            <a:endParaRPr lang="ru-RU" baseline="0" dirty="0"/>
-          </a:p>
-          <a:p>
-            <a:pPr marL="1143000" lvl="2" indent="-228600">
-              <a:buFont typeface="+mj-lt"/>
-              <a:buAutoNum type="arabicPeriod"/>
-            </a:pPr>
-            <a:r>
-              <a:rPr lang="ru-RU" baseline="0" dirty="0"/>
-              <a:t>Подсчет частичных сумм при обходе итерационного пространства</a:t>
-            </a:r>
-            <a:endParaRPr lang="en-US" baseline="0" dirty="0"/>
-          </a:p>
-          <a:p>
-            <a:pPr marL="228600" indent="-228600">
-              <a:buFont typeface="+mj-lt"/>
-              <a:buAutoNum type="arabicPeriod"/>
-            </a:pPr>
-            <a:r>
-              <a:rPr lang="en-US" baseline="0" dirty="0"/>
-              <a:t>Parallel sorting</a:t>
-            </a:r>
-          </a:p>
-          <a:p>
-            <a:pPr marL="228600" indent="-228600">
-              <a:buFont typeface="+mj-lt"/>
-              <a:buAutoNum type="arabicPeriod"/>
-            </a:pPr>
-            <a:r>
-              <a:rPr lang="en-US" baseline="0" dirty="0"/>
-              <a:t>Parallel function invocation</a:t>
-            </a:r>
-          </a:p>
-          <a:p>
-            <a:pPr marL="228600" indent="-228600">
-              <a:buFont typeface="+mj-lt"/>
-              <a:buAutoNum type="arabicPeriod"/>
-            </a:pPr>
-            <a:r>
-              <a:rPr lang="en-US" baseline="0" dirty="0"/>
-              <a:t>Streaming</a:t>
-            </a:r>
-          </a:p>
-          <a:p>
             <a:endParaRPr lang="en-US" dirty="0"/>
           </a:p>
         </p:txBody>
@@ -5164,141 +2464,6 @@
           <a:bodyPr/>
           <a:lstStyle/>
           <a:p>
-            <a:r>
-              <a:rPr lang="ru-RU" dirty="0"/>
-              <a:t>Нет слайда</a:t>
-            </a:r>
-            <a:r>
-              <a:rPr lang="ru-RU" baseline="0" dirty="0"/>
-              <a:t> с рекурсивной декомпозицией</a:t>
-            </a:r>
-            <a:r>
-              <a:rPr lang="en-US" baseline="0" dirty="0"/>
-              <a:t>.</a:t>
-            </a:r>
-          </a:p>
-          <a:p>
-            <a:pPr marL="228600" indent="-228600">
-              <a:buFont typeface="+mj-lt"/>
-              <a:buAutoNum type="arabicPeriod"/>
-            </a:pPr>
-            <a:r>
-              <a:rPr lang="en-US" baseline="0" dirty="0"/>
-              <a:t>Loop parallelization:</a:t>
-            </a:r>
-          </a:p>
-          <a:p>
-            <a:pPr marL="685800" lvl="1" indent="-228600">
-              <a:buFont typeface="+mj-lt"/>
-              <a:buAutoNum type="arabicPeriod"/>
-            </a:pPr>
-            <a:r>
-              <a:rPr lang="en-US" baseline="0" dirty="0"/>
-              <a:t>Parallel for</a:t>
-            </a:r>
-          </a:p>
-          <a:p>
-            <a:pPr marL="1143000" lvl="2" indent="-228600">
-              <a:buFont typeface="+mj-lt"/>
-              <a:buAutoNum type="arabicPeriod"/>
-            </a:pPr>
-            <a:r>
-              <a:rPr lang="ru-RU" baseline="0" dirty="0"/>
-              <a:t>Обход по итерационному пространству, заданному пользователем. Вплоть до </a:t>
-            </a:r>
-            <a:r>
-              <a:rPr lang="en-US" baseline="0" dirty="0"/>
-              <a:t>N-</a:t>
-            </a:r>
-            <a:r>
-              <a:rPr lang="ru-RU" baseline="0" dirty="0"/>
-              <a:t>мерного пространства. Присутствуют возможности, позволяющие описать это н-мерное пространство и задать глубину его делимости для большего контроля над описываемыми задачами. </a:t>
-            </a:r>
-            <a:r>
-              <a:rPr lang="en-US" baseline="0" dirty="0"/>
-              <a:t>O(P * log(N)) – </a:t>
-            </a:r>
-            <a:r>
-              <a:rPr lang="ru-RU" baseline="0" dirty="0"/>
-              <a:t>по памяти</a:t>
-            </a:r>
-            <a:endParaRPr lang="en-US" baseline="0" dirty="0"/>
-          </a:p>
-          <a:p>
-            <a:pPr marL="685800" lvl="1" indent="-228600">
-              <a:buFont typeface="+mj-lt"/>
-              <a:buAutoNum type="arabicPeriod"/>
-            </a:pPr>
-            <a:r>
-              <a:rPr lang="en-US" baseline="0" dirty="0"/>
-              <a:t>Parallel reduce</a:t>
-            </a:r>
-            <a:endParaRPr lang="ru-RU" baseline="0" dirty="0"/>
-          </a:p>
-          <a:p>
-            <a:pPr marL="1143000" lvl="2" indent="-228600">
-              <a:buFont typeface="+mj-lt"/>
-              <a:buAutoNum type="arabicPeriod"/>
-            </a:pPr>
-            <a:r>
-              <a:rPr lang="ru-RU" baseline="0" dirty="0"/>
-              <a:t>Дополнительное редуцирование при обходе по итерационному пространству.</a:t>
-            </a:r>
-            <a:endParaRPr lang="en-US" baseline="0" dirty="0"/>
-          </a:p>
-          <a:p>
-            <a:pPr marL="685800" lvl="1" indent="-228600">
-              <a:buFont typeface="+mj-lt"/>
-              <a:buAutoNum type="arabicPeriod"/>
-            </a:pPr>
-            <a:r>
-              <a:rPr lang="en-US" baseline="0" dirty="0"/>
-              <a:t>Parallel scan</a:t>
-            </a:r>
-            <a:endParaRPr lang="ru-RU" baseline="0" dirty="0"/>
-          </a:p>
-          <a:p>
-            <a:pPr marL="1143000" lvl="2" indent="-228600">
-              <a:buFont typeface="+mj-lt"/>
-              <a:buAutoNum type="arabicPeriod"/>
-            </a:pPr>
-            <a:r>
-              <a:rPr lang="ru-RU" baseline="0" dirty="0"/>
-              <a:t>Подсчет частичных сумм при обходе итерационного пространства</a:t>
-            </a:r>
-            <a:endParaRPr lang="en-US" baseline="0" dirty="0"/>
-          </a:p>
-          <a:p>
-            <a:pPr marL="228600" indent="-228600">
-              <a:buFont typeface="+mj-lt"/>
-              <a:buAutoNum type="arabicPeriod"/>
-            </a:pPr>
-            <a:r>
-              <a:rPr lang="en-US" baseline="0" dirty="0"/>
-              <a:t>Parallel sorting</a:t>
-            </a:r>
-          </a:p>
-          <a:p>
-            <a:pPr marL="228600" indent="-228600">
-              <a:buFont typeface="+mj-lt"/>
-              <a:buAutoNum type="arabicPeriod"/>
-            </a:pPr>
-            <a:r>
-              <a:rPr lang="en-US" baseline="0" dirty="0"/>
-              <a:t>Parallel function invocation</a:t>
-            </a:r>
-          </a:p>
-          <a:p>
-            <a:pPr marL="228600" indent="-228600">
-              <a:buFont typeface="+mj-lt"/>
-              <a:buAutoNum type="arabicPeriod"/>
-            </a:pPr>
-            <a:r>
-              <a:rPr lang="en-US" baseline="0" dirty="0"/>
-              <a:t>Streaming</a:t>
-            </a:r>
-          </a:p>
-          <a:p>
             <a:endParaRPr lang="en-US" dirty="0"/>
           </a:p>
         </p:txBody>
@@ -5384,141 +2549,6 @@
           <a:bodyPr/>
           <a:lstStyle/>
           <a:p>
-            <a:r>
-              <a:rPr lang="ru-RU" dirty="0"/>
-              <a:t>Нет слайда</a:t>
-            </a:r>
-            <a:r>
-              <a:rPr lang="ru-RU" baseline="0" dirty="0"/>
-              <a:t> с рекурсивной декомпозицией</a:t>
-            </a:r>
-            <a:r>
-              <a:rPr lang="en-US" baseline="0" dirty="0"/>
-              <a:t>.</a:t>
-            </a:r>
-          </a:p>
-          <a:p>
-            <a:pPr marL="228600" indent="-228600">
-              <a:buFont typeface="+mj-lt"/>
-              <a:buAutoNum type="arabicPeriod"/>
-            </a:pPr>
-            <a:r>
-              <a:rPr lang="en-US" baseline="0" dirty="0"/>
-              <a:t>Loop parallelization:</a:t>
-            </a:r>
-          </a:p>
-          <a:p>
-            <a:pPr marL="685800" lvl="1" indent="-228600">
-              <a:buFont typeface="+mj-lt"/>
-              <a:buAutoNum type="arabicPeriod"/>
-            </a:pPr>
-            <a:r>
-              <a:rPr lang="en-US" baseline="0" dirty="0"/>
-              <a:t>Parallel for</a:t>
-            </a:r>
-          </a:p>
-          <a:p>
-            <a:pPr marL="1143000" lvl="2" indent="-228600">
-              <a:buFont typeface="+mj-lt"/>
-              <a:buAutoNum type="arabicPeriod"/>
-            </a:pPr>
-            <a:r>
-              <a:rPr lang="ru-RU" baseline="0" dirty="0"/>
-              <a:t>Обход по итерационному пространству, заданному пользователем. Вплоть до </a:t>
-            </a:r>
-            <a:r>
-              <a:rPr lang="en-US" baseline="0" dirty="0"/>
-              <a:t>N-</a:t>
-            </a:r>
-            <a:r>
-              <a:rPr lang="ru-RU" baseline="0" dirty="0"/>
-              <a:t>мерного пространства. Присутствуют возможности, позволяющие описать это н-мерное пространство и задать глубину его делимости для большего контроля над описываемыми задачами. </a:t>
-            </a:r>
-            <a:r>
-              <a:rPr lang="en-US" baseline="0" dirty="0"/>
-              <a:t>O(P * log(N)) – </a:t>
-            </a:r>
-            <a:r>
-              <a:rPr lang="ru-RU" baseline="0" dirty="0"/>
-              <a:t>по памяти</a:t>
-            </a:r>
-            <a:endParaRPr lang="en-US" baseline="0" dirty="0"/>
-          </a:p>
-          <a:p>
-            <a:pPr marL="685800" lvl="1" indent="-228600">
-              <a:buFont typeface="+mj-lt"/>
-              <a:buAutoNum type="arabicPeriod"/>
-            </a:pPr>
-            <a:r>
-              <a:rPr lang="en-US" baseline="0" dirty="0"/>
-              <a:t>Parallel reduce</a:t>
-            </a:r>
-            <a:endParaRPr lang="ru-RU" baseline="0" dirty="0"/>
-          </a:p>
-          <a:p>
-            <a:pPr marL="1143000" lvl="2" indent="-228600">
-              <a:buFont typeface="+mj-lt"/>
-              <a:buAutoNum type="arabicPeriod"/>
-            </a:pPr>
-            <a:r>
-              <a:rPr lang="ru-RU" baseline="0" dirty="0"/>
-              <a:t>Дополнительное редуцирование при обходе по итерационному пространству.</a:t>
-            </a:r>
-            <a:endParaRPr lang="en-US" baseline="0" dirty="0"/>
-          </a:p>
-          <a:p>
-            <a:pPr marL="685800" lvl="1" indent="-228600">
-              <a:buFont typeface="+mj-lt"/>
-              <a:buAutoNum type="arabicPeriod"/>
-            </a:pPr>
-            <a:r>
-              <a:rPr lang="en-US" baseline="0" dirty="0"/>
-              <a:t>Parallel scan</a:t>
-            </a:r>
-            <a:endParaRPr lang="ru-RU" baseline="0" dirty="0"/>
-          </a:p>
-          <a:p>
-            <a:pPr marL="1143000" lvl="2" indent="-228600">
-              <a:buFont typeface="+mj-lt"/>
-              <a:buAutoNum type="arabicPeriod"/>
-            </a:pPr>
-            <a:r>
-              <a:rPr lang="ru-RU" baseline="0" dirty="0"/>
-              <a:t>Подсчет частичных сумм при обходе итерационного пространства</a:t>
-            </a:r>
-            <a:endParaRPr lang="en-US" baseline="0" dirty="0"/>
-          </a:p>
-          <a:p>
-            <a:pPr marL="228600" indent="-228600">
-              <a:buFont typeface="+mj-lt"/>
-              <a:buAutoNum type="arabicPeriod"/>
-            </a:pPr>
-            <a:r>
-              <a:rPr lang="en-US" baseline="0" dirty="0"/>
-              <a:t>Parallel sorting</a:t>
-            </a:r>
-          </a:p>
-          <a:p>
-            <a:pPr marL="228600" indent="-228600">
-              <a:buFont typeface="+mj-lt"/>
-              <a:buAutoNum type="arabicPeriod"/>
-            </a:pPr>
-            <a:r>
-              <a:rPr lang="en-US" baseline="0" dirty="0"/>
-              <a:t>Parallel function invocation</a:t>
-            </a:r>
-          </a:p>
-          <a:p>
-            <a:pPr marL="228600" indent="-228600">
-              <a:buFont typeface="+mj-lt"/>
-              <a:buAutoNum type="arabicPeriod"/>
-            </a:pPr>
-            <a:r>
-              <a:rPr lang="en-US" baseline="0" dirty="0"/>
-              <a:t>Streaming</a:t>
-            </a:r>
-          </a:p>
-          <a:p>
             <a:endParaRPr lang="en-US" dirty="0"/>
           </a:p>
         </p:txBody>
@@ -5604,141 +2634,6 @@
           <a:bodyPr/>
           <a:lstStyle/>
           <a:p>
-            <a:r>
-              <a:rPr lang="ru-RU" dirty="0"/>
-              <a:t>Нет слайда</a:t>
-            </a:r>
-            <a:r>
-              <a:rPr lang="ru-RU" baseline="0" dirty="0"/>
-              <a:t> с рекурсивной декомпозицией</a:t>
-            </a:r>
-            <a:r>
-              <a:rPr lang="en-US" baseline="0" dirty="0"/>
-              <a:t>.</a:t>
-            </a:r>
-          </a:p>
-          <a:p>
-            <a:pPr marL="228600" indent="-228600">
-              <a:buFont typeface="+mj-lt"/>
-              <a:buAutoNum type="arabicPeriod"/>
-            </a:pPr>
-            <a:r>
-              <a:rPr lang="en-US" baseline="0" dirty="0"/>
-              <a:t>Loop parallelization:</a:t>
-            </a:r>
-          </a:p>
-          <a:p>
-            <a:pPr marL="685800" lvl="1" indent="-228600">
-              <a:buFont typeface="+mj-lt"/>
-              <a:buAutoNum type="arabicPeriod"/>
-            </a:pPr>
-            <a:r>
-              <a:rPr lang="en-US" baseline="0" dirty="0"/>
-              <a:t>Parallel for</a:t>
-            </a:r>
-          </a:p>
-          <a:p>
-            <a:pPr marL="1143000" lvl="2" indent="-228600">
-              <a:buFont typeface="+mj-lt"/>
-              <a:buAutoNum type="arabicPeriod"/>
-            </a:pPr>
-            <a:r>
-              <a:rPr lang="ru-RU" baseline="0" dirty="0"/>
-              <a:t>Обход по итерационному пространству, заданному пользователем. Вплоть до </a:t>
-            </a:r>
-            <a:r>
-              <a:rPr lang="en-US" baseline="0" dirty="0"/>
-              <a:t>N-</a:t>
-            </a:r>
-            <a:r>
-              <a:rPr lang="ru-RU" baseline="0" dirty="0"/>
-              <a:t>мерного пространства. Присутствуют возможности, позволяющие описать это н-мерное пространство и задать глубину его делимости для большего контроля над описываемыми задачами. </a:t>
-            </a:r>
-            <a:r>
-              <a:rPr lang="en-US" baseline="0" dirty="0"/>
-              <a:t>O(P * log(N)) – </a:t>
-            </a:r>
-            <a:r>
-              <a:rPr lang="ru-RU" baseline="0" dirty="0"/>
-              <a:t>по памяти</a:t>
-            </a:r>
-            <a:endParaRPr lang="en-US" baseline="0" dirty="0"/>
-          </a:p>
-          <a:p>
-            <a:pPr marL="685800" lvl="1" indent="-228600">
-              <a:buFont typeface="+mj-lt"/>
-              <a:buAutoNum type="arabicPeriod"/>
-            </a:pPr>
-            <a:r>
-              <a:rPr lang="en-US" baseline="0" dirty="0"/>
-              <a:t>Parallel reduce</a:t>
-            </a:r>
-            <a:endParaRPr lang="ru-RU" baseline="0" dirty="0"/>
-          </a:p>
-          <a:p>
-            <a:pPr marL="1143000" lvl="2" indent="-228600">
-              <a:buFont typeface="+mj-lt"/>
-              <a:buAutoNum type="arabicPeriod"/>
-            </a:pPr>
-            <a:r>
-              <a:rPr lang="ru-RU" baseline="0" dirty="0"/>
-              <a:t>Дополнительное редуцирование при обходе по итерационному пространству.</a:t>
-            </a:r>
-            <a:endParaRPr lang="en-US" baseline="0" dirty="0"/>
-          </a:p>
-          <a:p>
-            <a:pPr marL="685800" lvl="1" indent="-228600">
-              <a:buFont typeface="+mj-lt"/>
-              <a:buAutoNum type="arabicPeriod"/>
-            </a:pPr>
-            <a:r>
-              <a:rPr lang="en-US" baseline="0" dirty="0"/>
-              <a:t>Parallel scan</a:t>
-            </a:r>
-            <a:endParaRPr lang="ru-RU" baseline="0" dirty="0"/>
-          </a:p>
-          <a:p>
-            <a:pPr marL="1143000" lvl="2" indent="-228600">
-              <a:buFont typeface="+mj-lt"/>
-              <a:buAutoNum type="arabicPeriod"/>
-            </a:pPr>
-            <a:r>
-              <a:rPr lang="ru-RU" baseline="0" dirty="0"/>
-              <a:t>Подсчет частичных сумм при обходе итерационного пространства</a:t>
-            </a:r>
-            <a:endParaRPr lang="en-US" baseline="0" dirty="0"/>
-          </a:p>
-          <a:p>
-            <a:pPr marL="228600" indent="-228600">
-              <a:buFont typeface="+mj-lt"/>
-              <a:buAutoNum type="arabicPeriod"/>
-            </a:pPr>
-            <a:r>
-              <a:rPr lang="en-US" baseline="0" dirty="0"/>
-              <a:t>Parallel sorting</a:t>
-            </a:r>
-          </a:p>
-          <a:p>
-            <a:pPr marL="228600" indent="-228600">
-              <a:buFont typeface="+mj-lt"/>
-              <a:buAutoNum type="arabicPeriod"/>
-            </a:pPr>
-            <a:r>
-              <a:rPr lang="en-US" baseline="0" dirty="0"/>
-              <a:t>Parallel function invocation</a:t>
-            </a:r>
-          </a:p>
-          <a:p>
-            <a:pPr marL="228600" indent="-228600">
-              <a:buFont typeface="+mj-lt"/>
-              <a:buAutoNum type="arabicPeriod"/>
-            </a:pPr>
-            <a:r>
-              <a:rPr lang="en-US" baseline="0" dirty="0"/>
-              <a:t>Streaming</a:t>
-            </a:r>
-          </a:p>
-          <a:p>
             <a:endParaRPr lang="en-US" dirty="0"/>
           </a:p>
         </p:txBody>
@@ -5824,141 +2719,6 @@
           <a:bodyPr/>
           <a:lstStyle/>
           <a:p>
-            <a:r>
-              <a:rPr lang="ru-RU" dirty="0"/>
-              <a:t>Нет слайда</a:t>
-            </a:r>
-            <a:r>
-              <a:rPr lang="ru-RU" baseline="0" dirty="0"/>
-              <a:t> с рекурсивной декомпозицией</a:t>
-            </a:r>
-            <a:r>
-              <a:rPr lang="en-US" baseline="0" dirty="0"/>
-              <a:t>.</a:t>
-            </a:r>
-          </a:p>
-          <a:p>
-            <a:pPr marL="228600" indent="-228600">
-              <a:buFont typeface="+mj-lt"/>
-              <a:buAutoNum type="arabicPeriod"/>
-            </a:pPr>
-            <a:r>
-              <a:rPr lang="en-US" baseline="0" dirty="0"/>
-              <a:t>Loop parallelization:</a:t>
-            </a:r>
-          </a:p>
-          <a:p>
-            <a:pPr marL="685800" lvl="1" indent="-228600">
-              <a:buFont typeface="+mj-lt"/>
-              <a:buAutoNum type="arabicPeriod"/>
-            </a:pPr>
-            <a:r>
-              <a:rPr lang="en-US" baseline="0" dirty="0"/>
-              <a:t>Parallel for</a:t>
-            </a:r>
-          </a:p>
-          <a:p>
-            <a:pPr marL="1143000" lvl="2" indent="-228600">
-              <a:buFont typeface="+mj-lt"/>
-              <a:buAutoNum type="arabicPeriod"/>
-            </a:pPr>
-            <a:r>
-              <a:rPr lang="ru-RU" baseline="0" dirty="0"/>
-              <a:t>Обход по итерационному пространству, заданному пользователем. Вплоть до </a:t>
-            </a:r>
-            <a:r>
-              <a:rPr lang="en-US" baseline="0" dirty="0"/>
-              <a:t>N-</a:t>
-            </a:r>
-            <a:r>
-              <a:rPr lang="ru-RU" baseline="0" dirty="0"/>
-              <a:t>мерного пространства. Присутствуют возможности, позволяющие описать это н-мерное пространство и задать глубину его делимости для большего контроля над описываемыми задачами. </a:t>
-            </a:r>
-            <a:r>
-              <a:rPr lang="en-US" baseline="0" dirty="0"/>
-              <a:t>O(P * log(N)) – </a:t>
-            </a:r>
-            <a:r>
-              <a:rPr lang="ru-RU" baseline="0" dirty="0"/>
-              <a:t>по памяти</a:t>
-            </a:r>
-            <a:endParaRPr lang="en-US" baseline="0" dirty="0"/>
-          </a:p>
-          <a:p>
-            <a:pPr marL="685800" lvl="1" indent="-228600">
-              <a:buFont typeface="+mj-lt"/>
-              <a:buAutoNum type="arabicPeriod"/>
-            </a:pPr>
-            <a:r>
-              <a:rPr lang="en-US" baseline="0" dirty="0"/>
-              <a:t>Parallel reduce</a:t>
-            </a:r>
-            <a:endParaRPr lang="ru-RU" baseline="0" dirty="0"/>
-          </a:p>
-          <a:p>
-            <a:pPr marL="1143000" lvl="2" indent="-228600">
-              <a:buFont typeface="+mj-lt"/>
-              <a:buAutoNum type="arabicPeriod"/>
-            </a:pPr>
-            <a:r>
-              <a:rPr lang="ru-RU" baseline="0" dirty="0"/>
-              <a:t>Дополнительное редуцирование при обходе по итерационному пространству.</a:t>
-            </a:r>
-            <a:endParaRPr lang="en-US" baseline="0" dirty="0"/>
-          </a:p>
-          <a:p>
-            <a:pPr marL="685800" lvl="1" indent="-228600">
-              <a:buFont typeface="+mj-lt"/>
-              <a:buAutoNum type="arabicPeriod"/>
-            </a:pPr>
-            <a:r>
-              <a:rPr lang="en-US" baseline="0" dirty="0"/>
-              <a:t>Parallel scan</a:t>
-            </a:r>
-            <a:endParaRPr lang="ru-RU" baseline="0" dirty="0"/>
-          </a:p>
-          <a:p>
-            <a:pPr marL="1143000" lvl="2" indent="-228600">
-              <a:buFont typeface="+mj-lt"/>
-              <a:buAutoNum type="arabicPeriod"/>
-            </a:pPr>
-            <a:r>
-              <a:rPr lang="ru-RU" baseline="0" dirty="0"/>
-              <a:t>Подсчет частичных сумм при обходе итерационного пространства</a:t>
-            </a:r>
-            <a:endParaRPr lang="en-US" baseline="0" dirty="0"/>
-          </a:p>
-          <a:p>
-            <a:pPr marL="228600" indent="-228600">
-              <a:buFont typeface="+mj-lt"/>
-              <a:buAutoNum type="arabicPeriod"/>
-            </a:pPr>
-            <a:r>
-              <a:rPr lang="en-US" baseline="0" dirty="0"/>
-              <a:t>Parallel sorting</a:t>
-            </a:r>
-          </a:p>
-          <a:p>
-            <a:pPr marL="228600" indent="-228600">
-              <a:buFont typeface="+mj-lt"/>
-              <a:buAutoNum type="arabicPeriod"/>
-            </a:pPr>
-            <a:r>
-              <a:rPr lang="en-US" baseline="0" dirty="0"/>
-              <a:t>Parallel function invocation</a:t>
-            </a:r>
-          </a:p>
-          <a:p>
-            <a:pPr marL="228600" indent="-228600">
-              <a:buFont typeface="+mj-lt"/>
-              <a:buAutoNum type="arabicPeriod"/>
-            </a:pPr>
-            <a:r>
-              <a:rPr lang="en-US" baseline="0" dirty="0"/>
-              <a:t>Streaming</a:t>
-            </a:r>
-          </a:p>
-          <a:p>
             <a:endParaRPr lang="en-US" dirty="0"/>
           </a:p>
         </p:txBody>
@@ -6044,141 +2804,6 @@
           <a:bodyPr/>
           <a:lstStyle/>
           <a:p>
-            <a:r>
-              <a:rPr lang="ru-RU" dirty="0"/>
-              <a:t>Нет слайда</a:t>
-            </a:r>
-            <a:r>
-              <a:rPr lang="ru-RU" baseline="0" dirty="0"/>
-              <a:t> с рекурсивной декомпозицией</a:t>
-            </a:r>
-            <a:r>
-              <a:rPr lang="en-US" baseline="0" dirty="0"/>
-              <a:t>.</a:t>
-            </a:r>
-          </a:p>
-          <a:p>
-            <a:pPr marL="228600" indent="-228600">
-              <a:buFont typeface="+mj-lt"/>
-              <a:buAutoNum type="arabicPeriod"/>
-            </a:pPr>
-            <a:r>
-              <a:rPr lang="en-US" baseline="0" dirty="0"/>
-              <a:t>Loop parallelization:</a:t>
-            </a:r>
-          </a:p>
-          <a:p>
-            <a:pPr marL="685800" lvl="1" indent="-228600">
-              <a:buFont typeface="+mj-lt"/>
-              <a:buAutoNum type="arabicPeriod"/>
-            </a:pPr>
-            <a:r>
-              <a:rPr lang="en-US" baseline="0" dirty="0"/>
-              <a:t>Parallel for</a:t>
-            </a:r>
-          </a:p>
-          <a:p>
-            <a:pPr marL="1143000" lvl="2" indent="-228600">
-              <a:buFont typeface="+mj-lt"/>
-              <a:buAutoNum type="arabicPeriod"/>
-            </a:pPr>
-            <a:r>
-              <a:rPr lang="ru-RU" baseline="0" dirty="0"/>
-              <a:t>Обход по итерационному пространству, заданному пользователем. Вплоть до </a:t>
-            </a:r>
-            <a:r>
-              <a:rPr lang="en-US" baseline="0" dirty="0"/>
-              <a:t>N-</a:t>
-            </a:r>
-            <a:r>
-              <a:rPr lang="ru-RU" baseline="0" dirty="0"/>
-              <a:t>мерного пространства. Присутствуют возможности, позволяющие описать это н-мерное пространство и задать глубину его делимости для большего контроля над описываемыми задачами. </a:t>
-            </a:r>
-            <a:r>
-              <a:rPr lang="en-US" baseline="0" dirty="0"/>
-              <a:t>O(P * log(N)) – </a:t>
-            </a:r>
-            <a:r>
-              <a:rPr lang="ru-RU" baseline="0" dirty="0"/>
-              <a:t>по памяти</a:t>
-            </a:r>
-            <a:endParaRPr lang="en-US" baseline="0" dirty="0"/>
-          </a:p>
-          <a:p>
-            <a:pPr marL="685800" lvl="1" indent="-228600">
-              <a:buFont typeface="+mj-lt"/>
-              <a:buAutoNum type="arabicPeriod"/>
-            </a:pPr>
-            <a:r>
-              <a:rPr lang="en-US" baseline="0" dirty="0"/>
-              <a:t>Parallel reduce</a:t>
-            </a:r>
-            <a:endParaRPr lang="ru-RU" baseline="0" dirty="0"/>
-          </a:p>
-          <a:p>
-            <a:pPr marL="1143000" lvl="2" indent="-228600">
-              <a:buFont typeface="+mj-lt"/>
-              <a:buAutoNum type="arabicPeriod"/>
-            </a:pPr>
-            <a:r>
-              <a:rPr lang="ru-RU" baseline="0" dirty="0"/>
-              <a:t>Дополнительное редуцирование при обходе по итерационному пространству.</a:t>
-            </a:r>
-            <a:endParaRPr lang="en-US" baseline="0" dirty="0"/>
-          </a:p>
-          <a:p>
-            <a:pPr marL="685800" lvl="1" indent="-228600">
-              <a:buFont typeface="+mj-lt"/>
-              <a:buAutoNum type="arabicPeriod"/>
-            </a:pPr>
-            <a:r>
-              <a:rPr lang="en-US" baseline="0" dirty="0"/>
-              <a:t>Parallel scan</a:t>
-            </a:r>
-            <a:endParaRPr lang="ru-RU" baseline="0" dirty="0"/>
-          </a:p>
-          <a:p>
-            <a:pPr marL="1143000" lvl="2" indent="-228600">
-              <a:buFont typeface="+mj-lt"/>
-              <a:buAutoNum type="arabicPeriod"/>
-            </a:pPr>
-            <a:r>
-              <a:rPr lang="ru-RU" baseline="0" dirty="0"/>
-              <a:t>Подсчет частичных сумм при обходе итерационного пространства</a:t>
-            </a:r>
-            <a:endParaRPr lang="en-US" baseline="0" dirty="0"/>
-          </a:p>
-          <a:p>
-            <a:pPr marL="228600" indent="-228600">
-              <a:buFont typeface="+mj-lt"/>
-              <a:buAutoNum type="arabicPeriod"/>
-            </a:pPr>
-            <a:r>
-              <a:rPr lang="en-US" baseline="0" dirty="0"/>
-              <a:t>Parallel sorting</a:t>
-            </a:r>
-          </a:p>
-          <a:p>
-            <a:pPr marL="228600" indent="-228600">
-              <a:buFont typeface="+mj-lt"/>
-              <a:buAutoNum type="arabicPeriod"/>
-            </a:pPr>
-            <a:r>
-              <a:rPr lang="en-US" baseline="0" dirty="0"/>
-              <a:t>Parallel function invocation</a:t>
-            </a:r>
-          </a:p>
-          <a:p>
-            <a:pPr marL="228600" indent="-228600">
-              <a:buFont typeface="+mj-lt"/>
-              <a:buAutoNum type="arabicPeriod"/>
-            </a:pPr>
-            <a:r>
-              <a:rPr lang="en-US" baseline="0" dirty="0"/>
-              <a:t>Streaming</a:t>
-            </a:r>
-          </a:p>
-          <a:p>
             <a:endParaRPr lang="en-US" dirty="0"/>
           </a:p>
         </p:txBody>
@@ -6263,141 +2888,6 @@
         <p:txBody>
           <a:bodyPr/>
           <a:lstStyle/>
-          <a:p>
-            <a:r>
-              <a:rPr lang="ru-RU" dirty="0"/>
-              <a:t>Нет слайда</a:t>
-            </a:r>
-            <a:r>
-              <a:rPr lang="ru-RU" baseline="0" dirty="0"/>
-              <a:t> с рекурсивной декомпозицией</a:t>
-            </a:r>
-            <a:r>
-              <a:rPr lang="en-US" baseline="0" dirty="0"/>
-              <a:t>.</a:t>
-            </a:r>
-          </a:p>
-          <a:p>
-            <a:pPr marL="228600" indent="-228600">
-              <a:buFont typeface="+mj-lt"/>
-              <a:buAutoNum type="arabicPeriod"/>
-            </a:pPr>
-            <a:r>
-              <a:rPr lang="en-US" baseline="0" dirty="0"/>
-              <a:t>Loop parallelization:</a:t>
-            </a:r>
-          </a:p>
-          <a:p>
-            <a:pPr marL="685800" lvl="1" indent="-228600">
-              <a:buFont typeface="+mj-lt"/>
-              <a:buAutoNum type="arabicPeriod"/>
-            </a:pPr>
-            <a:r>
-              <a:rPr lang="en-US" baseline="0" dirty="0"/>
-              <a:t>Parallel for</a:t>
-            </a:r>
-          </a:p>
-          <a:p>
-            <a:pPr marL="1143000" lvl="2" indent="-228600">
-              <a:buFont typeface="+mj-lt"/>
-              <a:buAutoNum type="arabicPeriod"/>
-            </a:pPr>
-            <a:r>
-              <a:rPr lang="ru-RU" baseline="0" dirty="0"/>
-              <a:t>Обход по итерационному пространству, заданному пользователем. Вплоть до </a:t>
-            </a:r>
-            <a:r>
-              <a:rPr lang="en-US" baseline="0" dirty="0"/>
-              <a:t>N-</a:t>
-            </a:r>
-            <a:r>
-              <a:rPr lang="ru-RU" baseline="0" dirty="0"/>
-              <a:t>мерного пространства. Присутствуют возможности, позволяющие описать это н-мерное пространство и задать глубину его делимости для большего контроля над описываемыми задачами. </a:t>
-            </a:r>
-            <a:r>
-              <a:rPr lang="en-US" baseline="0" dirty="0"/>
-              <a:t>O(P * log(N)) – </a:t>
-            </a:r>
-            <a:r>
-              <a:rPr lang="ru-RU" baseline="0" dirty="0"/>
-              <a:t>по памяти</a:t>
-            </a:r>
-            <a:endParaRPr lang="en-US" baseline="0" dirty="0"/>
-          </a:p>
-          <a:p>
-            <a:pPr marL="685800" lvl="1" indent="-228600">
-              <a:buFont typeface="+mj-lt"/>
-              <a:buAutoNum type="arabicPeriod"/>
-            </a:pPr>
-            <a:r>
-              <a:rPr lang="en-US" baseline="0" dirty="0"/>
-              <a:t>Parallel reduce</a:t>
-            </a:r>
-            <a:endParaRPr lang="ru-RU" baseline="0" dirty="0"/>
-          </a:p>
-          <a:p>
-            <a:pPr marL="1143000" lvl="2" indent="-228600">
-              <a:buFont typeface="+mj-lt"/>
-              <a:buAutoNum type="arabicPeriod"/>
-            </a:pPr>
-            <a:r>
-              <a:rPr lang="ru-RU" baseline="0" dirty="0"/>
-              <a:t>Дополнительное редуцирование при обходе по итерационному пространству.</a:t>
-            </a:r>
-            <a:endParaRPr lang="en-US" baseline="0" dirty="0"/>
-          </a:p>
-          <a:p>
-            <a:pPr marL="685800" lvl="1" indent="-228600">
-              <a:buFont typeface="+mj-lt"/>
-              <a:buAutoNum type="arabicPeriod"/>
-            </a:pPr>
-            <a:r>
-              <a:rPr lang="en-US" baseline="0" dirty="0"/>
-              <a:t>Parallel scan</a:t>
-            </a:r>
-            <a:endParaRPr lang="ru-RU" baseline="0" dirty="0"/>
-          </a:p>
-          <a:p>
-            <a:pPr marL="1143000" lvl="2" indent="-228600">
-              <a:buFont typeface="+mj-lt"/>
-              <a:buAutoNum type="arabicPeriod"/>
-            </a:pPr>
-            <a:r>
-              <a:rPr lang="ru-RU" baseline="0" dirty="0"/>
-              <a:t>Подсчет частичных сумм при обходе итерационного пространства</a:t>
-            </a:r>
-            <a:endParaRPr lang="en-US" baseline="0" dirty="0"/>
-          </a:p>
-          <a:p>
-            <a:pPr marL="228600" indent="-228600">
-              <a:buFont typeface="+mj-lt"/>
-              <a:buAutoNum type="arabicPeriod"/>
-            </a:pPr>
-            <a:r>
-              <a:rPr lang="en-US" baseline="0" dirty="0"/>
-              <a:t>Parallel sorting</a:t>
-            </a:r>
-          </a:p>
-          <a:p>
-            <a:pPr marL="228600" indent="-228600">
-              <a:buFont typeface="+mj-lt"/>
-              <a:buAutoNum type="arabicPeriod"/>
-            </a:pPr>
-            <a:r>
-              <a:rPr lang="en-US" baseline="0" dirty="0"/>
-              <a:t>Parallel function invocation</a:t>
-            </a:r>
-          </a:p>
-          <a:p>
-            <a:pPr marL="228600" indent="-228600">
-              <a:buFont typeface="+mj-lt"/>
-              <a:buAutoNum type="arabicPeriod"/>
-            </a:pPr>
-            <a:r>
-              <a:rPr lang="en-US" baseline="0" dirty="0"/>
-              <a:t>Streaming</a:t>
-            </a:r>
-          </a:p>
           <a:p>
             <a:endParaRPr lang="en-US" dirty="0"/>
           </a:p>
@@ -7192,7 +3682,7 @@
           <a:noFill/>
           <a:extLst>
             <a:ext uri="{909E8E84-426E-40dd-AFC4-6F175D3DCCD1}">
-              <a14:hiddenFill xmlns="" xmlns:a14="http://schemas.microsoft.com/office/drawing/2010/main">
+              <a14:hiddenFill xmlns:a14="http://schemas.microsoft.com/office/drawing/2010/main" xmlns="">
                 <a:solidFill>
                   <a:srgbClr val="FFFFFF"/>
                 </a:solidFill>

--- a/08_iterators/08_iterators.pptx
+++ b/08_iterators/08_iterators.pptx
@@ -267,7 +267,7 @@
                 <a:latin typeface="Intel Clear"/>
               </a:rPr>
               <a:pPr/>
-              <a:t>8/5/2020</a:t>
+              <a:t>9/22/2020</a:t>
             </a:fld>
             <a:endParaRPr lang="en-US" dirty="0">
               <a:latin typeface="Intel Clear"/>
@@ -447,7 +447,7 @@
             <a:fld id="{ED7FC5FE-6F0D-D34A-8EE6-C95B4F5F4DC8}" type="datetimeFigureOut">
               <a:rPr lang="en-US" smtClean="0"/>
               <a:pPr/>
-              <a:t>8/5/2020</a:t>
+              <a:t>9/22/2020</a:t>
             </a:fld>
             <a:endParaRPr lang="en-US" dirty="0"/>
           </a:p>
@@ -2978,7 +2978,7 @@
           </a:lstStyle>
           <a:p>
             <a:r>
-              <a:rPr lang="en-US"/>
+              <a:rPr lang="en-US" dirty="0"/>
               <a:t>Click to edit Master title style</a:t>
             </a:r>
           </a:p>
@@ -3078,7 +3078,7 @@
             <a:fld id="{B61BEF0D-F0BB-DE4B-95CE-6DB70DBA9567}" type="datetimeFigureOut">
               <a:rPr lang="en-US" smtClean="0"/>
               <a:pPr/>
-              <a:t>8/5/2020</a:t>
+              <a:t>9/22/2020</a:t>
             </a:fld>
             <a:endParaRPr lang="en-US" dirty="0"/>
           </a:p>
@@ -3278,7 +3278,7 @@
           <a:p>
             <a:fld id="{55C6B4A9-1611-4792-9094-5F34BCA07E0B}" type="datetimeFigureOut">
               <a:rPr lang="en-US" smtClean="0"/>
-              <a:t>8/5/2020</a:t>
+              <a:t>9/22/2020</a:t>
             </a:fld>
             <a:endParaRPr lang="en-US" dirty="0"/>
           </a:p>
@@ -3489,7 +3489,7 @@
             <a:fld id="{B61BEF0D-F0BB-DE4B-95CE-6DB70DBA9567}" type="datetimeFigureOut">
               <a:rPr lang="en-US" smtClean="0"/>
               <a:pPr/>
-              <a:t>8/5/2020</a:t>
+              <a:t>9/22/2020</a:t>
             </a:fld>
             <a:endParaRPr lang="en-US" dirty="0"/>
           </a:p>
@@ -3565,329 +3565,6 @@
 </file>
 
 <file path=ppt/slideLayouts/slideLayout12.xml><?xml version="1.0" encoding="utf-8"?>
-<p:sldLayout xmlns:a="http://schemas.openxmlformats.org/drawingml/2006/main" xmlns:r="http://schemas.openxmlformats.org/officeDocument/2006/relationships" xmlns:p="http://schemas.openxmlformats.org/presentationml/2006/main" showMasterSp="0" preserve="1" userDrawn="1">
-  <p:cSld name="Title Slide with Image">
-    <p:bg>
-      <p:bgPr>
-        <a:gradFill>
-          <a:gsLst>
-            <a:gs pos="30000">
-              <a:schemeClr val="tx2"/>
-            </a:gs>
-            <a:gs pos="100000">
-              <a:srgbClr val="009FDF"/>
-            </a:gs>
-            <a:gs pos="65000">
-              <a:srgbClr val="0071C5"/>
-            </a:gs>
-          </a:gsLst>
-          <a:lin ang="19860000" scaled="0"/>
-        </a:gradFill>
-        <a:effectLst/>
-      </p:bgPr>
-    </p:bg>
-    <p:spTree>
-      <p:nvGrpSpPr>
-        <p:cNvPr id="1" name=""/>
-        <p:cNvGrpSpPr/>
-        <p:nvPr/>
-      </p:nvGrpSpPr>
-      <p:grpSpPr>
-        <a:xfrm>
-          <a:off x="0" y="0"/>
-          <a:ext cx="0" cy="0"/>
-          <a:chOff x="0" y="0"/>
-          <a:chExt cx="0" cy="0"/>
-        </a:xfrm>
-      </p:grpSpPr>
-      <p:sp>
-        <p:nvSpPr>
-          <p:cNvPr id="10" name="Picture Placeholder 8"/>
-          <p:cNvSpPr>
-            <a:spLocks noGrp="1"/>
-          </p:cNvSpPr>
-          <p:nvPr>
-            <p:ph type="pic" sz="quarter" idx="13" hasCustomPrompt="1"/>
-          </p:nvPr>
-        </p:nvSpPr>
-        <p:spPr>
-          <a:xfrm>
-            <a:off x="0" y="0"/>
-            <a:ext cx="9144000" cy="4768850"/>
-          </a:xfrm>
-          <a:solidFill>
-            <a:schemeClr val="bg2">
-              <a:lumMod val="60000"/>
-              <a:lumOff val="40000"/>
-            </a:schemeClr>
-          </a:solidFill>
-        </p:spPr>
-        <p:txBody>
-          <a:bodyPr/>
-          <a:lstStyle>
-            <a:lvl1pPr marL="0" marR="0" indent="0" algn="l" defTabSz="457200" rtl="0" eaLnBrk="1" fontAlgn="auto" latinLnBrk="0" hangingPunct="1">
-              <a:lnSpc>
-                <a:spcPct val="100000"/>
-              </a:lnSpc>
-              <a:spcBef>
-                <a:spcPts val="1200"/>
-              </a:spcBef>
-              <a:spcAft>
-                <a:spcPts val="0"/>
-              </a:spcAft>
-              <a:buClrTx/>
-              <a:buSzTx/>
-              <a:buFont typeface="Wingdings" panose="05000000000000000000" pitchFamily="2" charset="2"/>
-              <a:buNone/>
-              <a:tabLst/>
-              <a:defRPr baseline="0"/>
-            </a:lvl1pPr>
-          </a:lstStyle>
-          <a:p>
-            <a:r>
-              <a:rPr lang="en-US" dirty="0"/>
-              <a:t>Insert photo here. Drag picture to placeholder or click icon to add.</a:t>
-            </a:r>
-          </a:p>
-        </p:txBody>
-      </p:sp>
-      <p:pic>
-        <p:nvPicPr>
-          <p:cNvPr id="9" name="Picture 2"/>
-          <p:cNvPicPr>
-            <a:picLocks noChangeAspect="1" noChangeArrowheads="1"/>
-          </p:cNvPicPr>
-          <p:nvPr userDrawn="1"/>
-        </p:nvPicPr>
-        <p:blipFill>
-          <a:blip r:embed="rId2">
-            <a:extLst>
-              <a:ext uri="{28A0092B-C50C-407E-A947-70E740481C1C}">
-                <a14:useLocalDpi xmlns:a14="http://schemas.microsoft.com/office/drawing/2010/main" val="0"/>
-              </a:ext>
-            </a:extLst>
-          </a:blip>
-          <a:stretch>
-            <a:fillRect/>
-          </a:stretch>
-        </p:blipFill>
-        <p:spPr bwMode="auto">
-          <a:xfrm>
-            <a:off x="451797" y="383169"/>
-            <a:ext cx="1248049" cy="829850"/>
-          </a:xfrm>
-          <a:prstGeom prst="rect">
-            <a:avLst/>
-          </a:prstGeom>
-          <a:noFill/>
-          <a:extLst>
-            <a:ext uri="{909E8E84-426E-40dd-AFC4-6F175D3DCCD1}">
-              <a14:hiddenFill xmlns:a14="http://schemas.microsoft.com/office/drawing/2010/main" xmlns="">
-                <a:solidFill>
-                  <a:srgbClr val="FFFFFF"/>
-                </a:solidFill>
-              </a14:hiddenFill>
-            </a:ext>
-          </a:extLst>
-        </p:spPr>
-      </p:pic>
-      <p:sp>
-        <p:nvSpPr>
-          <p:cNvPr id="13" name="Title 1"/>
-          <p:cNvSpPr>
-            <a:spLocks noGrp="1"/>
-          </p:cNvSpPr>
-          <p:nvPr>
-            <p:ph type="ctrTitle" hasCustomPrompt="1"/>
-          </p:nvPr>
-        </p:nvSpPr>
-        <p:spPr>
-          <a:xfrm>
-            <a:off x="444687" y="2479422"/>
-            <a:ext cx="8212886" cy="1102519"/>
-          </a:xfrm>
-        </p:spPr>
-        <p:txBody>
-          <a:bodyPr lIns="0" rIns="0" anchor="b" anchorCtr="0">
-            <a:noAutofit/>
-          </a:bodyPr>
-          <a:lstStyle>
-            <a:lvl1pPr>
-              <a:lnSpc>
-                <a:spcPct val="80000"/>
-              </a:lnSpc>
-              <a:defRPr sz="6500" b="0" spc="0" baseline="0">
-                <a:solidFill>
-                  <a:schemeClr val="bg1">
-                    <a:alpha val="90000"/>
-                  </a:schemeClr>
-                </a:solidFill>
-                <a:latin typeface="Intel Clear Pro" panose="020B0804020202060201" pitchFamily="34" charset="0"/>
-                <a:cs typeface="Intel Clear Pro" panose="020B0804020202060201" pitchFamily="34" charset="0"/>
-              </a:defRPr>
-            </a:lvl1pPr>
-          </a:lstStyle>
-          <a:p>
-            <a:r>
-              <a:rPr lang="en-US" dirty="0"/>
-              <a:t>65pt Intel Clear pro Title</a:t>
-            </a:r>
-            <a:br>
-              <a:rPr lang="en-US" dirty="0"/>
-            </a:br>
-            <a:r>
-              <a:rPr lang="en-US" dirty="0"/>
-              <a:t>with image</a:t>
-            </a:r>
-          </a:p>
-        </p:txBody>
-      </p:sp>
-      <p:sp>
-        <p:nvSpPr>
-          <p:cNvPr id="14" name="Subtitle 2"/>
-          <p:cNvSpPr>
-            <a:spLocks noGrp="1"/>
-          </p:cNvSpPr>
-          <p:nvPr>
-            <p:ph type="subTitle" idx="1" hasCustomPrompt="1"/>
-          </p:nvPr>
-        </p:nvSpPr>
-        <p:spPr>
-          <a:xfrm>
-            <a:off x="455613" y="3493008"/>
-            <a:ext cx="6330212" cy="925360"/>
-          </a:xfrm>
-        </p:spPr>
-        <p:txBody>
-          <a:bodyPr lIns="0" rIns="0">
-            <a:noAutofit/>
-          </a:bodyPr>
-          <a:lstStyle>
-            <a:lvl1pPr marL="0" indent="0" algn="l">
-              <a:buNone/>
-              <a:defRPr sz="1600" b="0" i="0" baseline="0">
-                <a:solidFill>
-                  <a:schemeClr val="accent3"/>
-                </a:solidFill>
-                <a:latin typeface="Intel Clear"/>
-                <a:cs typeface="Intel Clear"/>
-              </a:defRPr>
-            </a:lvl1pPr>
-            <a:lvl2pPr marL="457200" indent="0" algn="ctr">
-              <a:buNone/>
-              <a:defRPr>
-                <a:solidFill>
-                  <a:schemeClr val="tx1">
-                    <a:tint val="75000"/>
-                  </a:schemeClr>
-                </a:solidFill>
-              </a:defRPr>
-            </a:lvl2pPr>
-            <a:lvl3pPr marL="914400" indent="0" algn="ctr">
-              <a:buNone/>
-              <a:defRPr>
-                <a:solidFill>
-                  <a:schemeClr val="tx1">
-                    <a:tint val="75000"/>
-                  </a:schemeClr>
-                </a:solidFill>
-              </a:defRPr>
-            </a:lvl3pPr>
-            <a:lvl4pPr marL="1371600" indent="0" algn="ctr">
-              <a:buNone/>
-              <a:defRPr>
-                <a:solidFill>
-                  <a:schemeClr val="tx1">
-                    <a:tint val="75000"/>
-                  </a:schemeClr>
-                </a:solidFill>
-              </a:defRPr>
-            </a:lvl4pPr>
-            <a:lvl5pPr marL="1828800" indent="0" algn="ctr">
-              <a:buNone/>
-              <a:defRPr>
-                <a:solidFill>
-                  <a:schemeClr val="tx1">
-                    <a:tint val="75000"/>
-                  </a:schemeClr>
-                </a:solidFill>
-              </a:defRPr>
-            </a:lvl5pPr>
-            <a:lvl6pPr marL="2286000" indent="0" algn="ctr">
-              <a:buNone/>
-              <a:defRPr>
-                <a:solidFill>
-                  <a:schemeClr val="tx1">
-                    <a:tint val="75000"/>
-                  </a:schemeClr>
-                </a:solidFill>
-              </a:defRPr>
-            </a:lvl6pPr>
-            <a:lvl7pPr marL="2743200" indent="0" algn="ctr">
-              <a:buNone/>
-              <a:defRPr>
-                <a:solidFill>
-                  <a:schemeClr val="tx1">
-                    <a:tint val="75000"/>
-                  </a:schemeClr>
-                </a:solidFill>
-              </a:defRPr>
-            </a:lvl7pPr>
-            <a:lvl8pPr marL="3200400" indent="0" algn="ctr">
-              <a:buNone/>
-              <a:defRPr>
-                <a:solidFill>
-                  <a:schemeClr val="tx1">
-                    <a:tint val="75000"/>
-                  </a:schemeClr>
-                </a:solidFill>
-              </a:defRPr>
-            </a:lvl8pPr>
-            <a:lvl9pPr marL="3657600" indent="0" algn="ctr">
-              <a:buNone/>
-              <a:defRPr>
-                <a:solidFill>
-                  <a:schemeClr val="tx1">
-                    <a:tint val="75000"/>
-                  </a:schemeClr>
-                </a:solidFill>
-              </a:defRPr>
-            </a:lvl9pPr>
-          </a:lstStyle>
-          <a:p>
-            <a:r>
-              <a:rPr lang="en-US" dirty="0"/>
-              <a:t>16pt Intel Clear Subhead, Date, Etc.</a:t>
-            </a:r>
-          </a:p>
-        </p:txBody>
-      </p:sp>
-    </p:spTree>
-    <p:extLst>
-      <p:ext uri="{BB962C8B-B14F-4D97-AF65-F5344CB8AC3E}">
-        <p14:creationId xmlns:p14="http://schemas.microsoft.com/office/powerpoint/2010/main" val="1808324130"/>
-      </p:ext>
-    </p:extLst>
-  </p:cSld>
-  <p:clrMapOvr>
-    <a:masterClrMapping/>
-  </p:clrMapOvr>
-  <mc:AlternateContent xmlns:mc="http://schemas.openxmlformats.org/markup-compatibility/2006" xmlns:p14="http://schemas.microsoft.com/office/powerpoint/2010/main">
-    <mc:Choice Requires="p14">
-      <p:transition spd="med" p14:dur="700">
-        <p:fade/>
-      </p:transition>
-    </mc:Choice>
-    <mc:Fallback xmlns="">
-      <p:transition spd="med">
-        <p:fade/>
-      </p:transition>
-    </mc:Fallback>
-  </mc:AlternateContent>
-</p:sldLayout>
-</file>
-
-<file path=ppt/slideLayouts/slideLayout13.xml><?xml version="1.0" encoding="utf-8"?>
 <p:sldLayout xmlns:a="http://schemas.openxmlformats.org/drawingml/2006/main" xmlns:r="http://schemas.openxmlformats.org/officeDocument/2006/relationships" xmlns:p="http://schemas.openxmlformats.org/presentationml/2006/main" preserve="1" userDrawn="1">
   <p:cSld name="Two Content with Image">
     <p:spTree>
@@ -4185,7 +3862,7 @@
 </p:sldLayout>
 </file>
 
-<file path=ppt/slideLayouts/slideLayout14.xml><?xml version="1.0" encoding="utf-8"?>
+<file path=ppt/slideLayouts/slideLayout13.xml><?xml version="1.0" encoding="utf-8"?>
 <p:sldLayout xmlns:a="http://schemas.openxmlformats.org/drawingml/2006/main" xmlns:r="http://schemas.openxmlformats.org/officeDocument/2006/relationships" xmlns:p="http://schemas.openxmlformats.org/presentationml/2006/main" preserve="1" userDrawn="1">
   <p:cSld name="1_Two Content">
     <p:spTree>
@@ -4526,9 +4203,9 @@
 </p:sldLayout>
 </file>
 
-<file path=ppt/slideLayouts/slideLayout15.xml><?xml version="1.0" encoding="utf-8"?>
+<file path=ppt/slideLayouts/slideLayout14.xml><?xml version="1.0" encoding="utf-8"?>
 <p:sldLayout xmlns:a="http://schemas.openxmlformats.org/drawingml/2006/main" xmlns:r="http://schemas.openxmlformats.org/officeDocument/2006/relationships" xmlns:p="http://schemas.openxmlformats.org/presentationml/2006/main" preserve="1" userDrawn="1">
-  <p:cSld name="Quote with Attribute">
+  <p:cSld name="1_Blank">
     <p:spTree>
       <p:nvGrpSpPr>
         <p:cNvPr id="1" name=""/>
@@ -4545,106 +4222,7 @@
       </p:grpSpPr>
       <p:sp>
         <p:nvSpPr>
-          <p:cNvPr id="3" name="Content Placeholder 2"/>
-          <p:cNvSpPr>
-            <a:spLocks noGrp="1"/>
-          </p:cNvSpPr>
-          <p:nvPr>
-            <p:ph idx="1" hasCustomPrompt="1"/>
-          </p:nvPr>
-        </p:nvSpPr>
-        <p:spPr>
-          <a:xfrm>
-            <a:off x="455613" y="1203325"/>
-            <a:ext cx="8228013" cy="3425825"/>
-          </a:xfrm>
-        </p:spPr>
-        <p:txBody>
-          <a:bodyPr anchor="ctr" anchorCtr="0"/>
-          <a:lstStyle>
-            <a:lvl1pPr marL="190500" indent="-190500">
-              <a:defRPr sz="3600" b="1" baseline="0">
-                <a:solidFill>
-                  <a:schemeClr val="accent1"/>
-                </a:solidFill>
-                <a:latin typeface="+mn-lt"/>
-                <a:cs typeface="Intel Clear"/>
-              </a:defRPr>
-            </a:lvl1pPr>
-            <a:lvl2pPr marL="417513" indent="-225425">
-              <a:buFont typeface="Intel Clear" pitchFamily="34" charset="0"/>
-              <a:buChar char="–"/>
-              <a:defRPr sz="1200" baseline="0">
-                <a:latin typeface="+mn-lt"/>
-                <a:cs typeface="Intel Clear" panose="020B0604020203020204" pitchFamily="34" charset="0"/>
-              </a:defRPr>
-            </a:lvl2pPr>
-            <a:lvl3pPr marL="685800" indent="-228600">
-              <a:buFont typeface="Intel Clear" pitchFamily="34" charset="0"/>
-              <a:buChar char="–"/>
-              <a:defRPr sz="1200">
-                <a:latin typeface="+mn-lt"/>
-              </a:defRPr>
-            </a:lvl3pPr>
-            <a:lvl4pPr>
-              <a:buFont typeface="Intel Clear" pitchFamily="34" charset="0"/>
-              <a:buChar char="–"/>
-              <a:defRPr sz="1100">
-                <a:latin typeface="+mn-lt"/>
-              </a:defRPr>
-            </a:lvl4pPr>
-            <a:lvl5pPr>
-              <a:buFont typeface="Intel Clear" pitchFamily="34" charset="0"/>
-              <a:buChar char="–"/>
-              <a:defRPr sz="1050">
-                <a:latin typeface="+mn-lt"/>
-              </a:defRPr>
-            </a:lvl5pPr>
-          </a:lstStyle>
-          <a:p>
-            <a:pPr lvl="0"/>
-            <a:r>
-              <a:rPr lang="en-US" dirty="0"/>
-              <a:t>“36pt Intel Clear Bold Text”</a:t>
-            </a:r>
-          </a:p>
-          <a:p>
-            <a:pPr lvl="1"/>
-            <a:r>
-              <a:rPr lang="en-US" dirty="0" err="1"/>
-              <a:t>12pt</a:t>
-            </a:r>
-            <a:r>
-              <a:rPr lang="en-US" dirty="0"/>
-              <a:t> Attribution</a:t>
-            </a:r>
-          </a:p>
-          <a:p>
-            <a:pPr lvl="2"/>
-            <a:r>
-              <a:rPr lang="en-US" dirty="0"/>
-              <a:t>Third level</a:t>
-            </a:r>
-          </a:p>
-          <a:p>
-            <a:pPr lvl="3"/>
-            <a:r>
-              <a:rPr lang="en-US" dirty="0"/>
-              <a:t>Fourth level</a:t>
-            </a:r>
-          </a:p>
-          <a:p>
-            <a:pPr lvl="4"/>
-            <a:r>
-              <a:rPr lang="en-US" dirty="0"/>
-              <a:t>Fifth level</a:t>
-            </a:r>
-          </a:p>
-        </p:txBody>
-      </p:sp>
-      <p:sp>
-        <p:nvSpPr>
-          <p:cNvPr id="6" name="Slide Number Placeholder 5"/>
+          <p:cNvPr id="4" name="Slide Number Placeholder 3"/>
           <p:cNvSpPr>
             <a:spLocks noGrp="1"/>
           </p:cNvSpPr>
@@ -4666,1145 +4244,10 @@
           </a:p>
         </p:txBody>
       </p:sp>
-      <p:sp>
-        <p:nvSpPr>
-          <p:cNvPr id="7" name="Title 6"/>
-          <p:cNvSpPr>
-            <a:spLocks noGrp="1"/>
-          </p:cNvSpPr>
-          <p:nvPr>
-            <p:ph type="title" hasCustomPrompt="1"/>
-          </p:nvPr>
-        </p:nvSpPr>
-        <p:spPr>
-          <a:xfrm>
-            <a:off x="455613" y="308848"/>
-            <a:ext cx="8229600" cy="868680"/>
-          </a:xfrm>
-        </p:spPr>
-        <p:txBody>
-          <a:bodyPr/>
-          <a:lstStyle>
-            <a:lvl1pPr>
-              <a:defRPr b="0" i="0" baseline="0">
-                <a:solidFill>
-                  <a:schemeClr val="tx2"/>
-                </a:solidFill>
-                <a:latin typeface="Intel Clear"/>
-                <a:cs typeface="Intel Clear"/>
-              </a:defRPr>
-            </a:lvl1pPr>
-          </a:lstStyle>
-          <a:p>
-            <a:r>
-              <a:rPr lang="en-US" dirty="0"/>
-              <a:t>28pt Intel Clear Headline</a:t>
-            </a:r>
-          </a:p>
-        </p:txBody>
-      </p:sp>
     </p:spTree>
     <p:extLst>
       <p:ext uri="{BB962C8B-B14F-4D97-AF65-F5344CB8AC3E}">
-        <p14:creationId xmlns:p14="http://schemas.microsoft.com/office/powerpoint/2010/main" val="1192946564"/>
-      </p:ext>
-    </p:extLst>
-  </p:cSld>
-  <p:clrMapOvr>
-    <a:masterClrMapping/>
-  </p:clrMapOvr>
-  <mc:AlternateContent xmlns:mc="http://schemas.openxmlformats.org/markup-compatibility/2006" xmlns:p14="http://schemas.microsoft.com/office/powerpoint/2010/main">
-    <mc:Choice Requires="p14">
-      <p:transition spd="med" p14:dur="700">
-        <p:fade/>
-      </p:transition>
-    </mc:Choice>
-    <mc:Fallback xmlns="">
-      <p:transition spd="med">
-        <p:fade/>
-      </p:transition>
-    </mc:Fallback>
-  </mc:AlternateContent>
-</p:sldLayout>
-</file>
-
-<file path=ppt/slideLayouts/slideLayout16.xml><?xml version="1.0" encoding="utf-8"?>
-<p:sldLayout xmlns:a="http://schemas.openxmlformats.org/drawingml/2006/main" xmlns:r="http://schemas.openxmlformats.org/officeDocument/2006/relationships" xmlns:p="http://schemas.openxmlformats.org/presentationml/2006/main" preserve="1" userDrawn="1">
-  <p:cSld name="Full Bleed Image">
-    <p:spTree>
-      <p:nvGrpSpPr>
-        <p:cNvPr id="1" name=""/>
-        <p:cNvGrpSpPr/>
-        <p:nvPr/>
-      </p:nvGrpSpPr>
-      <p:grpSpPr>
-        <a:xfrm>
-          <a:off x="0" y="0"/>
-          <a:ext cx="0" cy="0"/>
-          <a:chOff x="0" y="0"/>
-          <a:chExt cx="0" cy="0"/>
-        </a:xfrm>
-      </p:grpSpPr>
-      <p:sp>
-        <p:nvSpPr>
-          <p:cNvPr id="9" name="Picture Placeholder 8"/>
-          <p:cNvSpPr>
-            <a:spLocks noGrp="1"/>
-          </p:cNvSpPr>
-          <p:nvPr>
-            <p:ph type="pic" sz="quarter" idx="13" hasCustomPrompt="1"/>
-          </p:nvPr>
-        </p:nvSpPr>
-        <p:spPr>
-          <a:xfrm>
-            <a:off x="0" y="0"/>
-            <a:ext cx="9144000" cy="4768850"/>
-          </a:xfrm>
-          <a:solidFill>
-            <a:schemeClr val="bg2">
-              <a:lumMod val="60000"/>
-              <a:lumOff val="40000"/>
-            </a:schemeClr>
-          </a:solidFill>
-        </p:spPr>
-        <p:txBody>
-          <a:bodyPr/>
-          <a:lstStyle>
-            <a:lvl1pPr marL="0" marR="0" indent="0" algn="l" defTabSz="457200" rtl="0" eaLnBrk="1" fontAlgn="auto" latinLnBrk="0" hangingPunct="1">
-              <a:lnSpc>
-                <a:spcPct val="100000"/>
-              </a:lnSpc>
-              <a:spcBef>
-                <a:spcPts val="1200"/>
-              </a:spcBef>
-              <a:spcAft>
-                <a:spcPts val="0"/>
-              </a:spcAft>
-              <a:buClrTx/>
-              <a:buSzTx/>
-              <a:buFont typeface="Wingdings" panose="05000000000000000000" pitchFamily="2" charset="2"/>
-              <a:buNone/>
-              <a:tabLst/>
-              <a:defRPr baseline="0"/>
-            </a:lvl1pPr>
-          </a:lstStyle>
-          <a:p>
-            <a:r>
-              <a:rPr lang="en-US" dirty="0"/>
-              <a:t>Insert photo here. Drag picture to placeholder or click icon to add.</a:t>
-            </a:r>
-          </a:p>
-        </p:txBody>
-      </p:sp>
-      <p:sp>
-        <p:nvSpPr>
-          <p:cNvPr id="6" name="Slide Number Placeholder 5"/>
-          <p:cNvSpPr>
-            <a:spLocks noGrp="1"/>
-          </p:cNvSpPr>
-          <p:nvPr>
-            <p:ph type="sldNum" sz="quarter" idx="12"/>
-          </p:nvPr>
-        </p:nvSpPr>
-        <p:spPr>
-          <a:xfrm>
-            <a:off x="6872352" y="4824387"/>
-            <a:ext cx="2133600" cy="273844"/>
-          </a:xfrm>
-        </p:spPr>
-        <p:txBody>
-          <a:bodyPr/>
-          <a:lstStyle/>
-          <a:p>
-            <a:fld id="{EE2556C5-CE8C-6547-B838-EA80C61A4AF7}" type="slidenum">
-              <a:rPr lang="en-US" smtClean="0"/>
-              <a:pPr/>
-              <a:t>‹#›</a:t>
-            </a:fld>
-            <a:endParaRPr lang="en-US" dirty="0"/>
-          </a:p>
-        </p:txBody>
-      </p:sp>
-      <p:sp>
-        <p:nvSpPr>
-          <p:cNvPr id="7" name="Title 6"/>
-          <p:cNvSpPr>
-            <a:spLocks noGrp="1"/>
-          </p:cNvSpPr>
-          <p:nvPr>
-            <p:ph type="title" hasCustomPrompt="1"/>
-          </p:nvPr>
-        </p:nvSpPr>
-        <p:spPr>
-          <a:xfrm>
-            <a:off x="455613" y="308848"/>
-            <a:ext cx="8229600" cy="868680"/>
-          </a:xfrm>
-        </p:spPr>
-        <p:txBody>
-          <a:bodyPr/>
-          <a:lstStyle>
-            <a:lvl1pPr>
-              <a:defRPr b="0" i="0" baseline="0">
-                <a:solidFill>
-                  <a:schemeClr val="tx2"/>
-                </a:solidFill>
-                <a:latin typeface="Intel Clear"/>
-                <a:cs typeface="Intel Clear"/>
-              </a:defRPr>
-            </a:lvl1pPr>
-          </a:lstStyle>
-          <a:p>
-            <a:r>
-              <a:rPr lang="en-US" dirty="0"/>
-              <a:t>28pt Intel Clear Headline</a:t>
-            </a:r>
-          </a:p>
-        </p:txBody>
-      </p:sp>
-    </p:spTree>
-    <p:extLst>
-      <p:ext uri="{BB962C8B-B14F-4D97-AF65-F5344CB8AC3E}">
-        <p14:creationId xmlns:p14="http://schemas.microsoft.com/office/powerpoint/2010/main" val="3638207294"/>
-      </p:ext>
-    </p:extLst>
-  </p:cSld>
-  <p:clrMapOvr>
-    <a:masterClrMapping/>
-  </p:clrMapOvr>
-  <mc:AlternateContent xmlns:mc="http://schemas.openxmlformats.org/markup-compatibility/2006" xmlns:p14="http://schemas.microsoft.com/office/powerpoint/2010/main">
-    <mc:Choice Requires="p14">
-      <p:transition spd="med" p14:dur="700">
-        <p:fade/>
-      </p:transition>
-    </mc:Choice>
-    <mc:Fallback xmlns="">
-      <p:transition spd="med">
-        <p:fade/>
-      </p:transition>
-    </mc:Fallback>
-  </mc:AlternateContent>
-</p:sldLayout>
-</file>
-
-<file path=ppt/slideLayouts/slideLayout17.xml><?xml version="1.0" encoding="utf-8"?>
-<p:sldLayout xmlns:a="http://schemas.openxmlformats.org/drawingml/2006/main" xmlns:r="http://schemas.openxmlformats.org/officeDocument/2006/relationships" xmlns:p="http://schemas.openxmlformats.org/presentationml/2006/main" preserve="1" userDrawn="1">
-  <p:cSld name="Text and Bottom Half Image">
-    <p:spTree>
-      <p:nvGrpSpPr>
-        <p:cNvPr id="1" name=""/>
-        <p:cNvGrpSpPr/>
-        <p:nvPr/>
-      </p:nvGrpSpPr>
-      <p:grpSpPr>
-        <a:xfrm>
-          <a:off x="0" y="0"/>
-          <a:ext cx="0" cy="0"/>
-          <a:chOff x="0" y="0"/>
-          <a:chExt cx="0" cy="0"/>
-        </a:xfrm>
-      </p:grpSpPr>
-      <p:sp>
-        <p:nvSpPr>
-          <p:cNvPr id="9" name="Picture Placeholder 8"/>
-          <p:cNvSpPr>
-            <a:spLocks noGrp="1"/>
-          </p:cNvSpPr>
-          <p:nvPr>
-            <p:ph type="pic" sz="quarter" idx="13" hasCustomPrompt="1"/>
-          </p:nvPr>
-        </p:nvSpPr>
-        <p:spPr>
-          <a:xfrm>
-            <a:off x="0" y="2574131"/>
-            <a:ext cx="9144000" cy="2194719"/>
-          </a:xfrm>
-          <a:solidFill>
-            <a:schemeClr val="bg2">
-              <a:lumMod val="60000"/>
-              <a:lumOff val="40000"/>
-            </a:schemeClr>
-          </a:solidFill>
-        </p:spPr>
-        <p:txBody>
-          <a:bodyPr/>
-          <a:lstStyle>
-            <a:lvl1pPr marL="0" marR="0" indent="0" algn="l" defTabSz="457200" rtl="0" eaLnBrk="1" fontAlgn="auto" latinLnBrk="0" hangingPunct="1">
-              <a:lnSpc>
-                <a:spcPct val="100000"/>
-              </a:lnSpc>
-              <a:spcBef>
-                <a:spcPts val="1200"/>
-              </a:spcBef>
-              <a:spcAft>
-                <a:spcPts val="0"/>
-              </a:spcAft>
-              <a:buClrTx/>
-              <a:buSzTx/>
-              <a:buFont typeface="Wingdings" panose="05000000000000000000" pitchFamily="2" charset="2"/>
-              <a:buNone/>
-              <a:tabLst/>
-              <a:defRPr baseline="0"/>
-            </a:lvl1pPr>
-          </a:lstStyle>
-          <a:p>
-            <a:r>
-              <a:rPr lang="en-US" dirty="0"/>
-              <a:t>Insert photo here. Drag picture to placeholder or click icon to add.</a:t>
-            </a:r>
-          </a:p>
-        </p:txBody>
-      </p:sp>
-      <p:sp>
-        <p:nvSpPr>
-          <p:cNvPr id="6" name="Slide Number Placeholder 5"/>
-          <p:cNvSpPr>
-            <a:spLocks noGrp="1"/>
-          </p:cNvSpPr>
-          <p:nvPr>
-            <p:ph type="sldNum" sz="quarter" idx="12"/>
-          </p:nvPr>
-        </p:nvSpPr>
-        <p:spPr>
-          <a:xfrm>
-            <a:off x="6872352" y="4824387"/>
-            <a:ext cx="2133600" cy="273844"/>
-          </a:xfrm>
-        </p:spPr>
-        <p:txBody>
-          <a:bodyPr/>
-          <a:lstStyle/>
-          <a:p>
-            <a:fld id="{EE2556C5-CE8C-6547-B838-EA80C61A4AF7}" type="slidenum">
-              <a:rPr lang="en-US" smtClean="0"/>
-              <a:pPr/>
-              <a:t>‹#›</a:t>
-            </a:fld>
-            <a:endParaRPr lang="en-US" dirty="0"/>
-          </a:p>
-        </p:txBody>
-      </p:sp>
-      <p:sp>
-        <p:nvSpPr>
-          <p:cNvPr id="18" name="Content Placeholder 2"/>
-          <p:cNvSpPr>
-            <a:spLocks noGrp="1"/>
-          </p:cNvSpPr>
-          <p:nvPr>
-            <p:ph sz="half" idx="1" hasCustomPrompt="1"/>
-          </p:nvPr>
-        </p:nvSpPr>
-        <p:spPr>
-          <a:xfrm>
-            <a:off x="455613" y="1203325"/>
-            <a:ext cx="4006851" cy="1309290"/>
-          </a:xfrm>
-        </p:spPr>
-        <p:txBody>
-          <a:bodyPr vert="horz" lIns="0" tIns="0" rIns="0" bIns="0" rtlCol="0">
-            <a:noAutofit/>
-          </a:bodyPr>
-          <a:lstStyle>
-            <a:lvl1pPr>
-              <a:defRPr lang="en-US" dirty="0" smtClean="0"/>
-            </a:lvl1pPr>
-            <a:lvl2pPr>
-              <a:defRPr lang="en-US" dirty="0" smtClean="0">
-                <a:solidFill>
-                  <a:schemeClr val="tx2"/>
-                </a:solidFill>
-              </a:defRPr>
-            </a:lvl2pPr>
-            <a:lvl3pPr>
-              <a:defRPr lang="en-US" sz="1400" dirty="0" smtClean="0">
-                <a:solidFill>
-                  <a:schemeClr val="tx2"/>
-                </a:solidFill>
-              </a:defRPr>
-            </a:lvl3pPr>
-            <a:lvl4pPr>
-              <a:defRPr lang="en-US" sz="1200" dirty="0" smtClean="0">
-                <a:solidFill>
-                  <a:schemeClr val="tx2"/>
-                </a:solidFill>
-              </a:defRPr>
-            </a:lvl4pPr>
-            <a:lvl5pPr>
-              <a:defRPr lang="en-US" sz="1200" dirty="0">
-                <a:solidFill>
-                  <a:schemeClr val="tx2"/>
-                </a:solidFill>
-              </a:defRPr>
-            </a:lvl5pPr>
-          </a:lstStyle>
-          <a:p>
-            <a:pPr marR="0" lvl="0" fontAlgn="auto">
-              <a:lnSpc>
-                <a:spcPct val="100000"/>
-              </a:lnSpc>
-              <a:buClrTx/>
-              <a:buSzTx/>
-              <a:tabLst/>
-            </a:pPr>
-            <a:r>
-              <a:rPr lang="en-US" dirty="0"/>
-              <a:t>18pt Intel Clear body text</a:t>
-            </a:r>
-          </a:p>
-          <a:p>
-            <a:pPr marR="0" lvl="1" fontAlgn="auto">
-              <a:lnSpc>
-                <a:spcPct val="100000"/>
-              </a:lnSpc>
-              <a:spcAft>
-                <a:spcPts val="0"/>
-              </a:spcAft>
-              <a:buClrTx/>
-              <a:buSzTx/>
-              <a:tabLst/>
-            </a:pPr>
-            <a:r>
-              <a:rPr lang="en-US" dirty="0"/>
-              <a:t>16pt Intel Clear bullet one</a:t>
-            </a:r>
-          </a:p>
-          <a:p>
-            <a:pPr lvl="2"/>
-            <a:r>
-              <a:rPr lang="en-US" dirty="0" err="1"/>
-              <a:t>14pt</a:t>
-            </a:r>
-            <a:r>
-              <a:rPr lang="en-US" dirty="0"/>
-              <a:t> Intel Clear third level</a:t>
-            </a:r>
-          </a:p>
-          <a:p>
-            <a:pPr lvl="3"/>
-            <a:r>
-              <a:rPr lang="en-US" dirty="0" err="1"/>
-              <a:t>12pt</a:t>
-            </a:r>
-            <a:r>
-              <a:rPr lang="en-US" dirty="0"/>
-              <a:t> Intel Clear fourth level</a:t>
-            </a:r>
-          </a:p>
-          <a:p>
-            <a:pPr lvl="4"/>
-            <a:r>
-              <a:rPr lang="en-US" dirty="0" err="1"/>
-              <a:t>12pt</a:t>
-            </a:r>
-            <a:r>
-              <a:rPr lang="en-US" dirty="0"/>
-              <a:t> Intel Clear fifth level</a:t>
-            </a:r>
-          </a:p>
-        </p:txBody>
-      </p:sp>
-      <p:sp>
-        <p:nvSpPr>
-          <p:cNvPr id="19" name="Content Placeholder 2"/>
-          <p:cNvSpPr>
-            <a:spLocks noGrp="1"/>
-          </p:cNvSpPr>
-          <p:nvPr>
-            <p:ph sz="half" idx="15" hasCustomPrompt="1"/>
-          </p:nvPr>
-        </p:nvSpPr>
-        <p:spPr>
-          <a:xfrm>
-            <a:off x="4678363" y="1203325"/>
-            <a:ext cx="4005264" cy="1309290"/>
-          </a:xfrm>
-        </p:spPr>
-        <p:txBody>
-          <a:bodyPr vert="horz" lIns="0" tIns="0" rIns="0" bIns="0" rtlCol="0">
-            <a:noAutofit/>
-          </a:bodyPr>
-          <a:lstStyle>
-            <a:lvl1pPr>
-              <a:defRPr lang="en-US" dirty="0" smtClean="0"/>
-            </a:lvl1pPr>
-            <a:lvl2pPr>
-              <a:defRPr lang="en-US" dirty="0" smtClean="0">
-                <a:solidFill>
-                  <a:schemeClr val="tx2"/>
-                </a:solidFill>
-              </a:defRPr>
-            </a:lvl2pPr>
-            <a:lvl3pPr>
-              <a:defRPr lang="en-US" sz="1400" dirty="0" smtClean="0">
-                <a:solidFill>
-                  <a:schemeClr val="tx2"/>
-                </a:solidFill>
-              </a:defRPr>
-            </a:lvl3pPr>
-            <a:lvl4pPr>
-              <a:defRPr lang="en-US" sz="1200" dirty="0" smtClean="0">
-                <a:solidFill>
-                  <a:schemeClr val="tx2"/>
-                </a:solidFill>
-              </a:defRPr>
-            </a:lvl4pPr>
-            <a:lvl5pPr>
-              <a:defRPr lang="en-US" sz="1200" dirty="0">
-                <a:solidFill>
-                  <a:schemeClr val="tx2"/>
-                </a:solidFill>
-              </a:defRPr>
-            </a:lvl5pPr>
-          </a:lstStyle>
-          <a:p>
-            <a:pPr marR="0" lvl="0" fontAlgn="auto">
-              <a:lnSpc>
-                <a:spcPct val="100000"/>
-              </a:lnSpc>
-              <a:buClrTx/>
-              <a:buSzTx/>
-              <a:tabLst/>
-            </a:pPr>
-            <a:r>
-              <a:rPr lang="en-US" dirty="0"/>
-              <a:t>18pt Intel Clear body text</a:t>
-            </a:r>
-          </a:p>
-          <a:p>
-            <a:pPr marR="0" lvl="1" fontAlgn="auto">
-              <a:lnSpc>
-                <a:spcPct val="100000"/>
-              </a:lnSpc>
-              <a:spcAft>
-                <a:spcPts val="0"/>
-              </a:spcAft>
-              <a:buClrTx/>
-              <a:buSzTx/>
-              <a:tabLst/>
-            </a:pPr>
-            <a:r>
-              <a:rPr lang="en-US" dirty="0"/>
-              <a:t>16pt Intel Clear bullet one</a:t>
-            </a:r>
-          </a:p>
-          <a:p>
-            <a:pPr lvl="2"/>
-            <a:r>
-              <a:rPr lang="en-US" dirty="0" err="1"/>
-              <a:t>14pt</a:t>
-            </a:r>
-            <a:r>
-              <a:rPr lang="en-US" dirty="0"/>
-              <a:t> Intel Clear third level</a:t>
-            </a:r>
-          </a:p>
-          <a:p>
-            <a:pPr lvl="3"/>
-            <a:r>
-              <a:rPr lang="en-US" dirty="0" err="1"/>
-              <a:t>12pt</a:t>
-            </a:r>
-            <a:r>
-              <a:rPr lang="en-US" dirty="0"/>
-              <a:t> Intel Clear fourth level</a:t>
-            </a:r>
-          </a:p>
-          <a:p>
-            <a:pPr lvl="4"/>
-            <a:r>
-              <a:rPr lang="en-US" dirty="0" err="1"/>
-              <a:t>12pt</a:t>
-            </a:r>
-            <a:r>
-              <a:rPr lang="en-US" dirty="0"/>
-              <a:t> Intel Clear fifth level</a:t>
-            </a:r>
-          </a:p>
-        </p:txBody>
-      </p:sp>
-      <p:sp>
-        <p:nvSpPr>
-          <p:cNvPr id="3" name="TextBox 2"/>
-          <p:cNvSpPr txBox="1"/>
-          <p:nvPr userDrawn="1"/>
-        </p:nvSpPr>
-        <p:spPr>
-          <a:xfrm>
-            <a:off x="1009487" y="4975795"/>
-            <a:ext cx="184666" cy="246221"/>
-          </a:xfrm>
-          <a:prstGeom prst="rect">
-            <a:avLst/>
-          </a:prstGeom>
-          <a:noFill/>
-        </p:spPr>
-        <p:txBody>
-          <a:bodyPr wrap="none" rtlCol="0">
-            <a:spAutoFit/>
-          </a:bodyPr>
-          <a:lstStyle/>
-          <a:p>
-            <a:endParaRPr lang="en-US" sz="1000" dirty="0">
-              <a:solidFill>
-                <a:schemeClr val="tx2"/>
-              </a:solidFill>
-              <a:cs typeface="Intel Clear"/>
-            </a:endParaRPr>
-          </a:p>
-        </p:txBody>
-      </p:sp>
-      <p:sp>
-        <p:nvSpPr>
-          <p:cNvPr id="10" name="Title 6"/>
-          <p:cNvSpPr>
-            <a:spLocks noGrp="1"/>
-          </p:cNvSpPr>
-          <p:nvPr>
-            <p:ph type="title" hasCustomPrompt="1"/>
-          </p:nvPr>
-        </p:nvSpPr>
-        <p:spPr>
-          <a:xfrm>
-            <a:off x="455613" y="308848"/>
-            <a:ext cx="8229600" cy="868680"/>
-          </a:xfrm>
-        </p:spPr>
-        <p:txBody>
-          <a:bodyPr/>
-          <a:lstStyle>
-            <a:lvl1pPr>
-              <a:defRPr b="0" i="0" baseline="0">
-                <a:solidFill>
-                  <a:schemeClr val="tx2"/>
-                </a:solidFill>
-                <a:latin typeface="Intel Clear"/>
-                <a:cs typeface="Intel Clear"/>
-              </a:defRPr>
-            </a:lvl1pPr>
-          </a:lstStyle>
-          <a:p>
-            <a:r>
-              <a:rPr lang="en-US" dirty="0"/>
-              <a:t>28pt Intel Clear Headline</a:t>
-            </a:r>
-          </a:p>
-        </p:txBody>
-      </p:sp>
-    </p:spTree>
-    <p:extLst>
-      <p:ext uri="{BB962C8B-B14F-4D97-AF65-F5344CB8AC3E}">
-        <p14:creationId xmlns:p14="http://schemas.microsoft.com/office/powerpoint/2010/main" val="2392689447"/>
-      </p:ext>
-    </p:extLst>
-  </p:cSld>
-  <p:clrMapOvr>
-    <a:masterClrMapping/>
-  </p:clrMapOvr>
-  <mc:AlternateContent xmlns:mc="http://schemas.openxmlformats.org/markup-compatibility/2006" xmlns:p14="http://schemas.microsoft.com/office/powerpoint/2010/main">
-    <mc:Choice Requires="p14">
-      <p:transition spd="med" p14:dur="700">
-        <p:fade/>
-      </p:transition>
-    </mc:Choice>
-    <mc:Fallback xmlns="">
-      <p:transition spd="med">
-        <p:fade/>
-      </p:transition>
-    </mc:Fallback>
-  </mc:AlternateContent>
-</p:sldLayout>
-</file>
-
-<file path=ppt/slideLayouts/slideLayout18.xml><?xml version="1.0" encoding="utf-8"?>
-<p:sldLayout xmlns:a="http://schemas.openxmlformats.org/drawingml/2006/main" xmlns:r="http://schemas.openxmlformats.org/officeDocument/2006/relationships" xmlns:p="http://schemas.openxmlformats.org/presentationml/2006/main" preserve="1" userDrawn="1">
-  <p:cSld name="Text and Right Image">
-    <p:spTree>
-      <p:nvGrpSpPr>
-        <p:cNvPr id="1" name=""/>
-        <p:cNvGrpSpPr/>
-        <p:nvPr/>
-      </p:nvGrpSpPr>
-      <p:grpSpPr>
-        <a:xfrm>
-          <a:off x="0" y="0"/>
-          <a:ext cx="0" cy="0"/>
-          <a:chOff x="0" y="0"/>
-          <a:chExt cx="0" cy="0"/>
-        </a:xfrm>
-      </p:grpSpPr>
-      <p:sp>
-        <p:nvSpPr>
-          <p:cNvPr id="9" name="Picture Placeholder 8"/>
-          <p:cNvSpPr>
-            <a:spLocks noGrp="1"/>
-          </p:cNvSpPr>
-          <p:nvPr>
-            <p:ph type="pic" sz="quarter" idx="13" hasCustomPrompt="1"/>
-          </p:nvPr>
-        </p:nvSpPr>
-        <p:spPr>
-          <a:xfrm>
-            <a:off x="4678363" y="1"/>
-            <a:ext cx="4465637" cy="4768849"/>
-          </a:xfrm>
-          <a:solidFill>
-            <a:schemeClr val="bg2">
-              <a:lumMod val="60000"/>
-              <a:lumOff val="40000"/>
-            </a:schemeClr>
-          </a:solidFill>
-        </p:spPr>
-        <p:txBody>
-          <a:bodyPr/>
-          <a:lstStyle>
-            <a:lvl1pPr>
-              <a:defRPr baseline="0"/>
-            </a:lvl1pPr>
-          </a:lstStyle>
-          <a:p>
-            <a:r>
-              <a:rPr lang="en-US" dirty="0"/>
-              <a:t>Insert photo here. Drag picture to placeholder or click icon to add.</a:t>
-            </a:r>
-          </a:p>
-        </p:txBody>
-      </p:sp>
-      <p:sp>
-        <p:nvSpPr>
-          <p:cNvPr id="2" name="Title 1"/>
-          <p:cNvSpPr>
-            <a:spLocks noGrp="1"/>
-          </p:cNvSpPr>
-          <p:nvPr>
-            <p:ph type="title" hasCustomPrompt="1"/>
-          </p:nvPr>
-        </p:nvSpPr>
-        <p:spPr>
-          <a:xfrm>
-            <a:off x="455613" y="308848"/>
-            <a:ext cx="4006850" cy="868680"/>
-          </a:xfrm>
-        </p:spPr>
-        <p:txBody>
-          <a:bodyPr>
-            <a:noAutofit/>
-          </a:bodyPr>
-          <a:lstStyle>
-            <a:lvl1pPr>
-              <a:defRPr sz="2800" b="0" i="0" baseline="0">
-                <a:solidFill>
-                  <a:schemeClr val="tx2"/>
-                </a:solidFill>
-                <a:latin typeface="Intel Clear"/>
-                <a:cs typeface="Intel Clear"/>
-              </a:defRPr>
-            </a:lvl1pPr>
-          </a:lstStyle>
-          <a:p>
-            <a:r>
-              <a:rPr lang="en-US" dirty="0"/>
-              <a:t>28pt Intel Clear Headline</a:t>
-            </a:r>
-          </a:p>
-        </p:txBody>
-      </p:sp>
-      <p:sp>
-        <p:nvSpPr>
-          <p:cNvPr id="6" name="Slide Number Placeholder 5"/>
-          <p:cNvSpPr>
-            <a:spLocks noGrp="1"/>
-          </p:cNvSpPr>
-          <p:nvPr>
-            <p:ph type="sldNum" sz="quarter" idx="12"/>
-          </p:nvPr>
-        </p:nvSpPr>
-        <p:spPr>
-          <a:xfrm>
-            <a:off x="6872352" y="4824387"/>
-            <a:ext cx="2133600" cy="273844"/>
-          </a:xfrm>
-        </p:spPr>
-        <p:txBody>
-          <a:bodyPr/>
-          <a:lstStyle/>
-          <a:p>
-            <a:fld id="{EE2556C5-CE8C-6547-B838-EA80C61A4AF7}" type="slidenum">
-              <a:rPr lang="en-US" smtClean="0"/>
-              <a:pPr/>
-              <a:t>‹#›</a:t>
-            </a:fld>
-            <a:endParaRPr lang="en-US" dirty="0"/>
-          </a:p>
-        </p:txBody>
-      </p:sp>
-      <p:sp>
-        <p:nvSpPr>
-          <p:cNvPr id="17" name="Content Placeholder 2"/>
-          <p:cNvSpPr>
-            <a:spLocks noGrp="1"/>
-          </p:cNvSpPr>
-          <p:nvPr>
-            <p:ph sz="half" idx="1" hasCustomPrompt="1"/>
-          </p:nvPr>
-        </p:nvSpPr>
-        <p:spPr>
-          <a:xfrm>
-            <a:off x="455614" y="1325244"/>
-            <a:ext cx="4006850" cy="3425825"/>
-          </a:xfrm>
-        </p:spPr>
-        <p:txBody>
-          <a:bodyPr vert="horz" lIns="0" tIns="0" rIns="0" bIns="0" rtlCol="0">
-            <a:noAutofit/>
-          </a:bodyPr>
-          <a:lstStyle>
-            <a:lvl1pPr>
-              <a:defRPr lang="en-US" dirty="0" smtClean="0"/>
-            </a:lvl1pPr>
-            <a:lvl2pPr>
-              <a:defRPr lang="en-US" dirty="0" smtClean="0">
-                <a:solidFill>
-                  <a:schemeClr val="tx2"/>
-                </a:solidFill>
-              </a:defRPr>
-            </a:lvl2pPr>
-            <a:lvl3pPr>
-              <a:defRPr lang="en-US" sz="1400" dirty="0" smtClean="0">
-                <a:solidFill>
-                  <a:schemeClr val="tx2"/>
-                </a:solidFill>
-              </a:defRPr>
-            </a:lvl3pPr>
-            <a:lvl4pPr>
-              <a:defRPr lang="en-US" sz="1200" dirty="0" smtClean="0">
-                <a:solidFill>
-                  <a:schemeClr val="tx2"/>
-                </a:solidFill>
-              </a:defRPr>
-            </a:lvl4pPr>
-            <a:lvl5pPr>
-              <a:defRPr lang="en-US" sz="1200" dirty="0">
-                <a:solidFill>
-                  <a:schemeClr val="tx2"/>
-                </a:solidFill>
-              </a:defRPr>
-            </a:lvl5pPr>
-          </a:lstStyle>
-          <a:p>
-            <a:pPr marR="0" lvl="0" fontAlgn="auto">
-              <a:lnSpc>
-                <a:spcPct val="100000"/>
-              </a:lnSpc>
-              <a:buClrTx/>
-              <a:buSzTx/>
-              <a:tabLst/>
-            </a:pPr>
-            <a:r>
-              <a:rPr lang="en-US" dirty="0"/>
-              <a:t>18pt Intel Clear body text</a:t>
-            </a:r>
-          </a:p>
-          <a:p>
-            <a:pPr marR="0" lvl="1" fontAlgn="auto">
-              <a:lnSpc>
-                <a:spcPct val="100000"/>
-              </a:lnSpc>
-              <a:spcAft>
-                <a:spcPts val="0"/>
-              </a:spcAft>
-              <a:buClrTx/>
-              <a:buSzTx/>
-              <a:tabLst/>
-            </a:pPr>
-            <a:r>
-              <a:rPr lang="en-US" dirty="0"/>
-              <a:t>16pt Intel Clear bullet one</a:t>
-            </a:r>
-          </a:p>
-          <a:p>
-            <a:pPr lvl="2"/>
-            <a:r>
-              <a:rPr lang="en-US" dirty="0" err="1"/>
-              <a:t>14pt</a:t>
-            </a:r>
-            <a:r>
-              <a:rPr lang="en-US" dirty="0"/>
-              <a:t> Intel Clear third level</a:t>
-            </a:r>
-          </a:p>
-          <a:p>
-            <a:pPr lvl="3"/>
-            <a:r>
-              <a:rPr lang="en-US" dirty="0" err="1"/>
-              <a:t>12pt</a:t>
-            </a:r>
-            <a:r>
-              <a:rPr lang="en-US" dirty="0"/>
-              <a:t> Intel Clear fourth level</a:t>
-            </a:r>
-          </a:p>
-          <a:p>
-            <a:pPr lvl="4"/>
-            <a:r>
-              <a:rPr lang="en-US" dirty="0" err="1"/>
-              <a:t>12pt</a:t>
-            </a:r>
-            <a:r>
-              <a:rPr lang="en-US" dirty="0"/>
-              <a:t> Intel Clear fifth level</a:t>
-            </a:r>
-          </a:p>
-        </p:txBody>
-      </p:sp>
-    </p:spTree>
-    <p:extLst>
-      <p:ext uri="{BB962C8B-B14F-4D97-AF65-F5344CB8AC3E}">
-        <p14:creationId xmlns:p14="http://schemas.microsoft.com/office/powerpoint/2010/main" val="2900421900"/>
-      </p:ext>
-    </p:extLst>
-  </p:cSld>
-  <p:clrMapOvr>
-    <a:masterClrMapping/>
-  </p:clrMapOvr>
-  <mc:AlternateContent xmlns:mc="http://schemas.openxmlformats.org/markup-compatibility/2006" xmlns:p14="http://schemas.microsoft.com/office/powerpoint/2010/main">
-    <mc:Choice Requires="p14">
-      <p:transition spd="med" p14:dur="700">
-        <p:fade/>
-      </p:transition>
-    </mc:Choice>
-    <mc:Fallback xmlns="">
-      <p:transition spd="med">
-        <p:fade/>
-      </p:transition>
-    </mc:Fallback>
-  </mc:AlternateContent>
-</p:sldLayout>
-</file>
-
-<file path=ppt/slideLayouts/slideLayout19.xml><?xml version="1.0" encoding="utf-8"?>
-<p:sldLayout xmlns:a="http://schemas.openxmlformats.org/drawingml/2006/main" xmlns:r="http://schemas.openxmlformats.org/officeDocument/2006/relationships" xmlns:p="http://schemas.openxmlformats.org/presentationml/2006/main" preserve="1" userDrawn="1">
-  <p:cSld name="White Section Break">
-    <p:spTree>
-      <p:nvGrpSpPr>
-        <p:cNvPr id="1" name=""/>
-        <p:cNvGrpSpPr/>
-        <p:nvPr/>
-      </p:nvGrpSpPr>
-      <p:grpSpPr>
-        <a:xfrm>
-          <a:off x="0" y="0"/>
-          <a:ext cx="0" cy="0"/>
-          <a:chOff x="0" y="0"/>
-          <a:chExt cx="0" cy="0"/>
-        </a:xfrm>
-      </p:grpSpPr>
-      <p:sp>
-        <p:nvSpPr>
-          <p:cNvPr id="2" name="Title 1"/>
-          <p:cNvSpPr>
-            <a:spLocks noGrp="1"/>
-          </p:cNvSpPr>
-          <p:nvPr>
-            <p:ph type="title" hasCustomPrompt="1"/>
-          </p:nvPr>
-        </p:nvSpPr>
-        <p:spPr>
-          <a:xfrm>
-            <a:off x="455613" y="2108062"/>
-            <a:ext cx="7772400" cy="1021556"/>
-          </a:xfrm>
-        </p:spPr>
-        <p:txBody>
-          <a:bodyPr anchor="b" anchorCtr="0">
-            <a:noAutofit/>
-          </a:bodyPr>
-          <a:lstStyle>
-            <a:lvl1pPr algn="l">
-              <a:lnSpc>
-                <a:spcPct val="80000"/>
-              </a:lnSpc>
-              <a:defRPr sz="5400" b="0" cap="none" spc="0" baseline="0">
-                <a:solidFill>
-                  <a:schemeClr val="tx2">
-                    <a:alpha val="90000"/>
-                  </a:schemeClr>
-                </a:solidFill>
-                <a:latin typeface="Intel Clear Pro" panose="020B0804020202060201" pitchFamily="34" charset="0"/>
-                <a:cs typeface="Intel Clear Pro" panose="020B0804020202060201" pitchFamily="34" charset="0"/>
-              </a:defRPr>
-            </a:lvl1pPr>
-          </a:lstStyle>
-          <a:p>
-            <a:r>
-              <a:rPr lang="en-US" dirty="0"/>
-              <a:t>54pt Intel Clear Pro</a:t>
-            </a:r>
-            <a:br>
-              <a:rPr lang="en-US" dirty="0"/>
-            </a:br>
-            <a:r>
-              <a:rPr lang="en-US" dirty="0"/>
-              <a:t>white section break</a:t>
-            </a:r>
-          </a:p>
-        </p:txBody>
-      </p:sp>
-      <p:sp>
-        <p:nvSpPr>
-          <p:cNvPr id="3" name="Text Placeholder 2"/>
-          <p:cNvSpPr>
-            <a:spLocks noGrp="1"/>
-          </p:cNvSpPr>
-          <p:nvPr>
-            <p:ph type="body" idx="1" hasCustomPrompt="1"/>
-          </p:nvPr>
-        </p:nvSpPr>
-        <p:spPr>
-          <a:xfrm>
-            <a:off x="455613" y="3241150"/>
-            <a:ext cx="7772400" cy="1125140"/>
-          </a:xfrm>
-        </p:spPr>
-        <p:txBody>
-          <a:bodyPr anchor="t" anchorCtr="0">
-            <a:noAutofit/>
-          </a:bodyPr>
-          <a:lstStyle>
-            <a:lvl1pPr marL="0" indent="0">
-              <a:buNone/>
-              <a:defRPr sz="1600" b="0" baseline="0">
-                <a:solidFill>
-                  <a:schemeClr val="accent2"/>
-                </a:solidFill>
-                <a:latin typeface="+mn-lt"/>
-                <a:cs typeface="Intel Clear" panose="020B0604020203020204" pitchFamily="34" charset="0"/>
-              </a:defRPr>
-            </a:lvl1pPr>
-            <a:lvl2pPr marL="457200" indent="0">
-              <a:buNone/>
-              <a:defRPr sz="1800">
-                <a:solidFill>
-                  <a:schemeClr val="tx1">
-                    <a:tint val="75000"/>
-                  </a:schemeClr>
-                </a:solidFill>
-              </a:defRPr>
-            </a:lvl2pPr>
-            <a:lvl3pPr marL="914400" indent="0">
-              <a:buNone/>
-              <a:defRPr sz="1600">
-                <a:solidFill>
-                  <a:schemeClr val="tx1">
-                    <a:tint val="75000"/>
-                  </a:schemeClr>
-                </a:solidFill>
-              </a:defRPr>
-            </a:lvl3pPr>
-            <a:lvl4pPr marL="1371600" indent="0">
-              <a:buNone/>
-              <a:defRPr sz="1400">
-                <a:solidFill>
-                  <a:schemeClr val="tx1">
-                    <a:tint val="75000"/>
-                  </a:schemeClr>
-                </a:solidFill>
-              </a:defRPr>
-            </a:lvl4pPr>
-            <a:lvl5pPr marL="1828800" indent="0">
-              <a:buNone/>
-              <a:defRPr sz="1400">
-                <a:solidFill>
-                  <a:schemeClr val="tx1">
-                    <a:tint val="75000"/>
-                  </a:schemeClr>
-                </a:solidFill>
-              </a:defRPr>
-            </a:lvl5pPr>
-            <a:lvl6pPr marL="2286000" indent="0">
-              <a:buNone/>
-              <a:defRPr sz="1400">
-                <a:solidFill>
-                  <a:schemeClr val="tx1">
-                    <a:tint val="75000"/>
-                  </a:schemeClr>
-                </a:solidFill>
-              </a:defRPr>
-            </a:lvl6pPr>
-            <a:lvl7pPr marL="2743200" indent="0">
-              <a:buNone/>
-              <a:defRPr sz="1400">
-                <a:solidFill>
-                  <a:schemeClr val="tx1">
-                    <a:tint val="75000"/>
-                  </a:schemeClr>
-                </a:solidFill>
-              </a:defRPr>
-            </a:lvl7pPr>
-            <a:lvl8pPr marL="3200400" indent="0">
-              <a:buNone/>
-              <a:defRPr sz="1400">
-                <a:solidFill>
-                  <a:schemeClr val="tx1">
-                    <a:tint val="75000"/>
-                  </a:schemeClr>
-                </a:solidFill>
-              </a:defRPr>
-            </a:lvl8pPr>
-            <a:lvl9pPr marL="3657600" indent="0">
-              <a:buNone/>
-              <a:defRPr sz="1400">
-                <a:solidFill>
-                  <a:schemeClr val="tx1">
-                    <a:tint val="75000"/>
-                  </a:schemeClr>
-                </a:solidFill>
-              </a:defRPr>
-            </a:lvl9pPr>
-          </a:lstStyle>
-          <a:p>
-            <a:r>
-              <a:rPr lang="en-US" dirty="0"/>
-              <a:t>16pt Intel Clear Subhead</a:t>
-            </a:r>
-          </a:p>
-        </p:txBody>
-      </p:sp>
-      <p:sp>
-        <p:nvSpPr>
-          <p:cNvPr id="6" name="Slide Number Placeholder 5"/>
-          <p:cNvSpPr>
-            <a:spLocks noGrp="1"/>
-          </p:cNvSpPr>
-          <p:nvPr>
-            <p:ph type="sldNum" sz="quarter" idx="12"/>
-          </p:nvPr>
-        </p:nvSpPr>
-        <p:spPr/>
-        <p:txBody>
-          <a:bodyPr/>
-          <a:lstStyle>
-            <a:lvl1pPr>
-              <a:defRPr>
-                <a:solidFill>
-                  <a:schemeClr val="bg1"/>
-                </a:solidFill>
-              </a:defRPr>
-            </a:lvl1pPr>
-          </a:lstStyle>
-          <a:p>
-            <a:fld id="{EE2556C5-CE8C-6547-B838-EA80C61A4AF7}" type="slidenum">
-              <a:rPr lang="en-US" smtClean="0"/>
-              <a:pPr/>
-              <a:t>‹#›</a:t>
-            </a:fld>
-            <a:endParaRPr lang="en-US" dirty="0"/>
-          </a:p>
-        </p:txBody>
-      </p:sp>
-    </p:spTree>
-    <p:extLst>
-      <p:ext uri="{BB962C8B-B14F-4D97-AF65-F5344CB8AC3E}">
-        <p14:creationId xmlns:p14="http://schemas.microsoft.com/office/powerpoint/2010/main" val="240372702"/>
+        <p14:creationId xmlns:p14="http://schemas.microsoft.com/office/powerpoint/2010/main" val="3328961672"/>
       </p:ext>
     </p:extLst>
   </p:cSld>
@@ -5952,7 +4395,7 @@
             <a:fld id="{B61BEF0D-F0BB-DE4B-95CE-6DB70DBA9567}" type="datetimeFigureOut">
               <a:rPr lang="en-US" smtClean="0"/>
               <a:pPr/>
-              <a:t>8/5/2020</a:t>
+              <a:t>9/22/2020</a:t>
             </a:fld>
             <a:endParaRPr lang="en-US" dirty="0"/>
           </a:p>
@@ -6024,686 +4467,6 @@
     <a:masterClrMapping/>
   </p:clrMapOvr>
   <p:hf hdr="0" ftr="0" dt="0"/>
-</p:sldLayout>
-</file>
-
-<file path=ppt/slideLayouts/slideLayout20.xml><?xml version="1.0" encoding="utf-8"?>
-<p:sldLayout xmlns:a="http://schemas.openxmlformats.org/drawingml/2006/main" xmlns:r="http://schemas.openxmlformats.org/officeDocument/2006/relationships" xmlns:p="http://schemas.openxmlformats.org/presentationml/2006/main" preserve="1" userDrawn="1">
-  <p:cSld name="Hero Text">
-    <p:spTree>
-      <p:nvGrpSpPr>
-        <p:cNvPr id="1" name=""/>
-        <p:cNvGrpSpPr/>
-        <p:nvPr/>
-      </p:nvGrpSpPr>
-      <p:grpSpPr>
-        <a:xfrm>
-          <a:off x="0" y="0"/>
-          <a:ext cx="0" cy="0"/>
-          <a:chOff x="0" y="0"/>
-          <a:chExt cx="0" cy="0"/>
-        </a:xfrm>
-      </p:grpSpPr>
-      <p:sp>
-        <p:nvSpPr>
-          <p:cNvPr id="3" name="Text Placeholder 2"/>
-          <p:cNvSpPr>
-            <a:spLocks noGrp="1"/>
-          </p:cNvSpPr>
-          <p:nvPr>
-            <p:ph type="body" idx="1" hasCustomPrompt="1"/>
-          </p:nvPr>
-        </p:nvSpPr>
-        <p:spPr>
-          <a:xfrm>
-            <a:off x="455613" y="2234882"/>
-            <a:ext cx="7772400" cy="1125140"/>
-          </a:xfrm>
-        </p:spPr>
-        <p:txBody>
-          <a:bodyPr anchor="t" anchorCtr="0">
-            <a:noAutofit/>
-          </a:bodyPr>
-          <a:lstStyle>
-            <a:lvl1pPr marL="0" indent="0">
-              <a:buNone/>
-              <a:defRPr sz="4000" b="0" baseline="0">
-                <a:solidFill>
-                  <a:schemeClr val="accent2"/>
-                </a:solidFill>
-                <a:latin typeface="Intel Clear"/>
-                <a:ea typeface="Intel Clear"/>
-                <a:cs typeface="Intel Clear"/>
-              </a:defRPr>
-            </a:lvl1pPr>
-            <a:lvl2pPr marL="457200" indent="0">
-              <a:buNone/>
-              <a:defRPr sz="1800">
-                <a:solidFill>
-                  <a:schemeClr val="tx1">
-                    <a:tint val="75000"/>
-                  </a:schemeClr>
-                </a:solidFill>
-              </a:defRPr>
-            </a:lvl2pPr>
-            <a:lvl3pPr marL="914400" indent="0">
-              <a:buNone/>
-              <a:defRPr sz="1600">
-                <a:solidFill>
-                  <a:schemeClr val="tx1">
-                    <a:tint val="75000"/>
-                  </a:schemeClr>
-                </a:solidFill>
-              </a:defRPr>
-            </a:lvl3pPr>
-            <a:lvl4pPr marL="1371600" indent="0">
-              <a:buNone/>
-              <a:defRPr sz="1400">
-                <a:solidFill>
-                  <a:schemeClr val="tx1">
-                    <a:tint val="75000"/>
-                  </a:schemeClr>
-                </a:solidFill>
-              </a:defRPr>
-            </a:lvl4pPr>
-            <a:lvl5pPr marL="1828800" indent="0">
-              <a:buNone/>
-              <a:defRPr sz="1400">
-                <a:solidFill>
-                  <a:schemeClr val="tx1">
-                    <a:tint val="75000"/>
-                  </a:schemeClr>
-                </a:solidFill>
-              </a:defRPr>
-            </a:lvl5pPr>
-            <a:lvl6pPr marL="2286000" indent="0">
-              <a:buNone/>
-              <a:defRPr sz="1400">
-                <a:solidFill>
-                  <a:schemeClr val="tx1">
-                    <a:tint val="75000"/>
-                  </a:schemeClr>
-                </a:solidFill>
-              </a:defRPr>
-            </a:lvl6pPr>
-            <a:lvl7pPr marL="2743200" indent="0">
-              <a:buNone/>
-              <a:defRPr sz="1400">
-                <a:solidFill>
-                  <a:schemeClr val="tx1">
-                    <a:tint val="75000"/>
-                  </a:schemeClr>
-                </a:solidFill>
-              </a:defRPr>
-            </a:lvl7pPr>
-            <a:lvl8pPr marL="3200400" indent="0">
-              <a:buNone/>
-              <a:defRPr sz="1400">
-                <a:solidFill>
-                  <a:schemeClr val="tx1">
-                    <a:tint val="75000"/>
-                  </a:schemeClr>
-                </a:solidFill>
-              </a:defRPr>
-            </a:lvl8pPr>
-            <a:lvl9pPr marL="3657600" indent="0">
-              <a:buNone/>
-              <a:defRPr sz="1400">
-                <a:solidFill>
-                  <a:schemeClr val="tx1">
-                    <a:tint val="75000"/>
-                  </a:schemeClr>
-                </a:solidFill>
-              </a:defRPr>
-            </a:lvl9pPr>
-          </a:lstStyle>
-          <a:p>
-            <a:r>
-              <a:rPr lang="en-US" dirty="0"/>
-              <a:t>40pt Intel Clear Light Body.</a:t>
-            </a:r>
-            <a:br>
-              <a:rPr lang="en-US" dirty="0"/>
-            </a:br>
-            <a:r>
-              <a:rPr lang="en-US" dirty="0"/>
-              <a:t>For content that is not a section, but has a big idea in text only.</a:t>
-            </a:r>
-          </a:p>
-        </p:txBody>
-      </p:sp>
-      <p:sp>
-        <p:nvSpPr>
-          <p:cNvPr id="6" name="Slide Number Placeholder 5"/>
-          <p:cNvSpPr>
-            <a:spLocks noGrp="1"/>
-          </p:cNvSpPr>
-          <p:nvPr>
-            <p:ph type="sldNum" sz="quarter" idx="12"/>
-          </p:nvPr>
-        </p:nvSpPr>
-        <p:spPr/>
-        <p:txBody>
-          <a:bodyPr/>
-          <a:lstStyle>
-            <a:lvl1pPr>
-              <a:defRPr>
-                <a:solidFill>
-                  <a:schemeClr val="bg1"/>
-                </a:solidFill>
-              </a:defRPr>
-            </a:lvl1pPr>
-          </a:lstStyle>
-          <a:p>
-            <a:fld id="{EE2556C5-CE8C-6547-B838-EA80C61A4AF7}" type="slidenum">
-              <a:rPr lang="en-US" smtClean="0"/>
-              <a:pPr/>
-              <a:t>‹#›</a:t>
-            </a:fld>
-            <a:endParaRPr lang="en-US" dirty="0"/>
-          </a:p>
-        </p:txBody>
-      </p:sp>
-      <p:sp>
-        <p:nvSpPr>
-          <p:cNvPr id="7" name="Title 1"/>
-          <p:cNvSpPr>
-            <a:spLocks noGrp="1"/>
-          </p:cNvSpPr>
-          <p:nvPr>
-            <p:ph type="title" hasCustomPrompt="1"/>
-          </p:nvPr>
-        </p:nvSpPr>
-        <p:spPr>
-          <a:xfrm>
-            <a:off x="455613" y="1101794"/>
-            <a:ext cx="7772400" cy="1021556"/>
-          </a:xfrm>
-        </p:spPr>
-        <p:txBody>
-          <a:bodyPr anchor="b" anchorCtr="0">
-            <a:noAutofit/>
-          </a:bodyPr>
-          <a:lstStyle>
-            <a:lvl1pPr algn="l">
-              <a:lnSpc>
-                <a:spcPct val="80000"/>
-              </a:lnSpc>
-              <a:defRPr sz="4000" b="0" cap="none" spc="0" baseline="0">
-                <a:solidFill>
-                  <a:schemeClr val="tx2"/>
-                </a:solidFill>
-                <a:latin typeface="Intel Clear" panose="020B0604020203020204" pitchFamily="34" charset="0"/>
-                <a:ea typeface="Intel Clear" panose="020B0604020203020204" pitchFamily="34" charset="0"/>
-                <a:cs typeface="Intel Clear" panose="020B0604020203020204" pitchFamily="34" charset="0"/>
-              </a:defRPr>
-            </a:lvl1pPr>
-          </a:lstStyle>
-          <a:p>
-            <a:r>
-              <a:rPr lang="en-US" dirty="0"/>
-              <a:t>40pt Intel Clear Heading</a:t>
-            </a:r>
-          </a:p>
-        </p:txBody>
-      </p:sp>
-    </p:spTree>
-    <p:extLst>
-      <p:ext uri="{BB962C8B-B14F-4D97-AF65-F5344CB8AC3E}">
-        <p14:creationId xmlns:p14="http://schemas.microsoft.com/office/powerpoint/2010/main" val="4001256292"/>
-      </p:ext>
-    </p:extLst>
-  </p:cSld>
-  <p:clrMapOvr>
-    <a:masterClrMapping/>
-  </p:clrMapOvr>
-  <mc:AlternateContent xmlns:mc="http://schemas.openxmlformats.org/markup-compatibility/2006" xmlns:p14="http://schemas.microsoft.com/office/powerpoint/2010/main">
-    <mc:Choice Requires="p14">
-      <p:transition spd="med" p14:dur="700">
-        <p:fade/>
-      </p:transition>
-    </mc:Choice>
-    <mc:Fallback xmlns="">
-      <p:transition spd="med">
-        <p:fade/>
-      </p:transition>
-    </mc:Fallback>
-  </mc:AlternateContent>
-</p:sldLayout>
-</file>
-
-<file path=ppt/slideLayouts/slideLayout21.xml><?xml version="1.0" encoding="utf-8"?>
-<p:sldLayout xmlns:a="http://schemas.openxmlformats.org/drawingml/2006/main" xmlns:r="http://schemas.openxmlformats.org/officeDocument/2006/relationships" xmlns:p="http://schemas.openxmlformats.org/presentationml/2006/main" showMasterSp="0" preserve="1" userDrawn="1">
-  <p:cSld name="Blue Section Break Image">
-    <p:bg>
-      <p:bgPr>
-        <a:gradFill>
-          <a:gsLst>
-            <a:gs pos="32000">
-              <a:schemeClr val="tx2"/>
-            </a:gs>
-            <a:gs pos="95000">
-              <a:srgbClr val="009FDF"/>
-            </a:gs>
-            <a:gs pos="78000">
-              <a:srgbClr val="0071C5"/>
-            </a:gs>
-          </a:gsLst>
-          <a:lin ang="19860000" scaled="0"/>
-        </a:gradFill>
-        <a:effectLst/>
-      </p:bgPr>
-    </p:bg>
-    <p:spTree>
-      <p:nvGrpSpPr>
-        <p:cNvPr id="1" name=""/>
-        <p:cNvGrpSpPr/>
-        <p:nvPr/>
-      </p:nvGrpSpPr>
-      <p:grpSpPr>
-        <a:xfrm>
-          <a:off x="0" y="0"/>
-          <a:ext cx="0" cy="0"/>
-          <a:chOff x="0" y="0"/>
-          <a:chExt cx="0" cy="0"/>
-        </a:xfrm>
-      </p:grpSpPr>
-      <p:sp>
-        <p:nvSpPr>
-          <p:cNvPr id="2" name="Title 1"/>
-          <p:cNvSpPr>
-            <a:spLocks noGrp="1"/>
-          </p:cNvSpPr>
-          <p:nvPr>
-            <p:ph type="title" hasCustomPrompt="1"/>
-          </p:nvPr>
-        </p:nvSpPr>
-        <p:spPr>
-          <a:xfrm>
-            <a:off x="455613" y="2260088"/>
-            <a:ext cx="7772400" cy="1021556"/>
-          </a:xfrm>
-        </p:spPr>
-        <p:txBody>
-          <a:bodyPr anchor="b" anchorCtr="0">
-            <a:noAutofit/>
-          </a:bodyPr>
-          <a:lstStyle>
-            <a:lvl1pPr algn="l">
-              <a:lnSpc>
-                <a:spcPct val="80000"/>
-              </a:lnSpc>
-              <a:defRPr sz="5400" b="0" cap="none" spc="0" baseline="0">
-                <a:solidFill>
-                  <a:schemeClr val="bg1">
-                    <a:alpha val="90000"/>
-                  </a:schemeClr>
-                </a:solidFill>
-                <a:latin typeface="Intel Clear Pro" panose="020B0804020202060201" pitchFamily="34" charset="0"/>
-                <a:cs typeface="Intel Clear Pro" panose="020B0804020202060201" pitchFamily="34" charset="0"/>
-              </a:defRPr>
-            </a:lvl1pPr>
-          </a:lstStyle>
-          <a:p>
-            <a:r>
-              <a:rPr lang="en-US" dirty="0"/>
-              <a:t>54pt Intel Clear Pro blue section</a:t>
-            </a:r>
-          </a:p>
-        </p:txBody>
-      </p:sp>
-      <p:sp>
-        <p:nvSpPr>
-          <p:cNvPr id="3" name="Text Placeholder 2"/>
-          <p:cNvSpPr>
-            <a:spLocks noGrp="1"/>
-          </p:cNvSpPr>
-          <p:nvPr>
-            <p:ph type="body" idx="1" hasCustomPrompt="1"/>
-          </p:nvPr>
-        </p:nvSpPr>
-        <p:spPr>
-          <a:xfrm>
-            <a:off x="455613" y="3348787"/>
-            <a:ext cx="7772400" cy="1125140"/>
-          </a:xfrm>
-        </p:spPr>
-        <p:txBody>
-          <a:bodyPr anchor="t" anchorCtr="0">
-            <a:noAutofit/>
-          </a:bodyPr>
-          <a:lstStyle>
-            <a:lvl1pPr marL="0" indent="0">
-              <a:buNone/>
-              <a:defRPr sz="1600" b="0" baseline="0">
-                <a:solidFill>
-                  <a:schemeClr val="accent3"/>
-                </a:solidFill>
-                <a:latin typeface="+mn-lt"/>
-                <a:cs typeface="Intel Clear" panose="020B0604020203020204" pitchFamily="34" charset="0"/>
-              </a:defRPr>
-            </a:lvl1pPr>
-            <a:lvl2pPr marL="457200" indent="0">
-              <a:buNone/>
-              <a:defRPr sz="1800">
-                <a:solidFill>
-                  <a:schemeClr val="tx1">
-                    <a:tint val="75000"/>
-                  </a:schemeClr>
-                </a:solidFill>
-              </a:defRPr>
-            </a:lvl2pPr>
-            <a:lvl3pPr marL="914400" indent="0">
-              <a:buNone/>
-              <a:defRPr sz="1600">
-                <a:solidFill>
-                  <a:schemeClr val="tx1">
-                    <a:tint val="75000"/>
-                  </a:schemeClr>
-                </a:solidFill>
-              </a:defRPr>
-            </a:lvl3pPr>
-            <a:lvl4pPr marL="1371600" indent="0">
-              <a:buNone/>
-              <a:defRPr sz="1400">
-                <a:solidFill>
-                  <a:schemeClr val="tx1">
-                    <a:tint val="75000"/>
-                  </a:schemeClr>
-                </a:solidFill>
-              </a:defRPr>
-            </a:lvl4pPr>
-            <a:lvl5pPr marL="1828800" indent="0">
-              <a:buNone/>
-              <a:defRPr sz="1400">
-                <a:solidFill>
-                  <a:schemeClr val="tx1">
-                    <a:tint val="75000"/>
-                  </a:schemeClr>
-                </a:solidFill>
-              </a:defRPr>
-            </a:lvl5pPr>
-            <a:lvl6pPr marL="2286000" indent="0">
-              <a:buNone/>
-              <a:defRPr sz="1400">
-                <a:solidFill>
-                  <a:schemeClr val="tx1">
-                    <a:tint val="75000"/>
-                  </a:schemeClr>
-                </a:solidFill>
-              </a:defRPr>
-            </a:lvl6pPr>
-            <a:lvl7pPr marL="2743200" indent="0">
-              <a:buNone/>
-              <a:defRPr sz="1400">
-                <a:solidFill>
-                  <a:schemeClr val="tx1">
-                    <a:tint val="75000"/>
-                  </a:schemeClr>
-                </a:solidFill>
-              </a:defRPr>
-            </a:lvl7pPr>
-            <a:lvl8pPr marL="3200400" indent="0">
-              <a:buNone/>
-              <a:defRPr sz="1400">
-                <a:solidFill>
-                  <a:schemeClr val="tx1">
-                    <a:tint val="75000"/>
-                  </a:schemeClr>
-                </a:solidFill>
-              </a:defRPr>
-            </a:lvl8pPr>
-            <a:lvl9pPr marL="3657600" indent="0">
-              <a:buNone/>
-              <a:defRPr sz="1400">
-                <a:solidFill>
-                  <a:schemeClr val="tx1">
-                    <a:tint val="75000"/>
-                  </a:schemeClr>
-                </a:solidFill>
-              </a:defRPr>
-            </a:lvl9pPr>
-          </a:lstStyle>
-          <a:p>
-            <a:r>
-              <a:rPr lang="en-US" dirty="0"/>
-              <a:t>16pt Intel Clear Subhead</a:t>
-            </a:r>
-          </a:p>
-        </p:txBody>
-      </p:sp>
-      <p:sp>
-        <p:nvSpPr>
-          <p:cNvPr id="5" name="Picture Placeholder 4"/>
-          <p:cNvSpPr>
-            <a:spLocks noGrp="1"/>
-          </p:cNvSpPr>
-          <p:nvPr>
-            <p:ph type="pic" sz="quarter" idx="13" hasCustomPrompt="1"/>
-          </p:nvPr>
-        </p:nvSpPr>
-        <p:spPr>
-          <a:xfrm>
-            <a:off x="0" y="1"/>
-            <a:ext cx="9144000" cy="2574131"/>
-          </a:xfrm>
-          <a:solidFill>
-            <a:schemeClr val="bg2">
-              <a:lumMod val="60000"/>
-              <a:lumOff val="40000"/>
-            </a:schemeClr>
-          </a:solidFill>
-        </p:spPr>
-        <p:txBody>
-          <a:bodyPr/>
-          <a:lstStyle>
-            <a:lvl1pPr>
-              <a:defRPr baseline="0">
-                <a:solidFill>
-                  <a:srgbClr val="0071C5"/>
-                </a:solidFill>
-              </a:defRPr>
-            </a:lvl1pPr>
-          </a:lstStyle>
-          <a:p>
-            <a:r>
-              <a:rPr lang="en-US" dirty="0"/>
-              <a:t>Insert photo here. Drag picture to placeholder or click icon to add.</a:t>
-            </a:r>
-          </a:p>
-        </p:txBody>
-      </p:sp>
-    </p:spTree>
-    <p:extLst>
-      <p:ext uri="{BB962C8B-B14F-4D97-AF65-F5344CB8AC3E}">
-        <p14:creationId xmlns:p14="http://schemas.microsoft.com/office/powerpoint/2010/main" val="3843762137"/>
-      </p:ext>
-    </p:extLst>
-  </p:cSld>
-  <p:clrMapOvr>
-    <a:masterClrMapping/>
-  </p:clrMapOvr>
-  <mc:AlternateContent xmlns:mc="http://schemas.openxmlformats.org/markup-compatibility/2006" xmlns:p14="http://schemas.microsoft.com/office/powerpoint/2010/main">
-    <mc:Choice Requires="p14">
-      <p:transition spd="med" p14:dur="700">
-        <p:fade/>
-      </p:transition>
-    </mc:Choice>
-    <mc:Fallback xmlns="">
-      <p:transition spd="med">
-        <p:fade/>
-      </p:transition>
-    </mc:Fallback>
-  </mc:AlternateContent>
-</p:sldLayout>
-</file>
-
-<file path=ppt/slideLayouts/slideLayout22.xml><?xml version="1.0" encoding="utf-8"?>
-<p:sldLayout xmlns:a="http://schemas.openxmlformats.org/drawingml/2006/main" xmlns:r="http://schemas.openxmlformats.org/officeDocument/2006/relationships" xmlns:p="http://schemas.openxmlformats.org/presentationml/2006/main" preserve="1" userDrawn="1">
-  <p:cSld name="1_Title Only">
-    <p:spTree>
-      <p:nvGrpSpPr>
-        <p:cNvPr id="1" name=""/>
-        <p:cNvGrpSpPr/>
-        <p:nvPr/>
-      </p:nvGrpSpPr>
-      <p:grpSpPr>
-        <a:xfrm>
-          <a:off x="0" y="0"/>
-          <a:ext cx="0" cy="0"/>
-          <a:chOff x="0" y="0"/>
-          <a:chExt cx="0" cy="0"/>
-        </a:xfrm>
-      </p:grpSpPr>
-      <p:sp>
-        <p:nvSpPr>
-          <p:cNvPr id="5" name="Slide Number Placeholder 4"/>
-          <p:cNvSpPr>
-            <a:spLocks noGrp="1"/>
-          </p:cNvSpPr>
-          <p:nvPr>
-            <p:ph type="sldNum" sz="quarter" idx="12"/>
-          </p:nvPr>
-        </p:nvSpPr>
-        <p:spPr/>
-        <p:txBody>
-          <a:bodyPr/>
-          <a:lstStyle/>
-          <a:p>
-            <a:fld id="{EE2556C5-CE8C-6547-B838-EA80C61A4AF7}" type="slidenum">
-              <a:rPr lang="en-US" smtClean="0"/>
-              <a:pPr/>
-              <a:t>‹#›</a:t>
-            </a:fld>
-            <a:endParaRPr lang="en-US" dirty="0"/>
-          </a:p>
-        </p:txBody>
-      </p:sp>
-      <p:sp>
-        <p:nvSpPr>
-          <p:cNvPr id="6" name="Title 6"/>
-          <p:cNvSpPr>
-            <a:spLocks noGrp="1"/>
-          </p:cNvSpPr>
-          <p:nvPr>
-            <p:ph type="title" hasCustomPrompt="1"/>
-          </p:nvPr>
-        </p:nvSpPr>
-        <p:spPr>
-          <a:xfrm>
-            <a:off x="455613" y="308848"/>
-            <a:ext cx="8229600" cy="868680"/>
-          </a:xfrm>
-        </p:spPr>
-        <p:txBody>
-          <a:bodyPr/>
-          <a:lstStyle>
-            <a:lvl1pPr>
-              <a:defRPr b="0" i="0" baseline="0">
-                <a:solidFill>
-                  <a:schemeClr val="tx2"/>
-                </a:solidFill>
-                <a:latin typeface="Intel Clear"/>
-                <a:cs typeface="Intel Clear"/>
-              </a:defRPr>
-            </a:lvl1pPr>
-          </a:lstStyle>
-          <a:p>
-            <a:r>
-              <a:rPr lang="en-US" dirty="0"/>
-              <a:t>28pt Intel Clear Headline</a:t>
-            </a:r>
-          </a:p>
-        </p:txBody>
-      </p:sp>
-    </p:spTree>
-    <p:extLst>
-      <p:ext uri="{BB962C8B-B14F-4D97-AF65-F5344CB8AC3E}">
-        <p14:creationId xmlns:p14="http://schemas.microsoft.com/office/powerpoint/2010/main" val="413716963"/>
-      </p:ext>
-    </p:extLst>
-  </p:cSld>
-  <p:clrMapOvr>
-    <a:masterClrMapping/>
-  </p:clrMapOvr>
-  <mc:AlternateContent xmlns:mc="http://schemas.openxmlformats.org/markup-compatibility/2006" xmlns:p14="http://schemas.microsoft.com/office/powerpoint/2010/main">
-    <mc:Choice Requires="p14">
-      <p:transition spd="med" p14:dur="700">
-        <p:fade/>
-      </p:transition>
-    </mc:Choice>
-    <mc:Fallback xmlns="">
-      <p:transition spd="med">
-        <p:fade/>
-      </p:transition>
-    </mc:Fallback>
-  </mc:AlternateContent>
-</p:sldLayout>
-</file>
-
-<file path=ppt/slideLayouts/slideLayout23.xml><?xml version="1.0" encoding="utf-8"?>
-<p:sldLayout xmlns:a="http://schemas.openxmlformats.org/drawingml/2006/main" xmlns:r="http://schemas.openxmlformats.org/officeDocument/2006/relationships" xmlns:p="http://schemas.openxmlformats.org/presentationml/2006/main" preserve="1" userDrawn="1">
-  <p:cSld name="1_Blank">
-    <p:spTree>
-      <p:nvGrpSpPr>
-        <p:cNvPr id="1" name=""/>
-        <p:cNvGrpSpPr/>
-        <p:nvPr/>
-      </p:nvGrpSpPr>
-      <p:grpSpPr>
-        <a:xfrm>
-          <a:off x="0" y="0"/>
-          <a:ext cx="0" cy="0"/>
-          <a:chOff x="0" y="0"/>
-          <a:chExt cx="0" cy="0"/>
-        </a:xfrm>
-      </p:grpSpPr>
-      <p:sp>
-        <p:nvSpPr>
-          <p:cNvPr id="4" name="Slide Number Placeholder 3"/>
-          <p:cNvSpPr>
-            <a:spLocks noGrp="1"/>
-          </p:cNvSpPr>
-          <p:nvPr>
-            <p:ph type="sldNum" sz="quarter" idx="12"/>
-          </p:nvPr>
-        </p:nvSpPr>
-        <p:spPr/>
-        <p:txBody>
-          <a:bodyPr/>
-          <a:lstStyle/>
-          <a:p>
-            <a:fld id="{EE2556C5-CE8C-6547-B838-EA80C61A4AF7}" type="slidenum">
-              <a:rPr lang="en-US" smtClean="0"/>
-              <a:pPr/>
-              <a:t>‹#›</a:t>
-            </a:fld>
-            <a:endParaRPr lang="en-US" dirty="0"/>
-          </a:p>
-        </p:txBody>
-      </p:sp>
-    </p:spTree>
-    <p:extLst>
-      <p:ext uri="{BB962C8B-B14F-4D97-AF65-F5344CB8AC3E}">
-        <p14:creationId xmlns:p14="http://schemas.microsoft.com/office/powerpoint/2010/main" val="3328961672"/>
-      </p:ext>
-    </p:extLst>
-  </p:cSld>
-  <p:clrMapOvr>
-    <a:masterClrMapping/>
-  </p:clrMapOvr>
-  <mc:AlternateContent xmlns:mc="http://schemas.openxmlformats.org/markup-compatibility/2006" xmlns:p14="http://schemas.microsoft.com/office/powerpoint/2010/main">
-    <mc:Choice Requires="p14">
-      <p:transition spd="med" p14:dur="700">
-        <p:fade/>
-      </p:transition>
-    </mc:Choice>
-    <mc:Fallback xmlns="">
-      <p:transition spd="med">
-        <p:fade/>
-      </p:transition>
-    </mc:Fallback>
-  </mc:AlternateContent>
 </p:sldLayout>
 </file>
 
@@ -6910,7 +4673,7 @@
             <a:fld id="{B61BEF0D-F0BB-DE4B-95CE-6DB70DBA9567}" type="datetimeFigureOut">
               <a:rPr lang="en-US" smtClean="0"/>
               <a:pPr/>
-              <a:t>8/5/2020</a:t>
+              <a:t>9/22/2020</a:t>
             </a:fld>
             <a:endParaRPr lang="en-US" dirty="0"/>
           </a:p>
@@ -7177,7 +4940,7 @@
           <a:p>
             <a:fld id="{EB712588-04B1-427B-82EE-E8DB90309F08}" type="datetimeFigureOut">
               <a:rPr lang="en-US" smtClean="0"/>
-              <a:t>8/5/2020</a:t>
+              <a:t>9/22/2020</a:t>
             </a:fld>
             <a:endParaRPr lang="en-US" dirty="0"/>
           </a:p>
@@ -7592,7 +5355,7 @@
             <a:fld id="{B61BEF0D-F0BB-DE4B-95CE-6DB70DBA9567}" type="datetimeFigureOut">
               <a:rPr lang="en-US" smtClean="0"/>
               <a:pPr/>
-              <a:t>8/5/2020</a:t>
+              <a:t>9/22/2020</a:t>
             </a:fld>
             <a:endParaRPr lang="en-US" dirty="0"/>
           </a:p>
@@ -7736,7 +5499,7 @@
             <a:fld id="{B61BEF0D-F0BB-DE4B-95CE-6DB70DBA9567}" type="datetimeFigureOut">
               <a:rPr lang="en-US" smtClean="0"/>
               <a:pPr/>
-              <a:t>8/5/2020</a:t>
+              <a:t>9/22/2020</a:t>
             </a:fld>
             <a:endParaRPr lang="en-US" dirty="0"/>
           </a:p>
@@ -7863,7 +5626,7 @@
             <a:fld id="{B61BEF0D-F0BB-DE4B-95CE-6DB70DBA9567}" type="datetimeFigureOut">
               <a:rPr lang="en-US" smtClean="0"/>
               <a:pPr/>
-              <a:t>8/5/2020</a:t>
+              <a:t>9/22/2020</a:t>
             </a:fld>
             <a:endParaRPr lang="en-US" dirty="0"/>
           </a:p>
@@ -8187,7 +5950,7 @@
           <a:p>
             <a:fld id="{42A54C80-263E-416B-A8E0-580EDEADCBDC}" type="datetimeFigureOut">
               <a:rPr lang="en-US" smtClean="0"/>
-              <a:t>8/5/2020</a:t>
+              <a:t>9/22/2020</a:t>
             </a:fld>
             <a:endParaRPr lang="en-US" dirty="0"/>
           </a:p>
@@ -8478,7 +6241,7 @@
             <a:fld id="{B61BEF0D-F0BB-DE4B-95CE-6DB70DBA9567}" type="datetimeFigureOut">
               <a:rPr lang="en-US" smtClean="0"/>
               <a:pPr/>
-              <a:t>8/5/2020</a:t>
+              <a:t>9/22/2020</a:t>
             </a:fld>
             <a:endParaRPr lang="en-US" dirty="0"/>
           </a:p>
@@ -8722,7 +6485,7 @@
             <a:fld id="{B61BEF0D-F0BB-DE4B-95CE-6DB70DBA9567}" type="datetimeFigureOut">
               <a:rPr lang="en-US" smtClean="0"/>
               <a:pPr/>
-              <a:t>8/5/2020</a:t>
+              <a:t>9/22/2020</a:t>
             </a:fld>
             <a:endParaRPr lang="en-US" dirty="0"/>
           </a:p>
@@ -8839,18 +6602,9 @@
     <p:sldLayoutId id="2147483713" r:id="rId9"/>
     <p:sldLayoutId id="2147483714" r:id="rId10"/>
     <p:sldLayoutId id="2147483715" r:id="rId11"/>
-    <p:sldLayoutId id="2147483674" r:id="rId12"/>
-    <p:sldLayoutId id="2147483684" r:id="rId13"/>
-    <p:sldLayoutId id="2147483652" r:id="rId14"/>
-    <p:sldLayoutId id="2147483660" r:id="rId15"/>
-    <p:sldLayoutId id="2147483668" r:id="rId16"/>
-    <p:sldLayoutId id="2147483669" r:id="rId17"/>
-    <p:sldLayoutId id="2147483670" r:id="rId18"/>
-    <p:sldLayoutId id="2147483672" r:id="rId19"/>
-    <p:sldLayoutId id="2147483677" r:id="rId20"/>
-    <p:sldLayoutId id="2147483665" r:id="rId21"/>
-    <p:sldLayoutId id="2147483654" r:id="rId22"/>
-    <p:sldLayoutId id="2147483655" r:id="rId23"/>
+    <p:sldLayoutId id="2147483684" r:id="rId12"/>
+    <p:sldLayoutId id="2147483652" r:id="rId13"/>
+    <p:sldLayoutId id="2147483655" r:id="rId14"/>
   </p:sldLayoutIdLst>
   <mc:AlternateContent xmlns:mc="http://schemas.openxmlformats.org/markup-compatibility/2006" xmlns:p14="http://schemas.microsoft.com/office/powerpoint/2010/main">
     <mc:Choice Requires="p14">
@@ -9492,7 +7246,7 @@
           <a:p>
             <a:r>
               <a:rPr lang="en-US" dirty="0">
-                <a:latin typeface="Intel Clear Pro Bold" panose="020B0804020202060201" pitchFamily="34" charset="-52"/>
+                <a:latin typeface="+mn-lt"/>
                 <a:ea typeface="Intel Clear Pro Bold" panose="020B0804020202060201" pitchFamily="34" charset="-52"/>
                 <a:cs typeface="Intel Clear Pro Bold" panose="020B0804020202060201" pitchFamily="34" charset="-52"/>
               </a:rPr>
@@ -9541,7 +7295,7 @@
         </p:nvSpPr>
         <p:spPr>
           <a:xfrm>
-            <a:off x="4743451" y="1095432"/>
+            <a:off x="4415426" y="1508791"/>
             <a:ext cx="3276600" cy="1922716"/>
           </a:xfrm>
           <a:prstGeom prst="rect">
@@ -9699,28 +7453,24 @@
             </a:pPr>
             <a:r>
               <a:rPr lang="en-US" sz="2100" dirty="0" err="1">
-                <a:latin typeface="Intel Clear Light" panose="020B0404020203020204" pitchFamily="34" charset="0"/>
                 <a:ea typeface="Intel Clear Light" panose="020B0404020203020204" pitchFamily="34" charset="0"/>
                 <a:cs typeface="Intel Clear Light" panose="020B0404020203020204" pitchFamily="34" charset="0"/>
               </a:rPr>
               <a:t>OutputIterator</a:t>
             </a:r>
             <a:endParaRPr lang="ru-RU" sz="2100" dirty="0">
-              <a:latin typeface="Intel Clear Light" panose="020B0404020203020204" pitchFamily="34" charset="0"/>
               <a:ea typeface="Intel Clear Light" panose="020B0404020203020204" pitchFamily="34" charset="0"/>
               <a:cs typeface="Intel Clear Light" panose="020B0404020203020204" pitchFamily="34" charset="0"/>
             </a:endParaRPr>
           </a:p>
           <a:p>
             <a:endParaRPr lang="en-US" sz="2100" b="1" dirty="0">
-              <a:latin typeface="Intel Clear Light" panose="020B0404020203020204" pitchFamily="34" charset="0"/>
               <a:ea typeface="Intel Clear Light" panose="020B0404020203020204" pitchFamily="34" charset="0"/>
               <a:cs typeface="Intel Clear Light" panose="020B0404020203020204" pitchFamily="34" charset="0"/>
             </a:endParaRPr>
           </a:p>
           <a:p>
             <a:endParaRPr lang="en-US" dirty="0">
-              <a:latin typeface="Intel Clear Light" panose="020B0404020203020204" pitchFamily="34" charset="0"/>
               <a:ea typeface="Intel Clear Light" panose="020B0404020203020204" pitchFamily="34" charset="0"/>
               <a:cs typeface="Intel Clear Light" panose="020B0404020203020204" pitchFamily="34" charset="0"/>
             </a:endParaRPr>
@@ -9743,7 +7493,7 @@
         </p:nvSpPr>
         <p:spPr>
           <a:xfrm>
-            <a:off x="711201" y="1095432"/>
+            <a:off x="711201" y="1508791"/>
             <a:ext cx="3276600" cy="1922716"/>
           </a:xfrm>
           <a:prstGeom prst="rect">
@@ -9752,7 +7502,7 @@
         </p:spPr>
         <p:txBody>
           <a:bodyPr>
-            <a:normAutofit fontScale="92500" lnSpcReduction="20000"/>
+            <a:normAutofit/>
           </a:bodyPr>
           <a:lstStyle>
             <a:lvl1pPr marL="0" indent="0" algn="l" defTabSz="457200" rtl="0" eaLnBrk="1" latinLnBrk="0" hangingPunct="1">
@@ -9900,13 +7650,16 @@
               <a:buChar char="•"/>
             </a:pPr>
             <a:r>
-              <a:rPr lang="en-US" sz="2100" dirty="0">
-                <a:latin typeface="Intel Clear Light" panose="020B0404020203020204" pitchFamily="34" charset="0"/>
+              <a:rPr lang="en-US" sz="2100" dirty="0" err="1">
                 <a:ea typeface="Intel Clear Light" panose="020B0404020203020204" pitchFamily="34" charset="0"/>
                 <a:cs typeface="Intel Clear Light" panose="020B0404020203020204" pitchFamily="34" charset="0"/>
               </a:rPr>
-              <a:t>Iterator</a:t>
-            </a:r>
+              <a:t>InputIterator</a:t>
+            </a:r>
+            <a:endParaRPr lang="en-US" sz="2100" dirty="0">
+              <a:ea typeface="Intel Clear Light" panose="020B0404020203020204" pitchFamily="34" charset="0"/>
+              <a:cs typeface="Intel Clear Light" panose="020B0404020203020204" pitchFamily="34" charset="0"/>
+            </a:endParaRPr>
           </a:p>
           <a:p>
             <a:pPr marL="342900" indent="-342900">
@@ -9915,14 +7668,12 @@
             </a:pPr>
             <a:r>
               <a:rPr lang="en-US" sz="2100" dirty="0" err="1">
-                <a:latin typeface="Intel Clear Light" panose="020B0404020203020204" pitchFamily="34" charset="0"/>
                 <a:ea typeface="Intel Clear Light" panose="020B0404020203020204" pitchFamily="34" charset="0"/>
                 <a:cs typeface="Intel Clear Light" panose="020B0404020203020204" pitchFamily="34" charset="0"/>
               </a:rPr>
-              <a:t>InputIterator</a:t>
+              <a:t>ForwardIterator</a:t>
             </a:r>
             <a:endParaRPr lang="en-US" sz="2100" dirty="0">
-              <a:latin typeface="Intel Clear Light" panose="020B0404020203020204" pitchFamily="34" charset="0"/>
               <a:ea typeface="Intel Clear Light" panose="020B0404020203020204" pitchFamily="34" charset="0"/>
               <a:cs typeface="Intel Clear Light" panose="020B0404020203020204" pitchFamily="34" charset="0"/>
             </a:endParaRPr>
@@ -9934,14 +7685,12 @@
             </a:pPr>
             <a:r>
               <a:rPr lang="en-US" sz="2100" dirty="0" err="1">
-                <a:latin typeface="Intel Clear Light" panose="020B0404020203020204" pitchFamily="34" charset="0"/>
                 <a:ea typeface="Intel Clear Light" panose="020B0404020203020204" pitchFamily="34" charset="0"/>
                 <a:cs typeface="Intel Clear Light" panose="020B0404020203020204" pitchFamily="34" charset="0"/>
               </a:rPr>
-              <a:t>ForwardIterator</a:t>
+              <a:t>BidirectionalIterator</a:t>
             </a:r>
             <a:endParaRPr lang="en-US" sz="2100" dirty="0">
-              <a:latin typeface="Intel Clear Light" panose="020B0404020203020204" pitchFamily="34" charset="0"/>
               <a:ea typeface="Intel Clear Light" panose="020B0404020203020204" pitchFamily="34" charset="0"/>
               <a:cs typeface="Intel Clear Light" panose="020B0404020203020204" pitchFamily="34" charset="0"/>
             </a:endParaRPr>
@@ -9953,53 +7702,151 @@
             </a:pPr>
             <a:r>
               <a:rPr lang="en-US" sz="2100" dirty="0" err="1">
-                <a:latin typeface="Intel Clear Light" panose="020B0404020203020204" pitchFamily="34" charset="0"/>
                 <a:ea typeface="Intel Clear Light" panose="020B0404020203020204" pitchFamily="34" charset="0"/>
                 <a:cs typeface="Intel Clear Light" panose="020B0404020203020204" pitchFamily="34" charset="0"/>
               </a:rPr>
-              <a:t>BidirectionalIterator</a:t>
-            </a:r>
-            <a:endParaRPr lang="en-US" sz="2100" dirty="0">
-              <a:latin typeface="Intel Clear Light" panose="020B0404020203020204" pitchFamily="34" charset="0"/>
+              <a:t>RandomAccessIterator</a:t>
+            </a:r>
+            <a:endParaRPr lang="ru-RU" sz="2100" dirty="0">
               <a:ea typeface="Intel Clear Light" panose="020B0404020203020204" pitchFamily="34" charset="0"/>
               <a:cs typeface="Intel Clear Light" panose="020B0404020203020204" pitchFamily="34" charset="0"/>
             </a:endParaRPr>
           </a:p>
           <a:p>
-            <a:pPr marL="342900" indent="-342900">
-              <a:buFont typeface="Arial" panose="020B0604020202020204" pitchFamily="34" charset="0"/>
-              <a:buChar char="•"/>
-            </a:pPr>
-            <a:r>
-              <a:rPr lang="en-US" sz="2100" dirty="0" err="1">
-                <a:latin typeface="Intel Clear Light" panose="020B0404020203020204" pitchFamily="34" charset="0"/>
-                <a:ea typeface="Intel Clear Light" panose="020B0404020203020204" pitchFamily="34" charset="0"/>
-                <a:cs typeface="Intel Clear Light" panose="020B0404020203020204" pitchFamily="34" charset="0"/>
-              </a:rPr>
-              <a:t>RandomAccessIterator</a:t>
-            </a:r>
-            <a:endParaRPr lang="ru-RU" sz="2100" dirty="0">
-              <a:latin typeface="Intel Clear Light" panose="020B0404020203020204" pitchFamily="34" charset="0"/>
+            <a:endParaRPr lang="en-US" sz="2100" b="1" dirty="0">
               <a:ea typeface="Intel Clear Light" panose="020B0404020203020204" pitchFamily="34" charset="0"/>
               <a:cs typeface="Intel Clear Light" panose="020B0404020203020204" pitchFamily="34" charset="0"/>
             </a:endParaRPr>
           </a:p>
           <a:p>
-            <a:endParaRPr lang="en-US" sz="2100" b="1" dirty="0">
-              <a:latin typeface="Intel Clear Light" panose="020B0404020203020204" pitchFamily="34" charset="0"/>
+            <a:endParaRPr lang="en-US" dirty="0">
               <a:ea typeface="Intel Clear Light" panose="020B0404020203020204" pitchFamily="34" charset="0"/>
               <a:cs typeface="Intel Clear Light" panose="020B0404020203020204" pitchFamily="34" charset="0"/>
             </a:endParaRPr>
           </a:p>
-          <a:p>
-            <a:endParaRPr lang="en-US" dirty="0">
-              <a:latin typeface="Intel Clear Light" panose="020B0404020203020204" pitchFamily="34" charset="0"/>
-              <a:ea typeface="Intel Clear Light" panose="020B0404020203020204" pitchFamily="34" charset="0"/>
-              <a:cs typeface="Intel Clear Light" panose="020B0404020203020204" pitchFamily="34" charset="0"/>
-            </a:endParaRPr>
-          </a:p>
-        </p:txBody>
-      </p:sp>
+        </p:txBody>
+      </p:sp>
+      <p:sp>
+        <p:nvSpPr>
+          <p:cNvPr id="3" name="TextBox 2">
+            <a:extLst>
+              <a:ext uri="{FF2B5EF4-FFF2-40B4-BE49-F238E27FC236}">
+                <a16:creationId xmlns:a16="http://schemas.microsoft.com/office/drawing/2014/main" id="{3963D555-F4E0-4402-B865-34885288EEEB}"/>
+              </a:ext>
+            </a:extLst>
+          </p:cNvPr>
+          <p:cNvSpPr txBox="1"/>
+          <p:nvPr/>
+        </p:nvSpPr>
+        <p:spPr>
+          <a:xfrm>
+            <a:off x="3599493" y="679934"/>
+            <a:ext cx="1012713" cy="415498"/>
+          </a:xfrm>
+          <a:prstGeom prst="rect">
+            <a:avLst/>
+          </a:prstGeom>
+          <a:noFill/>
+        </p:spPr>
+        <p:txBody>
+          <a:bodyPr wrap="none" rtlCol="0">
+            <a:spAutoFit/>
+          </a:bodyPr>
+          <a:lstStyle/>
+          <a:p>
+            <a:r>
+              <a:rPr lang="en-US" sz="2100" dirty="0">
+                <a:solidFill>
+                  <a:srgbClr val="0071C5"/>
+                </a:solidFill>
+                <a:ea typeface="Intel Clear Light" panose="020B0404020203020204" pitchFamily="34" charset="0"/>
+                <a:cs typeface="Intel Clear Light" panose="020B0404020203020204" pitchFamily="34" charset="0"/>
+              </a:rPr>
+              <a:t>Iterator</a:t>
+            </a:r>
+          </a:p>
+        </p:txBody>
+      </p:sp>
+      <p:cxnSp>
+        <p:nvCxnSpPr>
+          <p:cNvPr id="5" name="Straight Arrow Connector 4">
+            <a:extLst>
+              <a:ext uri="{FF2B5EF4-FFF2-40B4-BE49-F238E27FC236}">
+                <a16:creationId xmlns:a16="http://schemas.microsoft.com/office/drawing/2014/main" id="{D532C825-4986-4C9F-81B7-C6E30EFF9394}"/>
+              </a:ext>
+            </a:extLst>
+          </p:cNvPr>
+          <p:cNvCxnSpPr/>
+          <p:nvPr/>
+        </p:nvCxnSpPr>
+        <p:spPr>
+          <a:xfrm flipH="1">
+            <a:off x="2824619" y="1171184"/>
+            <a:ext cx="588723" cy="337607"/>
+          </a:xfrm>
+          <a:prstGeom prst="straightConnector1">
+            <a:avLst/>
+          </a:prstGeom>
+          <a:ln>
+            <a:tailEnd type="triangle"/>
+          </a:ln>
+        </p:spPr>
+        <p:style>
+          <a:lnRef idx="1">
+            <a:schemeClr val="accent1"/>
+          </a:lnRef>
+          <a:fillRef idx="0">
+            <a:schemeClr val="accent1"/>
+          </a:fillRef>
+          <a:effectRef idx="0">
+            <a:schemeClr val="accent1"/>
+          </a:effectRef>
+          <a:fontRef idx="minor">
+            <a:schemeClr val="tx1"/>
+          </a:fontRef>
+        </p:style>
+      </p:cxnSp>
+      <p:cxnSp>
+        <p:nvCxnSpPr>
+          <p:cNvPr id="10" name="Straight Arrow Connector 9">
+            <a:extLst>
+              <a:ext uri="{FF2B5EF4-FFF2-40B4-BE49-F238E27FC236}">
+                <a16:creationId xmlns:a16="http://schemas.microsoft.com/office/drawing/2014/main" id="{37C2987B-2D6D-4AF0-9D8F-1BDACEB8D7FF}"/>
+              </a:ext>
+            </a:extLst>
+          </p:cNvPr>
+          <p:cNvCxnSpPr>
+            <a:cxnSpLocks/>
+          </p:cNvCxnSpPr>
+          <p:nvPr/>
+        </p:nvCxnSpPr>
+        <p:spPr>
+          <a:xfrm>
+            <a:off x="4882891" y="1171184"/>
+            <a:ext cx="546619" cy="337607"/>
+          </a:xfrm>
+          <a:prstGeom prst="straightConnector1">
+            <a:avLst/>
+          </a:prstGeom>
+          <a:ln>
+            <a:tailEnd type="triangle"/>
+          </a:ln>
+        </p:spPr>
+        <p:style>
+          <a:lnRef idx="1">
+            <a:schemeClr val="accent1"/>
+          </a:lnRef>
+          <a:fillRef idx="0">
+            <a:schemeClr val="accent1"/>
+          </a:fillRef>
+          <a:effectRef idx="0">
+            <a:schemeClr val="accent1"/>
+          </a:effectRef>
+          <a:fontRef idx="minor">
+            <a:schemeClr val="tx1"/>
+          </a:fontRef>
+        </p:style>
+      </p:cxnSp>
     </p:spTree>
     <p:extLst>
       <p:ext uri="{BB962C8B-B14F-4D97-AF65-F5344CB8AC3E}">
@@ -10066,7 +7913,7 @@
           <a:p>
             <a:r>
               <a:rPr lang="en-US" dirty="0">
-                <a:latin typeface="Intel Clear Pro Bold" panose="020B0804020202060201" pitchFamily="34" charset="-52"/>
+                <a:latin typeface="+mn-lt"/>
                 <a:ea typeface="Intel Clear Pro Bold" panose="020B0804020202060201" pitchFamily="34" charset="-52"/>
                 <a:cs typeface="Intel Clear Pro Bold" panose="020B0804020202060201" pitchFamily="34" charset="-52"/>
               </a:rPr>
@@ -10116,7 +7963,7 @@
         <p:spPr>
           <a:xfrm>
             <a:off x="404812" y="955731"/>
-            <a:ext cx="5894387" cy="2609000"/>
+            <a:ext cx="7179698" cy="2609000"/>
           </a:xfrm>
           <a:prstGeom prst="rect">
             <a:avLst/>
@@ -10269,7 +8116,6 @@
           <a:p>
             <a:r>
               <a:rPr lang="en-US" sz="2100" dirty="0">
-                <a:latin typeface="Intel Clear Light" panose="020B0404020203020204" pitchFamily="34" charset="0"/>
                 <a:ea typeface="Intel Clear Light" panose="020B0404020203020204" pitchFamily="34" charset="0"/>
                 <a:cs typeface="Intel Clear Light" panose="020B0404020203020204" pitchFamily="34" charset="0"/>
               </a:rPr>
@@ -10283,7 +8129,6 @@
             </a:pPr>
             <a:r>
               <a:rPr lang="en-US" sz="1900" i="1" dirty="0">
-                <a:latin typeface="Intel Clear Light" panose="020B0404020203020204" pitchFamily="34" charset="0"/>
                 <a:ea typeface="Intel Clear Light" panose="020B0404020203020204" pitchFamily="34" charset="0"/>
                 <a:cs typeface="Intel Clear Light" panose="020B0404020203020204" pitchFamily="34" charset="0"/>
               </a:rPr>
@@ -10291,7 +8136,6 @@
             </a:r>
             <a:r>
               <a:rPr lang="en-US" sz="1900" dirty="0">
-                <a:latin typeface="Intel Clear Light" panose="020B0404020203020204" pitchFamily="34" charset="0"/>
                 <a:ea typeface="Intel Clear Light" panose="020B0404020203020204" pitchFamily="34" charset="0"/>
                 <a:cs typeface="Intel Clear Light" panose="020B0404020203020204" pitchFamily="34" charset="0"/>
               </a:rPr>
@@ -10299,7 +8143,6 @@
             </a:r>
             <a:r>
               <a:rPr lang="en-US" sz="1900" i="1" dirty="0">
-                <a:latin typeface="Intel Clear Light" panose="020B0404020203020204" pitchFamily="34" charset="0"/>
                 <a:ea typeface="Intel Clear Light" panose="020B0404020203020204" pitchFamily="34" charset="0"/>
                 <a:cs typeface="Intel Clear Light" panose="020B0404020203020204" pitchFamily="34" charset="0"/>
               </a:rPr>
@@ -10307,7 +8150,6 @@
             </a:r>
             <a:r>
               <a:rPr lang="en-US" sz="1900" dirty="0">
-                <a:latin typeface="Intel Clear Light" panose="020B0404020203020204" pitchFamily="34" charset="0"/>
                 <a:ea typeface="Intel Clear Light" panose="020B0404020203020204" pitchFamily="34" charset="0"/>
                 <a:cs typeface="Intel Clear Light" panose="020B0404020203020204" pitchFamily="34" charset="0"/>
               </a:rPr>
@@ -10321,7 +8163,6 @@
             </a:pPr>
             <a:r>
               <a:rPr lang="en-US" sz="1900" dirty="0">
-                <a:latin typeface="Intel Clear Light" panose="020B0404020203020204" pitchFamily="34" charset="0"/>
                 <a:ea typeface="Intel Clear Light" panose="020B0404020203020204" pitchFamily="34" charset="0"/>
                 <a:cs typeface="Intel Clear Light" panose="020B0404020203020204" pitchFamily="34" charset="0"/>
               </a:rPr>
@@ -10335,7 +8176,6 @@
             </a:pPr>
             <a:r>
               <a:rPr lang="en-US" sz="1900" dirty="0">
-                <a:latin typeface="Intel Clear Light" panose="020B0404020203020204" pitchFamily="34" charset="0"/>
                 <a:ea typeface="Intel Clear Light" panose="020B0404020203020204" pitchFamily="34" charset="0"/>
                 <a:cs typeface="Intel Clear Light" panose="020B0404020203020204" pitchFamily="34" charset="0"/>
               </a:rPr>
@@ -10349,28 +8189,24 @@
             </a:pPr>
             <a:r>
               <a:rPr lang="en-US" sz="1900" dirty="0">
-                <a:latin typeface="Intel Clear Light" panose="020B0404020203020204" pitchFamily="34" charset="0"/>
                 <a:ea typeface="Intel Clear Light" panose="020B0404020203020204" pitchFamily="34" charset="0"/>
                 <a:cs typeface="Intel Clear Light" panose="020B0404020203020204" pitchFamily="34" charset="0"/>
               </a:rPr>
               <a:t>Destructor</a:t>
             </a:r>
             <a:endParaRPr lang="ru-RU" sz="1900" dirty="0">
-              <a:latin typeface="Intel Clear Light" panose="020B0404020203020204" pitchFamily="34" charset="0"/>
               <a:ea typeface="Intel Clear Light" panose="020B0404020203020204" pitchFamily="34" charset="0"/>
               <a:cs typeface="Intel Clear Light" panose="020B0404020203020204" pitchFamily="34" charset="0"/>
             </a:endParaRPr>
           </a:p>
           <a:p>
             <a:endParaRPr lang="en-US" sz="2100" b="1" dirty="0">
-              <a:latin typeface="Intel Clear Light" panose="020B0404020203020204" pitchFamily="34" charset="0"/>
               <a:ea typeface="Intel Clear Light" panose="020B0404020203020204" pitchFamily="34" charset="0"/>
               <a:cs typeface="Intel Clear Light" panose="020B0404020203020204" pitchFamily="34" charset="0"/>
             </a:endParaRPr>
           </a:p>
           <a:p>
             <a:endParaRPr lang="en-US" dirty="0">
-              <a:latin typeface="Intel Clear Light" panose="020B0404020203020204" pitchFamily="34" charset="0"/>
               <a:ea typeface="Intel Clear Light" panose="020B0404020203020204" pitchFamily="34" charset="0"/>
               <a:cs typeface="Intel Clear Light" panose="020B0404020203020204" pitchFamily="34" charset="0"/>
             </a:endParaRPr>
@@ -10443,7 +8279,7 @@
           <a:p>
             <a:r>
               <a:rPr lang="en-US" dirty="0">
-                <a:latin typeface="Intel Clear Pro Bold" panose="020B0804020202060201" pitchFamily="34" charset="-52"/>
+                <a:latin typeface="+mn-lt"/>
                 <a:ea typeface="Intel Clear Pro Bold" panose="020B0804020202060201" pitchFamily="34" charset="-52"/>
                 <a:cs typeface="Intel Clear Pro Bold" panose="020B0804020202060201" pitchFamily="34" charset="-52"/>
               </a:rPr>
@@ -10646,7 +8482,6 @@
           <a:p>
             <a:r>
               <a:rPr lang="en-US" sz="2100" dirty="0">
-                <a:latin typeface="Intel Clear Light" panose="020B0404020203020204" pitchFamily="34" charset="0"/>
                 <a:ea typeface="Intel Clear Light" panose="020B0404020203020204" pitchFamily="34" charset="0"/>
                 <a:cs typeface="Intel Clear Light" panose="020B0404020203020204" pitchFamily="34" charset="0"/>
               </a:rPr>
@@ -10654,7 +8489,6 @@
             </a:r>
             <a:r>
               <a:rPr lang="en-US" sz="2100" dirty="0" err="1">
-                <a:latin typeface="Intel Clear Light" panose="020B0404020203020204" pitchFamily="34" charset="0"/>
                 <a:ea typeface="Intel Clear Light" panose="020B0404020203020204" pitchFamily="34" charset="0"/>
                 <a:cs typeface="Intel Clear Light" panose="020B0404020203020204" pitchFamily="34" charset="0"/>
               </a:rPr>
@@ -10662,7 +8496,6 @@
             </a:r>
             <a:r>
               <a:rPr lang="en-US" sz="2100" dirty="0">
-                <a:latin typeface="Intel Clear Light" panose="020B0404020203020204" pitchFamily="34" charset="0"/>
                 <a:ea typeface="Intel Clear Light" panose="020B0404020203020204" pitchFamily="34" charset="0"/>
                 <a:cs typeface="Intel Clear Light" panose="020B0404020203020204" pitchFamily="34" charset="0"/>
               </a:rPr>
@@ -10676,7 +8509,6 @@
             </a:pPr>
             <a:r>
               <a:rPr lang="en-US" sz="1900" dirty="0">
-                <a:latin typeface="Intel Clear Light" panose="020B0404020203020204" pitchFamily="34" charset="0"/>
                 <a:ea typeface="Intel Clear Light" panose="020B0404020203020204" pitchFamily="34" charset="0"/>
                 <a:cs typeface="Intel Clear Light" panose="020B0404020203020204" pitchFamily="34" charset="0"/>
               </a:rPr>
@@ -10690,7 +8522,6 @@
             </a:pPr>
             <a:r>
               <a:rPr lang="en-US" sz="1900" dirty="0">
-                <a:latin typeface="Intel Clear Light" panose="020B0404020203020204" pitchFamily="34" charset="0"/>
                 <a:ea typeface="Intel Clear Light" panose="020B0404020203020204" pitchFamily="34" charset="0"/>
                 <a:cs typeface="Intel Clear Light" panose="020B0404020203020204" pitchFamily="34" charset="0"/>
               </a:rPr>
@@ -10704,7 +8535,6 @@
             </a:pPr>
             <a:r>
               <a:rPr lang="en-US" sz="1900" dirty="0">
-                <a:latin typeface="Intel Clear Light" panose="020B0404020203020204" pitchFamily="34" charset="0"/>
                 <a:ea typeface="Intel Clear Light" panose="020B0404020203020204" pitchFamily="34" charset="0"/>
                 <a:cs typeface="Intel Clear Light" panose="020B0404020203020204" pitchFamily="34" charset="0"/>
               </a:rPr>
@@ -10716,7 +8546,6 @@
               <a:buNone/>
             </a:pPr>
             <a:endParaRPr lang="ru-RU" sz="1900" i="1" dirty="0">
-              <a:latin typeface="Intel Clear Light" panose="020B0404020203020204" pitchFamily="34" charset="0"/>
               <a:ea typeface="Intel Clear Light" panose="020B0404020203020204" pitchFamily="34" charset="0"/>
               <a:cs typeface="Intel Clear Light" panose="020B0404020203020204" pitchFamily="34" charset="0"/>
             </a:endParaRPr>
@@ -10724,7 +8553,6 @@
           <a:p>
             <a:r>
               <a:rPr lang="en-US" sz="2100" b="1" dirty="0" err="1">
-                <a:latin typeface="Intel Clear Light" panose="020B0404020203020204" pitchFamily="34" charset="0"/>
                 <a:ea typeface="Intel Clear Light" panose="020B0404020203020204" pitchFamily="34" charset="0"/>
                 <a:cs typeface="Intel Clear Light" panose="020B0404020203020204" pitchFamily="34" charset="0"/>
               </a:rPr>
@@ -10732,7 +8560,6 @@
             </a:r>
             <a:r>
               <a:rPr lang="en-US" sz="2100" b="1" dirty="0">
-                <a:latin typeface="Intel Clear Light" panose="020B0404020203020204" pitchFamily="34" charset="0"/>
                 <a:ea typeface="Intel Clear Light" panose="020B0404020203020204" pitchFamily="34" charset="0"/>
                 <a:cs typeface="Intel Clear Light" panose="020B0404020203020204" pitchFamily="34" charset="0"/>
               </a:rPr>
@@ -10742,7 +8569,6 @@
           <a:p>
             <a:r>
               <a:rPr lang="en-US" sz="2100" b="1" dirty="0">
-                <a:latin typeface="Intel Clear Light" panose="020B0404020203020204" pitchFamily="34" charset="0"/>
                 <a:ea typeface="Intel Clear Light" panose="020B0404020203020204" pitchFamily="34" charset="0"/>
                 <a:cs typeface="Intel Clear Light" panose="020B0404020203020204" pitchFamily="34" charset="0"/>
               </a:rPr>
@@ -10751,7 +8577,6 @@
           </a:p>
           <a:p>
             <a:endParaRPr lang="en-US" dirty="0">
-              <a:latin typeface="Intel Clear Light" panose="020B0404020203020204" pitchFamily="34" charset="0"/>
               <a:ea typeface="Intel Clear Light" panose="020B0404020203020204" pitchFamily="34" charset="0"/>
               <a:cs typeface="Intel Clear Light" panose="020B0404020203020204" pitchFamily="34" charset="0"/>
             </a:endParaRPr>
@@ -10824,7 +8649,7 @@
           <a:p>
             <a:r>
               <a:rPr lang="en-US" dirty="0">
-                <a:latin typeface="Intel Clear Pro Bold" panose="020B0804020202060201" pitchFamily="34" charset="-52"/>
+                <a:latin typeface="+mn-lt"/>
                 <a:ea typeface="Intel Clear Pro Bold" panose="020B0804020202060201" pitchFamily="34" charset="-52"/>
                 <a:cs typeface="Intel Clear Pro Bold" panose="020B0804020202060201" pitchFamily="34" charset="-52"/>
               </a:rPr>
@@ -11027,7 +8852,6 @@
           <a:p>
             <a:r>
               <a:rPr lang="en-US" sz="2100" dirty="0">
-                <a:latin typeface="Intel Clear Light" panose="020B0404020203020204" pitchFamily="34" charset="0"/>
                 <a:ea typeface="Intel Clear Light" panose="020B0404020203020204" pitchFamily="34" charset="0"/>
                 <a:cs typeface="Intel Clear Light" panose="020B0404020203020204" pitchFamily="34" charset="0"/>
               </a:rPr>
@@ -11035,7 +8859,6 @@
             </a:r>
             <a:r>
               <a:rPr lang="en-US" sz="2100" dirty="0" err="1">
-                <a:latin typeface="Intel Clear Light" panose="020B0404020203020204" pitchFamily="34" charset="0"/>
                 <a:ea typeface="Intel Clear Light" panose="020B0404020203020204" pitchFamily="34" charset="0"/>
                 <a:cs typeface="Intel Clear Light" panose="020B0404020203020204" pitchFamily="34" charset="0"/>
               </a:rPr>
@@ -11043,7 +8866,6 @@
             </a:r>
             <a:r>
               <a:rPr lang="en-US" sz="2100" dirty="0">
-                <a:latin typeface="Intel Clear Light" panose="020B0404020203020204" pitchFamily="34" charset="0"/>
                 <a:ea typeface="Intel Clear Light" panose="020B0404020203020204" pitchFamily="34" charset="0"/>
                 <a:cs typeface="Intel Clear Light" panose="020B0404020203020204" pitchFamily="34" charset="0"/>
               </a:rPr>
@@ -11051,7 +8873,6 @@
             </a:r>
             <a:r>
               <a:rPr lang="en-US" sz="2100" dirty="0" err="1">
-                <a:latin typeface="Intel Clear Light" panose="020B0404020203020204" pitchFamily="34" charset="0"/>
                 <a:ea typeface="Intel Clear Light" panose="020B0404020203020204" pitchFamily="34" charset="0"/>
                 <a:cs typeface="Intel Clear Light" panose="020B0404020203020204" pitchFamily="34" charset="0"/>
               </a:rPr>
@@ -11059,7 +8880,6 @@
             </a:r>
             <a:r>
               <a:rPr lang="en-US" sz="2100" dirty="0">
-                <a:latin typeface="Intel Clear Light" panose="020B0404020203020204" pitchFamily="34" charset="0"/>
                 <a:ea typeface="Intel Clear Light" panose="020B0404020203020204" pitchFamily="34" charset="0"/>
                 <a:cs typeface="Intel Clear Light" panose="020B0404020203020204" pitchFamily="34" charset="0"/>
               </a:rPr>
@@ -11072,7 +8892,6 @@
             </a:pPr>
             <a:r>
               <a:rPr lang="en-US" sz="1900" dirty="0" err="1">
-                <a:latin typeface="Intel Clear Light" panose="020B0404020203020204" pitchFamily="34" charset="0"/>
                 <a:ea typeface="Intel Clear Light" panose="020B0404020203020204" pitchFamily="34" charset="0"/>
                 <a:cs typeface="Intel Clear Light" panose="020B0404020203020204" pitchFamily="34" charset="0"/>
               </a:rPr>
@@ -11080,7 +8899,6 @@
             </a:r>
             <a:r>
               <a:rPr lang="en-US" sz="1900" dirty="0">
-                <a:latin typeface="Intel Clear Light" panose="020B0404020203020204" pitchFamily="34" charset="0"/>
                 <a:ea typeface="Intel Clear Light" panose="020B0404020203020204" pitchFamily="34" charset="0"/>
                 <a:cs typeface="Intel Clear Light" panose="020B0404020203020204" pitchFamily="34" charset="0"/>
               </a:rPr>
@@ -11092,14 +8910,12 @@
               <a:buNone/>
             </a:pPr>
             <a:endParaRPr lang="ru-RU" sz="1900" i="1" dirty="0">
-              <a:latin typeface="Intel Clear Light" panose="020B0404020203020204" pitchFamily="34" charset="0"/>
               <a:ea typeface="Intel Clear Light" panose="020B0404020203020204" pitchFamily="34" charset="0"/>
               <a:cs typeface="Intel Clear Light" panose="020B0404020203020204" pitchFamily="34" charset="0"/>
             </a:endParaRPr>
           </a:p>
           <a:p>
             <a:endParaRPr lang="en-US" dirty="0">
-              <a:latin typeface="Intel Clear Light" panose="020B0404020203020204" pitchFamily="34" charset="0"/>
               <a:ea typeface="Intel Clear Light" panose="020B0404020203020204" pitchFamily="34" charset="0"/>
               <a:cs typeface="Intel Clear Light" panose="020B0404020203020204" pitchFamily="34" charset="0"/>
             </a:endParaRPr>
@@ -11826,7 +9642,6 @@
           <a:p>
             <a:r>
               <a:rPr lang="en-US" sz="1900" dirty="0">
-                <a:latin typeface="Intel Clear Light" panose="020B0404020203020204" pitchFamily="34" charset="0"/>
                 <a:ea typeface="Intel Clear Light" panose="020B0404020203020204" pitchFamily="34" charset="0"/>
                 <a:cs typeface="Intel Clear Light" panose="020B0404020203020204" pitchFamily="34" charset="0"/>
               </a:rPr>
@@ -11834,7 +9649,6 @@
             </a:r>
             <a:r>
               <a:rPr lang="en-US" sz="1900" i="1" dirty="0">
-                <a:latin typeface="Intel Clear Light" panose="020B0404020203020204" pitchFamily="34" charset="0"/>
                 <a:ea typeface="Intel Clear Light" panose="020B0404020203020204" pitchFamily="34" charset="0"/>
                 <a:cs typeface="Intel Clear Light" panose="020B0404020203020204" pitchFamily="34" charset="0"/>
               </a:rPr>
@@ -11842,7 +9656,6 @@
             </a:r>
             <a:r>
               <a:rPr lang="en-US" sz="1900" i="1" dirty="0" err="1">
-                <a:latin typeface="Intel Clear Light" panose="020B0404020203020204" pitchFamily="34" charset="0"/>
                 <a:ea typeface="Intel Clear Light" panose="020B0404020203020204" pitchFamily="34" charset="0"/>
                 <a:cs typeface="Intel Clear Light" panose="020B0404020203020204" pitchFamily="34" charset="0"/>
               </a:rPr>
@@ -11850,14 +9663,12 @@
             </a:r>
             <a:r>
               <a:rPr lang="en-US" sz="1900" i="1" dirty="0">
-                <a:latin typeface="Intel Clear Light" panose="020B0404020203020204" pitchFamily="34" charset="0"/>
                 <a:ea typeface="Intel Clear Light" panose="020B0404020203020204" pitchFamily="34" charset="0"/>
                 <a:cs typeface="Intel Clear Light" panose="020B0404020203020204" pitchFamily="34" charset="0"/>
               </a:rPr>
               <a:t>::iterator</a:t>
             </a:r>
             <a:endParaRPr lang="en-US" sz="1900" dirty="0">
-              <a:latin typeface="Intel Clear Light" panose="020B0404020203020204" pitchFamily="34" charset="0"/>
               <a:ea typeface="Intel Clear Light" panose="020B0404020203020204" pitchFamily="34" charset="0"/>
               <a:cs typeface="Intel Clear Light" panose="020B0404020203020204" pitchFamily="34" charset="0"/>
             </a:endParaRPr>
@@ -11867,14 +9678,12 @@
               <a:buNone/>
             </a:pPr>
             <a:endParaRPr lang="ru-RU" sz="1900" i="1" dirty="0">
-              <a:latin typeface="Intel Clear Light" panose="020B0404020203020204" pitchFamily="34" charset="0"/>
               <a:ea typeface="Intel Clear Light" panose="020B0404020203020204" pitchFamily="34" charset="0"/>
               <a:cs typeface="Intel Clear Light" panose="020B0404020203020204" pitchFamily="34" charset="0"/>
             </a:endParaRPr>
           </a:p>
           <a:p>
             <a:endParaRPr lang="en-US" dirty="0">
-              <a:latin typeface="Intel Clear Light" panose="020B0404020203020204" pitchFamily="34" charset="0"/>
               <a:ea typeface="Intel Clear Light" panose="020B0404020203020204" pitchFamily="34" charset="0"/>
               <a:cs typeface="Intel Clear Light" panose="020B0404020203020204" pitchFamily="34" charset="0"/>
             </a:endParaRPr>
@@ -11947,7 +9756,7 @@
           <a:p>
             <a:r>
               <a:rPr lang="en-US" dirty="0">
-                <a:latin typeface="Intel Clear Pro Bold" panose="020B0804020202060201" pitchFamily="34" charset="-52"/>
+                <a:latin typeface="+mn-lt"/>
                 <a:ea typeface="Intel Clear Pro Bold" panose="020B0804020202060201" pitchFamily="34" charset="-52"/>
                 <a:cs typeface="Intel Clear Pro Bold" panose="020B0804020202060201" pitchFamily="34" charset="-52"/>
               </a:rPr>
@@ -12150,7 +9959,6 @@
           <a:p>
             <a:r>
               <a:rPr lang="en-US" sz="2100" dirty="0">
-                <a:latin typeface="Intel Clear Light" panose="020B0404020203020204" pitchFamily="34" charset="0"/>
                 <a:ea typeface="Intel Clear Light" panose="020B0404020203020204" pitchFamily="34" charset="0"/>
                 <a:cs typeface="Intel Clear Light" panose="020B0404020203020204" pitchFamily="34" charset="0"/>
               </a:rPr>
@@ -12158,7 +9966,6 @@
             </a:r>
             <a:r>
               <a:rPr lang="en-US" sz="2100" dirty="0" err="1">
-                <a:latin typeface="Intel Clear Light" panose="020B0404020203020204" pitchFamily="34" charset="0"/>
                 <a:ea typeface="Intel Clear Light" panose="020B0404020203020204" pitchFamily="34" charset="0"/>
                 <a:cs typeface="Intel Clear Light" panose="020B0404020203020204" pitchFamily="34" charset="0"/>
               </a:rPr>
@@ -12166,7 +9973,6 @@
             </a:r>
             <a:r>
               <a:rPr lang="en-US" sz="2100" dirty="0">
-                <a:latin typeface="Intel Clear Light" panose="020B0404020203020204" pitchFamily="34" charset="0"/>
                 <a:ea typeface="Intel Clear Light" panose="020B0404020203020204" pitchFamily="34" charset="0"/>
                 <a:cs typeface="Intel Clear Light" panose="020B0404020203020204" pitchFamily="34" charset="0"/>
               </a:rPr>
@@ -12174,7 +9980,6 @@
             </a:r>
             <a:r>
               <a:rPr lang="en-US" sz="2100" dirty="0" err="1">
-                <a:latin typeface="Intel Clear Light" panose="020B0404020203020204" pitchFamily="34" charset="0"/>
                 <a:ea typeface="Intel Clear Light" panose="020B0404020203020204" pitchFamily="34" charset="0"/>
                 <a:cs typeface="Intel Clear Light" panose="020B0404020203020204" pitchFamily="34" charset="0"/>
               </a:rPr>
@@ -12182,7 +9987,6 @@
             </a:r>
             <a:r>
               <a:rPr lang="en-US" sz="2100" dirty="0">
-                <a:latin typeface="Intel Clear Light" panose="020B0404020203020204" pitchFamily="34" charset="0"/>
                 <a:ea typeface="Intel Clear Light" panose="020B0404020203020204" pitchFamily="34" charset="0"/>
                 <a:cs typeface="Intel Clear Light" panose="020B0404020203020204" pitchFamily="34" charset="0"/>
               </a:rPr>
@@ -12196,7 +10000,6 @@
             </a:pPr>
             <a:r>
               <a:rPr lang="en-US" sz="1900" i="1" dirty="0">
-                <a:latin typeface="Intel Clear Light" panose="020B0404020203020204" pitchFamily="34" charset="0"/>
                 <a:ea typeface="Intel Clear Light" panose="020B0404020203020204" pitchFamily="34" charset="0"/>
                 <a:cs typeface="Intel Clear Light" panose="020B0404020203020204" pitchFamily="34" charset="0"/>
               </a:rPr>
@@ -12210,14 +10013,12 @@
             </a:pPr>
             <a:r>
               <a:rPr lang="en-US" sz="1900" i="1" dirty="0">
-                <a:latin typeface="Intel Clear Light" panose="020B0404020203020204" pitchFamily="34" charset="0"/>
                 <a:ea typeface="Intel Clear Light" panose="020B0404020203020204" pitchFamily="34" charset="0"/>
                 <a:cs typeface="Intel Clear Light" panose="020B0404020203020204" pitchFamily="34" charset="0"/>
               </a:rPr>
               <a:t>It--</a:t>
             </a:r>
             <a:endParaRPr lang="en-US" sz="1900" dirty="0">
-              <a:latin typeface="Intel Clear Light" panose="020B0404020203020204" pitchFamily="34" charset="0"/>
               <a:ea typeface="Intel Clear Light" panose="020B0404020203020204" pitchFamily="34" charset="0"/>
               <a:cs typeface="Intel Clear Light" panose="020B0404020203020204" pitchFamily="34" charset="0"/>
             </a:endParaRPr>
@@ -12227,14 +10028,12 @@
               <a:buNone/>
             </a:pPr>
             <a:endParaRPr lang="ru-RU" sz="1900" i="1" dirty="0">
-              <a:latin typeface="Intel Clear Light" panose="020B0404020203020204" pitchFamily="34" charset="0"/>
               <a:ea typeface="Intel Clear Light" panose="020B0404020203020204" pitchFamily="34" charset="0"/>
               <a:cs typeface="Intel Clear Light" panose="020B0404020203020204" pitchFamily="34" charset="0"/>
             </a:endParaRPr>
           </a:p>
           <a:p>
             <a:endParaRPr lang="en-US" dirty="0">
-              <a:latin typeface="Intel Clear Light" panose="020B0404020203020204" pitchFamily="34" charset="0"/>
               <a:ea typeface="Intel Clear Light" panose="020B0404020203020204" pitchFamily="34" charset="0"/>
               <a:cs typeface="Intel Clear Light" panose="020B0404020203020204" pitchFamily="34" charset="0"/>
             </a:endParaRPr>
@@ -12995,7 +10794,6 @@
           <a:p>
             <a:r>
               <a:rPr lang="en-US" sz="2100" dirty="0">
-                <a:latin typeface="Intel Clear Light" panose="020B0404020203020204" pitchFamily="34" charset="0"/>
                 <a:ea typeface="Intel Clear Light" panose="020B0404020203020204" pitchFamily="34" charset="0"/>
                 <a:cs typeface="Intel Clear Light" panose="020B0404020203020204" pitchFamily="34" charset="0"/>
               </a:rPr>
@@ -13003,14 +10801,12 @@
             </a:r>
             <a:r>
               <a:rPr lang="en-US" sz="2100" i="1" dirty="0">
-                <a:latin typeface="Intel Clear Light" panose="020B0404020203020204" pitchFamily="34" charset="0"/>
                 <a:ea typeface="Intel Clear Light" panose="020B0404020203020204" pitchFamily="34" charset="0"/>
                 <a:cs typeface="Intel Clear Light" panose="020B0404020203020204" pitchFamily="34" charset="0"/>
               </a:rPr>
               <a:t>std::list::iterator</a:t>
             </a:r>
             <a:endParaRPr lang="en-US" sz="1900" dirty="0">
-              <a:latin typeface="Intel Clear Light" panose="020B0404020203020204" pitchFamily="34" charset="0"/>
               <a:ea typeface="Intel Clear Light" panose="020B0404020203020204" pitchFamily="34" charset="0"/>
               <a:cs typeface="Intel Clear Light" panose="020B0404020203020204" pitchFamily="34" charset="0"/>
             </a:endParaRPr>
@@ -13020,14 +10816,12 @@
               <a:buNone/>
             </a:pPr>
             <a:endParaRPr lang="ru-RU" sz="1900" i="1" dirty="0">
-              <a:latin typeface="Intel Clear Light" panose="020B0404020203020204" pitchFamily="34" charset="0"/>
               <a:ea typeface="Intel Clear Light" panose="020B0404020203020204" pitchFamily="34" charset="0"/>
               <a:cs typeface="Intel Clear Light" panose="020B0404020203020204" pitchFamily="34" charset="0"/>
             </a:endParaRPr>
           </a:p>
           <a:p>
             <a:endParaRPr lang="en-US" dirty="0">
-              <a:latin typeface="Intel Clear Light" panose="020B0404020203020204" pitchFamily="34" charset="0"/>
               <a:ea typeface="Intel Clear Light" panose="020B0404020203020204" pitchFamily="34" charset="0"/>
               <a:cs typeface="Intel Clear Light" panose="020B0404020203020204" pitchFamily="34" charset="0"/>
             </a:endParaRPr>
@@ -13100,7 +10894,7 @@
           <a:p>
             <a:r>
               <a:rPr lang="en-US" dirty="0">
-                <a:latin typeface="Intel Clear Pro Bold" panose="020B0804020202060201" pitchFamily="34" charset="-52"/>
+                <a:latin typeface="+mn-lt"/>
                 <a:ea typeface="Intel Clear Pro Bold" panose="020B0804020202060201" pitchFamily="34" charset="-52"/>
                 <a:cs typeface="Intel Clear Pro Bold" panose="020B0804020202060201" pitchFamily="34" charset="-52"/>
               </a:rPr>
@@ -13303,7 +11097,6 @@
           <a:p>
             <a:r>
               <a:rPr lang="en-US" sz="2100" dirty="0">
-                <a:latin typeface="Intel Clear Light" panose="020B0404020203020204" pitchFamily="34" charset="0"/>
                 <a:ea typeface="Intel Clear Light" panose="020B0404020203020204" pitchFamily="34" charset="0"/>
                 <a:cs typeface="Intel Clear Light" panose="020B0404020203020204" pitchFamily="34" charset="0"/>
               </a:rPr>
@@ -13311,7 +11104,6 @@
             </a:r>
             <a:r>
               <a:rPr lang="en-US" sz="2100" dirty="0" err="1">
-                <a:latin typeface="Intel Clear Light" panose="020B0404020203020204" pitchFamily="34" charset="0"/>
                 <a:ea typeface="Intel Clear Light" panose="020B0404020203020204" pitchFamily="34" charset="0"/>
                 <a:cs typeface="Intel Clear Light" panose="020B0404020203020204" pitchFamily="34" charset="0"/>
               </a:rPr>
@@ -13319,7 +11111,6 @@
             </a:r>
             <a:r>
               <a:rPr lang="en-US" sz="2100" dirty="0">
-                <a:latin typeface="Intel Clear Light" panose="020B0404020203020204" pitchFamily="34" charset="0"/>
                 <a:ea typeface="Intel Clear Light" panose="020B0404020203020204" pitchFamily="34" charset="0"/>
                 <a:cs typeface="Intel Clear Light" panose="020B0404020203020204" pitchFamily="34" charset="0"/>
               </a:rPr>
@@ -13327,7 +11118,6 @@
             </a:r>
             <a:r>
               <a:rPr lang="en-US" sz="2100" dirty="0" err="1">
-                <a:latin typeface="Intel Clear Light" panose="020B0404020203020204" pitchFamily="34" charset="0"/>
                 <a:ea typeface="Intel Clear Light" panose="020B0404020203020204" pitchFamily="34" charset="0"/>
                 <a:cs typeface="Intel Clear Light" panose="020B0404020203020204" pitchFamily="34" charset="0"/>
               </a:rPr>
@@ -13335,7 +11125,6 @@
             </a:r>
             <a:r>
               <a:rPr lang="en-US" sz="2100" dirty="0">
-                <a:latin typeface="Intel Clear Light" panose="020B0404020203020204" pitchFamily="34" charset="0"/>
                 <a:ea typeface="Intel Clear Light" panose="020B0404020203020204" pitchFamily="34" charset="0"/>
                 <a:cs typeface="Intel Clear Light" panose="020B0404020203020204" pitchFamily="34" charset="0"/>
               </a:rPr>
@@ -13343,7 +11132,6 @@
             </a:r>
             <a:r>
               <a:rPr lang="en-US" sz="2100" b="1" dirty="0">
-                <a:latin typeface="Intel Clear Light" panose="020B0404020203020204" pitchFamily="34" charset="0"/>
                 <a:ea typeface="Intel Clear Light" panose="020B0404020203020204" pitchFamily="34" charset="0"/>
                 <a:cs typeface="Intel Clear Light" panose="020B0404020203020204" pitchFamily="34" charset="0"/>
               </a:rPr>
@@ -13351,7 +11139,6 @@
             </a:r>
             <a:r>
               <a:rPr lang="en-US" sz="2100" dirty="0">
-                <a:latin typeface="Intel Clear Light" panose="020B0404020203020204" pitchFamily="34" charset="0"/>
                 <a:ea typeface="Intel Clear Light" panose="020B0404020203020204" pitchFamily="34" charset="0"/>
                 <a:cs typeface="Intel Clear Light" panose="020B0404020203020204" pitchFamily="34" charset="0"/>
               </a:rPr>
@@ -13365,7 +11152,6 @@
             </a:pPr>
             <a:r>
               <a:rPr lang="en-US" sz="1900" i="1" dirty="0">
-                <a:latin typeface="Intel Clear Light" panose="020B0404020203020204" pitchFamily="34" charset="0"/>
                 <a:ea typeface="Intel Clear Light" panose="020B0404020203020204" pitchFamily="34" charset="0"/>
                 <a:cs typeface="Intel Clear Light" panose="020B0404020203020204" pitchFamily="34" charset="0"/>
               </a:rPr>
@@ -13379,7 +11165,6 @@
             </a:pPr>
             <a:r>
               <a:rPr lang="en-US" sz="1900" i="1" dirty="0">
-                <a:latin typeface="Intel Clear Light" panose="020B0404020203020204" pitchFamily="34" charset="0"/>
                 <a:ea typeface="Intel Clear Light" panose="020B0404020203020204" pitchFamily="34" charset="0"/>
                 <a:cs typeface="Intel Clear Light" panose="020B0404020203020204" pitchFamily="34" charset="0"/>
               </a:rPr>
@@ -13393,7 +11178,6 @@
             </a:pPr>
             <a:r>
               <a:rPr lang="en-US" sz="1900" i="1" dirty="0">
-                <a:latin typeface="Intel Clear Light" panose="020B0404020203020204" pitchFamily="34" charset="0"/>
                 <a:ea typeface="Intel Clear Light" panose="020B0404020203020204" pitchFamily="34" charset="0"/>
                 <a:cs typeface="Intel Clear Light" panose="020B0404020203020204" pitchFamily="34" charset="0"/>
               </a:rPr>
@@ -13407,7 +11191,6 @@
             </a:pPr>
             <a:r>
               <a:rPr lang="en-US" sz="1900" i="1" dirty="0">
-                <a:latin typeface="Intel Clear Light" panose="020B0404020203020204" pitchFamily="34" charset="0"/>
                 <a:ea typeface="Intel Clear Light" panose="020B0404020203020204" pitchFamily="34" charset="0"/>
                 <a:cs typeface="Intel Clear Light" panose="020B0404020203020204" pitchFamily="34" charset="0"/>
               </a:rPr>
@@ -13421,7 +11204,6 @@
             </a:pPr>
             <a:r>
               <a:rPr lang="en-US" sz="1900" dirty="0">
-                <a:latin typeface="Intel Clear Light" panose="020B0404020203020204" pitchFamily="34" charset="0"/>
                 <a:ea typeface="Intel Clear Light" panose="020B0404020203020204" pitchFamily="34" charset="0"/>
                 <a:cs typeface="Intel Clear Light" panose="020B0404020203020204" pitchFamily="34" charset="0"/>
               </a:rPr>
@@ -13435,7 +11217,6 @@
             </a:pPr>
             <a:r>
               <a:rPr lang="en-US" sz="1700" i="1" dirty="0">
-                <a:latin typeface="Intel Clear Light" panose="020B0404020203020204" pitchFamily="34" charset="0"/>
                 <a:ea typeface="Intel Clear Light" panose="020B0404020203020204" pitchFamily="34" charset="0"/>
                 <a:cs typeface="Intel Clear Light" panose="020B0404020203020204" pitchFamily="34" charset="0"/>
               </a:rPr>
@@ -13448,7 +11229,6 @@
               <a:buChar char="•"/>
             </a:pPr>
             <a:endParaRPr lang="en-US" sz="1900" i="1" dirty="0">
-              <a:latin typeface="Intel Clear Light" panose="020B0404020203020204" pitchFamily="34" charset="0"/>
               <a:ea typeface="Intel Clear Light" panose="020B0404020203020204" pitchFamily="34" charset="0"/>
               <a:cs typeface="Intel Clear Light" panose="020B0404020203020204" pitchFamily="34" charset="0"/>
             </a:endParaRPr>
@@ -13459,7 +11239,6 @@
               <a:buChar char="•"/>
             </a:pPr>
             <a:endParaRPr lang="en-US" sz="1900" dirty="0">
-              <a:latin typeface="Intel Clear Light" panose="020B0404020203020204" pitchFamily="34" charset="0"/>
               <a:ea typeface="Intel Clear Light" panose="020B0404020203020204" pitchFamily="34" charset="0"/>
               <a:cs typeface="Intel Clear Light" panose="020B0404020203020204" pitchFamily="34" charset="0"/>
             </a:endParaRPr>
@@ -13469,14 +11248,12 @@
               <a:buNone/>
             </a:pPr>
             <a:endParaRPr lang="ru-RU" sz="1900" i="1" dirty="0">
-              <a:latin typeface="Intel Clear Light" panose="020B0404020203020204" pitchFamily="34" charset="0"/>
               <a:ea typeface="Intel Clear Light" panose="020B0404020203020204" pitchFamily="34" charset="0"/>
               <a:cs typeface="Intel Clear Light" panose="020B0404020203020204" pitchFamily="34" charset="0"/>
             </a:endParaRPr>
           </a:p>
           <a:p>
             <a:endParaRPr lang="en-US" dirty="0">
-              <a:latin typeface="Intel Clear Light" panose="020B0404020203020204" pitchFamily="34" charset="0"/>
               <a:ea typeface="Intel Clear Light" panose="020B0404020203020204" pitchFamily="34" charset="0"/>
               <a:cs typeface="Intel Clear Light" panose="020B0404020203020204" pitchFamily="34" charset="0"/>
             </a:endParaRPr>
@@ -13549,7 +11326,7 @@
           <a:p>
             <a:r>
               <a:rPr lang="en-US" dirty="0">
-                <a:latin typeface="Intel Clear Pro Bold" panose="020B0804020202060201" pitchFamily="34" charset="-52"/>
+                <a:latin typeface="+mn-lt"/>
                 <a:ea typeface="Intel Clear Pro Bold" panose="020B0804020202060201" pitchFamily="34" charset="-52"/>
                 <a:cs typeface="Intel Clear Pro Bold" panose="020B0804020202060201" pitchFamily="34" charset="-52"/>
               </a:rPr>
@@ -13752,7 +11529,6 @@
           <a:p>
             <a:r>
               <a:rPr lang="en-US" sz="2100" dirty="0">
-                <a:latin typeface="Intel Clear Light" panose="020B0404020203020204" pitchFamily="34" charset="0"/>
                 <a:ea typeface="Intel Clear Light" panose="020B0404020203020204" pitchFamily="34" charset="0"/>
                 <a:cs typeface="Intel Clear Light" panose="020B0404020203020204" pitchFamily="34" charset="0"/>
               </a:rPr>
@@ -13760,14 +11536,12 @@
             </a:r>
             <a:r>
               <a:rPr lang="en-US" sz="2100" i="1" dirty="0">
-                <a:latin typeface="Intel Clear Light" panose="020B0404020203020204" pitchFamily="34" charset="0"/>
                 <a:ea typeface="Intel Clear Light" panose="020B0404020203020204" pitchFamily="34" charset="0"/>
                 <a:cs typeface="Intel Clear Light" panose="020B0404020203020204" pitchFamily="34" charset="0"/>
               </a:rPr>
               <a:t>std::vector::iterator</a:t>
             </a:r>
             <a:endParaRPr lang="en-US" sz="1700" i="1" dirty="0">
-              <a:latin typeface="Intel Clear Light" panose="020B0404020203020204" pitchFamily="34" charset="0"/>
               <a:ea typeface="Intel Clear Light" panose="020B0404020203020204" pitchFamily="34" charset="0"/>
               <a:cs typeface="Intel Clear Light" panose="020B0404020203020204" pitchFamily="34" charset="0"/>
             </a:endParaRPr>
@@ -13778,7 +11552,6 @@
               <a:buChar char="•"/>
             </a:pPr>
             <a:endParaRPr lang="en-US" sz="1900" i="1" dirty="0">
-              <a:latin typeface="Intel Clear Light" panose="020B0404020203020204" pitchFamily="34" charset="0"/>
               <a:ea typeface="Intel Clear Light" panose="020B0404020203020204" pitchFamily="34" charset="0"/>
               <a:cs typeface="Intel Clear Light" panose="020B0404020203020204" pitchFamily="34" charset="0"/>
             </a:endParaRPr>
@@ -13789,7 +11562,6 @@
               <a:buChar char="•"/>
             </a:pPr>
             <a:endParaRPr lang="en-US" sz="1900" dirty="0">
-              <a:latin typeface="Intel Clear Light" panose="020B0404020203020204" pitchFamily="34" charset="0"/>
               <a:ea typeface="Intel Clear Light" panose="020B0404020203020204" pitchFamily="34" charset="0"/>
               <a:cs typeface="Intel Clear Light" panose="020B0404020203020204" pitchFamily="34" charset="0"/>
             </a:endParaRPr>
@@ -13799,14 +11571,12 @@
               <a:buNone/>
             </a:pPr>
             <a:endParaRPr lang="ru-RU" sz="1900" i="1" dirty="0">
-              <a:latin typeface="Intel Clear Light" panose="020B0404020203020204" pitchFamily="34" charset="0"/>
               <a:ea typeface="Intel Clear Light" panose="020B0404020203020204" pitchFamily="34" charset="0"/>
               <a:cs typeface="Intel Clear Light" panose="020B0404020203020204" pitchFamily="34" charset="0"/>
             </a:endParaRPr>
           </a:p>
           <a:p>
             <a:endParaRPr lang="en-US" dirty="0">
-              <a:latin typeface="Intel Clear Light" panose="020B0404020203020204" pitchFamily="34" charset="0"/>
               <a:ea typeface="Intel Clear Light" panose="020B0404020203020204" pitchFamily="34" charset="0"/>
               <a:cs typeface="Intel Clear Light" panose="020B0404020203020204" pitchFamily="34" charset="0"/>
             </a:endParaRPr>
@@ -14338,7 +12108,7 @@
           <a:p>
             <a:r>
               <a:rPr lang="en-US" dirty="0">
-                <a:latin typeface="Intel Clear Pro Bold" panose="020B0804020202060201" pitchFamily="34" charset="-52"/>
+                <a:latin typeface="+mn-lt"/>
                 <a:ea typeface="Intel Clear Pro Bold" panose="020B0804020202060201" pitchFamily="34" charset="-52"/>
                 <a:cs typeface="Intel Clear Pro Bold" panose="020B0804020202060201" pitchFamily="34" charset="-52"/>
               </a:rPr>
@@ -14541,7 +12311,6 @@
           <a:p>
             <a:r>
               <a:rPr lang="en-US" sz="2100" dirty="0">
-                <a:latin typeface="Intel Clear Light" panose="020B0404020203020204" pitchFamily="34" charset="0"/>
                 <a:ea typeface="Intel Clear Light" panose="020B0404020203020204" pitchFamily="34" charset="0"/>
                 <a:cs typeface="Intel Clear Light" panose="020B0404020203020204" pitchFamily="34" charset="0"/>
               </a:rPr>
@@ -14549,7 +12318,6 @@
             </a:r>
             <a:r>
               <a:rPr lang="en-US" sz="2100" b="1" dirty="0" err="1">
-                <a:latin typeface="Intel Clear Light" panose="020B0404020203020204" pitchFamily="34" charset="0"/>
                 <a:ea typeface="Intel Clear Light" panose="020B0404020203020204" pitchFamily="34" charset="0"/>
                 <a:cs typeface="Intel Clear Light" panose="020B0404020203020204" pitchFamily="34" charset="0"/>
               </a:rPr>
@@ -14557,7 +12325,6 @@
             </a:r>
             <a:r>
               <a:rPr lang="en-US" sz="2100" dirty="0">
-                <a:latin typeface="Intel Clear Light" panose="020B0404020203020204" pitchFamily="34" charset="0"/>
                 <a:ea typeface="Intel Clear Light" panose="020B0404020203020204" pitchFamily="34" charset="0"/>
                 <a:cs typeface="Intel Clear Light" panose="020B0404020203020204" pitchFamily="34" charset="0"/>
               </a:rPr>
@@ -14565,7 +12332,6 @@
             </a:r>
             <a:r>
               <a:rPr lang="en-US" sz="2100" dirty="0" err="1">
-                <a:latin typeface="Intel Clear Light" panose="020B0404020203020204" pitchFamily="34" charset="0"/>
                 <a:ea typeface="Intel Clear Light" panose="020B0404020203020204" pitchFamily="34" charset="0"/>
                 <a:cs typeface="Intel Clear Light" panose="020B0404020203020204" pitchFamily="34" charset="0"/>
               </a:rPr>
@@ -14573,7 +12339,6 @@
             </a:r>
             <a:r>
               <a:rPr lang="en-US" sz="2100" dirty="0">
-                <a:latin typeface="Intel Clear Light" panose="020B0404020203020204" pitchFamily="34" charset="0"/>
                 <a:ea typeface="Intel Clear Light" panose="020B0404020203020204" pitchFamily="34" charset="0"/>
                 <a:cs typeface="Intel Clear Light" panose="020B0404020203020204" pitchFamily="34" charset="0"/>
               </a:rPr>
@@ -14587,7 +12352,6 @@
             </a:pPr>
             <a:r>
               <a:rPr lang="en-US" sz="1900" dirty="0" err="1">
-                <a:latin typeface="Intel Clear Light" panose="020B0404020203020204" pitchFamily="34" charset="0"/>
                 <a:ea typeface="Intel Clear Light" panose="020B0404020203020204" pitchFamily="34" charset="0"/>
                 <a:cs typeface="Intel Clear Light" panose="020B0404020203020204" pitchFamily="34" charset="0"/>
               </a:rPr>
@@ -14595,7 +12359,6 @@
             </a:r>
             <a:r>
               <a:rPr lang="en-US" sz="1900" dirty="0">
-                <a:latin typeface="Intel Clear Light" panose="020B0404020203020204" pitchFamily="34" charset="0"/>
                 <a:ea typeface="Intel Clear Light" panose="020B0404020203020204" pitchFamily="34" charset="0"/>
                 <a:cs typeface="Intel Clear Light" panose="020B0404020203020204" pitchFamily="34" charset="0"/>
               </a:rPr>
@@ -14609,7 +12372,6 @@
             </a:pPr>
             <a:r>
               <a:rPr lang="en-US" sz="1900" dirty="0">
-                <a:latin typeface="Intel Clear Light" panose="020B0404020203020204" pitchFamily="34" charset="0"/>
                 <a:ea typeface="Intel Clear Light" panose="020B0404020203020204" pitchFamily="34" charset="0"/>
                 <a:cs typeface="Intel Clear Light" panose="020B0404020203020204" pitchFamily="34" charset="0"/>
               </a:rPr>
@@ -14617,7 +12379,6 @@
             </a:r>
             <a:r>
               <a:rPr lang="en-US" sz="1900" i="1" dirty="0">
-                <a:latin typeface="Intel Clear Light" panose="020B0404020203020204" pitchFamily="34" charset="0"/>
                 <a:ea typeface="Intel Clear Light" panose="020B0404020203020204" pitchFamily="34" charset="0"/>
                 <a:cs typeface="Intel Clear Light" panose="020B0404020203020204" pitchFamily="34" charset="0"/>
               </a:rPr>
@@ -14625,7 +12386,6 @@
             </a:r>
             <a:r>
               <a:rPr lang="en-US" sz="1900" dirty="0">
-                <a:latin typeface="Intel Clear Light" panose="020B0404020203020204" pitchFamily="34" charset="0"/>
                 <a:ea typeface="Intel Clear Light" panose="020B0404020203020204" pitchFamily="34" charset="0"/>
                 <a:cs typeface="Intel Clear Light" panose="020B0404020203020204" pitchFamily="34" charset="0"/>
               </a:rPr>
@@ -14637,7 +12397,6 @@
               <a:buNone/>
             </a:pPr>
             <a:endParaRPr lang="en-US" sz="1900" dirty="0">
-              <a:latin typeface="Intel Clear Light" panose="020B0404020203020204" pitchFamily="34" charset="0"/>
               <a:ea typeface="Intel Clear Light" panose="020B0404020203020204" pitchFamily="34" charset="0"/>
               <a:cs typeface="Intel Clear Light" panose="020B0404020203020204" pitchFamily="34" charset="0"/>
             </a:endParaRPr>
@@ -14647,14 +12406,12 @@
               <a:buNone/>
             </a:pPr>
             <a:endParaRPr lang="ru-RU" sz="1900" i="1" dirty="0">
-              <a:latin typeface="Intel Clear Light" panose="020B0404020203020204" pitchFamily="34" charset="0"/>
               <a:ea typeface="Intel Clear Light" panose="020B0404020203020204" pitchFamily="34" charset="0"/>
               <a:cs typeface="Intel Clear Light" panose="020B0404020203020204" pitchFamily="34" charset="0"/>
             </a:endParaRPr>
           </a:p>
           <a:p>
             <a:endParaRPr lang="en-US" dirty="0">
-              <a:latin typeface="Intel Clear Light" panose="020B0404020203020204" pitchFamily="34" charset="0"/>
               <a:ea typeface="Intel Clear Light" panose="020B0404020203020204" pitchFamily="34" charset="0"/>
               <a:cs typeface="Intel Clear Light" panose="020B0404020203020204" pitchFamily="34" charset="0"/>
             </a:endParaRPr>
@@ -14727,7 +12484,7 @@
           <a:p>
             <a:r>
               <a:rPr lang="en-US" dirty="0">
-                <a:latin typeface="Intel Clear Pro Bold" panose="020B0804020202060201" pitchFamily="34" charset="-52"/>
+                <a:latin typeface="+mn-lt"/>
                 <a:ea typeface="Intel Clear Pro Bold" panose="020B0804020202060201" pitchFamily="34" charset="-52"/>
                 <a:cs typeface="Intel Clear Pro Bold" panose="020B0804020202060201" pitchFamily="34" charset="-52"/>
               </a:rPr>
@@ -15187,7 +12944,7 @@
           <a:p>
             <a:r>
               <a:rPr lang="en-US" dirty="0">
-                <a:latin typeface="Intel Clear Pro Bold" panose="020B0804020202060201" pitchFamily="34" charset="-52"/>
+                <a:latin typeface="+mn-lt"/>
                 <a:ea typeface="Intel Clear Pro Bold" panose="020B0804020202060201" pitchFamily="34" charset="-52"/>
                 <a:cs typeface="Intel Clear Pro Bold" panose="020B0804020202060201" pitchFamily="34" charset="-52"/>
               </a:rPr>
@@ -15870,7 +13627,7 @@
             </a:pPr>
             <a:r>
               <a:rPr lang="en-US" sz="2100" dirty="0">
-                <a:latin typeface="Intel Clear Light" panose="020B0404020203020204" pitchFamily="34" charset="0"/>
+                <a:latin typeface=" Calibri"/>
                 <a:ea typeface="Intel Clear Light" panose="020B0404020203020204" pitchFamily="34" charset="0"/>
                 <a:cs typeface="Intel Clear Light" panose="020B0404020203020204" pitchFamily="34" charset="0"/>
               </a:rPr>
@@ -15884,7 +13641,7 @@
             </a:pPr>
             <a:r>
               <a:rPr lang="en-US" sz="2100" dirty="0">
-                <a:latin typeface="Intel Clear Light" panose="020B0404020203020204" pitchFamily="34" charset="0"/>
+                <a:latin typeface=" Calibri"/>
                 <a:ea typeface="Intel Clear Light" panose="020B0404020203020204" pitchFamily="34" charset="0"/>
                 <a:cs typeface="Intel Clear Light" panose="020B0404020203020204" pitchFamily="34" charset="0"/>
               </a:rPr>
@@ -15898,7 +13655,7 @@
             </a:pPr>
             <a:r>
               <a:rPr lang="en-US" sz="2100" dirty="0">
-                <a:latin typeface="Intel Clear Light" panose="020B0404020203020204" pitchFamily="34" charset="0"/>
+                <a:latin typeface=" Calibri"/>
                 <a:ea typeface="Intel Clear Light" panose="020B0404020203020204" pitchFamily="34" charset="0"/>
                 <a:cs typeface="Intel Clear Light" panose="020B0404020203020204" pitchFamily="34" charset="0"/>
               </a:rPr>
@@ -15912,14 +13669,14 @@
             </a:pPr>
             <a:r>
               <a:rPr lang="en-US" sz="2100" dirty="0">
-                <a:latin typeface="Intel Clear Light" panose="020B0404020203020204" pitchFamily="34" charset="0"/>
+                <a:latin typeface=" Calibri"/>
                 <a:ea typeface="Intel Clear Light" panose="020B0404020203020204" pitchFamily="34" charset="0"/>
                 <a:cs typeface="Intel Clear Light" panose="020B0404020203020204" pitchFamily="34" charset="0"/>
               </a:rPr>
               <a:t>Container adaptors</a:t>
             </a:r>
             <a:endParaRPr lang="ru-RU" sz="2100" dirty="0">
-              <a:latin typeface="Intel Clear Light" panose="020B0404020203020204" pitchFamily="34" charset="0"/>
+              <a:latin typeface=" Calibri"/>
               <a:ea typeface="Intel Clear Light" panose="020B0404020203020204" pitchFamily="34" charset="0"/>
               <a:cs typeface="Intel Clear Light" panose="020B0404020203020204" pitchFamily="34" charset="0"/>
             </a:endParaRPr>
@@ -15962,7 +13719,7 @@
           <a:p>
             <a:r>
               <a:rPr lang="en-US" dirty="0">
-                <a:latin typeface="Intel Clear Pro Bold" panose="020B0804020202060201" pitchFamily="34" charset="-52"/>
+                <a:latin typeface="Calibri" panose="020F0502020204030204" pitchFamily="34" charset="0"/>
                 <a:ea typeface="Intel Clear Pro Bold" panose="020B0804020202060201" pitchFamily="34" charset="-52"/>
                 <a:cs typeface="Intel Clear Pro Bold" panose="020B0804020202060201" pitchFamily="34" charset="-52"/>
               </a:rPr>
@@ -15970,7 +13727,7 @@
             </a:r>
             <a:r>
               <a:rPr lang="ru-RU" dirty="0">
-                <a:latin typeface="Intel Clear Pro Bold" panose="020B0804020202060201" pitchFamily="34" charset="-52"/>
+                <a:latin typeface="Calibri" panose="020F0502020204030204" pitchFamily="34" charset="0"/>
                 <a:ea typeface="Intel Clear Pro Bold" panose="020B0804020202060201" pitchFamily="34" charset="-52"/>
                 <a:cs typeface="Intel Clear Pro Bold" panose="020B0804020202060201" pitchFamily="34" charset="-52"/>
               </a:rPr>
@@ -15978,7 +13735,7 @@
             </a:r>
             <a:r>
               <a:rPr lang="en-US" dirty="0">
-                <a:latin typeface="Intel Clear Pro Bold" panose="020B0804020202060201" pitchFamily="34" charset="-52"/>
+                <a:latin typeface="Calibri" panose="020F0502020204030204" pitchFamily="34" charset="0"/>
                 <a:ea typeface="Intel Clear Pro Bold" panose="020B0804020202060201" pitchFamily="34" charset="-52"/>
                 <a:cs typeface="Intel Clear Pro Bold" panose="020B0804020202060201" pitchFamily="34" charset="-52"/>
               </a:rPr>
@@ -15986,7 +13743,7 @@
             </a:r>
             <a:r>
               <a:rPr lang="ru-RU" dirty="0">
-                <a:latin typeface="Intel Clear Pro Bold" panose="020B0804020202060201" pitchFamily="34" charset="-52"/>
+                <a:latin typeface="Calibri" panose="020F0502020204030204" pitchFamily="34" charset="0"/>
                 <a:ea typeface="Intel Clear Pro Bold" panose="020B0804020202060201" pitchFamily="34" charset="-52"/>
                 <a:cs typeface="Intel Clear Pro Bold" panose="020B0804020202060201" pitchFamily="34" charset="-52"/>
               </a:rPr>
@@ -15994,7 +13751,7 @@
             </a:r>
             <a:r>
               <a:rPr lang="en-US" dirty="0">
-                <a:latin typeface="Intel Clear Pro Bold" panose="020B0804020202060201" pitchFamily="34" charset="-52"/>
+                <a:latin typeface="Calibri" panose="020F0502020204030204" pitchFamily="34" charset="0"/>
                 <a:ea typeface="Intel Clear Pro Bold" panose="020B0804020202060201" pitchFamily="34" charset="-52"/>
                 <a:cs typeface="Intel Clear Pro Bold" panose="020B0804020202060201" pitchFamily="34" charset="-52"/>
               </a:rPr>
@@ -16074,9 +13831,17 @@
             </a:lvl1pPr>
           </a:lstStyle>
           <a:p>
-            <a:r>
-              <a:rPr lang="en-US" dirty="0">
-                <a:latin typeface="Intel Clear Pro Bold" panose="020B0804020202060201" pitchFamily="34" charset="-52"/>
+            <a:pPr defTabSz="685800">
+              <a:lnSpc>
+                <a:spcPct val="90000"/>
+              </a:lnSpc>
+            </a:pPr>
+            <a:r>
+              <a:rPr lang="en-US" sz="3300" dirty="0">
+                <a:solidFill>
+                  <a:schemeClr val="tx1"/>
+                </a:solidFill>
+                <a:latin typeface="Calibri" panose="020F0502020204030204" pitchFamily="34" charset="0"/>
                 <a:ea typeface="Intel Clear Pro Bold" panose="020B0804020202060201" pitchFamily="34" charset="-52"/>
                 <a:cs typeface="Intel Clear Pro Bold" panose="020B0804020202060201" pitchFamily="34" charset="-52"/>
               </a:rPr>
@@ -16269,7 +14034,7 @@
             </a:pPr>
             <a:r>
               <a:rPr lang="en-US" sz="2100" dirty="0">
-                <a:latin typeface="Intel Clear Light" panose="020B0404020203020204" pitchFamily="34" charset="0"/>
+                <a:latin typeface=" Calibri"/>
                 <a:ea typeface="Intel Clear Light" panose="020B0404020203020204" pitchFamily="34" charset="0"/>
                 <a:cs typeface="Intel Clear Light" panose="020B0404020203020204" pitchFamily="34" charset="0"/>
               </a:rPr>
@@ -16358,7 +14123,7 @@
           <a:p>
             <a:r>
               <a:rPr lang="en-US" dirty="0">
-                <a:latin typeface="Intel Clear Pro Bold" panose="020B0804020202060201" pitchFamily="34" charset="-52"/>
+                <a:latin typeface="+mn-lt"/>
                 <a:ea typeface="Intel Clear Pro Bold" panose="020B0804020202060201" pitchFamily="34" charset="-52"/>
                 <a:cs typeface="Intel Clear Pro Bold" panose="020B0804020202060201" pitchFamily="34" charset="-52"/>
               </a:rPr>
@@ -16737,7 +14502,6 @@
           <a:p>
             <a:r>
               <a:rPr lang="en-US" sz="1900" i="1" dirty="0">
-                <a:latin typeface="Intel Clear Light" panose="020B0404020203020204" pitchFamily="34" charset="0"/>
                 <a:ea typeface="Intel Clear Light" panose="020B0404020203020204" pitchFamily="34" charset="0"/>
                 <a:cs typeface="Intel Clear Light" panose="020B0404020203020204" pitchFamily="34" charset="0"/>
               </a:rPr>
@@ -16747,7 +14511,6 @@
           <a:p>
             <a:r>
               <a:rPr lang="en-US" sz="1900" i="1" dirty="0">
-                <a:latin typeface="Intel Clear Light" panose="020B0404020203020204" pitchFamily="34" charset="0"/>
                 <a:ea typeface="Intel Clear Light" panose="020B0404020203020204" pitchFamily="34" charset="0"/>
                 <a:cs typeface="Intel Clear Light" panose="020B0404020203020204" pitchFamily="34" charset="0"/>
               </a:rPr>
@@ -16839,7 +14602,7 @@
           <a:p>
             <a:r>
               <a:rPr lang="en-US" dirty="0">
-                <a:latin typeface="Intel Clear Pro Bold" panose="020B0804020202060201" pitchFamily="34" charset="-52"/>
+                <a:latin typeface="+mn-lt"/>
                 <a:ea typeface="Intel Clear Pro Bold" panose="020B0804020202060201" pitchFamily="34" charset="-52"/>
                 <a:cs typeface="Intel Clear Pro Bold" panose="020B0804020202060201" pitchFamily="34" charset="-52"/>
               </a:rPr>
@@ -17175,7 +14938,7 @@
                 </a:solidFill>
                 <a:latin typeface="Consolas, "/>
               </a:rPr>
-              <a:t> : v) </a:t>
+              <a:t> : v ) </a:t>
             </a:r>
             <a:r>
               <a:rPr lang="en-US" sz="1400" dirty="0">
@@ -17228,7 +14991,7 @@
                 </a:solidFill>
                 <a:latin typeface="Consolas, "/>
               </a:rPr>
-              <a:t> (</a:t>
+              <a:t> ( </a:t>
             </a:r>
             <a:r>
               <a:rPr lang="en-US" sz="1400" dirty="0">
@@ -17264,7 +15027,7 @@
                 </a:solidFill>
                 <a:latin typeface="Consolas, "/>
               </a:rPr>
-              <a:t> : v) </a:t>
+              <a:t> : v ) </a:t>
             </a:r>
             <a:r>
               <a:rPr lang="en-US" sz="1400" dirty="0">
@@ -17353,7 +15116,7 @@
                 </a:solidFill>
                 <a:latin typeface="Consolas, "/>
               </a:rPr>
-              <a:t> : v) </a:t>
+              <a:t> : v ) </a:t>
             </a:r>
             <a:r>
               <a:rPr lang="en-US" sz="1400" dirty="0">
@@ -17488,7 +15251,7 @@
           <a:p>
             <a:r>
               <a:rPr lang="en-US" dirty="0">
-                <a:latin typeface="Intel Clear Pro Bold" panose="020B0804020202060201" pitchFamily="34" charset="-52"/>
+                <a:latin typeface="+mn-lt"/>
                 <a:ea typeface="Intel Clear Pro Bold" panose="020B0804020202060201" pitchFamily="34" charset="-52"/>
                 <a:cs typeface="Intel Clear Pro Bold" panose="020B0804020202060201" pitchFamily="34" charset="-52"/>
               </a:rPr>
@@ -18083,7 +15846,7 @@
           <a:p>
             <a:r>
               <a:rPr lang="en-US" dirty="0">
-                <a:latin typeface="Intel Clear Pro Bold" panose="020B0804020202060201" pitchFamily="34" charset="-52"/>
+                <a:latin typeface="+mn-lt"/>
                 <a:ea typeface="Intel Clear Pro Bold" panose="020B0804020202060201" pitchFamily="34" charset="-52"/>
                 <a:cs typeface="Intel Clear Pro Bold" panose="020B0804020202060201" pitchFamily="34" charset="-52"/>
               </a:rPr>
@@ -18847,7 +16610,7 @@
           <a:p>
             <a:r>
               <a:rPr lang="en-US" dirty="0">
-                <a:latin typeface="Intel Clear Pro Bold" panose="020B0804020202060201" pitchFamily="34" charset="-52"/>
+                <a:latin typeface="+mn-lt"/>
                 <a:ea typeface="Intel Clear Pro Bold" panose="020B0804020202060201" pitchFamily="34" charset="-52"/>
                 <a:cs typeface="Intel Clear Pro Bold" panose="020B0804020202060201" pitchFamily="34" charset="-52"/>
               </a:rPr>
@@ -19236,7 +16999,7 @@
           <a:p>
             <a:r>
               <a:rPr lang="en-US" dirty="0">
-                <a:latin typeface="Intel Clear Pro Bold" panose="020B0804020202060201" pitchFamily="34" charset="-52"/>
+                <a:latin typeface="+mn-lt"/>
                 <a:ea typeface="Intel Clear Pro Bold" panose="020B0804020202060201" pitchFamily="34" charset="-52"/>
                 <a:cs typeface="Intel Clear Pro Bold" panose="020B0804020202060201" pitchFamily="34" charset="-52"/>
               </a:rPr>
@@ -19708,7 +17471,7 @@
           <a:p>
             <a:r>
               <a:rPr lang="en-US" dirty="0">
-                <a:latin typeface="Intel Clear Pro Bold" panose="020B0804020202060201" pitchFamily="34" charset="-52"/>
+                <a:latin typeface="+mn-lt"/>
                 <a:ea typeface="Intel Clear Pro Bold" panose="020B0804020202060201" pitchFamily="34" charset="-52"/>
                 <a:cs typeface="Intel Clear Pro Bold" panose="020B0804020202060201" pitchFamily="34" charset="-52"/>
               </a:rPr>
@@ -20344,7 +18107,7 @@
           <a:p>
             <a:r>
               <a:rPr lang="en-US" dirty="0">
-                <a:latin typeface="Intel Clear Pro Bold" panose="020B0804020202060201" pitchFamily="34" charset="-52"/>
+                <a:latin typeface="+mn-lt"/>
                 <a:ea typeface="Intel Clear Pro Bold" panose="020B0804020202060201" pitchFamily="34" charset="-52"/>
                 <a:cs typeface="Intel Clear Pro Bold" panose="020B0804020202060201" pitchFamily="34" charset="-52"/>
               </a:rPr>
@@ -21354,7 +19117,7 @@
             </a:pPr>
             <a:r>
               <a:rPr lang="en-US" sz="2100" dirty="0">
-                <a:latin typeface="Intel Clear Light" panose="020B0404020203020204" pitchFamily="34" charset="0"/>
+                <a:latin typeface=" Calibri"/>
                 <a:ea typeface="Intel Clear Light" panose="020B0404020203020204" pitchFamily="34" charset="0"/>
                 <a:cs typeface="Intel Clear Light" panose="020B0404020203020204" pitchFamily="34" charset="0"/>
               </a:rPr>
@@ -21368,7 +19131,7 @@
             </a:pPr>
             <a:r>
               <a:rPr lang="en-US" sz="2100" dirty="0">
-                <a:latin typeface="Intel Clear Light" panose="020B0404020203020204" pitchFamily="34" charset="0"/>
+                <a:latin typeface=" Calibri"/>
                 <a:ea typeface="Intel Clear Light" panose="020B0404020203020204" pitchFamily="34" charset="0"/>
                 <a:cs typeface="Intel Clear Light" panose="020B0404020203020204" pitchFamily="34" charset="0"/>
               </a:rPr>
@@ -21382,7 +19145,7 @@
             </a:pPr>
             <a:r>
               <a:rPr lang="en-US" sz="2100" dirty="0">
-                <a:latin typeface="Intel Clear Light" panose="020B0404020203020204" pitchFamily="34" charset="0"/>
+                <a:latin typeface=" Calibri"/>
                 <a:ea typeface="Intel Clear Light" panose="020B0404020203020204" pitchFamily="34" charset="0"/>
                 <a:cs typeface="Intel Clear Light" panose="020B0404020203020204" pitchFamily="34" charset="0"/>
               </a:rPr>
@@ -21396,14 +19159,14 @@
             </a:pPr>
             <a:r>
               <a:rPr lang="en-US" sz="2100" dirty="0">
-                <a:latin typeface="Intel Clear Light" panose="020B0404020203020204" pitchFamily="34" charset="0"/>
+                <a:latin typeface=" Calibri"/>
                 <a:ea typeface="Intel Clear Light" panose="020B0404020203020204" pitchFamily="34" charset="0"/>
                 <a:cs typeface="Intel Clear Light" panose="020B0404020203020204" pitchFamily="34" charset="0"/>
               </a:rPr>
               <a:t>Container adaptors</a:t>
             </a:r>
             <a:endParaRPr lang="ru-RU" sz="2100" dirty="0">
-              <a:latin typeface="Intel Clear Light" panose="020B0404020203020204" pitchFamily="34" charset="0"/>
+              <a:latin typeface=" Calibri"/>
               <a:ea typeface="Intel Clear Light" panose="020B0404020203020204" pitchFamily="34" charset="0"/>
               <a:cs typeface="Intel Clear Light" panose="020B0404020203020204" pitchFamily="34" charset="0"/>
             </a:endParaRPr>
@@ -21446,7 +19209,7 @@
           <a:p>
             <a:r>
               <a:rPr lang="en-US" dirty="0">
-                <a:latin typeface="Intel Clear Pro Bold" panose="020B0804020202060201" pitchFamily="34" charset="-52"/>
+                <a:latin typeface="Calibri" panose="020F0502020204030204" pitchFamily="34" charset="0"/>
                 <a:ea typeface="Intel Clear Pro Bold" panose="020B0804020202060201" pitchFamily="34" charset="-52"/>
                 <a:cs typeface="Intel Clear Pro Bold" panose="020B0804020202060201" pitchFamily="34" charset="-52"/>
               </a:rPr>
@@ -21454,7 +19217,7 @@
             </a:r>
             <a:r>
               <a:rPr lang="ru-RU" dirty="0">
-                <a:latin typeface="Intel Clear Pro Bold" panose="020B0804020202060201" pitchFamily="34" charset="-52"/>
+                <a:latin typeface="Calibri" panose="020F0502020204030204" pitchFamily="34" charset="0"/>
                 <a:ea typeface="Intel Clear Pro Bold" panose="020B0804020202060201" pitchFamily="34" charset="-52"/>
                 <a:cs typeface="Intel Clear Pro Bold" panose="020B0804020202060201" pitchFamily="34" charset="-52"/>
               </a:rPr>
@@ -21462,7 +19225,7 @@
             </a:r>
             <a:r>
               <a:rPr lang="en-US" dirty="0">
-                <a:latin typeface="Intel Clear Pro Bold" panose="020B0804020202060201" pitchFamily="34" charset="-52"/>
+                <a:latin typeface="Calibri" panose="020F0502020204030204" pitchFamily="34" charset="0"/>
                 <a:ea typeface="Intel Clear Pro Bold" panose="020B0804020202060201" pitchFamily="34" charset="-52"/>
                 <a:cs typeface="Intel Clear Pro Bold" panose="020B0804020202060201" pitchFamily="34" charset="-52"/>
               </a:rPr>
@@ -21470,7 +19233,7 @@
             </a:r>
             <a:r>
               <a:rPr lang="ru-RU" dirty="0">
-                <a:latin typeface="Intel Clear Pro Bold" panose="020B0804020202060201" pitchFamily="34" charset="-52"/>
+                <a:latin typeface="Calibri" panose="020F0502020204030204" pitchFamily="34" charset="0"/>
                 <a:ea typeface="Intel Clear Pro Bold" panose="020B0804020202060201" pitchFamily="34" charset="-52"/>
                 <a:cs typeface="Intel Clear Pro Bold" panose="020B0804020202060201" pitchFamily="34" charset="-52"/>
               </a:rPr>
@@ -21478,7 +19241,7 @@
             </a:r>
             <a:r>
               <a:rPr lang="en-US" dirty="0">
-                <a:latin typeface="Intel Clear Pro Bold" panose="020B0804020202060201" pitchFamily="34" charset="-52"/>
+                <a:latin typeface="Calibri" panose="020F0502020204030204" pitchFamily="34" charset="0"/>
                 <a:ea typeface="Intel Clear Pro Bold" panose="020B0804020202060201" pitchFamily="34" charset="-52"/>
                 <a:cs typeface="Intel Clear Pro Bold" panose="020B0804020202060201" pitchFamily="34" charset="-52"/>
               </a:rPr>
@@ -21558,9 +19321,17 @@
             </a:lvl1pPr>
           </a:lstStyle>
           <a:p>
-            <a:r>
-              <a:rPr lang="en-US" dirty="0">
-                <a:latin typeface="Intel Clear Pro Bold" panose="020B0804020202060201" pitchFamily="34" charset="-52"/>
+            <a:pPr defTabSz="685800">
+              <a:lnSpc>
+                <a:spcPct val="90000"/>
+              </a:lnSpc>
+            </a:pPr>
+            <a:r>
+              <a:rPr lang="en-US" sz="3300" dirty="0">
+                <a:solidFill>
+                  <a:schemeClr val="tx1"/>
+                </a:solidFill>
+                <a:latin typeface="Calibri" panose="020F0502020204030204" pitchFamily="34" charset="0"/>
                 <a:ea typeface="Intel Clear Pro Bold" panose="020B0804020202060201" pitchFamily="34" charset="-52"/>
                 <a:cs typeface="Intel Clear Pro Bold" panose="020B0804020202060201" pitchFamily="34" charset="-52"/>
               </a:rPr>
@@ -21752,11 +19523,8 @@
               <a:buChar char="•"/>
             </a:pPr>
             <a:r>
-              <a:rPr lang="en-US" sz="2100" b="1" dirty="0">
-                <a:solidFill>
-                  <a:srgbClr val="FF0000"/>
-                </a:solidFill>
-                <a:latin typeface="Intel Clear Light" panose="020B0404020203020204" pitchFamily="34" charset="0"/>
+              <a:rPr lang="en-US" sz="2100" dirty="0">
+                <a:latin typeface=" Calibri"/>
                 <a:ea typeface="Intel Clear Light" panose="020B0404020203020204" pitchFamily="34" charset="0"/>
                 <a:cs typeface="Intel Clear Light" panose="020B0404020203020204" pitchFamily="34" charset="0"/>
               </a:rPr>
@@ -21985,48 +19753,23 @@
           <a:p>
             <a:r>
               <a:rPr lang="en-US" sz="2100" dirty="0">
-                <a:latin typeface="Intel Clear Light" panose="020B0404020203020204" pitchFamily="34" charset="0"/>
+                <a:latin typeface=" Calibri"/>
                 <a:ea typeface="Intel Clear Light" panose="020B0404020203020204" pitchFamily="34" charset="0"/>
                 <a:cs typeface="Intel Clear Light" panose="020B0404020203020204" pitchFamily="34" charset="0"/>
               </a:rPr>
               <a:t>Iterator is an object which is used to traverse the sequence, read and/or write values. </a:t>
             </a:r>
-          </a:p>
-          <a:p>
-            <a:endParaRPr lang="en-US" sz="2100" dirty="0">
-              <a:latin typeface="Intel Clear Light" panose="020B0404020203020204" pitchFamily="34" charset="0"/>
-              <a:ea typeface="Intel Clear Light" panose="020B0404020203020204" pitchFamily="34" charset="0"/>
-              <a:cs typeface="Intel Clear Light" panose="020B0404020203020204" pitchFamily="34" charset="0"/>
-            </a:endParaRPr>
-          </a:p>
-          <a:p>
-            <a:r>
-              <a:rPr lang="en-US" sz="2100" dirty="0">
-                <a:latin typeface="Intel Clear Light" panose="020B0404020203020204" pitchFamily="34" charset="0"/>
-                <a:ea typeface="Intel Clear Light" panose="020B0404020203020204" pitchFamily="34" charset="0"/>
-                <a:cs typeface="Intel Clear Light" panose="020B0404020203020204" pitchFamily="34" charset="0"/>
-              </a:rPr>
-              <a:t>Minimal requirements:</a:t>
-            </a:r>
-            <a:endParaRPr lang="ru-RU" sz="2100" dirty="0">
-              <a:latin typeface="Intel Clear Light" panose="020B0404020203020204" pitchFamily="34" charset="0"/>
-              <a:ea typeface="Intel Clear Light" panose="020B0404020203020204" pitchFamily="34" charset="0"/>
-              <a:cs typeface="Intel Clear Light" panose="020B0404020203020204" pitchFamily="34" charset="0"/>
-            </a:endParaRPr>
           </a:p>
           <a:p>
             <a:pPr marL="342900" indent="-342900">
               <a:buFont typeface="Arial" panose="020B0604020202020204" pitchFamily="34" charset="0"/>
               <a:buChar char="•"/>
             </a:pPr>
-            <a:r>
-              <a:rPr lang="en-US" sz="2100" dirty="0">
-                <a:latin typeface="Intel Clear Light" panose="020B0404020203020204" pitchFamily="34" charset="0"/>
-                <a:ea typeface="Intel Clear Light" panose="020B0404020203020204" pitchFamily="34" charset="0"/>
-                <a:cs typeface="Intel Clear Light" panose="020B0404020203020204" pitchFamily="34" charset="0"/>
-              </a:rPr>
-              <a:t>A type with operator *</a:t>
-            </a:r>
+            <a:endParaRPr lang="en-US" sz="2100" dirty="0">
+              <a:latin typeface=" Calibri"/>
+              <a:ea typeface="Intel Clear Light" panose="020B0404020203020204" pitchFamily="34" charset="0"/>
+              <a:cs typeface="Intel Clear Light" panose="020B0404020203020204" pitchFamily="34" charset="0"/>
+            </a:endParaRPr>
           </a:p>
           <a:p>
             <a:pPr marL="342900" indent="-342900">
@@ -22035,12 +19778,17 @@
             </a:pPr>
             <a:r>
               <a:rPr lang="en-US" sz="2100" dirty="0">
-                <a:latin typeface="Intel Clear Light" panose="020B0404020203020204" pitchFamily="34" charset="0"/>
+                <a:latin typeface=" Calibri"/>
                 <a:ea typeface="Intel Clear Light" panose="020B0404020203020204" pitchFamily="34" charset="0"/>
                 <a:cs typeface="Intel Clear Light" panose="020B0404020203020204" pitchFamily="34" charset="0"/>
               </a:rPr>
-              <a:t>Directions are container-dependent</a:t>
-            </a:r>
+              <a:t>Characteristics:</a:t>
+            </a:r>
+            <a:endParaRPr lang="ru-RU" sz="2100" dirty="0">
+              <a:latin typeface=" Calibri"/>
+              <a:ea typeface="Intel Clear Light" panose="020B0404020203020204" pitchFamily="34" charset="0"/>
+              <a:cs typeface="Intel Clear Light" panose="020B0404020203020204" pitchFamily="34" charset="0"/>
+            </a:endParaRPr>
           </a:p>
           <a:p>
             <a:pPr marL="342900" indent="-342900">
@@ -22049,49 +19797,72 @@
             </a:pPr>
             <a:r>
               <a:rPr lang="en-US" sz="2100" dirty="0">
-                <a:latin typeface="Intel Clear Light" panose="020B0404020203020204" pitchFamily="34" charset="0"/>
+                <a:latin typeface=" Calibri"/>
                 <a:ea typeface="Intel Clear Light" panose="020B0404020203020204" pitchFamily="34" charset="0"/>
                 <a:cs typeface="Intel Clear Light" panose="020B0404020203020204" pitchFamily="34" charset="0"/>
               </a:rPr>
-              <a:t>Can be obtained by </a:t>
-            </a:r>
-            <a:r>
-              <a:rPr lang="en-US" sz="2100" i="1" dirty="0" err="1">
-                <a:latin typeface="Intel Clear Light" panose="020B0404020203020204" pitchFamily="34" charset="0"/>
+              <a:t>A type with operator *</a:t>
+            </a:r>
+          </a:p>
+          <a:p>
+            <a:pPr marL="342900" indent="-342900">
+              <a:buFont typeface="Arial" panose="020B0604020202020204" pitchFamily="34" charset="0"/>
+              <a:buChar char="•"/>
+            </a:pPr>
+            <a:r>
+              <a:rPr lang="en-US" sz="2100" dirty="0">
+                <a:latin typeface=" Calibri"/>
                 <a:ea typeface="Intel Clear Light" panose="020B0404020203020204" pitchFamily="34" charset="0"/>
                 <a:cs typeface="Intel Clear Light" panose="020B0404020203020204" pitchFamily="34" charset="0"/>
               </a:rPr>
-              <a:t>container.begin</a:t>
-            </a:r>
-            <a:r>
-              <a:rPr lang="en-US" sz="2100" i="1" dirty="0">
-                <a:latin typeface="Intel Clear Light" panose="020B0404020203020204" pitchFamily="34" charset="0"/>
+              <a:t>Directions are container-dependent</a:t>
+            </a:r>
+          </a:p>
+          <a:p>
+            <a:pPr marL="342900" indent="-342900">
+              <a:buFont typeface="Arial" panose="020B0604020202020204" pitchFamily="34" charset="0"/>
+              <a:buChar char="•"/>
+            </a:pPr>
+            <a:r>
+              <a:rPr lang="en-US" sz="2100" dirty="0">
+                <a:latin typeface=" Calibri"/>
                 <a:ea typeface="Intel Clear Light" panose="020B0404020203020204" pitchFamily="34" charset="0"/>
                 <a:cs typeface="Intel Clear Light" panose="020B0404020203020204" pitchFamily="34" charset="0"/>
               </a:rPr>
-              <a:t>(), </a:t>
-            </a:r>
-            <a:r>
-              <a:rPr lang="en-US" sz="2100" i="1" dirty="0" err="1">
-                <a:latin typeface="Intel Clear Light" panose="020B0404020203020204" pitchFamily="34" charset="0"/>
+              <a:t>Can be obtained by </a:t>
+            </a:r>
+            <a:r>
+              <a:rPr lang="en-US" sz="2100" dirty="0" err="1">
+                <a:latin typeface=" Calibri"/>
                 <a:ea typeface="Intel Clear Light" panose="020B0404020203020204" pitchFamily="34" charset="0"/>
                 <a:cs typeface="Intel Clear Light" panose="020B0404020203020204" pitchFamily="34" charset="0"/>
               </a:rPr>
-              <a:t>container.end</a:t>
-            </a:r>
-            <a:r>
-              <a:rPr lang="en-US" sz="2100" i="1" dirty="0">
-                <a:latin typeface="Intel Clear Light" panose="020B0404020203020204" pitchFamily="34" charset="0"/>
+              <a:t>container.begin</a:t>
+            </a:r>
+            <a:r>
+              <a:rPr lang="en-US" sz="2100" dirty="0">
+                <a:latin typeface=" Calibri"/>
                 <a:ea typeface="Intel Clear Light" panose="020B0404020203020204" pitchFamily="34" charset="0"/>
                 <a:cs typeface="Intel Clear Light" panose="020B0404020203020204" pitchFamily="34" charset="0"/>
               </a:rPr>
+              <a:t>(), </a:t>
+            </a:r>
+            <a:r>
+              <a:rPr lang="en-US" sz="2100" dirty="0" err="1">
+                <a:latin typeface=" Calibri"/>
+                <a:ea typeface="Intel Clear Light" panose="020B0404020203020204" pitchFamily="34" charset="0"/>
+                <a:cs typeface="Intel Clear Light" panose="020B0404020203020204" pitchFamily="34" charset="0"/>
+              </a:rPr>
+              <a:t>container.end</a:t>
+            </a:r>
+            <a:r>
+              <a:rPr lang="en-US" sz="2100" dirty="0">
+                <a:latin typeface=" Calibri"/>
+                <a:ea typeface="Intel Clear Light" panose="020B0404020203020204" pitchFamily="34" charset="0"/>
+                <a:cs typeface="Intel Clear Light" panose="020B0404020203020204" pitchFamily="34" charset="0"/>
+              </a:rPr>
               <a:t>(), etc.</a:t>
             </a:r>
-            <a:endParaRPr lang="en-US" sz="2100" dirty="0">
-              <a:latin typeface="Intel Clear Light" panose="020B0404020203020204" pitchFamily="34" charset="0"/>
-              <a:ea typeface="Intel Clear Light" panose="020B0404020203020204" pitchFamily="34" charset="0"/>
-              <a:cs typeface="Intel Clear Light" panose="020B0404020203020204" pitchFamily="34" charset="0"/>
-            </a:endParaRPr>
           </a:p>
           <a:p>
             <a:endParaRPr lang="en-US" dirty="0">
@@ -22124,7 +19895,7 @@
           <a:p>
             <a:r>
               <a:rPr lang="en-US" dirty="0">
-                <a:latin typeface="Intel Clear Pro Bold" panose="020B0804020202060201" pitchFamily="34" charset="-52"/>
+                <a:latin typeface="Calibri" panose="020F0502020204030204" pitchFamily="34" charset="0"/>
                 <a:ea typeface="Intel Clear Pro Bold" panose="020B0804020202060201" pitchFamily="34" charset="-52"/>
                 <a:cs typeface="Intel Clear Pro Bold" panose="020B0804020202060201" pitchFamily="34" charset="-52"/>
               </a:rPr>
@@ -22676,13 +20447,13 @@
         </p:spPr>
         <p:txBody>
           <a:bodyPr>
-            <a:normAutofit fontScale="90000"/>
+            <a:noAutofit/>
           </a:bodyPr>
           <a:lstStyle/>
           <a:p>
             <a:r>
               <a:rPr lang="en-US" dirty="0">
-                <a:latin typeface="Intel Clear Pro Bold" panose="020B0804020202060201" pitchFamily="34" charset="-52"/>
+                <a:latin typeface="Calibri" panose="020F0502020204030204" pitchFamily="34" charset="0"/>
                 <a:ea typeface="Intel Clear Pro Bold" panose="020B0804020202060201" pitchFamily="34" charset="-52"/>
                 <a:cs typeface="Intel Clear Pro Bold" panose="020B0804020202060201" pitchFamily="34" charset="-52"/>
               </a:rPr>
@@ -23234,13 +21005,13 @@
         </p:spPr>
         <p:txBody>
           <a:bodyPr>
-            <a:normAutofit fontScale="90000"/>
+            <a:noAutofit/>
           </a:bodyPr>
           <a:lstStyle/>
           <a:p>
             <a:r>
               <a:rPr lang="en-US" dirty="0">
-                <a:latin typeface="Intel Clear Pro Bold" panose="020B0804020202060201" pitchFamily="34" charset="-52"/>
+                <a:latin typeface="Calibri" panose="020F0502020204030204" pitchFamily="34" charset="0"/>
                 <a:ea typeface="Intel Clear Pro Bold" panose="020B0804020202060201" pitchFamily="34" charset="-52"/>
                 <a:cs typeface="Intel Clear Pro Bold" panose="020B0804020202060201" pitchFamily="34" charset="-52"/>
               </a:rPr>
@@ -23321,8 +21092,11 @@
           </a:lstStyle>
           <a:p>
             <a:r>
-              <a:rPr lang="en-US" dirty="0">
-                <a:latin typeface="Intel Clear Pro Bold" panose="020B0804020202060201" pitchFamily="34" charset="-52"/>
+              <a:rPr lang="en-US" sz="3300" dirty="0">
+                <a:solidFill>
+                  <a:schemeClr val="tx1"/>
+                </a:solidFill>
+                <a:latin typeface="Calibri" panose="020F0502020204030204" pitchFamily="34" charset="0"/>
                 <a:ea typeface="Intel Clear Pro Bold" panose="020B0804020202060201" pitchFamily="34" charset="-52"/>
                 <a:cs typeface="Intel Clear Pro Bold" panose="020B0804020202060201" pitchFamily="34" charset="-52"/>
               </a:rPr>
@@ -23500,8 +21274,8 @@
           </a:lstStyle>
           <a:p>
             <a:r>
-              <a:rPr lang="en-US" b="1" i="1" dirty="0">
-                <a:latin typeface="Intel Clear Light" panose="020B0404020203020204" pitchFamily="34" charset="0"/>
+              <a:rPr lang="en-US" sz="2100" dirty="0">
+                <a:latin typeface=" Calibri"/>
                 <a:ea typeface="Intel Clear Light" panose="020B0404020203020204" pitchFamily="34" charset="0"/>
                 <a:cs typeface="Intel Clear Light" panose="020B0404020203020204" pitchFamily="34" charset="0"/>
               </a:rPr>
@@ -23510,18 +21284,13 @@
           </a:p>
           <a:p>
             <a:r>
-              <a:rPr lang="en-US" b="1" i="1" dirty="0">
-                <a:latin typeface="Intel Clear Light" panose="020B0404020203020204" pitchFamily="34" charset="0"/>
+              <a:rPr lang="en-US" sz="2100" dirty="0">
+                <a:latin typeface=" Calibri"/>
                 <a:ea typeface="Intel Clear Light" panose="020B0404020203020204" pitchFamily="34" charset="0"/>
                 <a:cs typeface="Intel Clear Light" panose="020B0404020203020204" pitchFamily="34" charset="0"/>
               </a:rPr>
               <a:t>2</a:t>
             </a:r>
-            <a:endParaRPr lang="en-US" dirty="0">
-              <a:latin typeface="Intel Clear Light" panose="020B0404020203020204" pitchFamily="34" charset="0"/>
-              <a:ea typeface="Intel Clear Light" panose="020B0404020203020204" pitchFamily="34" charset="0"/>
-              <a:cs typeface="Intel Clear Light" panose="020B0404020203020204" pitchFamily="34" charset="0"/>
-            </a:endParaRPr>
           </a:p>
         </p:txBody>
       </p:sp>
@@ -23591,7 +21360,7 @@
           <a:p>
             <a:r>
               <a:rPr lang="en-US" dirty="0">
-                <a:latin typeface="Intel Clear Pro Bold" panose="020B0804020202060201" pitchFamily="34" charset="-52"/>
+                <a:latin typeface="Calibri" panose="020F0502020204030204" pitchFamily="34" charset="0"/>
                 <a:ea typeface="Intel Clear Pro Bold" panose="020B0804020202060201" pitchFamily="34" charset="-52"/>
                 <a:cs typeface="Intel Clear Pro Bold" panose="020B0804020202060201" pitchFamily="34" charset="-52"/>
               </a:rPr>
@@ -24344,7 +22113,6 @@
           <a:p>
             <a:r>
               <a:rPr lang="en-US" sz="1400" b="1" dirty="0">
-                <a:latin typeface="Intel Clear Light" panose="020B0404020203020204" pitchFamily="34" charset="0"/>
                 <a:ea typeface="Intel Clear Light" panose="020B0404020203020204" pitchFamily="34" charset="0"/>
                 <a:cs typeface="Intel Clear Light" panose="020B0404020203020204" pitchFamily="34" charset="0"/>
               </a:rPr>
@@ -24537,7 +22305,6 @@
           <a:p>
             <a:r>
               <a:rPr lang="en-US" sz="1400" b="1" dirty="0">
-                <a:latin typeface="Intel Clear Light" panose="020B0404020203020204" pitchFamily="34" charset="0"/>
                 <a:ea typeface="Intel Clear Light" panose="020B0404020203020204" pitchFamily="34" charset="0"/>
                 <a:cs typeface="Intel Clear Light" panose="020B0404020203020204" pitchFamily="34" charset="0"/>
               </a:rPr>
@@ -24730,17 +22497,15 @@
           <a:p>
             <a:r>
               <a:rPr lang="en-US" dirty="0">
-                <a:latin typeface="Intel Clear Light" panose="020B0404020203020204" pitchFamily="34" charset="0"/>
                 <a:ea typeface="Intel Clear Light" panose="020B0404020203020204" pitchFamily="34" charset="0"/>
                 <a:cs typeface="Intel Clear Light" panose="020B0404020203020204" pitchFamily="34" charset="0"/>
               </a:rPr>
-              <a:t>Container is a half-open interval [begin, end)</a:t>
-            </a:r>
-          </a:p>
-          <a:p>
-            <a:r>
-              <a:rPr lang="en-US" dirty="0">
-                <a:latin typeface="Intel Clear Light" panose="020B0404020203020204" pitchFamily="34" charset="0"/>
+              <a:t>Container can be considered as a half-open interval [begin, end)</a:t>
+            </a:r>
+          </a:p>
+          <a:p>
+            <a:r>
+              <a:rPr lang="en-US" dirty="0">
                 <a:ea typeface="Intel Clear Light" panose="020B0404020203020204" pitchFamily="34" charset="0"/>
                 <a:cs typeface="Intel Clear Light" panose="020B0404020203020204" pitchFamily="34" charset="0"/>
               </a:rPr>
@@ -24751,7 +22516,6 @@
                 <a:solidFill>
                   <a:srgbClr val="FF0000"/>
                 </a:solidFill>
-                <a:latin typeface="Intel Clear Light" panose="020B0404020203020204" pitchFamily="34" charset="0"/>
                 <a:ea typeface="Intel Clear Light" panose="020B0404020203020204" pitchFamily="34" charset="0"/>
                 <a:cs typeface="Intel Clear Light" panose="020B0404020203020204" pitchFamily="34" charset="0"/>
               </a:rPr>
@@ -24759,7 +22523,6 @@
             </a:r>
             <a:r>
               <a:rPr lang="en-US" dirty="0">
-                <a:latin typeface="Intel Clear Light" panose="020B0404020203020204" pitchFamily="34" charset="0"/>
                 <a:ea typeface="Intel Clear Light" panose="020B0404020203020204" pitchFamily="34" charset="0"/>
                 <a:cs typeface="Intel Clear Light" panose="020B0404020203020204" pitchFamily="34" charset="0"/>
               </a:rPr>
@@ -24770,7 +22533,6 @@
                 <a:solidFill>
                   <a:srgbClr val="FF0000"/>
                 </a:solidFill>
-                <a:latin typeface="Intel Clear Light" panose="020B0404020203020204" pitchFamily="34" charset="0"/>
                 <a:ea typeface="Intel Clear Light" panose="020B0404020203020204" pitchFamily="34" charset="0"/>
                 <a:cs typeface="Intel Clear Light" panose="020B0404020203020204" pitchFamily="34" charset="0"/>
               </a:rPr>
@@ -24780,7 +22542,6 @@
           <a:p>
             <a:r>
               <a:rPr lang="en-US" dirty="0">
-                <a:latin typeface="Intel Clear Light" panose="020B0404020203020204" pitchFamily="34" charset="0"/>
                 <a:ea typeface="Intel Clear Light" panose="020B0404020203020204" pitchFamily="34" charset="0"/>
                 <a:cs typeface="Intel Clear Light" panose="020B0404020203020204" pitchFamily="34" charset="0"/>
               </a:rPr>
@@ -24791,7 +22552,6 @@
                 <a:solidFill>
                   <a:srgbClr val="FF0000"/>
                 </a:solidFill>
-                <a:latin typeface="Intel Clear Light" panose="020B0404020203020204" pitchFamily="34" charset="0"/>
                 <a:ea typeface="Intel Clear Light" panose="020B0404020203020204" pitchFamily="34" charset="0"/>
                 <a:cs typeface="Intel Clear Light" panose="020B0404020203020204" pitchFamily="34" charset="0"/>
               </a:rPr>
@@ -24799,7 +22559,6 @@
             </a:r>
             <a:r>
               <a:rPr lang="en-US" dirty="0">
-                <a:latin typeface="Intel Clear Light" panose="020B0404020203020204" pitchFamily="34" charset="0"/>
                 <a:ea typeface="Intel Clear Light" panose="020B0404020203020204" pitchFamily="34" charset="0"/>
                 <a:cs typeface="Intel Clear Light" panose="020B0404020203020204" pitchFamily="34" charset="0"/>
               </a:rPr>
@@ -24810,7 +22569,6 @@
                 <a:solidFill>
                   <a:srgbClr val="FF0000"/>
                 </a:solidFill>
-                <a:latin typeface="Intel Clear Light" panose="020B0404020203020204" pitchFamily="34" charset="0"/>
                 <a:ea typeface="Intel Clear Light" panose="020B0404020203020204" pitchFamily="34" charset="0"/>
                 <a:cs typeface="Intel Clear Light" panose="020B0404020203020204" pitchFamily="34" charset="0"/>
               </a:rPr>
@@ -24818,7 +22576,6 @@
             </a:r>
             <a:r>
               <a:rPr lang="en-US" dirty="0">
-                <a:latin typeface="Intel Clear Light" panose="020B0404020203020204" pitchFamily="34" charset="0"/>
                 <a:ea typeface="Intel Clear Light" panose="020B0404020203020204" pitchFamily="34" charset="0"/>
                 <a:cs typeface="Intel Clear Light" panose="020B0404020203020204" pitchFamily="34" charset="0"/>
               </a:rPr>
@@ -24829,7 +22586,6 @@
                 <a:solidFill>
                   <a:srgbClr val="FF0000"/>
                 </a:solidFill>
-                <a:latin typeface="Intel Clear Light" panose="020B0404020203020204" pitchFamily="34" charset="0"/>
                 <a:ea typeface="Intel Clear Light" panose="020B0404020203020204" pitchFamily="34" charset="0"/>
                 <a:cs typeface="Intel Clear Light" panose="020B0404020203020204" pitchFamily="34" charset="0"/>
               </a:rPr>
@@ -24839,7 +22595,6 @@
               <a:solidFill>
                 <a:srgbClr val="FF0000"/>
               </a:solidFill>
-              <a:latin typeface="Intel Clear Light" panose="020B0404020203020204" pitchFamily="34" charset="0"/>
               <a:ea typeface="Intel Clear Light" panose="020B0404020203020204" pitchFamily="34" charset="0"/>
               <a:cs typeface="Intel Clear Light" panose="020B0404020203020204" pitchFamily="34" charset="0"/>
             </a:endParaRPr>
@@ -25070,7 +22825,6 @@
             </a:pPr>
             <a:r>
               <a:rPr lang="en-US" sz="2100" b="1" dirty="0">
-                <a:latin typeface="Intel Clear Light" panose="020B0404020203020204" pitchFamily="34" charset="0"/>
                 <a:ea typeface="Intel Clear Light" panose="020B0404020203020204" pitchFamily="34" charset="0"/>
                 <a:cs typeface="Intel Clear Light" panose="020B0404020203020204" pitchFamily="34" charset="0"/>
               </a:rPr>
@@ -25084,7 +22838,6 @@
             </a:pPr>
             <a:r>
               <a:rPr lang="en-US" sz="1900" dirty="0">
-                <a:latin typeface="Intel Clear Light" panose="020B0404020203020204" pitchFamily="34" charset="0"/>
                 <a:ea typeface="Intel Clear Light" panose="020B0404020203020204" pitchFamily="34" charset="0"/>
                 <a:cs typeface="Intel Clear Light" panose="020B0404020203020204" pitchFamily="34" charset="0"/>
               </a:rPr>
@@ -25092,7 +22845,6 @@
             </a:r>
             <a:r>
               <a:rPr lang="en-US" sz="1900" i="1" dirty="0">
-                <a:latin typeface="Intel Clear Light" panose="020B0404020203020204" pitchFamily="34" charset="0"/>
                 <a:ea typeface="Intel Clear Light" panose="020B0404020203020204" pitchFamily="34" charset="0"/>
                 <a:cs typeface="Intel Clear Light" panose="020B0404020203020204" pitchFamily="34" charset="0"/>
               </a:rPr>
@@ -25106,7 +22858,6 @@
             </a:pPr>
             <a:r>
               <a:rPr lang="en-US" sz="1900" dirty="0">
-                <a:latin typeface="Intel Clear Light" panose="020B0404020203020204" pitchFamily="34" charset="0"/>
                 <a:ea typeface="Intel Clear Light" panose="020B0404020203020204" pitchFamily="34" charset="0"/>
                 <a:cs typeface="Intel Clear Light" panose="020B0404020203020204" pitchFamily="34" charset="0"/>
               </a:rPr>
@@ -25120,7 +22871,6 @@
             </a:pPr>
             <a:r>
               <a:rPr lang="en-US" sz="1900" dirty="0">
-                <a:latin typeface="Intel Clear Light" panose="020B0404020203020204" pitchFamily="34" charset="0"/>
                 <a:ea typeface="Intel Clear Light" panose="020B0404020203020204" pitchFamily="34" charset="0"/>
                 <a:cs typeface="Intel Clear Light" panose="020B0404020203020204" pitchFamily="34" charset="0"/>
               </a:rPr>
@@ -25131,7 +22881,6 @@
                 <a:solidFill>
                   <a:srgbClr val="FF0000"/>
                 </a:solidFill>
-                <a:latin typeface="Intel Clear Light" panose="020B0404020203020204" pitchFamily="34" charset="0"/>
                 <a:ea typeface="Intel Clear Light" panose="020B0404020203020204" pitchFamily="34" charset="0"/>
                 <a:cs typeface="Intel Clear Light" panose="020B0404020203020204" pitchFamily="34" charset="0"/>
               </a:rPr>
@@ -25164,12 +22913,14 @@
           </a:xfrm>
         </p:spPr>
         <p:txBody>
-          <a:bodyPr/>
+          <a:bodyPr>
+            <a:normAutofit fontScale="90000"/>
+          </a:bodyPr>
           <a:lstStyle/>
           <a:p>
             <a:r>
               <a:rPr lang="en-US" dirty="0">
-                <a:latin typeface="Intel Clear Pro Bold" panose="020B0804020202060201" pitchFamily="34" charset="-52"/>
+                <a:latin typeface="+mn-lt"/>
                 <a:ea typeface="Intel Clear Pro Bold" panose="020B0804020202060201" pitchFamily="34" charset="-52"/>
                 <a:cs typeface="Intel Clear Pro Bold" panose="020B0804020202060201" pitchFamily="34" charset="-52"/>
               </a:rPr>
@@ -25936,7 +23687,7 @@
           <a:p>
             <a:r>
               <a:rPr lang="en-US" dirty="0">
-                <a:latin typeface="Intel Clear Pro Bold" panose="020B0804020202060201" pitchFamily="34" charset="-52"/>
+                <a:latin typeface="+mn-lt"/>
                 <a:ea typeface="Intel Clear Pro Bold" panose="020B0804020202060201" pitchFamily="34" charset="-52"/>
                 <a:cs typeface="Intel Clear Pro Bold" panose="020B0804020202060201" pitchFamily="34" charset="-52"/>
               </a:rPr>

--- a/08_iterators/08_iterators.pptx
+++ b/08_iterators/08_iterators.pptx
@@ -223,7 +223,7 @@
           <a:p>
             <a:fld id="{5BD5B299-94C6-402B-8FE2-93C183F604B2}" type="datetimeFigureOut">
               <a:rPr lang="en-US" smtClean="0"/>
-              <a:t>11/10/2020</a:t>
+              <a:t>12/29/2020</a:t>
             </a:fld>
             <a:endParaRPr lang="en-US"/>
           </a:p>
@@ -2931,7 +2931,7 @@
           <a:p>
             <a:fld id="{947EF2C3-E71D-4F8D-9558-45572174E304}" type="datetimeFigureOut">
               <a:rPr lang="en-US" smtClean="0"/>
-              <a:t>11/10/2020</a:t>
+              <a:t>12/29/2020</a:t>
             </a:fld>
             <a:endParaRPr lang="en-US"/>
           </a:p>
@@ -3129,7 +3129,7 @@
           <a:p>
             <a:fld id="{947EF2C3-E71D-4F8D-9558-45572174E304}" type="datetimeFigureOut">
               <a:rPr lang="en-US" smtClean="0"/>
-              <a:t>11/10/2020</a:t>
+              <a:t>12/29/2020</a:t>
             </a:fld>
             <a:endParaRPr lang="en-US"/>
           </a:p>
@@ -3337,7 +3337,7 @@
           <a:p>
             <a:fld id="{947EF2C3-E71D-4F8D-9558-45572174E304}" type="datetimeFigureOut">
               <a:rPr lang="en-US" smtClean="0"/>
-              <a:t>11/10/2020</a:t>
+              <a:t>12/29/2020</a:t>
             </a:fld>
             <a:endParaRPr lang="en-US"/>
           </a:p>
@@ -3535,7 +3535,7 @@
           <a:p>
             <a:fld id="{947EF2C3-E71D-4F8D-9558-45572174E304}" type="datetimeFigureOut">
               <a:rPr lang="en-US" smtClean="0"/>
-              <a:t>11/10/2020</a:t>
+              <a:t>12/29/2020</a:t>
             </a:fld>
             <a:endParaRPr lang="en-US"/>
           </a:p>
@@ -3810,7 +3810,7 @@
           <a:p>
             <a:fld id="{947EF2C3-E71D-4F8D-9558-45572174E304}" type="datetimeFigureOut">
               <a:rPr lang="en-US" smtClean="0"/>
-              <a:t>11/10/2020</a:t>
+              <a:t>12/29/2020</a:t>
             </a:fld>
             <a:endParaRPr lang="en-US"/>
           </a:p>
@@ -4075,7 +4075,7 @@
           <a:p>
             <a:fld id="{947EF2C3-E71D-4F8D-9558-45572174E304}" type="datetimeFigureOut">
               <a:rPr lang="en-US" smtClean="0"/>
-              <a:t>11/10/2020</a:t>
+              <a:t>12/29/2020</a:t>
             </a:fld>
             <a:endParaRPr lang="en-US"/>
           </a:p>
@@ -4487,7 +4487,7 @@
           <a:p>
             <a:fld id="{947EF2C3-E71D-4F8D-9558-45572174E304}" type="datetimeFigureOut">
               <a:rPr lang="en-US" smtClean="0"/>
-              <a:t>11/10/2020</a:t>
+              <a:t>12/29/2020</a:t>
             </a:fld>
             <a:endParaRPr lang="en-US"/>
           </a:p>
@@ -4628,7 +4628,7 @@
           <a:p>
             <a:fld id="{947EF2C3-E71D-4F8D-9558-45572174E304}" type="datetimeFigureOut">
               <a:rPr lang="en-US" smtClean="0"/>
-              <a:t>11/10/2020</a:t>
+              <a:t>12/29/2020</a:t>
             </a:fld>
             <a:endParaRPr lang="en-US"/>
           </a:p>
@@ -4741,7 +4741,7 @@
           <a:p>
             <a:fld id="{947EF2C3-E71D-4F8D-9558-45572174E304}" type="datetimeFigureOut">
               <a:rPr lang="en-US" smtClean="0"/>
-              <a:t>11/10/2020</a:t>
+              <a:t>12/29/2020</a:t>
             </a:fld>
             <a:endParaRPr lang="en-US"/>
           </a:p>
@@ -5052,7 +5052,7 @@
           <a:p>
             <a:fld id="{947EF2C3-E71D-4F8D-9558-45572174E304}" type="datetimeFigureOut">
               <a:rPr lang="en-US" smtClean="0"/>
-              <a:t>11/10/2020</a:t>
+              <a:t>12/29/2020</a:t>
             </a:fld>
             <a:endParaRPr lang="en-US"/>
           </a:p>
@@ -5340,7 +5340,7 @@
           <a:p>
             <a:fld id="{947EF2C3-E71D-4F8D-9558-45572174E304}" type="datetimeFigureOut">
               <a:rPr lang="en-US" smtClean="0"/>
-              <a:t>11/10/2020</a:t>
+              <a:t>12/29/2020</a:t>
             </a:fld>
             <a:endParaRPr lang="en-US"/>
           </a:p>
@@ -5581,7 +5581,7 @@
           <a:p>
             <a:fld id="{947EF2C3-E71D-4F8D-9558-45572174E304}" type="datetimeFigureOut">
               <a:rPr lang="en-US" smtClean="0"/>
-              <a:t>11/10/2020</a:t>
+              <a:t>12/29/2020</a:t>
             </a:fld>
             <a:endParaRPr lang="en-US"/>
           </a:p>
@@ -6759,7 +6759,7 @@
         </p:nvSpPr>
         <p:spPr>
           <a:xfrm>
-            <a:off x="5887235" y="2011722"/>
+            <a:off x="6084804" y="1996936"/>
             <a:ext cx="4368800" cy="2563621"/>
           </a:xfrm>
           <a:prstGeom prst="rect">
@@ -6911,10 +6911,6 @@
             </a:lvl9pPr>
           </a:lstStyle>
           <a:p>
-            <a:pPr marL="457189" indent="-457189">
-              <a:buFont typeface="Arial" panose="020B0604020202020204" pitchFamily="34" charset="0"/>
-              <a:buChar char="•"/>
-            </a:pPr>
             <a:r>
               <a:rPr lang="en-US" sz="2800" dirty="0" err="1">
                 <a:ea typeface="Intel Clear Light" panose="020B0404020203020204" pitchFamily="34" charset="0"/>
@@ -6957,8 +6953,8 @@
         </p:nvSpPr>
         <p:spPr>
           <a:xfrm>
-            <a:off x="948268" y="2011722"/>
-            <a:ext cx="4368800" cy="2563621"/>
+            <a:off x="1805003" y="2011722"/>
+            <a:ext cx="4368800" cy="4496170"/>
           </a:xfrm>
           <a:prstGeom prst="rect">
             <a:avLst/>
@@ -7109,10 +7105,6 @@
             </a:lvl9pPr>
           </a:lstStyle>
           <a:p>
-            <a:pPr marL="457189" indent="-457189">
-              <a:buFont typeface="Arial" panose="020B0604020202020204" pitchFamily="34" charset="0"/>
-              <a:buChar char="•"/>
-            </a:pPr>
             <a:r>
               <a:rPr lang="en-US" sz="2800" dirty="0" err="1">
                 <a:ea typeface="Intel Clear Light" panose="020B0404020203020204" pitchFamily="34" charset="0"/>
@@ -7126,33 +7118,18 @@
             </a:endParaRPr>
           </a:p>
           <a:p>
-            <a:pPr marL="457189" indent="-457189">
-              <a:buFont typeface="Arial" panose="020B0604020202020204" pitchFamily="34" charset="0"/>
-              <a:buChar char="•"/>
-            </a:pPr>
-            <a:r>
-              <a:rPr lang="en-US" sz="2800" dirty="0" err="1">
-                <a:ea typeface="Intel Clear Light" panose="020B0404020203020204" pitchFamily="34" charset="0"/>
-                <a:cs typeface="Intel Clear Light" panose="020B0404020203020204" pitchFamily="34" charset="0"/>
-              </a:rPr>
-              <a:t>ForwardIterator</a:t>
-            </a:r>
             <a:endParaRPr lang="en-US" sz="2800" dirty="0">
               <a:ea typeface="Intel Clear Light" panose="020B0404020203020204" pitchFamily="34" charset="0"/>
               <a:cs typeface="Intel Clear Light" panose="020B0404020203020204" pitchFamily="34" charset="0"/>
             </a:endParaRPr>
           </a:p>
           <a:p>
-            <a:pPr marL="457189" indent="-457189">
-              <a:buFont typeface="Arial" panose="020B0604020202020204" pitchFamily="34" charset="0"/>
-              <a:buChar char="•"/>
-            </a:pPr>
             <a:r>
               <a:rPr lang="en-US" sz="2800" dirty="0" err="1">
                 <a:ea typeface="Intel Clear Light" panose="020B0404020203020204" pitchFamily="34" charset="0"/>
                 <a:cs typeface="Intel Clear Light" panose="020B0404020203020204" pitchFamily="34" charset="0"/>
               </a:rPr>
-              <a:t>BidirectionalIterator</a:t>
+              <a:t>ForwardIterator</a:t>
             </a:r>
             <a:endParaRPr lang="en-US" sz="2800" dirty="0">
               <a:ea typeface="Intel Clear Light" panose="020B0404020203020204" pitchFamily="34" charset="0"/>
@@ -7160,10 +7137,31 @@
             </a:endParaRPr>
           </a:p>
           <a:p>
-            <a:pPr marL="457189" indent="-457189">
-              <a:buFont typeface="Arial" panose="020B0604020202020204" pitchFamily="34" charset="0"/>
-              <a:buChar char="•"/>
-            </a:pPr>
+            <a:endParaRPr lang="en-US" sz="2800" dirty="0">
+              <a:ea typeface="Intel Clear Light" panose="020B0404020203020204" pitchFamily="34" charset="0"/>
+              <a:cs typeface="Intel Clear Light" panose="020B0404020203020204" pitchFamily="34" charset="0"/>
+            </a:endParaRPr>
+          </a:p>
+          <a:p>
+            <a:r>
+              <a:rPr lang="en-US" sz="2800" dirty="0" err="1">
+                <a:ea typeface="Intel Clear Light" panose="020B0404020203020204" pitchFamily="34" charset="0"/>
+                <a:cs typeface="Intel Clear Light" panose="020B0404020203020204" pitchFamily="34" charset="0"/>
+              </a:rPr>
+              <a:t>BidirectionalIterator</a:t>
+            </a:r>
+            <a:endParaRPr lang="en-US" sz="2800" dirty="0">
+              <a:ea typeface="Intel Clear Light" panose="020B0404020203020204" pitchFamily="34" charset="0"/>
+              <a:cs typeface="Intel Clear Light" panose="020B0404020203020204" pitchFamily="34" charset="0"/>
+            </a:endParaRPr>
+          </a:p>
+          <a:p>
+            <a:endParaRPr lang="en-US" sz="2800" dirty="0">
+              <a:ea typeface="Intel Clear Light" panose="020B0404020203020204" pitchFamily="34" charset="0"/>
+              <a:cs typeface="Intel Clear Light" panose="020B0404020203020204" pitchFamily="34" charset="0"/>
+            </a:endParaRPr>
+          </a:p>
+          <a:p>
             <a:r>
               <a:rPr lang="en-US" sz="2800" dirty="0" err="1">
                 <a:ea typeface="Intel Clear Light" panose="020B0404020203020204" pitchFamily="34" charset="0"/>
@@ -7240,13 +7238,15 @@
               </a:ext>
             </a:extLst>
           </p:cNvPr>
-          <p:cNvCxnSpPr/>
+          <p:cNvCxnSpPr>
+            <a:cxnSpLocks/>
+          </p:cNvCxnSpPr>
           <p:nvPr/>
         </p:nvCxnSpPr>
         <p:spPr>
-          <a:xfrm flipH="1">
-            <a:off x="3766159" y="1561579"/>
-            <a:ext cx="784964" cy="450143"/>
+          <a:xfrm flipV="1">
+            <a:off x="3278659" y="1369139"/>
+            <a:ext cx="1260390" cy="586506"/>
           </a:xfrm>
           <a:prstGeom prst="straightConnector1">
             <a:avLst/>
@@ -7285,14 +7285,177 @@
           <p:nvPr/>
         </p:nvCxnSpPr>
         <p:spPr>
-          <a:xfrm>
-            <a:off x="6510522" y="1561579"/>
-            <a:ext cx="728825" cy="450143"/>
+          <a:xfrm flipH="1" flipV="1">
+            <a:off x="6173804" y="1423037"/>
+            <a:ext cx="1124920" cy="532608"/>
           </a:xfrm>
           <a:prstGeom prst="straightConnector1">
             <a:avLst/>
           </a:prstGeom>
           <a:ln>
+            <a:tailEnd type="triangle"/>
+          </a:ln>
+        </p:spPr>
+        <p:style>
+          <a:lnRef idx="1">
+            <a:schemeClr val="accent1"/>
+          </a:lnRef>
+          <a:fillRef idx="0">
+            <a:schemeClr val="accent1"/>
+          </a:fillRef>
+          <a:effectRef idx="0">
+            <a:schemeClr val="accent1"/>
+          </a:effectRef>
+          <a:fontRef idx="minor">
+            <a:schemeClr val="tx1"/>
+          </a:fontRef>
+        </p:style>
+      </p:cxnSp>
+      <p:cxnSp>
+        <p:nvCxnSpPr>
+          <p:cNvPr id="13" name="Straight Arrow Connector 12">
+            <a:extLst>
+              <a:ext uri="{FF2B5EF4-FFF2-40B4-BE49-F238E27FC236}">
+                <a16:creationId xmlns:a16="http://schemas.microsoft.com/office/drawing/2014/main" id="{3857EF3A-0ED9-4375-8519-BB7A8A5E4393}"/>
+              </a:ext>
+            </a:extLst>
+          </p:cNvPr>
+          <p:cNvCxnSpPr>
+            <a:cxnSpLocks/>
+          </p:cNvCxnSpPr>
+          <p:nvPr/>
+        </p:nvCxnSpPr>
+        <p:spPr>
+          <a:xfrm flipV="1">
+            <a:off x="2765263" y="2487828"/>
+            <a:ext cx="0" cy="617924"/>
+          </a:xfrm>
+          <a:prstGeom prst="straightConnector1">
+            <a:avLst/>
+          </a:prstGeom>
+          <a:ln>
+            <a:tailEnd type="triangle"/>
+          </a:ln>
+        </p:spPr>
+        <p:style>
+          <a:lnRef idx="1">
+            <a:schemeClr val="accent1"/>
+          </a:lnRef>
+          <a:fillRef idx="0">
+            <a:schemeClr val="accent1"/>
+          </a:fillRef>
+          <a:effectRef idx="0">
+            <a:schemeClr val="accent1"/>
+          </a:effectRef>
+          <a:fontRef idx="minor">
+            <a:schemeClr val="tx1"/>
+          </a:fontRef>
+        </p:style>
+      </p:cxnSp>
+      <p:cxnSp>
+        <p:nvCxnSpPr>
+          <p:cNvPr id="20" name="Straight Arrow Connector 19">
+            <a:extLst>
+              <a:ext uri="{FF2B5EF4-FFF2-40B4-BE49-F238E27FC236}">
+                <a16:creationId xmlns:a16="http://schemas.microsoft.com/office/drawing/2014/main" id="{FAED2B6D-C033-467F-9382-F28467590A32}"/>
+              </a:ext>
+            </a:extLst>
+          </p:cNvPr>
+          <p:cNvCxnSpPr>
+            <a:cxnSpLocks/>
+          </p:cNvCxnSpPr>
+          <p:nvPr/>
+        </p:nvCxnSpPr>
+        <p:spPr>
+          <a:xfrm flipV="1">
+            <a:off x="2765263" y="3716024"/>
+            <a:ext cx="0" cy="617924"/>
+          </a:xfrm>
+          <a:prstGeom prst="straightConnector1">
+            <a:avLst/>
+          </a:prstGeom>
+          <a:ln>
+            <a:tailEnd type="triangle"/>
+          </a:ln>
+        </p:spPr>
+        <p:style>
+          <a:lnRef idx="1">
+            <a:schemeClr val="accent1"/>
+          </a:lnRef>
+          <a:fillRef idx="0">
+            <a:schemeClr val="accent1"/>
+          </a:fillRef>
+          <a:effectRef idx="0">
+            <a:schemeClr val="accent1"/>
+          </a:effectRef>
+          <a:fontRef idx="minor">
+            <a:schemeClr val="tx1"/>
+          </a:fontRef>
+        </p:style>
+      </p:cxnSp>
+      <p:cxnSp>
+        <p:nvCxnSpPr>
+          <p:cNvPr id="21" name="Straight Arrow Connector 20">
+            <a:extLst>
+              <a:ext uri="{FF2B5EF4-FFF2-40B4-BE49-F238E27FC236}">
+                <a16:creationId xmlns:a16="http://schemas.microsoft.com/office/drawing/2014/main" id="{536E7AFD-B777-4CCE-A747-E892528C5245}"/>
+              </a:ext>
+            </a:extLst>
+          </p:cNvPr>
+          <p:cNvCxnSpPr>
+            <a:cxnSpLocks/>
+          </p:cNvCxnSpPr>
+          <p:nvPr/>
+        </p:nvCxnSpPr>
+        <p:spPr>
+          <a:xfrm flipV="1">
+            <a:off x="2766731" y="4889915"/>
+            <a:ext cx="0" cy="617924"/>
+          </a:xfrm>
+          <a:prstGeom prst="straightConnector1">
+            <a:avLst/>
+          </a:prstGeom>
+          <a:ln>
+            <a:tailEnd type="triangle"/>
+          </a:ln>
+        </p:spPr>
+        <p:style>
+          <a:lnRef idx="1">
+            <a:schemeClr val="accent1"/>
+          </a:lnRef>
+          <a:fillRef idx="0">
+            <a:schemeClr val="accent1"/>
+          </a:fillRef>
+          <a:effectRef idx="0">
+            <a:schemeClr val="accent1"/>
+          </a:effectRef>
+          <a:fontRef idx="minor">
+            <a:schemeClr val="tx1"/>
+          </a:fontRef>
+        </p:style>
+      </p:cxnSp>
+      <p:cxnSp>
+        <p:nvCxnSpPr>
+          <p:cNvPr id="26" name="Straight Arrow Connector 25">
+            <a:extLst>
+              <a:ext uri="{FF2B5EF4-FFF2-40B4-BE49-F238E27FC236}">
+                <a16:creationId xmlns:a16="http://schemas.microsoft.com/office/drawing/2014/main" id="{2BF1FAB2-70A1-4938-BC00-0A9118EBDED7}"/>
+              </a:ext>
+            </a:extLst>
+          </p:cNvPr>
+          <p:cNvCxnSpPr/>
+          <p:nvPr/>
+        </p:nvCxnSpPr>
+        <p:spPr>
+          <a:xfrm flipV="1">
+            <a:off x="4374292" y="2603157"/>
+            <a:ext cx="1710512" cy="757881"/>
+          </a:xfrm>
+          <a:prstGeom prst="straightConnector1">
+            <a:avLst/>
+          </a:prstGeom>
+          <a:ln>
+            <a:prstDash val="dash"/>
             <a:tailEnd type="triangle"/>
           </a:ln>
         </p:spPr>
@@ -7963,7 +8126,7 @@
                 <a:ea typeface="Intel Clear Light" panose="020B0404020203020204" pitchFamily="34" charset="0"/>
                 <a:cs typeface="Intel Clear Light" panose="020B0404020203020204" pitchFamily="34" charset="0"/>
               </a:rPr>
-              <a:t> should be an Iterator and define the following operations:</a:t>
+              <a:t> is an Iterator with the following operations defined:</a:t>
             </a:r>
           </a:p>
           <a:p>
@@ -8016,6 +8179,13 @@
           </a:p>
           <a:p>
             <a:r>
+              <a:rPr lang="en-US" sz="2800" b="1" dirty="0">
+                <a:ea typeface="Intel Clear Light" panose="020B0404020203020204" pitchFamily="34" charset="0"/>
+                <a:cs typeface="Intel Clear Light" panose="020B0404020203020204" pitchFamily="34" charset="0"/>
+              </a:rPr>
+              <a:t>After </a:t>
+            </a:r>
+            <a:r>
               <a:rPr lang="en-US" sz="2800" b="1" dirty="0" err="1">
                 <a:ea typeface="Intel Clear Light" panose="020B0404020203020204" pitchFamily="34" charset="0"/>
                 <a:cs typeface="Intel Clear Light" panose="020B0404020203020204" pitchFamily="34" charset="0"/>
@@ -8027,7 +8197,7 @@
                 <a:ea typeface="Intel Clear Light" panose="020B0404020203020204" pitchFamily="34" charset="0"/>
                 <a:cs typeface="Intel Clear Light" panose="020B0404020203020204" pitchFamily="34" charset="0"/>
               </a:rPr>
-              <a:t> can only be incremented once</a:t>
+              <a:t> incrementation all copies are invalidated</a:t>
             </a:r>
           </a:p>
           <a:p>
@@ -8333,7 +8503,7 @@
                 <a:ea typeface="Intel Clear Light" panose="020B0404020203020204" pitchFamily="34" charset="0"/>
                 <a:cs typeface="Intel Clear Light" panose="020B0404020203020204" pitchFamily="34" charset="0"/>
               </a:rPr>
-              <a:t> should be an </a:t>
+              <a:t> is an </a:t>
             </a:r>
             <a:r>
               <a:rPr lang="en-US" sz="2800" dirty="0" err="1">
@@ -8347,7 +8517,7 @@
                 <a:ea typeface="Intel Clear Light" panose="020B0404020203020204" pitchFamily="34" charset="0"/>
                 <a:cs typeface="Intel Clear Light" panose="020B0404020203020204" pitchFamily="34" charset="0"/>
               </a:rPr>
-              <a:t> and define the default constructor.</a:t>
+              <a:t> with the defined default constructor.</a:t>
             </a:r>
           </a:p>
           <a:p>
@@ -9440,7 +9610,7 @@
                 <a:ea typeface="Intel Clear Light" panose="020B0404020203020204" pitchFamily="34" charset="0"/>
                 <a:cs typeface="Intel Clear Light" panose="020B0404020203020204" pitchFamily="34" charset="0"/>
               </a:rPr>
-              <a:t> should be a </a:t>
+              <a:t> is a </a:t>
             </a:r>
             <a:r>
               <a:rPr lang="en-US" sz="2800" dirty="0" err="1">
@@ -9454,7 +9624,7 @@
                 <a:ea typeface="Intel Clear Light" panose="020B0404020203020204" pitchFamily="34" charset="0"/>
                 <a:cs typeface="Intel Clear Light" panose="020B0404020203020204" pitchFamily="34" charset="0"/>
               </a:rPr>
-              <a:t> and define the following operations:</a:t>
+              <a:t> with the following operations defined:</a:t>
             </a:r>
           </a:p>
           <a:p>
@@ -10408,7 +10578,7 @@
         <p:spPr>
           <a:xfrm>
             <a:off x="539749" y="1274310"/>
-            <a:ext cx="10594976" cy="4459741"/>
+            <a:ext cx="10594976" cy="4953495"/>
           </a:xfrm>
           <a:prstGeom prst="rect">
             <a:avLst/>
@@ -10578,7 +10748,7 @@
                 <a:ea typeface="Intel Clear Light" panose="020B0404020203020204" pitchFamily="34" charset="0"/>
                 <a:cs typeface="Intel Clear Light" panose="020B0404020203020204" pitchFamily="34" charset="0"/>
               </a:rPr>
-              <a:t> should be a </a:t>
+              <a:t> is a </a:t>
             </a:r>
             <a:r>
               <a:rPr lang="en-US" sz="2800" dirty="0" err="1">
@@ -10592,21 +10762,7 @@
                 <a:ea typeface="Intel Clear Light" panose="020B0404020203020204" pitchFamily="34" charset="0"/>
                 <a:cs typeface="Intel Clear Light" panose="020B0404020203020204" pitchFamily="34" charset="0"/>
               </a:rPr>
-              <a:t> and define the following operations (n is </a:t>
-            </a:r>
-            <a:r>
-              <a:rPr lang="en-US" sz="2800" b="1" dirty="0">
-                <a:ea typeface="Intel Clear Light" panose="020B0404020203020204" pitchFamily="34" charset="0"/>
-                <a:cs typeface="Intel Clear Light" panose="020B0404020203020204" pitchFamily="34" charset="0"/>
-              </a:rPr>
-              <a:t>signed </a:t>
-            </a:r>
-            <a:r>
-              <a:rPr lang="en-US" sz="2800" dirty="0">
-                <a:ea typeface="Intel Clear Light" panose="020B0404020203020204" pitchFamily="34" charset="0"/>
-                <a:cs typeface="Intel Clear Light" panose="020B0404020203020204" pitchFamily="34" charset="0"/>
-              </a:rPr>
-              <a:t>integer):</a:t>
+              <a:t> with the following operations defined:</a:t>
             </a:r>
           </a:p>
           <a:p>
@@ -10684,25 +10840,44 @@
                 <a:ea typeface="Intel Clear Light" panose="020B0404020203020204" pitchFamily="34" charset="0"/>
                 <a:cs typeface="Intel Clear Light" panose="020B0404020203020204" pitchFamily="34" charset="0"/>
               </a:rPr>
-              <a:t>it1 &lt; it2, it1 &gt; it2, it1 &lt;= it2, it1 &gt;= it2</a:t>
-            </a:r>
-          </a:p>
-          <a:p>
-            <a:pPr marL="1219170" lvl="2" indent="-457189">
-              <a:buFont typeface="Arial" panose="020B0604020202020204" pitchFamily="34" charset="0"/>
-              <a:buChar char="•"/>
-            </a:pPr>
-            <a:endParaRPr lang="en-US" sz="2533" i="1" dirty="0">
+              <a:t>it1 &lt; it2, it1 &gt; it2, it1 &lt;= it2, it1 &gt;= it</a:t>
+            </a:r>
+            <a:endParaRPr lang="en-US" sz="2933" i="1" dirty="0">
               <a:ea typeface="Intel Clear Light" panose="020B0404020203020204" pitchFamily="34" charset="0"/>
               <a:cs typeface="Intel Clear Light" panose="020B0404020203020204" pitchFamily="34" charset="0"/>
             </a:endParaRPr>
           </a:p>
           <a:p>
-            <a:pPr marL="1219170" lvl="2" indent="-457189">
-              <a:buFont typeface="Arial" panose="020B0604020202020204" pitchFamily="34" charset="0"/>
-              <a:buChar char="•"/>
-            </a:pPr>
-            <a:endParaRPr lang="en-US" sz="2533" dirty="0">
+            <a:r>
+              <a:rPr lang="en-US" sz="2400" dirty="0">
+                <a:ea typeface="Intel Clear Light" panose="020B0404020203020204" pitchFamily="34" charset="0"/>
+                <a:cs typeface="Intel Clear Light" panose="020B0404020203020204" pitchFamily="34" charset="0"/>
+              </a:rPr>
+              <a:t>where n is a </a:t>
+            </a:r>
+            <a:r>
+              <a:rPr lang="en-US" sz="2400" b="1" dirty="0">
+                <a:ea typeface="Intel Clear Light" panose="020B0404020203020204" pitchFamily="34" charset="0"/>
+                <a:cs typeface="Intel Clear Light" panose="020B0404020203020204" pitchFamily="34" charset="0"/>
+              </a:rPr>
+              <a:t>signed </a:t>
+            </a:r>
+            <a:r>
+              <a:rPr lang="en-US" sz="2400" dirty="0">
+                <a:ea typeface="Intel Clear Light" panose="020B0404020203020204" pitchFamily="34" charset="0"/>
+                <a:cs typeface="Intel Clear Light" panose="020B0404020203020204" pitchFamily="34" charset="0"/>
+              </a:rPr>
+              <a:t>integer</a:t>
+            </a:r>
+          </a:p>
+          <a:p>
+            <a:endParaRPr lang="en-US" sz="2400" dirty="0">
+              <a:ea typeface="Intel Clear Light" panose="020B0404020203020204" pitchFamily="34" charset="0"/>
+              <a:cs typeface="Intel Clear Light" panose="020B0404020203020204" pitchFamily="34" charset="0"/>
+            </a:endParaRPr>
+          </a:p>
+          <a:p>
+            <a:endParaRPr lang="en-US" sz="2733" dirty="0">
               <a:ea typeface="Intel Clear Light" panose="020B0404020203020204" pitchFamily="34" charset="0"/>
               <a:cs typeface="Intel Clear Light" panose="020B0404020203020204" pitchFamily="34" charset="0"/>
             </a:endParaRPr>
@@ -11792,7 +11967,7 @@
                 <a:ea typeface="Intel Clear Light" panose="020B0404020203020204" pitchFamily="34" charset="0"/>
                 <a:cs typeface="Intel Clear Light" panose="020B0404020203020204" pitchFamily="34" charset="0"/>
               </a:rPr>
-              <a:t> is </a:t>
+              <a:t> is an </a:t>
             </a:r>
             <a:r>
               <a:rPr lang="en-US" sz="2800" dirty="0" err="1">
@@ -11826,7 +12001,7 @@
                 <a:ea typeface="Intel Clear Light" panose="020B0404020203020204" pitchFamily="34" charset="0"/>
                 <a:cs typeface="Intel Clear Light" panose="020B0404020203020204" pitchFamily="34" charset="0"/>
               </a:rPr>
-              <a:t> is Iterator</a:t>
+              <a:t> is an Iterator</a:t>
             </a:r>
           </a:p>
           <a:p>
@@ -12859,6 +13034,35 @@
                 </a:solidFill>
                 <a:latin typeface="Consolas, "/>
               </a:rPr>
+              <a:t>    ++</a:t>
+            </a:r>
+            <a:r>
+              <a:rPr lang="en-US" sz="2400" dirty="0" err="1">
+                <a:solidFill>
+                  <a:srgbClr val="000000"/>
+                </a:solidFill>
+                <a:latin typeface="Consolas, "/>
+              </a:rPr>
+              <a:t>d_first</a:t>
+            </a:r>
+            <a:r>
+              <a:rPr lang="en-US" sz="2400" dirty="0">
+                <a:solidFill>
+                  <a:srgbClr val="000000"/>
+                </a:solidFill>
+                <a:latin typeface="Consolas, "/>
+              </a:rPr>
+              <a:t>;</a:t>
+            </a:r>
+          </a:p>
+          <a:p>
+            <a:r>
+              <a:rPr lang="en-US" sz="2400" dirty="0">
+                <a:solidFill>
+                  <a:srgbClr val="000000"/>
+                </a:solidFill>
+                <a:latin typeface="Consolas, "/>
+              </a:rPr>
               <a:t>}</a:t>
             </a:r>
           </a:p>
@@ -13591,7 +13795,7 @@
                 <a:ea typeface="Intel Clear Pro Bold" panose="020B0804020202060201" pitchFamily="34" charset="-52"/>
                 <a:cs typeface="Intel Clear Pro Bold" panose="020B0804020202060201" pitchFamily="34" charset="-52"/>
               </a:rPr>
-              <a:t>Range based for construction for containers</a:t>
+              <a:t>Range-based for loop</a:t>
             </a:r>
           </a:p>
         </p:txBody>
@@ -14070,7 +14274,7 @@
                 <a:ea typeface="Intel Clear Pro Bold" panose="020B0804020202060201" pitchFamily="34" charset="-52"/>
                 <a:cs typeface="Intel Clear Pro Bold" panose="020B0804020202060201" pitchFamily="34" charset="-52"/>
               </a:rPr>
-              <a:t>Range based for construction for containers</a:t>
+              <a:t>Range-based for loop</a:t>
             </a:r>
           </a:p>
         </p:txBody>
@@ -14923,7 +15127,7 @@
                 </a:solidFill>
                 <a:latin typeface="Consolas, "/>
               </a:rPr>
-              <a:t>class</a:t>
+              <a:t>struct</a:t>
             </a:r>
             <a:r>
               <a:rPr lang="en-US" sz="2400" dirty="0">
@@ -15512,13 +15716,49 @@
           </a:lstStyle>
           <a:p>
             <a:r>
+              <a:rPr lang="en-US" sz="2000" dirty="0">
+                <a:solidFill>
+                  <a:srgbClr val="0000FF"/>
+                </a:solidFill>
+                <a:latin typeface="Consolas, "/>
+              </a:rPr>
+              <a:t>struct</a:t>
+            </a:r>
+            <a:r>
               <a:rPr lang="en-US" sz="2133" dirty="0">
                 <a:solidFill>
+                  <a:srgbClr val="000000"/>
+                </a:solidFill>
+                <a:latin typeface="Consolas, "/>
+              </a:rPr>
+              <a:t> </a:t>
+            </a:r>
+            <a:r>
+              <a:rPr lang="en-US" sz="2133" dirty="0" err="1">
+                <a:solidFill>
+                  <a:srgbClr val="000000"/>
+                </a:solidFill>
+                <a:latin typeface="Consolas, "/>
+              </a:rPr>
+              <a:t>my_input_iterator</a:t>
+            </a:r>
+            <a:r>
+              <a:rPr lang="en-US" sz="2133" dirty="0">
+                <a:solidFill>
+                  <a:srgbClr val="000000"/>
+                </a:solidFill>
+                <a:latin typeface="Consolas, "/>
+              </a:rPr>
+              <a:t> : </a:t>
+            </a:r>
+            <a:r>
+              <a:rPr lang="en-US" sz="2133" dirty="0">
+                <a:solidFill>
                   <a:srgbClr val="0000FF"/>
                 </a:solidFill>
                 <a:latin typeface="Consolas, "/>
               </a:rPr>
-              <a:t>class</a:t>
+              <a:t>public</a:t>
             </a:r>
             <a:r>
               <a:rPr lang="en-US" sz="2133" dirty="0">
@@ -15536,6 +15776,82 @@
                 </a:solidFill>
                 <a:latin typeface="Consolas, "/>
               </a:rPr>
+              <a:t>my_iterator</a:t>
+            </a:r>
+            <a:r>
+              <a:rPr lang="en-US" sz="2133" dirty="0">
+                <a:solidFill>
+                  <a:srgbClr val="000000"/>
+                </a:solidFill>
+                <a:latin typeface="Consolas, "/>
+              </a:rPr>
+              <a:t> {</a:t>
+            </a:r>
+          </a:p>
+          <a:p>
+            <a:r>
+              <a:rPr lang="en-US" sz="2133" dirty="0">
+                <a:solidFill>
+                  <a:srgbClr val="000000"/>
+                </a:solidFill>
+                <a:latin typeface="Consolas, "/>
+              </a:rPr>
+              <a:t>    T* </a:t>
+            </a:r>
+            <a:r>
+              <a:rPr lang="en-US" sz="2133" dirty="0">
+                <a:solidFill>
+                  <a:srgbClr val="0000FF"/>
+                </a:solidFill>
+                <a:latin typeface="Consolas, "/>
+              </a:rPr>
+              <a:t>operator</a:t>
+            </a:r>
+            <a:r>
+              <a:rPr lang="en-US" sz="2133" dirty="0">
+                <a:solidFill>
+                  <a:srgbClr val="000000"/>
+                </a:solidFill>
+                <a:latin typeface="Consolas, "/>
+              </a:rPr>
+              <a:t>-&gt;() </a:t>
+            </a:r>
+            <a:r>
+              <a:rPr lang="en-US" sz="2133" dirty="0">
+                <a:solidFill>
+                  <a:srgbClr val="0000FF"/>
+                </a:solidFill>
+                <a:latin typeface="Consolas, "/>
+              </a:rPr>
+              <a:t>const</a:t>
+            </a:r>
+            <a:r>
+              <a:rPr lang="en-US" sz="2133" dirty="0">
+                <a:solidFill>
+                  <a:srgbClr val="000000"/>
+                </a:solidFill>
+                <a:latin typeface="Consolas, "/>
+              </a:rPr>
+              <a:t>;</a:t>
+            </a:r>
+          </a:p>
+          <a:p>
+            <a:r>
+              <a:rPr lang="en-US" sz="2133" dirty="0">
+                <a:solidFill>
+                  <a:srgbClr val="000000"/>
+                </a:solidFill>
+                <a:latin typeface="Consolas, "/>
+              </a:rPr>
+              <a:t>    </a:t>
+            </a:r>
+            <a:r>
+              <a:rPr lang="en-US" sz="2133" dirty="0" err="1">
+                <a:solidFill>
+                  <a:srgbClr val="000000"/>
+                </a:solidFill>
+                <a:latin typeface="Consolas, "/>
+              </a:rPr>
               <a:t>my_input_iterator</a:t>
             </a:r>
             <a:r>
@@ -15545,7 +15861,7 @@
                 </a:solidFill>
                 <a:latin typeface="Consolas, "/>
               </a:rPr>
-              <a:t> : </a:t>
+              <a:t> </a:t>
             </a:r>
             <a:r>
               <a:rPr lang="en-US" sz="2133" dirty="0">
@@ -15554,7 +15870,7 @@
                 </a:solidFill>
                 <a:latin typeface="Consolas, "/>
               </a:rPr>
-              <a:t>public</a:t>
+              <a:t>operator</a:t>
             </a:r>
             <a:r>
               <a:rPr lang="en-US" sz="2133" dirty="0">
@@ -15563,16 +15879,101 @@
                 </a:solidFill>
                 <a:latin typeface="Consolas, "/>
               </a:rPr>
+              <a:t>++(</a:t>
+            </a:r>
+            <a:r>
+              <a:rPr lang="en-US" sz="2133" dirty="0">
+                <a:solidFill>
+                  <a:srgbClr val="0000FF"/>
+                </a:solidFill>
+                <a:latin typeface="Consolas, "/>
+              </a:rPr>
+              <a:t>int</a:t>
+            </a:r>
+            <a:r>
+              <a:rPr lang="en-US" sz="2133" dirty="0">
+                <a:solidFill>
+                  <a:srgbClr val="000000"/>
+                </a:solidFill>
+                <a:latin typeface="Consolas, "/>
+              </a:rPr>
+              <a:t>);</a:t>
+            </a:r>
+          </a:p>
+          <a:p>
+            <a:r>
+              <a:rPr lang="en-US" sz="2133" dirty="0">
+                <a:solidFill>
+                  <a:srgbClr val="000000"/>
+                </a:solidFill>
+                <a:latin typeface="Consolas, "/>
+              </a:rPr>
+              <a:t>};</a:t>
+            </a:r>
+          </a:p>
+          <a:p>
+            <a:r>
+              <a:rPr lang="en-US" sz="2133" dirty="0">
+                <a:solidFill>
+                  <a:srgbClr val="0000FF"/>
+                </a:solidFill>
+                <a:latin typeface="Consolas, "/>
+              </a:rPr>
+              <a:t>bool</a:t>
+            </a:r>
+            <a:r>
+              <a:rPr lang="en-US" sz="2133" dirty="0">
+                <a:solidFill>
+                  <a:srgbClr val="000000"/>
+                </a:solidFill>
+                <a:latin typeface="Consolas, "/>
+              </a:rPr>
               <a:t> </a:t>
             </a:r>
             <a:r>
+              <a:rPr lang="en-US" sz="2133" dirty="0">
+                <a:solidFill>
+                  <a:srgbClr val="0000FF"/>
+                </a:solidFill>
+                <a:latin typeface="Consolas, "/>
+              </a:rPr>
+              <a:t>operator</a:t>
+            </a:r>
+            <a:r>
+              <a:rPr lang="en-US" sz="2133" dirty="0">
+                <a:solidFill>
+                  <a:srgbClr val="000000"/>
+                </a:solidFill>
+                <a:latin typeface="Consolas, "/>
+              </a:rPr>
+              <a:t>==(</a:t>
+            </a:r>
+            <a:r>
+              <a:rPr lang="en-US" sz="2133" dirty="0">
+                <a:solidFill>
+                  <a:srgbClr val="0000FF"/>
+                </a:solidFill>
+                <a:latin typeface="Consolas, "/>
+              </a:rPr>
+              <a:t>const</a:t>
+            </a:r>
+            <a:r>
+              <a:rPr lang="en-US" sz="2133" dirty="0">
+                <a:solidFill>
+                  <a:srgbClr val="000000"/>
+                </a:solidFill>
+                <a:latin typeface="Consolas, "/>
+              </a:rPr>
+              <a:t> </a:t>
+            </a:r>
+            <a:r>
               <a:rPr lang="en-US" sz="2133" dirty="0" err="1">
                 <a:solidFill>
                   <a:srgbClr val="000000"/>
                 </a:solidFill>
                 <a:latin typeface="Consolas, "/>
               </a:rPr>
-              <a:t>my_iterator</a:t>
+              <a:t>my_input_iterator</a:t>
             </a:r>
             <a:r>
               <a:rPr lang="en-US" sz="2133" dirty="0">
@@ -15581,10 +15982,17 @@
                 </a:solidFill>
                 <a:latin typeface="Consolas, "/>
               </a:rPr>
-              <a:t> {</a:t>
-            </a:r>
-          </a:p>
-          <a:p>
+              <a:t>&amp; </a:t>
+            </a:r>
+            <a:r>
+              <a:rPr lang="en-US" sz="2133" dirty="0" err="1">
+                <a:solidFill>
+                  <a:srgbClr val="000000"/>
+                </a:solidFill>
+                <a:latin typeface="Consolas, "/>
+              </a:rPr>
+              <a:t>lhs</a:t>
+            </a:r>
             <a:r>
               <a:rPr lang="en-US" sz="2133" dirty="0">
                 <a:solidFill>
@@ -15592,7 +16000,7 @@
                 </a:solidFill>
                 <a:latin typeface="Consolas, "/>
               </a:rPr>
-              <a:t>    T* </a:t>
+              <a:t>, </a:t>
             </a:r>
             <a:r>
               <a:rPr lang="en-US" sz="2133" dirty="0">
@@ -15601,6 +16009,80 @@
                 </a:solidFill>
                 <a:latin typeface="Consolas, "/>
               </a:rPr>
+              <a:t>const</a:t>
+            </a:r>
+            <a:r>
+              <a:rPr lang="en-US" sz="2133" dirty="0">
+                <a:solidFill>
+                  <a:srgbClr val="000000"/>
+                </a:solidFill>
+                <a:latin typeface="Consolas, "/>
+              </a:rPr>
+              <a:t> </a:t>
+            </a:r>
+            <a:r>
+              <a:rPr lang="en-US" sz="2133" dirty="0" err="1">
+                <a:solidFill>
+                  <a:srgbClr val="000000"/>
+                </a:solidFill>
+                <a:latin typeface="Consolas, "/>
+              </a:rPr>
+              <a:t>my_input_iterator</a:t>
+            </a:r>
+            <a:r>
+              <a:rPr lang="en-US" sz="2133" dirty="0">
+                <a:solidFill>
+                  <a:srgbClr val="000000"/>
+                </a:solidFill>
+                <a:latin typeface="Consolas, "/>
+              </a:rPr>
+              <a:t>&amp; </a:t>
+            </a:r>
+            <a:r>
+              <a:rPr lang="en-US" sz="2133" dirty="0" err="1">
+                <a:solidFill>
+                  <a:srgbClr val="000000"/>
+                </a:solidFill>
+                <a:latin typeface="Consolas, "/>
+              </a:rPr>
+              <a:t>rhs</a:t>
+            </a:r>
+            <a:r>
+              <a:rPr lang="en-US" sz="2133" dirty="0">
+                <a:solidFill>
+                  <a:srgbClr val="000000"/>
+                </a:solidFill>
+                <a:latin typeface="Consolas, "/>
+              </a:rPr>
+              <a:t>);</a:t>
+            </a:r>
+          </a:p>
+          <a:p>
+            <a:r>
+              <a:rPr lang="en-US" sz="2133" dirty="0">
+                <a:solidFill>
+                  <a:srgbClr val="0000FF"/>
+                </a:solidFill>
+                <a:latin typeface="Consolas, "/>
+              </a:rPr>
+              <a:t>bool</a:t>
+            </a:r>
+            <a:r>
+              <a:rPr lang="en-US" sz="2133" dirty="0">
+                <a:solidFill>
+                  <a:srgbClr val="000000"/>
+                </a:solidFill>
+                <a:latin typeface="Consolas, "/>
+              </a:rPr>
+              <a:t> </a:t>
+            </a:r>
+            <a:r>
+              <a:rPr lang="en-US" sz="2133" dirty="0">
+                <a:solidFill>
+                  <a:srgbClr val="0000FF"/>
+                </a:solidFill>
+                <a:latin typeface="Consolas, "/>
+              </a:rPr>
               <a:t>operator</a:t>
             </a:r>
             <a:r>
@@ -15610,7 +16092,7 @@
                 </a:solidFill>
                 <a:latin typeface="Consolas, "/>
               </a:rPr>
-              <a:t>-&gt;() </a:t>
+              <a:t>!=(</a:t>
             </a:r>
             <a:r>
               <a:rPr lang="en-US" sz="2133" dirty="0">
@@ -15628,10 +16110,17 @@
                 </a:solidFill>
                 <a:latin typeface="Consolas, "/>
               </a:rPr>
-              <a:t>;</a:t>
-            </a:r>
-          </a:p>
-          <a:p>
+              <a:t> </a:t>
+            </a:r>
+            <a:r>
+              <a:rPr lang="en-US" sz="2133" dirty="0" err="1">
+                <a:solidFill>
+                  <a:srgbClr val="000000"/>
+                </a:solidFill>
+                <a:latin typeface="Consolas, "/>
+              </a:rPr>
+              <a:t>my_input_iterator</a:t>
+            </a:r>
             <a:r>
               <a:rPr lang="en-US" sz="2133" dirty="0">
                 <a:solidFill>
@@ -15639,7 +16128,7 @@
                 </a:solidFill>
                 <a:latin typeface="Consolas, "/>
               </a:rPr>
-              <a:t>    </a:t>
+              <a:t>&amp; </a:t>
             </a:r>
             <a:r>
               <a:rPr lang="en-US" sz="2133" dirty="0" err="1">
@@ -15648,6 +16137,42 @@
                 </a:solidFill>
                 <a:latin typeface="Consolas, "/>
               </a:rPr>
+              <a:t>lhs</a:t>
+            </a:r>
+            <a:r>
+              <a:rPr lang="en-US" sz="2133" dirty="0">
+                <a:solidFill>
+                  <a:srgbClr val="000000"/>
+                </a:solidFill>
+                <a:latin typeface="Consolas, "/>
+              </a:rPr>
+              <a:t>, </a:t>
+            </a:r>
+            <a:r>
+              <a:rPr lang="en-US" sz="2133" dirty="0">
+                <a:solidFill>
+                  <a:srgbClr val="0000FF"/>
+                </a:solidFill>
+                <a:latin typeface="Consolas, "/>
+              </a:rPr>
+              <a:t>const</a:t>
+            </a:r>
+            <a:r>
+              <a:rPr lang="en-US" sz="2133" dirty="0">
+                <a:solidFill>
+                  <a:srgbClr val="000000"/>
+                </a:solidFill>
+                <a:latin typeface="Consolas, "/>
+              </a:rPr>
+              <a:t> </a:t>
+            </a:r>
+            <a:r>
+              <a:rPr lang="en-US" sz="2133" dirty="0" err="1">
+                <a:solidFill>
+                  <a:srgbClr val="000000"/>
+                </a:solidFill>
+                <a:latin typeface="Consolas, "/>
+              </a:rPr>
               <a:t>my_input_iterator</a:t>
             </a:r>
             <a:r>
@@ -15657,328 +16182,7 @@
                 </a:solidFill>
                 <a:latin typeface="Consolas, "/>
               </a:rPr>
-              <a:t> </a:t>
-            </a:r>
-            <a:r>
-              <a:rPr lang="en-US" sz="2133" dirty="0">
-                <a:solidFill>
-                  <a:srgbClr val="0000FF"/>
-                </a:solidFill>
-                <a:latin typeface="Consolas, "/>
-              </a:rPr>
-              <a:t>operator</a:t>
-            </a:r>
-            <a:r>
-              <a:rPr lang="en-US" sz="2133" dirty="0">
-                <a:solidFill>
-                  <a:srgbClr val="000000"/>
-                </a:solidFill>
-                <a:latin typeface="Consolas, "/>
-              </a:rPr>
-              <a:t>++(</a:t>
-            </a:r>
-            <a:r>
-              <a:rPr lang="en-US" sz="2133" dirty="0">
-                <a:solidFill>
-                  <a:srgbClr val="0000FF"/>
-                </a:solidFill>
-                <a:latin typeface="Consolas, "/>
-              </a:rPr>
-              <a:t>int</a:t>
-            </a:r>
-            <a:r>
-              <a:rPr lang="en-US" sz="2133" dirty="0">
-                <a:solidFill>
-                  <a:srgbClr val="000000"/>
-                </a:solidFill>
-                <a:latin typeface="Consolas, "/>
-              </a:rPr>
-              <a:t>);</a:t>
-            </a:r>
-          </a:p>
-          <a:p>
-            <a:r>
-              <a:rPr lang="en-US" sz="2133" dirty="0">
-                <a:solidFill>
-                  <a:srgbClr val="000000"/>
-                </a:solidFill>
-                <a:latin typeface="Consolas, "/>
-              </a:rPr>
-              <a:t>};</a:t>
-            </a:r>
-          </a:p>
-          <a:p>
-            <a:r>
-              <a:rPr lang="en-US" sz="2133" dirty="0">
-                <a:solidFill>
-                  <a:srgbClr val="0000FF"/>
-                </a:solidFill>
-                <a:latin typeface="Consolas, "/>
-              </a:rPr>
-              <a:t>bool</a:t>
-            </a:r>
-            <a:r>
-              <a:rPr lang="en-US" sz="2133" dirty="0">
-                <a:solidFill>
-                  <a:srgbClr val="000000"/>
-                </a:solidFill>
-                <a:latin typeface="Consolas, "/>
-              </a:rPr>
-              <a:t> </a:t>
-            </a:r>
-            <a:r>
-              <a:rPr lang="en-US" sz="2133" dirty="0">
-                <a:solidFill>
-                  <a:srgbClr val="0000FF"/>
-                </a:solidFill>
-                <a:latin typeface="Consolas, "/>
-              </a:rPr>
-              <a:t>operator</a:t>
-            </a:r>
-            <a:r>
-              <a:rPr lang="en-US" sz="2133" dirty="0">
-                <a:solidFill>
-                  <a:srgbClr val="000000"/>
-                </a:solidFill>
-                <a:latin typeface="Consolas, "/>
-              </a:rPr>
-              <a:t>==(</a:t>
-            </a:r>
-            <a:r>
-              <a:rPr lang="en-US" sz="2133" dirty="0">
-                <a:solidFill>
-                  <a:srgbClr val="0000FF"/>
-                </a:solidFill>
-                <a:latin typeface="Consolas, "/>
-              </a:rPr>
-              <a:t>const</a:t>
-            </a:r>
-            <a:r>
-              <a:rPr lang="en-US" sz="2133" dirty="0">
-                <a:solidFill>
-                  <a:srgbClr val="000000"/>
-                </a:solidFill>
-                <a:latin typeface="Consolas, "/>
-              </a:rPr>
-              <a:t> </a:t>
-            </a:r>
-            <a:r>
-              <a:rPr lang="en-US" sz="2133" dirty="0" err="1">
-                <a:solidFill>
-                  <a:srgbClr val="000000"/>
-                </a:solidFill>
-                <a:latin typeface="Consolas, "/>
-              </a:rPr>
-              <a:t>my_input_iterator</a:t>
-            </a:r>
-            <a:r>
-              <a:rPr lang="en-US" sz="2133" dirty="0">
-                <a:solidFill>
-                  <a:srgbClr val="000000"/>
-                </a:solidFill>
-                <a:latin typeface="Consolas, "/>
-              </a:rPr>
-              <a:t> </a:t>
-            </a:r>
-            <a:r>
-              <a:rPr lang="en-US" sz="2133" dirty="0" err="1">
-                <a:solidFill>
-                  <a:srgbClr val="000000"/>
-                </a:solidFill>
-                <a:latin typeface="Consolas, "/>
-              </a:rPr>
-              <a:t>lhs</a:t>
-            </a:r>
-            <a:r>
-              <a:rPr lang="en-US" sz="2133" dirty="0">
-                <a:solidFill>
-                  <a:srgbClr val="000000"/>
-                </a:solidFill>
-                <a:latin typeface="Consolas, "/>
-              </a:rPr>
-              <a:t>, </a:t>
-            </a:r>
-            <a:r>
-              <a:rPr lang="en-US" sz="2133" dirty="0">
-                <a:solidFill>
-                  <a:srgbClr val="0000FF"/>
-                </a:solidFill>
-                <a:latin typeface="Consolas, "/>
-              </a:rPr>
-              <a:t>const</a:t>
-            </a:r>
-            <a:r>
-              <a:rPr lang="en-US" sz="2133" dirty="0">
-                <a:solidFill>
-                  <a:srgbClr val="000000"/>
-                </a:solidFill>
-                <a:latin typeface="Consolas, "/>
-              </a:rPr>
-              <a:t> </a:t>
-            </a:r>
-            <a:r>
-              <a:rPr lang="en-US" sz="2133" dirty="0" err="1">
-                <a:solidFill>
-                  <a:srgbClr val="000000"/>
-                </a:solidFill>
-                <a:latin typeface="Consolas, "/>
-              </a:rPr>
-              <a:t>my_input_iterator</a:t>
-            </a:r>
-            <a:r>
-              <a:rPr lang="en-US" sz="2133" dirty="0">
-                <a:solidFill>
-                  <a:srgbClr val="000000"/>
-                </a:solidFill>
-                <a:latin typeface="Consolas, "/>
-              </a:rPr>
-              <a:t> </a:t>
-            </a:r>
-            <a:r>
-              <a:rPr lang="en-US" sz="2133" dirty="0" err="1">
-                <a:solidFill>
-                  <a:srgbClr val="000000"/>
-                </a:solidFill>
-                <a:latin typeface="Consolas, "/>
-              </a:rPr>
-              <a:t>rhs</a:t>
-            </a:r>
-            <a:r>
-              <a:rPr lang="en-US" sz="2133" dirty="0">
-                <a:solidFill>
-                  <a:srgbClr val="000000"/>
-                </a:solidFill>
-                <a:latin typeface="Consolas, "/>
-              </a:rPr>
-              <a:t>);</a:t>
-            </a:r>
-          </a:p>
-          <a:p>
-            <a:r>
-              <a:rPr lang="en-US" sz="2133" dirty="0">
-                <a:solidFill>
-                  <a:srgbClr val="0000FF"/>
-                </a:solidFill>
-                <a:latin typeface="Consolas, "/>
-              </a:rPr>
-              <a:t>bool</a:t>
-            </a:r>
-            <a:r>
-              <a:rPr lang="en-US" sz="2133" dirty="0">
-                <a:solidFill>
-                  <a:srgbClr val="000000"/>
-                </a:solidFill>
-                <a:latin typeface="Consolas, "/>
-              </a:rPr>
-              <a:t> </a:t>
-            </a:r>
-            <a:r>
-              <a:rPr lang="en-US" sz="2133" dirty="0">
-                <a:solidFill>
-                  <a:srgbClr val="0000FF"/>
-                </a:solidFill>
-                <a:latin typeface="Consolas, "/>
-              </a:rPr>
-              <a:t>operator</a:t>
-            </a:r>
-            <a:r>
-              <a:rPr lang="en-US" sz="2133" dirty="0">
-                <a:solidFill>
-                  <a:srgbClr val="000000"/>
-                </a:solidFill>
-                <a:latin typeface="Consolas, "/>
-              </a:rPr>
-              <a:t>!=(</a:t>
-            </a:r>
-            <a:r>
-              <a:rPr lang="en-US" sz="2133" dirty="0">
-                <a:solidFill>
-                  <a:srgbClr val="0000FF"/>
-                </a:solidFill>
-                <a:latin typeface="Consolas, "/>
-              </a:rPr>
-              <a:t>const</a:t>
-            </a:r>
-            <a:r>
-              <a:rPr lang="en-US" sz="2133" dirty="0">
-                <a:solidFill>
-                  <a:srgbClr val="000000"/>
-                </a:solidFill>
-                <a:latin typeface="Consolas, "/>
-              </a:rPr>
-              <a:t> </a:t>
-            </a:r>
-            <a:r>
-              <a:rPr lang="en-US" sz="2133" dirty="0" err="1">
-                <a:solidFill>
-                  <a:srgbClr val="000000"/>
-                </a:solidFill>
-                <a:latin typeface="Consolas, "/>
-              </a:rPr>
-              <a:t>my_input_iterator</a:t>
-            </a:r>
-            <a:r>
-              <a:rPr lang="en-US" sz="2133" dirty="0">
-                <a:solidFill>
-                  <a:srgbClr val="000000"/>
-                </a:solidFill>
-                <a:latin typeface="Consolas, "/>
-              </a:rPr>
-              <a:t> </a:t>
-            </a:r>
-            <a:r>
-              <a:rPr lang="en-US" sz="2133" dirty="0" err="1">
-                <a:solidFill>
-                  <a:srgbClr val="000000"/>
-                </a:solidFill>
-                <a:latin typeface="Consolas, "/>
-              </a:rPr>
-              <a:t>lhs</a:t>
-            </a:r>
-            <a:r>
-              <a:rPr lang="en-US" sz="2133" dirty="0">
-                <a:solidFill>
-                  <a:srgbClr val="000000"/>
-                </a:solidFill>
-                <a:latin typeface="Consolas, "/>
-              </a:rPr>
-              <a:t>, </a:t>
-            </a:r>
-            <a:r>
-              <a:rPr lang="en-US" sz="2133" dirty="0">
-                <a:solidFill>
-                  <a:srgbClr val="0000FF"/>
-                </a:solidFill>
-                <a:latin typeface="Consolas, "/>
-              </a:rPr>
-              <a:t>const</a:t>
-            </a:r>
-            <a:r>
-              <a:rPr lang="en-US" sz="2133" dirty="0">
-                <a:solidFill>
-                  <a:srgbClr val="000000"/>
-                </a:solidFill>
-                <a:latin typeface="Consolas, "/>
-              </a:rPr>
-              <a:t> </a:t>
-            </a:r>
-            <a:r>
-              <a:rPr lang="en-US" sz="2133" dirty="0" err="1">
-                <a:solidFill>
-                  <a:srgbClr val="000000"/>
-                </a:solidFill>
-                <a:latin typeface="Consolas, "/>
-              </a:rPr>
-              <a:t>my_input_iterator</a:t>
-            </a:r>
-            <a:r>
-              <a:rPr lang="en-US" sz="2133" dirty="0">
-                <a:solidFill>
-                  <a:srgbClr val="000000"/>
-                </a:solidFill>
-                <a:latin typeface="Consolas, "/>
-              </a:rPr>
-              <a:t> </a:t>
+              <a:t>&amp; </a:t>
             </a:r>
             <a:r>
               <a:rPr lang="en-US" sz="2133" dirty="0" err="1">
@@ -16282,7 +16486,7 @@
                 </a:solidFill>
                 <a:latin typeface="Consolas, "/>
               </a:rPr>
-              <a:t>class</a:t>
+              <a:t>struct</a:t>
             </a:r>
             <a:r>
               <a:rPr lang="en-US" sz="2400" dirty="0">
@@ -16671,7 +16875,7 @@
                 </a:solidFill>
                 <a:latin typeface="Consolas, "/>
               </a:rPr>
-              <a:t>class</a:t>
+              <a:t>struct</a:t>
             </a:r>
             <a:r>
               <a:rPr lang="en-US" sz="2400" dirty="0">
@@ -16993,7 +17197,7 @@
         </p:spPr>
         <p:txBody>
           <a:bodyPr>
-            <a:normAutofit lnSpcReduction="10000"/>
+            <a:normAutofit fontScale="92500" lnSpcReduction="20000"/>
           </a:bodyPr>
           <a:lstStyle>
             <a:lvl1pPr marL="0" indent="0" algn="l" defTabSz="457200" rtl="0" eaLnBrk="1" latinLnBrk="0" hangingPunct="1">
@@ -17143,7 +17347,7 @@
                 </a:solidFill>
                 <a:latin typeface="Consolas, "/>
               </a:rPr>
-              <a:t>class</a:t>
+              <a:t>struct</a:t>
             </a:r>
             <a:r>
               <a:rPr lang="en-US" sz="2400" dirty="0">
@@ -17161,7 +17365,7 @@
                 </a:solidFill>
                 <a:latin typeface="Consolas, "/>
               </a:rPr>
-              <a:t>my_racc_iterator</a:t>
+              <a:t>my_random_access_iterator</a:t>
             </a:r>
             <a:r>
               <a:rPr lang="en-US" sz="2400" dirty="0">
@@ -17199,14 +17403,22 @@
               </a:rPr>
               <a:t>my_bidirectional_iterator</a:t>
             </a:r>
-            <a:r>
-              <a:rPr lang="en-US" sz="2400" dirty="0">
-                <a:solidFill>
-                  <a:srgbClr val="000000"/>
-                </a:solidFill>
-                <a:latin typeface="Consolas, "/>
-              </a:rPr>
-              <a:t> {</a:t>
+            <a:endParaRPr lang="en-US" sz="2400" dirty="0">
+              <a:solidFill>
+                <a:srgbClr val="000000"/>
+              </a:solidFill>
+              <a:latin typeface="Consolas, "/>
+            </a:endParaRPr>
+          </a:p>
+          <a:p>
+            <a:r>
+              <a:rPr lang="en-US" sz="2400" dirty="0">
+                <a:solidFill>
+                  <a:srgbClr val="000000"/>
+                </a:solidFill>
+                <a:latin typeface="Consolas, "/>
+              </a:rPr>
+              <a:t>{</a:t>
             </a:r>
           </a:p>
           <a:p>
@@ -17226,7 +17438,7 @@
                 </a:solidFill>
                 <a:latin typeface="Consolas, "/>
               </a:rPr>
-              <a:t>my_racc_iterator</a:t>
+              <a:t>my_random_access_iterator</a:t>
             </a:r>
             <a:r>
               <a:rPr lang="en-US" sz="2400" dirty="0">
@@ -17309,7 +17521,7 @@
                 </a:solidFill>
                 <a:latin typeface="Consolas, "/>
               </a:rPr>
-              <a:t>my_racc_iterator</a:t>
+              <a:t>my_random_access_iterator</a:t>
             </a:r>
             <a:r>
               <a:rPr lang="en-US" sz="2400" dirty="0">
@@ -17374,7 +17586,7 @@
                 </a:solidFill>
                 <a:latin typeface="Consolas, "/>
               </a:rPr>
-              <a:t>my_racc_iterator</a:t>
+              <a:t>my_random_access_iterator</a:t>
             </a:r>
             <a:r>
               <a:rPr lang="en-US" sz="2400" dirty="0">
@@ -17629,7 +17841,7 @@
         </p:spPr>
         <p:txBody>
           <a:bodyPr>
-            <a:normAutofit fontScale="92500" lnSpcReduction="10000"/>
+            <a:normAutofit fontScale="77500" lnSpcReduction="20000"/>
           </a:bodyPr>
           <a:lstStyle>
             <a:lvl1pPr marL="0" indent="0" algn="l" defTabSz="457200" rtl="0" eaLnBrk="1" latinLnBrk="0" hangingPunct="1">
@@ -17779,7 +17991,7 @@
                 </a:solidFill>
                 <a:latin typeface="Consolas, "/>
               </a:rPr>
-              <a:t>class</a:t>
+              <a:t>struct</a:t>
             </a:r>
             <a:r>
               <a:rPr lang="en-US" sz="2400" dirty="0">
@@ -17797,16 +18009,16 @@
                 </a:solidFill>
                 <a:latin typeface="Consolas, "/>
               </a:rPr>
-              <a:t>my_racc_iterator</a:t>
-            </a:r>
-            <a:r>
-              <a:rPr lang="en-US" sz="2400" dirty="0">
-                <a:solidFill>
-                  <a:srgbClr val="000000"/>
-                </a:solidFill>
-                <a:latin typeface="Consolas, "/>
-              </a:rPr>
-              <a:t> : </a:t>
+              <a:t>my_random_access_iterator</a:t>
+            </a:r>
+            <a:r>
+              <a:rPr lang="en-US" sz="2400" dirty="0">
+                <a:solidFill>
+                  <a:srgbClr val="000000"/>
+                </a:solidFill>
+                <a:latin typeface="Consolas, "/>
+              </a:rPr>
+              <a:t> : </a:t>
             </a:r>
             <a:r>
               <a:rPr lang="en-US" sz="2400" dirty="0">
@@ -17861,7 +18073,61 @@
                 </a:solidFill>
                 <a:latin typeface="Consolas, "/>
               </a:rPr>
-              <a:t>my_racc_iterator</a:t>
+              <a:t>my_random_access_iterator</a:t>
+            </a:r>
+            <a:r>
+              <a:rPr lang="en-US" sz="2400" dirty="0">
+                <a:solidFill>
+                  <a:srgbClr val="000000"/>
+                </a:solidFill>
+                <a:latin typeface="Consolas, "/>
+              </a:rPr>
+              <a:t> </a:t>
+            </a:r>
+            <a:r>
+              <a:rPr lang="en-US" sz="2400" dirty="0">
+                <a:solidFill>
+                  <a:srgbClr val="0000FF"/>
+                </a:solidFill>
+                <a:latin typeface="Consolas, "/>
+              </a:rPr>
+              <a:t>operator</a:t>
+            </a:r>
+            <a:r>
+              <a:rPr lang="en-US" sz="2400" dirty="0">
+                <a:solidFill>
+                  <a:srgbClr val="000000"/>
+                </a:solidFill>
+                <a:latin typeface="Consolas, "/>
+              </a:rPr>
+              <a:t>+(</a:t>
+            </a:r>
+            <a:r>
+              <a:rPr lang="en-US" sz="2400" dirty="0">
+                <a:solidFill>
+                  <a:srgbClr val="0000FF"/>
+                </a:solidFill>
+                <a:latin typeface="Consolas, "/>
+              </a:rPr>
+              <a:t>int</a:t>
+            </a:r>
+            <a:r>
+              <a:rPr lang="en-US" sz="2400" dirty="0">
+                <a:solidFill>
+                  <a:srgbClr val="000000"/>
+                </a:solidFill>
+                <a:latin typeface="Consolas, "/>
+              </a:rPr>
+              <a:t> n, </a:t>
+            </a:r>
+            <a:r>
+              <a:rPr lang="en-US" sz="2400" dirty="0">
+                <a:solidFill>
+                  <a:srgbClr val="0000FF"/>
+                </a:solidFill>
+                <a:latin typeface="Consolas, "/>
+              </a:rPr>
+              <a:t>const</a:t>
             </a:r>
             <a:r>
               <a:rPr lang="en-US" sz="2400" dirty="0">
@@ -17873,6 +18139,44 @@
               <a:t> </a:t>
             </a:r>
             <a:r>
+              <a:rPr lang="en-US" sz="2400" dirty="0" err="1">
+                <a:solidFill>
+                  <a:srgbClr val="000000"/>
+                </a:solidFill>
+                <a:latin typeface="Consolas, "/>
+              </a:rPr>
+              <a:t>my_random_access_iterator</a:t>
+            </a:r>
+            <a:r>
+              <a:rPr lang="en-US" sz="2400" dirty="0">
+                <a:solidFill>
+                  <a:srgbClr val="000000"/>
+                </a:solidFill>
+                <a:latin typeface="Consolas, "/>
+              </a:rPr>
+              <a:t>&amp; it);</a:t>
+            </a:r>
+          </a:p>
+          <a:p>
+            <a:r>
+              <a:rPr lang="en-US" sz="2400" dirty="0" err="1">
+                <a:solidFill>
+                  <a:srgbClr val="000000"/>
+                </a:solidFill>
+                <a:latin typeface="Consolas, "/>
+              </a:rPr>
+              <a:t>my_random_access_iterator</a:t>
+            </a:r>
+            <a:r>
+              <a:rPr lang="en-US" sz="2400" dirty="0">
+                <a:solidFill>
+                  <a:srgbClr val="000000"/>
+                </a:solidFill>
+                <a:latin typeface="Consolas, "/>
+              </a:rPr>
+              <a:t> </a:t>
+            </a:r>
+            <a:r>
               <a:rPr lang="en-US" sz="2400" dirty="0">
                 <a:solidFill>
                   <a:srgbClr val="0000FF"/>
@@ -17897,6 +18201,42 @@
                 </a:solidFill>
                 <a:latin typeface="Consolas, "/>
               </a:rPr>
+              <a:t>const</a:t>
+            </a:r>
+            <a:r>
+              <a:rPr lang="en-US" sz="2400" dirty="0">
+                <a:solidFill>
+                  <a:srgbClr val="000000"/>
+                </a:solidFill>
+                <a:latin typeface="Consolas, "/>
+              </a:rPr>
+              <a:t> </a:t>
+            </a:r>
+            <a:r>
+              <a:rPr lang="en-US" sz="2400" dirty="0" err="1">
+                <a:solidFill>
+                  <a:srgbClr val="000000"/>
+                </a:solidFill>
+                <a:latin typeface="Consolas, "/>
+              </a:rPr>
+              <a:t>my_random_access_iterator</a:t>
+            </a:r>
+            <a:r>
+              <a:rPr lang="en-US" sz="2400" dirty="0">
+                <a:solidFill>
+                  <a:srgbClr val="000000"/>
+                </a:solidFill>
+                <a:latin typeface="Consolas, "/>
+              </a:rPr>
+              <a:t>&amp; it, </a:t>
+            </a:r>
+            <a:r>
+              <a:rPr lang="en-US" sz="2400" dirty="0">
+                <a:solidFill>
+                  <a:srgbClr val="0000FF"/>
+                </a:solidFill>
+                <a:latin typeface="Consolas, "/>
+              </a:rPr>
               <a:t>int</a:t>
             </a:r>
             <a:r>
@@ -17906,8 +18246,10 @@
                 </a:solidFill>
                 <a:latin typeface="Consolas, "/>
               </a:rPr>
-              <a:t> n, </a:t>
-            </a:r>
+              <a:t> n);</a:t>
+            </a:r>
+          </a:p>
+          <a:p>
             <a:r>
               <a:rPr lang="en-US" sz="2400" dirty="0">
                 <a:solidFill>
@@ -17915,6 +18257,42 @@
                 </a:solidFill>
                 <a:latin typeface="Consolas, "/>
               </a:rPr>
+              <a:t>int</a:t>
+            </a:r>
+            <a:r>
+              <a:rPr lang="en-US" sz="2400" dirty="0">
+                <a:solidFill>
+                  <a:srgbClr val="000000"/>
+                </a:solidFill>
+                <a:latin typeface="Consolas, "/>
+              </a:rPr>
+              <a:t>  </a:t>
+            </a:r>
+            <a:r>
+              <a:rPr lang="en-US" sz="2400" dirty="0">
+                <a:solidFill>
+                  <a:srgbClr val="0000FF"/>
+                </a:solidFill>
+                <a:latin typeface="Consolas, "/>
+              </a:rPr>
+              <a:t>operator</a:t>
+            </a:r>
+            <a:r>
+              <a:rPr lang="en-US" sz="2400" dirty="0">
+                <a:solidFill>
+                  <a:srgbClr val="000000"/>
+                </a:solidFill>
+                <a:latin typeface="Consolas, "/>
+              </a:rPr>
+              <a:t>-(</a:t>
+            </a:r>
+            <a:r>
+              <a:rPr lang="en-US" sz="2400" dirty="0">
+                <a:solidFill>
+                  <a:srgbClr val="0000FF"/>
+                </a:solidFill>
+                <a:latin typeface="Consolas, "/>
+              </a:rPr>
               <a:t>const</a:t>
             </a:r>
             <a:r>
@@ -17933,19 +18311,17 @@
                 </a:solidFill>
                 <a:latin typeface="Consolas, "/>
               </a:rPr>
-              <a:t>my_racc_iterator</a:t>
-            </a:r>
-            <a:r>
-              <a:rPr lang="en-US" sz="2400" dirty="0">
-                <a:solidFill>
-                  <a:srgbClr val="000000"/>
-                </a:solidFill>
-                <a:latin typeface="Consolas, "/>
-              </a:rPr>
-              <a:t>&amp; it);</a:t>
-            </a:r>
-          </a:p>
-          <a:p>
+              <a:t>my_random_access_iterator</a:t>
+            </a:r>
+            <a:r>
+              <a:rPr lang="en-US" sz="2400" dirty="0">
+                <a:solidFill>
+                  <a:srgbClr val="000000"/>
+                </a:solidFill>
+                <a:latin typeface="Consolas, "/>
+              </a:rPr>
+              <a:t>&amp; </a:t>
+            </a:r>
             <a:r>
               <a:rPr lang="en-US" sz="2400" dirty="0" err="1">
                 <a:solidFill>
@@ -17953,7 +18329,36 @@
                 </a:solidFill>
                 <a:latin typeface="Consolas, "/>
               </a:rPr>
-              <a:t>my_racc_iterator</a:t>
+              <a:t>lhs</a:t>
+            </a:r>
+            <a:r>
+              <a:rPr lang="en-US" sz="2400" dirty="0">
+                <a:solidFill>
+                  <a:srgbClr val="000000"/>
+                </a:solidFill>
+                <a:latin typeface="Consolas, "/>
+              </a:rPr>
+              <a:t>,</a:t>
+            </a:r>
+          </a:p>
+          <a:p>
+            <a:r>
+              <a:rPr lang="en-US" sz="2400" dirty="0">
+                <a:solidFill>
+                  <a:srgbClr val="000000"/>
+                </a:solidFill>
+                <a:latin typeface="Consolas, "/>
+              </a:rPr>
+              <a:t>               </a:t>
+            </a:r>
+            <a:r>
+              <a:rPr lang="en-US" sz="2400" dirty="0">
+                <a:solidFill>
+                  <a:srgbClr val="0000FF"/>
+                </a:solidFill>
+                <a:latin typeface="Consolas, "/>
+              </a:rPr>
+              <a:t>const</a:t>
             </a:r>
             <a:r>
               <a:rPr lang="en-US" sz="2400" dirty="0">
@@ -17965,12 +18370,68 @@
               <a:t> </a:t>
             </a:r>
             <a:r>
+              <a:rPr lang="en-US" sz="2400" dirty="0" err="1">
+                <a:solidFill>
+                  <a:srgbClr val="000000"/>
+                </a:solidFill>
+                <a:latin typeface="Consolas, "/>
+              </a:rPr>
+              <a:t>my_random_access_iterator</a:t>
+            </a:r>
+            <a:r>
+              <a:rPr lang="en-US" sz="2400" dirty="0">
+                <a:solidFill>
+                  <a:srgbClr val="000000"/>
+                </a:solidFill>
+                <a:latin typeface="Consolas, "/>
+              </a:rPr>
+              <a:t>&amp; </a:t>
+            </a:r>
+            <a:r>
+              <a:rPr lang="en-US" sz="2400" dirty="0" err="1">
+                <a:solidFill>
+                  <a:srgbClr val="000000"/>
+                </a:solidFill>
+                <a:latin typeface="Consolas, "/>
+              </a:rPr>
+              <a:t>rhs</a:t>
+            </a:r>
+            <a:r>
+              <a:rPr lang="en-US" sz="2400" dirty="0">
+                <a:solidFill>
+                  <a:srgbClr val="000000"/>
+                </a:solidFill>
+                <a:latin typeface="Consolas, "/>
+              </a:rPr>
+              <a:t>);</a:t>
+            </a:r>
+          </a:p>
+          <a:p>
+            <a:r>
               <a:rPr lang="en-US" sz="2400" dirty="0">
                 <a:solidFill>
                   <a:srgbClr val="0000FF"/>
                 </a:solidFill>
                 <a:latin typeface="Consolas, "/>
               </a:rPr>
+              <a:t>bool</a:t>
+            </a:r>
+            <a:r>
+              <a:rPr lang="en-US" sz="2400" dirty="0">
+                <a:solidFill>
+                  <a:srgbClr val="000000"/>
+                </a:solidFill>
+                <a:latin typeface="Consolas, "/>
+              </a:rPr>
+              <a:t> </a:t>
+            </a:r>
+            <a:r>
+              <a:rPr lang="en-US" sz="2400" dirty="0">
+                <a:solidFill>
+                  <a:srgbClr val="0000FF"/>
+                </a:solidFill>
+                <a:latin typeface="Consolas, "/>
+              </a:rPr>
               <a:t>operator</a:t>
             </a:r>
             <a:r>
@@ -17980,7 +18441,7 @@
                 </a:solidFill>
                 <a:latin typeface="Consolas, "/>
               </a:rPr>
-              <a:t>+(</a:t>
+              <a:t>&lt;(</a:t>
             </a:r>
             <a:r>
               <a:rPr lang="en-US" sz="2400" dirty="0">
@@ -18007,17 +18468,37 @@
                 </a:solidFill>
                 <a:latin typeface="Consolas, "/>
               </a:rPr>
-              <a:t>my_racc_iterator</a:t>
-            </a:r>
-            <a:r>
-              <a:rPr lang="en-US" sz="2400" dirty="0">
-                <a:solidFill>
-                  <a:srgbClr val="000000"/>
-                </a:solidFill>
-                <a:latin typeface="Consolas, "/>
-              </a:rPr>
-              <a:t>&amp; it, </a:t>
-            </a:r>
+              <a:t>my_random_access_iterator</a:t>
+            </a:r>
+            <a:r>
+              <a:rPr lang="en-US" sz="2400" dirty="0">
+                <a:solidFill>
+                  <a:srgbClr val="000000"/>
+                </a:solidFill>
+                <a:latin typeface="Consolas, "/>
+              </a:rPr>
+              <a:t>&amp; </a:t>
+            </a:r>
+            <a:r>
+              <a:rPr lang="en-US" sz="2400" dirty="0" err="1">
+                <a:solidFill>
+                  <a:srgbClr val="000000"/>
+                </a:solidFill>
+                <a:latin typeface="Consolas, "/>
+              </a:rPr>
+              <a:t>lhs</a:t>
+            </a:r>
+            <a:r>
+              <a:rPr lang="en-US" sz="2400" dirty="0">
+                <a:solidFill>
+                  <a:srgbClr val="000000"/>
+                </a:solidFill>
+                <a:latin typeface="Consolas, "/>
+              </a:rPr>
+              <a:t>,</a:t>
+            </a:r>
+          </a:p>
+          <a:p>
             <a:r>
               <a:rPr lang="en-US" sz="2400" dirty="0">
                 <a:solidFill>
@@ -18025,27 +18506,7 @@
                 </a:solidFill>
                 <a:latin typeface="Consolas, "/>
               </a:rPr>
-              <a:t>int</a:t>
-            </a:r>
-            <a:r>
-              <a:rPr lang="en-US" sz="2400" dirty="0">
-                <a:solidFill>
-                  <a:srgbClr val="000000"/>
-                </a:solidFill>
-                <a:latin typeface="Consolas, "/>
-              </a:rPr>
-              <a:t> n);</a:t>
-            </a:r>
-          </a:p>
-          <a:p>
-            <a:r>
-              <a:rPr lang="en-US" sz="2400" dirty="0">
-                <a:solidFill>
-                  <a:srgbClr val="0000FF"/>
-                </a:solidFill>
-                <a:latin typeface="Consolas, "/>
-              </a:rPr>
-              <a:t>int</a:t>
+              <a:t>               const</a:t>
             </a:r>
             <a:r>
               <a:rPr lang="en-US" sz="2400" dirty="0">
@@ -18057,249 +18518,13 @@
               <a:t> </a:t>
             </a:r>
             <a:r>
-              <a:rPr lang="en-US" sz="2400" dirty="0">
-                <a:solidFill>
-                  <a:srgbClr val="0000FF"/>
-                </a:solidFill>
-                <a:latin typeface="Consolas, "/>
-              </a:rPr>
-              <a:t>operator</a:t>
-            </a:r>
-            <a:r>
-              <a:rPr lang="en-US" sz="2400" dirty="0">
-                <a:solidFill>
-                  <a:srgbClr val="000000"/>
-                </a:solidFill>
-                <a:latin typeface="Consolas, "/>
-              </a:rPr>
-              <a:t>-(</a:t>
-            </a:r>
-            <a:r>
-              <a:rPr lang="en-US" sz="2400" dirty="0">
-                <a:solidFill>
-                  <a:srgbClr val="0000FF"/>
-                </a:solidFill>
-                <a:latin typeface="Consolas, "/>
-              </a:rPr>
-              <a:t>const</a:t>
-            </a:r>
-            <a:r>
-              <a:rPr lang="en-US" sz="2400" dirty="0">
-                <a:solidFill>
-                  <a:srgbClr val="000000"/>
-                </a:solidFill>
-                <a:latin typeface="Consolas, "/>
-              </a:rPr>
-              <a:t> </a:t>
-            </a:r>
-            <a:r>
               <a:rPr lang="en-US" sz="2400" dirty="0" err="1">
                 <a:solidFill>
                   <a:srgbClr val="000000"/>
                 </a:solidFill>
                 <a:latin typeface="Consolas, "/>
               </a:rPr>
-              <a:t>my_racc_iterator</a:t>
-            </a:r>
-            <a:r>
-              <a:rPr lang="en-US" sz="2400" dirty="0">
-                <a:solidFill>
-                  <a:srgbClr val="000000"/>
-                </a:solidFill>
-                <a:latin typeface="Consolas, "/>
-              </a:rPr>
-              <a:t>&amp; </a:t>
-            </a:r>
-            <a:r>
-              <a:rPr lang="en-US" sz="2400" dirty="0" err="1">
-                <a:solidFill>
-                  <a:srgbClr val="000000"/>
-                </a:solidFill>
-                <a:latin typeface="Consolas, "/>
-              </a:rPr>
-              <a:t>lhs</a:t>
-            </a:r>
-            <a:r>
-              <a:rPr lang="en-US" sz="2400" dirty="0">
-                <a:solidFill>
-                  <a:srgbClr val="000000"/>
-                </a:solidFill>
-                <a:latin typeface="Consolas, "/>
-              </a:rPr>
-              <a:t>, </a:t>
-            </a:r>
-            <a:r>
-              <a:rPr lang="en-US" sz="2400" dirty="0">
-                <a:solidFill>
-                  <a:srgbClr val="0000FF"/>
-                </a:solidFill>
-                <a:latin typeface="Consolas, "/>
-              </a:rPr>
-              <a:t>const</a:t>
-            </a:r>
-            <a:r>
-              <a:rPr lang="en-US" sz="2400" dirty="0">
-                <a:solidFill>
-                  <a:srgbClr val="000000"/>
-                </a:solidFill>
-                <a:latin typeface="Consolas, "/>
-              </a:rPr>
-              <a:t> </a:t>
-            </a:r>
-            <a:r>
-              <a:rPr lang="en-US" sz="2400" dirty="0" err="1">
-                <a:solidFill>
-                  <a:srgbClr val="000000"/>
-                </a:solidFill>
-                <a:latin typeface="Consolas, "/>
-              </a:rPr>
-              <a:t>my_racc_iterator</a:t>
-            </a:r>
-            <a:r>
-              <a:rPr lang="en-US" sz="2400" dirty="0">
-                <a:solidFill>
-                  <a:srgbClr val="000000"/>
-                </a:solidFill>
-                <a:latin typeface="Consolas, "/>
-              </a:rPr>
-              <a:t>&amp; </a:t>
-            </a:r>
-            <a:r>
-              <a:rPr lang="en-US" sz="2400" dirty="0" err="1">
-                <a:solidFill>
-                  <a:srgbClr val="000000"/>
-                </a:solidFill>
-                <a:latin typeface="Consolas, "/>
-              </a:rPr>
-              <a:t>rhs</a:t>
-            </a:r>
-            <a:r>
-              <a:rPr lang="en-US" sz="2400" dirty="0">
-                <a:solidFill>
-                  <a:srgbClr val="000000"/>
-                </a:solidFill>
-                <a:latin typeface="Consolas, "/>
-              </a:rPr>
-              <a:t>);</a:t>
-            </a:r>
-          </a:p>
-          <a:p>
-            <a:r>
-              <a:rPr lang="en-US" sz="2400" dirty="0">
-                <a:solidFill>
-                  <a:srgbClr val="0000FF"/>
-                </a:solidFill>
-                <a:latin typeface="Consolas, "/>
-              </a:rPr>
-              <a:t>bool</a:t>
-            </a:r>
-            <a:r>
-              <a:rPr lang="en-US" sz="2400" dirty="0">
-                <a:solidFill>
-                  <a:srgbClr val="000000"/>
-                </a:solidFill>
-                <a:latin typeface="Consolas, "/>
-              </a:rPr>
-              <a:t> </a:t>
-            </a:r>
-            <a:r>
-              <a:rPr lang="en-US" sz="2400" dirty="0">
-                <a:solidFill>
-                  <a:srgbClr val="0000FF"/>
-                </a:solidFill>
-                <a:latin typeface="Consolas, "/>
-              </a:rPr>
-              <a:t>operator</a:t>
-            </a:r>
-            <a:r>
-              <a:rPr lang="en-US" sz="2400" dirty="0">
-                <a:solidFill>
-                  <a:srgbClr val="000000"/>
-                </a:solidFill>
-                <a:latin typeface="Consolas, "/>
-              </a:rPr>
-              <a:t>&lt;(</a:t>
-            </a:r>
-            <a:r>
-              <a:rPr lang="en-US" sz="2400" dirty="0">
-                <a:solidFill>
-                  <a:srgbClr val="0000FF"/>
-                </a:solidFill>
-                <a:latin typeface="Consolas, "/>
-              </a:rPr>
-              <a:t>const</a:t>
-            </a:r>
-            <a:r>
-              <a:rPr lang="en-US" sz="2400" dirty="0">
-                <a:solidFill>
-                  <a:srgbClr val="000000"/>
-                </a:solidFill>
-                <a:latin typeface="Consolas, "/>
-              </a:rPr>
-              <a:t> </a:t>
-            </a:r>
-            <a:r>
-              <a:rPr lang="en-US" sz="2400" dirty="0" err="1">
-                <a:solidFill>
-                  <a:srgbClr val="000000"/>
-                </a:solidFill>
-                <a:latin typeface="Consolas, "/>
-              </a:rPr>
-              <a:t>my_racc_iterator</a:t>
-            </a:r>
-            <a:r>
-              <a:rPr lang="en-US" sz="2400" dirty="0">
-                <a:solidFill>
-                  <a:srgbClr val="000000"/>
-                </a:solidFill>
-                <a:latin typeface="Consolas, "/>
-              </a:rPr>
-              <a:t>&amp; </a:t>
-            </a:r>
-            <a:r>
-              <a:rPr lang="en-US" sz="2400" dirty="0" err="1">
-                <a:solidFill>
-                  <a:srgbClr val="000000"/>
-                </a:solidFill>
-                <a:latin typeface="Consolas, "/>
-              </a:rPr>
-              <a:t>lhs</a:t>
-            </a:r>
-            <a:r>
-              <a:rPr lang="en-US" sz="2400" dirty="0">
-                <a:solidFill>
-                  <a:srgbClr val="000000"/>
-                </a:solidFill>
-                <a:latin typeface="Consolas, "/>
-              </a:rPr>
-              <a:t>, </a:t>
-            </a:r>
-            <a:r>
-              <a:rPr lang="en-US" sz="2400" dirty="0">
-                <a:solidFill>
-                  <a:srgbClr val="0000FF"/>
-                </a:solidFill>
-                <a:latin typeface="Consolas, "/>
-              </a:rPr>
-              <a:t>const</a:t>
-            </a:r>
-            <a:r>
-              <a:rPr lang="en-US" sz="2400" dirty="0">
-                <a:solidFill>
-                  <a:srgbClr val="000000"/>
-                </a:solidFill>
-                <a:latin typeface="Consolas, "/>
-              </a:rPr>
-              <a:t> </a:t>
-            </a:r>
-            <a:r>
-              <a:rPr lang="en-US" sz="2400" dirty="0" err="1">
-                <a:solidFill>
-                  <a:srgbClr val="000000"/>
-                </a:solidFill>
-                <a:latin typeface="Consolas, "/>
-              </a:rPr>
-              <a:t>my_racc_iterator</a:t>
+              <a:t>my_random_access_iterator</a:t>
             </a:r>
             <a:r>
               <a:rPr lang="en-US" sz="2400" dirty="0">
@@ -23127,7 +23352,7 @@
                 </a:solidFill>
                 <a:latin typeface="Consolas, "/>
               </a:rPr>
-              <a:t>// Shows 5</a:t>
+              <a:t>// Prints 5</a:t>
             </a:r>
             <a:endParaRPr lang="en-US" sz="2400" dirty="0">
               <a:solidFill>
@@ -23162,7 +23387,7 @@
                 </a:solidFill>
                 <a:latin typeface="Consolas, "/>
               </a:rPr>
-              <a:t>// Remove 5 from the container</a:t>
+              <a:t>// Removes 5 from the container</a:t>
             </a:r>
             <a:endParaRPr lang="en-US" sz="2400" dirty="0">
               <a:solidFill>

--- a/08_iterators/08_iterators.pptx
+++ b/08_iterators/08_iterators.pptx
@@ -5,7 +5,7 @@
     <p:sldMasterId id="2147483648" r:id="rId1"/>
   </p:sldMasterIdLst>
   <p:notesMasterIdLst>
-    <p:notesMasterId r:id="rId29"/>
+    <p:notesMasterId r:id="rId30"/>
   </p:notesMasterIdLst>
   <p:sldIdLst>
     <p:sldId id="297" r:id="rId2"/>
@@ -26,15 +26,16 @@
     <p:sldId id="606" r:id="rId17"/>
     <p:sldId id="607" r:id="rId18"/>
     <p:sldId id="608" r:id="rId19"/>
-    <p:sldId id="609" r:id="rId20"/>
-    <p:sldId id="610" r:id="rId21"/>
-    <p:sldId id="611" r:id="rId22"/>
-    <p:sldId id="612" r:id="rId23"/>
-    <p:sldId id="613" r:id="rId24"/>
-    <p:sldId id="614" r:id="rId25"/>
-    <p:sldId id="615" r:id="rId26"/>
-    <p:sldId id="616" r:id="rId27"/>
-    <p:sldId id="617" r:id="rId28"/>
+    <p:sldId id="620" r:id="rId20"/>
+    <p:sldId id="621" r:id="rId21"/>
+    <p:sldId id="610" r:id="rId22"/>
+    <p:sldId id="611" r:id="rId23"/>
+    <p:sldId id="612" r:id="rId24"/>
+    <p:sldId id="613" r:id="rId25"/>
+    <p:sldId id="614" r:id="rId26"/>
+    <p:sldId id="615" r:id="rId27"/>
+    <p:sldId id="616" r:id="rId28"/>
+    <p:sldId id="617" r:id="rId29"/>
   </p:sldIdLst>
   <p:sldSz cx="12192000" cy="6858000"/>
   <p:notesSz cx="6858000" cy="9144000"/>
@@ -223,7 +224,7 @@
           <a:p>
             <a:fld id="{5BD5B299-94C6-402B-8FE2-93C183F604B2}" type="datetimeFigureOut">
               <a:rPr lang="en-US" smtClean="0"/>
-              <a:t>12/29/2020</a:t>
+              <a:t>4/21/2021</a:t>
             </a:fld>
             <a:endParaRPr lang="en-US"/>
           </a:p>
@@ -1414,7 +1415,7 @@
     </p:spTree>
     <p:extLst>
       <p:ext uri="{BB962C8B-B14F-4D97-AF65-F5344CB8AC3E}">
-        <p14:creationId xmlns:p14="http://schemas.microsoft.com/office/powerpoint/2010/main" val="1466999128"/>
+        <p14:creationId xmlns:p14="http://schemas.microsoft.com/office/powerpoint/2010/main" val="922360703"/>
       </p:ext>
     </p:extLst>
   </p:cSld>
@@ -1584,7 +1585,7 @@
     </p:spTree>
     <p:extLst>
       <p:ext uri="{BB962C8B-B14F-4D97-AF65-F5344CB8AC3E}">
-        <p14:creationId xmlns:p14="http://schemas.microsoft.com/office/powerpoint/2010/main" val="2407072734"/>
+        <p14:creationId xmlns:p14="http://schemas.microsoft.com/office/powerpoint/2010/main" val="1514218805"/>
       </p:ext>
     </p:extLst>
   </p:cSld>
@@ -1669,7 +1670,7 @@
     </p:spTree>
     <p:extLst>
       <p:ext uri="{BB962C8B-B14F-4D97-AF65-F5344CB8AC3E}">
-        <p14:creationId xmlns:p14="http://schemas.microsoft.com/office/powerpoint/2010/main" val="2344170490"/>
+        <p14:creationId xmlns:p14="http://schemas.microsoft.com/office/powerpoint/2010/main" val="2407072734"/>
       </p:ext>
     </p:extLst>
   </p:cSld>
@@ -1754,7 +1755,7 @@
     </p:spTree>
     <p:extLst>
       <p:ext uri="{BB962C8B-B14F-4D97-AF65-F5344CB8AC3E}">
-        <p14:creationId xmlns:p14="http://schemas.microsoft.com/office/powerpoint/2010/main" val="2393795698"/>
+        <p14:creationId xmlns:p14="http://schemas.microsoft.com/office/powerpoint/2010/main" val="2344170490"/>
       </p:ext>
     </p:extLst>
   </p:cSld>
@@ -1839,7 +1840,7 @@
     </p:spTree>
     <p:extLst>
       <p:ext uri="{BB962C8B-B14F-4D97-AF65-F5344CB8AC3E}">
-        <p14:creationId xmlns:p14="http://schemas.microsoft.com/office/powerpoint/2010/main" val="1661600012"/>
+        <p14:creationId xmlns:p14="http://schemas.microsoft.com/office/powerpoint/2010/main" val="2393795698"/>
       </p:ext>
     </p:extLst>
   </p:cSld>
@@ -1924,7 +1925,7 @@
     </p:spTree>
     <p:extLst>
       <p:ext uri="{BB962C8B-B14F-4D97-AF65-F5344CB8AC3E}">
-        <p14:creationId xmlns:p14="http://schemas.microsoft.com/office/powerpoint/2010/main" val="2828016196"/>
+        <p14:creationId xmlns:p14="http://schemas.microsoft.com/office/powerpoint/2010/main" val="1661600012"/>
       </p:ext>
     </p:extLst>
   </p:cSld>
@@ -2009,7 +2010,7 @@
     </p:spTree>
     <p:extLst>
       <p:ext uri="{BB962C8B-B14F-4D97-AF65-F5344CB8AC3E}">
-        <p14:creationId xmlns:p14="http://schemas.microsoft.com/office/powerpoint/2010/main" val="2076089617"/>
+        <p14:creationId xmlns:p14="http://schemas.microsoft.com/office/powerpoint/2010/main" val="2828016196"/>
       </p:ext>
     </p:extLst>
   </p:cSld>
@@ -2094,7 +2095,7 @@
     </p:spTree>
     <p:extLst>
       <p:ext uri="{BB962C8B-B14F-4D97-AF65-F5344CB8AC3E}">
-        <p14:creationId xmlns:p14="http://schemas.microsoft.com/office/powerpoint/2010/main" val="3815765108"/>
+        <p14:creationId xmlns:p14="http://schemas.microsoft.com/office/powerpoint/2010/main" val="2076089617"/>
       </p:ext>
     </p:extLst>
   </p:cSld>
@@ -2171,6 +2172,91 @@
               <a:rPr lang="en-US" smtClean="0"/>
               <a:pPr/>
               <a:t>27</a:t>
+            </a:fld>
+            <a:endParaRPr lang="en-US" dirty="0"/>
+          </a:p>
+        </p:txBody>
+      </p:sp>
+    </p:spTree>
+    <p:extLst>
+      <p:ext uri="{BB962C8B-B14F-4D97-AF65-F5344CB8AC3E}">
+        <p14:creationId xmlns:p14="http://schemas.microsoft.com/office/powerpoint/2010/main" val="3815765108"/>
+      </p:ext>
+    </p:extLst>
+  </p:cSld>
+  <p:clrMapOvr>
+    <a:masterClrMapping/>
+  </p:clrMapOvr>
+</p:notes>
+</file>
+
+<file path=ppt/notesSlides/notesSlide28.xml><?xml version="1.0" encoding="utf-8"?>
+<p:notes xmlns:a="http://schemas.openxmlformats.org/drawingml/2006/main" xmlns:r="http://schemas.openxmlformats.org/officeDocument/2006/relationships" xmlns:p="http://schemas.openxmlformats.org/presentationml/2006/main">
+  <p:cSld>
+    <p:spTree>
+      <p:nvGrpSpPr>
+        <p:cNvPr id="1" name=""/>
+        <p:cNvGrpSpPr/>
+        <p:nvPr/>
+      </p:nvGrpSpPr>
+      <p:grpSpPr>
+        <a:xfrm>
+          <a:off x="0" y="0"/>
+          <a:ext cx="0" cy="0"/>
+          <a:chOff x="0" y="0"/>
+          <a:chExt cx="0" cy="0"/>
+        </a:xfrm>
+      </p:grpSpPr>
+      <p:sp>
+        <p:nvSpPr>
+          <p:cNvPr id="2" name="Slide Image Placeholder 1"/>
+          <p:cNvSpPr>
+            <a:spLocks noGrp="1" noRot="1" noChangeAspect="1"/>
+          </p:cNvSpPr>
+          <p:nvPr>
+            <p:ph type="sldImg"/>
+          </p:nvPr>
+        </p:nvSpPr>
+        <p:spPr/>
+      </p:sp>
+      <p:sp>
+        <p:nvSpPr>
+          <p:cNvPr id="3" name="Notes Placeholder 2"/>
+          <p:cNvSpPr>
+            <a:spLocks noGrp="1"/>
+          </p:cNvSpPr>
+          <p:nvPr>
+            <p:ph type="body" idx="1"/>
+          </p:nvPr>
+        </p:nvSpPr>
+        <p:spPr/>
+        <p:txBody>
+          <a:bodyPr/>
+          <a:lstStyle/>
+          <a:p>
+            <a:endParaRPr lang="en-US" dirty="0"/>
+          </a:p>
+        </p:txBody>
+      </p:sp>
+      <p:sp>
+        <p:nvSpPr>
+          <p:cNvPr id="4" name="Slide Number Placeholder 3"/>
+          <p:cNvSpPr>
+            <a:spLocks noGrp="1"/>
+          </p:cNvSpPr>
+          <p:nvPr>
+            <p:ph type="sldNum" sz="quarter" idx="10"/>
+          </p:nvPr>
+        </p:nvSpPr>
+        <p:spPr/>
+        <p:txBody>
+          <a:bodyPr/>
+          <a:lstStyle/>
+          <a:p>
+            <a:fld id="{D61C8689-8455-3546-ADF9-3B7273760F66}" type="slidenum">
+              <a:rPr lang="en-US" smtClean="0"/>
+              <a:pPr/>
+              <a:t>28</a:t>
             </a:fld>
             <a:endParaRPr lang="en-US" dirty="0"/>
           </a:p>
@@ -2931,7 +3017,7 @@
           <a:p>
             <a:fld id="{947EF2C3-E71D-4F8D-9558-45572174E304}" type="datetimeFigureOut">
               <a:rPr lang="en-US" smtClean="0"/>
-              <a:t>12/29/2020</a:t>
+              <a:t>4/21/2021</a:t>
             </a:fld>
             <a:endParaRPr lang="en-US"/>
           </a:p>
@@ -3129,7 +3215,7 @@
           <a:p>
             <a:fld id="{947EF2C3-E71D-4F8D-9558-45572174E304}" type="datetimeFigureOut">
               <a:rPr lang="en-US" smtClean="0"/>
-              <a:t>12/29/2020</a:t>
+              <a:t>4/21/2021</a:t>
             </a:fld>
             <a:endParaRPr lang="en-US"/>
           </a:p>
@@ -3337,7 +3423,7 @@
           <a:p>
             <a:fld id="{947EF2C3-E71D-4F8D-9558-45572174E304}" type="datetimeFigureOut">
               <a:rPr lang="en-US" smtClean="0"/>
-              <a:t>12/29/2020</a:t>
+              <a:t>4/21/2021</a:t>
             </a:fld>
             <a:endParaRPr lang="en-US"/>
           </a:p>
@@ -3535,7 +3621,7 @@
           <a:p>
             <a:fld id="{947EF2C3-E71D-4F8D-9558-45572174E304}" type="datetimeFigureOut">
               <a:rPr lang="en-US" smtClean="0"/>
-              <a:t>12/29/2020</a:t>
+              <a:t>4/21/2021</a:t>
             </a:fld>
             <a:endParaRPr lang="en-US"/>
           </a:p>
@@ -3810,7 +3896,7 @@
           <a:p>
             <a:fld id="{947EF2C3-E71D-4F8D-9558-45572174E304}" type="datetimeFigureOut">
               <a:rPr lang="en-US" smtClean="0"/>
-              <a:t>12/29/2020</a:t>
+              <a:t>4/21/2021</a:t>
             </a:fld>
             <a:endParaRPr lang="en-US"/>
           </a:p>
@@ -4075,7 +4161,7 @@
           <a:p>
             <a:fld id="{947EF2C3-E71D-4F8D-9558-45572174E304}" type="datetimeFigureOut">
               <a:rPr lang="en-US" smtClean="0"/>
-              <a:t>12/29/2020</a:t>
+              <a:t>4/21/2021</a:t>
             </a:fld>
             <a:endParaRPr lang="en-US"/>
           </a:p>
@@ -4487,7 +4573,7 @@
           <a:p>
             <a:fld id="{947EF2C3-E71D-4F8D-9558-45572174E304}" type="datetimeFigureOut">
               <a:rPr lang="en-US" smtClean="0"/>
-              <a:t>12/29/2020</a:t>
+              <a:t>4/21/2021</a:t>
             </a:fld>
             <a:endParaRPr lang="en-US"/>
           </a:p>
@@ -4628,7 +4714,7 @@
           <a:p>
             <a:fld id="{947EF2C3-E71D-4F8D-9558-45572174E304}" type="datetimeFigureOut">
               <a:rPr lang="en-US" smtClean="0"/>
-              <a:t>12/29/2020</a:t>
+              <a:t>4/21/2021</a:t>
             </a:fld>
             <a:endParaRPr lang="en-US"/>
           </a:p>
@@ -4741,7 +4827,7 @@
           <a:p>
             <a:fld id="{947EF2C3-E71D-4F8D-9558-45572174E304}" type="datetimeFigureOut">
               <a:rPr lang="en-US" smtClean="0"/>
-              <a:t>12/29/2020</a:t>
+              <a:t>4/21/2021</a:t>
             </a:fld>
             <a:endParaRPr lang="en-US"/>
           </a:p>
@@ -5052,7 +5138,7 @@
           <a:p>
             <a:fld id="{947EF2C3-E71D-4F8D-9558-45572174E304}" type="datetimeFigureOut">
               <a:rPr lang="en-US" smtClean="0"/>
-              <a:t>12/29/2020</a:t>
+              <a:t>4/21/2021</a:t>
             </a:fld>
             <a:endParaRPr lang="en-US"/>
           </a:p>
@@ -5340,7 +5426,7 @@
           <a:p>
             <a:fld id="{947EF2C3-E71D-4F8D-9558-45572174E304}" type="datetimeFigureOut">
               <a:rPr lang="en-US" smtClean="0"/>
-              <a:t>12/29/2020</a:t>
+              <a:t>4/21/2021</a:t>
             </a:fld>
             <a:endParaRPr lang="en-US"/>
           </a:p>
@@ -5581,7 +5667,7 @@
           <a:p>
             <a:fld id="{947EF2C3-E71D-4F8D-9558-45572174E304}" type="datetimeFigureOut">
               <a:rPr lang="en-US" smtClean="0"/>
-              <a:t>12/29/2020</a:t>
+              <a:t>4/21/2021</a:t>
             </a:fld>
             <a:endParaRPr lang="en-US"/>
           </a:p>
@@ -6480,7 +6566,7 @@
           <a:lstStyle/>
           <a:p>
             <a:r>
-              <a:rPr lang="en-US" sz="7200"/>
+              <a:rPr lang="en-US" sz="7200" dirty="0"/>
               <a:t>Iterators overview</a:t>
             </a:r>
           </a:p>
@@ -7454,8 +7540,8 @@
           <a:prstGeom prst="straightConnector1">
             <a:avLst/>
           </a:prstGeom>
-          <a:ln>
-            <a:prstDash val="dash"/>
+          <a:ln w="19050">
+            <a:prstDash val="lgDashDot"/>
             <a:tailEnd type="triangle"/>
           </a:ln>
         </p:spPr>
@@ -7955,8 +8041,8 @@
         </p:nvSpPr>
         <p:spPr>
           <a:xfrm>
-            <a:off x="539749" y="1274309"/>
-            <a:ext cx="10290176" cy="4711624"/>
+            <a:off x="539749" y="1274308"/>
+            <a:ext cx="10290176" cy="5348913"/>
           </a:xfrm>
           <a:prstGeom prst="rect">
             <a:avLst/>
@@ -7964,7 +8050,7 @@
         </p:spPr>
         <p:txBody>
           <a:bodyPr>
-            <a:normAutofit/>
+            <a:normAutofit lnSpcReduction="10000"/>
           </a:bodyPr>
           <a:lstStyle>
             <a:lvl1pPr marL="0" indent="0" algn="l" defTabSz="457200" rtl="0" eaLnBrk="1" latinLnBrk="0" hangingPunct="1">
@@ -8135,11 +8221,25 @@
               <a:buChar char="•"/>
             </a:pPr>
             <a:r>
+              <a:rPr lang="en-US" sz="2533" i="1" dirty="0">
+                <a:ea typeface="Intel Clear Light" panose="020B0404020203020204" pitchFamily="34" charset="0"/>
+                <a:cs typeface="Intel Clear Light" panose="020B0404020203020204" pitchFamily="34" charset="0"/>
+              </a:rPr>
+              <a:t>==</a:t>
+            </a:r>
+            <a:r>
               <a:rPr lang="en-US" sz="2533" dirty="0">
                 <a:ea typeface="Intel Clear Light" panose="020B0404020203020204" pitchFamily="34" charset="0"/>
                 <a:cs typeface="Intel Clear Light" panose="020B0404020203020204" pitchFamily="34" charset="0"/>
               </a:rPr>
-              <a:t>== and !=</a:t>
+              <a:t> and </a:t>
+            </a:r>
+            <a:r>
+              <a:rPr lang="en-US" sz="2533" i="1" dirty="0">
+                <a:ea typeface="Intel Clear Light" panose="020B0404020203020204" pitchFamily="34" charset="0"/>
+                <a:cs typeface="Intel Clear Light" panose="020B0404020203020204" pitchFamily="34" charset="0"/>
+              </a:rPr>
+              <a:t>!=</a:t>
             </a:r>
           </a:p>
           <a:p>
@@ -8148,7 +8248,7 @@
               <a:buChar char="•"/>
             </a:pPr>
             <a:r>
-              <a:rPr lang="en-US" sz="2533" dirty="0">
+              <a:rPr lang="en-US" sz="2533" i="1" dirty="0">
                 <a:ea typeface="Intel Clear Light" panose="020B0404020203020204" pitchFamily="34" charset="0"/>
                 <a:cs typeface="Intel Clear Light" panose="020B0404020203020204" pitchFamily="34" charset="0"/>
               </a:rPr>
@@ -8161,7 +8261,7 @@
               <a:buChar char="•"/>
             </a:pPr>
             <a:r>
-              <a:rPr lang="en-US" sz="2533" dirty="0">
+              <a:rPr lang="en-US" sz="2533" i="1" dirty="0">
                 <a:ea typeface="Intel Clear Light" panose="020B0404020203020204" pitchFamily="34" charset="0"/>
                 <a:cs typeface="Intel Clear Light" panose="020B0404020203020204" pitchFamily="34" charset="0"/>
               </a:rPr>
@@ -8211,6 +8311,26 @@
           </a:p>
           <a:p>
             <a:endParaRPr lang="en-US" sz="2400" dirty="0">
+              <a:ea typeface="Intel Clear Light" panose="020B0404020203020204" pitchFamily="34" charset="0"/>
+              <a:cs typeface="Intel Clear Light" panose="020B0404020203020204" pitchFamily="34" charset="0"/>
+            </a:endParaRPr>
+          </a:p>
+          <a:p>
+            <a:r>
+              <a:rPr lang="en-US" sz="2800" dirty="0">
+                <a:ea typeface="Intel Clear Light" panose="020B0404020203020204" pitchFamily="34" charset="0"/>
+                <a:cs typeface="Intel Clear Light" panose="020B0404020203020204" pitchFamily="34" charset="0"/>
+              </a:rPr>
+              <a:t>Example - std::</a:t>
+            </a:r>
+            <a:r>
+              <a:rPr lang="en-US" sz="2800" dirty="0" err="1">
+                <a:ea typeface="Intel Clear Light" panose="020B0404020203020204" pitchFamily="34" charset="0"/>
+                <a:cs typeface="Intel Clear Light" panose="020B0404020203020204" pitchFamily="34" charset="0"/>
+              </a:rPr>
+              <a:t>istream_iterator</a:t>
+            </a:r>
+            <a:endParaRPr lang="en-US" sz="2800" dirty="0">
               <a:ea typeface="Intel Clear Light" panose="020B0404020203020204" pitchFamily="34" charset="0"/>
               <a:cs typeface="Intel Clear Light" panose="020B0404020203020204" pitchFamily="34" charset="0"/>
             </a:endParaRPr>
@@ -9650,7 +9770,7 @@
                 <a:ea typeface="Intel Clear Light" panose="020B0404020203020204" pitchFamily="34" charset="0"/>
                 <a:cs typeface="Intel Clear Light" panose="020B0404020203020204" pitchFamily="34" charset="0"/>
               </a:rPr>
-              <a:t>It--</a:t>
+              <a:t>it--</a:t>
             </a:r>
             <a:endParaRPr lang="en-US" sz="2533" dirty="0">
               <a:ea typeface="Intel Clear Light" panose="020B0404020203020204" pitchFamily="34" charset="0"/>
@@ -10578,7 +10698,7 @@
         <p:spPr>
           <a:xfrm>
             <a:off x="539749" y="1274310"/>
-            <a:ext cx="10594976" cy="4953495"/>
+            <a:ext cx="10594976" cy="5082040"/>
           </a:xfrm>
           <a:prstGeom prst="rect">
             <a:avLst/>
@@ -10586,7 +10706,7 @@
         </p:spPr>
         <p:txBody>
           <a:bodyPr>
-            <a:normAutofit/>
+            <a:normAutofit lnSpcReduction="10000"/>
           </a:bodyPr>
           <a:lstStyle>
             <a:lvl1pPr marL="0" indent="0" algn="l" defTabSz="457200" rtl="0" eaLnBrk="1" latinLnBrk="0" hangingPunct="1">
@@ -10814,7 +10934,7 @@
                 <a:ea typeface="Intel Clear Light" panose="020B0404020203020204" pitchFamily="34" charset="0"/>
                 <a:cs typeface="Intel Clear Light" panose="020B0404020203020204" pitchFamily="34" charset="0"/>
               </a:rPr>
-              <a:t>It[n]</a:t>
+              <a:t>it[n]</a:t>
             </a:r>
           </a:p>
           <a:p>
@@ -10877,22 +10997,28 @@
             </a:endParaRPr>
           </a:p>
           <a:p>
-            <a:endParaRPr lang="en-US" sz="2733" dirty="0">
-              <a:ea typeface="Intel Clear Light" panose="020B0404020203020204" pitchFamily="34" charset="0"/>
-              <a:cs typeface="Intel Clear Light" panose="020B0404020203020204" pitchFamily="34" charset="0"/>
-            </a:endParaRPr>
-          </a:p>
-          <a:p>
-            <a:pPr lvl="1" indent="0">
-              <a:buNone/>
-            </a:pPr>
+            <a:r>
+              <a:rPr lang="en-US" sz="2400" dirty="0">
+                <a:ea typeface="Intel Clear Light" panose="020B0404020203020204" pitchFamily="34" charset="0"/>
+                <a:cs typeface="Intel Clear Light" panose="020B0404020203020204" pitchFamily="34" charset="0"/>
+              </a:rPr>
+              <a:t>Raw pointer is </a:t>
+            </a:r>
+            <a:r>
+              <a:rPr lang="en-US" sz="2400" dirty="0" err="1">
+                <a:ea typeface="Intel Clear Light" panose="020B0404020203020204" pitchFamily="34" charset="0"/>
+                <a:cs typeface="Intel Clear Light" panose="020B0404020203020204" pitchFamily="34" charset="0"/>
+              </a:rPr>
+              <a:t>RandomAccessIterator</a:t>
+            </a:r>
+            <a:r>
+              <a:rPr lang="en-US" sz="2400" dirty="0">
+                <a:ea typeface="Intel Clear Light" panose="020B0404020203020204" pitchFamily="34" charset="0"/>
+                <a:cs typeface="Intel Clear Light" panose="020B0404020203020204" pitchFamily="34" charset="0"/>
+              </a:rPr>
+              <a:t>.</a:t>
+            </a:r>
             <a:endParaRPr lang="ru-RU" sz="2533" i="1" dirty="0">
-              <a:ea typeface="Intel Clear Light" panose="020B0404020203020204" pitchFamily="34" charset="0"/>
-              <a:cs typeface="Intel Clear Light" panose="020B0404020203020204" pitchFamily="34" charset="0"/>
-            </a:endParaRPr>
-          </a:p>
-          <a:p>
-            <a:endParaRPr lang="en-US" sz="2400" dirty="0">
               <a:ea typeface="Intel Clear Light" panose="020B0404020203020204" pitchFamily="34" charset="0"/>
               <a:cs typeface="Intel Clear Light" panose="020B0404020203020204" pitchFamily="34" charset="0"/>
             </a:endParaRPr>
@@ -11796,8 +11922,8 @@
         </p:nvSpPr>
         <p:spPr>
           <a:xfrm>
-            <a:off x="539749" y="1274309"/>
-            <a:ext cx="8925984" cy="4711624"/>
+            <a:off x="539748" y="1274309"/>
+            <a:ext cx="10614283" cy="4711624"/>
           </a:xfrm>
           <a:prstGeom prst="rect">
             <a:avLst/>
@@ -12032,8 +12158,9 @@
             </a:r>
           </a:p>
           <a:p>
-            <a:pPr lvl="1" indent="0">
-              <a:buNone/>
+            <a:pPr marL="757748" lvl="1" indent="-457189">
+              <a:buFont typeface="Arial" panose="020B0604020202020204" pitchFamily="34" charset="0"/>
+              <a:buChar char="•"/>
             </a:pPr>
             <a:endParaRPr lang="en-US" sz="2533" dirty="0">
               <a:ea typeface="Intel Clear Light" panose="020B0404020203020204" pitchFamily="34" charset="0"/>
@@ -12041,15 +12168,50 @@
             </a:endParaRPr>
           </a:p>
           <a:p>
-            <a:pPr lvl="1" indent="0">
+            <a:pPr marL="300559" lvl="1" indent="0">
               <a:buNone/>
             </a:pPr>
-            <a:endParaRPr lang="ru-RU" sz="2533" i="1" dirty="0">
-              <a:ea typeface="Intel Clear Light" panose="020B0404020203020204" pitchFamily="34" charset="0"/>
-              <a:cs typeface="Intel Clear Light" panose="020B0404020203020204" pitchFamily="34" charset="0"/>
-            </a:endParaRPr>
-          </a:p>
-          <a:p>
+            <a:r>
+              <a:rPr lang="en-US" sz="2533" dirty="0">
+                <a:ea typeface="Intel Clear Light" panose="020B0404020203020204" pitchFamily="34" charset="0"/>
+                <a:cs typeface="Intel Clear Light" panose="020B0404020203020204" pitchFamily="34" charset="0"/>
+              </a:rPr>
+              <a:t>Notes:</a:t>
+            </a:r>
+          </a:p>
+          <a:p>
+            <a:pPr marL="757759" lvl="1" indent="-457200"/>
+            <a:r>
+              <a:rPr lang="en-US" sz="2533" i="1" dirty="0">
+                <a:ea typeface="Intel Clear Light" panose="020B0404020203020204" pitchFamily="34" charset="0"/>
+                <a:cs typeface="Intel Clear Light" panose="020B0404020203020204" pitchFamily="34" charset="0"/>
+              </a:rPr>
+              <a:t>*it = obj </a:t>
+            </a:r>
+            <a:r>
+              <a:rPr lang="en-US" sz="2533" dirty="0">
+                <a:ea typeface="Intel Clear Light" panose="020B0404020203020204" pitchFamily="34" charset="0"/>
+                <a:cs typeface="Intel Clear Light" panose="020B0404020203020204" pitchFamily="34" charset="0"/>
+              </a:rPr>
+              <a:t>might invalidate the iterator object and all its copies</a:t>
+            </a:r>
+          </a:p>
+          <a:p>
+            <a:pPr marL="757759" lvl="1" indent="-457200"/>
+            <a:r>
+              <a:rPr lang="en-US" sz="2533" i="1" dirty="0">
+                <a:ea typeface="Intel Clear Light" panose="020B0404020203020204" pitchFamily="34" charset="0"/>
+                <a:cs typeface="Intel Clear Light" panose="020B0404020203020204" pitchFamily="34" charset="0"/>
+              </a:rPr>
+              <a:t>++it </a:t>
+            </a:r>
+            <a:r>
+              <a:rPr lang="en-US" sz="2533" dirty="0">
+                <a:ea typeface="Intel Clear Light" panose="020B0404020203020204" pitchFamily="34" charset="0"/>
+                <a:cs typeface="Intel Clear Light" panose="020B0404020203020204" pitchFamily="34" charset="0"/>
+              </a:rPr>
+              <a:t>might invalidate all copies of the iterator object</a:t>
+            </a:r>
             <a:endParaRPr lang="en-US" sz="2400" dirty="0">
               <a:ea typeface="Intel Clear Light" panose="020B0404020203020204" pitchFamily="34" charset="0"/>
               <a:cs typeface="Intel Clear Light" panose="020B0404020203020204" pitchFamily="34" charset="0"/>
@@ -12367,7 +12529,16 @@
                 </a:solidFill>
                 <a:latin typeface="Consolas, "/>
               </a:rPr>
-              <a:t>InputIt,</a:t>
+              <a:t>InputIt</a:t>
+            </a:r>
+            <a:r>
+              <a:rPr lang="en-US" sz="2400" dirty="0">
+                <a:solidFill>
+                  <a:srgbClr val="000000"/>
+                </a:solidFill>
+                <a:latin typeface="Consolas, "/>
+              </a:rPr>
+              <a:t>, </a:t>
             </a:r>
             <a:r>
               <a:rPr lang="en-US" sz="2400" dirty="0" err="1">
@@ -12633,7 +12804,7 @@
         <p:spPr>
           <a:xfrm>
             <a:off x="539749" y="1274310"/>
-            <a:ext cx="11187431" cy="4421641"/>
+            <a:ext cx="11187431" cy="4912306"/>
           </a:xfrm>
           <a:prstGeom prst="rect">
             <a:avLst/>
@@ -12827,7 +12998,16 @@
                 </a:solidFill>
                 <a:latin typeface="Consolas, "/>
               </a:rPr>
-              <a:t>InputIt,</a:t>
+              <a:t>InputIt</a:t>
+            </a:r>
+            <a:r>
+              <a:rPr lang="en-US" sz="2400" dirty="0">
+                <a:solidFill>
+                  <a:srgbClr val="000000"/>
+                </a:solidFill>
+                <a:latin typeface="Consolas, "/>
+              </a:rPr>
+              <a:t>, </a:t>
             </a:r>
             <a:r>
               <a:rPr lang="en-US" sz="2400" dirty="0" err="1">
@@ -12955,121 +13135,8 @@
                 </a:solidFill>
                 <a:latin typeface="Consolas, "/>
               </a:rPr>
-              <a:t> );</a:t>
-            </a:r>
-          </a:p>
-          <a:p>
-            <a:br>
-              <a:rPr lang="en-US" sz="2400" dirty="0">
-                <a:solidFill>
-                  <a:srgbClr val="000000"/>
-                </a:solidFill>
-                <a:latin typeface="Consolas, "/>
-              </a:rPr>
-            </a:br>
-            <a:r>
-              <a:rPr lang="en-US" sz="2400" dirty="0">
-                <a:solidFill>
-                  <a:srgbClr val="0000FF"/>
-                </a:solidFill>
-                <a:latin typeface="Consolas, "/>
-              </a:rPr>
-              <a:t>while</a:t>
-            </a:r>
-            <a:r>
-              <a:rPr lang="en-US" sz="2400" dirty="0">
-                <a:solidFill>
-                  <a:srgbClr val="000000"/>
-                </a:solidFill>
-                <a:latin typeface="Consolas, "/>
-              </a:rPr>
-              <a:t>(first != last) {</a:t>
-            </a:r>
-          </a:p>
-          <a:p>
-            <a:r>
-              <a:rPr lang="en-US" sz="2400" dirty="0">
-                <a:solidFill>
-                  <a:srgbClr val="000000"/>
-                </a:solidFill>
-                <a:latin typeface="Consolas, "/>
-              </a:rPr>
-              <a:t>    *</a:t>
-            </a:r>
-            <a:r>
-              <a:rPr lang="en-US" sz="2400" dirty="0" err="1">
-                <a:solidFill>
-                  <a:srgbClr val="000000"/>
-                </a:solidFill>
-                <a:latin typeface="Consolas, "/>
-              </a:rPr>
-              <a:t>d_first</a:t>
-            </a:r>
-            <a:r>
-              <a:rPr lang="en-US" sz="2400" dirty="0">
-                <a:solidFill>
-                  <a:srgbClr val="000000"/>
-                </a:solidFill>
-                <a:latin typeface="Consolas, "/>
-              </a:rPr>
-              <a:t> = *first;</a:t>
-            </a:r>
-          </a:p>
-          <a:p>
-            <a:r>
-              <a:rPr lang="en-US" sz="2400" dirty="0">
-                <a:solidFill>
-                  <a:srgbClr val="000000"/>
-                </a:solidFill>
-                <a:latin typeface="Consolas, "/>
-              </a:rPr>
-              <a:t>    ++first;</a:t>
-            </a:r>
-          </a:p>
-          <a:p>
-            <a:r>
-              <a:rPr lang="en-US" sz="2400" dirty="0">
-                <a:solidFill>
-                  <a:srgbClr val="000000"/>
-                </a:solidFill>
-                <a:latin typeface="Consolas, "/>
-              </a:rPr>
-              <a:t>    ++</a:t>
-            </a:r>
-            <a:r>
-              <a:rPr lang="en-US" sz="2400" dirty="0" err="1">
-                <a:solidFill>
-                  <a:srgbClr val="000000"/>
-                </a:solidFill>
-                <a:latin typeface="Consolas, "/>
-              </a:rPr>
-              <a:t>d_first</a:t>
-            </a:r>
-            <a:r>
-              <a:rPr lang="en-US" sz="2400" dirty="0">
-                <a:solidFill>
-                  <a:srgbClr val="000000"/>
-                </a:solidFill>
-                <a:latin typeface="Consolas, "/>
-              </a:rPr>
-              <a:t>;</a:t>
-            </a:r>
-          </a:p>
-          <a:p>
-            <a:r>
-              <a:rPr lang="en-US" sz="2400" dirty="0">
-                <a:solidFill>
-                  <a:srgbClr val="000000"/>
-                </a:solidFill>
-                <a:latin typeface="Consolas, "/>
-              </a:rPr>
-              <a:t>}</a:t>
-            </a:r>
-          </a:p>
-          <a:p>
-            <a:pPr lvl="1" indent="0">
-              <a:buNone/>
-            </a:pPr>
+              <a:t> )</a:t>
+            </a:r>
             <a:endParaRPr lang="ru-RU" sz="2533" i="1" dirty="0">
               <a:latin typeface="Intel Clear Light" panose="020B0404020203020204" pitchFamily="34" charset="0"/>
               <a:ea typeface="Intel Clear Light" panose="020B0404020203020204" pitchFamily="34" charset="0"/>
@@ -13088,7 +13155,7 @@
     </p:spTree>
     <p:extLst>
       <p:ext uri="{BB962C8B-B14F-4D97-AF65-F5344CB8AC3E}">
-        <p14:creationId xmlns:p14="http://schemas.microsoft.com/office/powerpoint/2010/main" val="1966727688"/>
+        <p14:creationId xmlns:p14="http://schemas.microsoft.com/office/powerpoint/2010/main" val="1435395572"/>
       </p:ext>
     </p:extLst>
   </p:cSld>
@@ -13795,7 +13862,7 @@
                 <a:ea typeface="Intel Clear Pro Bold" panose="020B0804020202060201" pitchFamily="34" charset="-52"/>
                 <a:cs typeface="Intel Clear Pro Bold" panose="020B0804020202060201" pitchFamily="34" charset="-52"/>
               </a:rPr>
-              <a:t>Range-based for loop</a:t>
+              <a:t>Iterators and algorithms</a:t>
             </a:r>
           </a:p>
         </p:txBody>
@@ -13826,10 +13893,10 @@
       </p:sp>
       <p:sp>
         <p:nvSpPr>
-          <p:cNvPr id="5" name="Content Placeholder 2">
+          <p:cNvPr id="8" name="Content Placeholder 2">
             <a:extLst>
               <a:ext uri="{FF2B5EF4-FFF2-40B4-BE49-F238E27FC236}">
-                <a16:creationId xmlns:a16="http://schemas.microsoft.com/office/drawing/2014/main" id="{56290BB1-B957-4F80-85BB-F0DFDA6F5313}"/>
+                <a16:creationId xmlns:a16="http://schemas.microsoft.com/office/drawing/2014/main" id="{49F36F0B-0F74-4505-9583-36E799397348}"/>
               </a:ext>
             </a:extLst>
           </p:cNvPr>
@@ -13841,7 +13908,7 @@
         <p:spPr>
           <a:xfrm>
             <a:off x="539749" y="1274310"/>
-            <a:ext cx="8925984" cy="4421641"/>
+            <a:ext cx="11187431" cy="4912306"/>
           </a:xfrm>
           <a:prstGeom prst="rect">
             <a:avLst/>
@@ -13993,90 +14060,189 @@
           </a:lstStyle>
           <a:p>
             <a:r>
-              <a:rPr lang="en-US" sz="2667" dirty="0">
-                <a:solidFill>
-                  <a:srgbClr val="000000"/>
-                </a:solidFill>
-                <a:latin typeface="Consolas, "/>
-              </a:rPr>
-              <a:t>std::vector&lt;</a:t>
-            </a:r>
-            <a:r>
-              <a:rPr lang="en-US" sz="2667" dirty="0">
+              <a:rPr lang="en-US" sz="2400" dirty="0">
                 <a:solidFill>
                   <a:srgbClr val="0000FF"/>
                 </a:solidFill>
                 <a:latin typeface="Consolas, "/>
               </a:rPr>
-              <a:t>int</a:t>
-            </a:r>
-            <a:r>
-              <a:rPr lang="en-US" sz="2667" dirty="0">
-                <a:solidFill>
-                  <a:srgbClr val="000000"/>
-                </a:solidFill>
-                <a:latin typeface="Consolas, "/>
-              </a:rPr>
-              <a:t>&gt; v = {</a:t>
-            </a:r>
-            <a:r>
-              <a:rPr lang="en-US" sz="2667" dirty="0">
-                <a:solidFill>
-                  <a:srgbClr val="098658"/>
-                </a:solidFill>
-                <a:latin typeface="Consolas, "/>
-              </a:rPr>
-              <a:t>1</a:t>
-            </a:r>
-            <a:r>
-              <a:rPr lang="en-US" sz="2667" dirty="0">
-                <a:solidFill>
-                  <a:srgbClr val="000000"/>
-                </a:solidFill>
-                <a:latin typeface="Consolas, "/>
-              </a:rPr>
-              <a:t>, </a:t>
-            </a:r>
-            <a:r>
-              <a:rPr lang="en-US" sz="2667" dirty="0">
-                <a:solidFill>
-                  <a:srgbClr val="098658"/>
-                </a:solidFill>
-                <a:latin typeface="Consolas, "/>
-              </a:rPr>
-              <a:t>2</a:t>
-            </a:r>
-            <a:r>
-              <a:rPr lang="en-US" sz="2667" dirty="0">
-                <a:solidFill>
-                  <a:srgbClr val="000000"/>
-                </a:solidFill>
-                <a:latin typeface="Consolas, "/>
-              </a:rPr>
-              <a:t>, </a:t>
-            </a:r>
-            <a:r>
-              <a:rPr lang="en-US" sz="2667" dirty="0">
-                <a:solidFill>
-                  <a:srgbClr val="098658"/>
-                </a:solidFill>
-                <a:latin typeface="Consolas, "/>
-              </a:rPr>
-              <a:t>3</a:t>
-            </a:r>
-            <a:r>
-              <a:rPr lang="en-US" sz="2667" dirty="0">
-                <a:solidFill>
-                  <a:srgbClr val="000000"/>
-                </a:solidFill>
-                <a:latin typeface="Consolas, "/>
-              </a:rPr>
-              <a:t>};</a:t>
-            </a:r>
-          </a:p>
-          <a:p>
+              <a:t>template</a:t>
+            </a:r>
+            <a:r>
+              <a:rPr lang="en-US" sz="2400" dirty="0">
+                <a:solidFill>
+                  <a:srgbClr val="000000"/>
+                </a:solidFill>
+                <a:latin typeface="Consolas, "/>
+              </a:rPr>
+              <a:t> &lt;</a:t>
+            </a:r>
+            <a:r>
+              <a:rPr lang="en-US" sz="2400" dirty="0" err="1">
+                <a:solidFill>
+                  <a:srgbClr val="0000FF"/>
+                </a:solidFill>
+                <a:latin typeface="Consolas, "/>
+              </a:rPr>
+              <a:t>typename</a:t>
+            </a:r>
+            <a:r>
+              <a:rPr lang="en-US" sz="2400" dirty="0">
+                <a:solidFill>
+                  <a:srgbClr val="000000"/>
+                </a:solidFill>
+                <a:latin typeface="Consolas, "/>
+              </a:rPr>
+              <a:t> </a:t>
+            </a:r>
+            <a:r>
+              <a:rPr lang="en-US" sz="2400" dirty="0" err="1">
+                <a:solidFill>
+                  <a:srgbClr val="000000"/>
+                </a:solidFill>
+                <a:latin typeface="Consolas, "/>
+              </a:rPr>
+              <a:t>InputIt</a:t>
+            </a:r>
+            <a:r>
+              <a:rPr lang="en-US" sz="2400" dirty="0">
+                <a:solidFill>
+                  <a:srgbClr val="000000"/>
+                </a:solidFill>
+                <a:latin typeface="Consolas, "/>
+              </a:rPr>
+              <a:t>, </a:t>
+            </a:r>
+            <a:r>
+              <a:rPr lang="en-US" sz="2400" dirty="0" err="1">
+                <a:solidFill>
+                  <a:srgbClr val="0000FF"/>
+                </a:solidFill>
+                <a:latin typeface="Consolas, "/>
+              </a:rPr>
+              <a:t>typename</a:t>
+            </a:r>
+            <a:r>
+              <a:rPr lang="en-US" sz="2400" dirty="0">
+                <a:solidFill>
+                  <a:srgbClr val="000000"/>
+                </a:solidFill>
+                <a:latin typeface="Consolas, "/>
+              </a:rPr>
+              <a:t> </a:t>
+            </a:r>
+            <a:r>
+              <a:rPr lang="en-US" sz="2400" dirty="0" err="1">
+                <a:solidFill>
+                  <a:srgbClr val="000000"/>
+                </a:solidFill>
+                <a:latin typeface="Consolas, "/>
+              </a:rPr>
+              <a:t>OutputIt</a:t>
+            </a:r>
+            <a:r>
+              <a:rPr lang="en-US" sz="2400" dirty="0">
+                <a:solidFill>
+                  <a:srgbClr val="000000"/>
+                </a:solidFill>
+                <a:latin typeface="Consolas, "/>
+              </a:rPr>
+              <a:t>&gt;</a:t>
+            </a:r>
+          </a:p>
+          <a:p>
+            <a:r>
+              <a:rPr lang="en-US" sz="2400" dirty="0" err="1">
+                <a:solidFill>
+                  <a:srgbClr val="000000"/>
+                </a:solidFill>
+                <a:latin typeface="Consolas, "/>
+              </a:rPr>
+              <a:t>OutputIt</a:t>
+            </a:r>
+            <a:r>
+              <a:rPr lang="en-US" sz="2400" dirty="0">
+                <a:solidFill>
+                  <a:srgbClr val="000000"/>
+                </a:solidFill>
+                <a:latin typeface="Consolas, "/>
+              </a:rPr>
+              <a:t> copy( </a:t>
+            </a:r>
+            <a:r>
+              <a:rPr lang="en-US" sz="2400" dirty="0" err="1">
+                <a:solidFill>
+                  <a:srgbClr val="000000"/>
+                </a:solidFill>
+                <a:latin typeface="Consolas, "/>
+              </a:rPr>
+              <a:t>InputIt</a:t>
+            </a:r>
+            <a:r>
+              <a:rPr lang="en-US" sz="2400" dirty="0">
+                <a:solidFill>
+                  <a:srgbClr val="000000"/>
+                </a:solidFill>
+                <a:latin typeface="Consolas, "/>
+              </a:rPr>
+              <a:t> first, </a:t>
+            </a:r>
+            <a:r>
+              <a:rPr lang="en-US" sz="2400" dirty="0" err="1">
+                <a:solidFill>
+                  <a:srgbClr val="000000"/>
+                </a:solidFill>
+                <a:latin typeface="Consolas, "/>
+              </a:rPr>
+              <a:t>InputIt</a:t>
+            </a:r>
+            <a:r>
+              <a:rPr lang="en-US" sz="2400" dirty="0">
+                <a:solidFill>
+                  <a:srgbClr val="000000"/>
+                </a:solidFill>
+                <a:latin typeface="Consolas, "/>
+              </a:rPr>
+              <a:t> last, </a:t>
+            </a:r>
+            <a:r>
+              <a:rPr lang="en-US" sz="2400" dirty="0" err="1">
+                <a:solidFill>
+                  <a:srgbClr val="000000"/>
+                </a:solidFill>
+                <a:latin typeface="Consolas, "/>
+              </a:rPr>
+              <a:t>OutputIt</a:t>
+            </a:r>
+            <a:r>
+              <a:rPr lang="en-US" sz="2400" dirty="0">
+                <a:solidFill>
+                  <a:srgbClr val="000000"/>
+                </a:solidFill>
+                <a:latin typeface="Consolas, "/>
+              </a:rPr>
+              <a:t> </a:t>
+            </a:r>
+            <a:r>
+              <a:rPr lang="en-US" sz="2400" dirty="0" err="1">
+                <a:solidFill>
+                  <a:srgbClr val="000000"/>
+                </a:solidFill>
+                <a:latin typeface="Consolas, "/>
+              </a:rPr>
+              <a:t>d_first</a:t>
+            </a:r>
+            <a:r>
+              <a:rPr lang="en-US" sz="2400" dirty="0">
+                <a:solidFill>
+                  <a:srgbClr val="000000"/>
+                </a:solidFill>
+                <a:latin typeface="Consolas, "/>
+              </a:rPr>
+              <a:t> ) {</a:t>
+            </a:r>
             <a:br>
-              <a:rPr lang="en-US" sz="2667" dirty="0">
+              <a:rPr lang="en-US" sz="2400" dirty="0">
                 <a:solidFill>
                   <a:srgbClr val="000000"/>
                 </a:solidFill>
@@ -14084,105 +14250,151 @@
               </a:rPr>
             </a:br>
             <a:r>
-              <a:rPr lang="en-US" sz="2667" dirty="0">
+              <a:rPr lang="en-US" sz="2400" dirty="0">
+                <a:solidFill>
+                  <a:srgbClr val="000000"/>
+                </a:solidFill>
+                <a:latin typeface="Consolas, "/>
+              </a:rPr>
+              <a:t>    </a:t>
+            </a:r>
+            <a:r>
+              <a:rPr lang="en-US" sz="2400" dirty="0">
                 <a:solidFill>
                   <a:srgbClr val="0000FF"/>
                 </a:solidFill>
                 <a:latin typeface="Consolas, "/>
               </a:rPr>
-              <a:t>for</a:t>
-            </a:r>
-            <a:r>
-              <a:rPr lang="en-US" sz="2667" dirty="0">
-                <a:solidFill>
-                  <a:srgbClr val="000000"/>
-                </a:solidFill>
-                <a:latin typeface="Consolas, "/>
-              </a:rPr>
-              <a:t> ( </a:t>
-            </a:r>
-            <a:r>
-              <a:rPr lang="en-US" sz="2667" dirty="0">
-                <a:solidFill>
-                  <a:srgbClr val="0000FF"/>
-                </a:solidFill>
-                <a:latin typeface="Consolas, "/>
-              </a:rPr>
-              <a:t>auto</a:t>
-            </a:r>
-            <a:r>
-              <a:rPr lang="en-US" sz="2667" dirty="0">
-                <a:solidFill>
-                  <a:srgbClr val="000000"/>
-                </a:solidFill>
-                <a:latin typeface="Consolas, "/>
-              </a:rPr>
-              <a:t> item : v) {</a:t>
-            </a:r>
-          </a:p>
-          <a:p>
-            <a:r>
-              <a:rPr lang="en-US" sz="2667" dirty="0">
-                <a:solidFill>
-                  <a:srgbClr val="000000"/>
-                </a:solidFill>
-                <a:latin typeface="Consolas, "/>
-              </a:rPr>
-              <a:t>    std::</a:t>
-            </a:r>
-            <a:r>
-              <a:rPr lang="en-US" sz="2667" dirty="0" err="1">
-                <a:solidFill>
-                  <a:srgbClr val="000000"/>
-                </a:solidFill>
-                <a:latin typeface="Consolas, "/>
-              </a:rPr>
-              <a:t>cout</a:t>
-            </a:r>
-            <a:r>
-              <a:rPr lang="en-US" sz="2667" dirty="0">
-                <a:solidFill>
-                  <a:srgbClr val="000000"/>
-                </a:solidFill>
-                <a:latin typeface="Consolas, "/>
-              </a:rPr>
-              <a:t> &lt;&lt; item &lt;&lt; “ “;</a:t>
-            </a:r>
-          </a:p>
-          <a:p>
-            <a:r>
-              <a:rPr lang="en-US" sz="2667" dirty="0">
+              <a:t>while</a:t>
+            </a:r>
+            <a:r>
+              <a:rPr lang="en-US" sz="2400" dirty="0">
+                <a:solidFill>
+                  <a:srgbClr val="000000"/>
+                </a:solidFill>
+                <a:latin typeface="Consolas, "/>
+              </a:rPr>
+              <a:t>(first != last) {</a:t>
+            </a:r>
+          </a:p>
+          <a:p>
+            <a:r>
+              <a:rPr lang="en-US" sz="2400" dirty="0">
+                <a:solidFill>
+                  <a:srgbClr val="000000"/>
+                </a:solidFill>
+                <a:latin typeface="Consolas, "/>
+              </a:rPr>
+              <a:t>        *</a:t>
+            </a:r>
+            <a:r>
+              <a:rPr lang="en-US" sz="2400" dirty="0" err="1">
+                <a:solidFill>
+                  <a:srgbClr val="000000"/>
+                </a:solidFill>
+                <a:latin typeface="Consolas, "/>
+              </a:rPr>
+              <a:t>d_first</a:t>
+            </a:r>
+            <a:r>
+              <a:rPr lang="en-US" sz="2400" dirty="0">
+                <a:solidFill>
+                  <a:srgbClr val="000000"/>
+                </a:solidFill>
+                <a:latin typeface="Consolas, "/>
+              </a:rPr>
+              <a:t> = *first;</a:t>
+            </a:r>
+          </a:p>
+          <a:p>
+            <a:r>
+              <a:rPr lang="en-US" sz="2400" dirty="0">
+                <a:solidFill>
+                  <a:srgbClr val="000000"/>
+                </a:solidFill>
+                <a:latin typeface="Consolas, "/>
+              </a:rPr>
+              <a:t>        ++first;</a:t>
+            </a:r>
+          </a:p>
+          <a:p>
+            <a:r>
+              <a:rPr lang="en-US" sz="2400" dirty="0">
+                <a:solidFill>
+                  <a:srgbClr val="000000"/>
+                </a:solidFill>
+                <a:latin typeface="Consolas, "/>
+              </a:rPr>
+              <a:t>        ++</a:t>
+            </a:r>
+            <a:r>
+              <a:rPr lang="en-US" sz="2400" dirty="0" err="1">
+                <a:solidFill>
+                  <a:srgbClr val="000000"/>
+                </a:solidFill>
+                <a:latin typeface="Consolas, "/>
+              </a:rPr>
+              <a:t>d_first</a:t>
+            </a:r>
+            <a:r>
+              <a:rPr lang="en-US" sz="2400" dirty="0">
+                <a:solidFill>
+                  <a:srgbClr val="000000"/>
+                </a:solidFill>
+                <a:latin typeface="Consolas, "/>
+              </a:rPr>
+              <a:t>;</a:t>
+            </a:r>
+          </a:p>
+          <a:p>
+            <a:r>
+              <a:rPr lang="en-US" sz="2400" dirty="0">
+                <a:solidFill>
+                  <a:srgbClr val="000000"/>
+                </a:solidFill>
+                <a:latin typeface="Consolas, "/>
+              </a:rPr>
+              <a:t>    }</a:t>
+            </a:r>
+          </a:p>
+          <a:p>
+            <a:r>
+              <a:rPr lang="en-US" sz="2400" dirty="0">
+                <a:solidFill>
+                  <a:srgbClr val="000000"/>
+                </a:solidFill>
+                <a:latin typeface="Consolas, "/>
+              </a:rPr>
+              <a:t>    return </a:t>
+            </a:r>
+            <a:r>
+              <a:rPr lang="en-US" sz="2400" dirty="0" err="1">
+                <a:solidFill>
+                  <a:srgbClr val="000000"/>
+                </a:solidFill>
+                <a:latin typeface="Consolas, "/>
+              </a:rPr>
+              <a:t>d_first</a:t>
+            </a:r>
+            <a:r>
+              <a:rPr lang="en-US" sz="2400" dirty="0">
+                <a:solidFill>
+                  <a:srgbClr val="000000"/>
+                </a:solidFill>
+                <a:latin typeface="Consolas, "/>
+              </a:rPr>
+              <a:t>;</a:t>
+            </a:r>
+          </a:p>
+          <a:p>
+            <a:r>
+              <a:rPr lang="en-US" sz="2400" dirty="0">
                 <a:solidFill>
                   <a:srgbClr val="000000"/>
                 </a:solidFill>
                 <a:latin typeface="Consolas, "/>
               </a:rPr>
               <a:t>}</a:t>
-            </a:r>
-          </a:p>
-          <a:p>
-            <a:endParaRPr lang="en-US" sz="2533" i="1" dirty="0">
-              <a:latin typeface="Intel Clear Light" panose="020B0404020203020204" pitchFamily="34" charset="0"/>
-              <a:ea typeface="Intel Clear Light" panose="020B0404020203020204" pitchFamily="34" charset="0"/>
-              <a:cs typeface="Intel Clear Light" panose="020B0404020203020204" pitchFamily="34" charset="0"/>
-            </a:endParaRPr>
-          </a:p>
-          <a:p>
-            <a:r>
-              <a:rPr lang="en-US" sz="2533" i="1" dirty="0">
-                <a:ea typeface="Intel Clear Light" panose="020B0404020203020204" pitchFamily="34" charset="0"/>
-                <a:cs typeface="Intel Clear Light" panose="020B0404020203020204" pitchFamily="34" charset="0"/>
-              </a:rPr>
-              <a:t>Output:</a:t>
-            </a:r>
-          </a:p>
-          <a:p>
-            <a:r>
-              <a:rPr lang="en-US" sz="2533" i="1" dirty="0">
-                <a:ea typeface="Intel Clear Light" panose="020B0404020203020204" pitchFamily="34" charset="0"/>
-                <a:cs typeface="Intel Clear Light" panose="020B0404020203020204" pitchFamily="34" charset="0"/>
-              </a:rPr>
-              <a:t>1 2 3</a:t>
             </a:r>
           </a:p>
           <a:p>
@@ -14207,7 +14419,7 @@
     </p:spTree>
     <p:extLst>
       <p:ext uri="{BB962C8B-B14F-4D97-AF65-F5344CB8AC3E}">
-        <p14:creationId xmlns:p14="http://schemas.microsoft.com/office/powerpoint/2010/main" val="1709115471"/>
+        <p14:creationId xmlns:p14="http://schemas.microsoft.com/office/powerpoint/2010/main" val="1116196476"/>
       </p:ext>
     </p:extLst>
   </p:cSld>
@@ -14319,8 +14531,8 @@
         </p:nvSpPr>
         <p:spPr>
           <a:xfrm>
-            <a:off x="539752" y="1218180"/>
-            <a:ext cx="11468185" cy="4421641"/>
+            <a:off x="539749" y="1274310"/>
+            <a:ext cx="8925984" cy="4421641"/>
           </a:xfrm>
           <a:prstGeom prst="rect">
             <a:avLst/>
@@ -14472,7 +14684,7 @@
           </a:lstStyle>
           <a:p>
             <a:r>
-              <a:rPr lang="en-US" sz="1867" dirty="0">
+              <a:rPr lang="en-US" sz="2667" dirty="0">
                 <a:solidFill>
                   <a:srgbClr val="000000"/>
                 </a:solidFill>
@@ -14481,7 +14693,7 @@
               <a:t>std::vector&lt;</a:t>
             </a:r>
             <a:r>
-              <a:rPr lang="en-US" sz="1867" dirty="0">
+              <a:rPr lang="en-US" sz="2667" dirty="0">
                 <a:solidFill>
                   <a:srgbClr val="0000FF"/>
                 </a:solidFill>
@@ -14490,7 +14702,7 @@
               <a:t>int</a:t>
             </a:r>
             <a:r>
-              <a:rPr lang="en-US" sz="1867" dirty="0">
+              <a:rPr lang="en-US" sz="2667" dirty="0">
                 <a:solidFill>
                   <a:srgbClr val="000000"/>
                 </a:solidFill>
@@ -14499,7 +14711,7 @@
               <a:t>&gt; v = {</a:t>
             </a:r>
             <a:r>
-              <a:rPr lang="en-US" sz="1867" dirty="0">
+              <a:rPr lang="en-US" sz="2667" dirty="0">
                 <a:solidFill>
                   <a:srgbClr val="098658"/>
                 </a:solidFill>
@@ -14508,7 +14720,7 @@
               <a:t>1</a:t>
             </a:r>
             <a:r>
-              <a:rPr lang="en-US" sz="1867" dirty="0">
+              <a:rPr lang="en-US" sz="2667" dirty="0">
                 <a:solidFill>
                   <a:srgbClr val="000000"/>
                 </a:solidFill>
@@ -14517,7 +14729,7 @@
               <a:t>, </a:t>
             </a:r>
             <a:r>
-              <a:rPr lang="en-US" sz="1867" dirty="0">
+              <a:rPr lang="en-US" sz="2667" dirty="0">
                 <a:solidFill>
                   <a:srgbClr val="098658"/>
                 </a:solidFill>
@@ -14526,7 +14738,7 @@
               <a:t>2</a:t>
             </a:r>
             <a:r>
-              <a:rPr lang="en-US" sz="1867" dirty="0">
+              <a:rPr lang="en-US" sz="2667" dirty="0">
                 <a:solidFill>
                   <a:srgbClr val="000000"/>
                 </a:solidFill>
@@ -14535,7 +14747,7 @@
               <a:t>, </a:t>
             </a:r>
             <a:r>
-              <a:rPr lang="en-US" sz="1867" dirty="0">
+              <a:rPr lang="en-US" sz="2667" dirty="0">
                 <a:solidFill>
                   <a:srgbClr val="098658"/>
                 </a:solidFill>
@@ -14544,7 +14756,7 @@
               <a:t>3</a:t>
             </a:r>
             <a:r>
-              <a:rPr lang="en-US" sz="1867" dirty="0">
+              <a:rPr lang="en-US" sz="2667" dirty="0">
                 <a:solidFill>
                   <a:srgbClr val="000000"/>
                 </a:solidFill>
@@ -14554,8 +14766,16 @@
             </a:r>
           </a:p>
           <a:p>
-            <a:r>
-              <a:rPr lang="en-US" sz="1867" dirty="0">
+            <a:br>
+              <a:rPr lang="en-US" sz="2667" dirty="0">
+                <a:solidFill>
+                  <a:srgbClr val="000000"/>
+                </a:solidFill>
+                <a:latin typeface="Consolas, "/>
+              </a:rPr>
+            </a:br>
+            <a:r>
+              <a:rPr lang="en-US" sz="2667" dirty="0">
                 <a:solidFill>
                   <a:srgbClr val="0000FF"/>
                 </a:solidFill>
@@ -14564,7 +14784,7 @@
               <a:t>for</a:t>
             </a:r>
             <a:r>
-              <a:rPr lang="en-US" sz="1867" dirty="0">
+              <a:rPr lang="en-US" sz="2667" dirty="0">
                 <a:solidFill>
                   <a:srgbClr val="000000"/>
                 </a:solidFill>
@@ -14573,252 +14793,63 @@
               <a:t> ( </a:t>
             </a:r>
             <a:r>
-              <a:rPr lang="en-US" sz="1867" dirty="0">
+              <a:rPr lang="en-US" sz="2667" dirty="0">
                 <a:solidFill>
                   <a:srgbClr val="0000FF"/>
                 </a:solidFill>
                 <a:latin typeface="Consolas, "/>
               </a:rPr>
-              <a:t>auto</a:t>
-            </a:r>
-            <a:r>
-              <a:rPr lang="en-US" sz="1867" dirty="0">
-                <a:solidFill>
-                  <a:srgbClr val="000000"/>
-                </a:solidFill>
-                <a:latin typeface="Consolas, "/>
-              </a:rPr>
-              <a:t> </a:t>
-            </a:r>
-            <a:r>
-              <a:rPr lang="en-US" sz="1867" dirty="0" err="1">
-                <a:solidFill>
-                  <a:srgbClr val="000000"/>
-                </a:solidFill>
-                <a:latin typeface="Consolas, "/>
-              </a:rPr>
-              <a:t>i</a:t>
-            </a:r>
-            <a:r>
-              <a:rPr lang="en-US" sz="1867" dirty="0">
-                <a:solidFill>
-                  <a:srgbClr val="000000"/>
-                </a:solidFill>
-                <a:latin typeface="Consolas, "/>
-              </a:rPr>
-              <a:t> : v ) </a:t>
-            </a:r>
-            <a:r>
-              <a:rPr lang="en-US" sz="1867" dirty="0">
-                <a:solidFill>
-                  <a:srgbClr val="008000"/>
-                </a:solidFill>
-                <a:latin typeface="Consolas, "/>
-              </a:rPr>
-              <a:t>// Access by value, the type of </a:t>
-            </a:r>
-            <a:r>
-              <a:rPr lang="en-US" sz="1867" dirty="0" err="1">
-                <a:solidFill>
-                  <a:srgbClr val="008000"/>
-                </a:solidFill>
-                <a:latin typeface="Consolas, "/>
-              </a:rPr>
-              <a:t>i</a:t>
-            </a:r>
-            <a:r>
-              <a:rPr lang="en-US" sz="1867" dirty="0">
-                <a:solidFill>
-                  <a:srgbClr val="008000"/>
-                </a:solidFill>
-                <a:latin typeface="Consolas, "/>
-              </a:rPr>
-              <a:t> is int</a:t>
-            </a:r>
-            <a:endParaRPr lang="en-US" sz="1867" dirty="0">
-              <a:solidFill>
-                <a:srgbClr val="000000"/>
-              </a:solidFill>
-              <a:latin typeface="Consolas, "/>
-            </a:endParaRPr>
-          </a:p>
-          <a:p>
-            <a:r>
-              <a:rPr lang="en-US" sz="1867" dirty="0">
-                <a:solidFill>
-                  <a:srgbClr val="0000FF"/>
-                </a:solidFill>
-                <a:latin typeface="Consolas, "/>
-              </a:rPr>
-              <a:t>for</a:t>
-            </a:r>
-            <a:r>
-              <a:rPr lang="en-US" sz="1867" dirty="0">
-                <a:solidFill>
-                  <a:srgbClr val="000000"/>
-                </a:solidFill>
-                <a:latin typeface="Consolas, "/>
-              </a:rPr>
-              <a:t> ( </a:t>
-            </a:r>
-            <a:r>
-              <a:rPr lang="en-US" sz="1867" dirty="0">
-                <a:solidFill>
-                  <a:srgbClr val="0000FF"/>
-                </a:solidFill>
-                <a:latin typeface="Consolas, "/>
-              </a:rPr>
-              <a:t>auto</a:t>
-            </a:r>
-            <a:r>
-              <a:rPr lang="en-US" sz="1867" dirty="0">
-                <a:solidFill>
-                  <a:srgbClr val="000000"/>
-                </a:solidFill>
-                <a:latin typeface="Consolas, "/>
-              </a:rPr>
-              <a:t>&amp; </a:t>
-            </a:r>
-            <a:r>
-              <a:rPr lang="en-US" sz="1867" dirty="0" err="1">
-                <a:solidFill>
-                  <a:srgbClr val="000000"/>
-                </a:solidFill>
-                <a:latin typeface="Consolas, "/>
-              </a:rPr>
-              <a:t>i</a:t>
-            </a:r>
-            <a:r>
-              <a:rPr lang="en-US" sz="1867" dirty="0">
-                <a:solidFill>
-                  <a:srgbClr val="000000"/>
-                </a:solidFill>
-                <a:latin typeface="Consolas, "/>
-              </a:rPr>
-              <a:t> : v ) </a:t>
-            </a:r>
-            <a:r>
-              <a:rPr lang="en-US" sz="1867" dirty="0">
-                <a:solidFill>
-                  <a:srgbClr val="008000"/>
-                </a:solidFill>
-                <a:latin typeface="Consolas, "/>
-              </a:rPr>
-              <a:t>// Access by reference, the type of </a:t>
-            </a:r>
-            <a:r>
-              <a:rPr lang="en-US" sz="1867" dirty="0" err="1">
-                <a:solidFill>
-                  <a:srgbClr val="008000"/>
-                </a:solidFill>
-                <a:latin typeface="Consolas, "/>
-              </a:rPr>
-              <a:t>i</a:t>
-            </a:r>
-            <a:r>
-              <a:rPr lang="en-US" sz="1867" dirty="0">
-                <a:solidFill>
-                  <a:srgbClr val="008000"/>
-                </a:solidFill>
-                <a:latin typeface="Consolas, "/>
-              </a:rPr>
-              <a:t> is int&amp; </a:t>
-            </a:r>
-            <a:endParaRPr lang="en-US" sz="1867" dirty="0">
-              <a:solidFill>
-                <a:srgbClr val="000000"/>
-              </a:solidFill>
-              <a:latin typeface="Consolas, "/>
-            </a:endParaRPr>
-          </a:p>
-          <a:p>
-            <a:r>
-              <a:rPr lang="en-US" sz="1867" dirty="0">
-                <a:solidFill>
-                  <a:srgbClr val="0000FF"/>
-                </a:solidFill>
-                <a:latin typeface="Consolas, "/>
-              </a:rPr>
-              <a:t>for</a:t>
-            </a:r>
-            <a:r>
-              <a:rPr lang="en-US" sz="1867" dirty="0">
-                <a:solidFill>
-                  <a:srgbClr val="000000"/>
-                </a:solidFill>
-                <a:latin typeface="Consolas, "/>
-              </a:rPr>
-              <a:t> ( </a:t>
-            </a:r>
-            <a:r>
-              <a:rPr lang="en-US" sz="1867" dirty="0">
-                <a:solidFill>
-                  <a:srgbClr val="0000FF"/>
-                </a:solidFill>
-                <a:latin typeface="Consolas, "/>
-              </a:rPr>
-              <a:t>auto</a:t>
-            </a:r>
-            <a:r>
-              <a:rPr lang="en-US" sz="1867" dirty="0">
-                <a:solidFill>
-                  <a:srgbClr val="000000"/>
-                </a:solidFill>
-                <a:latin typeface="Consolas, "/>
-              </a:rPr>
-              <a:t>&amp;&amp; </a:t>
-            </a:r>
-            <a:r>
-              <a:rPr lang="en-US" sz="1867" dirty="0" err="1">
-                <a:solidFill>
-                  <a:srgbClr val="000000"/>
-                </a:solidFill>
-                <a:latin typeface="Consolas, "/>
-              </a:rPr>
-              <a:t>i</a:t>
-            </a:r>
-            <a:r>
-              <a:rPr lang="en-US" sz="1867" dirty="0">
-                <a:solidFill>
-                  <a:srgbClr val="000000"/>
-                </a:solidFill>
-                <a:latin typeface="Consolas, "/>
-              </a:rPr>
-              <a:t> : v ) </a:t>
-            </a:r>
-            <a:r>
-              <a:rPr lang="en-US" sz="1867" dirty="0">
-                <a:solidFill>
-                  <a:srgbClr val="008000"/>
-                </a:solidFill>
-                <a:latin typeface="Consolas, "/>
-              </a:rPr>
-              <a:t>// Access by forwarding reference, the type of </a:t>
-            </a:r>
-            <a:r>
-              <a:rPr lang="en-US" sz="1867" dirty="0" err="1">
-                <a:solidFill>
-                  <a:srgbClr val="008000"/>
-                </a:solidFill>
-                <a:latin typeface="Consolas, "/>
-              </a:rPr>
-              <a:t>i</a:t>
-            </a:r>
-            <a:r>
-              <a:rPr lang="en-US" sz="1867" dirty="0">
-                <a:solidFill>
-                  <a:srgbClr val="008000"/>
-                </a:solidFill>
-                <a:latin typeface="Consolas, "/>
-              </a:rPr>
-              <a:t> is int&amp;</a:t>
-            </a:r>
-            <a:endParaRPr lang="en-US" sz="1867" dirty="0">
-              <a:solidFill>
-                <a:srgbClr val="000000"/>
-              </a:solidFill>
-              <a:latin typeface="Consolas, "/>
-            </a:endParaRPr>
+              <a:t>int</a:t>
+            </a:r>
+            <a:r>
+              <a:rPr lang="en-US" sz="2667" dirty="0">
+                <a:solidFill>
+                  <a:srgbClr val="000000"/>
+                </a:solidFill>
+                <a:latin typeface="Consolas, "/>
+              </a:rPr>
+              <a:t> item : v ) {</a:t>
+            </a:r>
+          </a:p>
+          <a:p>
+            <a:r>
+              <a:rPr lang="en-US" sz="2667" dirty="0">
+                <a:solidFill>
+                  <a:srgbClr val="000000"/>
+                </a:solidFill>
+                <a:latin typeface="Consolas, "/>
+              </a:rPr>
+              <a:t>    std::</a:t>
+            </a:r>
+            <a:r>
+              <a:rPr lang="en-US" sz="2667" dirty="0" err="1">
+                <a:solidFill>
+                  <a:srgbClr val="000000"/>
+                </a:solidFill>
+                <a:latin typeface="Consolas, "/>
+              </a:rPr>
+              <a:t>cout</a:t>
+            </a:r>
+            <a:r>
+              <a:rPr lang="en-US" sz="2667" dirty="0">
+                <a:solidFill>
+                  <a:srgbClr val="000000"/>
+                </a:solidFill>
+                <a:latin typeface="Consolas, "/>
+              </a:rPr>
+              <a:t> &lt;&lt; item &lt;&lt; “ “;</a:t>
+            </a:r>
+          </a:p>
+          <a:p>
+            <a:r>
+              <a:rPr lang="en-US" sz="2667" dirty="0">
+                <a:solidFill>
+                  <a:srgbClr val="000000"/>
+                </a:solidFill>
+                <a:latin typeface="Consolas, "/>
+              </a:rPr>
+              <a:t>}</a:t>
+            </a:r>
           </a:p>
           <a:p>
             <a:endParaRPr lang="en-US" sz="2533" i="1" dirty="0">
@@ -14828,11 +14859,22 @@
             </a:endParaRPr>
           </a:p>
           <a:p>
-            <a:endParaRPr lang="en-US" sz="2533" i="1" dirty="0">
-              <a:latin typeface="Intel Clear Light" panose="020B0404020203020204" pitchFamily="34" charset="0"/>
-              <a:ea typeface="Intel Clear Light" panose="020B0404020203020204" pitchFamily="34" charset="0"/>
-              <a:cs typeface="Intel Clear Light" panose="020B0404020203020204" pitchFamily="34" charset="0"/>
-            </a:endParaRPr>
+            <a:r>
+              <a:rPr lang="en-US" sz="2533" i="1" dirty="0">
+                <a:ea typeface="Intel Clear Light" panose="020B0404020203020204" pitchFamily="34" charset="0"/>
+                <a:cs typeface="Intel Clear Light" panose="020B0404020203020204" pitchFamily="34" charset="0"/>
+              </a:rPr>
+              <a:t>Output:</a:t>
+            </a:r>
+          </a:p>
+          <a:p>
+            <a:r>
+              <a:rPr lang="en-US" sz="2533" i="1" dirty="0">
+                <a:ea typeface="Intel Clear Light" panose="020B0404020203020204" pitchFamily="34" charset="0"/>
+                <a:cs typeface="Intel Clear Light" panose="020B0404020203020204" pitchFamily="34" charset="0"/>
+              </a:rPr>
+              <a:t>1 2 3</a:t>
+            </a:r>
           </a:p>
           <a:p>
             <a:pPr lvl="1" indent="0">
@@ -14856,7 +14898,7 @@
     </p:spTree>
     <p:extLst>
       <p:ext uri="{BB962C8B-B14F-4D97-AF65-F5344CB8AC3E}">
-        <p14:creationId xmlns:p14="http://schemas.microsoft.com/office/powerpoint/2010/main" val="2993753589"/>
+        <p14:creationId xmlns:p14="http://schemas.microsoft.com/office/powerpoint/2010/main" val="1709115471"/>
       </p:ext>
     </p:extLst>
   </p:cSld>
@@ -14923,7 +14965,7 @@
                 <a:ea typeface="Intel Clear Pro Bold" panose="020B0804020202060201" pitchFamily="34" charset="-52"/>
                 <a:cs typeface="Intel Clear Pro Bold" panose="020B0804020202060201" pitchFamily="34" charset="-52"/>
               </a:rPr>
-              <a:t>Iterator operations</a:t>
+              <a:t>Range-based for loop</a:t>
             </a:r>
           </a:p>
         </p:txBody>
@@ -14954,10 +14996,10 @@
       </p:sp>
       <p:sp>
         <p:nvSpPr>
-          <p:cNvPr id="8" name="Content Placeholder 2">
+          <p:cNvPr id="5" name="Content Placeholder 2">
             <a:extLst>
               <a:ext uri="{FF2B5EF4-FFF2-40B4-BE49-F238E27FC236}">
-                <a16:creationId xmlns:a16="http://schemas.microsoft.com/office/drawing/2014/main" id="{49F36F0B-0F74-4505-9583-36E799397348}"/>
+                <a16:creationId xmlns:a16="http://schemas.microsoft.com/office/drawing/2014/main" id="{56290BB1-B957-4F80-85BB-F0DFDA6F5313}"/>
               </a:ext>
             </a:extLst>
           </p:cNvPr>
@@ -14968,8 +15010,8 @@
         </p:nvSpPr>
         <p:spPr>
           <a:xfrm>
-            <a:off x="539749" y="1274310"/>
-            <a:ext cx="8925984" cy="3869191"/>
+            <a:off x="539752" y="1218180"/>
+            <a:ext cx="11468185" cy="4421641"/>
           </a:xfrm>
           <a:prstGeom prst="rect">
             <a:avLst/>
@@ -15121,16 +15163,117 @@
           </a:lstStyle>
           <a:p>
             <a:r>
-              <a:rPr lang="en-US" sz="2400" dirty="0">
+              <a:rPr lang="en-US" sz="1867" dirty="0">
+                <a:solidFill>
+                  <a:srgbClr val="000000"/>
+                </a:solidFill>
+                <a:latin typeface="Consolas, "/>
+              </a:rPr>
+              <a:t>std::vector&lt;</a:t>
+            </a:r>
+            <a:r>
+              <a:rPr lang="en-US" sz="1867" dirty="0">
                 <a:solidFill>
                   <a:srgbClr val="0000FF"/>
                 </a:solidFill>
                 <a:latin typeface="Consolas, "/>
               </a:rPr>
-              <a:t>struct</a:t>
-            </a:r>
-            <a:r>
-              <a:rPr lang="en-US" sz="2400" dirty="0">
+              <a:t>int</a:t>
+            </a:r>
+            <a:r>
+              <a:rPr lang="en-US" sz="1867" dirty="0">
+                <a:solidFill>
+                  <a:srgbClr val="000000"/>
+                </a:solidFill>
+                <a:latin typeface="Consolas, "/>
+              </a:rPr>
+              <a:t>&gt; v = {</a:t>
+            </a:r>
+            <a:r>
+              <a:rPr lang="en-US" sz="1867" dirty="0">
+                <a:solidFill>
+                  <a:srgbClr val="098658"/>
+                </a:solidFill>
+                <a:latin typeface="Consolas, "/>
+              </a:rPr>
+              <a:t>1</a:t>
+            </a:r>
+            <a:r>
+              <a:rPr lang="en-US" sz="1867" dirty="0">
+                <a:solidFill>
+                  <a:srgbClr val="000000"/>
+                </a:solidFill>
+                <a:latin typeface="Consolas, "/>
+              </a:rPr>
+              <a:t>, </a:t>
+            </a:r>
+            <a:r>
+              <a:rPr lang="en-US" sz="1867" dirty="0">
+                <a:solidFill>
+                  <a:srgbClr val="098658"/>
+                </a:solidFill>
+                <a:latin typeface="Consolas, "/>
+              </a:rPr>
+              <a:t>2</a:t>
+            </a:r>
+            <a:r>
+              <a:rPr lang="en-US" sz="1867" dirty="0">
+                <a:solidFill>
+                  <a:srgbClr val="000000"/>
+                </a:solidFill>
+                <a:latin typeface="Consolas, "/>
+              </a:rPr>
+              <a:t>, </a:t>
+            </a:r>
+            <a:r>
+              <a:rPr lang="en-US" sz="1867" dirty="0">
+                <a:solidFill>
+                  <a:srgbClr val="098658"/>
+                </a:solidFill>
+                <a:latin typeface="Consolas, "/>
+              </a:rPr>
+              <a:t>3</a:t>
+            </a:r>
+            <a:r>
+              <a:rPr lang="en-US" sz="1867" dirty="0">
+                <a:solidFill>
+                  <a:srgbClr val="000000"/>
+                </a:solidFill>
+                <a:latin typeface="Consolas, "/>
+              </a:rPr>
+              <a:t>};</a:t>
+            </a:r>
+          </a:p>
+          <a:p>
+            <a:r>
+              <a:rPr lang="en-US" sz="1867" dirty="0">
+                <a:solidFill>
+                  <a:srgbClr val="0000FF"/>
+                </a:solidFill>
+                <a:latin typeface="Consolas, "/>
+              </a:rPr>
+              <a:t>for</a:t>
+            </a:r>
+            <a:r>
+              <a:rPr lang="en-US" sz="1867" dirty="0">
+                <a:solidFill>
+                  <a:srgbClr val="000000"/>
+                </a:solidFill>
+                <a:latin typeface="Consolas, "/>
+              </a:rPr>
+              <a:t> ( </a:t>
+            </a:r>
+            <a:r>
+              <a:rPr lang="en-US" sz="1867" dirty="0">
+                <a:solidFill>
+                  <a:srgbClr val="0000FF"/>
+                </a:solidFill>
+                <a:latin typeface="Consolas, "/>
+              </a:rPr>
+              <a:t>int</a:t>
+            </a:r>
+            <a:r>
+              <a:rPr lang="en-US" sz="1867" dirty="0">
                 <a:solidFill>
                   <a:srgbClr val="000000"/>
                 </a:solidFill>
@@ -15139,63 +15282,63 @@
               <a:t> </a:t>
             </a:r>
             <a:r>
-              <a:rPr lang="en-US" sz="2400" dirty="0" err="1">
-                <a:solidFill>
-                  <a:srgbClr val="000000"/>
-                </a:solidFill>
-                <a:latin typeface="Consolas, "/>
-              </a:rPr>
-              <a:t>my_iterator</a:t>
-            </a:r>
-            <a:r>
-              <a:rPr lang="en-US" sz="2400" dirty="0">
-                <a:solidFill>
-                  <a:srgbClr val="000000"/>
-                </a:solidFill>
-                <a:latin typeface="Consolas, "/>
-              </a:rPr>
-              <a:t> {</a:t>
-            </a:r>
-          </a:p>
-          <a:p>
-            <a:r>
-              <a:rPr lang="en-US" sz="2400" dirty="0">
-                <a:solidFill>
-                  <a:srgbClr val="000000"/>
-                </a:solidFill>
-                <a:latin typeface="Consolas, "/>
-              </a:rPr>
-              <a:t>    </a:t>
-            </a:r>
-            <a:r>
-              <a:rPr lang="en-US" sz="2400" dirty="0" err="1">
-                <a:solidFill>
-                  <a:srgbClr val="000000"/>
-                </a:solidFill>
-                <a:latin typeface="Consolas, "/>
-              </a:rPr>
-              <a:t>my_iterator</a:t>
-            </a:r>
-            <a:r>
-              <a:rPr lang="en-US" sz="2400" dirty="0">
-                <a:solidFill>
-                  <a:srgbClr val="000000"/>
-                </a:solidFill>
-                <a:latin typeface="Consolas, "/>
-              </a:rPr>
-              <a:t>(</a:t>
-            </a:r>
-            <a:r>
-              <a:rPr lang="en-US" sz="2400" dirty="0">
+              <a:rPr lang="en-US" sz="1867" dirty="0" err="1">
+                <a:solidFill>
+                  <a:srgbClr val="000000"/>
+                </a:solidFill>
+                <a:latin typeface="Consolas, "/>
+              </a:rPr>
+              <a:t>i</a:t>
+            </a:r>
+            <a:r>
+              <a:rPr lang="en-US" sz="1867" dirty="0">
+                <a:solidFill>
+                  <a:srgbClr val="000000"/>
+                </a:solidFill>
+                <a:latin typeface="Consolas, "/>
+              </a:rPr>
+              <a:t> : v ) </a:t>
+            </a:r>
+            <a:r>
+              <a:rPr lang="en-US" sz="1867" dirty="0">
+                <a:solidFill>
+                  <a:srgbClr val="008000"/>
+                </a:solidFill>
+                <a:latin typeface="Consolas, "/>
+              </a:rPr>
+              <a:t>// Access by value</a:t>
+            </a:r>
+          </a:p>
+          <a:p>
+            <a:r>
+              <a:rPr lang="en-US" sz="1867" dirty="0">
                 <a:solidFill>
                   <a:srgbClr val="0000FF"/>
                 </a:solidFill>
                 <a:latin typeface="Consolas, "/>
               </a:rPr>
-              <a:t>const</a:t>
-            </a:r>
-            <a:r>
-              <a:rPr lang="en-US" sz="2400" dirty="0">
+              <a:t>for</a:t>
+            </a:r>
+            <a:r>
+              <a:rPr lang="en-US" sz="1867" dirty="0">
+                <a:solidFill>
+                  <a:srgbClr val="000000"/>
+                </a:solidFill>
+                <a:latin typeface="Consolas, "/>
+              </a:rPr>
+              <a:t> ( </a:t>
+            </a:r>
+            <a:r>
+              <a:rPr lang="en-US" sz="1867" dirty="0">
+                <a:solidFill>
+                  <a:srgbClr val="0000FF"/>
+                </a:solidFill>
+                <a:latin typeface="Consolas, "/>
+              </a:rPr>
+              <a:t>auto</a:t>
+            </a:r>
+            <a:r>
+              <a:rPr lang="en-US" sz="1867" dirty="0">
                 <a:solidFill>
                   <a:srgbClr val="000000"/>
                 </a:solidFill>
@@ -15204,45 +15347,87 @@
               <a:t> </a:t>
             </a:r>
             <a:r>
-              <a:rPr lang="en-US" sz="2400" dirty="0" err="1">
-                <a:solidFill>
-                  <a:srgbClr val="000000"/>
-                </a:solidFill>
-                <a:latin typeface="Consolas, "/>
-              </a:rPr>
-              <a:t>my_iterator</a:t>
-            </a:r>
-            <a:r>
-              <a:rPr lang="en-US" sz="2400" dirty="0">
-                <a:solidFill>
-                  <a:srgbClr val="000000"/>
-                </a:solidFill>
-                <a:latin typeface="Consolas, "/>
-              </a:rPr>
-              <a:t>&amp;);</a:t>
-            </a:r>
-          </a:p>
-          <a:p>
-            <a:r>
-              <a:rPr lang="en-US" sz="2400" dirty="0">
-                <a:solidFill>
-                  <a:srgbClr val="000000"/>
-                </a:solidFill>
-                <a:latin typeface="Consolas, "/>
-              </a:rPr>
-              <a:t>    </a:t>
-            </a:r>
-            <a:r>
-              <a:rPr lang="en-US" sz="2400" dirty="0" err="1">
-                <a:solidFill>
-                  <a:srgbClr val="000000"/>
-                </a:solidFill>
-                <a:latin typeface="Consolas, "/>
-              </a:rPr>
-              <a:t>my_iterator</a:t>
-            </a:r>
-            <a:r>
-              <a:rPr lang="en-US" sz="2400" dirty="0">
+              <a:rPr lang="en-US" sz="1867" dirty="0" err="1">
+                <a:solidFill>
+                  <a:srgbClr val="000000"/>
+                </a:solidFill>
+                <a:latin typeface="Consolas, "/>
+              </a:rPr>
+              <a:t>i</a:t>
+            </a:r>
+            <a:r>
+              <a:rPr lang="en-US" sz="1867" dirty="0">
+                <a:solidFill>
+                  <a:srgbClr val="000000"/>
+                </a:solidFill>
+                <a:latin typeface="Consolas, "/>
+              </a:rPr>
+              <a:t> : v ) </a:t>
+            </a:r>
+            <a:r>
+              <a:rPr lang="en-US" sz="1867" dirty="0">
+                <a:solidFill>
+                  <a:srgbClr val="008000"/>
+                </a:solidFill>
+                <a:latin typeface="Consolas, "/>
+              </a:rPr>
+              <a:t>// Access by value, the type of </a:t>
+            </a:r>
+            <a:r>
+              <a:rPr lang="en-US" sz="1867" dirty="0" err="1">
+                <a:solidFill>
+                  <a:srgbClr val="008000"/>
+                </a:solidFill>
+                <a:latin typeface="Consolas, "/>
+              </a:rPr>
+              <a:t>i</a:t>
+            </a:r>
+            <a:r>
+              <a:rPr lang="en-US" sz="1867" dirty="0">
+                <a:solidFill>
+                  <a:srgbClr val="008000"/>
+                </a:solidFill>
+                <a:latin typeface="Consolas, "/>
+              </a:rPr>
+              <a:t> is int</a:t>
+            </a:r>
+            <a:endParaRPr lang="en-US" sz="1867" dirty="0">
+              <a:solidFill>
+                <a:srgbClr val="000000"/>
+              </a:solidFill>
+              <a:latin typeface="Consolas, "/>
+            </a:endParaRPr>
+          </a:p>
+          <a:p>
+            <a:r>
+              <a:rPr lang="en-US" sz="1867" dirty="0">
+                <a:solidFill>
+                  <a:srgbClr val="0000FF"/>
+                </a:solidFill>
+                <a:latin typeface="Consolas, "/>
+              </a:rPr>
+              <a:t>for</a:t>
+            </a:r>
+            <a:r>
+              <a:rPr lang="en-US" sz="1867" dirty="0">
+                <a:solidFill>
+                  <a:srgbClr val="000000"/>
+                </a:solidFill>
+                <a:latin typeface="Consolas, "/>
+              </a:rPr>
+              <a:t> ( </a:t>
+            </a:r>
+            <a:r>
+              <a:rPr lang="en-US" sz="1867" dirty="0">
+                <a:solidFill>
+                  <a:srgbClr val="0000FF"/>
+                </a:solidFill>
+                <a:latin typeface="Consolas, "/>
+              </a:rPr>
+              <a:t>auto</a:t>
+            </a:r>
+            <a:r>
+              <a:rPr lang="en-US" sz="1867" dirty="0">
                 <a:solidFill>
                   <a:srgbClr val="000000"/>
                 </a:solidFill>
@@ -15251,193 +15436,172 @@
               <a:t>&amp; </a:t>
             </a:r>
             <a:r>
-              <a:rPr lang="en-US" sz="2400" dirty="0">
+              <a:rPr lang="en-US" sz="1867" dirty="0" err="1">
+                <a:solidFill>
+                  <a:srgbClr val="000000"/>
+                </a:solidFill>
+                <a:latin typeface="Consolas, "/>
+              </a:rPr>
+              <a:t>i</a:t>
+            </a:r>
+            <a:r>
+              <a:rPr lang="en-US" sz="1867" dirty="0">
+                <a:solidFill>
+                  <a:srgbClr val="000000"/>
+                </a:solidFill>
+                <a:latin typeface="Consolas, "/>
+              </a:rPr>
+              <a:t> : v ) </a:t>
+            </a:r>
+            <a:r>
+              <a:rPr lang="en-US" sz="1867" dirty="0">
+                <a:solidFill>
+                  <a:srgbClr val="008000"/>
+                </a:solidFill>
+                <a:latin typeface="Consolas, "/>
+              </a:rPr>
+              <a:t>// Access by reference, the type of </a:t>
+            </a:r>
+            <a:r>
+              <a:rPr lang="en-US" sz="1867" dirty="0" err="1">
+                <a:solidFill>
+                  <a:srgbClr val="008000"/>
+                </a:solidFill>
+                <a:latin typeface="Consolas, "/>
+              </a:rPr>
+              <a:t>i</a:t>
+            </a:r>
+            <a:r>
+              <a:rPr lang="en-US" sz="1867" dirty="0">
+                <a:solidFill>
+                  <a:srgbClr val="008000"/>
+                </a:solidFill>
+                <a:latin typeface="Consolas, "/>
+              </a:rPr>
+              <a:t> is int&amp; </a:t>
+            </a:r>
+            <a:endParaRPr lang="en-US" sz="1867" dirty="0">
+              <a:solidFill>
+                <a:srgbClr val="000000"/>
+              </a:solidFill>
+              <a:latin typeface="Consolas, "/>
+            </a:endParaRPr>
+          </a:p>
+          <a:p>
+            <a:r>
+              <a:rPr lang="en-US" sz="1867" dirty="0">
                 <a:solidFill>
                   <a:srgbClr val="0000FF"/>
                 </a:solidFill>
                 <a:latin typeface="Consolas, "/>
               </a:rPr>
-              <a:t>operator</a:t>
-            </a:r>
-            <a:r>
-              <a:rPr lang="en-US" sz="2400" dirty="0">
-                <a:solidFill>
-                  <a:srgbClr val="000000"/>
-                </a:solidFill>
-                <a:latin typeface="Consolas, "/>
-              </a:rPr>
-              <a:t>=(</a:t>
-            </a:r>
-            <a:r>
-              <a:rPr lang="en-US" sz="2400" dirty="0">
+              <a:t>for</a:t>
+            </a:r>
+            <a:r>
+              <a:rPr lang="en-US" sz="1867" dirty="0">
+                <a:solidFill>
+                  <a:srgbClr val="000000"/>
+                </a:solidFill>
+                <a:latin typeface="Consolas, "/>
+              </a:rPr>
+              <a:t> ( </a:t>
+            </a:r>
+            <a:r>
+              <a:rPr lang="en-US" sz="1867" dirty="0">
                 <a:solidFill>
                   <a:srgbClr val="0000FF"/>
                 </a:solidFill>
                 <a:latin typeface="Consolas, "/>
               </a:rPr>
-              <a:t>const</a:t>
-            </a:r>
-            <a:r>
-              <a:rPr lang="en-US" sz="2400" dirty="0">
-                <a:solidFill>
-                  <a:srgbClr val="000000"/>
-                </a:solidFill>
-                <a:latin typeface="Consolas, "/>
-              </a:rPr>
-              <a:t> </a:t>
-            </a:r>
-            <a:r>
-              <a:rPr lang="en-US" sz="2400" dirty="0" err="1">
-                <a:solidFill>
-                  <a:srgbClr val="000000"/>
-                </a:solidFill>
-                <a:latin typeface="Consolas, "/>
-              </a:rPr>
-              <a:t>my_iterator</a:t>
-            </a:r>
-            <a:r>
-              <a:rPr lang="en-US" sz="2400" dirty="0">
-                <a:solidFill>
-                  <a:srgbClr val="000000"/>
-                </a:solidFill>
-                <a:latin typeface="Consolas, "/>
-              </a:rPr>
-              <a:t>&amp;);</a:t>
-            </a:r>
-          </a:p>
-          <a:p>
-            <a:r>
-              <a:rPr lang="en-US" sz="2400" dirty="0">
-                <a:solidFill>
-                  <a:srgbClr val="000000"/>
-                </a:solidFill>
-                <a:latin typeface="Consolas, "/>
-              </a:rPr>
-              <a:t>    ~</a:t>
-            </a:r>
-            <a:r>
-              <a:rPr lang="en-US" sz="2400" dirty="0" err="1">
-                <a:solidFill>
-                  <a:srgbClr val="000000"/>
-                </a:solidFill>
-                <a:latin typeface="Consolas, "/>
-              </a:rPr>
-              <a:t>my_iterator</a:t>
-            </a:r>
-            <a:r>
-              <a:rPr lang="en-US" sz="2400" dirty="0">
-                <a:solidFill>
-                  <a:srgbClr val="000000"/>
-                </a:solidFill>
-                <a:latin typeface="Consolas, "/>
-              </a:rPr>
-              <a:t>();</a:t>
-            </a:r>
-          </a:p>
-          <a:p>
-            <a:r>
-              <a:rPr lang="en-US" sz="2400" dirty="0">
-                <a:solidFill>
-                  <a:srgbClr val="000000"/>
-                </a:solidFill>
-                <a:latin typeface="Consolas, "/>
-              </a:rPr>
-              <a:t>    T&amp; </a:t>
-            </a:r>
-            <a:r>
-              <a:rPr lang="en-US" sz="2400" dirty="0">
-                <a:solidFill>
-                  <a:srgbClr val="0000FF"/>
-                </a:solidFill>
-                <a:latin typeface="Consolas, "/>
-              </a:rPr>
-              <a:t>operator</a:t>
-            </a:r>
-            <a:r>
-              <a:rPr lang="en-US" sz="2400" dirty="0">
-                <a:solidFill>
-                  <a:srgbClr val="000000"/>
-                </a:solidFill>
-                <a:latin typeface="Consolas, "/>
-              </a:rPr>
-              <a:t>*() </a:t>
-            </a:r>
-            <a:r>
-              <a:rPr lang="en-US" sz="2400" dirty="0">
-                <a:solidFill>
-                  <a:srgbClr val="0000FF"/>
-                </a:solidFill>
-                <a:latin typeface="Consolas, "/>
-              </a:rPr>
-              <a:t>const</a:t>
-            </a:r>
-            <a:r>
-              <a:rPr lang="en-US" sz="2400" dirty="0">
-                <a:solidFill>
-                  <a:srgbClr val="000000"/>
-                </a:solidFill>
-                <a:latin typeface="Consolas, "/>
-              </a:rPr>
-              <a:t>;</a:t>
-            </a:r>
-          </a:p>
-          <a:p>
-            <a:r>
-              <a:rPr lang="en-US" sz="2400" dirty="0">
-                <a:solidFill>
-                  <a:srgbClr val="000000"/>
-                </a:solidFill>
-                <a:latin typeface="Consolas, "/>
-              </a:rPr>
-              <a:t>    </a:t>
-            </a:r>
-            <a:r>
-              <a:rPr lang="en-US" sz="2400" dirty="0" err="1">
-                <a:solidFill>
-                  <a:srgbClr val="000000"/>
-                </a:solidFill>
-                <a:latin typeface="Consolas, "/>
-              </a:rPr>
-              <a:t>my_iterator</a:t>
-            </a:r>
-            <a:r>
-              <a:rPr lang="en-US" sz="2400" dirty="0">
-                <a:solidFill>
-                  <a:srgbClr val="000000"/>
-                </a:solidFill>
-                <a:latin typeface="Consolas, "/>
-              </a:rPr>
-              <a:t>&amp; </a:t>
-            </a:r>
-            <a:r>
-              <a:rPr lang="en-US" sz="2400" dirty="0">
-                <a:solidFill>
-                  <a:srgbClr val="0000FF"/>
-                </a:solidFill>
-                <a:latin typeface="Consolas, "/>
-              </a:rPr>
-              <a:t>operator</a:t>
-            </a:r>
-            <a:r>
-              <a:rPr lang="en-US" sz="2400" dirty="0">
-                <a:solidFill>
-                  <a:srgbClr val="000000"/>
-                </a:solidFill>
-                <a:latin typeface="Consolas, "/>
-              </a:rPr>
-              <a:t>++();</a:t>
-            </a:r>
-          </a:p>
-          <a:p>
-            <a:r>
-              <a:rPr lang="en-US" sz="2400" dirty="0">
-                <a:solidFill>
-                  <a:srgbClr val="000000"/>
-                </a:solidFill>
-                <a:latin typeface="Consolas, "/>
-              </a:rPr>
-              <a:t>};</a:t>
-            </a:r>
+              <a:t>auto</a:t>
+            </a:r>
+            <a:r>
+              <a:rPr lang="en-US" sz="1867" dirty="0">
+                <a:solidFill>
+                  <a:srgbClr val="000000"/>
+                </a:solidFill>
+                <a:latin typeface="Consolas, "/>
+              </a:rPr>
+              <a:t>&amp;&amp; </a:t>
+            </a:r>
+            <a:r>
+              <a:rPr lang="en-US" sz="1867" dirty="0" err="1">
+                <a:solidFill>
+                  <a:srgbClr val="000000"/>
+                </a:solidFill>
+                <a:latin typeface="Consolas, "/>
+              </a:rPr>
+              <a:t>i</a:t>
+            </a:r>
+            <a:r>
+              <a:rPr lang="en-US" sz="1867" dirty="0">
+                <a:solidFill>
+                  <a:srgbClr val="000000"/>
+                </a:solidFill>
+                <a:latin typeface="Consolas, "/>
+              </a:rPr>
+              <a:t> : v ) </a:t>
+            </a:r>
+            <a:r>
+              <a:rPr lang="en-US" sz="1867" dirty="0">
+                <a:solidFill>
+                  <a:srgbClr val="008000"/>
+                </a:solidFill>
+                <a:latin typeface="Consolas, "/>
+              </a:rPr>
+              <a:t>// Access by forwarding reference, the type of </a:t>
+            </a:r>
+            <a:r>
+              <a:rPr lang="en-US" sz="1867" dirty="0" err="1">
+                <a:solidFill>
+                  <a:srgbClr val="008000"/>
+                </a:solidFill>
+                <a:latin typeface="Consolas, "/>
+              </a:rPr>
+              <a:t>i</a:t>
+            </a:r>
+            <a:r>
+              <a:rPr lang="en-US" sz="1867" dirty="0">
+                <a:solidFill>
+                  <a:srgbClr val="008000"/>
+                </a:solidFill>
+                <a:latin typeface="Consolas, "/>
+              </a:rPr>
+              <a:t> is int&amp;</a:t>
+            </a:r>
+            <a:endParaRPr lang="en-US" sz="1867" dirty="0">
+              <a:solidFill>
+                <a:srgbClr val="000000"/>
+              </a:solidFill>
+              <a:latin typeface="Consolas, "/>
+            </a:endParaRPr>
+          </a:p>
+          <a:p>
+            <a:endParaRPr lang="en-US" sz="1867" i="1" dirty="0">
+              <a:solidFill>
+                <a:srgbClr val="000000"/>
+              </a:solidFill>
+              <a:latin typeface="Consolas, "/>
+              <a:ea typeface="Intel Clear Light" panose="020B0404020203020204" pitchFamily="34" charset="0"/>
+              <a:cs typeface="Intel Clear Light" panose="020B0404020203020204" pitchFamily="34" charset="0"/>
+            </a:endParaRPr>
+          </a:p>
+          <a:p>
+            <a:endParaRPr lang="en-US" sz="2533" i="1" dirty="0">
+              <a:latin typeface="Intel Clear Light" panose="020B0404020203020204" pitchFamily="34" charset="0"/>
+              <a:ea typeface="Intel Clear Light" panose="020B0404020203020204" pitchFamily="34" charset="0"/>
+              <a:cs typeface="Intel Clear Light" panose="020B0404020203020204" pitchFamily="34" charset="0"/>
+            </a:endParaRPr>
+          </a:p>
+          <a:p>
+            <a:pPr lvl="1" indent="0">
+              <a:buNone/>
+            </a:pPr>
+            <a:endParaRPr lang="ru-RU" sz="2533" i="1" dirty="0">
+              <a:latin typeface="Intel Clear Light" panose="020B0404020203020204" pitchFamily="34" charset="0"/>
+              <a:ea typeface="Intel Clear Light" panose="020B0404020203020204" pitchFamily="34" charset="0"/>
+              <a:cs typeface="Intel Clear Light" panose="020B0404020203020204" pitchFamily="34" charset="0"/>
+            </a:endParaRPr>
           </a:p>
           <a:p>
             <a:endParaRPr lang="en-US" sz="2400" dirty="0">
@@ -15451,7 +15615,7 @@
     </p:spTree>
     <p:extLst>
       <p:ext uri="{BB962C8B-B14F-4D97-AF65-F5344CB8AC3E}">
-        <p14:creationId xmlns:p14="http://schemas.microsoft.com/office/powerpoint/2010/main" val="585544230"/>
+        <p14:creationId xmlns:p14="http://schemas.microsoft.com/office/powerpoint/2010/main" val="2993753589"/>
       </p:ext>
     </p:extLst>
   </p:cSld>
@@ -15518,7 +15682,7 @@
                 <a:ea typeface="Intel Clear Pro Bold" panose="020B0804020202060201" pitchFamily="34" charset="-52"/>
                 <a:cs typeface="Intel Clear Pro Bold" panose="020B0804020202060201" pitchFamily="34" charset="-52"/>
               </a:rPr>
-              <a:t>Input Iterator operations</a:t>
+              <a:t>Iterator operations</a:t>
             </a:r>
           </a:p>
         </p:txBody>
@@ -15563,8 +15727,8 @@
         </p:nvSpPr>
         <p:spPr>
           <a:xfrm>
-            <a:off x="539750" y="1274310"/>
-            <a:ext cx="11823701" cy="3869191"/>
+            <a:off x="539749" y="1274310"/>
+            <a:ext cx="8925984" cy="3869191"/>
           </a:xfrm>
           <a:prstGeom prst="rect">
             <a:avLst/>
@@ -15716,7 +15880,7 @@
           </a:lstStyle>
           <a:p>
             <a:r>
-              <a:rPr lang="en-US" sz="2000" dirty="0">
+              <a:rPr lang="en-US" sz="2400" dirty="0">
                 <a:solidFill>
                   <a:srgbClr val="0000FF"/>
                 </a:solidFill>
@@ -15725,7 +15889,7 @@
               <a:t>struct</a:t>
             </a:r>
             <a:r>
-              <a:rPr lang="en-US" sz="2133" dirty="0">
+              <a:rPr lang="en-US" sz="2400" dirty="0">
                 <a:solidFill>
                   <a:srgbClr val="000000"/>
                 </a:solidFill>
@@ -15734,34 +15898,63 @@
               <a:t> </a:t>
             </a:r>
             <a:r>
-              <a:rPr lang="en-US" sz="2133" dirty="0" err="1">
-                <a:solidFill>
-                  <a:srgbClr val="000000"/>
-                </a:solidFill>
-                <a:latin typeface="Consolas, "/>
-              </a:rPr>
-              <a:t>my_input_iterator</a:t>
-            </a:r>
-            <a:r>
-              <a:rPr lang="en-US" sz="2133" dirty="0">
-                <a:solidFill>
-                  <a:srgbClr val="000000"/>
-                </a:solidFill>
-                <a:latin typeface="Consolas, "/>
-              </a:rPr>
-              <a:t> : </a:t>
-            </a:r>
-            <a:r>
-              <a:rPr lang="en-US" sz="2133" dirty="0">
+              <a:rPr lang="en-US" sz="2400" dirty="0" err="1">
+                <a:solidFill>
+                  <a:srgbClr val="000000"/>
+                </a:solidFill>
+                <a:latin typeface="Consolas, "/>
+              </a:rPr>
+              <a:t>my_iterator</a:t>
+            </a:r>
+            <a:r>
+              <a:rPr lang="en-US" sz="2400" dirty="0">
+                <a:solidFill>
+                  <a:srgbClr val="000000"/>
+                </a:solidFill>
+                <a:latin typeface="Consolas, "/>
+              </a:rPr>
+              <a:t> {</a:t>
+            </a:r>
+          </a:p>
+          <a:p>
+            <a:r>
+              <a:rPr lang="en-US" sz="2400" dirty="0">
+                <a:solidFill>
+                  <a:srgbClr val="000000"/>
+                </a:solidFill>
+                <a:latin typeface="Consolas, "/>
+              </a:rPr>
+              <a:t>    </a:t>
+            </a:r>
+            <a:r>
+              <a:rPr lang="en-US" sz="2400" dirty="0" err="1">
+                <a:solidFill>
+                  <a:srgbClr val="000000"/>
+                </a:solidFill>
+                <a:latin typeface="Consolas, "/>
+              </a:rPr>
+              <a:t>my_iterator</a:t>
+            </a:r>
+            <a:r>
+              <a:rPr lang="en-US" sz="2400" dirty="0">
+                <a:solidFill>
+                  <a:srgbClr val="000000"/>
+                </a:solidFill>
+                <a:latin typeface="Consolas, "/>
+              </a:rPr>
+              <a:t>(</a:t>
+            </a:r>
+            <a:r>
+              <a:rPr lang="en-US" sz="2400" dirty="0">
                 <a:solidFill>
                   <a:srgbClr val="0000FF"/>
                 </a:solidFill>
                 <a:latin typeface="Consolas, "/>
               </a:rPr>
-              <a:t>public</a:t>
-            </a:r>
-            <a:r>
-              <a:rPr lang="en-US" sz="2133" dirty="0">
+              <a:t>const</a:t>
+            </a:r>
+            <a:r>
+              <a:rPr lang="en-US" sz="2400" dirty="0">
                 <a:solidFill>
                   <a:srgbClr val="000000"/>
                 </a:solidFill>
@@ -15770,7 +15963,7 @@
               <a:t> </a:t>
             </a:r>
             <a:r>
-              <a:rPr lang="en-US" sz="2133" dirty="0" err="1">
+              <a:rPr lang="en-US" sz="2400" dirty="0" err="1">
                 <a:solidFill>
                   <a:srgbClr val="000000"/>
                 </a:solidFill>
@@ -15779,27 +15972,45 @@
               <a:t>my_iterator</a:t>
             </a:r>
             <a:r>
-              <a:rPr lang="en-US" sz="2133" dirty="0">
-                <a:solidFill>
-                  <a:srgbClr val="000000"/>
-                </a:solidFill>
-                <a:latin typeface="Consolas, "/>
-              </a:rPr>
-              <a:t> {</a:t>
-            </a:r>
-          </a:p>
-          <a:p>
-            <a:r>
-              <a:rPr lang="en-US" sz="2133" dirty="0">
-                <a:solidFill>
-                  <a:srgbClr val="000000"/>
-                </a:solidFill>
-                <a:latin typeface="Consolas, "/>
-              </a:rPr>
-              <a:t>    T* </a:t>
-            </a:r>
-            <a:r>
-              <a:rPr lang="en-US" sz="2133" dirty="0">
+              <a:rPr lang="en-US" sz="2400" dirty="0">
+                <a:solidFill>
+                  <a:srgbClr val="000000"/>
+                </a:solidFill>
+                <a:latin typeface="Consolas, "/>
+              </a:rPr>
+              <a:t>&amp;);</a:t>
+            </a:r>
+          </a:p>
+          <a:p>
+            <a:r>
+              <a:rPr lang="en-US" sz="2400" dirty="0">
+                <a:solidFill>
+                  <a:srgbClr val="000000"/>
+                </a:solidFill>
+                <a:latin typeface="Consolas, "/>
+              </a:rPr>
+              <a:t>    </a:t>
+            </a:r>
+            <a:r>
+              <a:rPr lang="en-US" sz="2400" dirty="0" err="1">
+                <a:solidFill>
+                  <a:srgbClr val="000000"/>
+                </a:solidFill>
+                <a:latin typeface="Consolas, "/>
+              </a:rPr>
+              <a:t>my_iterator</a:t>
+            </a:r>
+            <a:r>
+              <a:rPr lang="en-US" sz="2400" dirty="0">
+                <a:solidFill>
+                  <a:srgbClr val="000000"/>
+                </a:solidFill>
+                <a:latin typeface="Consolas, "/>
+              </a:rPr>
+              <a:t>&amp; </a:t>
+            </a:r>
+            <a:r>
+              <a:rPr lang="en-US" sz="2400" dirty="0">
                 <a:solidFill>
                   <a:srgbClr val="0000FF"/>
                 </a:solidFill>
@@ -15808,16 +16019,16 @@
               <a:t>operator</a:t>
             </a:r>
             <a:r>
-              <a:rPr lang="en-US" sz="2133" dirty="0">
-                <a:solidFill>
-                  <a:srgbClr val="000000"/>
-                </a:solidFill>
-                <a:latin typeface="Consolas, "/>
-              </a:rPr>
-              <a:t>-&gt;() </a:t>
-            </a:r>
-            <a:r>
-              <a:rPr lang="en-US" sz="2133" dirty="0">
+              <a:rPr lang="en-US" sz="2400" dirty="0">
+                <a:solidFill>
+                  <a:srgbClr val="000000"/>
+                </a:solidFill>
+                <a:latin typeface="Consolas, "/>
+              </a:rPr>
+              <a:t>=(</a:t>
+            </a:r>
+            <a:r>
+              <a:rPr lang="en-US" sz="2400" dirty="0">
                 <a:solidFill>
                   <a:srgbClr val="0000FF"/>
                 </a:solidFill>
@@ -15826,7 +16037,101 @@
               <a:t>const</a:t>
             </a:r>
             <a:r>
-              <a:rPr lang="en-US" sz="2133" dirty="0">
+              <a:rPr lang="en-US" sz="2400" dirty="0">
+                <a:solidFill>
+                  <a:srgbClr val="000000"/>
+                </a:solidFill>
+                <a:latin typeface="Consolas, "/>
+              </a:rPr>
+              <a:t> </a:t>
+            </a:r>
+            <a:r>
+              <a:rPr lang="en-US" sz="2400" dirty="0" err="1">
+                <a:solidFill>
+                  <a:srgbClr val="000000"/>
+                </a:solidFill>
+                <a:latin typeface="Consolas, "/>
+              </a:rPr>
+              <a:t>my_iterator</a:t>
+            </a:r>
+            <a:r>
+              <a:rPr lang="en-US" sz="2400" dirty="0">
+                <a:solidFill>
+                  <a:srgbClr val="000000"/>
+                </a:solidFill>
+                <a:latin typeface="Consolas, "/>
+              </a:rPr>
+              <a:t>&amp;);</a:t>
+            </a:r>
+          </a:p>
+          <a:p>
+            <a:r>
+              <a:rPr lang="en-US" sz="2400" dirty="0">
+                <a:solidFill>
+                  <a:srgbClr val="000000"/>
+                </a:solidFill>
+                <a:latin typeface="Consolas, "/>
+              </a:rPr>
+              <a:t>    ~</a:t>
+            </a:r>
+            <a:r>
+              <a:rPr lang="en-US" sz="2400" dirty="0" err="1">
+                <a:solidFill>
+                  <a:srgbClr val="000000"/>
+                </a:solidFill>
+                <a:latin typeface="Consolas, "/>
+              </a:rPr>
+              <a:t>my_iterator</a:t>
+            </a:r>
+            <a:r>
+              <a:rPr lang="en-US" sz="2400" dirty="0">
+                <a:solidFill>
+                  <a:srgbClr val="000000"/>
+                </a:solidFill>
+                <a:latin typeface="Consolas, "/>
+              </a:rPr>
+              <a:t>();</a:t>
+            </a:r>
+          </a:p>
+          <a:p>
+            <a:r>
+              <a:rPr lang="en-US" sz="2400" dirty="0">
+                <a:solidFill>
+                  <a:srgbClr val="000000"/>
+                </a:solidFill>
+                <a:latin typeface="Consolas, "/>
+              </a:rPr>
+              <a:t>    T&amp; </a:t>
+            </a:r>
+            <a:r>
+              <a:rPr lang="en-US" sz="2400" dirty="0">
+                <a:solidFill>
+                  <a:srgbClr val="0000FF"/>
+                </a:solidFill>
+                <a:latin typeface="Consolas, "/>
+              </a:rPr>
+              <a:t>operator</a:t>
+            </a:r>
+            <a:r>
+              <a:rPr lang="en-US" sz="2400" dirty="0">
+                <a:solidFill>
+                  <a:srgbClr val="000000"/>
+                </a:solidFill>
+                <a:latin typeface="Consolas, "/>
+              </a:rPr>
+              <a:t>*() </a:t>
+            </a:r>
+            <a:r>
+              <a:rPr lang="en-US" sz="2400" dirty="0">
+                <a:solidFill>
+                  <a:srgbClr val="0000FF"/>
+                </a:solidFill>
+                <a:latin typeface="Consolas, "/>
+              </a:rPr>
+              <a:t>const</a:t>
+            </a:r>
+            <a:r>
+              <a:rPr lang="en-US" sz="2400" dirty="0">
                 <a:solidFill>
                   <a:srgbClr val="000000"/>
                 </a:solidFill>
@@ -15837,7 +16142,7 @@
           </a:p>
           <a:p>
             <a:r>
-              <a:rPr lang="en-US" sz="2133" dirty="0">
+              <a:rPr lang="en-US" sz="2400" dirty="0">
                 <a:solidFill>
                   <a:srgbClr val="000000"/>
                 </a:solidFill>
@@ -15846,25 +16151,25 @@
               <a:t>    </a:t>
             </a:r>
             <a:r>
-              <a:rPr lang="en-US" sz="2133" dirty="0" err="1">
-                <a:solidFill>
-                  <a:srgbClr val="000000"/>
-                </a:solidFill>
-                <a:latin typeface="Consolas, "/>
-              </a:rPr>
-              <a:t>my_input_iterator</a:t>
-            </a:r>
-            <a:r>
-              <a:rPr lang="en-US" sz="2133" dirty="0">
-                <a:solidFill>
-                  <a:srgbClr val="000000"/>
-                </a:solidFill>
-                <a:latin typeface="Consolas, "/>
-              </a:rPr>
-              <a:t> </a:t>
-            </a:r>
-            <a:r>
-              <a:rPr lang="en-US" sz="2133" dirty="0">
+              <a:rPr lang="en-US" sz="2400" dirty="0" err="1">
+                <a:solidFill>
+                  <a:srgbClr val="000000"/>
+                </a:solidFill>
+                <a:latin typeface="Consolas, "/>
+              </a:rPr>
+              <a:t>my_iterator</a:t>
+            </a:r>
+            <a:r>
+              <a:rPr lang="en-US" sz="2400" dirty="0">
+                <a:solidFill>
+                  <a:srgbClr val="000000"/>
+                </a:solidFill>
+                <a:latin typeface="Consolas, "/>
+              </a:rPr>
+              <a:t>&amp; </a:t>
+            </a:r>
+            <a:r>
+              <a:rPr lang="en-US" sz="2400" dirty="0">
                 <a:solidFill>
                   <a:srgbClr val="0000FF"/>
                 </a:solidFill>
@@ -15873,334 +16178,24 @@
               <a:t>operator</a:t>
             </a:r>
             <a:r>
-              <a:rPr lang="en-US" sz="2133" dirty="0">
-                <a:solidFill>
-                  <a:srgbClr val="000000"/>
-                </a:solidFill>
-                <a:latin typeface="Consolas, "/>
-              </a:rPr>
-              <a:t>++(</a:t>
-            </a:r>
-            <a:r>
-              <a:rPr lang="en-US" sz="2133" dirty="0">
-                <a:solidFill>
-                  <a:srgbClr val="0000FF"/>
-                </a:solidFill>
-                <a:latin typeface="Consolas, "/>
-              </a:rPr>
-              <a:t>int</a:t>
-            </a:r>
-            <a:r>
-              <a:rPr lang="en-US" sz="2133" dirty="0">
-                <a:solidFill>
-                  <a:srgbClr val="000000"/>
-                </a:solidFill>
-                <a:latin typeface="Consolas, "/>
-              </a:rPr>
-              <a:t>);</a:t>
-            </a:r>
-          </a:p>
-          <a:p>
-            <a:r>
-              <a:rPr lang="en-US" sz="2133" dirty="0">
+              <a:rPr lang="en-US" sz="2400" dirty="0">
+                <a:solidFill>
+                  <a:srgbClr val="000000"/>
+                </a:solidFill>
+                <a:latin typeface="Consolas, "/>
+              </a:rPr>
+              <a:t>++();</a:t>
+            </a:r>
+          </a:p>
+          <a:p>
+            <a:r>
+              <a:rPr lang="en-US" sz="2400" dirty="0">
                 <a:solidFill>
                   <a:srgbClr val="000000"/>
                 </a:solidFill>
                 <a:latin typeface="Consolas, "/>
               </a:rPr>
               <a:t>};</a:t>
-            </a:r>
-          </a:p>
-          <a:p>
-            <a:r>
-              <a:rPr lang="en-US" sz="2133" dirty="0">
-                <a:solidFill>
-                  <a:srgbClr val="0000FF"/>
-                </a:solidFill>
-                <a:latin typeface="Consolas, "/>
-              </a:rPr>
-              <a:t>bool</a:t>
-            </a:r>
-            <a:r>
-              <a:rPr lang="en-US" sz="2133" dirty="0">
-                <a:solidFill>
-                  <a:srgbClr val="000000"/>
-                </a:solidFill>
-                <a:latin typeface="Consolas, "/>
-              </a:rPr>
-              <a:t> </a:t>
-            </a:r>
-            <a:r>
-              <a:rPr lang="en-US" sz="2133" dirty="0">
-                <a:solidFill>
-                  <a:srgbClr val="0000FF"/>
-                </a:solidFill>
-                <a:latin typeface="Consolas, "/>
-              </a:rPr>
-              <a:t>operator</a:t>
-            </a:r>
-            <a:r>
-              <a:rPr lang="en-US" sz="2133" dirty="0">
-                <a:solidFill>
-                  <a:srgbClr val="000000"/>
-                </a:solidFill>
-                <a:latin typeface="Consolas, "/>
-              </a:rPr>
-              <a:t>==(</a:t>
-            </a:r>
-            <a:r>
-              <a:rPr lang="en-US" sz="2133" dirty="0">
-                <a:solidFill>
-                  <a:srgbClr val="0000FF"/>
-                </a:solidFill>
-                <a:latin typeface="Consolas, "/>
-              </a:rPr>
-              <a:t>const</a:t>
-            </a:r>
-            <a:r>
-              <a:rPr lang="en-US" sz="2133" dirty="0">
-                <a:solidFill>
-                  <a:srgbClr val="000000"/>
-                </a:solidFill>
-                <a:latin typeface="Consolas, "/>
-              </a:rPr>
-              <a:t> </a:t>
-            </a:r>
-            <a:r>
-              <a:rPr lang="en-US" sz="2133" dirty="0" err="1">
-                <a:solidFill>
-                  <a:srgbClr val="000000"/>
-                </a:solidFill>
-                <a:latin typeface="Consolas, "/>
-              </a:rPr>
-              <a:t>my_input_iterator</a:t>
-            </a:r>
-            <a:r>
-              <a:rPr lang="en-US" sz="2133" dirty="0">
-                <a:solidFill>
-                  <a:srgbClr val="000000"/>
-                </a:solidFill>
-                <a:latin typeface="Consolas, "/>
-              </a:rPr>
-              <a:t>&amp; </a:t>
-            </a:r>
-            <a:r>
-              <a:rPr lang="en-US" sz="2133" dirty="0" err="1">
-                <a:solidFill>
-                  <a:srgbClr val="000000"/>
-                </a:solidFill>
-                <a:latin typeface="Consolas, "/>
-              </a:rPr>
-              <a:t>lhs</a:t>
-            </a:r>
-            <a:r>
-              <a:rPr lang="en-US" sz="2133" dirty="0">
-                <a:solidFill>
-                  <a:srgbClr val="000000"/>
-                </a:solidFill>
-                <a:latin typeface="Consolas, "/>
-              </a:rPr>
-              <a:t>, </a:t>
-            </a:r>
-            <a:r>
-              <a:rPr lang="en-US" sz="2133" dirty="0">
-                <a:solidFill>
-                  <a:srgbClr val="0000FF"/>
-                </a:solidFill>
-                <a:latin typeface="Consolas, "/>
-              </a:rPr>
-              <a:t>const</a:t>
-            </a:r>
-            <a:r>
-              <a:rPr lang="en-US" sz="2133" dirty="0">
-                <a:solidFill>
-                  <a:srgbClr val="000000"/>
-                </a:solidFill>
-                <a:latin typeface="Consolas, "/>
-              </a:rPr>
-              <a:t> </a:t>
-            </a:r>
-            <a:r>
-              <a:rPr lang="en-US" sz="2133" dirty="0" err="1">
-                <a:solidFill>
-                  <a:srgbClr val="000000"/>
-                </a:solidFill>
-                <a:latin typeface="Consolas, "/>
-              </a:rPr>
-              <a:t>my_input_iterator</a:t>
-            </a:r>
-            <a:r>
-              <a:rPr lang="en-US" sz="2133" dirty="0">
-                <a:solidFill>
-                  <a:srgbClr val="000000"/>
-                </a:solidFill>
-                <a:latin typeface="Consolas, "/>
-              </a:rPr>
-              <a:t>&amp; </a:t>
-            </a:r>
-            <a:r>
-              <a:rPr lang="en-US" sz="2133" dirty="0" err="1">
-                <a:solidFill>
-                  <a:srgbClr val="000000"/>
-                </a:solidFill>
-                <a:latin typeface="Consolas, "/>
-              </a:rPr>
-              <a:t>rhs</a:t>
-            </a:r>
-            <a:r>
-              <a:rPr lang="en-US" sz="2133" dirty="0">
-                <a:solidFill>
-                  <a:srgbClr val="000000"/>
-                </a:solidFill>
-                <a:latin typeface="Consolas, "/>
-              </a:rPr>
-              <a:t>);</a:t>
-            </a:r>
-          </a:p>
-          <a:p>
-            <a:r>
-              <a:rPr lang="en-US" sz="2133" dirty="0">
-                <a:solidFill>
-                  <a:srgbClr val="0000FF"/>
-                </a:solidFill>
-                <a:latin typeface="Consolas, "/>
-              </a:rPr>
-              <a:t>bool</a:t>
-            </a:r>
-            <a:r>
-              <a:rPr lang="en-US" sz="2133" dirty="0">
-                <a:solidFill>
-                  <a:srgbClr val="000000"/>
-                </a:solidFill>
-                <a:latin typeface="Consolas, "/>
-              </a:rPr>
-              <a:t> </a:t>
-            </a:r>
-            <a:r>
-              <a:rPr lang="en-US" sz="2133" dirty="0">
-                <a:solidFill>
-                  <a:srgbClr val="0000FF"/>
-                </a:solidFill>
-                <a:latin typeface="Consolas, "/>
-              </a:rPr>
-              <a:t>operator</a:t>
-            </a:r>
-            <a:r>
-              <a:rPr lang="en-US" sz="2133" dirty="0">
-                <a:solidFill>
-                  <a:srgbClr val="000000"/>
-                </a:solidFill>
-                <a:latin typeface="Consolas, "/>
-              </a:rPr>
-              <a:t>!=(</a:t>
-            </a:r>
-            <a:r>
-              <a:rPr lang="en-US" sz="2133" dirty="0">
-                <a:solidFill>
-                  <a:srgbClr val="0000FF"/>
-                </a:solidFill>
-                <a:latin typeface="Consolas, "/>
-              </a:rPr>
-              <a:t>const</a:t>
-            </a:r>
-            <a:r>
-              <a:rPr lang="en-US" sz="2133" dirty="0">
-                <a:solidFill>
-                  <a:srgbClr val="000000"/>
-                </a:solidFill>
-                <a:latin typeface="Consolas, "/>
-              </a:rPr>
-              <a:t> </a:t>
-            </a:r>
-            <a:r>
-              <a:rPr lang="en-US" sz="2133" dirty="0" err="1">
-                <a:solidFill>
-                  <a:srgbClr val="000000"/>
-                </a:solidFill>
-                <a:latin typeface="Consolas, "/>
-              </a:rPr>
-              <a:t>my_input_iterator</a:t>
-            </a:r>
-            <a:r>
-              <a:rPr lang="en-US" sz="2133" dirty="0">
-                <a:solidFill>
-                  <a:srgbClr val="000000"/>
-                </a:solidFill>
-                <a:latin typeface="Consolas, "/>
-              </a:rPr>
-              <a:t>&amp; </a:t>
-            </a:r>
-            <a:r>
-              <a:rPr lang="en-US" sz="2133" dirty="0" err="1">
-                <a:solidFill>
-                  <a:srgbClr val="000000"/>
-                </a:solidFill>
-                <a:latin typeface="Consolas, "/>
-              </a:rPr>
-              <a:t>lhs</a:t>
-            </a:r>
-            <a:r>
-              <a:rPr lang="en-US" sz="2133" dirty="0">
-                <a:solidFill>
-                  <a:srgbClr val="000000"/>
-                </a:solidFill>
-                <a:latin typeface="Consolas, "/>
-              </a:rPr>
-              <a:t>, </a:t>
-            </a:r>
-            <a:r>
-              <a:rPr lang="en-US" sz="2133" dirty="0">
-                <a:solidFill>
-                  <a:srgbClr val="0000FF"/>
-                </a:solidFill>
-                <a:latin typeface="Consolas, "/>
-              </a:rPr>
-              <a:t>const</a:t>
-            </a:r>
-            <a:r>
-              <a:rPr lang="en-US" sz="2133" dirty="0">
-                <a:solidFill>
-                  <a:srgbClr val="000000"/>
-                </a:solidFill>
-                <a:latin typeface="Consolas, "/>
-              </a:rPr>
-              <a:t> </a:t>
-            </a:r>
-            <a:r>
-              <a:rPr lang="en-US" sz="2133" dirty="0" err="1">
-                <a:solidFill>
-                  <a:srgbClr val="000000"/>
-                </a:solidFill>
-                <a:latin typeface="Consolas, "/>
-              </a:rPr>
-              <a:t>my_input_iterator</a:t>
-            </a:r>
-            <a:r>
-              <a:rPr lang="en-US" sz="2133" dirty="0">
-                <a:solidFill>
-                  <a:srgbClr val="000000"/>
-                </a:solidFill>
-                <a:latin typeface="Consolas, "/>
-              </a:rPr>
-              <a:t>&amp; </a:t>
-            </a:r>
-            <a:r>
-              <a:rPr lang="en-US" sz="2133" dirty="0" err="1">
-                <a:solidFill>
-                  <a:srgbClr val="000000"/>
-                </a:solidFill>
-                <a:latin typeface="Consolas, "/>
-              </a:rPr>
-              <a:t>rhs</a:t>
-            </a:r>
-            <a:r>
-              <a:rPr lang="en-US" sz="2133" dirty="0">
-                <a:solidFill>
-                  <a:srgbClr val="000000"/>
-                </a:solidFill>
-                <a:latin typeface="Consolas, "/>
-              </a:rPr>
-              <a:t>);</a:t>
             </a:r>
           </a:p>
           <a:p>
@@ -16215,7 +16210,7 @@
     </p:spTree>
     <p:extLst>
       <p:ext uri="{BB962C8B-B14F-4D97-AF65-F5344CB8AC3E}">
-        <p14:creationId xmlns:p14="http://schemas.microsoft.com/office/powerpoint/2010/main" val="3835028014"/>
+        <p14:creationId xmlns:p14="http://schemas.microsoft.com/office/powerpoint/2010/main" val="585544230"/>
       </p:ext>
     </p:extLst>
   </p:cSld>
@@ -16282,7 +16277,7 @@
                 <a:ea typeface="Intel Clear Pro Bold" panose="020B0804020202060201" pitchFamily="34" charset="-52"/>
                 <a:cs typeface="Intel Clear Pro Bold" panose="020B0804020202060201" pitchFamily="34" charset="-52"/>
               </a:rPr>
-              <a:t>Forward Iterator operations</a:t>
+              <a:t>Input Iterator operations</a:t>
             </a:r>
           </a:p>
         </p:txBody>
@@ -16480,7 +16475,7 @@
           </a:lstStyle>
           <a:p>
             <a:r>
-              <a:rPr lang="en-US" sz="2400" dirty="0">
+              <a:rPr lang="en-US" sz="2000" dirty="0">
                 <a:solidFill>
                   <a:srgbClr val="0000FF"/>
                 </a:solidFill>
@@ -16489,7 +16484,7 @@
               <a:t>struct</a:t>
             </a:r>
             <a:r>
-              <a:rPr lang="en-US" sz="2400" dirty="0">
+              <a:rPr lang="en-US" sz="2133" dirty="0">
                 <a:solidFill>
                   <a:srgbClr val="000000"/>
                 </a:solidFill>
@@ -16498,16 +16493,16 @@
               <a:t> </a:t>
             </a:r>
             <a:r>
-              <a:rPr lang="en-US" sz="2400" dirty="0" err="1">
-                <a:solidFill>
-                  <a:srgbClr val="000000"/>
-                </a:solidFill>
-                <a:latin typeface="Consolas, "/>
-              </a:rPr>
-              <a:t>my_forward_iterator</a:t>
-            </a:r>
-            <a:r>
-              <a:rPr lang="en-US" sz="2400" dirty="0">
+              <a:rPr lang="en-US" sz="2133" dirty="0" err="1">
+                <a:solidFill>
+                  <a:srgbClr val="000000"/>
+                </a:solidFill>
+                <a:latin typeface="Consolas, "/>
+              </a:rPr>
+              <a:t>my_input_iterator</a:t>
+            </a:r>
+            <a:r>
+              <a:rPr lang="en-US" sz="2133" dirty="0">
                 <a:solidFill>
                   <a:srgbClr val="000000"/>
                 </a:solidFill>
@@ -16516,7 +16511,7 @@
               <a:t> : </a:t>
             </a:r>
             <a:r>
-              <a:rPr lang="en-US" sz="2400" dirty="0">
+              <a:rPr lang="en-US" sz="2133" dirty="0">
                 <a:solidFill>
                   <a:srgbClr val="0000FF"/>
                 </a:solidFill>
@@ -16525,7 +16520,7 @@
               <a:t>public</a:t>
             </a:r>
             <a:r>
-              <a:rPr lang="en-US" sz="2400" dirty="0">
+              <a:rPr lang="en-US" sz="2133" dirty="0">
                 <a:solidFill>
                   <a:srgbClr val="000000"/>
                 </a:solidFill>
@@ -16534,7 +16529,83 @@
               <a:t> </a:t>
             </a:r>
             <a:r>
-              <a:rPr lang="en-US" sz="2400" dirty="0" err="1">
+              <a:rPr lang="en-US" sz="2133" dirty="0" err="1">
+                <a:solidFill>
+                  <a:srgbClr val="000000"/>
+                </a:solidFill>
+                <a:latin typeface="Consolas, "/>
+              </a:rPr>
+              <a:t>my_iterator</a:t>
+            </a:r>
+            <a:r>
+              <a:rPr lang="en-US" sz="2133" dirty="0">
+                <a:solidFill>
+                  <a:srgbClr val="000000"/>
+                </a:solidFill>
+                <a:latin typeface="Consolas, "/>
+              </a:rPr>
+              <a:t> {</a:t>
+            </a:r>
+          </a:p>
+          <a:p>
+            <a:r>
+              <a:rPr lang="en-US" sz="2133" dirty="0">
+                <a:solidFill>
+                  <a:srgbClr val="000000"/>
+                </a:solidFill>
+                <a:latin typeface="Consolas, "/>
+              </a:rPr>
+              <a:t>    T* </a:t>
+            </a:r>
+            <a:r>
+              <a:rPr lang="en-US" sz="2133" dirty="0">
+                <a:solidFill>
+                  <a:srgbClr val="0000FF"/>
+                </a:solidFill>
+                <a:latin typeface="Consolas, "/>
+              </a:rPr>
+              <a:t>operator</a:t>
+            </a:r>
+            <a:r>
+              <a:rPr lang="en-US" sz="2133" dirty="0">
+                <a:solidFill>
+                  <a:srgbClr val="000000"/>
+                </a:solidFill>
+                <a:latin typeface="Consolas, "/>
+              </a:rPr>
+              <a:t>-&gt;() </a:t>
+            </a:r>
+            <a:r>
+              <a:rPr lang="en-US" sz="2133" dirty="0">
+                <a:solidFill>
+                  <a:srgbClr val="0000FF"/>
+                </a:solidFill>
+                <a:latin typeface="Consolas, "/>
+              </a:rPr>
+              <a:t>const</a:t>
+            </a:r>
+            <a:r>
+              <a:rPr lang="en-US" sz="2133" dirty="0">
+                <a:solidFill>
+                  <a:srgbClr val="000000"/>
+                </a:solidFill>
+                <a:latin typeface="Consolas, "/>
+              </a:rPr>
+              <a:t>;</a:t>
+            </a:r>
+          </a:p>
+          <a:p>
+            <a:r>
+              <a:rPr lang="en-US" sz="2133" dirty="0">
+                <a:solidFill>
+                  <a:srgbClr val="000000"/>
+                </a:solidFill>
+                <a:latin typeface="Consolas, "/>
+              </a:rPr>
+              <a:t>    </a:t>
+            </a:r>
+            <a:r>
+              <a:rPr lang="en-US" sz="2133" dirty="0" err="1">
                 <a:solidFill>
                   <a:srgbClr val="000000"/>
                 </a:solidFill>
@@ -16543,53 +16614,352 @@
               <a:t>my_input_iterator</a:t>
             </a:r>
             <a:r>
-              <a:rPr lang="en-US" sz="2400" dirty="0">
-                <a:solidFill>
-                  <a:srgbClr val="000000"/>
-                </a:solidFill>
-                <a:latin typeface="Consolas, "/>
-              </a:rPr>
-              <a:t> {</a:t>
-            </a:r>
-          </a:p>
-          <a:p>
-            <a:r>
-              <a:rPr lang="en-US" sz="2400" dirty="0">
-                <a:solidFill>
-                  <a:srgbClr val="000000"/>
-                </a:solidFill>
-                <a:latin typeface="Consolas, "/>
-              </a:rPr>
-              <a:t>    </a:t>
-            </a:r>
-            <a:r>
-              <a:rPr lang="en-US" sz="2400" dirty="0" err="1">
-                <a:solidFill>
-                  <a:srgbClr val="000000"/>
-                </a:solidFill>
-                <a:latin typeface="Consolas, "/>
-              </a:rPr>
-              <a:t>my_forward_iterator</a:t>
-            </a:r>
-            <a:r>
-              <a:rPr lang="en-US" sz="2400" dirty="0">
-                <a:solidFill>
-                  <a:srgbClr val="000000"/>
-                </a:solidFill>
-                <a:latin typeface="Consolas, "/>
-              </a:rPr>
-              <a:t>();</a:t>
-            </a:r>
-          </a:p>
-          <a:p>
-            <a:r>
-              <a:rPr lang="en-US" sz="2400" dirty="0">
+              <a:rPr lang="en-US" sz="2133" dirty="0">
+                <a:solidFill>
+                  <a:srgbClr val="000000"/>
+                </a:solidFill>
+                <a:latin typeface="Consolas, "/>
+              </a:rPr>
+              <a:t> </a:t>
+            </a:r>
+            <a:r>
+              <a:rPr lang="en-US" sz="2133" dirty="0">
+                <a:solidFill>
+                  <a:srgbClr val="0000FF"/>
+                </a:solidFill>
+                <a:latin typeface="Consolas, "/>
+              </a:rPr>
+              <a:t>operator</a:t>
+            </a:r>
+            <a:r>
+              <a:rPr lang="en-US" sz="2133" dirty="0">
+                <a:solidFill>
+                  <a:srgbClr val="000000"/>
+                </a:solidFill>
+                <a:latin typeface="Consolas, "/>
+              </a:rPr>
+              <a:t>++(</a:t>
+            </a:r>
+            <a:r>
+              <a:rPr lang="en-US" sz="2133" dirty="0">
+                <a:solidFill>
+                  <a:srgbClr val="0000FF"/>
+                </a:solidFill>
+                <a:latin typeface="Consolas, "/>
+              </a:rPr>
+              <a:t>int</a:t>
+            </a:r>
+            <a:r>
+              <a:rPr lang="en-US" sz="2133" dirty="0">
+                <a:solidFill>
+                  <a:srgbClr val="000000"/>
+                </a:solidFill>
+                <a:latin typeface="Consolas, "/>
+              </a:rPr>
+              <a:t>);</a:t>
+            </a:r>
+          </a:p>
+          <a:p>
+            <a:r>
+              <a:rPr lang="en-US" sz="2133" dirty="0">
                 <a:solidFill>
                   <a:srgbClr val="000000"/>
                 </a:solidFill>
                 <a:latin typeface="Consolas, "/>
               </a:rPr>
               <a:t>};</a:t>
+            </a:r>
+          </a:p>
+          <a:p>
+            <a:r>
+              <a:rPr lang="en-US" sz="2133" dirty="0">
+                <a:solidFill>
+                  <a:srgbClr val="0000FF"/>
+                </a:solidFill>
+                <a:latin typeface="Consolas, "/>
+              </a:rPr>
+              <a:t>bool</a:t>
+            </a:r>
+            <a:r>
+              <a:rPr lang="en-US" sz="2133" dirty="0">
+                <a:solidFill>
+                  <a:srgbClr val="000000"/>
+                </a:solidFill>
+                <a:latin typeface="Consolas, "/>
+              </a:rPr>
+              <a:t> </a:t>
+            </a:r>
+            <a:r>
+              <a:rPr lang="en-US" sz="2133" dirty="0">
+                <a:solidFill>
+                  <a:srgbClr val="0000FF"/>
+                </a:solidFill>
+                <a:latin typeface="Consolas, "/>
+              </a:rPr>
+              <a:t>operator</a:t>
+            </a:r>
+            <a:r>
+              <a:rPr lang="en-US" sz="2133" dirty="0">
+                <a:solidFill>
+                  <a:srgbClr val="000000"/>
+                </a:solidFill>
+                <a:latin typeface="Consolas, "/>
+              </a:rPr>
+              <a:t>==(</a:t>
+            </a:r>
+            <a:r>
+              <a:rPr lang="en-US" sz="2133" dirty="0">
+                <a:solidFill>
+                  <a:srgbClr val="0000FF"/>
+                </a:solidFill>
+                <a:latin typeface="Consolas, "/>
+              </a:rPr>
+              <a:t>const</a:t>
+            </a:r>
+            <a:r>
+              <a:rPr lang="en-US" sz="2133" dirty="0">
+                <a:solidFill>
+                  <a:srgbClr val="000000"/>
+                </a:solidFill>
+                <a:latin typeface="Consolas, "/>
+              </a:rPr>
+              <a:t> </a:t>
+            </a:r>
+            <a:r>
+              <a:rPr lang="en-US" sz="2133" dirty="0" err="1">
+                <a:solidFill>
+                  <a:srgbClr val="000000"/>
+                </a:solidFill>
+                <a:latin typeface="Consolas, "/>
+              </a:rPr>
+              <a:t>my_input_iterator</a:t>
+            </a:r>
+            <a:r>
+              <a:rPr lang="en-US" sz="2133" dirty="0">
+                <a:solidFill>
+                  <a:srgbClr val="000000"/>
+                </a:solidFill>
+                <a:latin typeface="Consolas, "/>
+              </a:rPr>
+              <a:t>&amp; </a:t>
+            </a:r>
+            <a:r>
+              <a:rPr lang="en-US" sz="2133" dirty="0" err="1">
+                <a:solidFill>
+                  <a:srgbClr val="000000"/>
+                </a:solidFill>
+                <a:latin typeface="Consolas, "/>
+              </a:rPr>
+              <a:t>lhs</a:t>
+            </a:r>
+            <a:r>
+              <a:rPr lang="en-US" sz="2133" dirty="0">
+                <a:solidFill>
+                  <a:srgbClr val="000000"/>
+                </a:solidFill>
+                <a:latin typeface="Consolas, "/>
+              </a:rPr>
+              <a:t>, </a:t>
+            </a:r>
+            <a:r>
+              <a:rPr lang="en-US" sz="2133" dirty="0">
+                <a:solidFill>
+                  <a:srgbClr val="0000FF"/>
+                </a:solidFill>
+                <a:latin typeface="Consolas, "/>
+              </a:rPr>
+              <a:t>const</a:t>
+            </a:r>
+            <a:r>
+              <a:rPr lang="en-US" sz="2133" dirty="0">
+                <a:solidFill>
+                  <a:srgbClr val="000000"/>
+                </a:solidFill>
+                <a:latin typeface="Consolas, "/>
+              </a:rPr>
+              <a:t> </a:t>
+            </a:r>
+            <a:r>
+              <a:rPr lang="en-US" sz="2133" dirty="0" err="1">
+                <a:solidFill>
+                  <a:srgbClr val="000000"/>
+                </a:solidFill>
+                <a:latin typeface="Consolas, "/>
+              </a:rPr>
+              <a:t>my_input_iterator</a:t>
+            </a:r>
+            <a:r>
+              <a:rPr lang="en-US" sz="2133" dirty="0">
+                <a:solidFill>
+                  <a:srgbClr val="000000"/>
+                </a:solidFill>
+                <a:latin typeface="Consolas, "/>
+              </a:rPr>
+              <a:t>&amp; </a:t>
+            </a:r>
+            <a:r>
+              <a:rPr lang="en-US" sz="2133" dirty="0" err="1">
+                <a:solidFill>
+                  <a:srgbClr val="000000"/>
+                </a:solidFill>
+                <a:latin typeface="Consolas, "/>
+              </a:rPr>
+              <a:t>rhs</a:t>
+            </a:r>
+            <a:r>
+              <a:rPr lang="en-US" sz="2133" dirty="0">
+                <a:solidFill>
+                  <a:srgbClr val="000000"/>
+                </a:solidFill>
+                <a:latin typeface="Consolas, "/>
+              </a:rPr>
+              <a:t>);</a:t>
+            </a:r>
+          </a:p>
+          <a:p>
+            <a:r>
+              <a:rPr lang="en-US" sz="2133" dirty="0">
+                <a:solidFill>
+                  <a:srgbClr val="0000FF"/>
+                </a:solidFill>
+                <a:latin typeface="Consolas, "/>
+              </a:rPr>
+              <a:t>bool</a:t>
+            </a:r>
+            <a:r>
+              <a:rPr lang="en-US" sz="2133" dirty="0">
+                <a:solidFill>
+                  <a:srgbClr val="000000"/>
+                </a:solidFill>
+                <a:latin typeface="Consolas, "/>
+              </a:rPr>
+              <a:t> </a:t>
+            </a:r>
+            <a:r>
+              <a:rPr lang="en-US" sz="2133" dirty="0">
+                <a:solidFill>
+                  <a:srgbClr val="0000FF"/>
+                </a:solidFill>
+                <a:latin typeface="Consolas, "/>
+              </a:rPr>
+              <a:t>operator</a:t>
+            </a:r>
+            <a:r>
+              <a:rPr lang="en-US" sz="2133" dirty="0">
+                <a:solidFill>
+                  <a:srgbClr val="000000"/>
+                </a:solidFill>
+                <a:latin typeface="Consolas, "/>
+              </a:rPr>
+              <a:t>!=(</a:t>
+            </a:r>
+            <a:r>
+              <a:rPr lang="en-US" sz="2133" dirty="0">
+                <a:solidFill>
+                  <a:srgbClr val="0000FF"/>
+                </a:solidFill>
+                <a:latin typeface="Consolas, "/>
+              </a:rPr>
+              <a:t>const</a:t>
+            </a:r>
+            <a:r>
+              <a:rPr lang="en-US" sz="2133" dirty="0">
+                <a:solidFill>
+                  <a:srgbClr val="000000"/>
+                </a:solidFill>
+                <a:latin typeface="Consolas, "/>
+              </a:rPr>
+              <a:t> </a:t>
+            </a:r>
+            <a:r>
+              <a:rPr lang="en-US" sz="2133" dirty="0" err="1">
+                <a:solidFill>
+                  <a:srgbClr val="000000"/>
+                </a:solidFill>
+                <a:latin typeface="Consolas, "/>
+              </a:rPr>
+              <a:t>my_input_iterator</a:t>
+            </a:r>
+            <a:r>
+              <a:rPr lang="en-US" sz="2133" dirty="0">
+                <a:solidFill>
+                  <a:srgbClr val="000000"/>
+                </a:solidFill>
+                <a:latin typeface="Consolas, "/>
+              </a:rPr>
+              <a:t>&amp; </a:t>
+            </a:r>
+            <a:r>
+              <a:rPr lang="en-US" sz="2133" dirty="0" err="1">
+                <a:solidFill>
+                  <a:srgbClr val="000000"/>
+                </a:solidFill>
+                <a:latin typeface="Consolas, "/>
+              </a:rPr>
+              <a:t>lhs</a:t>
+            </a:r>
+            <a:r>
+              <a:rPr lang="en-US" sz="2133" dirty="0">
+                <a:solidFill>
+                  <a:srgbClr val="000000"/>
+                </a:solidFill>
+                <a:latin typeface="Consolas, "/>
+              </a:rPr>
+              <a:t>, </a:t>
+            </a:r>
+            <a:r>
+              <a:rPr lang="en-US" sz="2133" dirty="0">
+                <a:solidFill>
+                  <a:srgbClr val="0000FF"/>
+                </a:solidFill>
+                <a:latin typeface="Consolas, "/>
+              </a:rPr>
+              <a:t>const</a:t>
+            </a:r>
+            <a:r>
+              <a:rPr lang="en-US" sz="2133" dirty="0">
+                <a:solidFill>
+                  <a:srgbClr val="000000"/>
+                </a:solidFill>
+                <a:latin typeface="Consolas, "/>
+              </a:rPr>
+              <a:t> </a:t>
+            </a:r>
+            <a:r>
+              <a:rPr lang="en-US" sz="2133" dirty="0" err="1">
+                <a:solidFill>
+                  <a:srgbClr val="000000"/>
+                </a:solidFill>
+                <a:latin typeface="Consolas, "/>
+              </a:rPr>
+              <a:t>my_input_iterator</a:t>
+            </a:r>
+            <a:r>
+              <a:rPr lang="en-US" sz="2133" dirty="0">
+                <a:solidFill>
+                  <a:srgbClr val="000000"/>
+                </a:solidFill>
+                <a:latin typeface="Consolas, "/>
+              </a:rPr>
+              <a:t>&amp; </a:t>
+            </a:r>
+            <a:r>
+              <a:rPr lang="en-US" sz="2133" dirty="0" err="1">
+                <a:solidFill>
+                  <a:srgbClr val="000000"/>
+                </a:solidFill>
+                <a:latin typeface="Consolas, "/>
+              </a:rPr>
+              <a:t>rhs</a:t>
+            </a:r>
+            <a:r>
+              <a:rPr lang="en-US" sz="2133" dirty="0">
+                <a:solidFill>
+                  <a:srgbClr val="000000"/>
+                </a:solidFill>
+                <a:latin typeface="Consolas, "/>
+              </a:rPr>
+              <a:t>);</a:t>
             </a:r>
           </a:p>
           <a:p>
@@ -16604,7 +16974,7 @@
     </p:spTree>
     <p:extLst>
       <p:ext uri="{BB962C8B-B14F-4D97-AF65-F5344CB8AC3E}">
-        <p14:creationId xmlns:p14="http://schemas.microsoft.com/office/powerpoint/2010/main" val="1638698947"/>
+        <p14:creationId xmlns:p14="http://schemas.microsoft.com/office/powerpoint/2010/main" val="3835028014"/>
       </p:ext>
     </p:extLst>
   </p:cSld>
@@ -16671,7 +17041,7 @@
                 <a:ea typeface="Intel Clear Pro Bold" panose="020B0804020202060201" pitchFamily="34" charset="-52"/>
                 <a:cs typeface="Intel Clear Pro Bold" panose="020B0804020202060201" pitchFamily="34" charset="-52"/>
               </a:rPr>
-              <a:t>Bidirectional Iterator operations</a:t>
+              <a:t>Forward Iterator operations</a:t>
             </a:r>
           </a:p>
         </p:txBody>
@@ -16893,7 +17263,7 @@
                 </a:solidFill>
                 <a:latin typeface="Consolas, "/>
               </a:rPr>
-              <a:t>my_bidirectional_iterator</a:t>
+              <a:t>my_forward_iterator</a:t>
             </a:r>
             <a:r>
               <a:rPr lang="en-US" sz="2400" dirty="0">
@@ -16929,6 +17299,35 @@
                 </a:solidFill>
                 <a:latin typeface="Consolas, "/>
               </a:rPr>
+              <a:t>my_input_iterator</a:t>
+            </a:r>
+            <a:r>
+              <a:rPr lang="en-US" sz="2400" dirty="0">
+                <a:solidFill>
+                  <a:srgbClr val="000000"/>
+                </a:solidFill>
+                <a:latin typeface="Consolas, "/>
+              </a:rPr>
+              <a:t> {</a:t>
+            </a:r>
+          </a:p>
+          <a:p>
+            <a:r>
+              <a:rPr lang="en-US" sz="2400" dirty="0">
+                <a:solidFill>
+                  <a:srgbClr val="000000"/>
+                </a:solidFill>
+                <a:latin typeface="Consolas, "/>
+              </a:rPr>
+              <a:t>    </a:t>
+            </a:r>
+            <a:r>
+              <a:rPr lang="en-US" sz="2400" dirty="0" err="1">
+                <a:solidFill>
+                  <a:srgbClr val="000000"/>
+                </a:solidFill>
+                <a:latin typeface="Consolas, "/>
+              </a:rPr>
               <a:t>my_forward_iterator</a:t>
             </a:r>
             <a:r>
@@ -16938,119 +17337,7 @@
                 </a:solidFill>
                 <a:latin typeface="Consolas, "/>
               </a:rPr>
-              <a:t> {</a:t>
-            </a:r>
-          </a:p>
-          <a:p>
-            <a:r>
-              <a:rPr lang="en-US" sz="2400" dirty="0">
-                <a:solidFill>
-                  <a:srgbClr val="000000"/>
-                </a:solidFill>
-                <a:latin typeface="Consolas, "/>
-              </a:rPr>
-              <a:t>    </a:t>
-            </a:r>
-            <a:r>
-              <a:rPr lang="en-US" sz="2400" dirty="0" err="1">
-                <a:solidFill>
-                  <a:srgbClr val="000000"/>
-                </a:solidFill>
-                <a:latin typeface="Consolas, "/>
-              </a:rPr>
-              <a:t>my_bidirectional_iterator</a:t>
-            </a:r>
-            <a:r>
-              <a:rPr lang="en-US" sz="2400" dirty="0">
-                <a:solidFill>
-                  <a:srgbClr val="000000"/>
-                </a:solidFill>
-                <a:latin typeface="Consolas, "/>
-              </a:rPr>
-              <a:t>&amp; </a:t>
-            </a:r>
-            <a:r>
-              <a:rPr lang="en-US" sz="2400" dirty="0">
-                <a:solidFill>
-                  <a:srgbClr val="0000FF"/>
-                </a:solidFill>
-                <a:latin typeface="Consolas, "/>
-              </a:rPr>
-              <a:t>operator</a:t>
-            </a:r>
-            <a:r>
-              <a:rPr lang="en-US" sz="2400" dirty="0">
-                <a:solidFill>
-                  <a:srgbClr val="000000"/>
-                </a:solidFill>
-                <a:latin typeface="Consolas, "/>
-              </a:rPr>
-              <a:t>--();</a:t>
-            </a:r>
-          </a:p>
-          <a:p>
-            <a:r>
-              <a:rPr lang="en-US" sz="2400" dirty="0">
-                <a:solidFill>
-                  <a:srgbClr val="000000"/>
-                </a:solidFill>
-                <a:latin typeface="Consolas, "/>
-              </a:rPr>
-              <a:t>    </a:t>
-            </a:r>
-            <a:r>
-              <a:rPr lang="en-US" sz="2400" dirty="0" err="1">
-                <a:solidFill>
-                  <a:srgbClr val="000000"/>
-                </a:solidFill>
-                <a:latin typeface="Consolas, "/>
-              </a:rPr>
-              <a:t>my_bidirectional_iterator</a:t>
-            </a:r>
-            <a:r>
-              <a:rPr lang="en-US" sz="2400" dirty="0">
-                <a:solidFill>
-                  <a:srgbClr val="000000"/>
-                </a:solidFill>
-                <a:latin typeface="Consolas, "/>
-              </a:rPr>
-              <a:t> </a:t>
-            </a:r>
-            <a:r>
-              <a:rPr lang="en-US" sz="2400" dirty="0">
-                <a:solidFill>
-                  <a:srgbClr val="0000FF"/>
-                </a:solidFill>
-                <a:latin typeface="Consolas, "/>
-              </a:rPr>
-              <a:t>operator</a:t>
-            </a:r>
-            <a:r>
-              <a:rPr lang="en-US" sz="2400" dirty="0">
-                <a:solidFill>
-                  <a:srgbClr val="000000"/>
-                </a:solidFill>
-                <a:latin typeface="Consolas, "/>
-              </a:rPr>
-              <a:t>--(</a:t>
-            </a:r>
-            <a:r>
-              <a:rPr lang="en-US" sz="2400" dirty="0">
-                <a:solidFill>
-                  <a:srgbClr val="0000FF"/>
-                </a:solidFill>
-                <a:latin typeface="Consolas, "/>
-              </a:rPr>
-              <a:t>int</a:t>
-            </a:r>
-            <a:r>
-              <a:rPr lang="en-US" sz="2400" dirty="0">
-                <a:solidFill>
-                  <a:srgbClr val="000000"/>
-                </a:solidFill>
-                <a:latin typeface="Consolas, "/>
-              </a:rPr>
-              <a:t>)</a:t>
+              <a:t>();</a:t>
             </a:r>
           </a:p>
           <a:p>
@@ -17076,7 +17363,7 @@
     </p:spTree>
     <p:extLst>
       <p:ext uri="{BB962C8B-B14F-4D97-AF65-F5344CB8AC3E}">
-        <p14:creationId xmlns:p14="http://schemas.microsoft.com/office/powerpoint/2010/main" val="3448689996"/>
+        <p14:creationId xmlns:p14="http://schemas.microsoft.com/office/powerpoint/2010/main" val="1638698947"/>
       </p:ext>
     </p:extLst>
   </p:cSld>
@@ -17143,7 +17430,7 @@
                 <a:ea typeface="Intel Clear Pro Bold" panose="020B0804020202060201" pitchFamily="34" charset="-52"/>
                 <a:cs typeface="Intel Clear Pro Bold" panose="020B0804020202060201" pitchFamily="34" charset="-52"/>
               </a:rPr>
-              <a:t>Random access Iterator operations</a:t>
+              <a:t>Bidirectional Iterator operations</a:t>
             </a:r>
           </a:p>
         </p:txBody>
@@ -17197,7 +17484,7 @@
         </p:spPr>
         <p:txBody>
           <a:bodyPr>
-            <a:normAutofit fontScale="92500" lnSpcReduction="20000"/>
+            <a:normAutofit/>
           </a:bodyPr>
           <a:lstStyle>
             <a:lvl1pPr marL="0" indent="0" algn="l" defTabSz="457200" rtl="0" eaLnBrk="1" latinLnBrk="0" hangingPunct="1">
@@ -17365,7 +17652,7 @@
                 </a:solidFill>
                 <a:latin typeface="Consolas, "/>
               </a:rPr>
-              <a:t>my_random_access_iterator</a:t>
+              <a:t>my_bidirectional_iterator</a:t>
             </a:r>
             <a:r>
               <a:rPr lang="en-US" sz="2400" dirty="0">
@@ -17401,24 +17688,63 @@
                 </a:solidFill>
                 <a:latin typeface="Consolas, "/>
               </a:rPr>
+              <a:t>my_forward_iterator</a:t>
+            </a:r>
+            <a:r>
+              <a:rPr lang="en-US" sz="2400" dirty="0">
+                <a:solidFill>
+                  <a:srgbClr val="000000"/>
+                </a:solidFill>
+                <a:latin typeface="Consolas, "/>
+              </a:rPr>
+              <a:t> {</a:t>
+            </a:r>
+          </a:p>
+          <a:p>
+            <a:r>
+              <a:rPr lang="en-US" sz="2400" dirty="0">
+                <a:solidFill>
+                  <a:srgbClr val="000000"/>
+                </a:solidFill>
+                <a:latin typeface="Consolas, "/>
+              </a:rPr>
+              <a:t>    </a:t>
+            </a:r>
+            <a:r>
+              <a:rPr lang="en-US" sz="2400" dirty="0" err="1">
+                <a:solidFill>
+                  <a:srgbClr val="000000"/>
+                </a:solidFill>
+                <a:latin typeface="Consolas, "/>
+              </a:rPr>
               <a:t>my_bidirectional_iterator</a:t>
             </a:r>
-            <a:endParaRPr lang="en-US" sz="2400" dirty="0">
-              <a:solidFill>
-                <a:srgbClr val="000000"/>
-              </a:solidFill>
-              <a:latin typeface="Consolas, "/>
-            </a:endParaRPr>
-          </a:p>
-          <a:p>
-            <a:r>
-              <a:rPr lang="en-US" sz="2400" dirty="0">
-                <a:solidFill>
-                  <a:srgbClr val="000000"/>
-                </a:solidFill>
-                <a:latin typeface="Consolas, "/>
-              </a:rPr>
-              <a:t>{</a:t>
+            <a:r>
+              <a:rPr lang="en-US" sz="2400" dirty="0">
+                <a:solidFill>
+                  <a:srgbClr val="000000"/>
+                </a:solidFill>
+                <a:latin typeface="Consolas, "/>
+              </a:rPr>
+              <a:t>&amp; </a:t>
+            </a:r>
+            <a:r>
+              <a:rPr lang="en-US" sz="2400" dirty="0">
+                <a:solidFill>
+                  <a:srgbClr val="0000FF"/>
+                </a:solidFill>
+                <a:latin typeface="Consolas, "/>
+              </a:rPr>
+              <a:t>operator</a:t>
+            </a:r>
+            <a:r>
+              <a:rPr lang="en-US" sz="2400" dirty="0">
+                <a:solidFill>
+                  <a:srgbClr val="000000"/>
+                </a:solidFill>
+                <a:latin typeface="Consolas, "/>
+              </a:rPr>
+              <a:t>--();</a:t>
             </a:r>
           </a:p>
           <a:p>
@@ -17438,7 +17764,7 @@
                 </a:solidFill>
                 <a:latin typeface="Consolas, "/>
               </a:rPr>
-              <a:t>my_random_access_iterator</a:t>
+              <a:t>my_bidirectional_iterator</a:t>
             </a:r>
             <a:r>
               <a:rPr lang="en-US" sz="2400" dirty="0">
@@ -17465,7 +17791,7 @@
                 </a:solidFill>
                 <a:latin typeface="Consolas, "/>
               </a:rPr>
-              <a:t>-(</a:t>
+              <a:t>--(</a:t>
             </a:r>
             <a:r>
               <a:rPr lang="en-US" sz="2400" dirty="0">
@@ -17483,202 +17809,7 @@
                 </a:solidFill>
                 <a:latin typeface="Consolas, "/>
               </a:rPr>
-              <a:t> n) </a:t>
-            </a:r>
-            <a:r>
-              <a:rPr lang="en-US" sz="2400" dirty="0">
-                <a:solidFill>
-                  <a:srgbClr val="0000FF"/>
-                </a:solidFill>
-                <a:latin typeface="Consolas, "/>
-              </a:rPr>
-              <a:t>const</a:t>
-            </a:r>
-            <a:r>
-              <a:rPr lang="en-US" sz="2400" dirty="0">
-                <a:solidFill>
-                  <a:srgbClr val="000000"/>
-                </a:solidFill>
-                <a:latin typeface="Consolas, "/>
-              </a:rPr>
-              <a:t>;</a:t>
-            </a:r>
-          </a:p>
-          <a:p>
-            <a:r>
-              <a:rPr lang="en-US" sz="2400" dirty="0">
-                <a:solidFill>
-                  <a:srgbClr val="000000"/>
-                </a:solidFill>
-                <a:latin typeface="Consolas, "/>
-              </a:rPr>
-              <a:t>    </a:t>
-            </a:r>
-            <a:r>
-              <a:rPr lang="en-US" sz="2400" dirty="0" err="1">
-                <a:solidFill>
-                  <a:srgbClr val="000000"/>
-                </a:solidFill>
-                <a:latin typeface="Consolas, "/>
-              </a:rPr>
-              <a:t>my_random_access_iterator</a:t>
-            </a:r>
-            <a:r>
-              <a:rPr lang="en-US" sz="2400" dirty="0">
-                <a:solidFill>
-                  <a:srgbClr val="000000"/>
-                </a:solidFill>
-                <a:latin typeface="Consolas, "/>
-              </a:rPr>
-              <a:t>&amp; </a:t>
-            </a:r>
-            <a:r>
-              <a:rPr lang="en-US" sz="2400" dirty="0">
-                <a:solidFill>
-                  <a:srgbClr val="0000FF"/>
-                </a:solidFill>
-                <a:latin typeface="Consolas, "/>
-              </a:rPr>
-              <a:t>operator</a:t>
-            </a:r>
-            <a:r>
-              <a:rPr lang="en-US" sz="2400" dirty="0">
-                <a:solidFill>
-                  <a:srgbClr val="000000"/>
-                </a:solidFill>
-                <a:latin typeface="Consolas, "/>
-              </a:rPr>
-              <a:t>+=(</a:t>
-            </a:r>
-            <a:r>
-              <a:rPr lang="en-US" sz="2400" dirty="0">
-                <a:solidFill>
-                  <a:srgbClr val="0000FF"/>
-                </a:solidFill>
-                <a:latin typeface="Consolas, "/>
-              </a:rPr>
-              <a:t>int</a:t>
-            </a:r>
-            <a:r>
-              <a:rPr lang="en-US" sz="2400" dirty="0">
-                <a:solidFill>
-                  <a:srgbClr val="000000"/>
-                </a:solidFill>
-                <a:latin typeface="Consolas, "/>
-              </a:rPr>
-              <a:t> n);</a:t>
-            </a:r>
-          </a:p>
-          <a:p>
-            <a:r>
-              <a:rPr lang="en-US" sz="2400" dirty="0">
-                <a:solidFill>
-                  <a:srgbClr val="000000"/>
-                </a:solidFill>
-                <a:latin typeface="Consolas, "/>
-              </a:rPr>
-              <a:t>    </a:t>
-            </a:r>
-            <a:r>
-              <a:rPr lang="en-US" sz="2400" dirty="0" err="1">
-                <a:solidFill>
-                  <a:srgbClr val="000000"/>
-                </a:solidFill>
-                <a:latin typeface="Consolas, "/>
-              </a:rPr>
-              <a:t>my_random_access_iterator</a:t>
-            </a:r>
-            <a:r>
-              <a:rPr lang="en-US" sz="2400" dirty="0">
-                <a:solidFill>
-                  <a:srgbClr val="000000"/>
-                </a:solidFill>
-                <a:latin typeface="Consolas, "/>
-              </a:rPr>
-              <a:t>&amp; </a:t>
-            </a:r>
-            <a:r>
-              <a:rPr lang="en-US" sz="2400" dirty="0">
-                <a:solidFill>
-                  <a:srgbClr val="0000FF"/>
-                </a:solidFill>
-                <a:latin typeface="Consolas, "/>
-              </a:rPr>
-              <a:t>operator</a:t>
-            </a:r>
-            <a:r>
-              <a:rPr lang="en-US" sz="2400" dirty="0">
-                <a:solidFill>
-                  <a:srgbClr val="000000"/>
-                </a:solidFill>
-                <a:latin typeface="Consolas, "/>
-              </a:rPr>
-              <a:t>-=(</a:t>
-            </a:r>
-            <a:r>
-              <a:rPr lang="en-US" sz="2400" dirty="0">
-                <a:solidFill>
-                  <a:srgbClr val="0000FF"/>
-                </a:solidFill>
-                <a:latin typeface="Consolas, "/>
-              </a:rPr>
-              <a:t>int</a:t>
-            </a:r>
-            <a:r>
-              <a:rPr lang="en-US" sz="2400" dirty="0">
-                <a:solidFill>
-                  <a:srgbClr val="000000"/>
-                </a:solidFill>
-                <a:latin typeface="Consolas, "/>
-              </a:rPr>
-              <a:t> n);</a:t>
-            </a:r>
-          </a:p>
-          <a:p>
-            <a:r>
-              <a:rPr lang="en-US" sz="2400" dirty="0">
-                <a:solidFill>
-                  <a:srgbClr val="000000"/>
-                </a:solidFill>
-                <a:latin typeface="Consolas, "/>
-              </a:rPr>
-              <a:t>    T&amp; </a:t>
-            </a:r>
-            <a:r>
-              <a:rPr lang="en-US" sz="2400" dirty="0">
-                <a:solidFill>
-                  <a:srgbClr val="0000FF"/>
-                </a:solidFill>
-                <a:latin typeface="Consolas, "/>
-              </a:rPr>
-              <a:t>operator</a:t>
-            </a:r>
-            <a:r>
-              <a:rPr lang="en-US" sz="2400" dirty="0">
-                <a:solidFill>
-                  <a:srgbClr val="000000"/>
-                </a:solidFill>
-                <a:latin typeface="Consolas, "/>
-              </a:rPr>
-              <a:t>[](</a:t>
-            </a:r>
-            <a:r>
-              <a:rPr lang="en-US" sz="2400" dirty="0">
-                <a:solidFill>
-                  <a:srgbClr val="0000FF"/>
-                </a:solidFill>
-                <a:latin typeface="Consolas, "/>
-              </a:rPr>
-              <a:t>int</a:t>
-            </a:r>
-            <a:r>
-              <a:rPr lang="en-US" sz="2400" dirty="0">
-                <a:solidFill>
-                  <a:srgbClr val="000000"/>
-                </a:solidFill>
-                <a:latin typeface="Consolas, "/>
-              </a:rPr>
-              <a:t> n);</a:t>
+              <a:t>)</a:t>
             </a:r>
           </a:p>
           <a:p>
@@ -17691,22 +17822,6 @@
               </a:rPr>
               <a:t>};</a:t>
             </a:r>
-          </a:p>
-          <a:p>
-            <a:br>
-              <a:rPr lang="en-US" sz="2400" dirty="0">
-                <a:solidFill>
-                  <a:srgbClr val="000000"/>
-                </a:solidFill>
-                <a:latin typeface="Consolas, "/>
-              </a:rPr>
-            </a:br>
-            <a:endParaRPr lang="en-US" sz="2400" dirty="0">
-              <a:solidFill>
-                <a:srgbClr val="000000"/>
-              </a:solidFill>
-              <a:latin typeface="Consolas, "/>
-            </a:endParaRPr>
           </a:p>
           <a:p>
             <a:endParaRPr lang="en-US" sz="2400" dirty="0">
@@ -17720,7 +17835,7 @@
     </p:spTree>
     <p:extLst>
       <p:ext uri="{BB962C8B-B14F-4D97-AF65-F5344CB8AC3E}">
-        <p14:creationId xmlns:p14="http://schemas.microsoft.com/office/powerpoint/2010/main" val="1961067923"/>
+        <p14:creationId xmlns:p14="http://schemas.microsoft.com/office/powerpoint/2010/main" val="3448689996"/>
       </p:ext>
     </p:extLst>
   </p:cSld>
@@ -17841,7 +17956,7 @@
         </p:spPr>
         <p:txBody>
           <a:bodyPr>
-            <a:normAutofit fontScale="77500" lnSpcReduction="20000"/>
+            <a:normAutofit fontScale="92500" lnSpcReduction="20000"/>
           </a:bodyPr>
           <a:lstStyle>
             <a:lvl1pPr marL="0" indent="0" algn="l" defTabSz="457200" rtl="0" eaLnBrk="1" latinLnBrk="0" hangingPunct="1">
@@ -18018,6 +18133,650 @@
                 </a:solidFill>
                 <a:latin typeface="Consolas, "/>
               </a:rPr>
+              <a:t> : </a:t>
+            </a:r>
+            <a:r>
+              <a:rPr lang="en-US" sz="2400" dirty="0">
+                <a:solidFill>
+                  <a:srgbClr val="0000FF"/>
+                </a:solidFill>
+                <a:latin typeface="Consolas, "/>
+              </a:rPr>
+              <a:t>public</a:t>
+            </a:r>
+            <a:r>
+              <a:rPr lang="en-US" sz="2400" dirty="0">
+                <a:solidFill>
+                  <a:srgbClr val="000000"/>
+                </a:solidFill>
+                <a:latin typeface="Consolas, "/>
+              </a:rPr>
+              <a:t> </a:t>
+            </a:r>
+            <a:r>
+              <a:rPr lang="en-US" sz="2400" dirty="0" err="1">
+                <a:solidFill>
+                  <a:srgbClr val="000000"/>
+                </a:solidFill>
+                <a:latin typeface="Consolas, "/>
+              </a:rPr>
+              <a:t>my_bidirectional_iterator</a:t>
+            </a:r>
+            <a:endParaRPr lang="en-US" sz="2400" dirty="0">
+              <a:solidFill>
+                <a:srgbClr val="000000"/>
+              </a:solidFill>
+              <a:latin typeface="Consolas, "/>
+            </a:endParaRPr>
+          </a:p>
+          <a:p>
+            <a:r>
+              <a:rPr lang="en-US" sz="2400" dirty="0">
+                <a:solidFill>
+                  <a:srgbClr val="000000"/>
+                </a:solidFill>
+                <a:latin typeface="Consolas, "/>
+              </a:rPr>
+              <a:t>{</a:t>
+            </a:r>
+          </a:p>
+          <a:p>
+            <a:r>
+              <a:rPr lang="en-US" sz="2400" dirty="0">
+                <a:solidFill>
+                  <a:srgbClr val="000000"/>
+                </a:solidFill>
+                <a:latin typeface="Consolas, "/>
+              </a:rPr>
+              <a:t>    </a:t>
+            </a:r>
+            <a:r>
+              <a:rPr lang="en-US" sz="2400" dirty="0" err="1">
+                <a:solidFill>
+                  <a:srgbClr val="000000"/>
+                </a:solidFill>
+                <a:latin typeface="Consolas, "/>
+              </a:rPr>
+              <a:t>my_random_access_iterator</a:t>
+            </a:r>
+            <a:r>
+              <a:rPr lang="en-US" sz="2400" dirty="0">
+                <a:solidFill>
+                  <a:srgbClr val="000000"/>
+                </a:solidFill>
+                <a:latin typeface="Consolas, "/>
+              </a:rPr>
+              <a:t> </a:t>
+            </a:r>
+            <a:r>
+              <a:rPr lang="en-US" sz="2400" dirty="0">
+                <a:solidFill>
+                  <a:srgbClr val="0000FF"/>
+                </a:solidFill>
+                <a:latin typeface="Consolas, "/>
+              </a:rPr>
+              <a:t>operator</a:t>
+            </a:r>
+            <a:r>
+              <a:rPr lang="en-US" sz="2400" dirty="0">
+                <a:solidFill>
+                  <a:srgbClr val="000000"/>
+                </a:solidFill>
+                <a:latin typeface="Consolas, "/>
+              </a:rPr>
+              <a:t>-(</a:t>
+            </a:r>
+            <a:r>
+              <a:rPr lang="en-US" sz="2400" dirty="0">
+                <a:solidFill>
+                  <a:srgbClr val="0000FF"/>
+                </a:solidFill>
+                <a:latin typeface="Consolas, "/>
+              </a:rPr>
+              <a:t>int</a:t>
+            </a:r>
+            <a:r>
+              <a:rPr lang="en-US" sz="2400" dirty="0">
+                <a:solidFill>
+                  <a:srgbClr val="000000"/>
+                </a:solidFill>
+                <a:latin typeface="Consolas, "/>
+              </a:rPr>
+              <a:t> n) </a:t>
+            </a:r>
+            <a:r>
+              <a:rPr lang="en-US" sz="2400" dirty="0">
+                <a:solidFill>
+                  <a:srgbClr val="0000FF"/>
+                </a:solidFill>
+                <a:latin typeface="Consolas, "/>
+              </a:rPr>
+              <a:t>const</a:t>
+            </a:r>
+            <a:r>
+              <a:rPr lang="en-US" sz="2400" dirty="0">
+                <a:solidFill>
+                  <a:srgbClr val="000000"/>
+                </a:solidFill>
+                <a:latin typeface="Consolas, "/>
+              </a:rPr>
+              <a:t>;</a:t>
+            </a:r>
+          </a:p>
+          <a:p>
+            <a:r>
+              <a:rPr lang="en-US" sz="2400" dirty="0">
+                <a:solidFill>
+                  <a:srgbClr val="000000"/>
+                </a:solidFill>
+                <a:latin typeface="Consolas, "/>
+              </a:rPr>
+              <a:t>    </a:t>
+            </a:r>
+            <a:r>
+              <a:rPr lang="en-US" sz="2400" dirty="0" err="1">
+                <a:solidFill>
+                  <a:srgbClr val="000000"/>
+                </a:solidFill>
+                <a:latin typeface="Consolas, "/>
+              </a:rPr>
+              <a:t>my_random_access_iterator</a:t>
+            </a:r>
+            <a:r>
+              <a:rPr lang="en-US" sz="2400" dirty="0">
+                <a:solidFill>
+                  <a:srgbClr val="000000"/>
+                </a:solidFill>
+                <a:latin typeface="Consolas, "/>
+              </a:rPr>
+              <a:t>&amp; </a:t>
+            </a:r>
+            <a:r>
+              <a:rPr lang="en-US" sz="2400" dirty="0">
+                <a:solidFill>
+                  <a:srgbClr val="0000FF"/>
+                </a:solidFill>
+                <a:latin typeface="Consolas, "/>
+              </a:rPr>
+              <a:t>operator</a:t>
+            </a:r>
+            <a:r>
+              <a:rPr lang="en-US" sz="2400" dirty="0">
+                <a:solidFill>
+                  <a:srgbClr val="000000"/>
+                </a:solidFill>
+                <a:latin typeface="Consolas, "/>
+              </a:rPr>
+              <a:t>+=(</a:t>
+            </a:r>
+            <a:r>
+              <a:rPr lang="en-US" sz="2400" dirty="0">
+                <a:solidFill>
+                  <a:srgbClr val="0000FF"/>
+                </a:solidFill>
+                <a:latin typeface="Consolas, "/>
+              </a:rPr>
+              <a:t>int</a:t>
+            </a:r>
+            <a:r>
+              <a:rPr lang="en-US" sz="2400" dirty="0">
+                <a:solidFill>
+                  <a:srgbClr val="000000"/>
+                </a:solidFill>
+                <a:latin typeface="Consolas, "/>
+              </a:rPr>
+              <a:t> n);</a:t>
+            </a:r>
+          </a:p>
+          <a:p>
+            <a:r>
+              <a:rPr lang="en-US" sz="2400" dirty="0">
+                <a:solidFill>
+                  <a:srgbClr val="000000"/>
+                </a:solidFill>
+                <a:latin typeface="Consolas, "/>
+              </a:rPr>
+              <a:t>    </a:t>
+            </a:r>
+            <a:r>
+              <a:rPr lang="en-US" sz="2400" dirty="0" err="1">
+                <a:solidFill>
+                  <a:srgbClr val="000000"/>
+                </a:solidFill>
+                <a:latin typeface="Consolas, "/>
+              </a:rPr>
+              <a:t>my_random_access_iterator</a:t>
+            </a:r>
+            <a:r>
+              <a:rPr lang="en-US" sz="2400" dirty="0">
+                <a:solidFill>
+                  <a:srgbClr val="000000"/>
+                </a:solidFill>
+                <a:latin typeface="Consolas, "/>
+              </a:rPr>
+              <a:t>&amp; </a:t>
+            </a:r>
+            <a:r>
+              <a:rPr lang="en-US" sz="2400" dirty="0">
+                <a:solidFill>
+                  <a:srgbClr val="0000FF"/>
+                </a:solidFill>
+                <a:latin typeface="Consolas, "/>
+              </a:rPr>
+              <a:t>operator</a:t>
+            </a:r>
+            <a:r>
+              <a:rPr lang="en-US" sz="2400" dirty="0">
+                <a:solidFill>
+                  <a:srgbClr val="000000"/>
+                </a:solidFill>
+                <a:latin typeface="Consolas, "/>
+              </a:rPr>
+              <a:t>-=(</a:t>
+            </a:r>
+            <a:r>
+              <a:rPr lang="en-US" sz="2400" dirty="0">
+                <a:solidFill>
+                  <a:srgbClr val="0000FF"/>
+                </a:solidFill>
+                <a:latin typeface="Consolas, "/>
+              </a:rPr>
+              <a:t>int</a:t>
+            </a:r>
+            <a:r>
+              <a:rPr lang="en-US" sz="2400" dirty="0">
+                <a:solidFill>
+                  <a:srgbClr val="000000"/>
+                </a:solidFill>
+                <a:latin typeface="Consolas, "/>
+              </a:rPr>
+              <a:t> n);</a:t>
+            </a:r>
+          </a:p>
+          <a:p>
+            <a:r>
+              <a:rPr lang="en-US" sz="2400" dirty="0">
+                <a:solidFill>
+                  <a:srgbClr val="000000"/>
+                </a:solidFill>
+                <a:latin typeface="Consolas, "/>
+              </a:rPr>
+              <a:t>    T&amp; </a:t>
+            </a:r>
+            <a:r>
+              <a:rPr lang="en-US" sz="2400" dirty="0">
+                <a:solidFill>
+                  <a:srgbClr val="0000FF"/>
+                </a:solidFill>
+                <a:latin typeface="Consolas, "/>
+              </a:rPr>
+              <a:t>operator</a:t>
+            </a:r>
+            <a:r>
+              <a:rPr lang="en-US" sz="2400" dirty="0">
+                <a:solidFill>
+                  <a:srgbClr val="000000"/>
+                </a:solidFill>
+                <a:latin typeface="Consolas, "/>
+              </a:rPr>
+              <a:t>[](</a:t>
+            </a:r>
+            <a:r>
+              <a:rPr lang="en-US" sz="2400" dirty="0">
+                <a:solidFill>
+                  <a:srgbClr val="0000FF"/>
+                </a:solidFill>
+                <a:latin typeface="Consolas, "/>
+              </a:rPr>
+              <a:t>int</a:t>
+            </a:r>
+            <a:r>
+              <a:rPr lang="en-US" sz="2400" dirty="0">
+                <a:solidFill>
+                  <a:srgbClr val="000000"/>
+                </a:solidFill>
+                <a:latin typeface="Consolas, "/>
+              </a:rPr>
+              <a:t> n);</a:t>
+            </a:r>
+          </a:p>
+          <a:p>
+            <a:r>
+              <a:rPr lang="en-US" sz="2400" dirty="0">
+                <a:solidFill>
+                  <a:srgbClr val="000000"/>
+                </a:solidFill>
+                <a:latin typeface="Consolas, "/>
+              </a:rPr>
+              <a:t>};</a:t>
+            </a:r>
+          </a:p>
+          <a:p>
+            <a:br>
+              <a:rPr lang="en-US" sz="2400" dirty="0">
+                <a:solidFill>
+                  <a:srgbClr val="000000"/>
+                </a:solidFill>
+                <a:latin typeface="Consolas, "/>
+              </a:rPr>
+            </a:br>
+            <a:endParaRPr lang="en-US" sz="2400" dirty="0">
+              <a:solidFill>
+                <a:srgbClr val="000000"/>
+              </a:solidFill>
+              <a:latin typeface="Consolas, "/>
+            </a:endParaRPr>
+          </a:p>
+          <a:p>
+            <a:endParaRPr lang="en-US" sz="2400" dirty="0">
+              <a:latin typeface="Intel Clear Light" panose="020B0404020203020204" pitchFamily="34" charset="0"/>
+              <a:ea typeface="Intel Clear Light" panose="020B0404020203020204" pitchFamily="34" charset="0"/>
+              <a:cs typeface="Intel Clear Light" panose="020B0404020203020204" pitchFamily="34" charset="0"/>
+            </a:endParaRPr>
+          </a:p>
+        </p:txBody>
+      </p:sp>
+    </p:spTree>
+    <p:extLst>
+      <p:ext uri="{BB962C8B-B14F-4D97-AF65-F5344CB8AC3E}">
+        <p14:creationId xmlns:p14="http://schemas.microsoft.com/office/powerpoint/2010/main" val="1961067923"/>
+      </p:ext>
+    </p:extLst>
+  </p:cSld>
+  <p:clrMapOvr>
+    <a:masterClrMapping/>
+  </p:clrMapOvr>
+  <mc:AlternateContent xmlns:mc="http://schemas.openxmlformats.org/markup-compatibility/2006" xmlns:p14="http://schemas.microsoft.com/office/powerpoint/2010/main">
+    <mc:Choice Requires="p14">
+      <p:transition spd="med" p14:dur="700">
+        <p:fade/>
+      </p:transition>
+    </mc:Choice>
+    <mc:Fallback xmlns="">
+      <p:transition spd="med">
+        <p:fade/>
+      </p:transition>
+    </mc:Fallback>
+  </mc:AlternateContent>
+</p:sld>
+</file>
+
+<file path=ppt/slides/slide28.xml><?xml version="1.0" encoding="utf-8"?>
+<p:sld xmlns:a="http://schemas.openxmlformats.org/drawingml/2006/main" xmlns:r="http://schemas.openxmlformats.org/officeDocument/2006/relationships" xmlns:p="http://schemas.openxmlformats.org/presentationml/2006/main">
+  <p:cSld>
+    <p:spTree>
+      <p:nvGrpSpPr>
+        <p:cNvPr id="1" name=""/>
+        <p:cNvGrpSpPr/>
+        <p:nvPr/>
+      </p:nvGrpSpPr>
+      <p:grpSpPr>
+        <a:xfrm>
+          <a:off x="0" y="0"/>
+          <a:ext cx="0" cy="0"/>
+          <a:chOff x="0" y="0"/>
+          <a:chExt cx="0" cy="0"/>
+        </a:xfrm>
+      </p:grpSpPr>
+      <p:sp>
+        <p:nvSpPr>
+          <p:cNvPr id="7" name="Title 3"/>
+          <p:cNvSpPr>
+            <a:spLocks noGrp="1"/>
+          </p:cNvSpPr>
+          <p:nvPr>
+            <p:ph type="title"/>
+          </p:nvPr>
+        </p:nvSpPr>
+        <p:spPr>
+          <a:xfrm>
+            <a:off x="539751" y="411797"/>
+            <a:ext cx="10972800" cy="662864"/>
+          </a:xfrm>
+        </p:spPr>
+        <p:txBody>
+          <a:bodyPr>
+            <a:normAutofit fontScale="90000"/>
+          </a:bodyPr>
+          <a:lstStyle/>
+          <a:p>
+            <a:r>
+              <a:rPr lang="en-US" dirty="0">
+                <a:latin typeface="+mn-lt"/>
+                <a:ea typeface="Intel Clear Pro Bold" panose="020B0804020202060201" pitchFamily="34" charset="-52"/>
+                <a:cs typeface="Intel Clear Pro Bold" panose="020B0804020202060201" pitchFamily="34" charset="-52"/>
+              </a:rPr>
+              <a:t>Random access Iterator operations</a:t>
+            </a:r>
+          </a:p>
+        </p:txBody>
+      </p:sp>
+      <p:sp>
+        <p:nvSpPr>
+          <p:cNvPr id="2" name="Slide Number Placeholder 1"/>
+          <p:cNvSpPr>
+            <a:spLocks noGrp="1"/>
+          </p:cNvSpPr>
+          <p:nvPr>
+            <p:ph type="sldNum" sz="quarter" idx="12"/>
+          </p:nvPr>
+        </p:nvSpPr>
+        <p:spPr/>
+        <p:txBody>
+          <a:bodyPr/>
+          <a:lstStyle/>
+          <a:p>
+            <a:fld id="{EE2556C5-CE8C-6547-B838-EA80C61A4AF7}" type="slidenum">
+              <a:rPr lang="en-US" smtClean="0"/>
+              <a:pPr/>
+              <a:t>28</a:t>
+            </a:fld>
+            <a:endParaRPr lang="en-US" dirty="0"/>
+          </a:p>
+        </p:txBody>
+      </p:sp>
+      <p:sp>
+        <p:nvSpPr>
+          <p:cNvPr id="8" name="Content Placeholder 2">
+            <a:extLst>
+              <a:ext uri="{FF2B5EF4-FFF2-40B4-BE49-F238E27FC236}">
+                <a16:creationId xmlns:a16="http://schemas.microsoft.com/office/drawing/2014/main" id="{49F36F0B-0F74-4505-9583-36E799397348}"/>
+              </a:ext>
+            </a:extLst>
+          </p:cNvPr>
+          <p:cNvSpPr txBox="1">
+            <a:spLocks/>
+          </p:cNvSpPr>
+          <p:nvPr/>
+        </p:nvSpPr>
+        <p:spPr>
+          <a:xfrm>
+            <a:off x="539750" y="1274310"/>
+            <a:ext cx="11823701" cy="3869191"/>
+          </a:xfrm>
+          <a:prstGeom prst="rect">
+            <a:avLst/>
+          </a:prstGeom>
+        </p:spPr>
+        <p:txBody>
+          <a:bodyPr>
+            <a:normAutofit fontScale="77500" lnSpcReduction="20000"/>
+          </a:bodyPr>
+          <a:lstStyle>
+            <a:lvl1pPr marL="0" indent="0" algn="l" defTabSz="457200" rtl="0" eaLnBrk="1" latinLnBrk="0" hangingPunct="1">
+              <a:spcBef>
+                <a:spcPts val="1200"/>
+              </a:spcBef>
+              <a:spcAft>
+                <a:spcPts val="0"/>
+              </a:spcAft>
+              <a:buFont typeface="Wingdings" panose="05000000000000000000" pitchFamily="2" charset="2"/>
+              <a:buNone/>
+              <a:defRPr sz="1800" b="0" kern="1200">
+                <a:solidFill>
+                  <a:srgbClr val="0071C5"/>
+                </a:solidFill>
+                <a:latin typeface="+mn-lt"/>
+                <a:ea typeface="+mn-ea"/>
+                <a:cs typeface="Intel Clear" panose="020B0604020203020204" pitchFamily="34" charset="0"/>
+              </a:defRPr>
+            </a:lvl1pPr>
+            <a:lvl2pPr marL="225425" indent="-225425" algn="l" defTabSz="457200" rtl="0" eaLnBrk="1" latinLnBrk="0" hangingPunct="1">
+              <a:spcBef>
+                <a:spcPts val="1200"/>
+              </a:spcBef>
+              <a:buFont typeface="Wingdings" charset="2"/>
+              <a:buChar char="§"/>
+              <a:defRPr sz="1600" kern="1200" baseline="0">
+                <a:solidFill>
+                  <a:schemeClr val="tx2"/>
+                </a:solidFill>
+                <a:latin typeface="+mn-lt"/>
+                <a:ea typeface="+mn-ea"/>
+                <a:cs typeface="Intel Clear" panose="020B0604020203020204" pitchFamily="34" charset="0"/>
+              </a:defRPr>
+            </a:lvl2pPr>
+            <a:lvl3pPr marL="571500" indent="-228600" algn="l" defTabSz="457200" rtl="0" eaLnBrk="1" latinLnBrk="0" hangingPunct="1">
+              <a:spcBef>
+                <a:spcPts val="800"/>
+              </a:spcBef>
+              <a:buFont typeface="Intel Clear" panose="020B0604020203020204" pitchFamily="34" charset="0"/>
+              <a:buChar char="–"/>
+              <a:defRPr sz="1600" kern="1200">
+                <a:solidFill>
+                  <a:schemeClr val="tx2"/>
+                </a:solidFill>
+                <a:latin typeface="+mn-lt"/>
+                <a:ea typeface="+mn-ea"/>
+                <a:cs typeface="Intel Clear" panose="020B0604020203020204" pitchFamily="34" charset="0"/>
+              </a:defRPr>
+            </a:lvl3pPr>
+            <a:lvl4pPr marL="969963" indent="-228600" algn="l" defTabSz="457200" rtl="0" eaLnBrk="1" latinLnBrk="0" hangingPunct="1">
+              <a:spcBef>
+                <a:spcPct val="20000"/>
+              </a:spcBef>
+              <a:buFont typeface="Arial"/>
+              <a:buChar char="–"/>
+              <a:defRPr sz="1400" kern="1200">
+                <a:solidFill>
+                  <a:schemeClr val="tx2"/>
+                </a:solidFill>
+                <a:latin typeface="+mn-lt"/>
+                <a:ea typeface="+mn-ea"/>
+                <a:cs typeface="Intel Clear" panose="020B0604020203020204" pitchFamily="34" charset="0"/>
+              </a:defRPr>
+            </a:lvl4pPr>
+            <a:lvl5pPr marL="1319213" indent="-228600" algn="l" defTabSz="457200" rtl="0" eaLnBrk="1" latinLnBrk="0" hangingPunct="1">
+              <a:spcBef>
+                <a:spcPct val="20000"/>
+              </a:spcBef>
+              <a:buFont typeface="Intel Clear" panose="020B0604020203020204" pitchFamily="34" charset="0"/>
+              <a:buChar char="–"/>
+              <a:defRPr sz="1400" kern="1200">
+                <a:solidFill>
+                  <a:schemeClr val="tx2"/>
+                </a:solidFill>
+                <a:latin typeface="+mn-lt"/>
+                <a:ea typeface="+mn-ea"/>
+                <a:cs typeface="Intel Clear" panose="020B0604020203020204" pitchFamily="34" charset="0"/>
+              </a:defRPr>
+            </a:lvl5pPr>
+            <a:lvl6pPr marL="2514600" indent="-228600" algn="l" defTabSz="457200" rtl="0" eaLnBrk="1" latinLnBrk="0" hangingPunct="1">
+              <a:spcBef>
+                <a:spcPct val="20000"/>
+              </a:spcBef>
+              <a:buFont typeface="Arial"/>
+              <a:buChar char="•"/>
+              <a:defRPr sz="2000" kern="1200">
+                <a:solidFill>
+                  <a:schemeClr val="tx1"/>
+                </a:solidFill>
+                <a:latin typeface="+mn-lt"/>
+                <a:ea typeface="+mn-ea"/>
+                <a:cs typeface="+mn-cs"/>
+              </a:defRPr>
+            </a:lvl6pPr>
+            <a:lvl7pPr marL="2971800" indent="-228600" algn="l" defTabSz="457200" rtl="0" eaLnBrk="1" latinLnBrk="0" hangingPunct="1">
+              <a:spcBef>
+                <a:spcPct val="20000"/>
+              </a:spcBef>
+              <a:buFont typeface="Arial"/>
+              <a:buChar char="•"/>
+              <a:defRPr sz="2000" kern="1200">
+                <a:solidFill>
+                  <a:schemeClr val="tx1"/>
+                </a:solidFill>
+                <a:latin typeface="+mn-lt"/>
+                <a:ea typeface="+mn-ea"/>
+                <a:cs typeface="+mn-cs"/>
+              </a:defRPr>
+            </a:lvl7pPr>
+            <a:lvl8pPr marL="3429000" indent="-228600" algn="l" defTabSz="457200" rtl="0" eaLnBrk="1" latinLnBrk="0" hangingPunct="1">
+              <a:spcBef>
+                <a:spcPct val="20000"/>
+              </a:spcBef>
+              <a:buFont typeface="Arial"/>
+              <a:buChar char="•"/>
+              <a:defRPr sz="2000" kern="1200">
+                <a:solidFill>
+                  <a:schemeClr val="tx1"/>
+                </a:solidFill>
+                <a:latin typeface="+mn-lt"/>
+                <a:ea typeface="+mn-ea"/>
+                <a:cs typeface="+mn-cs"/>
+              </a:defRPr>
+            </a:lvl8pPr>
+            <a:lvl9pPr marL="3886200" indent="-228600" algn="l" defTabSz="457200" rtl="0" eaLnBrk="1" latinLnBrk="0" hangingPunct="1">
+              <a:spcBef>
+                <a:spcPct val="20000"/>
+              </a:spcBef>
+              <a:buFont typeface="Arial"/>
+              <a:buChar char="•"/>
+              <a:defRPr sz="2000" kern="1200">
+                <a:solidFill>
+                  <a:schemeClr val="tx1"/>
+                </a:solidFill>
+                <a:latin typeface="+mn-lt"/>
+                <a:ea typeface="+mn-ea"/>
+                <a:cs typeface="+mn-cs"/>
+              </a:defRPr>
+            </a:lvl9pPr>
+          </a:lstStyle>
+          <a:p>
+            <a:r>
+              <a:rPr lang="en-US" sz="2400" dirty="0">
+                <a:solidFill>
+                  <a:srgbClr val="0000FF"/>
+                </a:solidFill>
+                <a:latin typeface="Consolas, "/>
+              </a:rPr>
+              <a:t>struct</a:t>
+            </a:r>
+            <a:r>
+              <a:rPr lang="en-US" sz="2400" dirty="0">
+                <a:solidFill>
+                  <a:srgbClr val="000000"/>
+                </a:solidFill>
+                <a:latin typeface="Consolas, "/>
+              </a:rPr>
+              <a:t> </a:t>
+            </a:r>
+            <a:r>
+              <a:rPr lang="en-US" sz="2400" dirty="0" err="1">
+                <a:solidFill>
+                  <a:srgbClr val="000000"/>
+                </a:solidFill>
+                <a:latin typeface="Consolas, "/>
+              </a:rPr>
+              <a:t>my_random_access_iterator</a:t>
+            </a:r>
+            <a:r>
+              <a:rPr lang="en-US" sz="2400" dirty="0">
+                <a:solidFill>
+                  <a:srgbClr val="000000"/>
+                </a:solidFill>
+                <a:latin typeface="Consolas, "/>
+              </a:rPr>
               <a:t> : </a:t>
             </a:r>
             <a:r>
@@ -18562,7 +19321,7 @@
                 </a:solidFill>
                 <a:latin typeface="Consolas, "/>
               </a:rPr>
-              <a:t>// Also operators &gt;, &lt;=, &gt;=</a:t>
+              <a:t>// Also, operators &gt;, &lt;=, &gt;=</a:t>
             </a:r>
             <a:endParaRPr lang="en-US" sz="2400" dirty="0">
               <a:solidFill>

--- a/08_iterators/08_iterators.pptx
+++ b/08_iterators/08_iterators.pptx
@@ -5,7 +5,7 @@
     <p:sldMasterId id="2147483648" r:id="rId1"/>
   </p:sldMasterIdLst>
   <p:notesMasterIdLst>
-    <p:notesMasterId r:id="rId30"/>
+    <p:notesMasterId r:id="rId29"/>
   </p:notesMasterIdLst>
   <p:sldIdLst>
     <p:sldId id="297" r:id="rId2"/>
@@ -26,16 +26,15 @@
     <p:sldId id="606" r:id="rId17"/>
     <p:sldId id="607" r:id="rId18"/>
     <p:sldId id="608" r:id="rId19"/>
-    <p:sldId id="620" r:id="rId20"/>
-    <p:sldId id="621" r:id="rId21"/>
-    <p:sldId id="610" r:id="rId22"/>
-    <p:sldId id="611" r:id="rId23"/>
-    <p:sldId id="612" r:id="rId24"/>
-    <p:sldId id="613" r:id="rId25"/>
-    <p:sldId id="614" r:id="rId26"/>
-    <p:sldId id="615" r:id="rId27"/>
-    <p:sldId id="616" r:id="rId28"/>
-    <p:sldId id="617" r:id="rId29"/>
+    <p:sldId id="621" r:id="rId20"/>
+    <p:sldId id="610" r:id="rId21"/>
+    <p:sldId id="611" r:id="rId22"/>
+    <p:sldId id="612" r:id="rId23"/>
+    <p:sldId id="613" r:id="rId24"/>
+    <p:sldId id="614" r:id="rId25"/>
+    <p:sldId id="615" r:id="rId26"/>
+    <p:sldId id="616" r:id="rId27"/>
+    <p:sldId id="617" r:id="rId28"/>
   </p:sldIdLst>
   <p:sldSz cx="12192000" cy="6858000"/>
   <p:notesSz cx="6858000" cy="9144000"/>
@@ -224,7 +223,7 @@
           <a:p>
             <a:fld id="{5BD5B299-94C6-402B-8FE2-93C183F604B2}" type="datetimeFigureOut">
               <a:rPr lang="en-US" smtClean="0"/>
-              <a:t>4/21/2021</a:t>
+              <a:t>7/6/2021</a:t>
             </a:fld>
             <a:endParaRPr lang="en-US"/>
           </a:p>
@@ -1415,7 +1414,7 @@
     </p:spTree>
     <p:extLst>
       <p:ext uri="{BB962C8B-B14F-4D97-AF65-F5344CB8AC3E}">
-        <p14:creationId xmlns:p14="http://schemas.microsoft.com/office/powerpoint/2010/main" val="922360703"/>
+        <p14:creationId xmlns:p14="http://schemas.microsoft.com/office/powerpoint/2010/main" val="1514218805"/>
       </p:ext>
     </p:extLst>
   </p:cSld>
@@ -1585,7 +1584,7 @@
     </p:spTree>
     <p:extLst>
       <p:ext uri="{BB962C8B-B14F-4D97-AF65-F5344CB8AC3E}">
-        <p14:creationId xmlns:p14="http://schemas.microsoft.com/office/powerpoint/2010/main" val="1514218805"/>
+        <p14:creationId xmlns:p14="http://schemas.microsoft.com/office/powerpoint/2010/main" val="2407072734"/>
       </p:ext>
     </p:extLst>
   </p:cSld>
@@ -1670,7 +1669,7 @@
     </p:spTree>
     <p:extLst>
       <p:ext uri="{BB962C8B-B14F-4D97-AF65-F5344CB8AC3E}">
-        <p14:creationId xmlns:p14="http://schemas.microsoft.com/office/powerpoint/2010/main" val="2407072734"/>
+        <p14:creationId xmlns:p14="http://schemas.microsoft.com/office/powerpoint/2010/main" val="2344170490"/>
       </p:ext>
     </p:extLst>
   </p:cSld>
@@ -1755,7 +1754,7 @@
     </p:spTree>
     <p:extLst>
       <p:ext uri="{BB962C8B-B14F-4D97-AF65-F5344CB8AC3E}">
-        <p14:creationId xmlns:p14="http://schemas.microsoft.com/office/powerpoint/2010/main" val="2344170490"/>
+        <p14:creationId xmlns:p14="http://schemas.microsoft.com/office/powerpoint/2010/main" val="2393795698"/>
       </p:ext>
     </p:extLst>
   </p:cSld>
@@ -1840,7 +1839,7 @@
     </p:spTree>
     <p:extLst>
       <p:ext uri="{BB962C8B-B14F-4D97-AF65-F5344CB8AC3E}">
-        <p14:creationId xmlns:p14="http://schemas.microsoft.com/office/powerpoint/2010/main" val="2393795698"/>
+        <p14:creationId xmlns:p14="http://schemas.microsoft.com/office/powerpoint/2010/main" val="1661600012"/>
       </p:ext>
     </p:extLst>
   </p:cSld>
@@ -1925,7 +1924,7 @@
     </p:spTree>
     <p:extLst>
       <p:ext uri="{BB962C8B-B14F-4D97-AF65-F5344CB8AC3E}">
-        <p14:creationId xmlns:p14="http://schemas.microsoft.com/office/powerpoint/2010/main" val="1661600012"/>
+        <p14:creationId xmlns:p14="http://schemas.microsoft.com/office/powerpoint/2010/main" val="2828016196"/>
       </p:ext>
     </p:extLst>
   </p:cSld>
@@ -2010,7 +2009,7 @@
     </p:spTree>
     <p:extLst>
       <p:ext uri="{BB962C8B-B14F-4D97-AF65-F5344CB8AC3E}">
-        <p14:creationId xmlns:p14="http://schemas.microsoft.com/office/powerpoint/2010/main" val="2828016196"/>
+        <p14:creationId xmlns:p14="http://schemas.microsoft.com/office/powerpoint/2010/main" val="2076089617"/>
       </p:ext>
     </p:extLst>
   </p:cSld>
@@ -2095,7 +2094,7 @@
     </p:spTree>
     <p:extLst>
       <p:ext uri="{BB962C8B-B14F-4D97-AF65-F5344CB8AC3E}">
-        <p14:creationId xmlns:p14="http://schemas.microsoft.com/office/powerpoint/2010/main" val="2076089617"/>
+        <p14:creationId xmlns:p14="http://schemas.microsoft.com/office/powerpoint/2010/main" val="3815765108"/>
       </p:ext>
     </p:extLst>
   </p:cSld>
@@ -2172,91 +2171,6 @@
               <a:rPr lang="en-US" smtClean="0"/>
               <a:pPr/>
               <a:t>27</a:t>
-            </a:fld>
-            <a:endParaRPr lang="en-US" dirty="0"/>
-          </a:p>
-        </p:txBody>
-      </p:sp>
-    </p:spTree>
-    <p:extLst>
-      <p:ext uri="{BB962C8B-B14F-4D97-AF65-F5344CB8AC3E}">
-        <p14:creationId xmlns:p14="http://schemas.microsoft.com/office/powerpoint/2010/main" val="3815765108"/>
-      </p:ext>
-    </p:extLst>
-  </p:cSld>
-  <p:clrMapOvr>
-    <a:masterClrMapping/>
-  </p:clrMapOvr>
-</p:notes>
-</file>
-
-<file path=ppt/notesSlides/notesSlide28.xml><?xml version="1.0" encoding="utf-8"?>
-<p:notes xmlns:a="http://schemas.openxmlformats.org/drawingml/2006/main" xmlns:r="http://schemas.openxmlformats.org/officeDocument/2006/relationships" xmlns:p="http://schemas.openxmlformats.org/presentationml/2006/main">
-  <p:cSld>
-    <p:spTree>
-      <p:nvGrpSpPr>
-        <p:cNvPr id="1" name=""/>
-        <p:cNvGrpSpPr/>
-        <p:nvPr/>
-      </p:nvGrpSpPr>
-      <p:grpSpPr>
-        <a:xfrm>
-          <a:off x="0" y="0"/>
-          <a:ext cx="0" cy="0"/>
-          <a:chOff x="0" y="0"/>
-          <a:chExt cx="0" cy="0"/>
-        </a:xfrm>
-      </p:grpSpPr>
-      <p:sp>
-        <p:nvSpPr>
-          <p:cNvPr id="2" name="Slide Image Placeholder 1"/>
-          <p:cNvSpPr>
-            <a:spLocks noGrp="1" noRot="1" noChangeAspect="1"/>
-          </p:cNvSpPr>
-          <p:nvPr>
-            <p:ph type="sldImg"/>
-          </p:nvPr>
-        </p:nvSpPr>
-        <p:spPr/>
-      </p:sp>
-      <p:sp>
-        <p:nvSpPr>
-          <p:cNvPr id="3" name="Notes Placeholder 2"/>
-          <p:cNvSpPr>
-            <a:spLocks noGrp="1"/>
-          </p:cNvSpPr>
-          <p:nvPr>
-            <p:ph type="body" idx="1"/>
-          </p:nvPr>
-        </p:nvSpPr>
-        <p:spPr/>
-        <p:txBody>
-          <a:bodyPr/>
-          <a:lstStyle/>
-          <a:p>
-            <a:endParaRPr lang="en-US" dirty="0"/>
-          </a:p>
-        </p:txBody>
-      </p:sp>
-      <p:sp>
-        <p:nvSpPr>
-          <p:cNvPr id="4" name="Slide Number Placeholder 3"/>
-          <p:cNvSpPr>
-            <a:spLocks noGrp="1"/>
-          </p:cNvSpPr>
-          <p:nvPr>
-            <p:ph type="sldNum" sz="quarter" idx="10"/>
-          </p:nvPr>
-        </p:nvSpPr>
-        <p:spPr/>
-        <p:txBody>
-          <a:bodyPr/>
-          <a:lstStyle/>
-          <a:p>
-            <a:fld id="{D61C8689-8455-3546-ADF9-3B7273760F66}" type="slidenum">
-              <a:rPr lang="en-US" smtClean="0"/>
-              <a:pPr/>
-              <a:t>28</a:t>
             </a:fld>
             <a:endParaRPr lang="en-US" dirty="0"/>
           </a:p>
@@ -3017,7 +2931,7 @@
           <a:p>
             <a:fld id="{947EF2C3-E71D-4F8D-9558-45572174E304}" type="datetimeFigureOut">
               <a:rPr lang="en-US" smtClean="0"/>
-              <a:t>4/21/2021</a:t>
+              <a:t>7/6/2021</a:t>
             </a:fld>
             <a:endParaRPr lang="en-US"/>
           </a:p>
@@ -3215,7 +3129,7 @@
           <a:p>
             <a:fld id="{947EF2C3-E71D-4F8D-9558-45572174E304}" type="datetimeFigureOut">
               <a:rPr lang="en-US" smtClean="0"/>
-              <a:t>4/21/2021</a:t>
+              <a:t>7/6/2021</a:t>
             </a:fld>
             <a:endParaRPr lang="en-US"/>
           </a:p>
@@ -3423,7 +3337,7 @@
           <a:p>
             <a:fld id="{947EF2C3-E71D-4F8D-9558-45572174E304}" type="datetimeFigureOut">
               <a:rPr lang="en-US" smtClean="0"/>
-              <a:t>4/21/2021</a:t>
+              <a:t>7/6/2021</a:t>
             </a:fld>
             <a:endParaRPr lang="en-US"/>
           </a:p>
@@ -3621,7 +3535,7 @@
           <a:p>
             <a:fld id="{947EF2C3-E71D-4F8D-9558-45572174E304}" type="datetimeFigureOut">
               <a:rPr lang="en-US" smtClean="0"/>
-              <a:t>4/21/2021</a:t>
+              <a:t>7/6/2021</a:t>
             </a:fld>
             <a:endParaRPr lang="en-US"/>
           </a:p>
@@ -3896,7 +3810,7 @@
           <a:p>
             <a:fld id="{947EF2C3-E71D-4F8D-9558-45572174E304}" type="datetimeFigureOut">
               <a:rPr lang="en-US" smtClean="0"/>
-              <a:t>4/21/2021</a:t>
+              <a:t>7/6/2021</a:t>
             </a:fld>
             <a:endParaRPr lang="en-US"/>
           </a:p>
@@ -4161,7 +4075,7 @@
           <a:p>
             <a:fld id="{947EF2C3-E71D-4F8D-9558-45572174E304}" type="datetimeFigureOut">
               <a:rPr lang="en-US" smtClean="0"/>
-              <a:t>4/21/2021</a:t>
+              <a:t>7/6/2021</a:t>
             </a:fld>
             <a:endParaRPr lang="en-US"/>
           </a:p>
@@ -4573,7 +4487,7 @@
           <a:p>
             <a:fld id="{947EF2C3-E71D-4F8D-9558-45572174E304}" type="datetimeFigureOut">
               <a:rPr lang="en-US" smtClean="0"/>
-              <a:t>4/21/2021</a:t>
+              <a:t>7/6/2021</a:t>
             </a:fld>
             <a:endParaRPr lang="en-US"/>
           </a:p>
@@ -4714,7 +4628,7 @@
           <a:p>
             <a:fld id="{947EF2C3-E71D-4F8D-9558-45572174E304}" type="datetimeFigureOut">
               <a:rPr lang="en-US" smtClean="0"/>
-              <a:t>4/21/2021</a:t>
+              <a:t>7/6/2021</a:t>
             </a:fld>
             <a:endParaRPr lang="en-US"/>
           </a:p>
@@ -4827,7 +4741,7 @@
           <a:p>
             <a:fld id="{947EF2C3-E71D-4F8D-9558-45572174E304}" type="datetimeFigureOut">
               <a:rPr lang="en-US" smtClean="0"/>
-              <a:t>4/21/2021</a:t>
+              <a:t>7/6/2021</a:t>
             </a:fld>
             <a:endParaRPr lang="en-US"/>
           </a:p>
@@ -5138,7 +5052,7 @@
           <a:p>
             <a:fld id="{947EF2C3-E71D-4F8D-9558-45572174E304}" type="datetimeFigureOut">
               <a:rPr lang="en-US" smtClean="0"/>
-              <a:t>4/21/2021</a:t>
+              <a:t>7/6/2021</a:t>
             </a:fld>
             <a:endParaRPr lang="en-US"/>
           </a:p>
@@ -5426,7 +5340,7 @@
           <a:p>
             <a:fld id="{947EF2C3-E71D-4F8D-9558-45572174E304}" type="datetimeFigureOut">
               <a:rPr lang="en-US" smtClean="0"/>
-              <a:t>4/21/2021</a:t>
+              <a:t>7/6/2021</a:t>
             </a:fld>
             <a:endParaRPr lang="en-US"/>
           </a:p>
@@ -5667,7 +5581,7 @@
           <a:p>
             <a:fld id="{947EF2C3-E71D-4F8D-9558-45572174E304}" type="datetimeFigureOut">
               <a:rPr lang="en-US" smtClean="0"/>
-              <a:t>4/21/2021</a:t>
+              <a:t>7/6/2021</a:t>
             </a:fld>
             <a:endParaRPr lang="en-US"/>
           </a:p>
@@ -13135,8 +13049,168 @@
                 </a:solidFill>
                 <a:latin typeface="Consolas, "/>
               </a:rPr>
-              <a:t> )</a:t>
-            </a:r>
+              <a:t> ) {</a:t>
+            </a:r>
+            <a:br>
+              <a:rPr lang="en-US" sz="2400" dirty="0">
+                <a:solidFill>
+                  <a:srgbClr val="000000"/>
+                </a:solidFill>
+                <a:latin typeface="Consolas, "/>
+              </a:rPr>
+            </a:br>
+            <a:r>
+              <a:rPr lang="en-US" sz="2400" dirty="0">
+                <a:solidFill>
+                  <a:srgbClr val="000000"/>
+                </a:solidFill>
+                <a:latin typeface="Consolas, "/>
+              </a:rPr>
+              <a:t>    </a:t>
+            </a:r>
+            <a:r>
+              <a:rPr lang="en-US" sz="2400" dirty="0">
+                <a:solidFill>
+                  <a:srgbClr val="0000FF"/>
+                </a:solidFill>
+                <a:latin typeface="Consolas, "/>
+              </a:rPr>
+              <a:t>while</a:t>
+            </a:r>
+            <a:r>
+              <a:rPr lang="en-US" sz="2400" dirty="0">
+                <a:solidFill>
+                  <a:srgbClr val="000000"/>
+                </a:solidFill>
+                <a:latin typeface="Consolas, "/>
+              </a:rPr>
+              <a:t>(first != last) {</a:t>
+            </a:r>
+          </a:p>
+          <a:p>
+            <a:r>
+              <a:rPr lang="en-US" sz="2400" dirty="0">
+                <a:solidFill>
+                  <a:srgbClr val="000000"/>
+                </a:solidFill>
+                <a:latin typeface="Consolas, "/>
+              </a:rPr>
+              <a:t>        *</a:t>
+            </a:r>
+            <a:r>
+              <a:rPr lang="en-US" sz="2400" dirty="0" err="1">
+                <a:solidFill>
+                  <a:srgbClr val="000000"/>
+                </a:solidFill>
+                <a:latin typeface="Consolas, "/>
+              </a:rPr>
+              <a:t>d_first</a:t>
+            </a:r>
+            <a:r>
+              <a:rPr lang="en-US" sz="2400" dirty="0">
+                <a:solidFill>
+                  <a:srgbClr val="000000"/>
+                </a:solidFill>
+                <a:latin typeface="Consolas, "/>
+              </a:rPr>
+              <a:t> = *first;</a:t>
+            </a:r>
+          </a:p>
+          <a:p>
+            <a:r>
+              <a:rPr lang="en-US" sz="2400" dirty="0">
+                <a:solidFill>
+                  <a:srgbClr val="000000"/>
+                </a:solidFill>
+                <a:latin typeface="Consolas, "/>
+              </a:rPr>
+              <a:t>        ++first;</a:t>
+            </a:r>
+          </a:p>
+          <a:p>
+            <a:r>
+              <a:rPr lang="en-US" sz="2400" dirty="0">
+                <a:solidFill>
+                  <a:srgbClr val="000000"/>
+                </a:solidFill>
+                <a:latin typeface="Consolas, "/>
+              </a:rPr>
+              <a:t>        ++</a:t>
+            </a:r>
+            <a:r>
+              <a:rPr lang="en-US" sz="2400" dirty="0" err="1">
+                <a:solidFill>
+                  <a:srgbClr val="000000"/>
+                </a:solidFill>
+                <a:latin typeface="Consolas, "/>
+              </a:rPr>
+              <a:t>d_first</a:t>
+            </a:r>
+            <a:r>
+              <a:rPr lang="en-US" sz="2400" dirty="0">
+                <a:solidFill>
+                  <a:srgbClr val="000000"/>
+                </a:solidFill>
+                <a:latin typeface="Consolas, "/>
+              </a:rPr>
+              <a:t>;</a:t>
+            </a:r>
+          </a:p>
+          <a:p>
+            <a:r>
+              <a:rPr lang="en-US" sz="2400" dirty="0">
+                <a:solidFill>
+                  <a:srgbClr val="000000"/>
+                </a:solidFill>
+                <a:latin typeface="Consolas, "/>
+              </a:rPr>
+              <a:t>    }</a:t>
+            </a:r>
+          </a:p>
+          <a:p>
+            <a:r>
+              <a:rPr lang="en-US" sz="2400" dirty="0">
+                <a:solidFill>
+                  <a:srgbClr val="000000"/>
+                </a:solidFill>
+                <a:latin typeface="Consolas, "/>
+              </a:rPr>
+              <a:t>    return </a:t>
+            </a:r>
+            <a:r>
+              <a:rPr lang="en-US" sz="2400" dirty="0" err="1">
+                <a:solidFill>
+                  <a:srgbClr val="000000"/>
+                </a:solidFill>
+                <a:latin typeface="Consolas, "/>
+              </a:rPr>
+              <a:t>d_first</a:t>
+            </a:r>
+            <a:r>
+              <a:rPr lang="en-US" sz="2400" dirty="0">
+                <a:solidFill>
+                  <a:srgbClr val="000000"/>
+                </a:solidFill>
+                <a:latin typeface="Consolas, "/>
+              </a:rPr>
+              <a:t>;</a:t>
+            </a:r>
+          </a:p>
+          <a:p>
+            <a:r>
+              <a:rPr lang="en-US" sz="2400" dirty="0">
+                <a:solidFill>
+                  <a:srgbClr val="000000"/>
+                </a:solidFill>
+                <a:latin typeface="Consolas, "/>
+              </a:rPr>
+              <a:t>}</a:t>
+            </a:r>
+          </a:p>
+          <a:p>
+            <a:pPr lvl="1" indent="0">
+              <a:buNone/>
+            </a:pPr>
             <a:endParaRPr lang="ru-RU" sz="2533" i="1" dirty="0">
               <a:latin typeface="Intel Clear Light" panose="020B0404020203020204" pitchFamily="34" charset="0"/>
               <a:ea typeface="Intel Clear Light" panose="020B0404020203020204" pitchFamily="34" charset="0"/>
@@ -13155,7 +13229,7 @@
     </p:spTree>
     <p:extLst>
       <p:ext uri="{BB962C8B-B14F-4D97-AF65-F5344CB8AC3E}">
-        <p14:creationId xmlns:p14="http://schemas.microsoft.com/office/powerpoint/2010/main" val="1435395572"/>
+        <p14:creationId xmlns:p14="http://schemas.microsoft.com/office/powerpoint/2010/main" val="1116196476"/>
       </p:ext>
     </p:extLst>
   </p:cSld>
@@ -13366,7 +13440,7 @@
                 <a:ea typeface="Intel Clear Light" panose="020B0404020203020204" pitchFamily="34" charset="0"/>
                 <a:cs typeface="Intel Clear Light" panose="020B0404020203020204" pitchFamily="34" charset="0"/>
               </a:rPr>
-              <a:t>Sequences</a:t>
+              <a:t>Sequence</a:t>
             </a:r>
           </a:p>
           <a:p>
@@ -13862,7 +13936,7 @@
                 <a:ea typeface="Intel Clear Pro Bold" panose="020B0804020202060201" pitchFamily="34" charset="-52"/>
                 <a:cs typeface="Intel Clear Pro Bold" panose="020B0804020202060201" pitchFamily="34" charset="-52"/>
               </a:rPr>
-              <a:t>Iterators and algorithms</a:t>
+              <a:t>Range-based for loop</a:t>
             </a:r>
           </a:p>
         </p:txBody>
@@ -13893,10 +13967,10 @@
       </p:sp>
       <p:sp>
         <p:nvSpPr>
-          <p:cNvPr id="8" name="Content Placeholder 2">
+          <p:cNvPr id="5" name="Content Placeholder 2">
             <a:extLst>
               <a:ext uri="{FF2B5EF4-FFF2-40B4-BE49-F238E27FC236}">
-                <a16:creationId xmlns:a16="http://schemas.microsoft.com/office/drawing/2014/main" id="{49F36F0B-0F74-4505-9583-36E799397348}"/>
+                <a16:creationId xmlns:a16="http://schemas.microsoft.com/office/drawing/2014/main" id="{56290BB1-B957-4F80-85BB-F0DFDA6F5313}"/>
               </a:ext>
             </a:extLst>
           </p:cNvPr>
@@ -13908,7 +13982,7 @@
         <p:spPr>
           <a:xfrm>
             <a:off x="539749" y="1274310"/>
-            <a:ext cx="11187431" cy="4912306"/>
+            <a:ext cx="8925984" cy="4421641"/>
           </a:xfrm>
           <a:prstGeom prst="rect">
             <a:avLst/>
@@ -14060,341 +14134,196 @@
           </a:lstStyle>
           <a:p>
             <a:r>
-              <a:rPr lang="en-US" sz="2400" dirty="0">
+              <a:rPr lang="en-US" sz="2667" dirty="0">
+                <a:solidFill>
+                  <a:srgbClr val="000000"/>
+                </a:solidFill>
+                <a:latin typeface="Consolas, "/>
+              </a:rPr>
+              <a:t>std::vector&lt;</a:t>
+            </a:r>
+            <a:r>
+              <a:rPr lang="en-US" sz="2667" dirty="0">
                 <a:solidFill>
                   <a:srgbClr val="0000FF"/>
                 </a:solidFill>
                 <a:latin typeface="Consolas, "/>
               </a:rPr>
-              <a:t>template</a:t>
-            </a:r>
-            <a:r>
-              <a:rPr lang="en-US" sz="2400" dirty="0">
-                <a:solidFill>
-                  <a:srgbClr val="000000"/>
-                </a:solidFill>
-                <a:latin typeface="Consolas, "/>
-              </a:rPr>
-              <a:t> &lt;</a:t>
-            </a:r>
-            <a:r>
-              <a:rPr lang="en-US" sz="2400" dirty="0" err="1">
+              <a:t>int</a:t>
+            </a:r>
+            <a:r>
+              <a:rPr lang="en-US" sz="2667" dirty="0">
+                <a:solidFill>
+                  <a:srgbClr val="000000"/>
+                </a:solidFill>
+                <a:latin typeface="Consolas, "/>
+              </a:rPr>
+              <a:t>&gt; v = {</a:t>
+            </a:r>
+            <a:r>
+              <a:rPr lang="en-US" sz="2667" dirty="0">
+                <a:solidFill>
+                  <a:srgbClr val="098658"/>
+                </a:solidFill>
+                <a:latin typeface="Consolas, "/>
+              </a:rPr>
+              <a:t>1</a:t>
+            </a:r>
+            <a:r>
+              <a:rPr lang="en-US" sz="2667" dirty="0">
+                <a:solidFill>
+                  <a:srgbClr val="000000"/>
+                </a:solidFill>
+                <a:latin typeface="Consolas, "/>
+              </a:rPr>
+              <a:t>, </a:t>
+            </a:r>
+            <a:r>
+              <a:rPr lang="en-US" sz="2667" dirty="0">
+                <a:solidFill>
+                  <a:srgbClr val="098658"/>
+                </a:solidFill>
+                <a:latin typeface="Consolas, "/>
+              </a:rPr>
+              <a:t>2</a:t>
+            </a:r>
+            <a:r>
+              <a:rPr lang="en-US" sz="2667" dirty="0">
+                <a:solidFill>
+                  <a:srgbClr val="000000"/>
+                </a:solidFill>
+                <a:latin typeface="Consolas, "/>
+              </a:rPr>
+              <a:t>, </a:t>
+            </a:r>
+            <a:r>
+              <a:rPr lang="en-US" sz="2667" dirty="0">
+                <a:solidFill>
+                  <a:srgbClr val="098658"/>
+                </a:solidFill>
+                <a:latin typeface="Consolas, "/>
+              </a:rPr>
+              <a:t>3</a:t>
+            </a:r>
+            <a:r>
+              <a:rPr lang="en-US" sz="2667" dirty="0">
+                <a:solidFill>
+                  <a:srgbClr val="000000"/>
+                </a:solidFill>
+                <a:latin typeface="Consolas, "/>
+              </a:rPr>
+              <a:t>};</a:t>
+            </a:r>
+          </a:p>
+          <a:p>
+            <a:br>
+              <a:rPr lang="en-US" sz="2667" dirty="0">
+                <a:solidFill>
+                  <a:srgbClr val="000000"/>
+                </a:solidFill>
+                <a:latin typeface="Consolas, "/>
+              </a:rPr>
+            </a:br>
+            <a:r>
+              <a:rPr lang="en-US" sz="2667" dirty="0">
                 <a:solidFill>
                   <a:srgbClr val="0000FF"/>
                 </a:solidFill>
                 <a:latin typeface="Consolas, "/>
               </a:rPr>
-              <a:t>typename</a:t>
-            </a:r>
-            <a:r>
-              <a:rPr lang="en-US" sz="2400" dirty="0">
-                <a:solidFill>
-                  <a:srgbClr val="000000"/>
-                </a:solidFill>
-                <a:latin typeface="Consolas, "/>
-              </a:rPr>
-              <a:t> </a:t>
-            </a:r>
-            <a:r>
-              <a:rPr lang="en-US" sz="2400" dirty="0" err="1">
-                <a:solidFill>
-                  <a:srgbClr val="000000"/>
-                </a:solidFill>
-                <a:latin typeface="Consolas, "/>
-              </a:rPr>
-              <a:t>InputIt</a:t>
-            </a:r>
-            <a:r>
-              <a:rPr lang="en-US" sz="2400" dirty="0">
-                <a:solidFill>
-                  <a:srgbClr val="000000"/>
-                </a:solidFill>
-                <a:latin typeface="Consolas, "/>
-              </a:rPr>
-              <a:t>, </a:t>
-            </a:r>
-            <a:r>
-              <a:rPr lang="en-US" sz="2400" dirty="0" err="1">
+              <a:t>for</a:t>
+            </a:r>
+            <a:r>
+              <a:rPr lang="en-US" sz="2667" dirty="0">
+                <a:solidFill>
+                  <a:srgbClr val="000000"/>
+                </a:solidFill>
+                <a:latin typeface="Consolas, "/>
+              </a:rPr>
+              <a:t> ( </a:t>
+            </a:r>
+            <a:r>
+              <a:rPr lang="en-US" sz="2667" dirty="0">
                 <a:solidFill>
                   <a:srgbClr val="0000FF"/>
                 </a:solidFill>
                 <a:latin typeface="Consolas, "/>
               </a:rPr>
-              <a:t>typename</a:t>
-            </a:r>
-            <a:r>
-              <a:rPr lang="en-US" sz="2400" dirty="0">
-                <a:solidFill>
-                  <a:srgbClr val="000000"/>
-                </a:solidFill>
-                <a:latin typeface="Consolas, "/>
-              </a:rPr>
-              <a:t> </a:t>
-            </a:r>
-            <a:r>
-              <a:rPr lang="en-US" sz="2400" dirty="0" err="1">
-                <a:solidFill>
-                  <a:srgbClr val="000000"/>
-                </a:solidFill>
-                <a:latin typeface="Consolas, "/>
-              </a:rPr>
-              <a:t>OutputIt</a:t>
-            </a:r>
-            <a:r>
-              <a:rPr lang="en-US" sz="2400" dirty="0">
-                <a:solidFill>
-                  <a:srgbClr val="000000"/>
-                </a:solidFill>
-                <a:latin typeface="Consolas, "/>
-              </a:rPr>
-              <a:t>&gt;</a:t>
-            </a:r>
-          </a:p>
-          <a:p>
-            <a:r>
-              <a:rPr lang="en-US" sz="2400" dirty="0" err="1">
-                <a:solidFill>
-                  <a:srgbClr val="000000"/>
-                </a:solidFill>
-                <a:latin typeface="Consolas, "/>
-              </a:rPr>
-              <a:t>OutputIt</a:t>
-            </a:r>
-            <a:r>
-              <a:rPr lang="en-US" sz="2400" dirty="0">
-                <a:solidFill>
-                  <a:srgbClr val="000000"/>
-                </a:solidFill>
-                <a:latin typeface="Consolas, "/>
-              </a:rPr>
-              <a:t> copy( </a:t>
-            </a:r>
-            <a:r>
-              <a:rPr lang="en-US" sz="2400" dirty="0" err="1">
-                <a:solidFill>
-                  <a:srgbClr val="000000"/>
-                </a:solidFill>
-                <a:latin typeface="Consolas, "/>
-              </a:rPr>
-              <a:t>InputIt</a:t>
-            </a:r>
-            <a:r>
-              <a:rPr lang="en-US" sz="2400" dirty="0">
-                <a:solidFill>
-                  <a:srgbClr val="000000"/>
-                </a:solidFill>
-                <a:latin typeface="Consolas, "/>
-              </a:rPr>
-              <a:t> first, </a:t>
-            </a:r>
-            <a:r>
-              <a:rPr lang="en-US" sz="2400" dirty="0" err="1">
-                <a:solidFill>
-                  <a:srgbClr val="000000"/>
-                </a:solidFill>
-                <a:latin typeface="Consolas, "/>
-              </a:rPr>
-              <a:t>InputIt</a:t>
-            </a:r>
-            <a:r>
-              <a:rPr lang="en-US" sz="2400" dirty="0">
-                <a:solidFill>
-                  <a:srgbClr val="000000"/>
-                </a:solidFill>
-                <a:latin typeface="Consolas, "/>
-              </a:rPr>
-              <a:t> last, </a:t>
-            </a:r>
-            <a:r>
-              <a:rPr lang="en-US" sz="2400" dirty="0" err="1">
-                <a:solidFill>
-                  <a:srgbClr val="000000"/>
-                </a:solidFill>
-                <a:latin typeface="Consolas, "/>
-              </a:rPr>
-              <a:t>OutputIt</a:t>
-            </a:r>
-            <a:r>
-              <a:rPr lang="en-US" sz="2400" dirty="0">
-                <a:solidFill>
-                  <a:srgbClr val="000000"/>
-                </a:solidFill>
-                <a:latin typeface="Consolas, "/>
-              </a:rPr>
-              <a:t> </a:t>
-            </a:r>
-            <a:r>
-              <a:rPr lang="en-US" sz="2400" dirty="0" err="1">
-                <a:solidFill>
-                  <a:srgbClr val="000000"/>
-                </a:solidFill>
-                <a:latin typeface="Consolas, "/>
-              </a:rPr>
-              <a:t>d_first</a:t>
-            </a:r>
-            <a:r>
-              <a:rPr lang="en-US" sz="2400" dirty="0">
-                <a:solidFill>
-                  <a:srgbClr val="000000"/>
-                </a:solidFill>
-                <a:latin typeface="Consolas, "/>
-              </a:rPr>
-              <a:t> ) {</a:t>
-            </a:r>
-            <a:br>
-              <a:rPr lang="en-US" sz="2400" dirty="0">
-                <a:solidFill>
-                  <a:srgbClr val="000000"/>
-                </a:solidFill>
-                <a:latin typeface="Consolas, "/>
-              </a:rPr>
-            </a:br>
-            <a:r>
-              <a:rPr lang="en-US" sz="2400" dirty="0">
-                <a:solidFill>
-                  <a:srgbClr val="000000"/>
-                </a:solidFill>
-                <a:latin typeface="Consolas, "/>
-              </a:rPr>
-              <a:t>    </a:t>
-            </a:r>
-            <a:r>
-              <a:rPr lang="en-US" sz="2400" dirty="0">
-                <a:solidFill>
-                  <a:srgbClr val="0000FF"/>
-                </a:solidFill>
-                <a:latin typeface="Consolas, "/>
-              </a:rPr>
-              <a:t>while</a:t>
-            </a:r>
-            <a:r>
-              <a:rPr lang="en-US" sz="2400" dirty="0">
-                <a:solidFill>
-                  <a:srgbClr val="000000"/>
-                </a:solidFill>
-                <a:latin typeface="Consolas, "/>
-              </a:rPr>
-              <a:t>(first != last) {</a:t>
-            </a:r>
-          </a:p>
-          <a:p>
-            <a:r>
-              <a:rPr lang="en-US" sz="2400" dirty="0">
-                <a:solidFill>
-                  <a:srgbClr val="000000"/>
-                </a:solidFill>
-                <a:latin typeface="Consolas, "/>
-              </a:rPr>
-              <a:t>        *</a:t>
-            </a:r>
-            <a:r>
-              <a:rPr lang="en-US" sz="2400" dirty="0" err="1">
-                <a:solidFill>
-                  <a:srgbClr val="000000"/>
-                </a:solidFill>
-                <a:latin typeface="Consolas, "/>
-              </a:rPr>
-              <a:t>d_first</a:t>
-            </a:r>
-            <a:r>
-              <a:rPr lang="en-US" sz="2400" dirty="0">
-                <a:solidFill>
-                  <a:srgbClr val="000000"/>
-                </a:solidFill>
-                <a:latin typeface="Consolas, "/>
-              </a:rPr>
-              <a:t> = *first;</a:t>
-            </a:r>
-          </a:p>
-          <a:p>
-            <a:r>
-              <a:rPr lang="en-US" sz="2400" dirty="0">
-                <a:solidFill>
-                  <a:srgbClr val="000000"/>
-                </a:solidFill>
-                <a:latin typeface="Consolas, "/>
-              </a:rPr>
-              <a:t>        ++first;</a:t>
-            </a:r>
-          </a:p>
-          <a:p>
-            <a:r>
-              <a:rPr lang="en-US" sz="2400" dirty="0">
-                <a:solidFill>
-                  <a:srgbClr val="000000"/>
-                </a:solidFill>
-                <a:latin typeface="Consolas, "/>
-              </a:rPr>
-              <a:t>        ++</a:t>
-            </a:r>
-            <a:r>
-              <a:rPr lang="en-US" sz="2400" dirty="0" err="1">
-                <a:solidFill>
-                  <a:srgbClr val="000000"/>
-                </a:solidFill>
-                <a:latin typeface="Consolas, "/>
-              </a:rPr>
-              <a:t>d_first</a:t>
-            </a:r>
-            <a:r>
-              <a:rPr lang="en-US" sz="2400" dirty="0">
-                <a:solidFill>
-                  <a:srgbClr val="000000"/>
-                </a:solidFill>
-                <a:latin typeface="Consolas, "/>
-              </a:rPr>
-              <a:t>;</a:t>
-            </a:r>
-          </a:p>
-          <a:p>
-            <a:r>
-              <a:rPr lang="en-US" sz="2400" dirty="0">
-                <a:solidFill>
-                  <a:srgbClr val="000000"/>
-                </a:solidFill>
-                <a:latin typeface="Consolas, "/>
-              </a:rPr>
-              <a:t>    }</a:t>
-            </a:r>
-          </a:p>
-          <a:p>
-            <a:r>
-              <a:rPr lang="en-US" sz="2400" dirty="0">
-                <a:solidFill>
-                  <a:srgbClr val="000000"/>
-                </a:solidFill>
-                <a:latin typeface="Consolas, "/>
-              </a:rPr>
-              <a:t>    return </a:t>
-            </a:r>
-            <a:r>
-              <a:rPr lang="en-US" sz="2400" dirty="0" err="1">
-                <a:solidFill>
-                  <a:srgbClr val="000000"/>
-                </a:solidFill>
-                <a:latin typeface="Consolas, "/>
-              </a:rPr>
-              <a:t>d_first</a:t>
-            </a:r>
-            <a:r>
-              <a:rPr lang="en-US" sz="2400" dirty="0">
-                <a:solidFill>
-                  <a:srgbClr val="000000"/>
-                </a:solidFill>
-                <a:latin typeface="Consolas, "/>
-              </a:rPr>
-              <a:t>;</a:t>
-            </a:r>
-          </a:p>
-          <a:p>
-            <a:r>
-              <a:rPr lang="en-US" sz="2400" dirty="0">
+              <a:t>int</a:t>
+            </a:r>
+            <a:r>
+              <a:rPr lang="en-US" sz="2667" dirty="0">
+                <a:solidFill>
+                  <a:srgbClr val="000000"/>
+                </a:solidFill>
+                <a:latin typeface="Consolas, "/>
+              </a:rPr>
+              <a:t> item : v ) {</a:t>
+            </a:r>
+          </a:p>
+          <a:p>
+            <a:r>
+              <a:rPr lang="en-US" sz="2667" dirty="0">
+                <a:solidFill>
+                  <a:srgbClr val="000000"/>
+                </a:solidFill>
+                <a:latin typeface="Consolas, "/>
+              </a:rPr>
+              <a:t>    std::</a:t>
+            </a:r>
+            <a:r>
+              <a:rPr lang="en-US" sz="2667" dirty="0" err="1">
+                <a:solidFill>
+                  <a:srgbClr val="000000"/>
+                </a:solidFill>
+                <a:latin typeface="Consolas, "/>
+              </a:rPr>
+              <a:t>cout</a:t>
+            </a:r>
+            <a:r>
+              <a:rPr lang="en-US" sz="2667" dirty="0">
+                <a:solidFill>
+                  <a:srgbClr val="000000"/>
+                </a:solidFill>
+                <a:latin typeface="Consolas, "/>
+              </a:rPr>
+              <a:t> &lt;&lt; item &lt;&lt; “ “;</a:t>
+            </a:r>
+          </a:p>
+          <a:p>
+            <a:r>
+              <a:rPr lang="en-US" sz="2667" dirty="0">
                 <a:solidFill>
                   <a:srgbClr val="000000"/>
                 </a:solidFill>
                 <a:latin typeface="Consolas, "/>
               </a:rPr>
               <a:t>}</a:t>
+            </a:r>
+          </a:p>
+          <a:p>
+            <a:endParaRPr lang="en-US" sz="2533" i="1" dirty="0">
+              <a:latin typeface="Intel Clear Light" panose="020B0404020203020204" pitchFamily="34" charset="0"/>
+              <a:ea typeface="Intel Clear Light" panose="020B0404020203020204" pitchFamily="34" charset="0"/>
+              <a:cs typeface="Intel Clear Light" panose="020B0404020203020204" pitchFamily="34" charset="0"/>
+            </a:endParaRPr>
+          </a:p>
+          <a:p>
+            <a:r>
+              <a:rPr lang="en-US" sz="2533" i="1" dirty="0">
+                <a:ea typeface="Intel Clear Light" panose="020B0404020203020204" pitchFamily="34" charset="0"/>
+                <a:cs typeface="Intel Clear Light" panose="020B0404020203020204" pitchFamily="34" charset="0"/>
+              </a:rPr>
+              <a:t>Output:</a:t>
+            </a:r>
+          </a:p>
+          <a:p>
+            <a:r>
+              <a:rPr lang="en-US" sz="2533" i="1" dirty="0">
+                <a:ea typeface="Intel Clear Light" panose="020B0404020203020204" pitchFamily="34" charset="0"/>
+                <a:cs typeface="Intel Clear Light" panose="020B0404020203020204" pitchFamily="34" charset="0"/>
+              </a:rPr>
+              <a:t>1 2 3</a:t>
             </a:r>
           </a:p>
           <a:p>
@@ -14419,7 +14348,7 @@
     </p:spTree>
     <p:extLst>
       <p:ext uri="{BB962C8B-B14F-4D97-AF65-F5344CB8AC3E}">
-        <p14:creationId xmlns:p14="http://schemas.microsoft.com/office/powerpoint/2010/main" val="1116196476"/>
+        <p14:creationId xmlns:p14="http://schemas.microsoft.com/office/powerpoint/2010/main" val="1709115471"/>
       </p:ext>
     </p:extLst>
   </p:cSld>
@@ -14531,8 +14460,8 @@
         </p:nvSpPr>
         <p:spPr>
           <a:xfrm>
-            <a:off x="539749" y="1274310"/>
-            <a:ext cx="8925984" cy="4421641"/>
+            <a:off x="539752" y="1218180"/>
+            <a:ext cx="11468185" cy="4421641"/>
           </a:xfrm>
           <a:prstGeom prst="rect">
             <a:avLst/>
@@ -14684,7 +14613,7 @@
           </a:lstStyle>
           <a:p>
             <a:r>
-              <a:rPr lang="en-US" sz="2667" dirty="0">
+              <a:rPr lang="en-US" sz="1867" dirty="0">
                 <a:solidFill>
                   <a:srgbClr val="000000"/>
                 </a:solidFill>
@@ -14693,7 +14622,7 @@
               <a:t>std::vector&lt;</a:t>
             </a:r>
             <a:r>
-              <a:rPr lang="en-US" sz="2667" dirty="0">
+              <a:rPr lang="en-US" sz="1867" dirty="0">
                 <a:solidFill>
                   <a:srgbClr val="0000FF"/>
                 </a:solidFill>
@@ -14702,7 +14631,7 @@
               <a:t>int</a:t>
             </a:r>
             <a:r>
-              <a:rPr lang="en-US" sz="2667" dirty="0">
+              <a:rPr lang="en-US" sz="1867" dirty="0">
                 <a:solidFill>
                   <a:srgbClr val="000000"/>
                 </a:solidFill>
@@ -14711,7 +14640,7 @@
               <a:t>&gt; v = {</a:t>
             </a:r>
             <a:r>
-              <a:rPr lang="en-US" sz="2667" dirty="0">
+              <a:rPr lang="en-US" sz="1867" dirty="0">
                 <a:solidFill>
                   <a:srgbClr val="098658"/>
                 </a:solidFill>
@@ -14720,7 +14649,7 @@
               <a:t>1</a:t>
             </a:r>
             <a:r>
-              <a:rPr lang="en-US" sz="2667" dirty="0">
+              <a:rPr lang="en-US" sz="1867" dirty="0">
                 <a:solidFill>
                   <a:srgbClr val="000000"/>
                 </a:solidFill>
@@ -14729,7 +14658,7 @@
               <a:t>, </a:t>
             </a:r>
             <a:r>
-              <a:rPr lang="en-US" sz="2667" dirty="0">
+              <a:rPr lang="en-US" sz="1867" dirty="0">
                 <a:solidFill>
                   <a:srgbClr val="098658"/>
                 </a:solidFill>
@@ -14738,7 +14667,7 @@
               <a:t>2</a:t>
             </a:r>
             <a:r>
-              <a:rPr lang="en-US" sz="2667" dirty="0">
+              <a:rPr lang="en-US" sz="1867" dirty="0">
                 <a:solidFill>
                   <a:srgbClr val="000000"/>
                 </a:solidFill>
@@ -14747,7 +14676,7 @@
               <a:t>, </a:t>
             </a:r>
             <a:r>
-              <a:rPr lang="en-US" sz="2667" dirty="0">
+              <a:rPr lang="en-US" sz="1867" dirty="0">
                 <a:solidFill>
                   <a:srgbClr val="098658"/>
                 </a:solidFill>
@@ -14756,7 +14685,7 @@
               <a:t>3</a:t>
             </a:r>
             <a:r>
-              <a:rPr lang="en-US" sz="2667" dirty="0">
+              <a:rPr lang="en-US" sz="1867" dirty="0">
                 <a:solidFill>
                   <a:srgbClr val="000000"/>
                 </a:solidFill>
@@ -14766,16 +14695,8 @@
             </a:r>
           </a:p>
           <a:p>
-            <a:br>
-              <a:rPr lang="en-US" sz="2667" dirty="0">
-                <a:solidFill>
-                  <a:srgbClr val="000000"/>
-                </a:solidFill>
-                <a:latin typeface="Consolas, "/>
-              </a:rPr>
-            </a:br>
-            <a:r>
-              <a:rPr lang="en-US" sz="2667" dirty="0">
+            <a:r>
+              <a:rPr lang="en-US" sz="1867" dirty="0">
                 <a:solidFill>
                   <a:srgbClr val="0000FF"/>
                 </a:solidFill>
@@ -14784,7 +14705,7 @@
               <a:t>for</a:t>
             </a:r>
             <a:r>
-              <a:rPr lang="en-US" sz="2667" dirty="0">
+              <a:rPr lang="en-US" sz="1867" dirty="0">
                 <a:solidFill>
                   <a:srgbClr val="000000"/>
                 </a:solidFill>
@@ -14793,7 +14714,7 @@
               <a:t> ( </a:t>
             </a:r>
             <a:r>
-              <a:rPr lang="en-US" sz="2667" dirty="0">
+              <a:rPr lang="en-US" sz="1867" dirty="0">
                 <a:solidFill>
                   <a:srgbClr val="0000FF"/>
                 </a:solidFill>
@@ -14802,54 +14723,318 @@
               <a:t>int</a:t>
             </a:r>
             <a:r>
-              <a:rPr lang="en-US" sz="2667" dirty="0">
-                <a:solidFill>
-                  <a:srgbClr val="000000"/>
-                </a:solidFill>
-                <a:latin typeface="Consolas, "/>
-              </a:rPr>
-              <a:t> item : v ) {</a:t>
-            </a:r>
-          </a:p>
-          <a:p>
-            <a:r>
-              <a:rPr lang="en-US" sz="2667" dirty="0">
-                <a:solidFill>
-                  <a:srgbClr val="000000"/>
-                </a:solidFill>
-                <a:latin typeface="Consolas, "/>
-              </a:rPr>
-              <a:t>    std::</a:t>
-            </a:r>
-            <a:r>
-              <a:rPr lang="en-US" sz="2667" dirty="0" err="1">
-                <a:solidFill>
-                  <a:srgbClr val="000000"/>
-                </a:solidFill>
-                <a:latin typeface="Consolas, "/>
-              </a:rPr>
-              <a:t>cout</a:t>
-            </a:r>
-            <a:r>
-              <a:rPr lang="en-US" sz="2667" dirty="0">
-                <a:solidFill>
-                  <a:srgbClr val="000000"/>
-                </a:solidFill>
-                <a:latin typeface="Consolas, "/>
-              </a:rPr>
-              <a:t> &lt;&lt; item &lt;&lt; “ “;</a:t>
-            </a:r>
-          </a:p>
-          <a:p>
-            <a:r>
-              <a:rPr lang="en-US" sz="2667" dirty="0">
-                <a:solidFill>
-                  <a:srgbClr val="000000"/>
-                </a:solidFill>
-                <a:latin typeface="Consolas, "/>
-              </a:rPr>
-              <a:t>}</a:t>
-            </a:r>
+              <a:rPr lang="en-US" sz="1867" dirty="0">
+                <a:solidFill>
+                  <a:srgbClr val="000000"/>
+                </a:solidFill>
+                <a:latin typeface="Consolas, "/>
+              </a:rPr>
+              <a:t> </a:t>
+            </a:r>
+            <a:r>
+              <a:rPr lang="en-US" sz="1867" dirty="0" err="1">
+                <a:solidFill>
+                  <a:srgbClr val="000000"/>
+                </a:solidFill>
+                <a:latin typeface="Consolas, "/>
+              </a:rPr>
+              <a:t>i</a:t>
+            </a:r>
+            <a:r>
+              <a:rPr lang="en-US" sz="1867" dirty="0">
+                <a:solidFill>
+                  <a:srgbClr val="000000"/>
+                </a:solidFill>
+                <a:latin typeface="Consolas, "/>
+              </a:rPr>
+              <a:t> : v ) </a:t>
+            </a:r>
+            <a:r>
+              <a:rPr lang="en-US" sz="1867" dirty="0">
+                <a:solidFill>
+                  <a:srgbClr val="008000"/>
+                </a:solidFill>
+                <a:latin typeface="Consolas, "/>
+              </a:rPr>
+              <a:t>// Access by value</a:t>
+            </a:r>
+          </a:p>
+          <a:p>
+            <a:r>
+              <a:rPr lang="en-US" sz="1867" dirty="0">
+                <a:solidFill>
+                  <a:srgbClr val="0000FF"/>
+                </a:solidFill>
+                <a:latin typeface="Consolas, "/>
+              </a:rPr>
+              <a:t>for</a:t>
+            </a:r>
+            <a:r>
+              <a:rPr lang="en-US" sz="1867" dirty="0">
+                <a:solidFill>
+                  <a:srgbClr val="000000"/>
+                </a:solidFill>
+                <a:latin typeface="Consolas, "/>
+              </a:rPr>
+              <a:t> ( </a:t>
+            </a:r>
+            <a:r>
+              <a:rPr lang="en-US" sz="1867" dirty="0">
+                <a:solidFill>
+                  <a:srgbClr val="0000FF"/>
+                </a:solidFill>
+                <a:latin typeface="Consolas, "/>
+              </a:rPr>
+              <a:t>auto</a:t>
+            </a:r>
+            <a:r>
+              <a:rPr lang="en-US" sz="1867" dirty="0">
+                <a:solidFill>
+                  <a:srgbClr val="000000"/>
+                </a:solidFill>
+                <a:latin typeface="Consolas, "/>
+              </a:rPr>
+              <a:t> </a:t>
+            </a:r>
+            <a:r>
+              <a:rPr lang="en-US" sz="1867" dirty="0" err="1">
+                <a:solidFill>
+                  <a:srgbClr val="000000"/>
+                </a:solidFill>
+                <a:latin typeface="Consolas, "/>
+              </a:rPr>
+              <a:t>i</a:t>
+            </a:r>
+            <a:r>
+              <a:rPr lang="en-US" sz="1867" dirty="0">
+                <a:solidFill>
+                  <a:srgbClr val="000000"/>
+                </a:solidFill>
+                <a:latin typeface="Consolas, "/>
+              </a:rPr>
+              <a:t> : v ) </a:t>
+            </a:r>
+            <a:r>
+              <a:rPr lang="en-US" sz="1867" dirty="0">
+                <a:solidFill>
+                  <a:srgbClr val="008000"/>
+                </a:solidFill>
+                <a:latin typeface="Consolas, "/>
+              </a:rPr>
+              <a:t>// Access by value, the type of </a:t>
+            </a:r>
+            <a:r>
+              <a:rPr lang="en-US" sz="1867" dirty="0" err="1">
+                <a:solidFill>
+                  <a:srgbClr val="008000"/>
+                </a:solidFill>
+                <a:latin typeface="Consolas, "/>
+              </a:rPr>
+              <a:t>i</a:t>
+            </a:r>
+            <a:r>
+              <a:rPr lang="en-US" sz="1867" dirty="0">
+                <a:solidFill>
+                  <a:srgbClr val="008000"/>
+                </a:solidFill>
+                <a:latin typeface="Consolas, "/>
+              </a:rPr>
+              <a:t> is int</a:t>
+            </a:r>
+            <a:endParaRPr lang="en-US" sz="1867" dirty="0">
+              <a:solidFill>
+                <a:srgbClr val="000000"/>
+              </a:solidFill>
+              <a:latin typeface="Consolas, "/>
+            </a:endParaRPr>
+          </a:p>
+          <a:p>
+            <a:r>
+              <a:rPr lang="en-US" sz="1867" dirty="0">
+                <a:solidFill>
+                  <a:srgbClr val="0000FF"/>
+                </a:solidFill>
+                <a:latin typeface="Consolas, "/>
+              </a:rPr>
+              <a:t>for</a:t>
+            </a:r>
+            <a:r>
+              <a:rPr lang="en-US" sz="1867" dirty="0">
+                <a:solidFill>
+                  <a:srgbClr val="000000"/>
+                </a:solidFill>
+                <a:latin typeface="Consolas, "/>
+              </a:rPr>
+              <a:t> ( </a:t>
+            </a:r>
+            <a:r>
+              <a:rPr lang="en-US" sz="1867" dirty="0">
+                <a:solidFill>
+                  <a:srgbClr val="0000FF"/>
+                </a:solidFill>
+                <a:latin typeface="Consolas, "/>
+              </a:rPr>
+              <a:t>auto</a:t>
+            </a:r>
+            <a:r>
+              <a:rPr lang="en-US" sz="1867" dirty="0">
+                <a:solidFill>
+                  <a:srgbClr val="000000"/>
+                </a:solidFill>
+                <a:latin typeface="Consolas, "/>
+              </a:rPr>
+              <a:t>&amp; </a:t>
+            </a:r>
+            <a:r>
+              <a:rPr lang="en-US" sz="1867" dirty="0" err="1">
+                <a:solidFill>
+                  <a:srgbClr val="000000"/>
+                </a:solidFill>
+                <a:latin typeface="Consolas, "/>
+              </a:rPr>
+              <a:t>i</a:t>
+            </a:r>
+            <a:r>
+              <a:rPr lang="en-US" sz="1867" dirty="0">
+                <a:solidFill>
+                  <a:srgbClr val="000000"/>
+                </a:solidFill>
+                <a:latin typeface="Consolas, "/>
+              </a:rPr>
+              <a:t> : v ) </a:t>
+            </a:r>
+            <a:r>
+              <a:rPr lang="en-US" sz="1867" dirty="0">
+                <a:solidFill>
+                  <a:srgbClr val="008000"/>
+                </a:solidFill>
+                <a:latin typeface="Consolas, "/>
+              </a:rPr>
+              <a:t>// Access by reference, the type of </a:t>
+            </a:r>
+            <a:r>
+              <a:rPr lang="en-US" sz="1867" dirty="0" err="1">
+                <a:solidFill>
+                  <a:srgbClr val="008000"/>
+                </a:solidFill>
+                <a:latin typeface="Consolas, "/>
+              </a:rPr>
+              <a:t>i</a:t>
+            </a:r>
+            <a:r>
+              <a:rPr lang="en-US" sz="1867" dirty="0">
+                <a:solidFill>
+                  <a:srgbClr val="008000"/>
+                </a:solidFill>
+                <a:latin typeface="Consolas, "/>
+              </a:rPr>
+              <a:t> is int&amp; </a:t>
+            </a:r>
+            <a:endParaRPr lang="en-US" sz="1867" dirty="0">
+              <a:solidFill>
+                <a:srgbClr val="000000"/>
+              </a:solidFill>
+              <a:latin typeface="Consolas, "/>
+            </a:endParaRPr>
+          </a:p>
+          <a:p>
+            <a:r>
+              <a:rPr lang="en-US" sz="1867" dirty="0">
+                <a:solidFill>
+                  <a:srgbClr val="0000FF"/>
+                </a:solidFill>
+                <a:latin typeface="Consolas, "/>
+              </a:rPr>
+              <a:t>for</a:t>
+            </a:r>
+            <a:r>
+              <a:rPr lang="en-US" sz="1867" dirty="0">
+                <a:solidFill>
+                  <a:srgbClr val="000000"/>
+                </a:solidFill>
+                <a:latin typeface="Consolas, "/>
+              </a:rPr>
+              <a:t> ( </a:t>
+            </a:r>
+            <a:r>
+              <a:rPr lang="en-US" sz="1867" dirty="0">
+                <a:solidFill>
+                  <a:srgbClr val="0000FF"/>
+                </a:solidFill>
+                <a:latin typeface="Consolas, "/>
+              </a:rPr>
+              <a:t>auto</a:t>
+            </a:r>
+            <a:r>
+              <a:rPr lang="en-US" sz="1867" dirty="0">
+                <a:solidFill>
+                  <a:srgbClr val="000000"/>
+                </a:solidFill>
+                <a:latin typeface="Consolas, "/>
+              </a:rPr>
+              <a:t>&amp;&amp; </a:t>
+            </a:r>
+            <a:r>
+              <a:rPr lang="en-US" sz="1867" dirty="0" err="1">
+                <a:solidFill>
+                  <a:srgbClr val="000000"/>
+                </a:solidFill>
+                <a:latin typeface="Consolas, "/>
+              </a:rPr>
+              <a:t>i</a:t>
+            </a:r>
+            <a:r>
+              <a:rPr lang="en-US" sz="1867" dirty="0">
+                <a:solidFill>
+                  <a:srgbClr val="000000"/>
+                </a:solidFill>
+                <a:latin typeface="Consolas, "/>
+              </a:rPr>
+              <a:t> : v ) </a:t>
+            </a:r>
+            <a:r>
+              <a:rPr lang="en-US" sz="1867" dirty="0">
+                <a:solidFill>
+                  <a:srgbClr val="008000"/>
+                </a:solidFill>
+                <a:latin typeface="Consolas, "/>
+              </a:rPr>
+              <a:t>// Access by forwarding reference, the type of </a:t>
+            </a:r>
+            <a:r>
+              <a:rPr lang="en-US" sz="1867" dirty="0" err="1">
+                <a:solidFill>
+                  <a:srgbClr val="008000"/>
+                </a:solidFill>
+                <a:latin typeface="Consolas, "/>
+              </a:rPr>
+              <a:t>i</a:t>
+            </a:r>
+            <a:r>
+              <a:rPr lang="en-US" sz="1867" dirty="0">
+                <a:solidFill>
+                  <a:srgbClr val="008000"/>
+                </a:solidFill>
+                <a:latin typeface="Consolas, "/>
+              </a:rPr>
+              <a:t> is int&amp;</a:t>
+            </a:r>
+            <a:endParaRPr lang="en-US" sz="1867" dirty="0">
+              <a:solidFill>
+                <a:srgbClr val="000000"/>
+              </a:solidFill>
+              <a:latin typeface="Consolas, "/>
+            </a:endParaRPr>
+          </a:p>
+          <a:p>
+            <a:endParaRPr lang="en-US" sz="1867" i="1" dirty="0">
+              <a:solidFill>
+                <a:srgbClr val="000000"/>
+              </a:solidFill>
+              <a:latin typeface="Consolas, "/>
+              <a:ea typeface="Intel Clear Light" panose="020B0404020203020204" pitchFamily="34" charset="0"/>
+              <a:cs typeface="Intel Clear Light" panose="020B0404020203020204" pitchFamily="34" charset="0"/>
+            </a:endParaRPr>
           </a:p>
           <a:p>
             <a:endParaRPr lang="en-US" sz="2533" i="1" dirty="0">
@@ -14857,24 +15042,6 @@
               <a:ea typeface="Intel Clear Light" panose="020B0404020203020204" pitchFamily="34" charset="0"/>
               <a:cs typeface="Intel Clear Light" panose="020B0404020203020204" pitchFamily="34" charset="0"/>
             </a:endParaRPr>
-          </a:p>
-          <a:p>
-            <a:r>
-              <a:rPr lang="en-US" sz="2533" i="1" dirty="0">
-                <a:ea typeface="Intel Clear Light" panose="020B0404020203020204" pitchFamily="34" charset="0"/>
-                <a:cs typeface="Intel Clear Light" panose="020B0404020203020204" pitchFamily="34" charset="0"/>
-              </a:rPr>
-              <a:t>Output:</a:t>
-            </a:r>
-          </a:p>
-          <a:p>
-            <a:r>
-              <a:rPr lang="en-US" sz="2533" i="1" dirty="0">
-                <a:ea typeface="Intel Clear Light" panose="020B0404020203020204" pitchFamily="34" charset="0"/>
-                <a:cs typeface="Intel Clear Light" panose="020B0404020203020204" pitchFamily="34" charset="0"/>
-              </a:rPr>
-              <a:t>1 2 3</a:t>
-            </a:r>
           </a:p>
           <a:p>
             <a:pPr lvl="1" indent="0">
@@ -14898,7 +15065,7 @@
     </p:spTree>
     <p:extLst>
       <p:ext uri="{BB962C8B-B14F-4D97-AF65-F5344CB8AC3E}">
-        <p14:creationId xmlns:p14="http://schemas.microsoft.com/office/powerpoint/2010/main" val="1709115471"/>
+        <p14:creationId xmlns:p14="http://schemas.microsoft.com/office/powerpoint/2010/main" val="2993753589"/>
       </p:ext>
     </p:extLst>
   </p:cSld>
@@ -14965,7 +15132,7 @@
                 <a:ea typeface="Intel Clear Pro Bold" panose="020B0804020202060201" pitchFamily="34" charset="-52"/>
                 <a:cs typeface="Intel Clear Pro Bold" panose="020B0804020202060201" pitchFamily="34" charset="-52"/>
               </a:rPr>
-              <a:t>Range-based for loop</a:t>
+              <a:t>Iterator operations</a:t>
             </a:r>
           </a:p>
         </p:txBody>
@@ -14996,10 +15163,10 @@
       </p:sp>
       <p:sp>
         <p:nvSpPr>
-          <p:cNvPr id="5" name="Content Placeholder 2">
+          <p:cNvPr id="8" name="Content Placeholder 2">
             <a:extLst>
               <a:ext uri="{FF2B5EF4-FFF2-40B4-BE49-F238E27FC236}">
-                <a16:creationId xmlns:a16="http://schemas.microsoft.com/office/drawing/2014/main" id="{56290BB1-B957-4F80-85BB-F0DFDA6F5313}"/>
+                <a16:creationId xmlns:a16="http://schemas.microsoft.com/office/drawing/2014/main" id="{49F36F0B-0F74-4505-9583-36E799397348}"/>
               </a:ext>
             </a:extLst>
           </p:cNvPr>
@@ -15010,8 +15177,8 @@
         </p:nvSpPr>
         <p:spPr>
           <a:xfrm>
-            <a:off x="539752" y="1218180"/>
-            <a:ext cx="11468185" cy="4421641"/>
+            <a:off x="539749" y="1274310"/>
+            <a:ext cx="8925984" cy="3869191"/>
           </a:xfrm>
           <a:prstGeom prst="rect">
             <a:avLst/>
@@ -15163,79 +15330,316 @@
           </a:lstStyle>
           <a:p>
             <a:r>
-              <a:rPr lang="en-US" sz="1867" dirty="0">
-                <a:solidFill>
-                  <a:srgbClr val="000000"/>
-                </a:solidFill>
-                <a:latin typeface="Consolas, "/>
-              </a:rPr>
-              <a:t>std::vector&lt;</a:t>
-            </a:r>
-            <a:r>
-              <a:rPr lang="en-US" sz="1867" dirty="0">
+              <a:rPr lang="en-US" sz="2400" dirty="0">
                 <a:solidFill>
                   <a:srgbClr val="0000FF"/>
                 </a:solidFill>
                 <a:latin typeface="Consolas, "/>
               </a:rPr>
-              <a:t>int</a:t>
-            </a:r>
-            <a:r>
-              <a:rPr lang="en-US" sz="1867" dirty="0">
-                <a:solidFill>
-                  <a:srgbClr val="000000"/>
-                </a:solidFill>
-                <a:latin typeface="Consolas, "/>
-              </a:rPr>
-              <a:t>&gt; v = {</a:t>
-            </a:r>
-            <a:r>
-              <a:rPr lang="en-US" sz="1867" dirty="0">
-                <a:solidFill>
-                  <a:srgbClr val="098658"/>
-                </a:solidFill>
-                <a:latin typeface="Consolas, "/>
-              </a:rPr>
-              <a:t>1</a:t>
-            </a:r>
-            <a:r>
-              <a:rPr lang="en-US" sz="1867" dirty="0">
-                <a:solidFill>
-                  <a:srgbClr val="000000"/>
-                </a:solidFill>
-                <a:latin typeface="Consolas, "/>
-              </a:rPr>
-              <a:t>, </a:t>
-            </a:r>
-            <a:r>
-              <a:rPr lang="en-US" sz="1867" dirty="0">
-                <a:solidFill>
-                  <a:srgbClr val="098658"/>
-                </a:solidFill>
-                <a:latin typeface="Consolas, "/>
-              </a:rPr>
-              <a:t>2</a:t>
-            </a:r>
-            <a:r>
-              <a:rPr lang="en-US" sz="1867" dirty="0">
-                <a:solidFill>
-                  <a:srgbClr val="000000"/>
-                </a:solidFill>
-                <a:latin typeface="Consolas, "/>
-              </a:rPr>
-              <a:t>, </a:t>
-            </a:r>
-            <a:r>
-              <a:rPr lang="en-US" sz="1867" dirty="0">
-                <a:solidFill>
-                  <a:srgbClr val="098658"/>
-                </a:solidFill>
-                <a:latin typeface="Consolas, "/>
-              </a:rPr>
-              <a:t>3</a:t>
-            </a:r>
-            <a:r>
-              <a:rPr lang="en-US" sz="1867" dirty="0">
+              <a:t>struct</a:t>
+            </a:r>
+            <a:r>
+              <a:rPr lang="en-US" sz="2400" dirty="0">
+                <a:solidFill>
+                  <a:srgbClr val="000000"/>
+                </a:solidFill>
+                <a:latin typeface="Consolas, "/>
+              </a:rPr>
+              <a:t> </a:t>
+            </a:r>
+            <a:r>
+              <a:rPr lang="en-US" sz="2400" dirty="0" err="1">
+                <a:solidFill>
+                  <a:srgbClr val="000000"/>
+                </a:solidFill>
+                <a:latin typeface="Consolas, "/>
+              </a:rPr>
+              <a:t>my_iterator</a:t>
+            </a:r>
+            <a:r>
+              <a:rPr lang="en-US" sz="2400" dirty="0">
+                <a:solidFill>
+                  <a:srgbClr val="000000"/>
+                </a:solidFill>
+                <a:latin typeface="Consolas, "/>
+              </a:rPr>
+              <a:t> {</a:t>
+            </a:r>
+          </a:p>
+          <a:p>
+            <a:r>
+              <a:rPr lang="en-US" sz="2400" dirty="0">
+                <a:solidFill>
+                  <a:srgbClr val="000000"/>
+                </a:solidFill>
+                <a:latin typeface="Consolas, "/>
+              </a:rPr>
+              <a:t>    </a:t>
+            </a:r>
+            <a:r>
+              <a:rPr lang="en-US" sz="2400" dirty="0" err="1">
+                <a:solidFill>
+                  <a:srgbClr val="000000"/>
+                </a:solidFill>
+                <a:latin typeface="Consolas, "/>
+              </a:rPr>
+              <a:t>my_iterator</a:t>
+            </a:r>
+            <a:r>
+              <a:rPr lang="en-US" sz="2400" dirty="0">
+                <a:solidFill>
+                  <a:srgbClr val="000000"/>
+                </a:solidFill>
+                <a:latin typeface="Consolas, "/>
+              </a:rPr>
+              <a:t>(</a:t>
+            </a:r>
+            <a:r>
+              <a:rPr lang="en-US" sz="2400" dirty="0">
+                <a:solidFill>
+                  <a:srgbClr val="0000FF"/>
+                </a:solidFill>
+                <a:latin typeface="Consolas, "/>
+              </a:rPr>
+              <a:t>const</a:t>
+            </a:r>
+            <a:r>
+              <a:rPr lang="en-US" sz="2400" dirty="0">
+                <a:solidFill>
+                  <a:srgbClr val="000000"/>
+                </a:solidFill>
+                <a:latin typeface="Consolas, "/>
+              </a:rPr>
+              <a:t> </a:t>
+            </a:r>
+            <a:r>
+              <a:rPr lang="en-US" sz="2400" dirty="0" err="1">
+                <a:solidFill>
+                  <a:srgbClr val="000000"/>
+                </a:solidFill>
+                <a:latin typeface="Consolas, "/>
+              </a:rPr>
+              <a:t>my_iterator</a:t>
+            </a:r>
+            <a:r>
+              <a:rPr lang="en-US" sz="2400" dirty="0">
+                <a:solidFill>
+                  <a:srgbClr val="000000"/>
+                </a:solidFill>
+                <a:latin typeface="Consolas, "/>
+              </a:rPr>
+              <a:t>&amp;);</a:t>
+            </a:r>
+          </a:p>
+          <a:p>
+            <a:r>
+              <a:rPr lang="en-US" sz="2400" dirty="0">
+                <a:solidFill>
+                  <a:srgbClr val="000000"/>
+                </a:solidFill>
+                <a:latin typeface="Consolas, "/>
+              </a:rPr>
+              <a:t>    </a:t>
+            </a:r>
+            <a:r>
+              <a:rPr lang="en-US" sz="2400" dirty="0" err="1">
+                <a:solidFill>
+                  <a:srgbClr val="000000"/>
+                </a:solidFill>
+                <a:latin typeface="Consolas, "/>
+              </a:rPr>
+              <a:t>my_iterator</a:t>
+            </a:r>
+            <a:r>
+              <a:rPr lang="en-US" sz="2400" dirty="0">
+                <a:solidFill>
+                  <a:srgbClr val="000000"/>
+                </a:solidFill>
+                <a:latin typeface="Consolas, "/>
+              </a:rPr>
+              <a:t>&amp; </a:t>
+            </a:r>
+            <a:r>
+              <a:rPr lang="en-US" sz="2400" dirty="0">
+                <a:solidFill>
+                  <a:srgbClr val="0000FF"/>
+                </a:solidFill>
+                <a:latin typeface="Consolas, "/>
+              </a:rPr>
+              <a:t>operator</a:t>
+            </a:r>
+            <a:r>
+              <a:rPr lang="en-US" sz="2400" dirty="0">
+                <a:solidFill>
+                  <a:srgbClr val="000000"/>
+                </a:solidFill>
+                <a:latin typeface="Consolas, "/>
+              </a:rPr>
+              <a:t>=(</a:t>
+            </a:r>
+            <a:r>
+              <a:rPr lang="en-US" sz="2400" dirty="0">
+                <a:solidFill>
+                  <a:srgbClr val="0000FF"/>
+                </a:solidFill>
+                <a:latin typeface="Consolas, "/>
+              </a:rPr>
+              <a:t>const</a:t>
+            </a:r>
+            <a:r>
+              <a:rPr lang="en-US" sz="2400" dirty="0">
+                <a:solidFill>
+                  <a:srgbClr val="000000"/>
+                </a:solidFill>
+                <a:latin typeface="Consolas, "/>
+              </a:rPr>
+              <a:t> </a:t>
+            </a:r>
+            <a:r>
+              <a:rPr lang="en-US" sz="2400" dirty="0" err="1">
+                <a:solidFill>
+                  <a:srgbClr val="000000"/>
+                </a:solidFill>
+                <a:latin typeface="Consolas, "/>
+              </a:rPr>
+              <a:t>my_iterator</a:t>
+            </a:r>
+            <a:r>
+              <a:rPr lang="en-US" sz="2400" dirty="0">
+                <a:solidFill>
+                  <a:srgbClr val="000000"/>
+                </a:solidFill>
+                <a:latin typeface="Consolas, "/>
+              </a:rPr>
+              <a:t>&amp;);</a:t>
+            </a:r>
+          </a:p>
+          <a:p>
+            <a:r>
+              <a:rPr lang="en-US" sz="2400" dirty="0">
+                <a:solidFill>
+                  <a:srgbClr val="000000"/>
+                </a:solidFill>
+                <a:latin typeface="Consolas, "/>
+              </a:rPr>
+              <a:t>    ~</a:t>
+            </a:r>
+            <a:r>
+              <a:rPr lang="en-US" sz="2400" dirty="0" err="1">
+                <a:solidFill>
+                  <a:srgbClr val="000000"/>
+                </a:solidFill>
+                <a:latin typeface="Consolas, "/>
+              </a:rPr>
+              <a:t>my_iterator</a:t>
+            </a:r>
+            <a:r>
+              <a:rPr lang="en-US" sz="2400" dirty="0">
+                <a:solidFill>
+                  <a:srgbClr val="000000"/>
+                </a:solidFill>
+                <a:latin typeface="Consolas, "/>
+              </a:rPr>
+              <a:t>();</a:t>
+            </a:r>
+          </a:p>
+          <a:p>
+            <a:r>
+              <a:rPr lang="en-US" sz="2400" dirty="0">
+                <a:solidFill>
+                  <a:srgbClr val="000000"/>
+                </a:solidFill>
+                <a:latin typeface="Consolas, "/>
+              </a:rPr>
+              <a:t>    T&amp; </a:t>
+            </a:r>
+            <a:r>
+              <a:rPr lang="en-US" sz="2400" dirty="0">
+                <a:solidFill>
+                  <a:srgbClr val="0000FF"/>
+                </a:solidFill>
+                <a:latin typeface="Consolas, "/>
+              </a:rPr>
+              <a:t>operator</a:t>
+            </a:r>
+            <a:r>
+              <a:rPr lang="en-US" sz="2400" dirty="0">
+                <a:solidFill>
+                  <a:srgbClr val="000000"/>
+                </a:solidFill>
+                <a:latin typeface="Consolas, "/>
+              </a:rPr>
+              <a:t>*() </a:t>
+            </a:r>
+            <a:r>
+              <a:rPr lang="en-US" sz="2400" dirty="0">
+                <a:solidFill>
+                  <a:srgbClr val="0000FF"/>
+                </a:solidFill>
+                <a:latin typeface="Consolas, "/>
+              </a:rPr>
+              <a:t>const</a:t>
+            </a:r>
+            <a:r>
+              <a:rPr lang="en-US" sz="2400" dirty="0">
+                <a:solidFill>
+                  <a:srgbClr val="000000"/>
+                </a:solidFill>
+                <a:latin typeface="Consolas, "/>
+              </a:rPr>
+              <a:t>;</a:t>
+            </a:r>
+          </a:p>
+          <a:p>
+            <a:r>
+              <a:rPr lang="en-US" sz="2400" dirty="0">
+                <a:solidFill>
+                  <a:srgbClr val="000000"/>
+                </a:solidFill>
+                <a:latin typeface="Consolas, "/>
+              </a:rPr>
+              <a:t>    </a:t>
+            </a:r>
+            <a:r>
+              <a:rPr lang="en-US" sz="2400" dirty="0" err="1">
+                <a:solidFill>
+                  <a:srgbClr val="000000"/>
+                </a:solidFill>
+                <a:latin typeface="Consolas, "/>
+              </a:rPr>
+              <a:t>my_iterator</a:t>
+            </a:r>
+            <a:r>
+              <a:rPr lang="en-US" sz="2400" dirty="0">
+                <a:solidFill>
+                  <a:srgbClr val="000000"/>
+                </a:solidFill>
+                <a:latin typeface="Consolas, "/>
+              </a:rPr>
+              <a:t>&amp; </a:t>
+            </a:r>
+            <a:r>
+              <a:rPr lang="en-US" sz="2400" dirty="0">
+                <a:solidFill>
+                  <a:srgbClr val="0000FF"/>
+                </a:solidFill>
+                <a:latin typeface="Consolas, "/>
+              </a:rPr>
+              <a:t>operator</a:t>
+            </a:r>
+            <a:r>
+              <a:rPr lang="en-US" sz="2400" dirty="0">
+                <a:solidFill>
+                  <a:srgbClr val="000000"/>
+                </a:solidFill>
+                <a:latin typeface="Consolas, "/>
+              </a:rPr>
+              <a:t>++();</a:t>
+            </a:r>
+          </a:p>
+          <a:p>
+            <a:r>
+              <a:rPr lang="en-US" sz="2400" dirty="0">
                 <a:solidFill>
                   <a:srgbClr val="000000"/>
                 </a:solidFill>
@@ -15243,365 +15647,6 @@
               </a:rPr>
               <a:t>};</a:t>
             </a:r>
-          </a:p>
-          <a:p>
-            <a:r>
-              <a:rPr lang="en-US" sz="1867" dirty="0">
-                <a:solidFill>
-                  <a:srgbClr val="0000FF"/>
-                </a:solidFill>
-                <a:latin typeface="Consolas, "/>
-              </a:rPr>
-              <a:t>for</a:t>
-            </a:r>
-            <a:r>
-              <a:rPr lang="en-US" sz="1867" dirty="0">
-                <a:solidFill>
-                  <a:srgbClr val="000000"/>
-                </a:solidFill>
-                <a:latin typeface="Consolas, "/>
-              </a:rPr>
-              <a:t> ( </a:t>
-            </a:r>
-            <a:r>
-              <a:rPr lang="en-US" sz="1867" dirty="0">
-                <a:solidFill>
-                  <a:srgbClr val="0000FF"/>
-                </a:solidFill>
-                <a:latin typeface="Consolas, "/>
-              </a:rPr>
-              <a:t>int</a:t>
-            </a:r>
-            <a:r>
-              <a:rPr lang="en-US" sz="1867" dirty="0">
-                <a:solidFill>
-                  <a:srgbClr val="000000"/>
-                </a:solidFill>
-                <a:latin typeface="Consolas, "/>
-              </a:rPr>
-              <a:t> </a:t>
-            </a:r>
-            <a:r>
-              <a:rPr lang="en-US" sz="1867" dirty="0" err="1">
-                <a:solidFill>
-                  <a:srgbClr val="000000"/>
-                </a:solidFill>
-                <a:latin typeface="Consolas, "/>
-              </a:rPr>
-              <a:t>i</a:t>
-            </a:r>
-            <a:r>
-              <a:rPr lang="en-US" sz="1867" dirty="0">
-                <a:solidFill>
-                  <a:srgbClr val="000000"/>
-                </a:solidFill>
-                <a:latin typeface="Consolas, "/>
-              </a:rPr>
-              <a:t> : v ) </a:t>
-            </a:r>
-            <a:r>
-              <a:rPr lang="en-US" sz="1867" dirty="0">
-                <a:solidFill>
-                  <a:srgbClr val="008000"/>
-                </a:solidFill>
-                <a:latin typeface="Consolas, "/>
-              </a:rPr>
-              <a:t>// Access by value</a:t>
-            </a:r>
-          </a:p>
-          <a:p>
-            <a:r>
-              <a:rPr lang="en-US" sz="1867" dirty="0">
-                <a:solidFill>
-                  <a:srgbClr val="0000FF"/>
-                </a:solidFill>
-                <a:latin typeface="Consolas, "/>
-              </a:rPr>
-              <a:t>for</a:t>
-            </a:r>
-            <a:r>
-              <a:rPr lang="en-US" sz="1867" dirty="0">
-                <a:solidFill>
-                  <a:srgbClr val="000000"/>
-                </a:solidFill>
-                <a:latin typeface="Consolas, "/>
-              </a:rPr>
-              <a:t> ( </a:t>
-            </a:r>
-            <a:r>
-              <a:rPr lang="en-US" sz="1867" dirty="0">
-                <a:solidFill>
-                  <a:srgbClr val="0000FF"/>
-                </a:solidFill>
-                <a:latin typeface="Consolas, "/>
-              </a:rPr>
-              <a:t>auto</a:t>
-            </a:r>
-            <a:r>
-              <a:rPr lang="en-US" sz="1867" dirty="0">
-                <a:solidFill>
-                  <a:srgbClr val="000000"/>
-                </a:solidFill>
-                <a:latin typeface="Consolas, "/>
-              </a:rPr>
-              <a:t> </a:t>
-            </a:r>
-            <a:r>
-              <a:rPr lang="en-US" sz="1867" dirty="0" err="1">
-                <a:solidFill>
-                  <a:srgbClr val="000000"/>
-                </a:solidFill>
-                <a:latin typeface="Consolas, "/>
-              </a:rPr>
-              <a:t>i</a:t>
-            </a:r>
-            <a:r>
-              <a:rPr lang="en-US" sz="1867" dirty="0">
-                <a:solidFill>
-                  <a:srgbClr val="000000"/>
-                </a:solidFill>
-                <a:latin typeface="Consolas, "/>
-              </a:rPr>
-              <a:t> : v ) </a:t>
-            </a:r>
-            <a:r>
-              <a:rPr lang="en-US" sz="1867" dirty="0">
-                <a:solidFill>
-                  <a:srgbClr val="008000"/>
-                </a:solidFill>
-                <a:latin typeface="Consolas, "/>
-              </a:rPr>
-              <a:t>// Access by value, the type of </a:t>
-            </a:r>
-            <a:r>
-              <a:rPr lang="en-US" sz="1867" dirty="0" err="1">
-                <a:solidFill>
-                  <a:srgbClr val="008000"/>
-                </a:solidFill>
-                <a:latin typeface="Consolas, "/>
-              </a:rPr>
-              <a:t>i</a:t>
-            </a:r>
-            <a:r>
-              <a:rPr lang="en-US" sz="1867" dirty="0">
-                <a:solidFill>
-                  <a:srgbClr val="008000"/>
-                </a:solidFill>
-                <a:latin typeface="Consolas, "/>
-              </a:rPr>
-              <a:t> is int</a:t>
-            </a:r>
-            <a:endParaRPr lang="en-US" sz="1867" dirty="0">
-              <a:solidFill>
-                <a:srgbClr val="000000"/>
-              </a:solidFill>
-              <a:latin typeface="Consolas, "/>
-            </a:endParaRPr>
-          </a:p>
-          <a:p>
-            <a:r>
-              <a:rPr lang="en-US" sz="1867" dirty="0">
-                <a:solidFill>
-                  <a:srgbClr val="0000FF"/>
-                </a:solidFill>
-                <a:latin typeface="Consolas, "/>
-              </a:rPr>
-              <a:t>for</a:t>
-            </a:r>
-            <a:r>
-              <a:rPr lang="en-US" sz="1867" dirty="0">
-                <a:solidFill>
-                  <a:srgbClr val="000000"/>
-                </a:solidFill>
-                <a:latin typeface="Consolas, "/>
-              </a:rPr>
-              <a:t> ( </a:t>
-            </a:r>
-            <a:r>
-              <a:rPr lang="en-US" sz="1867" dirty="0">
-                <a:solidFill>
-                  <a:srgbClr val="0000FF"/>
-                </a:solidFill>
-                <a:latin typeface="Consolas, "/>
-              </a:rPr>
-              <a:t>auto</a:t>
-            </a:r>
-            <a:r>
-              <a:rPr lang="en-US" sz="1867" dirty="0">
-                <a:solidFill>
-                  <a:srgbClr val="000000"/>
-                </a:solidFill>
-                <a:latin typeface="Consolas, "/>
-              </a:rPr>
-              <a:t>&amp; </a:t>
-            </a:r>
-            <a:r>
-              <a:rPr lang="en-US" sz="1867" dirty="0" err="1">
-                <a:solidFill>
-                  <a:srgbClr val="000000"/>
-                </a:solidFill>
-                <a:latin typeface="Consolas, "/>
-              </a:rPr>
-              <a:t>i</a:t>
-            </a:r>
-            <a:r>
-              <a:rPr lang="en-US" sz="1867" dirty="0">
-                <a:solidFill>
-                  <a:srgbClr val="000000"/>
-                </a:solidFill>
-                <a:latin typeface="Consolas, "/>
-              </a:rPr>
-              <a:t> : v ) </a:t>
-            </a:r>
-            <a:r>
-              <a:rPr lang="en-US" sz="1867" dirty="0">
-                <a:solidFill>
-                  <a:srgbClr val="008000"/>
-                </a:solidFill>
-                <a:latin typeface="Consolas, "/>
-              </a:rPr>
-              <a:t>// Access by reference, the type of </a:t>
-            </a:r>
-            <a:r>
-              <a:rPr lang="en-US" sz="1867" dirty="0" err="1">
-                <a:solidFill>
-                  <a:srgbClr val="008000"/>
-                </a:solidFill>
-                <a:latin typeface="Consolas, "/>
-              </a:rPr>
-              <a:t>i</a:t>
-            </a:r>
-            <a:r>
-              <a:rPr lang="en-US" sz="1867" dirty="0">
-                <a:solidFill>
-                  <a:srgbClr val="008000"/>
-                </a:solidFill>
-                <a:latin typeface="Consolas, "/>
-              </a:rPr>
-              <a:t> is int&amp; </a:t>
-            </a:r>
-            <a:endParaRPr lang="en-US" sz="1867" dirty="0">
-              <a:solidFill>
-                <a:srgbClr val="000000"/>
-              </a:solidFill>
-              <a:latin typeface="Consolas, "/>
-            </a:endParaRPr>
-          </a:p>
-          <a:p>
-            <a:r>
-              <a:rPr lang="en-US" sz="1867" dirty="0">
-                <a:solidFill>
-                  <a:srgbClr val="0000FF"/>
-                </a:solidFill>
-                <a:latin typeface="Consolas, "/>
-              </a:rPr>
-              <a:t>for</a:t>
-            </a:r>
-            <a:r>
-              <a:rPr lang="en-US" sz="1867" dirty="0">
-                <a:solidFill>
-                  <a:srgbClr val="000000"/>
-                </a:solidFill>
-                <a:latin typeface="Consolas, "/>
-              </a:rPr>
-              <a:t> ( </a:t>
-            </a:r>
-            <a:r>
-              <a:rPr lang="en-US" sz="1867" dirty="0">
-                <a:solidFill>
-                  <a:srgbClr val="0000FF"/>
-                </a:solidFill>
-                <a:latin typeface="Consolas, "/>
-              </a:rPr>
-              <a:t>auto</a:t>
-            </a:r>
-            <a:r>
-              <a:rPr lang="en-US" sz="1867" dirty="0">
-                <a:solidFill>
-                  <a:srgbClr val="000000"/>
-                </a:solidFill>
-                <a:latin typeface="Consolas, "/>
-              </a:rPr>
-              <a:t>&amp;&amp; </a:t>
-            </a:r>
-            <a:r>
-              <a:rPr lang="en-US" sz="1867" dirty="0" err="1">
-                <a:solidFill>
-                  <a:srgbClr val="000000"/>
-                </a:solidFill>
-                <a:latin typeface="Consolas, "/>
-              </a:rPr>
-              <a:t>i</a:t>
-            </a:r>
-            <a:r>
-              <a:rPr lang="en-US" sz="1867" dirty="0">
-                <a:solidFill>
-                  <a:srgbClr val="000000"/>
-                </a:solidFill>
-                <a:latin typeface="Consolas, "/>
-              </a:rPr>
-              <a:t> : v ) </a:t>
-            </a:r>
-            <a:r>
-              <a:rPr lang="en-US" sz="1867" dirty="0">
-                <a:solidFill>
-                  <a:srgbClr val="008000"/>
-                </a:solidFill>
-                <a:latin typeface="Consolas, "/>
-              </a:rPr>
-              <a:t>// Access by forwarding reference, the type of </a:t>
-            </a:r>
-            <a:r>
-              <a:rPr lang="en-US" sz="1867" dirty="0" err="1">
-                <a:solidFill>
-                  <a:srgbClr val="008000"/>
-                </a:solidFill>
-                <a:latin typeface="Consolas, "/>
-              </a:rPr>
-              <a:t>i</a:t>
-            </a:r>
-            <a:r>
-              <a:rPr lang="en-US" sz="1867" dirty="0">
-                <a:solidFill>
-                  <a:srgbClr val="008000"/>
-                </a:solidFill>
-                <a:latin typeface="Consolas, "/>
-              </a:rPr>
-              <a:t> is int&amp;</a:t>
-            </a:r>
-            <a:endParaRPr lang="en-US" sz="1867" dirty="0">
-              <a:solidFill>
-                <a:srgbClr val="000000"/>
-              </a:solidFill>
-              <a:latin typeface="Consolas, "/>
-            </a:endParaRPr>
-          </a:p>
-          <a:p>
-            <a:endParaRPr lang="en-US" sz="1867" i="1" dirty="0">
-              <a:solidFill>
-                <a:srgbClr val="000000"/>
-              </a:solidFill>
-              <a:latin typeface="Consolas, "/>
-              <a:ea typeface="Intel Clear Light" panose="020B0404020203020204" pitchFamily="34" charset="0"/>
-              <a:cs typeface="Intel Clear Light" panose="020B0404020203020204" pitchFamily="34" charset="0"/>
-            </a:endParaRPr>
-          </a:p>
-          <a:p>
-            <a:endParaRPr lang="en-US" sz="2533" i="1" dirty="0">
-              <a:latin typeface="Intel Clear Light" panose="020B0404020203020204" pitchFamily="34" charset="0"/>
-              <a:ea typeface="Intel Clear Light" panose="020B0404020203020204" pitchFamily="34" charset="0"/>
-              <a:cs typeface="Intel Clear Light" panose="020B0404020203020204" pitchFamily="34" charset="0"/>
-            </a:endParaRPr>
-          </a:p>
-          <a:p>
-            <a:pPr lvl="1" indent="0">
-              <a:buNone/>
-            </a:pPr>
-            <a:endParaRPr lang="ru-RU" sz="2533" i="1" dirty="0">
-              <a:latin typeface="Intel Clear Light" panose="020B0404020203020204" pitchFamily="34" charset="0"/>
-              <a:ea typeface="Intel Clear Light" panose="020B0404020203020204" pitchFamily="34" charset="0"/>
-              <a:cs typeface="Intel Clear Light" panose="020B0404020203020204" pitchFamily="34" charset="0"/>
-            </a:endParaRPr>
           </a:p>
           <a:p>
             <a:endParaRPr lang="en-US" sz="2400" dirty="0">
@@ -15615,7 +15660,7 @@
     </p:spTree>
     <p:extLst>
       <p:ext uri="{BB962C8B-B14F-4D97-AF65-F5344CB8AC3E}">
-        <p14:creationId xmlns:p14="http://schemas.microsoft.com/office/powerpoint/2010/main" val="2993753589"/>
+        <p14:creationId xmlns:p14="http://schemas.microsoft.com/office/powerpoint/2010/main" val="585544230"/>
       </p:ext>
     </p:extLst>
   </p:cSld>
@@ -15682,7 +15727,7 @@
                 <a:ea typeface="Intel Clear Pro Bold" panose="020B0804020202060201" pitchFamily="34" charset="-52"/>
                 <a:cs typeface="Intel Clear Pro Bold" panose="020B0804020202060201" pitchFamily="34" charset="-52"/>
               </a:rPr>
-              <a:t>Iterator operations</a:t>
+              <a:t>Input Iterator operations</a:t>
             </a:r>
           </a:p>
         </p:txBody>
@@ -15727,8 +15772,8 @@
         </p:nvSpPr>
         <p:spPr>
           <a:xfrm>
-            <a:off x="539749" y="1274310"/>
-            <a:ext cx="8925984" cy="3869191"/>
+            <a:off x="539750" y="1274310"/>
+            <a:ext cx="11823701" cy="3869191"/>
           </a:xfrm>
           <a:prstGeom prst="rect">
             <a:avLst/>
@@ -15880,7 +15925,7 @@
           </a:lstStyle>
           <a:p>
             <a:r>
-              <a:rPr lang="en-US" sz="2400" dirty="0">
+              <a:rPr lang="en-US" sz="2000" dirty="0">
                 <a:solidFill>
                   <a:srgbClr val="0000FF"/>
                 </a:solidFill>
@@ -15889,7 +15934,7 @@
               <a:t>struct</a:t>
             </a:r>
             <a:r>
-              <a:rPr lang="en-US" sz="2400" dirty="0">
+              <a:rPr lang="en-US" sz="2133" dirty="0">
                 <a:solidFill>
                   <a:srgbClr val="000000"/>
                 </a:solidFill>
@@ -15898,7 +15943,43 @@
               <a:t> </a:t>
             </a:r>
             <a:r>
-              <a:rPr lang="en-US" sz="2400" dirty="0" err="1">
+              <a:rPr lang="en-US" sz="2133" dirty="0" err="1">
+                <a:solidFill>
+                  <a:srgbClr val="000000"/>
+                </a:solidFill>
+                <a:latin typeface="Consolas, "/>
+              </a:rPr>
+              <a:t>my_input_iterator</a:t>
+            </a:r>
+            <a:r>
+              <a:rPr lang="en-US" sz="2133" dirty="0">
+                <a:solidFill>
+                  <a:srgbClr val="000000"/>
+                </a:solidFill>
+                <a:latin typeface="Consolas, "/>
+              </a:rPr>
+              <a:t> : </a:t>
+            </a:r>
+            <a:r>
+              <a:rPr lang="en-US" sz="2133" dirty="0">
+                <a:solidFill>
+                  <a:srgbClr val="0000FF"/>
+                </a:solidFill>
+                <a:latin typeface="Consolas, "/>
+              </a:rPr>
+              <a:t>public</a:t>
+            </a:r>
+            <a:r>
+              <a:rPr lang="en-US" sz="2133" dirty="0">
+                <a:solidFill>
+                  <a:srgbClr val="000000"/>
+                </a:solidFill>
+                <a:latin typeface="Consolas, "/>
+              </a:rPr>
+              <a:t> </a:t>
+            </a:r>
+            <a:r>
+              <a:rPr lang="en-US" sz="2133" dirty="0" err="1">
                 <a:solidFill>
                   <a:srgbClr val="000000"/>
                 </a:solidFill>
@@ -15907,7 +15988,7 @@
               <a:t>my_iterator</a:t>
             </a:r>
             <a:r>
-              <a:rPr lang="en-US" sz="2400" dirty="0">
+              <a:rPr lang="en-US" sz="2133" dirty="0">
                 <a:solidFill>
                   <a:srgbClr val="000000"/>
                 </a:solidFill>
@@ -15918,7 +15999,54 @@
           </a:p>
           <a:p>
             <a:r>
-              <a:rPr lang="en-US" sz="2400" dirty="0">
+              <a:rPr lang="en-US" sz="2133" dirty="0">
+                <a:solidFill>
+                  <a:srgbClr val="000000"/>
+                </a:solidFill>
+                <a:latin typeface="Consolas, "/>
+              </a:rPr>
+              <a:t>    T* </a:t>
+            </a:r>
+            <a:r>
+              <a:rPr lang="en-US" sz="2133" dirty="0">
+                <a:solidFill>
+                  <a:srgbClr val="0000FF"/>
+                </a:solidFill>
+                <a:latin typeface="Consolas, "/>
+              </a:rPr>
+              <a:t>operator</a:t>
+            </a:r>
+            <a:r>
+              <a:rPr lang="en-US" sz="2133" dirty="0">
+                <a:solidFill>
+                  <a:srgbClr val="000000"/>
+                </a:solidFill>
+                <a:latin typeface="Consolas, "/>
+              </a:rPr>
+              <a:t>-&gt;() </a:t>
+            </a:r>
+            <a:r>
+              <a:rPr lang="en-US" sz="2133" dirty="0">
+                <a:solidFill>
+                  <a:srgbClr val="0000FF"/>
+                </a:solidFill>
+                <a:latin typeface="Consolas, "/>
+              </a:rPr>
+              <a:t>const</a:t>
+            </a:r>
+            <a:r>
+              <a:rPr lang="en-US" sz="2133" dirty="0">
+                <a:solidFill>
+                  <a:srgbClr val="000000"/>
+                </a:solidFill>
+                <a:latin typeface="Consolas, "/>
+              </a:rPr>
+              <a:t>;</a:t>
+            </a:r>
+          </a:p>
+          <a:p>
+            <a:r>
+              <a:rPr lang="en-US" sz="2133" dirty="0">
                 <a:solidFill>
                   <a:srgbClr val="000000"/>
                 </a:solidFill>
@@ -15927,34 +16055,119 @@
               <a:t>    </a:t>
             </a:r>
             <a:r>
-              <a:rPr lang="en-US" sz="2400" dirty="0" err="1">
-                <a:solidFill>
-                  <a:srgbClr val="000000"/>
-                </a:solidFill>
-                <a:latin typeface="Consolas, "/>
-              </a:rPr>
-              <a:t>my_iterator</a:t>
-            </a:r>
-            <a:r>
-              <a:rPr lang="en-US" sz="2400" dirty="0">
-                <a:solidFill>
-                  <a:srgbClr val="000000"/>
-                </a:solidFill>
-                <a:latin typeface="Consolas, "/>
-              </a:rPr>
-              <a:t>(</a:t>
-            </a:r>
-            <a:r>
-              <a:rPr lang="en-US" sz="2400" dirty="0">
+              <a:rPr lang="en-US" sz="2133" dirty="0" err="1">
+                <a:solidFill>
+                  <a:srgbClr val="000000"/>
+                </a:solidFill>
+                <a:latin typeface="Consolas, "/>
+              </a:rPr>
+              <a:t>my_input_iterator</a:t>
+            </a:r>
+            <a:r>
+              <a:rPr lang="en-US" sz="2133" dirty="0">
+                <a:solidFill>
+                  <a:srgbClr val="000000"/>
+                </a:solidFill>
+                <a:latin typeface="Consolas, "/>
+              </a:rPr>
+              <a:t> </a:t>
+            </a:r>
+            <a:r>
+              <a:rPr lang="en-US" sz="2133" dirty="0">
                 <a:solidFill>
                   <a:srgbClr val="0000FF"/>
                 </a:solidFill>
                 <a:latin typeface="Consolas, "/>
               </a:rPr>
+              <a:t>operator</a:t>
+            </a:r>
+            <a:r>
+              <a:rPr lang="en-US" sz="2133" dirty="0">
+                <a:solidFill>
+                  <a:srgbClr val="000000"/>
+                </a:solidFill>
+                <a:latin typeface="Consolas, "/>
+              </a:rPr>
+              <a:t>++(</a:t>
+            </a:r>
+            <a:r>
+              <a:rPr lang="en-US" sz="2133" dirty="0">
+                <a:solidFill>
+                  <a:srgbClr val="0000FF"/>
+                </a:solidFill>
+                <a:latin typeface="Consolas, "/>
+              </a:rPr>
+              <a:t>int</a:t>
+            </a:r>
+            <a:r>
+              <a:rPr lang="en-US" sz="2133" dirty="0">
+                <a:solidFill>
+                  <a:srgbClr val="000000"/>
+                </a:solidFill>
+                <a:latin typeface="Consolas, "/>
+              </a:rPr>
+              <a:t>);</a:t>
+            </a:r>
+          </a:p>
+          <a:p>
+            <a:r>
+              <a:rPr lang="en-US" sz="2133" dirty="0">
+                <a:solidFill>
+                  <a:srgbClr val="000000"/>
+                </a:solidFill>
+                <a:latin typeface="Consolas, "/>
+              </a:rPr>
+              <a:t>};</a:t>
+            </a:r>
+          </a:p>
+          <a:p>
+            <a:r>
+              <a:rPr lang="en-US" sz="2133" dirty="0">
+                <a:solidFill>
+                  <a:srgbClr val="0000FF"/>
+                </a:solidFill>
+                <a:latin typeface="Consolas, "/>
+              </a:rPr>
+              <a:t>bool</a:t>
+            </a:r>
+            <a:r>
+              <a:rPr lang="en-US" sz="2133" dirty="0">
+                <a:solidFill>
+                  <a:srgbClr val="000000"/>
+                </a:solidFill>
+                <a:latin typeface="Consolas, "/>
+              </a:rPr>
+              <a:t> </a:t>
+            </a:r>
+            <a:r>
+              <a:rPr lang="en-US" sz="2133" dirty="0">
+                <a:solidFill>
+                  <a:srgbClr val="0000FF"/>
+                </a:solidFill>
+                <a:latin typeface="Consolas, "/>
+              </a:rPr>
+              <a:t>operator</a:t>
+            </a:r>
+            <a:r>
+              <a:rPr lang="en-US" sz="2133" dirty="0">
+                <a:solidFill>
+                  <a:srgbClr val="000000"/>
+                </a:solidFill>
+                <a:latin typeface="Consolas, "/>
+              </a:rPr>
+              <a:t>==(</a:t>
+            </a:r>
+            <a:r>
+              <a:rPr lang="en-US" sz="2133" dirty="0">
+                <a:solidFill>
+                  <a:srgbClr val="0000FF"/>
+                </a:solidFill>
+                <a:latin typeface="Consolas, "/>
+              </a:rPr>
               <a:t>const</a:t>
             </a:r>
             <a:r>
-              <a:rPr lang="en-US" sz="2400" dirty="0">
+              <a:rPr lang="en-US" sz="2133" dirty="0">
                 <a:solidFill>
                   <a:srgbClr val="000000"/>
                 </a:solidFill>
@@ -15963,45 +16176,16 @@
               <a:t> </a:t>
             </a:r>
             <a:r>
-              <a:rPr lang="en-US" sz="2400" dirty="0" err="1">
-                <a:solidFill>
-                  <a:srgbClr val="000000"/>
-                </a:solidFill>
-                <a:latin typeface="Consolas, "/>
-              </a:rPr>
-              <a:t>my_iterator</a:t>
-            </a:r>
-            <a:r>
-              <a:rPr lang="en-US" sz="2400" dirty="0">
-                <a:solidFill>
-                  <a:srgbClr val="000000"/>
-                </a:solidFill>
-                <a:latin typeface="Consolas, "/>
-              </a:rPr>
-              <a:t>&amp;);</a:t>
-            </a:r>
-          </a:p>
-          <a:p>
-            <a:r>
-              <a:rPr lang="en-US" sz="2400" dirty="0">
-                <a:solidFill>
-                  <a:srgbClr val="000000"/>
-                </a:solidFill>
-                <a:latin typeface="Consolas, "/>
-              </a:rPr>
-              <a:t>    </a:t>
-            </a:r>
-            <a:r>
-              <a:rPr lang="en-US" sz="2400" dirty="0" err="1">
-                <a:solidFill>
-                  <a:srgbClr val="000000"/>
-                </a:solidFill>
-                <a:latin typeface="Consolas, "/>
-              </a:rPr>
-              <a:t>my_iterator</a:t>
-            </a:r>
-            <a:r>
-              <a:rPr lang="en-US" sz="2400" dirty="0">
+              <a:rPr lang="en-US" sz="2133" dirty="0" err="1">
+                <a:solidFill>
+                  <a:srgbClr val="000000"/>
+                </a:solidFill>
+                <a:latin typeface="Consolas, "/>
+              </a:rPr>
+              <a:t>my_input_iterator</a:t>
+            </a:r>
+            <a:r>
+              <a:rPr lang="en-US" sz="2133" dirty="0">
                 <a:solidFill>
                   <a:srgbClr val="000000"/>
                 </a:solidFill>
@@ -16010,25 +16194,117 @@
               <a:t>&amp; </a:t>
             </a:r>
             <a:r>
-              <a:rPr lang="en-US" sz="2400" dirty="0">
+              <a:rPr lang="en-US" sz="2133" dirty="0" err="1">
+                <a:solidFill>
+                  <a:srgbClr val="000000"/>
+                </a:solidFill>
+                <a:latin typeface="Consolas, "/>
+              </a:rPr>
+              <a:t>lhs</a:t>
+            </a:r>
+            <a:r>
+              <a:rPr lang="en-US" sz="2133" dirty="0">
+                <a:solidFill>
+                  <a:srgbClr val="000000"/>
+                </a:solidFill>
+                <a:latin typeface="Consolas, "/>
+              </a:rPr>
+              <a:t>, </a:t>
+            </a:r>
+            <a:r>
+              <a:rPr lang="en-US" sz="2133" dirty="0">
                 <a:solidFill>
                   <a:srgbClr val="0000FF"/>
                 </a:solidFill>
                 <a:latin typeface="Consolas, "/>
               </a:rPr>
+              <a:t>const</a:t>
+            </a:r>
+            <a:r>
+              <a:rPr lang="en-US" sz="2133" dirty="0">
+                <a:solidFill>
+                  <a:srgbClr val="000000"/>
+                </a:solidFill>
+                <a:latin typeface="Consolas, "/>
+              </a:rPr>
+              <a:t> </a:t>
+            </a:r>
+            <a:r>
+              <a:rPr lang="en-US" sz="2133" dirty="0" err="1">
+                <a:solidFill>
+                  <a:srgbClr val="000000"/>
+                </a:solidFill>
+                <a:latin typeface="Consolas, "/>
+              </a:rPr>
+              <a:t>my_input_iterator</a:t>
+            </a:r>
+            <a:r>
+              <a:rPr lang="en-US" sz="2133" dirty="0">
+                <a:solidFill>
+                  <a:srgbClr val="000000"/>
+                </a:solidFill>
+                <a:latin typeface="Consolas, "/>
+              </a:rPr>
+              <a:t>&amp; </a:t>
+            </a:r>
+            <a:r>
+              <a:rPr lang="en-US" sz="2133" dirty="0" err="1">
+                <a:solidFill>
+                  <a:srgbClr val="000000"/>
+                </a:solidFill>
+                <a:latin typeface="Consolas, "/>
+              </a:rPr>
+              <a:t>rhs</a:t>
+            </a:r>
+            <a:r>
+              <a:rPr lang="en-US" sz="2133" dirty="0">
+                <a:solidFill>
+                  <a:srgbClr val="000000"/>
+                </a:solidFill>
+                <a:latin typeface="Consolas, "/>
+              </a:rPr>
+              <a:t>);</a:t>
+            </a:r>
+          </a:p>
+          <a:p>
+            <a:r>
+              <a:rPr lang="en-US" sz="2133" dirty="0">
+                <a:solidFill>
+                  <a:srgbClr val="0000FF"/>
+                </a:solidFill>
+                <a:latin typeface="Consolas, "/>
+              </a:rPr>
+              <a:t>bool</a:t>
+            </a:r>
+            <a:r>
+              <a:rPr lang="en-US" sz="2133" dirty="0">
+                <a:solidFill>
+                  <a:srgbClr val="000000"/>
+                </a:solidFill>
+                <a:latin typeface="Consolas, "/>
+              </a:rPr>
+              <a:t> </a:t>
+            </a:r>
+            <a:r>
+              <a:rPr lang="en-US" sz="2133" dirty="0">
+                <a:solidFill>
+                  <a:srgbClr val="0000FF"/>
+                </a:solidFill>
+                <a:latin typeface="Consolas, "/>
+              </a:rPr>
               <a:t>operator</a:t>
             </a:r>
             <a:r>
-              <a:rPr lang="en-US" sz="2400" dirty="0">
-                <a:solidFill>
-                  <a:srgbClr val="000000"/>
-                </a:solidFill>
-                <a:latin typeface="Consolas, "/>
-              </a:rPr>
-              <a:t>=(</a:t>
-            </a:r>
-            <a:r>
-              <a:rPr lang="en-US" sz="2400" dirty="0">
+              <a:rPr lang="en-US" sz="2133" dirty="0">
+                <a:solidFill>
+                  <a:srgbClr val="000000"/>
+                </a:solidFill>
+                <a:latin typeface="Consolas, "/>
+              </a:rPr>
+              <a:t>!=(</a:t>
+            </a:r>
+            <a:r>
+              <a:rPr lang="en-US" sz="2133" dirty="0">
                 <a:solidFill>
                   <a:srgbClr val="0000FF"/>
                 </a:solidFill>
@@ -16037,7 +16313,7 @@
               <a:t>const</a:t>
             </a:r>
             <a:r>
-              <a:rPr lang="en-US" sz="2400" dirty="0">
+              <a:rPr lang="en-US" sz="2133" dirty="0">
                 <a:solidFill>
                   <a:srgbClr val="000000"/>
                 </a:solidFill>
@@ -16046,121 +16322,70 @@
               <a:t> </a:t>
             </a:r>
             <a:r>
-              <a:rPr lang="en-US" sz="2400" dirty="0" err="1">
-                <a:solidFill>
-                  <a:srgbClr val="000000"/>
-                </a:solidFill>
-                <a:latin typeface="Consolas, "/>
-              </a:rPr>
-              <a:t>my_iterator</a:t>
-            </a:r>
-            <a:r>
-              <a:rPr lang="en-US" sz="2400" dirty="0">
-                <a:solidFill>
-                  <a:srgbClr val="000000"/>
-                </a:solidFill>
-                <a:latin typeface="Consolas, "/>
-              </a:rPr>
-              <a:t>&amp;);</a:t>
-            </a:r>
-          </a:p>
-          <a:p>
-            <a:r>
-              <a:rPr lang="en-US" sz="2400" dirty="0">
-                <a:solidFill>
-                  <a:srgbClr val="000000"/>
-                </a:solidFill>
-                <a:latin typeface="Consolas, "/>
-              </a:rPr>
-              <a:t>    ~</a:t>
-            </a:r>
-            <a:r>
-              <a:rPr lang="en-US" sz="2400" dirty="0" err="1">
-                <a:solidFill>
-                  <a:srgbClr val="000000"/>
-                </a:solidFill>
-                <a:latin typeface="Consolas, "/>
-              </a:rPr>
-              <a:t>my_iterator</a:t>
-            </a:r>
-            <a:r>
-              <a:rPr lang="en-US" sz="2400" dirty="0">
-                <a:solidFill>
-                  <a:srgbClr val="000000"/>
-                </a:solidFill>
-                <a:latin typeface="Consolas, "/>
-              </a:rPr>
-              <a:t>();</a:t>
-            </a:r>
-          </a:p>
-          <a:p>
-            <a:r>
-              <a:rPr lang="en-US" sz="2400" dirty="0">
-                <a:solidFill>
-                  <a:srgbClr val="000000"/>
-                </a:solidFill>
-                <a:latin typeface="Consolas, "/>
-              </a:rPr>
-              <a:t>    T&amp; </a:t>
-            </a:r>
-            <a:r>
-              <a:rPr lang="en-US" sz="2400" dirty="0">
+              <a:rPr lang="en-US" sz="2133" dirty="0" err="1">
+                <a:solidFill>
+                  <a:srgbClr val="000000"/>
+                </a:solidFill>
+                <a:latin typeface="Consolas, "/>
+              </a:rPr>
+              <a:t>my_input_iterator</a:t>
+            </a:r>
+            <a:r>
+              <a:rPr lang="en-US" sz="2133" dirty="0">
+                <a:solidFill>
+                  <a:srgbClr val="000000"/>
+                </a:solidFill>
+                <a:latin typeface="Consolas, "/>
+              </a:rPr>
+              <a:t>&amp; </a:t>
+            </a:r>
+            <a:r>
+              <a:rPr lang="en-US" sz="2133" dirty="0" err="1">
+                <a:solidFill>
+                  <a:srgbClr val="000000"/>
+                </a:solidFill>
+                <a:latin typeface="Consolas, "/>
+              </a:rPr>
+              <a:t>lhs</a:t>
+            </a:r>
+            <a:r>
+              <a:rPr lang="en-US" sz="2133" dirty="0">
+                <a:solidFill>
+                  <a:srgbClr val="000000"/>
+                </a:solidFill>
+                <a:latin typeface="Consolas, "/>
+              </a:rPr>
+              <a:t>, </a:t>
+            </a:r>
+            <a:r>
+              <a:rPr lang="en-US" sz="2133" dirty="0">
                 <a:solidFill>
                   <a:srgbClr val="0000FF"/>
                 </a:solidFill>
                 <a:latin typeface="Consolas, "/>
               </a:rPr>
-              <a:t>operator</a:t>
-            </a:r>
-            <a:r>
-              <a:rPr lang="en-US" sz="2400" dirty="0">
-                <a:solidFill>
-                  <a:srgbClr val="000000"/>
-                </a:solidFill>
-                <a:latin typeface="Consolas, "/>
-              </a:rPr>
-              <a:t>*() </a:t>
-            </a:r>
-            <a:r>
-              <a:rPr lang="en-US" sz="2400" dirty="0">
-                <a:solidFill>
-                  <a:srgbClr val="0000FF"/>
-                </a:solidFill>
-                <a:latin typeface="Consolas, "/>
-              </a:rPr>
               <a:t>const</a:t>
             </a:r>
             <a:r>
-              <a:rPr lang="en-US" sz="2400" dirty="0">
-                <a:solidFill>
-                  <a:srgbClr val="000000"/>
-                </a:solidFill>
-                <a:latin typeface="Consolas, "/>
-              </a:rPr>
-              <a:t>;</a:t>
-            </a:r>
-          </a:p>
-          <a:p>
-            <a:r>
-              <a:rPr lang="en-US" sz="2400" dirty="0">
-                <a:solidFill>
-                  <a:srgbClr val="000000"/>
-                </a:solidFill>
-                <a:latin typeface="Consolas, "/>
-              </a:rPr>
-              <a:t>    </a:t>
-            </a:r>
-            <a:r>
-              <a:rPr lang="en-US" sz="2400" dirty="0" err="1">
-                <a:solidFill>
-                  <a:srgbClr val="000000"/>
-                </a:solidFill>
-                <a:latin typeface="Consolas, "/>
-              </a:rPr>
-              <a:t>my_iterator</a:t>
-            </a:r>
-            <a:r>
-              <a:rPr lang="en-US" sz="2400" dirty="0">
+              <a:rPr lang="en-US" sz="2133" dirty="0">
+                <a:solidFill>
+                  <a:srgbClr val="000000"/>
+                </a:solidFill>
+                <a:latin typeface="Consolas, "/>
+              </a:rPr>
+              <a:t> </a:t>
+            </a:r>
+            <a:r>
+              <a:rPr lang="en-US" sz="2133" dirty="0" err="1">
+                <a:solidFill>
+                  <a:srgbClr val="000000"/>
+                </a:solidFill>
+                <a:latin typeface="Consolas, "/>
+              </a:rPr>
+              <a:t>my_input_iterator</a:t>
+            </a:r>
+            <a:r>
+              <a:rPr lang="en-US" sz="2133" dirty="0">
                 <a:solidFill>
                   <a:srgbClr val="000000"/>
                 </a:solidFill>
@@ -16169,33 +16394,22 @@
               <a:t>&amp; </a:t>
             </a:r>
             <a:r>
-              <a:rPr lang="en-US" sz="2400" dirty="0">
-                <a:solidFill>
-                  <a:srgbClr val="0000FF"/>
-                </a:solidFill>
-                <a:latin typeface="Consolas, "/>
-              </a:rPr>
-              <a:t>operator</a:t>
-            </a:r>
-            <a:r>
-              <a:rPr lang="en-US" sz="2400" dirty="0">
-                <a:solidFill>
-                  <a:srgbClr val="000000"/>
-                </a:solidFill>
-                <a:latin typeface="Consolas, "/>
-              </a:rPr>
-              <a:t>++();</a:t>
-            </a:r>
-          </a:p>
-          <a:p>
-            <a:r>
-              <a:rPr lang="en-US" sz="2400" dirty="0">
-                <a:solidFill>
-                  <a:srgbClr val="000000"/>
-                </a:solidFill>
-                <a:latin typeface="Consolas, "/>
-              </a:rPr>
-              <a:t>};</a:t>
+              <a:rPr lang="en-US" sz="2133" dirty="0" err="1">
+                <a:solidFill>
+                  <a:srgbClr val="000000"/>
+                </a:solidFill>
+                <a:latin typeface="Consolas, "/>
+              </a:rPr>
+              <a:t>rhs</a:t>
+            </a:r>
+            <a:r>
+              <a:rPr lang="en-US" sz="2133" dirty="0">
+                <a:solidFill>
+                  <a:srgbClr val="000000"/>
+                </a:solidFill>
+                <a:latin typeface="Consolas, "/>
+              </a:rPr>
+              <a:t>);</a:t>
             </a:r>
           </a:p>
           <a:p>
@@ -16210,7 +16424,7 @@
     </p:spTree>
     <p:extLst>
       <p:ext uri="{BB962C8B-B14F-4D97-AF65-F5344CB8AC3E}">
-        <p14:creationId xmlns:p14="http://schemas.microsoft.com/office/powerpoint/2010/main" val="585544230"/>
+        <p14:creationId xmlns:p14="http://schemas.microsoft.com/office/powerpoint/2010/main" val="3835028014"/>
       </p:ext>
     </p:extLst>
   </p:cSld>
@@ -16277,7 +16491,7 @@
                 <a:ea typeface="Intel Clear Pro Bold" panose="020B0804020202060201" pitchFamily="34" charset="-52"/>
                 <a:cs typeface="Intel Clear Pro Bold" panose="020B0804020202060201" pitchFamily="34" charset="-52"/>
               </a:rPr>
-              <a:t>Input Iterator operations</a:t>
+              <a:t>Forward Iterator operations</a:t>
             </a:r>
           </a:p>
         </p:txBody>
@@ -16475,7 +16689,7 @@
           </a:lstStyle>
           <a:p>
             <a:r>
-              <a:rPr lang="en-US" sz="2000" dirty="0">
+              <a:rPr lang="en-US" sz="2400" dirty="0">
                 <a:solidFill>
                   <a:srgbClr val="0000FF"/>
                 </a:solidFill>
@@ -16484,7 +16698,7 @@
               <a:t>struct</a:t>
             </a:r>
             <a:r>
-              <a:rPr lang="en-US" sz="2133" dirty="0">
+              <a:rPr lang="en-US" sz="2400" dirty="0">
                 <a:solidFill>
                   <a:srgbClr val="000000"/>
                 </a:solidFill>
@@ -16493,7 +16707,43 @@
               <a:t> </a:t>
             </a:r>
             <a:r>
-              <a:rPr lang="en-US" sz="2133" dirty="0" err="1">
+              <a:rPr lang="en-US" sz="2400" dirty="0" err="1">
+                <a:solidFill>
+                  <a:srgbClr val="000000"/>
+                </a:solidFill>
+                <a:latin typeface="Consolas, "/>
+              </a:rPr>
+              <a:t>my_forward_iterator</a:t>
+            </a:r>
+            <a:r>
+              <a:rPr lang="en-US" sz="2400" dirty="0">
+                <a:solidFill>
+                  <a:srgbClr val="000000"/>
+                </a:solidFill>
+                <a:latin typeface="Consolas, "/>
+              </a:rPr>
+              <a:t> : </a:t>
+            </a:r>
+            <a:r>
+              <a:rPr lang="en-US" sz="2400" dirty="0">
+                <a:solidFill>
+                  <a:srgbClr val="0000FF"/>
+                </a:solidFill>
+                <a:latin typeface="Consolas, "/>
+              </a:rPr>
+              <a:t>public</a:t>
+            </a:r>
+            <a:r>
+              <a:rPr lang="en-US" sz="2400" dirty="0">
+                <a:solidFill>
+                  <a:srgbClr val="000000"/>
+                </a:solidFill>
+                <a:latin typeface="Consolas, "/>
+              </a:rPr>
+              <a:t> </a:t>
+            </a:r>
+            <a:r>
+              <a:rPr lang="en-US" sz="2400" dirty="0" err="1">
                 <a:solidFill>
                   <a:srgbClr val="000000"/>
                 </a:solidFill>
@@ -16502,43 +16752,7 @@
               <a:t>my_input_iterator</a:t>
             </a:r>
             <a:r>
-              <a:rPr lang="en-US" sz="2133" dirty="0">
-                <a:solidFill>
-                  <a:srgbClr val="000000"/>
-                </a:solidFill>
-                <a:latin typeface="Consolas, "/>
-              </a:rPr>
-              <a:t> : </a:t>
-            </a:r>
-            <a:r>
-              <a:rPr lang="en-US" sz="2133" dirty="0">
-                <a:solidFill>
-                  <a:srgbClr val="0000FF"/>
-                </a:solidFill>
-                <a:latin typeface="Consolas, "/>
-              </a:rPr>
-              <a:t>public</a:t>
-            </a:r>
-            <a:r>
-              <a:rPr lang="en-US" sz="2133" dirty="0">
-                <a:solidFill>
-                  <a:srgbClr val="000000"/>
-                </a:solidFill>
-                <a:latin typeface="Consolas, "/>
-              </a:rPr>
-              <a:t> </a:t>
-            </a:r>
-            <a:r>
-              <a:rPr lang="en-US" sz="2133" dirty="0" err="1">
-                <a:solidFill>
-                  <a:srgbClr val="000000"/>
-                </a:solidFill>
-                <a:latin typeface="Consolas, "/>
-              </a:rPr>
-              <a:t>my_iterator</a:t>
-            </a:r>
-            <a:r>
-              <a:rPr lang="en-US" sz="2133" dirty="0">
+              <a:rPr lang="en-US" sz="2400" dirty="0">
                 <a:solidFill>
                   <a:srgbClr val="000000"/>
                 </a:solidFill>
@@ -16549,54 +16763,7 @@
           </a:p>
           <a:p>
             <a:r>
-              <a:rPr lang="en-US" sz="2133" dirty="0">
-                <a:solidFill>
-                  <a:srgbClr val="000000"/>
-                </a:solidFill>
-                <a:latin typeface="Consolas, "/>
-              </a:rPr>
-              <a:t>    T* </a:t>
-            </a:r>
-            <a:r>
-              <a:rPr lang="en-US" sz="2133" dirty="0">
-                <a:solidFill>
-                  <a:srgbClr val="0000FF"/>
-                </a:solidFill>
-                <a:latin typeface="Consolas, "/>
-              </a:rPr>
-              <a:t>operator</a:t>
-            </a:r>
-            <a:r>
-              <a:rPr lang="en-US" sz="2133" dirty="0">
-                <a:solidFill>
-                  <a:srgbClr val="000000"/>
-                </a:solidFill>
-                <a:latin typeface="Consolas, "/>
-              </a:rPr>
-              <a:t>-&gt;() </a:t>
-            </a:r>
-            <a:r>
-              <a:rPr lang="en-US" sz="2133" dirty="0">
-                <a:solidFill>
-                  <a:srgbClr val="0000FF"/>
-                </a:solidFill>
-                <a:latin typeface="Consolas, "/>
-              </a:rPr>
-              <a:t>const</a:t>
-            </a:r>
-            <a:r>
-              <a:rPr lang="en-US" sz="2133" dirty="0">
-                <a:solidFill>
-                  <a:srgbClr val="000000"/>
-                </a:solidFill>
-                <a:latin typeface="Consolas, "/>
-              </a:rPr>
-              <a:t>;</a:t>
-            </a:r>
-          </a:p>
-          <a:p>
-            <a:r>
-              <a:rPr lang="en-US" sz="2133" dirty="0">
+              <a:rPr lang="en-US" sz="2400" dirty="0">
                 <a:solidFill>
                   <a:srgbClr val="000000"/>
                 </a:solidFill>
@@ -16605,361 +16772,33 @@
               <a:t>    </a:t>
             </a:r>
             <a:r>
-              <a:rPr lang="en-US" sz="2133" dirty="0" err="1">
-                <a:solidFill>
-                  <a:srgbClr val="000000"/>
-                </a:solidFill>
-                <a:latin typeface="Consolas, "/>
-              </a:rPr>
-              <a:t>my_input_iterator</a:t>
-            </a:r>
-            <a:r>
-              <a:rPr lang="en-US" sz="2133" dirty="0">
-                <a:solidFill>
-                  <a:srgbClr val="000000"/>
-                </a:solidFill>
-                <a:latin typeface="Consolas, "/>
-              </a:rPr>
-              <a:t> </a:t>
-            </a:r>
-            <a:r>
-              <a:rPr lang="en-US" sz="2133" dirty="0">
-                <a:solidFill>
-                  <a:srgbClr val="0000FF"/>
-                </a:solidFill>
-                <a:latin typeface="Consolas, "/>
-              </a:rPr>
-              <a:t>operator</a:t>
-            </a:r>
-            <a:r>
-              <a:rPr lang="en-US" sz="2133" dirty="0">
-                <a:solidFill>
-                  <a:srgbClr val="000000"/>
-                </a:solidFill>
-                <a:latin typeface="Consolas, "/>
-              </a:rPr>
-              <a:t>++(</a:t>
-            </a:r>
-            <a:r>
-              <a:rPr lang="en-US" sz="2133" dirty="0">
-                <a:solidFill>
-                  <a:srgbClr val="0000FF"/>
-                </a:solidFill>
-                <a:latin typeface="Consolas, "/>
-              </a:rPr>
-              <a:t>int</a:t>
-            </a:r>
-            <a:r>
-              <a:rPr lang="en-US" sz="2133" dirty="0">
-                <a:solidFill>
-                  <a:srgbClr val="000000"/>
-                </a:solidFill>
-                <a:latin typeface="Consolas, "/>
-              </a:rPr>
-              <a:t>);</a:t>
-            </a:r>
-          </a:p>
-          <a:p>
-            <a:r>
-              <a:rPr lang="en-US" sz="2133" dirty="0">
+              <a:rPr lang="en-US" sz="2400" dirty="0" err="1">
+                <a:solidFill>
+                  <a:srgbClr val="000000"/>
+                </a:solidFill>
+                <a:latin typeface="Consolas, "/>
+              </a:rPr>
+              <a:t>my_forward_iterator</a:t>
+            </a:r>
+            <a:r>
+              <a:rPr lang="en-US" sz="2400" dirty="0">
+                <a:solidFill>
+                  <a:srgbClr val="000000"/>
+                </a:solidFill>
+                <a:latin typeface="Consolas, "/>
+              </a:rPr>
+              <a:t>();</a:t>
+            </a:r>
+          </a:p>
+          <a:p>
+            <a:r>
+              <a:rPr lang="en-US" sz="2400" dirty="0">
                 <a:solidFill>
                   <a:srgbClr val="000000"/>
                 </a:solidFill>
                 <a:latin typeface="Consolas, "/>
               </a:rPr>
               <a:t>};</a:t>
-            </a:r>
-          </a:p>
-          <a:p>
-            <a:r>
-              <a:rPr lang="en-US" sz="2133" dirty="0">
-                <a:solidFill>
-                  <a:srgbClr val="0000FF"/>
-                </a:solidFill>
-                <a:latin typeface="Consolas, "/>
-              </a:rPr>
-              <a:t>bool</a:t>
-            </a:r>
-            <a:r>
-              <a:rPr lang="en-US" sz="2133" dirty="0">
-                <a:solidFill>
-                  <a:srgbClr val="000000"/>
-                </a:solidFill>
-                <a:latin typeface="Consolas, "/>
-              </a:rPr>
-              <a:t> </a:t>
-            </a:r>
-            <a:r>
-              <a:rPr lang="en-US" sz="2133" dirty="0">
-                <a:solidFill>
-                  <a:srgbClr val="0000FF"/>
-                </a:solidFill>
-                <a:latin typeface="Consolas, "/>
-              </a:rPr>
-              <a:t>operator</a:t>
-            </a:r>
-            <a:r>
-              <a:rPr lang="en-US" sz="2133" dirty="0">
-                <a:solidFill>
-                  <a:srgbClr val="000000"/>
-                </a:solidFill>
-                <a:latin typeface="Consolas, "/>
-              </a:rPr>
-              <a:t>==(</a:t>
-            </a:r>
-            <a:r>
-              <a:rPr lang="en-US" sz="2133" dirty="0">
-                <a:solidFill>
-                  <a:srgbClr val="0000FF"/>
-                </a:solidFill>
-                <a:latin typeface="Consolas, "/>
-              </a:rPr>
-              <a:t>const</a:t>
-            </a:r>
-            <a:r>
-              <a:rPr lang="en-US" sz="2133" dirty="0">
-                <a:solidFill>
-                  <a:srgbClr val="000000"/>
-                </a:solidFill>
-                <a:latin typeface="Consolas, "/>
-              </a:rPr>
-              <a:t> </a:t>
-            </a:r>
-            <a:r>
-              <a:rPr lang="en-US" sz="2133" dirty="0" err="1">
-                <a:solidFill>
-                  <a:srgbClr val="000000"/>
-                </a:solidFill>
-                <a:latin typeface="Consolas, "/>
-              </a:rPr>
-              <a:t>my_input_iterator</a:t>
-            </a:r>
-            <a:r>
-              <a:rPr lang="en-US" sz="2133" dirty="0">
-                <a:solidFill>
-                  <a:srgbClr val="000000"/>
-                </a:solidFill>
-                <a:latin typeface="Consolas, "/>
-              </a:rPr>
-              <a:t>&amp; </a:t>
-            </a:r>
-            <a:r>
-              <a:rPr lang="en-US" sz="2133" dirty="0" err="1">
-                <a:solidFill>
-                  <a:srgbClr val="000000"/>
-                </a:solidFill>
-                <a:latin typeface="Consolas, "/>
-              </a:rPr>
-              <a:t>lhs</a:t>
-            </a:r>
-            <a:r>
-              <a:rPr lang="en-US" sz="2133" dirty="0">
-                <a:solidFill>
-                  <a:srgbClr val="000000"/>
-                </a:solidFill>
-                <a:latin typeface="Consolas, "/>
-              </a:rPr>
-              <a:t>, </a:t>
-            </a:r>
-            <a:r>
-              <a:rPr lang="en-US" sz="2133" dirty="0">
-                <a:solidFill>
-                  <a:srgbClr val="0000FF"/>
-                </a:solidFill>
-                <a:latin typeface="Consolas, "/>
-              </a:rPr>
-              <a:t>const</a:t>
-            </a:r>
-            <a:r>
-              <a:rPr lang="en-US" sz="2133" dirty="0">
-                <a:solidFill>
-                  <a:srgbClr val="000000"/>
-                </a:solidFill>
-                <a:latin typeface="Consolas, "/>
-              </a:rPr>
-              <a:t> </a:t>
-            </a:r>
-            <a:r>
-              <a:rPr lang="en-US" sz="2133" dirty="0" err="1">
-                <a:solidFill>
-                  <a:srgbClr val="000000"/>
-                </a:solidFill>
-                <a:latin typeface="Consolas, "/>
-              </a:rPr>
-              <a:t>my_input_iterator</a:t>
-            </a:r>
-            <a:r>
-              <a:rPr lang="en-US" sz="2133" dirty="0">
-                <a:solidFill>
-                  <a:srgbClr val="000000"/>
-                </a:solidFill>
-                <a:latin typeface="Consolas, "/>
-              </a:rPr>
-              <a:t>&amp; </a:t>
-            </a:r>
-            <a:r>
-              <a:rPr lang="en-US" sz="2133" dirty="0" err="1">
-                <a:solidFill>
-                  <a:srgbClr val="000000"/>
-                </a:solidFill>
-                <a:latin typeface="Consolas, "/>
-              </a:rPr>
-              <a:t>rhs</a:t>
-            </a:r>
-            <a:r>
-              <a:rPr lang="en-US" sz="2133" dirty="0">
-                <a:solidFill>
-                  <a:srgbClr val="000000"/>
-                </a:solidFill>
-                <a:latin typeface="Consolas, "/>
-              </a:rPr>
-              <a:t>);</a:t>
-            </a:r>
-          </a:p>
-          <a:p>
-            <a:r>
-              <a:rPr lang="en-US" sz="2133" dirty="0">
-                <a:solidFill>
-                  <a:srgbClr val="0000FF"/>
-                </a:solidFill>
-                <a:latin typeface="Consolas, "/>
-              </a:rPr>
-              <a:t>bool</a:t>
-            </a:r>
-            <a:r>
-              <a:rPr lang="en-US" sz="2133" dirty="0">
-                <a:solidFill>
-                  <a:srgbClr val="000000"/>
-                </a:solidFill>
-                <a:latin typeface="Consolas, "/>
-              </a:rPr>
-              <a:t> </a:t>
-            </a:r>
-            <a:r>
-              <a:rPr lang="en-US" sz="2133" dirty="0">
-                <a:solidFill>
-                  <a:srgbClr val="0000FF"/>
-                </a:solidFill>
-                <a:latin typeface="Consolas, "/>
-              </a:rPr>
-              <a:t>operator</a:t>
-            </a:r>
-            <a:r>
-              <a:rPr lang="en-US" sz="2133" dirty="0">
-                <a:solidFill>
-                  <a:srgbClr val="000000"/>
-                </a:solidFill>
-                <a:latin typeface="Consolas, "/>
-              </a:rPr>
-              <a:t>!=(</a:t>
-            </a:r>
-            <a:r>
-              <a:rPr lang="en-US" sz="2133" dirty="0">
-                <a:solidFill>
-                  <a:srgbClr val="0000FF"/>
-                </a:solidFill>
-                <a:latin typeface="Consolas, "/>
-              </a:rPr>
-              <a:t>const</a:t>
-            </a:r>
-            <a:r>
-              <a:rPr lang="en-US" sz="2133" dirty="0">
-                <a:solidFill>
-                  <a:srgbClr val="000000"/>
-                </a:solidFill>
-                <a:latin typeface="Consolas, "/>
-              </a:rPr>
-              <a:t> </a:t>
-            </a:r>
-            <a:r>
-              <a:rPr lang="en-US" sz="2133" dirty="0" err="1">
-                <a:solidFill>
-                  <a:srgbClr val="000000"/>
-                </a:solidFill>
-                <a:latin typeface="Consolas, "/>
-              </a:rPr>
-              <a:t>my_input_iterator</a:t>
-            </a:r>
-            <a:r>
-              <a:rPr lang="en-US" sz="2133" dirty="0">
-                <a:solidFill>
-                  <a:srgbClr val="000000"/>
-                </a:solidFill>
-                <a:latin typeface="Consolas, "/>
-              </a:rPr>
-              <a:t>&amp; </a:t>
-            </a:r>
-            <a:r>
-              <a:rPr lang="en-US" sz="2133" dirty="0" err="1">
-                <a:solidFill>
-                  <a:srgbClr val="000000"/>
-                </a:solidFill>
-                <a:latin typeface="Consolas, "/>
-              </a:rPr>
-              <a:t>lhs</a:t>
-            </a:r>
-            <a:r>
-              <a:rPr lang="en-US" sz="2133" dirty="0">
-                <a:solidFill>
-                  <a:srgbClr val="000000"/>
-                </a:solidFill>
-                <a:latin typeface="Consolas, "/>
-              </a:rPr>
-              <a:t>, </a:t>
-            </a:r>
-            <a:r>
-              <a:rPr lang="en-US" sz="2133" dirty="0">
-                <a:solidFill>
-                  <a:srgbClr val="0000FF"/>
-                </a:solidFill>
-                <a:latin typeface="Consolas, "/>
-              </a:rPr>
-              <a:t>const</a:t>
-            </a:r>
-            <a:r>
-              <a:rPr lang="en-US" sz="2133" dirty="0">
-                <a:solidFill>
-                  <a:srgbClr val="000000"/>
-                </a:solidFill>
-                <a:latin typeface="Consolas, "/>
-              </a:rPr>
-              <a:t> </a:t>
-            </a:r>
-            <a:r>
-              <a:rPr lang="en-US" sz="2133" dirty="0" err="1">
-                <a:solidFill>
-                  <a:srgbClr val="000000"/>
-                </a:solidFill>
-                <a:latin typeface="Consolas, "/>
-              </a:rPr>
-              <a:t>my_input_iterator</a:t>
-            </a:r>
-            <a:r>
-              <a:rPr lang="en-US" sz="2133" dirty="0">
-                <a:solidFill>
-                  <a:srgbClr val="000000"/>
-                </a:solidFill>
-                <a:latin typeface="Consolas, "/>
-              </a:rPr>
-              <a:t>&amp; </a:t>
-            </a:r>
-            <a:r>
-              <a:rPr lang="en-US" sz="2133" dirty="0" err="1">
-                <a:solidFill>
-                  <a:srgbClr val="000000"/>
-                </a:solidFill>
-                <a:latin typeface="Consolas, "/>
-              </a:rPr>
-              <a:t>rhs</a:t>
-            </a:r>
-            <a:r>
-              <a:rPr lang="en-US" sz="2133" dirty="0">
-                <a:solidFill>
-                  <a:srgbClr val="000000"/>
-                </a:solidFill>
-                <a:latin typeface="Consolas, "/>
-              </a:rPr>
-              <a:t>);</a:t>
             </a:r>
           </a:p>
           <a:p>
@@ -16974,7 +16813,7 @@
     </p:spTree>
     <p:extLst>
       <p:ext uri="{BB962C8B-B14F-4D97-AF65-F5344CB8AC3E}">
-        <p14:creationId xmlns:p14="http://schemas.microsoft.com/office/powerpoint/2010/main" val="3835028014"/>
+        <p14:creationId xmlns:p14="http://schemas.microsoft.com/office/powerpoint/2010/main" val="1638698947"/>
       </p:ext>
     </p:extLst>
   </p:cSld>
@@ -17041,7 +16880,7 @@
                 <a:ea typeface="Intel Clear Pro Bold" panose="020B0804020202060201" pitchFamily="34" charset="-52"/>
                 <a:cs typeface="Intel Clear Pro Bold" panose="020B0804020202060201" pitchFamily="34" charset="-52"/>
               </a:rPr>
-              <a:t>Forward Iterator operations</a:t>
+              <a:t>Bidirectional Iterator operations</a:t>
             </a:r>
           </a:p>
         </p:txBody>
@@ -17263,6 +17102,42 @@
                 </a:solidFill>
                 <a:latin typeface="Consolas, "/>
               </a:rPr>
+              <a:t>my_bidirectional_iterator</a:t>
+            </a:r>
+            <a:r>
+              <a:rPr lang="en-US" sz="2400" dirty="0">
+                <a:solidFill>
+                  <a:srgbClr val="000000"/>
+                </a:solidFill>
+                <a:latin typeface="Consolas, "/>
+              </a:rPr>
+              <a:t> : </a:t>
+            </a:r>
+            <a:r>
+              <a:rPr lang="en-US" sz="2400" dirty="0">
+                <a:solidFill>
+                  <a:srgbClr val="0000FF"/>
+                </a:solidFill>
+                <a:latin typeface="Consolas, "/>
+              </a:rPr>
+              <a:t>public</a:t>
+            </a:r>
+            <a:r>
+              <a:rPr lang="en-US" sz="2400" dirty="0">
+                <a:solidFill>
+                  <a:srgbClr val="000000"/>
+                </a:solidFill>
+                <a:latin typeface="Consolas, "/>
+              </a:rPr>
+              <a:t> </a:t>
+            </a:r>
+            <a:r>
+              <a:rPr lang="en-US" sz="2400" dirty="0" err="1">
+                <a:solidFill>
+                  <a:srgbClr val="000000"/>
+                </a:solidFill>
+                <a:latin typeface="Consolas, "/>
+              </a:rPr>
               <a:t>my_forward_iterator</a:t>
             </a:r>
             <a:r>
@@ -17272,7 +17147,36 @@
                 </a:solidFill>
                 <a:latin typeface="Consolas, "/>
               </a:rPr>
-              <a:t> : </a:t>
+              <a:t> {</a:t>
+            </a:r>
+          </a:p>
+          <a:p>
+            <a:r>
+              <a:rPr lang="en-US" sz="2400" dirty="0">
+                <a:solidFill>
+                  <a:srgbClr val="000000"/>
+                </a:solidFill>
+                <a:latin typeface="Consolas, "/>
+              </a:rPr>
+              <a:t>    </a:t>
+            </a:r>
+            <a:r>
+              <a:rPr lang="en-US" sz="2400" dirty="0" err="1">
+                <a:solidFill>
+                  <a:srgbClr val="000000"/>
+                </a:solidFill>
+                <a:latin typeface="Consolas, "/>
+              </a:rPr>
+              <a:t>my_bidirectional_iterator</a:t>
+            </a:r>
+            <a:r>
+              <a:rPr lang="en-US" sz="2400" dirty="0">
+                <a:solidFill>
+                  <a:srgbClr val="000000"/>
+                </a:solidFill>
+                <a:latin typeface="Consolas, "/>
+              </a:rPr>
+              <a:t>&amp; </a:t>
             </a:r>
             <a:r>
               <a:rPr lang="en-US" sz="2400" dirty="0">
@@ -17281,7 +17185,36 @@
                 </a:solidFill>
                 <a:latin typeface="Consolas, "/>
               </a:rPr>
-              <a:t>public</a:t>
+              <a:t>operator</a:t>
+            </a:r>
+            <a:r>
+              <a:rPr lang="en-US" sz="2400" dirty="0">
+                <a:solidFill>
+                  <a:srgbClr val="000000"/>
+                </a:solidFill>
+                <a:latin typeface="Consolas, "/>
+              </a:rPr>
+              <a:t>--();</a:t>
+            </a:r>
+          </a:p>
+          <a:p>
+            <a:r>
+              <a:rPr lang="en-US" sz="2400" dirty="0">
+                <a:solidFill>
+                  <a:srgbClr val="000000"/>
+                </a:solidFill>
+                <a:latin typeface="Consolas, "/>
+              </a:rPr>
+              <a:t>    </a:t>
+            </a:r>
+            <a:r>
+              <a:rPr lang="en-US" sz="2400" dirty="0" err="1">
+                <a:solidFill>
+                  <a:srgbClr val="000000"/>
+                </a:solidFill>
+                <a:latin typeface="Consolas, "/>
+              </a:rPr>
+              <a:t>my_bidirectional_iterator</a:t>
             </a:r>
             <a:r>
               <a:rPr lang="en-US" sz="2400" dirty="0">
@@ -17293,51 +17226,40 @@
               <a:t> </a:t>
             </a:r>
             <a:r>
-              <a:rPr lang="en-US" sz="2400" dirty="0" err="1">
-                <a:solidFill>
-                  <a:srgbClr val="000000"/>
-                </a:solidFill>
-                <a:latin typeface="Consolas, "/>
-              </a:rPr>
-              <a:t>my_input_iterator</a:t>
-            </a:r>
-            <a:r>
-              <a:rPr lang="en-US" sz="2400" dirty="0">
-                <a:solidFill>
-                  <a:srgbClr val="000000"/>
-                </a:solidFill>
-                <a:latin typeface="Consolas, "/>
-              </a:rPr>
-              <a:t> {</a:t>
-            </a:r>
-          </a:p>
-          <a:p>
-            <a:r>
-              <a:rPr lang="en-US" sz="2400" dirty="0">
-                <a:solidFill>
-                  <a:srgbClr val="000000"/>
-                </a:solidFill>
-                <a:latin typeface="Consolas, "/>
-              </a:rPr>
-              <a:t>    </a:t>
-            </a:r>
-            <a:r>
-              <a:rPr lang="en-US" sz="2400" dirty="0" err="1">
-                <a:solidFill>
-                  <a:srgbClr val="000000"/>
-                </a:solidFill>
-                <a:latin typeface="Consolas, "/>
-              </a:rPr>
-              <a:t>my_forward_iterator</a:t>
-            </a:r>
-            <a:r>
-              <a:rPr lang="en-US" sz="2400" dirty="0">
-                <a:solidFill>
-                  <a:srgbClr val="000000"/>
-                </a:solidFill>
-                <a:latin typeface="Consolas, "/>
-              </a:rPr>
-              <a:t>();</a:t>
+              <a:rPr lang="en-US" sz="2400" dirty="0">
+                <a:solidFill>
+                  <a:srgbClr val="0000FF"/>
+                </a:solidFill>
+                <a:latin typeface="Consolas, "/>
+              </a:rPr>
+              <a:t>operator</a:t>
+            </a:r>
+            <a:r>
+              <a:rPr lang="en-US" sz="2400" dirty="0">
+                <a:solidFill>
+                  <a:srgbClr val="000000"/>
+                </a:solidFill>
+                <a:latin typeface="Consolas, "/>
+              </a:rPr>
+              <a:t>--(</a:t>
+            </a:r>
+            <a:r>
+              <a:rPr lang="en-US" sz="2400" dirty="0">
+                <a:solidFill>
+                  <a:srgbClr val="0000FF"/>
+                </a:solidFill>
+                <a:latin typeface="Consolas, "/>
+              </a:rPr>
+              <a:t>int</a:t>
+            </a:r>
+            <a:r>
+              <a:rPr lang="en-US" sz="2400" dirty="0">
+                <a:solidFill>
+                  <a:srgbClr val="000000"/>
+                </a:solidFill>
+                <a:latin typeface="Consolas, "/>
+              </a:rPr>
+              <a:t>)</a:t>
             </a:r>
           </a:p>
           <a:p>
@@ -17363,7 +17285,7 @@
     </p:spTree>
     <p:extLst>
       <p:ext uri="{BB962C8B-B14F-4D97-AF65-F5344CB8AC3E}">
-        <p14:creationId xmlns:p14="http://schemas.microsoft.com/office/powerpoint/2010/main" val="1638698947"/>
+        <p14:creationId xmlns:p14="http://schemas.microsoft.com/office/powerpoint/2010/main" val="3448689996"/>
       </p:ext>
     </p:extLst>
   </p:cSld>
@@ -17430,7 +17352,7 @@
                 <a:ea typeface="Intel Clear Pro Bold" panose="020B0804020202060201" pitchFamily="34" charset="-52"/>
                 <a:cs typeface="Intel Clear Pro Bold" panose="020B0804020202060201" pitchFamily="34" charset="-52"/>
               </a:rPr>
-              <a:t>Bidirectional Iterator operations</a:t>
+              <a:t>Random access Iterator operations</a:t>
             </a:r>
           </a:p>
         </p:txBody>
@@ -17484,7 +17406,7 @@
         </p:spPr>
         <p:txBody>
           <a:bodyPr>
-            <a:normAutofit/>
+            <a:normAutofit fontScale="92500" lnSpcReduction="20000"/>
           </a:bodyPr>
           <a:lstStyle>
             <a:lvl1pPr marL="0" indent="0" algn="l" defTabSz="457200" rtl="0" eaLnBrk="1" latinLnBrk="0" hangingPunct="1">
@@ -17652,16 +17574,89 @@
                 </a:solidFill>
                 <a:latin typeface="Consolas, "/>
               </a:rPr>
+              <a:t>my_random_access_iterator</a:t>
+            </a:r>
+            <a:r>
+              <a:rPr lang="en-US" sz="2400" dirty="0">
+                <a:solidFill>
+                  <a:srgbClr val="000000"/>
+                </a:solidFill>
+                <a:latin typeface="Consolas, "/>
+              </a:rPr>
+              <a:t> : </a:t>
+            </a:r>
+            <a:r>
+              <a:rPr lang="en-US" sz="2400" dirty="0">
+                <a:solidFill>
+                  <a:srgbClr val="0000FF"/>
+                </a:solidFill>
+                <a:latin typeface="Consolas, "/>
+              </a:rPr>
+              <a:t>public</a:t>
+            </a:r>
+            <a:r>
+              <a:rPr lang="en-US" sz="2400" dirty="0">
+                <a:solidFill>
+                  <a:srgbClr val="000000"/>
+                </a:solidFill>
+                <a:latin typeface="Consolas, "/>
+              </a:rPr>
+              <a:t> </a:t>
+            </a:r>
+            <a:r>
+              <a:rPr lang="en-US" sz="2400" dirty="0" err="1">
+                <a:solidFill>
+                  <a:srgbClr val="000000"/>
+                </a:solidFill>
+                <a:latin typeface="Consolas, "/>
+              </a:rPr>
               <a:t>my_bidirectional_iterator</a:t>
             </a:r>
-            <a:r>
-              <a:rPr lang="en-US" sz="2400" dirty="0">
-                <a:solidFill>
-                  <a:srgbClr val="000000"/>
-                </a:solidFill>
-                <a:latin typeface="Consolas, "/>
-              </a:rPr>
-              <a:t> : </a:t>
+            <a:endParaRPr lang="en-US" sz="2400" dirty="0">
+              <a:solidFill>
+                <a:srgbClr val="000000"/>
+              </a:solidFill>
+              <a:latin typeface="Consolas, "/>
+            </a:endParaRPr>
+          </a:p>
+          <a:p>
+            <a:r>
+              <a:rPr lang="en-US" sz="2400" dirty="0">
+                <a:solidFill>
+                  <a:srgbClr val="000000"/>
+                </a:solidFill>
+                <a:latin typeface="Consolas, "/>
+              </a:rPr>
+              <a:t>{</a:t>
+            </a:r>
+          </a:p>
+          <a:p>
+            <a:r>
+              <a:rPr lang="en-US" sz="2400" dirty="0">
+                <a:solidFill>
+                  <a:srgbClr val="000000"/>
+                </a:solidFill>
+                <a:latin typeface="Consolas, "/>
+              </a:rPr>
+              <a:t>    </a:t>
+            </a:r>
+            <a:r>
+              <a:rPr lang="en-US" sz="2400" dirty="0" err="1">
+                <a:solidFill>
+                  <a:srgbClr val="000000"/>
+                </a:solidFill>
+                <a:latin typeface="Consolas, "/>
+              </a:rPr>
+              <a:t>my_random_access_iterator</a:t>
+            </a:r>
+            <a:r>
+              <a:rPr lang="en-US" sz="2400" dirty="0">
+                <a:solidFill>
+                  <a:srgbClr val="000000"/>
+                </a:solidFill>
+                <a:latin typeface="Consolas, "/>
+              </a:rPr>
+              <a:t> </a:t>
             </a:r>
             <a:r>
               <a:rPr lang="en-US" sz="2400" dirty="0">
@@ -17670,16 +17665,63 @@
                 </a:solidFill>
                 <a:latin typeface="Consolas, "/>
               </a:rPr>
-              <a:t>public</a:t>
-            </a:r>
-            <a:r>
-              <a:rPr lang="en-US" sz="2400" dirty="0">
-                <a:solidFill>
-                  <a:srgbClr val="000000"/>
-                </a:solidFill>
-                <a:latin typeface="Consolas, "/>
-              </a:rPr>
-              <a:t> </a:t>
+              <a:t>operator</a:t>
+            </a:r>
+            <a:r>
+              <a:rPr lang="en-US" sz="2400" dirty="0">
+                <a:solidFill>
+                  <a:srgbClr val="000000"/>
+                </a:solidFill>
+                <a:latin typeface="Consolas, "/>
+              </a:rPr>
+              <a:t>-(</a:t>
+            </a:r>
+            <a:r>
+              <a:rPr lang="en-US" sz="2400" dirty="0">
+                <a:solidFill>
+                  <a:srgbClr val="0000FF"/>
+                </a:solidFill>
+                <a:latin typeface="Consolas, "/>
+              </a:rPr>
+              <a:t>int</a:t>
+            </a:r>
+            <a:r>
+              <a:rPr lang="en-US" sz="2400" dirty="0">
+                <a:solidFill>
+                  <a:srgbClr val="000000"/>
+                </a:solidFill>
+                <a:latin typeface="Consolas, "/>
+              </a:rPr>
+              <a:t> n) </a:t>
+            </a:r>
+            <a:r>
+              <a:rPr lang="en-US" sz="2400" dirty="0">
+                <a:solidFill>
+                  <a:srgbClr val="0000FF"/>
+                </a:solidFill>
+                <a:latin typeface="Consolas, "/>
+              </a:rPr>
+              <a:t>const</a:t>
+            </a:r>
+            <a:r>
+              <a:rPr lang="en-US" sz="2400" dirty="0">
+                <a:solidFill>
+                  <a:srgbClr val="000000"/>
+                </a:solidFill>
+                <a:latin typeface="Consolas, "/>
+              </a:rPr>
+              <a:t>;</a:t>
+            </a:r>
+          </a:p>
+          <a:p>
+            <a:r>
+              <a:rPr lang="en-US" sz="2400" dirty="0">
+                <a:solidFill>
+                  <a:srgbClr val="000000"/>
+                </a:solidFill>
+                <a:latin typeface="Consolas, "/>
+              </a:rPr>
+              <a:t>    </a:t>
             </a:r>
             <a:r>
               <a:rPr lang="en-US" sz="2400" dirty="0" err="1">
@@ -17688,16 +17730,52 @@
                 </a:solidFill>
                 <a:latin typeface="Consolas, "/>
               </a:rPr>
-              <a:t>my_forward_iterator</a:t>
-            </a:r>
-            <a:r>
-              <a:rPr lang="en-US" sz="2400" dirty="0">
-                <a:solidFill>
-                  <a:srgbClr val="000000"/>
-                </a:solidFill>
-                <a:latin typeface="Consolas, "/>
-              </a:rPr>
-              <a:t> {</a:t>
+              <a:t>my_random_access_iterator</a:t>
+            </a:r>
+            <a:r>
+              <a:rPr lang="en-US" sz="2400" dirty="0">
+                <a:solidFill>
+                  <a:srgbClr val="000000"/>
+                </a:solidFill>
+                <a:latin typeface="Consolas, "/>
+              </a:rPr>
+              <a:t>&amp; </a:t>
+            </a:r>
+            <a:r>
+              <a:rPr lang="en-US" sz="2400" dirty="0">
+                <a:solidFill>
+                  <a:srgbClr val="0000FF"/>
+                </a:solidFill>
+                <a:latin typeface="Consolas, "/>
+              </a:rPr>
+              <a:t>operator</a:t>
+            </a:r>
+            <a:r>
+              <a:rPr lang="en-US" sz="2400" dirty="0">
+                <a:solidFill>
+                  <a:srgbClr val="000000"/>
+                </a:solidFill>
+                <a:latin typeface="Consolas, "/>
+              </a:rPr>
+              <a:t>+=(</a:t>
+            </a:r>
+            <a:r>
+              <a:rPr lang="en-US" sz="2400" dirty="0">
+                <a:solidFill>
+                  <a:srgbClr val="0000FF"/>
+                </a:solidFill>
+                <a:latin typeface="Consolas, "/>
+              </a:rPr>
+              <a:t>int</a:t>
+            </a:r>
+            <a:r>
+              <a:rPr lang="en-US" sz="2400" dirty="0">
+                <a:solidFill>
+                  <a:srgbClr val="000000"/>
+                </a:solidFill>
+                <a:latin typeface="Consolas, "/>
+              </a:rPr>
+              <a:t> n);</a:t>
             </a:r>
           </a:p>
           <a:p>
@@ -17717,7 +17795,7 @@
                 </a:solidFill>
                 <a:latin typeface="Consolas, "/>
               </a:rPr>
-              <a:t>my_bidirectional_iterator</a:t>
+              <a:t>my_random_access_iterator</a:t>
             </a:r>
             <a:r>
               <a:rPr lang="en-US" sz="2400" dirty="0">
@@ -17744,36 +17822,7 @@
                 </a:solidFill>
                 <a:latin typeface="Consolas, "/>
               </a:rPr>
-              <a:t>--();</a:t>
-            </a:r>
-          </a:p>
-          <a:p>
-            <a:r>
-              <a:rPr lang="en-US" sz="2400" dirty="0">
-                <a:solidFill>
-                  <a:srgbClr val="000000"/>
-                </a:solidFill>
-                <a:latin typeface="Consolas, "/>
-              </a:rPr>
-              <a:t>    </a:t>
-            </a:r>
-            <a:r>
-              <a:rPr lang="en-US" sz="2400" dirty="0" err="1">
-                <a:solidFill>
-                  <a:srgbClr val="000000"/>
-                </a:solidFill>
-                <a:latin typeface="Consolas, "/>
-              </a:rPr>
-              <a:t>my_bidirectional_iterator</a:t>
-            </a:r>
-            <a:r>
-              <a:rPr lang="en-US" sz="2400" dirty="0">
-                <a:solidFill>
-                  <a:srgbClr val="000000"/>
-                </a:solidFill>
-                <a:latin typeface="Consolas, "/>
-              </a:rPr>
-              <a:t> </a:t>
+              <a:t>-=(</a:t>
             </a:r>
             <a:r>
               <a:rPr lang="en-US" sz="2400" dirty="0">
@@ -17782,6 +17831,35 @@
                 </a:solidFill>
                 <a:latin typeface="Consolas, "/>
               </a:rPr>
+              <a:t>int</a:t>
+            </a:r>
+            <a:r>
+              <a:rPr lang="en-US" sz="2400" dirty="0">
+                <a:solidFill>
+                  <a:srgbClr val="000000"/>
+                </a:solidFill>
+                <a:latin typeface="Consolas, "/>
+              </a:rPr>
+              <a:t> n);</a:t>
+            </a:r>
+          </a:p>
+          <a:p>
+            <a:r>
+              <a:rPr lang="en-US" sz="2400" dirty="0">
+                <a:solidFill>
+                  <a:srgbClr val="000000"/>
+                </a:solidFill>
+                <a:latin typeface="Consolas, "/>
+              </a:rPr>
+              <a:t>    T&amp; </a:t>
+            </a:r>
+            <a:r>
+              <a:rPr lang="en-US" sz="2400" dirty="0">
+                <a:solidFill>
+                  <a:srgbClr val="0000FF"/>
+                </a:solidFill>
+                <a:latin typeface="Consolas, "/>
+              </a:rPr>
               <a:t>operator</a:t>
             </a:r>
             <a:r>
@@ -17791,7 +17869,7 @@
                 </a:solidFill>
                 <a:latin typeface="Consolas, "/>
               </a:rPr>
-              <a:t>--(</a:t>
+              <a:t>[](</a:t>
             </a:r>
             <a:r>
               <a:rPr lang="en-US" sz="2400" dirty="0">
@@ -17809,7 +17887,7 @@
                 </a:solidFill>
                 <a:latin typeface="Consolas, "/>
               </a:rPr>
-              <a:t>)</a:t>
+              <a:t> n);</a:t>
             </a:r>
           </a:p>
           <a:p>
@@ -17822,6 +17900,22 @@
               </a:rPr>
               <a:t>};</a:t>
             </a:r>
+          </a:p>
+          <a:p>
+            <a:br>
+              <a:rPr lang="en-US" sz="2400" dirty="0">
+                <a:solidFill>
+                  <a:srgbClr val="000000"/>
+                </a:solidFill>
+                <a:latin typeface="Consolas, "/>
+              </a:rPr>
+            </a:br>
+            <a:endParaRPr lang="en-US" sz="2400" dirty="0">
+              <a:solidFill>
+                <a:srgbClr val="000000"/>
+              </a:solidFill>
+              <a:latin typeface="Consolas, "/>
+            </a:endParaRPr>
           </a:p>
           <a:p>
             <a:endParaRPr lang="en-US" sz="2400" dirty="0">
@@ -17835,7 +17929,7 @@
     </p:spTree>
     <p:extLst>
       <p:ext uri="{BB962C8B-B14F-4D97-AF65-F5344CB8AC3E}">
-        <p14:creationId xmlns:p14="http://schemas.microsoft.com/office/powerpoint/2010/main" val="3448689996"/>
+        <p14:creationId xmlns:p14="http://schemas.microsoft.com/office/powerpoint/2010/main" val="1961067923"/>
       </p:ext>
     </p:extLst>
   </p:cSld>
@@ -17926,650 +18020,6 @@
               <a:rPr lang="en-US" smtClean="0"/>
               <a:pPr/>
               <a:t>27</a:t>
-            </a:fld>
-            <a:endParaRPr lang="en-US" dirty="0"/>
-          </a:p>
-        </p:txBody>
-      </p:sp>
-      <p:sp>
-        <p:nvSpPr>
-          <p:cNvPr id="8" name="Content Placeholder 2">
-            <a:extLst>
-              <a:ext uri="{FF2B5EF4-FFF2-40B4-BE49-F238E27FC236}">
-                <a16:creationId xmlns:a16="http://schemas.microsoft.com/office/drawing/2014/main" id="{49F36F0B-0F74-4505-9583-36E799397348}"/>
-              </a:ext>
-            </a:extLst>
-          </p:cNvPr>
-          <p:cNvSpPr txBox="1">
-            <a:spLocks/>
-          </p:cNvSpPr>
-          <p:nvPr/>
-        </p:nvSpPr>
-        <p:spPr>
-          <a:xfrm>
-            <a:off x="539750" y="1274310"/>
-            <a:ext cx="11823701" cy="3869191"/>
-          </a:xfrm>
-          <a:prstGeom prst="rect">
-            <a:avLst/>
-          </a:prstGeom>
-        </p:spPr>
-        <p:txBody>
-          <a:bodyPr>
-            <a:normAutofit fontScale="92500" lnSpcReduction="20000"/>
-          </a:bodyPr>
-          <a:lstStyle>
-            <a:lvl1pPr marL="0" indent="0" algn="l" defTabSz="457200" rtl="0" eaLnBrk="1" latinLnBrk="0" hangingPunct="1">
-              <a:spcBef>
-                <a:spcPts val="1200"/>
-              </a:spcBef>
-              <a:spcAft>
-                <a:spcPts val="0"/>
-              </a:spcAft>
-              <a:buFont typeface="Wingdings" panose="05000000000000000000" pitchFamily="2" charset="2"/>
-              <a:buNone/>
-              <a:defRPr sz="1800" b="0" kern="1200">
-                <a:solidFill>
-                  <a:srgbClr val="0071C5"/>
-                </a:solidFill>
-                <a:latin typeface="+mn-lt"/>
-                <a:ea typeface="+mn-ea"/>
-                <a:cs typeface="Intel Clear" panose="020B0604020203020204" pitchFamily="34" charset="0"/>
-              </a:defRPr>
-            </a:lvl1pPr>
-            <a:lvl2pPr marL="225425" indent="-225425" algn="l" defTabSz="457200" rtl="0" eaLnBrk="1" latinLnBrk="0" hangingPunct="1">
-              <a:spcBef>
-                <a:spcPts val="1200"/>
-              </a:spcBef>
-              <a:buFont typeface="Wingdings" charset="2"/>
-              <a:buChar char="§"/>
-              <a:defRPr sz="1600" kern="1200" baseline="0">
-                <a:solidFill>
-                  <a:schemeClr val="tx2"/>
-                </a:solidFill>
-                <a:latin typeface="+mn-lt"/>
-                <a:ea typeface="+mn-ea"/>
-                <a:cs typeface="Intel Clear" panose="020B0604020203020204" pitchFamily="34" charset="0"/>
-              </a:defRPr>
-            </a:lvl2pPr>
-            <a:lvl3pPr marL="571500" indent="-228600" algn="l" defTabSz="457200" rtl="0" eaLnBrk="1" latinLnBrk="0" hangingPunct="1">
-              <a:spcBef>
-                <a:spcPts val="800"/>
-              </a:spcBef>
-              <a:buFont typeface="Intel Clear" panose="020B0604020203020204" pitchFamily="34" charset="0"/>
-              <a:buChar char="–"/>
-              <a:defRPr sz="1600" kern="1200">
-                <a:solidFill>
-                  <a:schemeClr val="tx2"/>
-                </a:solidFill>
-                <a:latin typeface="+mn-lt"/>
-                <a:ea typeface="+mn-ea"/>
-                <a:cs typeface="Intel Clear" panose="020B0604020203020204" pitchFamily="34" charset="0"/>
-              </a:defRPr>
-            </a:lvl3pPr>
-            <a:lvl4pPr marL="969963" indent="-228600" algn="l" defTabSz="457200" rtl="0" eaLnBrk="1" latinLnBrk="0" hangingPunct="1">
-              <a:spcBef>
-                <a:spcPct val="20000"/>
-              </a:spcBef>
-              <a:buFont typeface="Arial"/>
-              <a:buChar char="–"/>
-              <a:defRPr sz="1400" kern="1200">
-                <a:solidFill>
-                  <a:schemeClr val="tx2"/>
-                </a:solidFill>
-                <a:latin typeface="+mn-lt"/>
-                <a:ea typeface="+mn-ea"/>
-                <a:cs typeface="Intel Clear" panose="020B0604020203020204" pitchFamily="34" charset="0"/>
-              </a:defRPr>
-            </a:lvl4pPr>
-            <a:lvl5pPr marL="1319213" indent="-228600" algn="l" defTabSz="457200" rtl="0" eaLnBrk="1" latinLnBrk="0" hangingPunct="1">
-              <a:spcBef>
-                <a:spcPct val="20000"/>
-              </a:spcBef>
-              <a:buFont typeface="Intel Clear" panose="020B0604020203020204" pitchFamily="34" charset="0"/>
-              <a:buChar char="–"/>
-              <a:defRPr sz="1400" kern="1200">
-                <a:solidFill>
-                  <a:schemeClr val="tx2"/>
-                </a:solidFill>
-                <a:latin typeface="+mn-lt"/>
-                <a:ea typeface="+mn-ea"/>
-                <a:cs typeface="Intel Clear" panose="020B0604020203020204" pitchFamily="34" charset="0"/>
-              </a:defRPr>
-            </a:lvl5pPr>
-            <a:lvl6pPr marL="2514600" indent="-228600" algn="l" defTabSz="457200" rtl="0" eaLnBrk="1" latinLnBrk="0" hangingPunct="1">
-              <a:spcBef>
-                <a:spcPct val="20000"/>
-              </a:spcBef>
-              <a:buFont typeface="Arial"/>
-              <a:buChar char="•"/>
-              <a:defRPr sz="2000" kern="1200">
-                <a:solidFill>
-                  <a:schemeClr val="tx1"/>
-                </a:solidFill>
-                <a:latin typeface="+mn-lt"/>
-                <a:ea typeface="+mn-ea"/>
-                <a:cs typeface="+mn-cs"/>
-              </a:defRPr>
-            </a:lvl6pPr>
-            <a:lvl7pPr marL="2971800" indent="-228600" algn="l" defTabSz="457200" rtl="0" eaLnBrk="1" latinLnBrk="0" hangingPunct="1">
-              <a:spcBef>
-                <a:spcPct val="20000"/>
-              </a:spcBef>
-              <a:buFont typeface="Arial"/>
-              <a:buChar char="•"/>
-              <a:defRPr sz="2000" kern="1200">
-                <a:solidFill>
-                  <a:schemeClr val="tx1"/>
-                </a:solidFill>
-                <a:latin typeface="+mn-lt"/>
-                <a:ea typeface="+mn-ea"/>
-                <a:cs typeface="+mn-cs"/>
-              </a:defRPr>
-            </a:lvl7pPr>
-            <a:lvl8pPr marL="3429000" indent="-228600" algn="l" defTabSz="457200" rtl="0" eaLnBrk="1" latinLnBrk="0" hangingPunct="1">
-              <a:spcBef>
-                <a:spcPct val="20000"/>
-              </a:spcBef>
-              <a:buFont typeface="Arial"/>
-              <a:buChar char="•"/>
-              <a:defRPr sz="2000" kern="1200">
-                <a:solidFill>
-                  <a:schemeClr val="tx1"/>
-                </a:solidFill>
-                <a:latin typeface="+mn-lt"/>
-                <a:ea typeface="+mn-ea"/>
-                <a:cs typeface="+mn-cs"/>
-              </a:defRPr>
-            </a:lvl8pPr>
-            <a:lvl9pPr marL="3886200" indent="-228600" algn="l" defTabSz="457200" rtl="0" eaLnBrk="1" latinLnBrk="0" hangingPunct="1">
-              <a:spcBef>
-                <a:spcPct val="20000"/>
-              </a:spcBef>
-              <a:buFont typeface="Arial"/>
-              <a:buChar char="•"/>
-              <a:defRPr sz="2000" kern="1200">
-                <a:solidFill>
-                  <a:schemeClr val="tx1"/>
-                </a:solidFill>
-                <a:latin typeface="+mn-lt"/>
-                <a:ea typeface="+mn-ea"/>
-                <a:cs typeface="+mn-cs"/>
-              </a:defRPr>
-            </a:lvl9pPr>
-          </a:lstStyle>
-          <a:p>
-            <a:r>
-              <a:rPr lang="en-US" sz="2400" dirty="0">
-                <a:solidFill>
-                  <a:srgbClr val="0000FF"/>
-                </a:solidFill>
-                <a:latin typeface="Consolas, "/>
-              </a:rPr>
-              <a:t>struct</a:t>
-            </a:r>
-            <a:r>
-              <a:rPr lang="en-US" sz="2400" dirty="0">
-                <a:solidFill>
-                  <a:srgbClr val="000000"/>
-                </a:solidFill>
-                <a:latin typeface="Consolas, "/>
-              </a:rPr>
-              <a:t> </a:t>
-            </a:r>
-            <a:r>
-              <a:rPr lang="en-US" sz="2400" dirty="0" err="1">
-                <a:solidFill>
-                  <a:srgbClr val="000000"/>
-                </a:solidFill>
-                <a:latin typeface="Consolas, "/>
-              </a:rPr>
-              <a:t>my_random_access_iterator</a:t>
-            </a:r>
-            <a:r>
-              <a:rPr lang="en-US" sz="2400" dirty="0">
-                <a:solidFill>
-                  <a:srgbClr val="000000"/>
-                </a:solidFill>
-                <a:latin typeface="Consolas, "/>
-              </a:rPr>
-              <a:t> : </a:t>
-            </a:r>
-            <a:r>
-              <a:rPr lang="en-US" sz="2400" dirty="0">
-                <a:solidFill>
-                  <a:srgbClr val="0000FF"/>
-                </a:solidFill>
-                <a:latin typeface="Consolas, "/>
-              </a:rPr>
-              <a:t>public</a:t>
-            </a:r>
-            <a:r>
-              <a:rPr lang="en-US" sz="2400" dirty="0">
-                <a:solidFill>
-                  <a:srgbClr val="000000"/>
-                </a:solidFill>
-                <a:latin typeface="Consolas, "/>
-              </a:rPr>
-              <a:t> </a:t>
-            </a:r>
-            <a:r>
-              <a:rPr lang="en-US" sz="2400" dirty="0" err="1">
-                <a:solidFill>
-                  <a:srgbClr val="000000"/>
-                </a:solidFill>
-                <a:latin typeface="Consolas, "/>
-              </a:rPr>
-              <a:t>my_bidirectional_iterator</a:t>
-            </a:r>
-            <a:endParaRPr lang="en-US" sz="2400" dirty="0">
-              <a:solidFill>
-                <a:srgbClr val="000000"/>
-              </a:solidFill>
-              <a:latin typeface="Consolas, "/>
-            </a:endParaRPr>
-          </a:p>
-          <a:p>
-            <a:r>
-              <a:rPr lang="en-US" sz="2400" dirty="0">
-                <a:solidFill>
-                  <a:srgbClr val="000000"/>
-                </a:solidFill>
-                <a:latin typeface="Consolas, "/>
-              </a:rPr>
-              <a:t>{</a:t>
-            </a:r>
-          </a:p>
-          <a:p>
-            <a:r>
-              <a:rPr lang="en-US" sz="2400" dirty="0">
-                <a:solidFill>
-                  <a:srgbClr val="000000"/>
-                </a:solidFill>
-                <a:latin typeface="Consolas, "/>
-              </a:rPr>
-              <a:t>    </a:t>
-            </a:r>
-            <a:r>
-              <a:rPr lang="en-US" sz="2400" dirty="0" err="1">
-                <a:solidFill>
-                  <a:srgbClr val="000000"/>
-                </a:solidFill>
-                <a:latin typeface="Consolas, "/>
-              </a:rPr>
-              <a:t>my_random_access_iterator</a:t>
-            </a:r>
-            <a:r>
-              <a:rPr lang="en-US" sz="2400" dirty="0">
-                <a:solidFill>
-                  <a:srgbClr val="000000"/>
-                </a:solidFill>
-                <a:latin typeface="Consolas, "/>
-              </a:rPr>
-              <a:t> </a:t>
-            </a:r>
-            <a:r>
-              <a:rPr lang="en-US" sz="2400" dirty="0">
-                <a:solidFill>
-                  <a:srgbClr val="0000FF"/>
-                </a:solidFill>
-                <a:latin typeface="Consolas, "/>
-              </a:rPr>
-              <a:t>operator</a:t>
-            </a:r>
-            <a:r>
-              <a:rPr lang="en-US" sz="2400" dirty="0">
-                <a:solidFill>
-                  <a:srgbClr val="000000"/>
-                </a:solidFill>
-                <a:latin typeface="Consolas, "/>
-              </a:rPr>
-              <a:t>-(</a:t>
-            </a:r>
-            <a:r>
-              <a:rPr lang="en-US" sz="2400" dirty="0">
-                <a:solidFill>
-                  <a:srgbClr val="0000FF"/>
-                </a:solidFill>
-                <a:latin typeface="Consolas, "/>
-              </a:rPr>
-              <a:t>int</a:t>
-            </a:r>
-            <a:r>
-              <a:rPr lang="en-US" sz="2400" dirty="0">
-                <a:solidFill>
-                  <a:srgbClr val="000000"/>
-                </a:solidFill>
-                <a:latin typeface="Consolas, "/>
-              </a:rPr>
-              <a:t> n) </a:t>
-            </a:r>
-            <a:r>
-              <a:rPr lang="en-US" sz="2400" dirty="0">
-                <a:solidFill>
-                  <a:srgbClr val="0000FF"/>
-                </a:solidFill>
-                <a:latin typeface="Consolas, "/>
-              </a:rPr>
-              <a:t>const</a:t>
-            </a:r>
-            <a:r>
-              <a:rPr lang="en-US" sz="2400" dirty="0">
-                <a:solidFill>
-                  <a:srgbClr val="000000"/>
-                </a:solidFill>
-                <a:latin typeface="Consolas, "/>
-              </a:rPr>
-              <a:t>;</a:t>
-            </a:r>
-          </a:p>
-          <a:p>
-            <a:r>
-              <a:rPr lang="en-US" sz="2400" dirty="0">
-                <a:solidFill>
-                  <a:srgbClr val="000000"/>
-                </a:solidFill>
-                <a:latin typeface="Consolas, "/>
-              </a:rPr>
-              <a:t>    </a:t>
-            </a:r>
-            <a:r>
-              <a:rPr lang="en-US" sz="2400" dirty="0" err="1">
-                <a:solidFill>
-                  <a:srgbClr val="000000"/>
-                </a:solidFill>
-                <a:latin typeface="Consolas, "/>
-              </a:rPr>
-              <a:t>my_random_access_iterator</a:t>
-            </a:r>
-            <a:r>
-              <a:rPr lang="en-US" sz="2400" dirty="0">
-                <a:solidFill>
-                  <a:srgbClr val="000000"/>
-                </a:solidFill>
-                <a:latin typeface="Consolas, "/>
-              </a:rPr>
-              <a:t>&amp; </a:t>
-            </a:r>
-            <a:r>
-              <a:rPr lang="en-US" sz="2400" dirty="0">
-                <a:solidFill>
-                  <a:srgbClr val="0000FF"/>
-                </a:solidFill>
-                <a:latin typeface="Consolas, "/>
-              </a:rPr>
-              <a:t>operator</a:t>
-            </a:r>
-            <a:r>
-              <a:rPr lang="en-US" sz="2400" dirty="0">
-                <a:solidFill>
-                  <a:srgbClr val="000000"/>
-                </a:solidFill>
-                <a:latin typeface="Consolas, "/>
-              </a:rPr>
-              <a:t>+=(</a:t>
-            </a:r>
-            <a:r>
-              <a:rPr lang="en-US" sz="2400" dirty="0">
-                <a:solidFill>
-                  <a:srgbClr val="0000FF"/>
-                </a:solidFill>
-                <a:latin typeface="Consolas, "/>
-              </a:rPr>
-              <a:t>int</a:t>
-            </a:r>
-            <a:r>
-              <a:rPr lang="en-US" sz="2400" dirty="0">
-                <a:solidFill>
-                  <a:srgbClr val="000000"/>
-                </a:solidFill>
-                <a:latin typeface="Consolas, "/>
-              </a:rPr>
-              <a:t> n);</a:t>
-            </a:r>
-          </a:p>
-          <a:p>
-            <a:r>
-              <a:rPr lang="en-US" sz="2400" dirty="0">
-                <a:solidFill>
-                  <a:srgbClr val="000000"/>
-                </a:solidFill>
-                <a:latin typeface="Consolas, "/>
-              </a:rPr>
-              <a:t>    </a:t>
-            </a:r>
-            <a:r>
-              <a:rPr lang="en-US" sz="2400" dirty="0" err="1">
-                <a:solidFill>
-                  <a:srgbClr val="000000"/>
-                </a:solidFill>
-                <a:latin typeface="Consolas, "/>
-              </a:rPr>
-              <a:t>my_random_access_iterator</a:t>
-            </a:r>
-            <a:r>
-              <a:rPr lang="en-US" sz="2400" dirty="0">
-                <a:solidFill>
-                  <a:srgbClr val="000000"/>
-                </a:solidFill>
-                <a:latin typeface="Consolas, "/>
-              </a:rPr>
-              <a:t>&amp; </a:t>
-            </a:r>
-            <a:r>
-              <a:rPr lang="en-US" sz="2400" dirty="0">
-                <a:solidFill>
-                  <a:srgbClr val="0000FF"/>
-                </a:solidFill>
-                <a:latin typeface="Consolas, "/>
-              </a:rPr>
-              <a:t>operator</a:t>
-            </a:r>
-            <a:r>
-              <a:rPr lang="en-US" sz="2400" dirty="0">
-                <a:solidFill>
-                  <a:srgbClr val="000000"/>
-                </a:solidFill>
-                <a:latin typeface="Consolas, "/>
-              </a:rPr>
-              <a:t>-=(</a:t>
-            </a:r>
-            <a:r>
-              <a:rPr lang="en-US" sz="2400" dirty="0">
-                <a:solidFill>
-                  <a:srgbClr val="0000FF"/>
-                </a:solidFill>
-                <a:latin typeface="Consolas, "/>
-              </a:rPr>
-              <a:t>int</a:t>
-            </a:r>
-            <a:r>
-              <a:rPr lang="en-US" sz="2400" dirty="0">
-                <a:solidFill>
-                  <a:srgbClr val="000000"/>
-                </a:solidFill>
-                <a:latin typeface="Consolas, "/>
-              </a:rPr>
-              <a:t> n);</a:t>
-            </a:r>
-          </a:p>
-          <a:p>
-            <a:r>
-              <a:rPr lang="en-US" sz="2400" dirty="0">
-                <a:solidFill>
-                  <a:srgbClr val="000000"/>
-                </a:solidFill>
-                <a:latin typeface="Consolas, "/>
-              </a:rPr>
-              <a:t>    T&amp; </a:t>
-            </a:r>
-            <a:r>
-              <a:rPr lang="en-US" sz="2400" dirty="0">
-                <a:solidFill>
-                  <a:srgbClr val="0000FF"/>
-                </a:solidFill>
-                <a:latin typeface="Consolas, "/>
-              </a:rPr>
-              <a:t>operator</a:t>
-            </a:r>
-            <a:r>
-              <a:rPr lang="en-US" sz="2400" dirty="0">
-                <a:solidFill>
-                  <a:srgbClr val="000000"/>
-                </a:solidFill>
-                <a:latin typeface="Consolas, "/>
-              </a:rPr>
-              <a:t>[](</a:t>
-            </a:r>
-            <a:r>
-              <a:rPr lang="en-US" sz="2400" dirty="0">
-                <a:solidFill>
-                  <a:srgbClr val="0000FF"/>
-                </a:solidFill>
-                <a:latin typeface="Consolas, "/>
-              </a:rPr>
-              <a:t>int</a:t>
-            </a:r>
-            <a:r>
-              <a:rPr lang="en-US" sz="2400" dirty="0">
-                <a:solidFill>
-                  <a:srgbClr val="000000"/>
-                </a:solidFill>
-                <a:latin typeface="Consolas, "/>
-              </a:rPr>
-              <a:t> n);</a:t>
-            </a:r>
-          </a:p>
-          <a:p>
-            <a:r>
-              <a:rPr lang="en-US" sz="2400" dirty="0">
-                <a:solidFill>
-                  <a:srgbClr val="000000"/>
-                </a:solidFill>
-                <a:latin typeface="Consolas, "/>
-              </a:rPr>
-              <a:t>};</a:t>
-            </a:r>
-          </a:p>
-          <a:p>
-            <a:br>
-              <a:rPr lang="en-US" sz="2400" dirty="0">
-                <a:solidFill>
-                  <a:srgbClr val="000000"/>
-                </a:solidFill>
-                <a:latin typeface="Consolas, "/>
-              </a:rPr>
-            </a:br>
-            <a:endParaRPr lang="en-US" sz="2400" dirty="0">
-              <a:solidFill>
-                <a:srgbClr val="000000"/>
-              </a:solidFill>
-              <a:latin typeface="Consolas, "/>
-            </a:endParaRPr>
-          </a:p>
-          <a:p>
-            <a:endParaRPr lang="en-US" sz="2400" dirty="0">
-              <a:latin typeface="Intel Clear Light" panose="020B0404020203020204" pitchFamily="34" charset="0"/>
-              <a:ea typeface="Intel Clear Light" panose="020B0404020203020204" pitchFamily="34" charset="0"/>
-              <a:cs typeface="Intel Clear Light" panose="020B0404020203020204" pitchFamily="34" charset="0"/>
-            </a:endParaRPr>
-          </a:p>
-        </p:txBody>
-      </p:sp>
-    </p:spTree>
-    <p:extLst>
-      <p:ext uri="{BB962C8B-B14F-4D97-AF65-F5344CB8AC3E}">
-        <p14:creationId xmlns:p14="http://schemas.microsoft.com/office/powerpoint/2010/main" val="1961067923"/>
-      </p:ext>
-    </p:extLst>
-  </p:cSld>
-  <p:clrMapOvr>
-    <a:masterClrMapping/>
-  </p:clrMapOvr>
-  <mc:AlternateContent xmlns:mc="http://schemas.openxmlformats.org/markup-compatibility/2006" xmlns:p14="http://schemas.microsoft.com/office/powerpoint/2010/main">
-    <mc:Choice Requires="p14">
-      <p:transition spd="med" p14:dur="700">
-        <p:fade/>
-      </p:transition>
-    </mc:Choice>
-    <mc:Fallback xmlns="">
-      <p:transition spd="med">
-        <p:fade/>
-      </p:transition>
-    </mc:Fallback>
-  </mc:AlternateContent>
-</p:sld>
-</file>
-
-<file path=ppt/slides/slide28.xml><?xml version="1.0" encoding="utf-8"?>
-<p:sld xmlns:a="http://schemas.openxmlformats.org/drawingml/2006/main" xmlns:r="http://schemas.openxmlformats.org/officeDocument/2006/relationships" xmlns:p="http://schemas.openxmlformats.org/presentationml/2006/main">
-  <p:cSld>
-    <p:spTree>
-      <p:nvGrpSpPr>
-        <p:cNvPr id="1" name=""/>
-        <p:cNvGrpSpPr/>
-        <p:nvPr/>
-      </p:nvGrpSpPr>
-      <p:grpSpPr>
-        <a:xfrm>
-          <a:off x="0" y="0"/>
-          <a:ext cx="0" cy="0"/>
-          <a:chOff x="0" y="0"/>
-          <a:chExt cx="0" cy="0"/>
-        </a:xfrm>
-      </p:grpSpPr>
-      <p:sp>
-        <p:nvSpPr>
-          <p:cNvPr id="7" name="Title 3"/>
-          <p:cNvSpPr>
-            <a:spLocks noGrp="1"/>
-          </p:cNvSpPr>
-          <p:nvPr>
-            <p:ph type="title"/>
-          </p:nvPr>
-        </p:nvSpPr>
-        <p:spPr>
-          <a:xfrm>
-            <a:off x="539751" y="411797"/>
-            <a:ext cx="10972800" cy="662864"/>
-          </a:xfrm>
-        </p:spPr>
-        <p:txBody>
-          <a:bodyPr>
-            <a:normAutofit fontScale="90000"/>
-          </a:bodyPr>
-          <a:lstStyle/>
-          <a:p>
-            <a:r>
-              <a:rPr lang="en-US" dirty="0">
-                <a:latin typeface="+mn-lt"/>
-                <a:ea typeface="Intel Clear Pro Bold" panose="020B0804020202060201" pitchFamily="34" charset="-52"/>
-                <a:cs typeface="Intel Clear Pro Bold" panose="020B0804020202060201" pitchFamily="34" charset="-52"/>
-              </a:rPr>
-              <a:t>Random access Iterator operations</a:t>
-            </a:r>
-          </a:p>
-        </p:txBody>
-      </p:sp>
-      <p:sp>
-        <p:nvSpPr>
-          <p:cNvPr id="2" name="Slide Number Placeholder 1"/>
-          <p:cNvSpPr>
-            <a:spLocks noGrp="1"/>
-          </p:cNvSpPr>
-          <p:nvPr>
-            <p:ph type="sldNum" sz="quarter" idx="12"/>
-          </p:nvPr>
-        </p:nvSpPr>
-        <p:spPr/>
-        <p:txBody>
-          <a:bodyPr/>
-          <a:lstStyle/>
-          <a:p>
-            <a:fld id="{EE2556C5-CE8C-6547-B838-EA80C61A4AF7}" type="slidenum">
-              <a:rPr lang="en-US" smtClean="0"/>
-              <a:pPr/>
-              <a:t>28</a:t>
             </a:fld>
             <a:endParaRPr lang="en-US" dirty="0"/>
           </a:p>
@@ -19569,7 +19019,7 @@
                 <a:ea typeface="Intel Clear Light" panose="020B0404020203020204" pitchFamily="34" charset="0"/>
                 <a:cs typeface="Intel Clear Light" panose="020B0404020203020204" pitchFamily="34" charset="0"/>
               </a:rPr>
-              <a:t>Sequences</a:t>
+              <a:t>Sequence</a:t>
             </a:r>
           </a:p>
           <a:p>
@@ -23547,7 +22997,7 @@
                 <a:ea typeface="Intel Clear Pro Bold" panose="020B0804020202060201" pitchFamily="34" charset="-52"/>
                 <a:cs typeface="Intel Clear Pro Bold" panose="020B0804020202060201" pitchFamily="34" charset="-52"/>
               </a:rPr>
-              <a:t>Dereferenceable and not dereferenceable iterators</a:t>
+              <a:t>Dereferenceable and non dereferenceable iterators</a:t>
             </a:r>
           </a:p>
         </p:txBody>
@@ -24208,7 +23658,7 @@
                 </a:solidFill>
                 <a:latin typeface="Consolas, "/>
               </a:rPr>
-              <a:t>// It was invalidated</a:t>
+              <a:t>// it was invalidated</a:t>
             </a:r>
             <a:endParaRPr lang="en-US" sz="2400" dirty="0">
               <a:solidFill>

--- a/08_iterators/08_iterators.pptx
+++ b/08_iterators/08_iterators.pptx
@@ -26,7 +26,7 @@
     <p:sldId id="606" r:id="rId17"/>
     <p:sldId id="607" r:id="rId18"/>
     <p:sldId id="608" r:id="rId19"/>
-    <p:sldId id="609" r:id="rId20"/>
+    <p:sldId id="621" r:id="rId20"/>
     <p:sldId id="610" r:id="rId21"/>
     <p:sldId id="611" r:id="rId22"/>
     <p:sldId id="612" r:id="rId23"/>
@@ -223,7 +223,7 @@
           <a:p>
             <a:fld id="{5BD5B299-94C6-402B-8FE2-93C183F604B2}" type="datetimeFigureOut">
               <a:rPr lang="en-US" smtClean="0"/>
-              <a:t>12/29/2020</a:t>
+              <a:t>7/6/2021</a:t>
             </a:fld>
             <a:endParaRPr lang="en-US"/>
           </a:p>
@@ -1414,7 +1414,7 @@
     </p:spTree>
     <p:extLst>
       <p:ext uri="{BB962C8B-B14F-4D97-AF65-F5344CB8AC3E}">
-        <p14:creationId xmlns:p14="http://schemas.microsoft.com/office/powerpoint/2010/main" val="1466999128"/>
+        <p14:creationId xmlns:p14="http://schemas.microsoft.com/office/powerpoint/2010/main" val="1514218805"/>
       </p:ext>
     </p:extLst>
   </p:cSld>
@@ -2931,7 +2931,7 @@
           <a:p>
             <a:fld id="{947EF2C3-E71D-4F8D-9558-45572174E304}" type="datetimeFigureOut">
               <a:rPr lang="en-US" smtClean="0"/>
-              <a:t>12/29/2020</a:t>
+              <a:t>7/6/2021</a:t>
             </a:fld>
             <a:endParaRPr lang="en-US"/>
           </a:p>
@@ -3129,7 +3129,7 @@
           <a:p>
             <a:fld id="{947EF2C3-E71D-4F8D-9558-45572174E304}" type="datetimeFigureOut">
               <a:rPr lang="en-US" smtClean="0"/>
-              <a:t>12/29/2020</a:t>
+              <a:t>7/6/2021</a:t>
             </a:fld>
             <a:endParaRPr lang="en-US"/>
           </a:p>
@@ -3337,7 +3337,7 @@
           <a:p>
             <a:fld id="{947EF2C3-E71D-4F8D-9558-45572174E304}" type="datetimeFigureOut">
               <a:rPr lang="en-US" smtClean="0"/>
-              <a:t>12/29/2020</a:t>
+              <a:t>7/6/2021</a:t>
             </a:fld>
             <a:endParaRPr lang="en-US"/>
           </a:p>
@@ -3535,7 +3535,7 @@
           <a:p>
             <a:fld id="{947EF2C3-E71D-4F8D-9558-45572174E304}" type="datetimeFigureOut">
               <a:rPr lang="en-US" smtClean="0"/>
-              <a:t>12/29/2020</a:t>
+              <a:t>7/6/2021</a:t>
             </a:fld>
             <a:endParaRPr lang="en-US"/>
           </a:p>
@@ -3810,7 +3810,7 @@
           <a:p>
             <a:fld id="{947EF2C3-E71D-4F8D-9558-45572174E304}" type="datetimeFigureOut">
               <a:rPr lang="en-US" smtClean="0"/>
-              <a:t>12/29/2020</a:t>
+              <a:t>7/6/2021</a:t>
             </a:fld>
             <a:endParaRPr lang="en-US"/>
           </a:p>
@@ -4075,7 +4075,7 @@
           <a:p>
             <a:fld id="{947EF2C3-E71D-4F8D-9558-45572174E304}" type="datetimeFigureOut">
               <a:rPr lang="en-US" smtClean="0"/>
-              <a:t>12/29/2020</a:t>
+              <a:t>7/6/2021</a:t>
             </a:fld>
             <a:endParaRPr lang="en-US"/>
           </a:p>
@@ -4487,7 +4487,7 @@
           <a:p>
             <a:fld id="{947EF2C3-E71D-4F8D-9558-45572174E304}" type="datetimeFigureOut">
               <a:rPr lang="en-US" smtClean="0"/>
-              <a:t>12/29/2020</a:t>
+              <a:t>7/6/2021</a:t>
             </a:fld>
             <a:endParaRPr lang="en-US"/>
           </a:p>
@@ -4628,7 +4628,7 @@
           <a:p>
             <a:fld id="{947EF2C3-E71D-4F8D-9558-45572174E304}" type="datetimeFigureOut">
               <a:rPr lang="en-US" smtClean="0"/>
-              <a:t>12/29/2020</a:t>
+              <a:t>7/6/2021</a:t>
             </a:fld>
             <a:endParaRPr lang="en-US"/>
           </a:p>
@@ -4741,7 +4741,7 @@
           <a:p>
             <a:fld id="{947EF2C3-E71D-4F8D-9558-45572174E304}" type="datetimeFigureOut">
               <a:rPr lang="en-US" smtClean="0"/>
-              <a:t>12/29/2020</a:t>
+              <a:t>7/6/2021</a:t>
             </a:fld>
             <a:endParaRPr lang="en-US"/>
           </a:p>
@@ -5052,7 +5052,7 @@
           <a:p>
             <a:fld id="{947EF2C3-E71D-4F8D-9558-45572174E304}" type="datetimeFigureOut">
               <a:rPr lang="en-US" smtClean="0"/>
-              <a:t>12/29/2020</a:t>
+              <a:t>7/6/2021</a:t>
             </a:fld>
             <a:endParaRPr lang="en-US"/>
           </a:p>
@@ -5340,7 +5340,7 @@
           <a:p>
             <a:fld id="{947EF2C3-E71D-4F8D-9558-45572174E304}" type="datetimeFigureOut">
               <a:rPr lang="en-US" smtClean="0"/>
-              <a:t>12/29/2020</a:t>
+              <a:t>7/6/2021</a:t>
             </a:fld>
             <a:endParaRPr lang="en-US"/>
           </a:p>
@@ -5581,7 +5581,7 @@
           <a:p>
             <a:fld id="{947EF2C3-E71D-4F8D-9558-45572174E304}" type="datetimeFigureOut">
               <a:rPr lang="en-US" smtClean="0"/>
-              <a:t>12/29/2020</a:t>
+              <a:t>7/6/2021</a:t>
             </a:fld>
             <a:endParaRPr lang="en-US"/>
           </a:p>
@@ -6480,7 +6480,7 @@
           <a:lstStyle/>
           <a:p>
             <a:r>
-              <a:rPr lang="en-US" sz="7200"/>
+              <a:rPr lang="en-US" sz="7200" dirty="0"/>
               <a:t>Iterators overview</a:t>
             </a:r>
           </a:p>
@@ -7454,8 +7454,8 @@
           <a:prstGeom prst="straightConnector1">
             <a:avLst/>
           </a:prstGeom>
-          <a:ln>
-            <a:prstDash val="dash"/>
+          <a:ln w="19050">
+            <a:prstDash val="lgDashDot"/>
             <a:tailEnd type="triangle"/>
           </a:ln>
         </p:spPr>
@@ -7955,8 +7955,8 @@
         </p:nvSpPr>
         <p:spPr>
           <a:xfrm>
-            <a:off x="539749" y="1274309"/>
-            <a:ext cx="10290176" cy="4711624"/>
+            <a:off x="539749" y="1274308"/>
+            <a:ext cx="10290176" cy="5348913"/>
           </a:xfrm>
           <a:prstGeom prst="rect">
             <a:avLst/>
@@ -7964,7 +7964,7 @@
         </p:spPr>
         <p:txBody>
           <a:bodyPr>
-            <a:normAutofit/>
+            <a:normAutofit lnSpcReduction="10000"/>
           </a:bodyPr>
           <a:lstStyle>
             <a:lvl1pPr marL="0" indent="0" algn="l" defTabSz="457200" rtl="0" eaLnBrk="1" latinLnBrk="0" hangingPunct="1">
@@ -8135,11 +8135,25 @@
               <a:buChar char="•"/>
             </a:pPr>
             <a:r>
+              <a:rPr lang="en-US" sz="2533" i="1" dirty="0">
+                <a:ea typeface="Intel Clear Light" panose="020B0404020203020204" pitchFamily="34" charset="0"/>
+                <a:cs typeface="Intel Clear Light" panose="020B0404020203020204" pitchFamily="34" charset="0"/>
+              </a:rPr>
+              <a:t>==</a:t>
+            </a:r>
+            <a:r>
               <a:rPr lang="en-US" sz="2533" dirty="0">
                 <a:ea typeface="Intel Clear Light" panose="020B0404020203020204" pitchFamily="34" charset="0"/>
                 <a:cs typeface="Intel Clear Light" panose="020B0404020203020204" pitchFamily="34" charset="0"/>
               </a:rPr>
-              <a:t>== and !=</a:t>
+              <a:t> and </a:t>
+            </a:r>
+            <a:r>
+              <a:rPr lang="en-US" sz="2533" i="1" dirty="0">
+                <a:ea typeface="Intel Clear Light" panose="020B0404020203020204" pitchFamily="34" charset="0"/>
+                <a:cs typeface="Intel Clear Light" panose="020B0404020203020204" pitchFamily="34" charset="0"/>
+              </a:rPr>
+              <a:t>!=</a:t>
             </a:r>
           </a:p>
           <a:p>
@@ -8148,7 +8162,7 @@
               <a:buChar char="•"/>
             </a:pPr>
             <a:r>
-              <a:rPr lang="en-US" sz="2533" dirty="0">
+              <a:rPr lang="en-US" sz="2533" i="1" dirty="0">
                 <a:ea typeface="Intel Clear Light" panose="020B0404020203020204" pitchFamily="34" charset="0"/>
                 <a:cs typeface="Intel Clear Light" panose="020B0404020203020204" pitchFamily="34" charset="0"/>
               </a:rPr>
@@ -8161,7 +8175,7 @@
               <a:buChar char="•"/>
             </a:pPr>
             <a:r>
-              <a:rPr lang="en-US" sz="2533" dirty="0">
+              <a:rPr lang="en-US" sz="2533" i="1" dirty="0">
                 <a:ea typeface="Intel Clear Light" panose="020B0404020203020204" pitchFamily="34" charset="0"/>
                 <a:cs typeface="Intel Clear Light" panose="020B0404020203020204" pitchFamily="34" charset="0"/>
               </a:rPr>
@@ -8211,6 +8225,26 @@
           </a:p>
           <a:p>
             <a:endParaRPr lang="en-US" sz="2400" dirty="0">
+              <a:ea typeface="Intel Clear Light" panose="020B0404020203020204" pitchFamily="34" charset="0"/>
+              <a:cs typeface="Intel Clear Light" panose="020B0404020203020204" pitchFamily="34" charset="0"/>
+            </a:endParaRPr>
+          </a:p>
+          <a:p>
+            <a:r>
+              <a:rPr lang="en-US" sz="2800" dirty="0">
+                <a:ea typeface="Intel Clear Light" panose="020B0404020203020204" pitchFamily="34" charset="0"/>
+                <a:cs typeface="Intel Clear Light" panose="020B0404020203020204" pitchFamily="34" charset="0"/>
+              </a:rPr>
+              <a:t>Example - std::</a:t>
+            </a:r>
+            <a:r>
+              <a:rPr lang="en-US" sz="2800" dirty="0" err="1">
+                <a:ea typeface="Intel Clear Light" panose="020B0404020203020204" pitchFamily="34" charset="0"/>
+                <a:cs typeface="Intel Clear Light" panose="020B0404020203020204" pitchFamily="34" charset="0"/>
+              </a:rPr>
+              <a:t>istream_iterator</a:t>
+            </a:r>
+            <a:endParaRPr lang="en-US" sz="2800" dirty="0">
               <a:ea typeface="Intel Clear Light" panose="020B0404020203020204" pitchFamily="34" charset="0"/>
               <a:cs typeface="Intel Clear Light" panose="020B0404020203020204" pitchFamily="34" charset="0"/>
             </a:endParaRPr>
@@ -9650,7 +9684,7 @@
                 <a:ea typeface="Intel Clear Light" panose="020B0404020203020204" pitchFamily="34" charset="0"/>
                 <a:cs typeface="Intel Clear Light" panose="020B0404020203020204" pitchFamily="34" charset="0"/>
               </a:rPr>
-              <a:t>It--</a:t>
+              <a:t>it--</a:t>
             </a:r>
             <a:endParaRPr lang="en-US" sz="2533" dirty="0">
               <a:ea typeface="Intel Clear Light" panose="020B0404020203020204" pitchFamily="34" charset="0"/>
@@ -10578,7 +10612,7 @@
         <p:spPr>
           <a:xfrm>
             <a:off x="539749" y="1274310"/>
-            <a:ext cx="10594976" cy="4953495"/>
+            <a:ext cx="10594976" cy="5082040"/>
           </a:xfrm>
           <a:prstGeom prst="rect">
             <a:avLst/>
@@ -10586,7 +10620,7 @@
         </p:spPr>
         <p:txBody>
           <a:bodyPr>
-            <a:normAutofit/>
+            <a:normAutofit lnSpcReduction="10000"/>
           </a:bodyPr>
           <a:lstStyle>
             <a:lvl1pPr marL="0" indent="0" algn="l" defTabSz="457200" rtl="0" eaLnBrk="1" latinLnBrk="0" hangingPunct="1">
@@ -10814,7 +10848,7 @@
                 <a:ea typeface="Intel Clear Light" panose="020B0404020203020204" pitchFamily="34" charset="0"/>
                 <a:cs typeface="Intel Clear Light" panose="020B0404020203020204" pitchFamily="34" charset="0"/>
               </a:rPr>
-              <a:t>It[n]</a:t>
+              <a:t>it[n]</a:t>
             </a:r>
           </a:p>
           <a:p>
@@ -10877,22 +10911,28 @@
             </a:endParaRPr>
           </a:p>
           <a:p>
-            <a:endParaRPr lang="en-US" sz="2733" dirty="0">
-              <a:ea typeface="Intel Clear Light" panose="020B0404020203020204" pitchFamily="34" charset="0"/>
-              <a:cs typeface="Intel Clear Light" panose="020B0404020203020204" pitchFamily="34" charset="0"/>
-            </a:endParaRPr>
-          </a:p>
-          <a:p>
-            <a:pPr lvl="1" indent="0">
-              <a:buNone/>
-            </a:pPr>
+            <a:r>
+              <a:rPr lang="en-US" sz="2400" dirty="0">
+                <a:ea typeface="Intel Clear Light" panose="020B0404020203020204" pitchFamily="34" charset="0"/>
+                <a:cs typeface="Intel Clear Light" panose="020B0404020203020204" pitchFamily="34" charset="0"/>
+              </a:rPr>
+              <a:t>Raw pointer is </a:t>
+            </a:r>
+            <a:r>
+              <a:rPr lang="en-US" sz="2400" dirty="0" err="1">
+                <a:ea typeface="Intel Clear Light" panose="020B0404020203020204" pitchFamily="34" charset="0"/>
+                <a:cs typeface="Intel Clear Light" panose="020B0404020203020204" pitchFamily="34" charset="0"/>
+              </a:rPr>
+              <a:t>RandomAccessIterator</a:t>
+            </a:r>
+            <a:r>
+              <a:rPr lang="en-US" sz="2400" dirty="0">
+                <a:ea typeface="Intel Clear Light" panose="020B0404020203020204" pitchFamily="34" charset="0"/>
+                <a:cs typeface="Intel Clear Light" panose="020B0404020203020204" pitchFamily="34" charset="0"/>
+              </a:rPr>
+              <a:t>.</a:t>
+            </a:r>
             <a:endParaRPr lang="ru-RU" sz="2533" i="1" dirty="0">
-              <a:ea typeface="Intel Clear Light" panose="020B0404020203020204" pitchFamily="34" charset="0"/>
-              <a:cs typeface="Intel Clear Light" panose="020B0404020203020204" pitchFamily="34" charset="0"/>
-            </a:endParaRPr>
-          </a:p>
-          <a:p>
-            <a:endParaRPr lang="en-US" sz="2400" dirty="0">
               <a:ea typeface="Intel Clear Light" panose="020B0404020203020204" pitchFamily="34" charset="0"/>
               <a:cs typeface="Intel Clear Light" panose="020B0404020203020204" pitchFamily="34" charset="0"/>
             </a:endParaRPr>
@@ -11796,8 +11836,8 @@
         </p:nvSpPr>
         <p:spPr>
           <a:xfrm>
-            <a:off x="539749" y="1274309"/>
-            <a:ext cx="8925984" cy="4711624"/>
+            <a:off x="539748" y="1274309"/>
+            <a:ext cx="10614283" cy="4711624"/>
           </a:xfrm>
           <a:prstGeom prst="rect">
             <a:avLst/>
@@ -12032,8 +12072,9 @@
             </a:r>
           </a:p>
           <a:p>
-            <a:pPr lvl="1" indent="0">
-              <a:buNone/>
+            <a:pPr marL="757748" lvl="1" indent="-457189">
+              <a:buFont typeface="Arial" panose="020B0604020202020204" pitchFamily="34" charset="0"/>
+              <a:buChar char="•"/>
             </a:pPr>
             <a:endParaRPr lang="en-US" sz="2533" dirty="0">
               <a:ea typeface="Intel Clear Light" panose="020B0404020203020204" pitchFamily="34" charset="0"/>
@@ -12041,15 +12082,50 @@
             </a:endParaRPr>
           </a:p>
           <a:p>
-            <a:pPr lvl="1" indent="0">
+            <a:pPr marL="300559" lvl="1" indent="0">
               <a:buNone/>
             </a:pPr>
-            <a:endParaRPr lang="ru-RU" sz="2533" i="1" dirty="0">
-              <a:ea typeface="Intel Clear Light" panose="020B0404020203020204" pitchFamily="34" charset="0"/>
-              <a:cs typeface="Intel Clear Light" panose="020B0404020203020204" pitchFamily="34" charset="0"/>
-            </a:endParaRPr>
-          </a:p>
-          <a:p>
+            <a:r>
+              <a:rPr lang="en-US" sz="2533" dirty="0">
+                <a:ea typeface="Intel Clear Light" panose="020B0404020203020204" pitchFamily="34" charset="0"/>
+                <a:cs typeface="Intel Clear Light" panose="020B0404020203020204" pitchFamily="34" charset="0"/>
+              </a:rPr>
+              <a:t>Notes:</a:t>
+            </a:r>
+          </a:p>
+          <a:p>
+            <a:pPr marL="757759" lvl="1" indent="-457200"/>
+            <a:r>
+              <a:rPr lang="en-US" sz="2533" i="1" dirty="0">
+                <a:ea typeface="Intel Clear Light" panose="020B0404020203020204" pitchFamily="34" charset="0"/>
+                <a:cs typeface="Intel Clear Light" panose="020B0404020203020204" pitchFamily="34" charset="0"/>
+              </a:rPr>
+              <a:t>*it = obj </a:t>
+            </a:r>
+            <a:r>
+              <a:rPr lang="en-US" sz="2533" dirty="0">
+                <a:ea typeface="Intel Clear Light" panose="020B0404020203020204" pitchFamily="34" charset="0"/>
+                <a:cs typeface="Intel Clear Light" panose="020B0404020203020204" pitchFamily="34" charset="0"/>
+              </a:rPr>
+              <a:t>might invalidate the iterator object and all its copies</a:t>
+            </a:r>
+          </a:p>
+          <a:p>
+            <a:pPr marL="757759" lvl="1" indent="-457200"/>
+            <a:r>
+              <a:rPr lang="en-US" sz="2533" i="1" dirty="0">
+                <a:ea typeface="Intel Clear Light" panose="020B0404020203020204" pitchFamily="34" charset="0"/>
+                <a:cs typeface="Intel Clear Light" panose="020B0404020203020204" pitchFamily="34" charset="0"/>
+              </a:rPr>
+              <a:t>++it </a:t>
+            </a:r>
+            <a:r>
+              <a:rPr lang="en-US" sz="2533" dirty="0">
+                <a:ea typeface="Intel Clear Light" panose="020B0404020203020204" pitchFamily="34" charset="0"/>
+                <a:cs typeface="Intel Clear Light" panose="020B0404020203020204" pitchFamily="34" charset="0"/>
+              </a:rPr>
+              <a:t>might invalidate all copies of the iterator object</a:t>
+            </a:r>
             <a:endParaRPr lang="en-US" sz="2400" dirty="0">
               <a:ea typeface="Intel Clear Light" panose="020B0404020203020204" pitchFamily="34" charset="0"/>
               <a:cs typeface="Intel Clear Light" panose="020B0404020203020204" pitchFamily="34" charset="0"/>
@@ -12367,7 +12443,16 @@
                 </a:solidFill>
                 <a:latin typeface="Consolas, "/>
               </a:rPr>
-              <a:t>InputIt,</a:t>
+              <a:t>InputIt</a:t>
+            </a:r>
+            <a:r>
+              <a:rPr lang="en-US" sz="2400" dirty="0">
+                <a:solidFill>
+                  <a:srgbClr val="000000"/>
+                </a:solidFill>
+                <a:latin typeface="Consolas, "/>
+              </a:rPr>
+              <a:t>, </a:t>
             </a:r>
             <a:r>
               <a:rPr lang="en-US" sz="2400" dirty="0" err="1">
@@ -12633,7 +12718,7 @@
         <p:spPr>
           <a:xfrm>
             <a:off x="539749" y="1274310"/>
-            <a:ext cx="11187431" cy="4421641"/>
+            <a:ext cx="11187431" cy="4912306"/>
           </a:xfrm>
           <a:prstGeom prst="rect">
             <a:avLst/>
@@ -12827,7 +12912,16 @@
                 </a:solidFill>
                 <a:latin typeface="Consolas, "/>
               </a:rPr>
-              <a:t>InputIt,</a:t>
+              <a:t>InputIt</a:t>
+            </a:r>
+            <a:r>
+              <a:rPr lang="en-US" sz="2400" dirty="0">
+                <a:solidFill>
+                  <a:srgbClr val="000000"/>
+                </a:solidFill>
+                <a:latin typeface="Consolas, "/>
+              </a:rPr>
+              <a:t>, </a:t>
             </a:r>
             <a:r>
               <a:rPr lang="en-US" sz="2400" dirty="0" err="1">
@@ -12955,10 +13049,8 @@
                 </a:solidFill>
                 <a:latin typeface="Consolas, "/>
               </a:rPr>
-              <a:t> );</a:t>
-            </a:r>
-          </a:p>
-          <a:p>
+              <a:t> ) {</a:t>
+            </a:r>
             <a:br>
               <a:rPr lang="en-US" sz="2400" dirty="0">
                 <a:solidFill>
@@ -12970,6 +13062,15 @@
             <a:r>
               <a:rPr lang="en-US" sz="2400" dirty="0">
                 <a:solidFill>
+                  <a:srgbClr val="000000"/>
+                </a:solidFill>
+                <a:latin typeface="Consolas, "/>
+              </a:rPr>
+              <a:t>    </a:t>
+            </a:r>
+            <a:r>
+              <a:rPr lang="en-US" sz="2400" dirty="0">
+                <a:solidFill>
                   <a:srgbClr val="0000FF"/>
                 </a:solidFill>
                 <a:latin typeface="Consolas, "/>
@@ -12994,7 +13095,7 @@
                 </a:solidFill>
                 <a:latin typeface="Consolas, "/>
               </a:rPr>
-              <a:t>    *</a:t>
+              <a:t>        *</a:t>
             </a:r>
             <a:r>
               <a:rPr lang="en-US" sz="2400" dirty="0" err="1">
@@ -13023,18 +13124,58 @@
                 </a:solidFill>
                 <a:latin typeface="Consolas, "/>
               </a:rPr>
-              <a:t>    ++first;</a:t>
-            </a:r>
-          </a:p>
-          <a:p>
-            <a:r>
-              <a:rPr lang="en-US" sz="2400" dirty="0">
-                <a:solidFill>
-                  <a:srgbClr val="000000"/>
-                </a:solidFill>
-                <a:latin typeface="Consolas, "/>
-              </a:rPr>
-              <a:t>    ++</a:t>
+              <a:t>        ++first;</a:t>
+            </a:r>
+          </a:p>
+          <a:p>
+            <a:r>
+              <a:rPr lang="en-US" sz="2400" dirty="0">
+                <a:solidFill>
+                  <a:srgbClr val="000000"/>
+                </a:solidFill>
+                <a:latin typeface="Consolas, "/>
+              </a:rPr>
+              <a:t>        ++</a:t>
+            </a:r>
+            <a:r>
+              <a:rPr lang="en-US" sz="2400" dirty="0" err="1">
+                <a:solidFill>
+                  <a:srgbClr val="000000"/>
+                </a:solidFill>
+                <a:latin typeface="Consolas, "/>
+              </a:rPr>
+              <a:t>d_first</a:t>
+            </a:r>
+            <a:r>
+              <a:rPr lang="en-US" sz="2400" dirty="0">
+                <a:solidFill>
+                  <a:srgbClr val="000000"/>
+                </a:solidFill>
+                <a:latin typeface="Consolas, "/>
+              </a:rPr>
+              <a:t>;</a:t>
+            </a:r>
+          </a:p>
+          <a:p>
+            <a:r>
+              <a:rPr lang="en-US" sz="2400" dirty="0">
+                <a:solidFill>
+                  <a:srgbClr val="000000"/>
+                </a:solidFill>
+                <a:latin typeface="Consolas, "/>
+              </a:rPr>
+              <a:t>    }</a:t>
+            </a:r>
+          </a:p>
+          <a:p>
+            <a:r>
+              <a:rPr lang="en-US" sz="2400" dirty="0">
+                <a:solidFill>
+                  <a:srgbClr val="000000"/>
+                </a:solidFill>
+                <a:latin typeface="Consolas, "/>
+              </a:rPr>
+              <a:t>    return </a:t>
             </a:r>
             <a:r>
               <a:rPr lang="en-US" sz="2400" dirty="0" err="1">
@@ -13088,7 +13229,7 @@
     </p:spTree>
     <p:extLst>
       <p:ext uri="{BB962C8B-B14F-4D97-AF65-F5344CB8AC3E}">
-        <p14:creationId xmlns:p14="http://schemas.microsoft.com/office/powerpoint/2010/main" val="1966727688"/>
+        <p14:creationId xmlns:p14="http://schemas.microsoft.com/office/powerpoint/2010/main" val="1116196476"/>
       </p:ext>
     </p:extLst>
   </p:cSld>
@@ -13299,7 +13440,7 @@
                 <a:ea typeface="Intel Clear Light" panose="020B0404020203020204" pitchFamily="34" charset="0"/>
                 <a:cs typeface="Intel Clear Light" panose="020B0404020203020204" pitchFamily="34" charset="0"/>
               </a:rPr>
-              <a:t>Sequences</a:t>
+              <a:t>Sequence</a:t>
             </a:r>
           </a:p>
           <a:p>
@@ -14108,7 +14249,7 @@
                 </a:solidFill>
                 <a:latin typeface="Consolas, "/>
               </a:rPr>
-              <a:t>auto</a:t>
+              <a:t>int</a:t>
             </a:r>
             <a:r>
               <a:rPr lang="en-US" sz="2667" dirty="0">
@@ -14117,7 +14258,7 @@
                 </a:solidFill>
                 <a:latin typeface="Consolas, "/>
               </a:rPr>
-              <a:t> item : v) {</a:t>
+              <a:t> item : v ) {</a:t>
             </a:r>
           </a:p>
           <a:p>
@@ -14579,6 +14720,71 @@
                 </a:solidFill>
                 <a:latin typeface="Consolas, "/>
               </a:rPr>
+              <a:t>int</a:t>
+            </a:r>
+            <a:r>
+              <a:rPr lang="en-US" sz="1867" dirty="0">
+                <a:solidFill>
+                  <a:srgbClr val="000000"/>
+                </a:solidFill>
+                <a:latin typeface="Consolas, "/>
+              </a:rPr>
+              <a:t> </a:t>
+            </a:r>
+            <a:r>
+              <a:rPr lang="en-US" sz="1867" dirty="0" err="1">
+                <a:solidFill>
+                  <a:srgbClr val="000000"/>
+                </a:solidFill>
+                <a:latin typeface="Consolas, "/>
+              </a:rPr>
+              <a:t>i</a:t>
+            </a:r>
+            <a:r>
+              <a:rPr lang="en-US" sz="1867" dirty="0">
+                <a:solidFill>
+                  <a:srgbClr val="000000"/>
+                </a:solidFill>
+                <a:latin typeface="Consolas, "/>
+              </a:rPr>
+              <a:t> : v ) </a:t>
+            </a:r>
+            <a:r>
+              <a:rPr lang="en-US" sz="1867" dirty="0">
+                <a:solidFill>
+                  <a:srgbClr val="008000"/>
+                </a:solidFill>
+                <a:latin typeface="Consolas, "/>
+              </a:rPr>
+              <a:t>// Access by value</a:t>
+            </a:r>
+          </a:p>
+          <a:p>
+            <a:r>
+              <a:rPr lang="en-US" sz="1867" dirty="0">
+                <a:solidFill>
+                  <a:srgbClr val="0000FF"/>
+                </a:solidFill>
+                <a:latin typeface="Consolas, "/>
+              </a:rPr>
+              <a:t>for</a:t>
+            </a:r>
+            <a:r>
+              <a:rPr lang="en-US" sz="1867" dirty="0">
+                <a:solidFill>
+                  <a:srgbClr val="000000"/>
+                </a:solidFill>
+                <a:latin typeface="Consolas, "/>
+              </a:rPr>
+              <a:t> ( </a:t>
+            </a:r>
+            <a:r>
+              <a:rPr lang="en-US" sz="1867" dirty="0">
+                <a:solidFill>
+                  <a:srgbClr val="0000FF"/>
+                </a:solidFill>
+                <a:latin typeface="Consolas, "/>
+              </a:rPr>
               <a:t>auto</a:t>
             </a:r>
             <a:r>
@@ -14821,8 +15027,11 @@
             </a:endParaRPr>
           </a:p>
           <a:p>
-            <a:endParaRPr lang="en-US" sz="2533" i="1" dirty="0">
-              <a:latin typeface="Intel Clear Light" panose="020B0404020203020204" pitchFamily="34" charset="0"/>
+            <a:endParaRPr lang="en-US" sz="1867" i="1" dirty="0">
+              <a:solidFill>
+                <a:srgbClr val="000000"/>
+              </a:solidFill>
+              <a:latin typeface="Consolas, "/>
               <a:ea typeface="Intel Clear Light" panose="020B0404020203020204" pitchFamily="34" charset="0"/>
               <a:cs typeface="Intel Clear Light" panose="020B0404020203020204" pitchFamily="34" charset="0"/>
             </a:endParaRPr>
@@ -18562,7 +18771,7 @@
                 </a:solidFill>
                 <a:latin typeface="Consolas, "/>
               </a:rPr>
-              <a:t>// Also operators &gt;, &lt;=, &gt;=</a:t>
+              <a:t>// Also, operators &gt;, &lt;=, &gt;=</a:t>
             </a:r>
             <a:endParaRPr lang="en-US" sz="2400" dirty="0">
               <a:solidFill>
@@ -18810,7 +19019,7 @@
                 <a:ea typeface="Intel Clear Light" panose="020B0404020203020204" pitchFamily="34" charset="0"/>
                 <a:cs typeface="Intel Clear Light" panose="020B0404020203020204" pitchFamily="34" charset="0"/>
               </a:rPr>
-              <a:t>Sequences</a:t>
+              <a:t>Sequence</a:t>
             </a:r>
           </a:p>
           <a:p>
@@ -22788,7 +22997,7 @@
                 <a:ea typeface="Intel Clear Pro Bold" panose="020B0804020202060201" pitchFamily="34" charset="-52"/>
                 <a:cs typeface="Intel Clear Pro Bold" panose="020B0804020202060201" pitchFamily="34" charset="-52"/>
               </a:rPr>
-              <a:t>Dereferenceable and not dereferenceable iterators</a:t>
+              <a:t>Dereferenceable and non dereferenceable iterators</a:t>
             </a:r>
           </a:p>
         </p:txBody>
@@ -23449,7 +23658,7 @@
                 </a:solidFill>
                 <a:latin typeface="Consolas, "/>
               </a:rPr>
-              <a:t>// It was invalidated</a:t>
+              <a:t>// it was invalidated</a:t>
             </a:r>
             <a:endParaRPr lang="en-US" sz="2400" dirty="0">
               <a:solidFill>
